--- a/textmining3 BOW.pptx
+++ b/textmining3 BOW.pptx
@@ -2590,7 +2590,7 @@
           <a:p>
             <a:fld id="{0135936D-836F-419C-9F68-DEDA5DD6EA2C}" type="datetimeFigureOut">
               <a:rPr kumimoji="1" lang="ja-JP" altLang="en-US" smtClean="0"/>
-              <a:t>2024/3/9</a:t>
+              <a:t>2024/3/11</a:t>
             </a:fld>
             <a:endParaRPr kumimoji="1" lang="ja-JP" altLang="en-US"/>
           </a:p>
@@ -3020,7 +3020,7 @@
           <a:p>
             <a:fld id="{2ABC02D7-CBD1-4D33-B166-78A898DF0F76}" type="datetimeFigureOut">
               <a:rPr kumimoji="1" lang="ja-JP" altLang="en-US" smtClean="0"/>
-              <a:t>2024/3/9</a:t>
+              <a:t>2024/3/11</a:t>
             </a:fld>
             <a:endParaRPr kumimoji="1" lang="ja-JP" altLang="en-US"/>
           </a:p>
@@ -3222,7 +3222,7 @@
           <a:p>
             <a:fld id="{2ABC02D7-CBD1-4D33-B166-78A898DF0F76}" type="datetimeFigureOut">
               <a:rPr kumimoji="1" lang="ja-JP" altLang="en-US" smtClean="0"/>
-              <a:t>2024/3/9</a:t>
+              <a:t>2024/3/11</a:t>
             </a:fld>
             <a:endParaRPr kumimoji="1" lang="ja-JP" altLang="en-US"/>
           </a:p>
@@ -3434,7 +3434,7 @@
           <a:p>
             <a:fld id="{2ABC02D7-CBD1-4D33-B166-78A898DF0F76}" type="datetimeFigureOut">
               <a:rPr kumimoji="1" lang="ja-JP" altLang="en-US" smtClean="0"/>
-              <a:t>2024/3/9</a:t>
+              <a:t>2024/3/11</a:t>
             </a:fld>
             <a:endParaRPr kumimoji="1" lang="ja-JP" altLang="en-US"/>
           </a:p>
@@ -3636,7 +3636,7 @@
           <a:p>
             <a:fld id="{2ABC02D7-CBD1-4D33-B166-78A898DF0F76}" type="datetimeFigureOut">
               <a:rPr kumimoji="1" lang="ja-JP" altLang="en-US" smtClean="0"/>
-              <a:t>2024/3/9</a:t>
+              <a:t>2024/3/11</a:t>
             </a:fld>
             <a:endParaRPr kumimoji="1" lang="ja-JP" altLang="en-US"/>
           </a:p>
@@ -3882,7 +3882,7 @@
           <a:p>
             <a:fld id="{2ABC02D7-CBD1-4D33-B166-78A898DF0F76}" type="datetimeFigureOut">
               <a:rPr kumimoji="1" lang="ja-JP" altLang="en-US" smtClean="0"/>
-              <a:t>2024/3/9</a:t>
+              <a:t>2024/3/11</a:t>
             </a:fld>
             <a:endParaRPr kumimoji="1" lang="ja-JP" altLang="en-US"/>
           </a:p>
@@ -4178,7 +4178,7 @@
           <a:p>
             <a:fld id="{2ABC02D7-CBD1-4D33-B166-78A898DF0F76}" type="datetimeFigureOut">
               <a:rPr kumimoji="1" lang="ja-JP" altLang="en-US" smtClean="0"/>
-              <a:t>2024/3/9</a:t>
+              <a:t>2024/3/11</a:t>
             </a:fld>
             <a:endParaRPr kumimoji="1" lang="ja-JP" altLang="en-US"/>
           </a:p>
@@ -4609,7 +4609,7 @@
           <a:p>
             <a:fld id="{2ABC02D7-CBD1-4D33-B166-78A898DF0F76}" type="datetimeFigureOut">
               <a:rPr kumimoji="1" lang="ja-JP" altLang="en-US" smtClean="0"/>
-              <a:t>2024/3/9</a:t>
+              <a:t>2024/3/11</a:t>
             </a:fld>
             <a:endParaRPr kumimoji="1" lang="ja-JP" altLang="en-US"/>
           </a:p>
@@ -4727,7 +4727,7 @@
           <a:p>
             <a:fld id="{2ABC02D7-CBD1-4D33-B166-78A898DF0F76}" type="datetimeFigureOut">
               <a:rPr kumimoji="1" lang="ja-JP" altLang="en-US" smtClean="0"/>
-              <a:t>2024/3/9</a:t>
+              <a:t>2024/3/11</a:t>
             </a:fld>
             <a:endParaRPr kumimoji="1" lang="ja-JP" altLang="en-US"/>
           </a:p>
@@ -4822,7 +4822,7 @@
           <a:p>
             <a:fld id="{2ABC02D7-CBD1-4D33-B166-78A898DF0F76}" type="datetimeFigureOut">
               <a:rPr kumimoji="1" lang="ja-JP" altLang="en-US" smtClean="0"/>
-              <a:t>2024/3/9</a:t>
+              <a:t>2024/3/11</a:t>
             </a:fld>
             <a:endParaRPr kumimoji="1" lang="ja-JP" altLang="en-US"/>
           </a:p>
@@ -5131,7 +5131,7 @@
           <a:p>
             <a:fld id="{2ABC02D7-CBD1-4D33-B166-78A898DF0F76}" type="datetimeFigureOut">
               <a:rPr kumimoji="1" lang="ja-JP" altLang="en-US" smtClean="0"/>
-              <a:t>2024/3/9</a:t>
+              <a:t>2024/3/11</a:t>
             </a:fld>
             <a:endParaRPr kumimoji="1" lang="ja-JP" altLang="en-US"/>
           </a:p>
@@ -5388,7 +5388,7 @@
           <a:p>
             <a:fld id="{2ABC02D7-CBD1-4D33-B166-78A898DF0F76}" type="datetimeFigureOut">
               <a:rPr kumimoji="1" lang="ja-JP" altLang="en-US" smtClean="0"/>
-              <a:t>2024/3/9</a:t>
+              <a:t>2024/3/11</a:t>
             </a:fld>
             <a:endParaRPr kumimoji="1" lang="ja-JP" altLang="en-US"/>
           </a:p>
@@ -5633,7 +5633,7 @@
           <a:p>
             <a:fld id="{2ABC02D7-CBD1-4D33-B166-78A898DF0F76}" type="datetimeFigureOut">
               <a:rPr kumimoji="1" lang="ja-JP" altLang="en-US" smtClean="0"/>
-              <a:t>2024/3/9</a:t>
+              <a:t>2024/3/11</a:t>
             </a:fld>
             <a:endParaRPr kumimoji="1" lang="ja-JP" altLang="en-US"/>
           </a:p>
@@ -8183,7 +8183,7 @@
         </p:nvSpPr>
         <p:spPr>
           <a:xfrm>
-            <a:off x="693683" y="273269"/>
+            <a:off x="496690" y="133685"/>
             <a:ext cx="10443885" cy="584775"/>
           </a:xfrm>
           <a:prstGeom prst="rect">
@@ -8317,6 +8317,50 @@
               </a:rPr>
               <a:t>チョコレートとチョコは辞書として一緒にした方がよさそうだがどうしたらよいか</a:t>
             </a:r>
+          </a:p>
+        </p:txBody>
+      </p:sp>
+      <p:sp>
+        <p:nvSpPr>
+          <p:cNvPr id="8" name="テキスト ボックス 7">
+            <a:extLst>
+              <a:ext uri="{FF2B5EF4-FFF2-40B4-BE49-F238E27FC236}">
+                <a16:creationId xmlns:a16="http://schemas.microsoft.com/office/drawing/2014/main" id="{A430BFCE-94BB-A883-D4CF-B379DE3822EC}"/>
+              </a:ext>
+            </a:extLst>
+          </p:cNvPr>
+          <p:cNvSpPr txBox="1"/>
+          <p:nvPr/>
+        </p:nvSpPr>
+        <p:spPr>
+          <a:xfrm>
+            <a:off x="517000" y="594496"/>
+            <a:ext cx="8228406" cy="369332"/>
+          </a:xfrm>
+          <a:prstGeom prst="rect">
+            <a:avLst/>
+          </a:prstGeom>
+          <a:noFill/>
+        </p:spPr>
+        <p:txBody>
+          <a:bodyPr wrap="none" rtlCol="0">
+            <a:spAutoFit/>
+          </a:bodyPr>
+          <a:lstStyle/>
+          <a:p>
+            <a:pPr algn="l"/>
+            <a:r>
+              <a:rPr kumimoji="1" lang="en-US" altLang="ja-JP" dirty="0">
+                <a:latin typeface="メイリオ" panose="020B0604030504040204" pitchFamily="50" charset="-128"/>
+                <a:ea typeface="メイリオ" panose="020B0604030504040204" pitchFamily="50" charset="-128"/>
+                <a:hlinkClick r:id="rId3"/>
+              </a:rPr>
+              <a:t>https://github.com/ueharaLab/NLP3_BoW/blob/main/BoW_coding.md</a:t>
+            </a:r>
+            <a:endParaRPr kumimoji="1" lang="ja-JP" altLang="en-US" dirty="0">
+              <a:latin typeface="メイリオ" panose="020B0604030504040204" pitchFamily="50" charset="-128"/>
+              <a:ea typeface="メイリオ" panose="020B0604030504040204" pitchFamily="50" charset="-128"/>
+            </a:endParaRPr>
           </a:p>
         </p:txBody>
       </p:sp>
@@ -10244,7 +10288,7 @@
         </p:nvSpPr>
         <p:spPr>
           <a:xfrm>
-            <a:off x="396647" y="1993574"/>
+            <a:off x="404123" y="2420294"/>
             <a:ext cx="5498621" cy="461665"/>
           </a:xfrm>
           <a:prstGeom prst="rect">
@@ -10297,7 +10341,7 @@
         </p:nvSpPr>
         <p:spPr>
           <a:xfrm>
-            <a:off x="1788290" y="3031673"/>
+            <a:off x="1795766" y="3458393"/>
             <a:ext cx="9059275" cy="461665"/>
           </a:xfrm>
           <a:prstGeom prst="rect">
@@ -10350,7 +10394,7 @@
         </p:nvCxnSpPr>
         <p:spPr>
           <a:xfrm flipH="1">
-            <a:off x="8555960" y="2777885"/>
+            <a:off x="8563436" y="3204605"/>
             <a:ext cx="148759" cy="373399"/>
           </a:xfrm>
           <a:prstGeom prst="straightConnector1">
@@ -10389,7 +10433,7 @@
         </p:nvSpPr>
         <p:spPr>
           <a:xfrm>
-            <a:off x="8100094" y="2470536"/>
+            <a:off x="8107570" y="2897256"/>
             <a:ext cx="2031325" cy="461665"/>
           </a:xfrm>
           <a:prstGeom prst="rect">
@@ -10428,7 +10472,7 @@
         </p:nvSpPr>
         <p:spPr>
           <a:xfrm>
-            <a:off x="1788290" y="4448636"/>
+            <a:off x="1795766" y="4875356"/>
             <a:ext cx="10859839" cy="1323439"/>
           </a:xfrm>
           <a:prstGeom prst="rect">
@@ -10555,7 +10599,7 @@
         </p:nvCxnSpPr>
         <p:spPr>
           <a:xfrm>
-            <a:off x="2143397" y="2796773"/>
+            <a:off x="2150873" y="3223493"/>
             <a:ext cx="319596" cy="230833"/>
           </a:xfrm>
           <a:prstGeom prst="straightConnector1">
@@ -10594,7 +10638,7 @@
         </p:nvSpPr>
         <p:spPr>
           <a:xfrm>
-            <a:off x="731986" y="2466469"/>
+            <a:off x="739462" y="2893189"/>
             <a:ext cx="4185761" cy="461665"/>
           </a:xfrm>
           <a:prstGeom prst="rect">
@@ -10633,7 +10677,7 @@
         </p:nvSpPr>
         <p:spPr>
           <a:xfrm>
-            <a:off x="1796391" y="3451238"/>
+            <a:off x="1803867" y="3877958"/>
             <a:ext cx="5214376" cy="830997"/>
           </a:xfrm>
           <a:prstGeom prst="rect">
@@ -10699,7 +10743,7 @@
         </p:nvSpPr>
         <p:spPr>
           <a:xfrm>
-            <a:off x="1796391" y="3882695"/>
+            <a:off x="1803867" y="4309415"/>
             <a:ext cx="6710107" cy="461665"/>
           </a:xfrm>
           <a:prstGeom prst="rect">
@@ -10755,7 +10799,7 @@
         </p:nvSpPr>
         <p:spPr>
           <a:xfrm>
-            <a:off x="389171" y="916648"/>
+            <a:off x="396647" y="1343368"/>
             <a:ext cx="10350911" cy="830997"/>
           </a:xfrm>
           <a:prstGeom prst="rect">
@@ -10832,6 +10876,57 @@
               </a:rPr>
               <a:t>データ作成　を一度にやってくれる</a:t>
             </a:r>
+          </a:p>
+        </p:txBody>
+      </p:sp>
+      <p:sp>
+        <p:nvSpPr>
+          <p:cNvPr id="3" name="テキスト ボックス 2">
+            <a:extLst>
+              <a:ext uri="{FF2B5EF4-FFF2-40B4-BE49-F238E27FC236}">
+                <a16:creationId xmlns:a16="http://schemas.microsoft.com/office/drawing/2014/main" id="{B5610F0E-224B-E790-F716-70DF33D98D34}"/>
+              </a:ext>
+            </a:extLst>
+          </p:cNvPr>
+          <p:cNvSpPr txBox="1"/>
+          <p:nvPr/>
+        </p:nvSpPr>
+        <p:spPr>
+          <a:xfrm>
+            <a:off x="396647" y="866528"/>
+            <a:ext cx="8228406" cy="646331"/>
+          </a:xfrm>
+          <a:prstGeom prst="rect">
+            <a:avLst/>
+          </a:prstGeom>
+          <a:noFill/>
+        </p:spPr>
+        <p:txBody>
+          <a:bodyPr wrap="none" rtlCol="0">
+            <a:spAutoFit/>
+          </a:bodyPr>
+          <a:lstStyle/>
+          <a:p>
+            <a:pPr algn="l"/>
+            <a:r>
+              <a:rPr kumimoji="1" lang="en-US" altLang="ja-JP" dirty="0">
+                <a:latin typeface="メイリオ" panose="020B0604030504040204" pitchFamily="50" charset="-128"/>
+                <a:ea typeface="メイリオ" panose="020B0604030504040204" pitchFamily="50" charset="-128"/>
+                <a:hlinkClick r:id="rId2"/>
+              </a:rPr>
+              <a:t>https://github.com/ueharaLab/NLP3_BoW/blob/main/BoW_coding.md</a:t>
+            </a:r>
+            <a:endParaRPr kumimoji="1" lang="en-US" altLang="ja-JP" dirty="0">
+              <a:latin typeface="メイリオ" panose="020B0604030504040204" pitchFamily="50" charset="-128"/>
+              <a:ea typeface="メイリオ" panose="020B0604030504040204" pitchFamily="50" charset="-128"/>
+            </a:endParaRPr>
+          </a:p>
+          <a:p>
+            <a:pPr algn="l"/>
+            <a:endParaRPr kumimoji="1" lang="ja-JP" altLang="en-US" dirty="0">
+              <a:latin typeface="メイリオ" panose="020B0604030504040204" pitchFamily="50" charset="-128"/>
+              <a:ea typeface="メイリオ" panose="020B0604030504040204" pitchFamily="50" charset="-128"/>
+            </a:endParaRPr>
           </a:p>
         </p:txBody>
       </p:sp>
@@ -12695,7 +12790,7 @@
         </p:nvSpPr>
         <p:spPr>
           <a:xfrm>
-            <a:off x="589280" y="528320"/>
+            <a:off x="544850" y="318863"/>
             <a:ext cx="5519460" cy="584775"/>
           </a:xfrm>
           <a:prstGeom prst="rect">
@@ -13181,6 +13276,57 @@
               </a:rPr>
               <a:t>のある語彙の頻度をそのようにして確認せよ</a:t>
             </a:r>
+          </a:p>
+        </p:txBody>
+      </p:sp>
+      <p:sp>
+        <p:nvSpPr>
+          <p:cNvPr id="9" name="テキスト ボックス 8">
+            <a:extLst>
+              <a:ext uri="{FF2B5EF4-FFF2-40B4-BE49-F238E27FC236}">
+                <a16:creationId xmlns:a16="http://schemas.microsoft.com/office/drawing/2014/main" id="{E2EC2448-D17A-DF26-4E2C-C4A718669E60}"/>
+              </a:ext>
+            </a:extLst>
+          </p:cNvPr>
+          <p:cNvSpPr txBox="1"/>
+          <p:nvPr/>
+        </p:nvSpPr>
+        <p:spPr>
+          <a:xfrm>
+            <a:off x="497840" y="780527"/>
+            <a:ext cx="10891123" cy="830997"/>
+          </a:xfrm>
+          <a:prstGeom prst="rect">
+            <a:avLst/>
+          </a:prstGeom>
+          <a:noFill/>
+        </p:spPr>
+        <p:txBody>
+          <a:bodyPr wrap="none" rtlCol="0">
+            <a:spAutoFit/>
+          </a:bodyPr>
+          <a:lstStyle/>
+          <a:p>
+            <a:pPr algn="l"/>
+            <a:r>
+              <a:rPr kumimoji="1" lang="en-US" altLang="ja-JP" sz="2400" dirty="0">
+                <a:latin typeface="メイリオ" panose="020B0604030504040204" pitchFamily="50" charset="-128"/>
+                <a:ea typeface="メイリオ" panose="020B0604030504040204" pitchFamily="50" charset="-128"/>
+                <a:hlinkClick r:id="rId2"/>
+              </a:rPr>
+              <a:t>https://github.com/ueharaLab/NLP3_BoW/blob/main/BoW_coding.md</a:t>
+            </a:r>
+            <a:endParaRPr kumimoji="1" lang="en-US" altLang="ja-JP" sz="2400" dirty="0">
+              <a:latin typeface="メイリオ" panose="020B0604030504040204" pitchFamily="50" charset="-128"/>
+              <a:ea typeface="メイリオ" panose="020B0604030504040204" pitchFamily="50" charset="-128"/>
+            </a:endParaRPr>
+          </a:p>
+          <a:p>
+            <a:pPr algn="l"/>
+            <a:endParaRPr kumimoji="1" lang="ja-JP" altLang="en-US" sz="2400" dirty="0">
+              <a:latin typeface="メイリオ" panose="020B0604030504040204" pitchFamily="50" charset="-128"/>
+              <a:ea typeface="メイリオ" panose="020B0604030504040204" pitchFamily="50" charset="-128"/>
+            </a:endParaRPr>
           </a:p>
         </p:txBody>
       </p:sp>
@@ -15343,8 +15489,8 @@
           </a:p>
         </p:txBody>
       </p:sp>
-      <mc:AlternateContent xmlns:mc="http://schemas.openxmlformats.org/markup-compatibility/2006">
-        <mc:Choice xmlns:a14="http://schemas.microsoft.com/office/drawing/2010/main" Requires="a14">
+      <mc:AlternateContent xmlns:mc="http://schemas.openxmlformats.org/markup-compatibility/2006" xmlns:a14="http://schemas.microsoft.com/office/drawing/2010/main">
+        <mc:Choice Requires="a14">
           <p:sp>
             <p:nvSpPr>
               <p:cNvPr id="6" name="テキスト ボックス 5">
@@ -15468,7 +15614,7 @@
             </p:txBody>
           </p:sp>
         </mc:Choice>
-        <mc:Fallback>
+        <mc:Fallback xmlns="">
           <p:sp>
             <p:nvSpPr>
               <p:cNvPr id="6" name="テキスト ボックス 5">
@@ -15513,8 +15659,8 @@
           </p:sp>
         </mc:Fallback>
       </mc:AlternateContent>
-      <mc:AlternateContent xmlns:mc="http://schemas.openxmlformats.org/markup-compatibility/2006">
-        <mc:Choice xmlns:a14="http://schemas.microsoft.com/office/drawing/2010/main" Requires="a14">
+      <mc:AlternateContent xmlns:mc="http://schemas.openxmlformats.org/markup-compatibility/2006" xmlns:a14="http://schemas.microsoft.com/office/drawing/2010/main">
+        <mc:Choice Requires="a14">
           <p:sp>
             <p:nvSpPr>
               <p:cNvPr id="7" name="テキスト ボックス 6">
@@ -15638,7 +15784,7 @@
             </p:txBody>
           </p:sp>
         </mc:Choice>
-        <mc:Fallback>
+        <mc:Fallback xmlns="">
           <p:sp>
             <p:nvSpPr>
               <p:cNvPr id="7" name="テキスト ボックス 6">
@@ -15759,8 +15905,8 @@
           </a:fontRef>
         </p:style>
       </p:cxnSp>
-      <mc:AlternateContent xmlns:mc="http://schemas.openxmlformats.org/markup-compatibility/2006">
-        <mc:Choice xmlns:a14="http://schemas.microsoft.com/office/drawing/2010/main" Requires="a14">
+      <mc:AlternateContent xmlns:mc="http://schemas.openxmlformats.org/markup-compatibility/2006" xmlns:a14="http://schemas.microsoft.com/office/drawing/2010/main">
+        <mc:Choice Requires="a14">
           <p:sp>
             <p:nvSpPr>
               <p:cNvPr id="13" name="テキスト ボックス 12">
@@ -15871,7 +16017,7 @@
             </p:txBody>
           </p:sp>
         </mc:Choice>
-        <mc:Fallback>
+        <mc:Fallback xmlns="">
           <p:sp>
             <p:nvSpPr>
               <p:cNvPr id="13" name="テキスト ボックス 12">
@@ -16013,8 +16159,8 @@
           </a:p>
         </p:txBody>
       </p:sp>
-      <mc:AlternateContent xmlns:mc="http://schemas.openxmlformats.org/markup-compatibility/2006">
-        <mc:Choice xmlns:a14="http://schemas.microsoft.com/office/drawing/2010/main" Requires="a14">
+      <mc:AlternateContent xmlns:mc="http://schemas.openxmlformats.org/markup-compatibility/2006" xmlns:a14="http://schemas.microsoft.com/office/drawing/2010/main">
+        <mc:Choice Requires="a14">
           <p:sp>
             <p:nvSpPr>
               <p:cNvPr id="16" name="テキスト ボックス 15">
@@ -16043,6 +16189,7 @@
               </a:bodyPr>
               <a:lstStyle/>
               <a:p>
+                <a:pPr/>
                 <a14:m>
                   <m:oMathPara xmlns:m="http://schemas.openxmlformats.org/officeDocument/2006/math">
                     <m:oMathParaPr>
@@ -16130,7 +16277,7 @@
             </p:txBody>
           </p:sp>
         </mc:Choice>
-        <mc:Fallback>
+        <mc:Fallback xmlns="">
           <p:sp>
             <p:nvSpPr>
               <p:cNvPr id="16" name="テキスト ボックス 15">
@@ -16175,8 +16322,8 @@
           </p:sp>
         </mc:Fallback>
       </mc:AlternateContent>
-      <mc:AlternateContent xmlns:mc="http://schemas.openxmlformats.org/markup-compatibility/2006">
-        <mc:Choice xmlns:a14="http://schemas.microsoft.com/office/drawing/2010/main" Requires="a14">
+      <mc:AlternateContent xmlns:mc="http://schemas.openxmlformats.org/markup-compatibility/2006" xmlns:a14="http://schemas.microsoft.com/office/drawing/2010/main">
+        <mc:Choice Requires="a14">
           <p:sp>
             <p:nvSpPr>
               <p:cNvPr id="17" name="テキスト ボックス 16">
@@ -16271,7 +16418,7 @@
             </p:txBody>
           </p:sp>
         </mc:Choice>
-        <mc:Fallback>
+        <mc:Fallback xmlns="">
           <p:sp>
             <p:nvSpPr>
               <p:cNvPr id="17" name="テキスト ボックス 16">

--- a/textmining3 BOW.pptx
+++ b/textmining3 BOW.pptx
@@ -2889,6 +2889,90 @@
 </p:notesMaster>
 </file>
 
+<file path=ppt/notesSlides/notesSlide1.xml><?xml version="1.0" encoding="utf-8"?>
+<p:notes xmlns:a="http://schemas.openxmlformats.org/drawingml/2006/main" xmlns:r="http://schemas.openxmlformats.org/officeDocument/2006/relationships" xmlns:p="http://schemas.openxmlformats.org/presentationml/2006/main">
+  <p:cSld>
+    <p:spTree>
+      <p:nvGrpSpPr>
+        <p:cNvPr id="1" name=""/>
+        <p:cNvGrpSpPr/>
+        <p:nvPr/>
+      </p:nvGrpSpPr>
+      <p:grpSpPr>
+        <a:xfrm>
+          <a:off x="0" y="0"/>
+          <a:ext cx="0" cy="0"/>
+          <a:chOff x="0" y="0"/>
+          <a:chExt cx="0" cy="0"/>
+        </a:xfrm>
+      </p:grpSpPr>
+      <p:sp>
+        <p:nvSpPr>
+          <p:cNvPr id="2" name="スライド イメージ プレースホルダー 1"/>
+          <p:cNvSpPr>
+            <a:spLocks noGrp="1" noRot="1" noChangeAspect="1"/>
+          </p:cNvSpPr>
+          <p:nvPr>
+            <p:ph type="sldImg"/>
+          </p:nvPr>
+        </p:nvSpPr>
+        <p:spPr/>
+      </p:sp>
+      <p:sp>
+        <p:nvSpPr>
+          <p:cNvPr id="3" name="ノート プレースホルダー 2"/>
+          <p:cNvSpPr>
+            <a:spLocks noGrp="1"/>
+          </p:cNvSpPr>
+          <p:nvPr>
+            <p:ph type="body" idx="1"/>
+          </p:nvPr>
+        </p:nvSpPr>
+        <p:spPr/>
+        <p:txBody>
+          <a:bodyPr/>
+          <a:lstStyle/>
+          <a:p>
+            <a:endParaRPr kumimoji="1" lang="ja-JP" altLang="en-US" dirty="0"/>
+          </a:p>
+        </p:txBody>
+      </p:sp>
+      <p:sp>
+        <p:nvSpPr>
+          <p:cNvPr id="4" name="スライド番号プレースホルダー 3"/>
+          <p:cNvSpPr>
+            <a:spLocks noGrp="1"/>
+          </p:cNvSpPr>
+          <p:nvPr>
+            <p:ph type="sldNum" sz="quarter" idx="5"/>
+          </p:nvPr>
+        </p:nvSpPr>
+        <p:spPr/>
+        <p:txBody>
+          <a:bodyPr/>
+          <a:lstStyle/>
+          <a:p>
+            <a:fld id="{F88306EB-F4D8-4CD3-A9EA-E1E8C435DBF8}" type="slidenum">
+              <a:rPr kumimoji="1" lang="ja-JP" altLang="en-US" smtClean="0"/>
+              <a:t>19</a:t>
+            </a:fld>
+            <a:endParaRPr kumimoji="1" lang="ja-JP" altLang="en-US"/>
+          </a:p>
+        </p:txBody>
+      </p:sp>
+    </p:spTree>
+    <p:extLst>
+      <p:ext uri="{BB962C8B-B14F-4D97-AF65-F5344CB8AC3E}">
+        <p14:creationId xmlns:p14="http://schemas.microsoft.com/office/powerpoint/2010/main" val="1766230118"/>
+      </p:ext>
+    </p:extLst>
+  </p:cSld>
+  <p:clrMapOvr>
+    <a:masterClrMapping/>
+  </p:clrMapOvr>
+</p:notes>
+</file>
+
 <file path=ppt/slideLayouts/slideLayout1.xml><?xml version="1.0" encoding="utf-8"?>
 <p:sldLayout xmlns:a="http://schemas.openxmlformats.org/drawingml/2006/main" xmlns:r="http://schemas.openxmlformats.org/officeDocument/2006/relationships" xmlns:p="http://schemas.openxmlformats.org/presentationml/2006/main" type="title" preserve="1">
   <p:cSld name="タイトル スライド">
@@ -13152,7 +13236,7 @@
         </p:nvSpPr>
         <p:spPr>
           <a:xfrm>
-            <a:off x="743168" y="4663440"/>
+            <a:off x="743168" y="4484481"/>
             <a:ext cx="800219" cy="461665"/>
           </a:xfrm>
           <a:prstGeom prst="rect">
@@ -13191,8 +13275,8 @@
         </p:nvSpPr>
         <p:spPr>
           <a:xfrm>
-            <a:off x="699887" y="5125105"/>
-            <a:ext cx="11279050" cy="1200329"/>
+            <a:off x="722193" y="4933633"/>
+            <a:ext cx="11469807" cy="1938992"/>
           </a:xfrm>
           <a:prstGeom prst="rect">
             <a:avLst/>
@@ -13225,7 +13309,7 @@
                 <a:latin typeface="メイリオ" panose="020B0604030504040204" pitchFamily="50" charset="-128"/>
                 <a:ea typeface="メイリオ" panose="020B0604030504040204" pitchFamily="50" charset="-128"/>
               </a:rPr>
-              <a:t>=0.5</a:t>
+              <a:t>=0.8</a:t>
             </a:r>
             <a:r>
               <a:rPr kumimoji="1" lang="ja-JP" altLang="en-US" sz="2400" dirty="0">
@@ -13255,26 +13339,78 @@
           </a:p>
           <a:p>
             <a:pPr algn="l"/>
+            <a:endParaRPr kumimoji="1" lang="en-US" altLang="ja-JP" sz="2400" dirty="0">
+              <a:latin typeface="メイリオ" panose="020B0604030504040204" pitchFamily="50" charset="-128"/>
+              <a:ea typeface="メイリオ" panose="020B0604030504040204" pitchFamily="50" charset="-128"/>
+            </a:endParaRPr>
+          </a:p>
+          <a:p>
+            <a:pPr algn="l"/>
             <a:r>
               <a:rPr kumimoji="1" lang="ja-JP" altLang="en-US" sz="2400" dirty="0">
                 <a:latin typeface="メイリオ" panose="020B0604030504040204" pitchFamily="50" charset="-128"/>
                 <a:ea typeface="メイリオ" panose="020B0604030504040204" pitchFamily="50" charset="-128"/>
               </a:rPr>
-              <a:t>ためしに</a:t>
-            </a:r>
-            <a:r>
-              <a:rPr kumimoji="1" lang="en-US" altLang="ja-JP" sz="2400" dirty="0" err="1">
-                <a:latin typeface="メイリオ" panose="020B0604030504040204" pitchFamily="50" charset="-128"/>
-                <a:ea typeface="メイリオ" panose="020B0604030504040204" pitchFamily="50" charset="-128"/>
-              </a:rPr>
-              <a:t>tsukurepo_bow</a:t>
+              <a:t>　　シュークリーム口コミ数 </a:t>
+            </a:r>
+            <a:r>
+              <a:rPr kumimoji="1" lang="en-US" altLang="ja-JP" sz="2400" dirty="0">
+                <a:latin typeface="メイリオ" panose="020B0604030504040204" pitchFamily="50" charset="-128"/>
+                <a:ea typeface="メイリオ" panose="020B0604030504040204" pitchFamily="50" charset="-128"/>
+              </a:rPr>
+              <a:t>25</a:t>
             </a:r>
             <a:r>
               <a:rPr kumimoji="1" lang="ja-JP" altLang="en-US" sz="2400" dirty="0">
                 <a:latin typeface="メイリオ" panose="020B0604030504040204" pitchFamily="50" charset="-128"/>
                 <a:ea typeface="メイリオ" panose="020B0604030504040204" pitchFamily="50" charset="-128"/>
               </a:rPr>
-              <a:t>のある語彙の頻度をそのようにして確認せよ</a:t>
+              <a:t>　プリン口コミ数 </a:t>
+            </a:r>
+            <a:r>
+              <a:rPr kumimoji="1" lang="en-US" altLang="ja-JP" sz="2400" dirty="0">
+                <a:latin typeface="メイリオ" panose="020B0604030504040204" pitchFamily="50" charset="-128"/>
+                <a:ea typeface="メイリオ" panose="020B0604030504040204" pitchFamily="50" charset="-128"/>
+              </a:rPr>
+              <a:t>25</a:t>
+            </a:r>
+          </a:p>
+          <a:p>
+            <a:pPr algn="l"/>
+            <a:r>
+              <a:rPr kumimoji="1" lang="ja-JP" altLang="en-US" sz="2400" dirty="0">
+                <a:latin typeface="メイリオ" panose="020B0604030504040204" pitchFamily="50" charset="-128"/>
+                <a:ea typeface="メイリオ" panose="020B0604030504040204" pitchFamily="50" charset="-128"/>
+              </a:rPr>
+              <a:t>　　</a:t>
+            </a:r>
+            <a:r>
+              <a:rPr kumimoji="1" lang="en-US" altLang="ja-JP" sz="2400" dirty="0">
+                <a:latin typeface="メイリオ" panose="020B0604030504040204" pitchFamily="50" charset="-128"/>
+                <a:ea typeface="メイリオ" panose="020B0604030504040204" pitchFamily="50" charset="-128"/>
+              </a:rPr>
+              <a:t>  ‘</a:t>
+            </a:r>
+            <a:r>
+              <a:rPr kumimoji="1" lang="ja-JP" altLang="en-US" sz="2400" dirty="0">
+                <a:latin typeface="メイリオ" panose="020B0604030504040204" pitchFamily="50" charset="-128"/>
+                <a:ea typeface="メイリオ" panose="020B0604030504040204" pitchFamily="50" charset="-128"/>
+              </a:rPr>
+              <a:t>カスタード</a:t>
+            </a:r>
+            <a:r>
+              <a:rPr kumimoji="1" lang="en-US" altLang="ja-JP" sz="2400" dirty="0">
+                <a:latin typeface="メイリオ" panose="020B0604030504040204" pitchFamily="50" charset="-128"/>
+                <a:ea typeface="メイリオ" panose="020B0604030504040204" pitchFamily="50" charset="-128"/>
+              </a:rPr>
+              <a:t>’50</a:t>
+            </a:r>
+            <a:r>
+              <a:rPr kumimoji="1" lang="ja-JP" altLang="en-US" sz="2400" dirty="0">
+                <a:latin typeface="メイリオ" panose="020B0604030504040204" pitchFamily="50" charset="-128"/>
+                <a:ea typeface="メイリオ" panose="020B0604030504040204" pitchFamily="50" charset="-128"/>
+              </a:rPr>
+              <a:t>件がシュークリームのみに出現</a:t>
             </a:r>
           </a:p>
         </p:txBody>
@@ -13312,7 +13448,7 @@
               <a:rPr kumimoji="1" lang="en-US" altLang="ja-JP" sz="2400" dirty="0">
                 <a:latin typeface="メイリオ" panose="020B0604030504040204" pitchFamily="50" charset="-128"/>
                 <a:ea typeface="メイリオ" panose="020B0604030504040204" pitchFamily="50" charset="-128"/>
-                <a:hlinkClick r:id="rId2"/>
+                <a:hlinkClick r:id="rId3"/>
               </a:rPr>
               <a:t>https://github.com/ueharaLab/NLP3_BoW/blob/main/BoW_coding.md</a:t>
             </a:r>
@@ -14573,7 +14709,7 @@
         <p:spPr>
           <a:xfrm>
             <a:off x="873760" y="225930"/>
-            <a:ext cx="6038833" cy="584775"/>
+            <a:ext cx="5628464" cy="584775"/>
           </a:xfrm>
           <a:prstGeom prst="rect">
             <a:avLst/>
@@ -14599,7 +14735,7 @@
                 <a:latin typeface="メイリオ" panose="020B0604030504040204" pitchFamily="50" charset="-128"/>
                 <a:ea typeface="メイリオ" panose="020B0604030504040204" pitchFamily="50" charset="-128"/>
               </a:rPr>
-              <a:t>を統計モデルとして捉える</a:t>
+              <a:t>を確率分布として捉える</a:t>
             </a:r>
           </a:p>
         </p:txBody>

--- a/textmining3 BOW.pptx
+++ b/textmining3 BOW.pptx
@@ -5,7 +5,7 @@
     <p:sldMasterId id="2147483672" r:id="rId1"/>
   </p:sldMasterIdLst>
   <p:notesMasterIdLst>
-    <p:notesMasterId r:id="rId25"/>
+    <p:notesMasterId r:id="rId26"/>
   </p:notesMasterIdLst>
   <p:sldIdLst>
     <p:sldId id="256" r:id="rId2"/>
@@ -31,6 +31,7 @@
     <p:sldId id="1204" r:id="rId22"/>
     <p:sldId id="1208" r:id="rId23"/>
     <p:sldId id="1209" r:id="rId24"/>
+    <p:sldId id="1210" r:id="rId25"/>
   </p:sldIdLst>
   <p:sldSz cx="12192000" cy="6858000"/>
   <p:notesSz cx="6858000" cy="9144000"/>
@@ -2590,7 +2591,7 @@
           <a:p>
             <a:fld id="{0135936D-836F-419C-9F68-DEDA5DD6EA2C}" type="datetimeFigureOut">
               <a:rPr kumimoji="1" lang="ja-JP" altLang="en-US" smtClean="0"/>
-              <a:t>2024/3/11</a:t>
+              <a:t>2024/5/2</a:t>
             </a:fld>
             <a:endParaRPr kumimoji="1" lang="ja-JP" altLang="en-US"/>
           </a:p>
@@ -2954,6 +2955,90 @@
           <a:p>
             <a:fld id="{F88306EB-F4D8-4CD3-A9EA-E1E8C435DBF8}" type="slidenum">
               <a:rPr kumimoji="1" lang="ja-JP" altLang="en-US" smtClean="0"/>
+              <a:t>3</a:t>
+            </a:fld>
+            <a:endParaRPr kumimoji="1" lang="ja-JP" altLang="en-US"/>
+          </a:p>
+        </p:txBody>
+      </p:sp>
+    </p:spTree>
+    <p:extLst>
+      <p:ext uri="{BB962C8B-B14F-4D97-AF65-F5344CB8AC3E}">
+        <p14:creationId xmlns:p14="http://schemas.microsoft.com/office/powerpoint/2010/main" val="2008434231"/>
+      </p:ext>
+    </p:extLst>
+  </p:cSld>
+  <p:clrMapOvr>
+    <a:masterClrMapping/>
+  </p:clrMapOvr>
+</p:notes>
+</file>
+
+<file path=ppt/notesSlides/notesSlide2.xml><?xml version="1.0" encoding="utf-8"?>
+<p:notes xmlns:a="http://schemas.openxmlformats.org/drawingml/2006/main" xmlns:r="http://schemas.openxmlformats.org/officeDocument/2006/relationships" xmlns:p="http://schemas.openxmlformats.org/presentationml/2006/main">
+  <p:cSld>
+    <p:spTree>
+      <p:nvGrpSpPr>
+        <p:cNvPr id="1" name=""/>
+        <p:cNvGrpSpPr/>
+        <p:nvPr/>
+      </p:nvGrpSpPr>
+      <p:grpSpPr>
+        <a:xfrm>
+          <a:off x="0" y="0"/>
+          <a:ext cx="0" cy="0"/>
+          <a:chOff x="0" y="0"/>
+          <a:chExt cx="0" cy="0"/>
+        </a:xfrm>
+      </p:grpSpPr>
+      <p:sp>
+        <p:nvSpPr>
+          <p:cNvPr id="2" name="スライド イメージ プレースホルダー 1"/>
+          <p:cNvSpPr>
+            <a:spLocks noGrp="1" noRot="1" noChangeAspect="1"/>
+          </p:cNvSpPr>
+          <p:nvPr>
+            <p:ph type="sldImg"/>
+          </p:nvPr>
+        </p:nvSpPr>
+        <p:spPr/>
+      </p:sp>
+      <p:sp>
+        <p:nvSpPr>
+          <p:cNvPr id="3" name="ノート プレースホルダー 2"/>
+          <p:cNvSpPr>
+            <a:spLocks noGrp="1"/>
+          </p:cNvSpPr>
+          <p:nvPr>
+            <p:ph type="body" idx="1"/>
+          </p:nvPr>
+        </p:nvSpPr>
+        <p:spPr/>
+        <p:txBody>
+          <a:bodyPr/>
+          <a:lstStyle/>
+          <a:p>
+            <a:endParaRPr kumimoji="1" lang="ja-JP" altLang="en-US" dirty="0"/>
+          </a:p>
+        </p:txBody>
+      </p:sp>
+      <p:sp>
+        <p:nvSpPr>
+          <p:cNvPr id="4" name="スライド番号プレースホルダー 3"/>
+          <p:cNvSpPr>
+            <a:spLocks noGrp="1"/>
+          </p:cNvSpPr>
+          <p:nvPr>
+            <p:ph type="sldNum" sz="quarter" idx="5"/>
+          </p:nvPr>
+        </p:nvSpPr>
+        <p:spPr/>
+        <p:txBody>
+          <a:bodyPr/>
+          <a:lstStyle/>
+          <a:p>
+            <a:fld id="{F88306EB-F4D8-4CD3-A9EA-E1E8C435DBF8}" type="slidenum">
+              <a:rPr kumimoji="1" lang="ja-JP" altLang="en-US" smtClean="0"/>
               <a:t>19</a:t>
             </a:fld>
             <a:endParaRPr kumimoji="1" lang="ja-JP" altLang="en-US"/>
@@ -3104,7 +3189,7 @@
           <a:p>
             <a:fld id="{2ABC02D7-CBD1-4D33-B166-78A898DF0F76}" type="datetimeFigureOut">
               <a:rPr kumimoji="1" lang="ja-JP" altLang="en-US" smtClean="0"/>
-              <a:t>2024/3/11</a:t>
+              <a:t>2024/5/2</a:t>
             </a:fld>
             <a:endParaRPr kumimoji="1" lang="ja-JP" altLang="en-US"/>
           </a:p>
@@ -3306,7 +3391,7 @@
           <a:p>
             <a:fld id="{2ABC02D7-CBD1-4D33-B166-78A898DF0F76}" type="datetimeFigureOut">
               <a:rPr kumimoji="1" lang="ja-JP" altLang="en-US" smtClean="0"/>
-              <a:t>2024/3/11</a:t>
+              <a:t>2024/5/2</a:t>
             </a:fld>
             <a:endParaRPr kumimoji="1" lang="ja-JP" altLang="en-US"/>
           </a:p>
@@ -3518,7 +3603,7 @@
           <a:p>
             <a:fld id="{2ABC02D7-CBD1-4D33-B166-78A898DF0F76}" type="datetimeFigureOut">
               <a:rPr kumimoji="1" lang="ja-JP" altLang="en-US" smtClean="0"/>
-              <a:t>2024/3/11</a:t>
+              <a:t>2024/5/2</a:t>
             </a:fld>
             <a:endParaRPr kumimoji="1" lang="ja-JP" altLang="en-US"/>
           </a:p>
@@ -3720,7 +3805,7 @@
           <a:p>
             <a:fld id="{2ABC02D7-CBD1-4D33-B166-78A898DF0F76}" type="datetimeFigureOut">
               <a:rPr kumimoji="1" lang="ja-JP" altLang="en-US" smtClean="0"/>
-              <a:t>2024/3/11</a:t>
+              <a:t>2024/5/2</a:t>
             </a:fld>
             <a:endParaRPr kumimoji="1" lang="ja-JP" altLang="en-US"/>
           </a:p>
@@ -3966,7 +4051,7 @@
           <a:p>
             <a:fld id="{2ABC02D7-CBD1-4D33-B166-78A898DF0F76}" type="datetimeFigureOut">
               <a:rPr kumimoji="1" lang="ja-JP" altLang="en-US" smtClean="0"/>
-              <a:t>2024/3/11</a:t>
+              <a:t>2024/5/2</a:t>
             </a:fld>
             <a:endParaRPr kumimoji="1" lang="ja-JP" altLang="en-US"/>
           </a:p>
@@ -4262,7 +4347,7 @@
           <a:p>
             <a:fld id="{2ABC02D7-CBD1-4D33-B166-78A898DF0F76}" type="datetimeFigureOut">
               <a:rPr kumimoji="1" lang="ja-JP" altLang="en-US" smtClean="0"/>
-              <a:t>2024/3/11</a:t>
+              <a:t>2024/5/2</a:t>
             </a:fld>
             <a:endParaRPr kumimoji="1" lang="ja-JP" altLang="en-US"/>
           </a:p>
@@ -4693,7 +4778,7 @@
           <a:p>
             <a:fld id="{2ABC02D7-CBD1-4D33-B166-78A898DF0F76}" type="datetimeFigureOut">
               <a:rPr kumimoji="1" lang="ja-JP" altLang="en-US" smtClean="0"/>
-              <a:t>2024/3/11</a:t>
+              <a:t>2024/5/2</a:t>
             </a:fld>
             <a:endParaRPr kumimoji="1" lang="ja-JP" altLang="en-US"/>
           </a:p>
@@ -4811,7 +4896,7 @@
           <a:p>
             <a:fld id="{2ABC02D7-CBD1-4D33-B166-78A898DF0F76}" type="datetimeFigureOut">
               <a:rPr kumimoji="1" lang="ja-JP" altLang="en-US" smtClean="0"/>
-              <a:t>2024/3/11</a:t>
+              <a:t>2024/5/2</a:t>
             </a:fld>
             <a:endParaRPr kumimoji="1" lang="ja-JP" altLang="en-US"/>
           </a:p>
@@ -4906,7 +4991,7 @@
           <a:p>
             <a:fld id="{2ABC02D7-CBD1-4D33-B166-78A898DF0F76}" type="datetimeFigureOut">
               <a:rPr kumimoji="1" lang="ja-JP" altLang="en-US" smtClean="0"/>
-              <a:t>2024/3/11</a:t>
+              <a:t>2024/5/2</a:t>
             </a:fld>
             <a:endParaRPr kumimoji="1" lang="ja-JP" altLang="en-US"/>
           </a:p>
@@ -5215,7 +5300,7 @@
           <a:p>
             <a:fld id="{2ABC02D7-CBD1-4D33-B166-78A898DF0F76}" type="datetimeFigureOut">
               <a:rPr kumimoji="1" lang="ja-JP" altLang="en-US" smtClean="0"/>
-              <a:t>2024/3/11</a:t>
+              <a:t>2024/5/2</a:t>
             </a:fld>
             <a:endParaRPr kumimoji="1" lang="ja-JP" altLang="en-US"/>
           </a:p>
@@ -5472,7 +5557,7 @@
           <a:p>
             <a:fld id="{2ABC02D7-CBD1-4D33-B166-78A898DF0F76}" type="datetimeFigureOut">
               <a:rPr kumimoji="1" lang="ja-JP" altLang="en-US" smtClean="0"/>
-              <a:t>2024/3/11</a:t>
+              <a:t>2024/5/2</a:t>
             </a:fld>
             <a:endParaRPr kumimoji="1" lang="ja-JP" altLang="en-US"/>
           </a:p>
@@ -5717,7 +5802,7 @@
           <a:p>
             <a:fld id="{2ABC02D7-CBD1-4D33-B166-78A898DF0F76}" type="datetimeFigureOut">
               <a:rPr kumimoji="1" lang="ja-JP" altLang="en-US" smtClean="0"/>
-              <a:t>2024/3/11</a:t>
+              <a:t>2024/5/2</a:t>
             </a:fld>
             <a:endParaRPr kumimoji="1" lang="ja-JP" altLang="en-US"/>
           </a:p>
@@ -14709,7 +14794,7 @@
         <p:spPr>
           <a:xfrm>
             <a:off x="873760" y="225930"/>
-            <a:ext cx="5628464" cy="584775"/>
+            <a:ext cx="8302273" cy="584775"/>
           </a:xfrm>
           <a:prstGeom prst="rect">
             <a:avLst/>
@@ -14735,7 +14820,35 @@
                 <a:latin typeface="メイリオ" panose="020B0604030504040204" pitchFamily="50" charset="-128"/>
                 <a:ea typeface="メイリオ" panose="020B0604030504040204" pitchFamily="50" charset="-128"/>
               </a:rPr>
-              <a:t>を確率分布として捉える</a:t>
+              <a:t>をラベル別に平均すると</a:t>
+            </a:r>
+            <a:r>
+              <a:rPr kumimoji="1" lang="en-US" altLang="ja-JP" sz="3200" dirty="0">
+                <a:latin typeface="メイリオ" panose="020B0604030504040204" pitchFamily="50" charset="-128"/>
+                <a:ea typeface="メイリオ" panose="020B0604030504040204" pitchFamily="50" charset="-128"/>
+              </a:rPr>
+              <a:t>’</a:t>
+            </a:r>
+            <a:r>
+              <a:rPr kumimoji="1" lang="ja-JP" altLang="en-US" sz="3200" dirty="0">
+                <a:latin typeface="メイリオ" panose="020B0604030504040204" pitchFamily="50" charset="-128"/>
+                <a:ea typeface="メイリオ" panose="020B0604030504040204" pitchFamily="50" charset="-128"/>
+              </a:rPr>
+              <a:t>らしさ</a:t>
+            </a:r>
+            <a:r>
+              <a:rPr kumimoji="1" lang="en-US" altLang="ja-JP" sz="3200" dirty="0">
+                <a:latin typeface="メイリオ" panose="020B0604030504040204" pitchFamily="50" charset="-128"/>
+                <a:ea typeface="メイリオ" panose="020B0604030504040204" pitchFamily="50" charset="-128"/>
+              </a:rPr>
+              <a:t>’</a:t>
+            </a:r>
+            <a:r>
+              <a:rPr kumimoji="1" lang="ja-JP" altLang="en-US" sz="3200" dirty="0">
+                <a:latin typeface="メイリオ" panose="020B0604030504040204" pitchFamily="50" charset="-128"/>
+                <a:ea typeface="メイリオ" panose="020B0604030504040204" pitchFamily="50" charset="-128"/>
+              </a:rPr>
+              <a:t>を表す</a:t>
             </a:r>
           </a:p>
         </p:txBody>
@@ -14754,8 +14867,8 @@
         </p:nvSpPr>
         <p:spPr>
           <a:xfrm>
-            <a:off x="955040" y="867161"/>
-            <a:ext cx="10625025" cy="1200329"/>
+            <a:off x="873760" y="950570"/>
+            <a:ext cx="9424375" cy="830997"/>
           </a:xfrm>
           <a:prstGeom prst="rect">
             <a:avLst/>
@@ -14794,39 +14907,12 @@
                 <a:latin typeface="メイリオ" panose="020B0604030504040204" pitchFamily="50" charset="-128"/>
                 <a:ea typeface="メイリオ" panose="020B0604030504040204" pitchFamily="50" charset="-128"/>
               </a:rPr>
-              <a:t>横軸（単語）を確率変数（カテゴリ変数）とすると分布のように見える</a:t>
+              <a:t>横軸（単語）を確率変数（カテゴリ変数）とすると分布</a:t>
             </a:r>
             <a:endParaRPr kumimoji="1" lang="en-US" altLang="ja-JP" sz="2400" dirty="0">
               <a:latin typeface="メイリオ" panose="020B0604030504040204" pitchFamily="50" charset="-128"/>
               <a:ea typeface="メイリオ" panose="020B0604030504040204" pitchFamily="50" charset="-128"/>
             </a:endParaRPr>
-          </a:p>
-          <a:p>
-            <a:pPr marL="457200" indent="-457200" algn="l">
-              <a:buFont typeface="+mj-lt"/>
-              <a:buAutoNum type="arabicPeriod"/>
-            </a:pPr>
-            <a:r>
-              <a:rPr kumimoji="1" lang="ja-JP" altLang="en-US" sz="2400" dirty="0">
-                <a:latin typeface="メイリオ" panose="020B0604030504040204" pitchFamily="50" charset="-128"/>
-                <a:ea typeface="メイリオ" panose="020B0604030504040204" pitchFamily="50" charset="-128"/>
-              </a:rPr>
-              <a:t>棒グラフの高さの合計</a:t>
-            </a:r>
-            <a:r>
-              <a:rPr kumimoji="1" lang="en-US" altLang="ja-JP" sz="2400" dirty="0">
-                <a:latin typeface="メイリオ" panose="020B0604030504040204" pitchFamily="50" charset="-128"/>
-                <a:ea typeface="メイリオ" panose="020B0604030504040204" pitchFamily="50" charset="-128"/>
-              </a:rPr>
-              <a:t>=1</a:t>
-            </a:r>
-            <a:r>
-              <a:rPr kumimoji="1" lang="ja-JP" altLang="en-US" sz="2400" dirty="0">
-                <a:latin typeface="メイリオ" panose="020B0604030504040204" pitchFamily="50" charset="-128"/>
-                <a:ea typeface="メイリオ" panose="020B0604030504040204" pitchFamily="50" charset="-128"/>
-              </a:rPr>
-              <a:t>になるように正規化すると確かに分布になる</a:t>
-            </a:r>
           </a:p>
         </p:txBody>
       </p:sp>
@@ -14860,79 +14946,6 @@
           </a:prstGeom>
         </p:spPr>
       </p:pic>
-      <p:sp>
-        <p:nvSpPr>
-          <p:cNvPr id="9" name="テキスト ボックス 8">
-            <a:extLst>
-              <a:ext uri="{FF2B5EF4-FFF2-40B4-BE49-F238E27FC236}">
-                <a16:creationId xmlns:a16="http://schemas.microsoft.com/office/drawing/2014/main" id="{2F1DECAA-3A09-20C4-1379-297AA8D94612}"/>
-              </a:ext>
-            </a:extLst>
-          </p:cNvPr>
-          <p:cNvSpPr txBox="1"/>
-          <p:nvPr/>
-        </p:nvSpPr>
-        <p:spPr>
-          <a:xfrm>
-            <a:off x="3893176" y="2326640"/>
-            <a:ext cx="7168950" cy="830997"/>
-          </a:xfrm>
-          <a:prstGeom prst="rect">
-            <a:avLst/>
-          </a:prstGeom>
-          <a:noFill/>
-        </p:spPr>
-        <p:txBody>
-          <a:bodyPr wrap="none" rtlCol="0">
-            <a:spAutoFit/>
-          </a:bodyPr>
-          <a:lstStyle/>
-          <a:p>
-            <a:pPr marL="342900" indent="-342900" algn="l">
-              <a:buFont typeface="Wingdings" panose="05000000000000000000" pitchFamily="2" charset="2"/>
-              <a:buChar char="l"/>
-            </a:pPr>
-            <a:r>
-              <a:rPr kumimoji="1" lang="ja-JP" altLang="en-US" sz="2400" dirty="0">
-                <a:latin typeface="メイリオ" panose="020B0604030504040204" pitchFamily="50" charset="-128"/>
-                <a:ea typeface="メイリオ" panose="020B0604030504040204" pitchFamily="50" charset="-128"/>
-              </a:rPr>
-              <a:t>正規化したグラフ</a:t>
-            </a:r>
-            <a:endParaRPr kumimoji="1" lang="en-US" altLang="ja-JP" sz="2400" dirty="0">
-              <a:latin typeface="メイリオ" panose="020B0604030504040204" pitchFamily="50" charset="-128"/>
-              <a:ea typeface="メイリオ" panose="020B0604030504040204" pitchFamily="50" charset="-128"/>
-            </a:endParaRPr>
-          </a:p>
-          <a:p>
-            <a:pPr marL="342900" indent="-342900" algn="l">
-              <a:buFont typeface="Wingdings" panose="05000000000000000000" pitchFamily="2" charset="2"/>
-              <a:buChar char="l"/>
-            </a:pPr>
-            <a:r>
-              <a:rPr kumimoji="1" lang="ja-JP" altLang="en-US" sz="2400" dirty="0">
-                <a:latin typeface="メイリオ" panose="020B0604030504040204" pitchFamily="50" charset="-128"/>
-                <a:ea typeface="メイリオ" panose="020B0604030504040204" pitchFamily="50" charset="-128"/>
-              </a:rPr>
-              <a:t>前頁と形状は変わらないが、</a:t>
-            </a:r>
-            <a:r>
-              <a:rPr kumimoji="1" lang="en-US" altLang="ja-JP" sz="2400" dirty="0">
-                <a:latin typeface="メイリオ" panose="020B0604030504040204" pitchFamily="50" charset="-128"/>
-                <a:ea typeface="メイリオ" panose="020B0604030504040204" pitchFamily="50" charset="-128"/>
-              </a:rPr>
-              <a:t>y</a:t>
-            </a:r>
-            <a:r>
-              <a:rPr kumimoji="1" lang="ja-JP" altLang="en-US" sz="2400" dirty="0">
-                <a:latin typeface="メイリオ" panose="020B0604030504040204" pitchFamily="50" charset="-128"/>
-                <a:ea typeface="メイリオ" panose="020B0604030504040204" pitchFamily="50" charset="-128"/>
-              </a:rPr>
-              <a:t>軸の目盛が異なる</a:t>
-            </a:r>
-          </a:p>
-        </p:txBody>
-      </p:sp>
     </p:spTree>
     <p:extLst>
       <p:ext uri="{BB962C8B-B14F-4D97-AF65-F5344CB8AC3E}">
@@ -16612,6 +16625,254 @@
 </p:sld>
 </file>
 
+<file path=ppt/slides/slide24.xml><?xml version="1.0" encoding="utf-8"?>
+<p:sld xmlns:a="http://schemas.openxmlformats.org/drawingml/2006/main" xmlns:r="http://schemas.openxmlformats.org/officeDocument/2006/relationships" xmlns:p="http://schemas.openxmlformats.org/presentationml/2006/main">
+  <p:cSld>
+    <p:spTree>
+      <p:nvGrpSpPr>
+        <p:cNvPr id="1" name=""/>
+        <p:cNvGrpSpPr/>
+        <p:nvPr/>
+      </p:nvGrpSpPr>
+      <p:grpSpPr>
+        <a:xfrm>
+          <a:off x="0" y="0"/>
+          <a:ext cx="0" cy="0"/>
+          <a:chOff x="0" y="0"/>
+          <a:chExt cx="0" cy="0"/>
+        </a:xfrm>
+      </p:grpSpPr>
+      <p:sp>
+        <p:nvSpPr>
+          <p:cNvPr id="2" name="テキスト ボックス 1">
+            <a:extLst>
+              <a:ext uri="{FF2B5EF4-FFF2-40B4-BE49-F238E27FC236}">
+                <a16:creationId xmlns:a16="http://schemas.microsoft.com/office/drawing/2014/main" id="{D2C3F432-4443-F379-7700-87EF0E922E17}"/>
+              </a:ext>
+            </a:extLst>
+          </p:cNvPr>
+          <p:cNvSpPr txBox="1"/>
+          <p:nvPr/>
+        </p:nvSpPr>
+        <p:spPr>
+          <a:xfrm>
+            <a:off x="833120" y="640080"/>
+            <a:ext cx="1415772" cy="584775"/>
+          </a:xfrm>
+          <a:prstGeom prst="rect">
+            <a:avLst/>
+          </a:prstGeom>
+          <a:noFill/>
+        </p:spPr>
+        <p:txBody>
+          <a:bodyPr wrap="none" rtlCol="0">
+            <a:spAutoFit/>
+          </a:bodyPr>
+          <a:lstStyle/>
+          <a:p>
+            <a:pPr algn="l"/>
+            <a:r>
+              <a:rPr kumimoji="1" lang="ja-JP" altLang="en-US" sz="3200" dirty="0">
+                <a:latin typeface="メイリオ" panose="020B0604030504040204" pitchFamily="50" charset="-128"/>
+                <a:ea typeface="メイリオ" panose="020B0604030504040204" pitchFamily="50" charset="-128"/>
+              </a:rPr>
+              <a:t>まとめ</a:t>
+            </a:r>
+          </a:p>
+        </p:txBody>
+      </p:sp>
+      <p:sp>
+        <p:nvSpPr>
+          <p:cNvPr id="3" name="テキスト ボックス 2">
+            <a:extLst>
+              <a:ext uri="{FF2B5EF4-FFF2-40B4-BE49-F238E27FC236}">
+                <a16:creationId xmlns:a16="http://schemas.microsoft.com/office/drawing/2014/main" id="{9190F299-B721-CC1B-EC71-1F3DA1C6F6E3}"/>
+              </a:ext>
+            </a:extLst>
+          </p:cNvPr>
+          <p:cNvSpPr txBox="1"/>
+          <p:nvPr/>
+        </p:nvSpPr>
+        <p:spPr>
+          <a:xfrm>
+            <a:off x="833120" y="1808480"/>
+            <a:ext cx="11033760" cy="1200329"/>
+          </a:xfrm>
+          <a:prstGeom prst="rect">
+            <a:avLst/>
+          </a:prstGeom>
+          <a:noFill/>
+        </p:spPr>
+        <p:txBody>
+          <a:bodyPr wrap="square" rtlCol="0">
+            <a:spAutoFit/>
+          </a:bodyPr>
+          <a:lstStyle/>
+          <a:p>
+            <a:pPr marL="457200" indent="-457200" algn="l">
+              <a:buFont typeface="+mj-lt"/>
+              <a:buAutoNum type="arabicPeriod"/>
+            </a:pPr>
+            <a:r>
+              <a:rPr kumimoji="1" lang="en-US" altLang="ja-JP" sz="2400" dirty="0" err="1">
+                <a:latin typeface="メイリオ" panose="020B0604030504040204" pitchFamily="50" charset="-128"/>
+                <a:ea typeface="メイリオ" panose="020B0604030504040204" pitchFamily="50" charset="-128"/>
+              </a:rPr>
+              <a:t>BoW</a:t>
+            </a:r>
+            <a:r>
+              <a:rPr kumimoji="1" lang="ja-JP" altLang="en-US" sz="2400" dirty="0">
+                <a:latin typeface="メイリオ" panose="020B0604030504040204" pitchFamily="50" charset="-128"/>
+                <a:ea typeface="メイリオ" panose="020B0604030504040204" pitchFamily="50" charset="-128"/>
+              </a:rPr>
+              <a:t>は単語のベクトル空間上での文書（ここでは口コミ）毎の特徴を表す</a:t>
+            </a:r>
+            <a:endParaRPr kumimoji="1" lang="en-US" altLang="ja-JP" sz="2400" dirty="0">
+              <a:latin typeface="メイリオ" panose="020B0604030504040204" pitchFamily="50" charset="-128"/>
+              <a:ea typeface="メイリオ" panose="020B0604030504040204" pitchFamily="50" charset="-128"/>
+            </a:endParaRPr>
+          </a:p>
+          <a:p>
+            <a:pPr marL="457200" indent="-457200" algn="l">
+              <a:buFont typeface="+mj-lt"/>
+              <a:buAutoNum type="arabicPeriod"/>
+            </a:pPr>
+            <a:r>
+              <a:rPr kumimoji="1" lang="en-US" altLang="ja-JP" sz="2400" dirty="0" err="1">
+                <a:latin typeface="メイリオ" panose="020B0604030504040204" pitchFamily="50" charset="-128"/>
+                <a:ea typeface="メイリオ" panose="020B0604030504040204" pitchFamily="50" charset="-128"/>
+              </a:rPr>
+              <a:t>BoW</a:t>
+            </a:r>
+            <a:r>
+              <a:rPr kumimoji="1" lang="ja-JP" altLang="en-US" sz="2400" dirty="0">
+                <a:latin typeface="メイリオ" panose="020B0604030504040204" pitchFamily="50" charset="-128"/>
+                <a:ea typeface="メイリオ" panose="020B0604030504040204" pitchFamily="50" charset="-128"/>
+              </a:rPr>
+              <a:t>の各ベクトルの値は、その文書に出現する単語の出現確率（カテゴリカル分布）を表したものと解釈することもできる</a:t>
+            </a:r>
+          </a:p>
+        </p:txBody>
+      </p:sp>
+      <p:sp>
+        <p:nvSpPr>
+          <p:cNvPr id="4" name="テキスト ボックス 3">
+            <a:extLst>
+              <a:ext uri="{FF2B5EF4-FFF2-40B4-BE49-F238E27FC236}">
+                <a16:creationId xmlns:a16="http://schemas.microsoft.com/office/drawing/2014/main" id="{CA4BEFB4-3DD0-56FB-3C6E-61464546EA4D}"/>
+              </a:ext>
+            </a:extLst>
+          </p:cNvPr>
+          <p:cNvSpPr txBox="1"/>
+          <p:nvPr/>
+        </p:nvSpPr>
+        <p:spPr>
+          <a:xfrm>
+            <a:off x="1807731" y="3849192"/>
+            <a:ext cx="8725466" cy="523220"/>
+          </a:xfrm>
+          <a:prstGeom prst="rect">
+            <a:avLst/>
+          </a:prstGeom>
+          <a:noFill/>
+        </p:spPr>
+        <p:txBody>
+          <a:bodyPr wrap="none" rtlCol="0">
+            <a:spAutoFit/>
+          </a:bodyPr>
+          <a:lstStyle/>
+          <a:p>
+            <a:pPr algn="l"/>
+            <a:r>
+              <a:rPr kumimoji="1" lang="en-US" altLang="ja-JP" sz="2800" dirty="0" err="1">
+                <a:latin typeface="メイリオ" panose="020B0604030504040204" pitchFamily="50" charset="-128"/>
+                <a:ea typeface="メイリオ" panose="020B0604030504040204" pitchFamily="50" charset="-128"/>
+              </a:rPr>
+              <a:t>BoW</a:t>
+            </a:r>
+            <a:r>
+              <a:rPr kumimoji="1" lang="ja-JP" altLang="en-US" sz="2800" dirty="0">
+                <a:latin typeface="メイリオ" panose="020B0604030504040204" pitchFamily="50" charset="-128"/>
+                <a:ea typeface="メイリオ" panose="020B0604030504040204" pitchFamily="50" charset="-128"/>
+              </a:rPr>
+              <a:t>は文書毎の</a:t>
+            </a:r>
+            <a:r>
+              <a:rPr kumimoji="1" lang="en-US" altLang="ja-JP" sz="2800" dirty="0">
+                <a:latin typeface="メイリオ" panose="020B0604030504040204" pitchFamily="50" charset="-128"/>
+                <a:ea typeface="メイリオ" panose="020B0604030504040204" pitchFamily="50" charset="-128"/>
+              </a:rPr>
+              <a:t>’</a:t>
+            </a:r>
+            <a:r>
+              <a:rPr kumimoji="1" lang="ja-JP" altLang="en-US" sz="2800" dirty="0">
+                <a:latin typeface="メイリオ" panose="020B0604030504040204" pitchFamily="50" charset="-128"/>
+                <a:ea typeface="メイリオ" panose="020B0604030504040204" pitchFamily="50" charset="-128"/>
+              </a:rPr>
+              <a:t>らしさ‘特徴を表現したデータセット</a:t>
+            </a:r>
+          </a:p>
+        </p:txBody>
+      </p:sp>
+      <p:sp>
+        <p:nvSpPr>
+          <p:cNvPr id="5" name="矢印: 下 4">
+            <a:extLst>
+              <a:ext uri="{FF2B5EF4-FFF2-40B4-BE49-F238E27FC236}">
+                <a16:creationId xmlns:a16="http://schemas.microsoft.com/office/drawing/2014/main" id="{B04A67B9-ED02-80A0-E2AF-C460D201909A}"/>
+              </a:ext>
+            </a:extLst>
+          </p:cNvPr>
+          <p:cNvSpPr/>
+          <p:nvPr/>
+        </p:nvSpPr>
+        <p:spPr>
+          <a:xfrm>
+            <a:off x="4958080" y="3119120"/>
+            <a:ext cx="1899920" cy="473314"/>
+          </a:xfrm>
+          <a:prstGeom prst="downArrow">
+            <a:avLst/>
+          </a:prstGeom>
+        </p:spPr>
+        <p:style>
+          <a:lnRef idx="2">
+            <a:schemeClr val="accent1">
+              <a:shade val="15000"/>
+            </a:schemeClr>
+          </a:lnRef>
+          <a:fillRef idx="1">
+            <a:schemeClr val="accent1"/>
+          </a:fillRef>
+          <a:effectRef idx="0">
+            <a:schemeClr val="accent1"/>
+          </a:effectRef>
+          <a:fontRef idx="minor">
+            <a:schemeClr val="lt1"/>
+          </a:fontRef>
+        </p:style>
+        <p:txBody>
+          <a:bodyPr rtlCol="0" anchor="ctr"/>
+          <a:lstStyle/>
+          <a:p>
+            <a:pPr algn="ctr"/>
+            <a:endParaRPr kumimoji="1" lang="ja-JP" altLang="en-US"/>
+          </a:p>
+        </p:txBody>
+      </p:sp>
+    </p:spTree>
+    <p:extLst>
+      <p:ext uri="{BB962C8B-B14F-4D97-AF65-F5344CB8AC3E}">
+        <p14:creationId xmlns:p14="http://schemas.microsoft.com/office/powerpoint/2010/main" val="2185207717"/>
+      </p:ext>
+    </p:extLst>
+  </p:cSld>
+  <p:clrMapOvr>
+    <a:masterClrMapping/>
+  </p:clrMapOvr>
+</p:sld>
+</file>
+
 <file path=ppt/slides/slide3.xml><?xml version="1.0" encoding="utf-8"?>
 <p:sld xmlns:a="http://schemas.openxmlformats.org/drawingml/2006/main" xmlns:r="http://schemas.openxmlformats.org/officeDocument/2006/relationships" xmlns:p="http://schemas.openxmlformats.org/presentationml/2006/main">
   <p:cSld>
@@ -16823,7 +17084,7 @@
         <p:spPr>
           <a:xfrm>
             <a:off x="557048" y="3264492"/>
-            <a:ext cx="10481331" cy="1200329"/>
+            <a:ext cx="10481331" cy="830997"/>
           </a:xfrm>
           <a:prstGeom prst="rect">
             <a:avLst/>
@@ -16869,15 +17130,15 @@
                 <a:latin typeface="メイリオ" panose="020B0604030504040204" pitchFamily="50" charset="-128"/>
                 <a:ea typeface="メイリオ" panose="020B0604030504040204" pitchFamily="50" charset="-128"/>
               </a:rPr>
-              <a:t>を実行して以下のファイルの中身を見てください。</a:t>
-            </a:r>
-            <a:endParaRPr kumimoji="1" lang="en-US" altLang="ja-JP" sz="2400" dirty="0">
-              <a:latin typeface="メイリオ" panose="020B0604030504040204" pitchFamily="50" charset="-128"/>
-              <a:ea typeface="メイリオ" panose="020B0604030504040204" pitchFamily="50" charset="-128"/>
-            </a:endParaRPr>
-          </a:p>
-          <a:p>
-            <a:pPr algn="l"/>
+              <a:t>を実行して以下のファイルの中身を見て</a:t>
+            </a:r>
+            <a:r>
+              <a:rPr kumimoji="1" lang="ja-JP" altLang="en-US" sz="2400">
+                <a:latin typeface="メイリオ" panose="020B0604030504040204" pitchFamily="50" charset="-128"/>
+                <a:ea typeface="メイリオ" panose="020B0604030504040204" pitchFamily="50" charset="-128"/>
+              </a:rPr>
+              <a:t>ください。</a:t>
+            </a:r>
             <a:endParaRPr kumimoji="1" lang="ja-JP" altLang="en-US" sz="2400" b="1" dirty="0">
               <a:latin typeface="メイリオ" panose="020B0604030504040204" pitchFamily="50" charset="-128"/>
               <a:ea typeface="メイリオ" panose="020B0604030504040204" pitchFamily="50" charset="-128"/>

--- a/textmining3 BOW.pptx
+++ b/textmining3 BOW.pptx
@@ -12,8 +12,8 @@
     <p:sldId id="1192" r:id="rId3"/>
     <p:sldId id="1193" r:id="rId4"/>
     <p:sldId id="1194" r:id="rId5"/>
-    <p:sldId id="354" r:id="rId6"/>
-    <p:sldId id="1196" r:id="rId7"/>
+    <p:sldId id="1196" r:id="rId6"/>
+    <p:sldId id="354" r:id="rId7"/>
     <p:sldId id="1197" r:id="rId8"/>
     <p:sldId id="1198" r:id="rId9"/>
     <p:sldId id="1199" r:id="rId10"/>
@@ -2591,7 +2591,7 @@
           <a:p>
             <a:fld id="{0135936D-836F-419C-9F68-DEDA5DD6EA2C}" type="datetimeFigureOut">
               <a:rPr kumimoji="1" lang="ja-JP" altLang="en-US" smtClean="0"/>
-              <a:t>2024/5/2</a:t>
+              <a:t>2024/5/8</a:t>
             </a:fld>
             <a:endParaRPr kumimoji="1" lang="ja-JP" altLang="en-US"/>
           </a:p>
@@ -3189,7 +3189,7 @@
           <a:p>
             <a:fld id="{2ABC02D7-CBD1-4D33-B166-78A898DF0F76}" type="datetimeFigureOut">
               <a:rPr kumimoji="1" lang="ja-JP" altLang="en-US" smtClean="0"/>
-              <a:t>2024/5/2</a:t>
+              <a:t>2024/5/8</a:t>
             </a:fld>
             <a:endParaRPr kumimoji="1" lang="ja-JP" altLang="en-US"/>
           </a:p>
@@ -3391,7 +3391,7 @@
           <a:p>
             <a:fld id="{2ABC02D7-CBD1-4D33-B166-78A898DF0F76}" type="datetimeFigureOut">
               <a:rPr kumimoji="1" lang="ja-JP" altLang="en-US" smtClean="0"/>
-              <a:t>2024/5/2</a:t>
+              <a:t>2024/5/8</a:t>
             </a:fld>
             <a:endParaRPr kumimoji="1" lang="ja-JP" altLang="en-US"/>
           </a:p>
@@ -3603,7 +3603,7 @@
           <a:p>
             <a:fld id="{2ABC02D7-CBD1-4D33-B166-78A898DF0F76}" type="datetimeFigureOut">
               <a:rPr kumimoji="1" lang="ja-JP" altLang="en-US" smtClean="0"/>
-              <a:t>2024/5/2</a:t>
+              <a:t>2024/5/8</a:t>
             </a:fld>
             <a:endParaRPr kumimoji="1" lang="ja-JP" altLang="en-US"/>
           </a:p>
@@ -3805,7 +3805,7 @@
           <a:p>
             <a:fld id="{2ABC02D7-CBD1-4D33-B166-78A898DF0F76}" type="datetimeFigureOut">
               <a:rPr kumimoji="1" lang="ja-JP" altLang="en-US" smtClean="0"/>
-              <a:t>2024/5/2</a:t>
+              <a:t>2024/5/8</a:t>
             </a:fld>
             <a:endParaRPr kumimoji="1" lang="ja-JP" altLang="en-US"/>
           </a:p>
@@ -4051,7 +4051,7 @@
           <a:p>
             <a:fld id="{2ABC02D7-CBD1-4D33-B166-78A898DF0F76}" type="datetimeFigureOut">
               <a:rPr kumimoji="1" lang="ja-JP" altLang="en-US" smtClean="0"/>
-              <a:t>2024/5/2</a:t>
+              <a:t>2024/5/8</a:t>
             </a:fld>
             <a:endParaRPr kumimoji="1" lang="ja-JP" altLang="en-US"/>
           </a:p>
@@ -4347,7 +4347,7 @@
           <a:p>
             <a:fld id="{2ABC02D7-CBD1-4D33-B166-78A898DF0F76}" type="datetimeFigureOut">
               <a:rPr kumimoji="1" lang="ja-JP" altLang="en-US" smtClean="0"/>
-              <a:t>2024/5/2</a:t>
+              <a:t>2024/5/8</a:t>
             </a:fld>
             <a:endParaRPr kumimoji="1" lang="ja-JP" altLang="en-US"/>
           </a:p>
@@ -4778,7 +4778,7 @@
           <a:p>
             <a:fld id="{2ABC02D7-CBD1-4D33-B166-78A898DF0F76}" type="datetimeFigureOut">
               <a:rPr kumimoji="1" lang="ja-JP" altLang="en-US" smtClean="0"/>
-              <a:t>2024/5/2</a:t>
+              <a:t>2024/5/8</a:t>
             </a:fld>
             <a:endParaRPr kumimoji="1" lang="ja-JP" altLang="en-US"/>
           </a:p>
@@ -4896,7 +4896,7 @@
           <a:p>
             <a:fld id="{2ABC02D7-CBD1-4D33-B166-78A898DF0F76}" type="datetimeFigureOut">
               <a:rPr kumimoji="1" lang="ja-JP" altLang="en-US" smtClean="0"/>
-              <a:t>2024/5/2</a:t>
+              <a:t>2024/5/8</a:t>
             </a:fld>
             <a:endParaRPr kumimoji="1" lang="ja-JP" altLang="en-US"/>
           </a:p>
@@ -4991,7 +4991,7 @@
           <a:p>
             <a:fld id="{2ABC02D7-CBD1-4D33-B166-78A898DF0F76}" type="datetimeFigureOut">
               <a:rPr kumimoji="1" lang="ja-JP" altLang="en-US" smtClean="0"/>
-              <a:t>2024/5/2</a:t>
+              <a:t>2024/5/8</a:t>
             </a:fld>
             <a:endParaRPr kumimoji="1" lang="ja-JP" altLang="en-US"/>
           </a:p>
@@ -5300,7 +5300,7 @@
           <a:p>
             <a:fld id="{2ABC02D7-CBD1-4D33-B166-78A898DF0F76}" type="datetimeFigureOut">
               <a:rPr kumimoji="1" lang="ja-JP" altLang="en-US" smtClean="0"/>
-              <a:t>2024/5/2</a:t>
+              <a:t>2024/5/8</a:t>
             </a:fld>
             <a:endParaRPr kumimoji="1" lang="ja-JP" altLang="en-US"/>
           </a:p>
@@ -5557,7 +5557,7 @@
           <a:p>
             <a:fld id="{2ABC02D7-CBD1-4D33-B166-78A898DF0F76}" type="datetimeFigureOut">
               <a:rPr kumimoji="1" lang="ja-JP" altLang="en-US" smtClean="0"/>
-              <a:t>2024/5/2</a:t>
+              <a:t>2024/5/8</a:t>
             </a:fld>
             <a:endParaRPr kumimoji="1" lang="ja-JP" altLang="en-US"/>
           </a:p>
@@ -5802,7 +5802,7 @@
           <a:p>
             <a:fld id="{2ABC02D7-CBD1-4D33-B166-78A898DF0F76}" type="datetimeFigureOut">
               <a:rPr kumimoji="1" lang="ja-JP" altLang="en-US" smtClean="0"/>
-              <a:t>2024/5/2</a:t>
+              <a:t>2024/5/8</a:t>
             </a:fld>
             <a:endParaRPr kumimoji="1" lang="ja-JP" altLang="en-US"/>
           </a:p>
@@ -17634,12 +17634,42 @@
           <a:chExt cx="0" cy="0"/>
         </a:xfrm>
       </p:grpSpPr>
-      <p:sp>
-        <p:nvSpPr>
-          <p:cNvPr id="2" name="テキスト ボックス 1">
+      <p:pic>
+        <p:nvPicPr>
+          <p:cNvPr id="2" name="図 1">
             <a:extLst>
               <a:ext uri="{FF2B5EF4-FFF2-40B4-BE49-F238E27FC236}">
-                <a16:creationId xmlns:a16="http://schemas.microsoft.com/office/drawing/2014/main" id="{47B71DCA-A8A2-4831-B691-D8F1608ED5CD}"/>
+                <a16:creationId xmlns:a16="http://schemas.microsoft.com/office/drawing/2014/main" id="{844BFC29-4A3E-19AC-EA92-0576640AB1BB}"/>
+              </a:ext>
+            </a:extLst>
+          </p:cNvPr>
+          <p:cNvPicPr>
+            <a:picLocks noChangeAspect="1"/>
+          </p:cNvPicPr>
+          <p:nvPr/>
+        </p:nvPicPr>
+        <p:blipFill>
+          <a:blip r:embed="rId2"/>
+          <a:stretch>
+            <a:fillRect/>
+          </a:stretch>
+        </p:blipFill>
+        <p:spPr>
+          <a:xfrm>
+            <a:off x="294289" y="2748604"/>
+            <a:ext cx="11934227" cy="3769800"/>
+          </a:xfrm>
+          <a:prstGeom prst="rect">
+            <a:avLst/>
+          </a:prstGeom>
+        </p:spPr>
+      </p:pic>
+      <p:sp>
+        <p:nvSpPr>
+          <p:cNvPr id="5" name="テキスト ボックス 4">
+            <a:extLst>
+              <a:ext uri="{FF2B5EF4-FFF2-40B4-BE49-F238E27FC236}">
+                <a16:creationId xmlns:a16="http://schemas.microsoft.com/office/drawing/2014/main" id="{CCC54600-8EF2-BCE5-87B9-AAAF9BB10F0F}"/>
               </a:ext>
             </a:extLst>
           </p:cNvPr>
@@ -17648,8 +17678,8 @@
         </p:nvSpPr>
         <p:spPr>
           <a:xfrm>
-            <a:off x="722167" y="399495"/>
-            <a:ext cx="4388958" cy="584775"/>
+            <a:off x="294289" y="235074"/>
+            <a:ext cx="3576620" cy="584775"/>
           </a:xfrm>
           <a:prstGeom prst="rect">
             <a:avLst/>
@@ -17664,13 +17694,6 @@
           <a:p>
             <a:pPr algn="l"/>
             <a:r>
-              <a:rPr kumimoji="1" lang="en-US" altLang="ja-JP" sz="3200" dirty="0">
-                <a:latin typeface="メイリオ" panose="020B0604030504040204" pitchFamily="50" charset="-128"/>
-                <a:ea typeface="メイリオ" panose="020B0604030504040204" pitchFamily="50" charset="-128"/>
-              </a:rPr>
-              <a:t>Bag of Words(</a:t>
-            </a:r>
-            <a:r>
               <a:rPr kumimoji="1" lang="en-US" altLang="ja-JP" sz="3200" dirty="0" err="1">
                 <a:latin typeface="メイリオ" panose="020B0604030504040204" pitchFamily="50" charset="-128"/>
                 <a:ea typeface="メイリオ" panose="020B0604030504040204" pitchFamily="50" charset="-128"/>
@@ -17682,17 +17705,17 @@
                 <a:latin typeface="メイリオ" panose="020B0604030504040204" pitchFamily="50" charset="-128"/>
                 <a:ea typeface="メイリオ" panose="020B0604030504040204" pitchFamily="50" charset="-128"/>
               </a:rPr>
-              <a:t>）</a:t>
-            </a:r>
-          </a:p>
-        </p:txBody>
-      </p:sp>
-      <p:sp>
-        <p:nvSpPr>
-          <p:cNvPr id="3" name="テキスト ボックス 2">
+              <a:t>のデータ形式</a:t>
+            </a:r>
+          </a:p>
+        </p:txBody>
+      </p:sp>
+      <p:sp>
+        <p:nvSpPr>
+          <p:cNvPr id="13" name="テキスト ボックス 12">
             <a:extLst>
               <a:ext uri="{FF2B5EF4-FFF2-40B4-BE49-F238E27FC236}">
-                <a16:creationId xmlns:a16="http://schemas.microsoft.com/office/drawing/2014/main" id="{F4829234-8EAB-DC91-5512-854D1F6CE0ED}"/>
+                <a16:creationId xmlns:a16="http://schemas.microsoft.com/office/drawing/2014/main" id="{1F1F0F88-E8C7-E2D4-7234-6BF6B7EC273F}"/>
               </a:ext>
             </a:extLst>
           </p:cNvPr>
@@ -17701,8 +17724,8 @@
         </p:nvSpPr>
         <p:spPr>
           <a:xfrm>
-            <a:off x="722167" y="1228094"/>
-            <a:ext cx="10177061" cy="1569660"/>
+            <a:off x="1073231" y="2411389"/>
+            <a:ext cx="708848" cy="369332"/>
           </a:xfrm>
           <a:prstGeom prst="rect">
             <a:avLst/>
@@ -17710,93 +17733,38 @@
           <a:noFill/>
         </p:spPr>
         <p:txBody>
-          <a:bodyPr wrap="square" rtlCol="0">
+          <a:bodyPr wrap="none" rtlCol="0">
             <a:spAutoFit/>
           </a:bodyPr>
           <a:lstStyle/>
           <a:p>
-            <a:pPr marL="457200" indent="-457200" algn="l">
-              <a:buFont typeface="+mj-lt"/>
-              <a:buAutoNum type="arabicPeriod"/>
-            </a:pPr>
-            <a:r>
-              <a:rPr kumimoji="1" lang="ja-JP" altLang="en-US" sz="2400" dirty="0">
-                <a:latin typeface="メイリオ" panose="020B0604030504040204" pitchFamily="50" charset="-128"/>
-                <a:ea typeface="メイリオ" panose="020B0604030504040204" pitchFamily="50" charset="-128"/>
-              </a:rPr>
-              <a:t>機械学習的に言うと特徴量そのもの（教師ありの場合は、うどん</a:t>
-            </a:r>
-            <a:r>
-              <a:rPr kumimoji="1" lang="en-US" altLang="ja-JP" sz="2400" dirty="0">
-                <a:latin typeface="メイリオ" panose="020B0604030504040204" pitchFamily="50" charset="-128"/>
-                <a:ea typeface="メイリオ" panose="020B0604030504040204" pitchFamily="50" charset="-128"/>
-              </a:rPr>
-              <a:t>/</a:t>
-            </a:r>
-            <a:r>
-              <a:rPr kumimoji="1" lang="ja-JP" altLang="en-US" sz="2400" dirty="0">
-                <a:latin typeface="メイリオ" panose="020B0604030504040204" pitchFamily="50" charset="-128"/>
-                <a:ea typeface="メイリオ" panose="020B0604030504040204" pitchFamily="50" charset="-128"/>
-              </a:rPr>
-              <a:t>ラーメンが教師ラベル）</a:t>
-            </a:r>
-            <a:endParaRPr kumimoji="1" lang="en-US" altLang="ja-JP" sz="2400" dirty="0">
+            <a:pPr algn="l"/>
+            <a:r>
+              <a:rPr kumimoji="1" lang="en-US" altLang="ja-JP" dirty="0" err="1">
+                <a:solidFill>
+                  <a:srgbClr val="FF0000"/>
+                </a:solidFill>
+                <a:latin typeface="メイリオ" panose="020B0604030504040204" pitchFamily="50" charset="-128"/>
+                <a:ea typeface="メイリオ" panose="020B0604030504040204" pitchFamily="50" charset="-128"/>
+              </a:rPr>
+              <a:t>BoW</a:t>
+            </a:r>
+            <a:endParaRPr kumimoji="1" lang="ja-JP" altLang="en-US" dirty="0">
+              <a:solidFill>
+                <a:srgbClr val="FF0000"/>
+              </a:solidFill>
               <a:latin typeface="メイリオ" panose="020B0604030504040204" pitchFamily="50" charset="-128"/>
               <a:ea typeface="メイリオ" panose="020B0604030504040204" pitchFamily="50" charset="-128"/>
             </a:endParaRPr>
           </a:p>
-          <a:p>
-            <a:pPr marL="457200" indent="-457200" algn="l">
-              <a:buFont typeface="+mj-lt"/>
-              <a:buAutoNum type="arabicPeriod"/>
-            </a:pPr>
-            <a:r>
-              <a:rPr kumimoji="1" lang="ja-JP" altLang="en-US" sz="2400" dirty="0">
-                <a:latin typeface="メイリオ" panose="020B0604030504040204" pitchFamily="50" charset="-128"/>
-                <a:ea typeface="メイリオ" panose="020B0604030504040204" pitchFamily="50" charset="-128"/>
-              </a:rPr>
-              <a:t>統計学的に言うと説明変数</a:t>
-            </a:r>
-            <a:endParaRPr kumimoji="1" lang="en-US" altLang="ja-JP" sz="2400" dirty="0">
-              <a:latin typeface="メイリオ" panose="020B0604030504040204" pitchFamily="50" charset="-128"/>
-              <a:ea typeface="メイリオ" panose="020B0604030504040204" pitchFamily="50" charset="-128"/>
-            </a:endParaRPr>
-          </a:p>
-          <a:p>
-            <a:pPr marL="457200" indent="-457200" algn="l">
-              <a:buFont typeface="+mj-lt"/>
-              <a:buAutoNum type="arabicPeriod"/>
-            </a:pPr>
-            <a:r>
-              <a:rPr kumimoji="1" lang="ja-JP" altLang="en-US" sz="2400" dirty="0">
-                <a:latin typeface="メイリオ" panose="020B0604030504040204" pitchFamily="50" charset="-128"/>
-                <a:ea typeface="メイリオ" panose="020B0604030504040204" pitchFamily="50" charset="-128"/>
-              </a:rPr>
-              <a:t>この講義は以降、すべて</a:t>
-            </a:r>
-            <a:r>
-              <a:rPr kumimoji="1" lang="en-US" altLang="ja-JP" sz="2400" dirty="0" err="1">
-                <a:latin typeface="メイリオ" panose="020B0604030504040204" pitchFamily="50" charset="-128"/>
-                <a:ea typeface="メイリオ" panose="020B0604030504040204" pitchFamily="50" charset="-128"/>
-              </a:rPr>
-              <a:t>BoW</a:t>
-            </a:r>
-            <a:r>
-              <a:rPr kumimoji="1" lang="ja-JP" altLang="en-US" sz="2400" dirty="0">
-                <a:latin typeface="メイリオ" panose="020B0604030504040204" pitchFamily="50" charset="-128"/>
-                <a:ea typeface="メイリオ" panose="020B0604030504040204" pitchFamily="50" charset="-128"/>
-              </a:rPr>
-              <a:t>を前提にすすめます</a:t>
-            </a:r>
-          </a:p>
-        </p:txBody>
-      </p:sp>
-      <p:sp>
-        <p:nvSpPr>
-          <p:cNvPr id="7" name="テキスト ボックス 6">
+        </p:txBody>
+      </p:sp>
+      <p:sp>
+        <p:nvSpPr>
+          <p:cNvPr id="15" name="テキスト ボックス 14">
             <a:extLst>
               <a:ext uri="{FF2B5EF4-FFF2-40B4-BE49-F238E27FC236}">
-                <a16:creationId xmlns:a16="http://schemas.microsoft.com/office/drawing/2014/main" id="{2569DFA6-3AE3-1E42-95A7-158F497023B1}"/>
+                <a16:creationId xmlns:a16="http://schemas.microsoft.com/office/drawing/2014/main" id="{4A31776C-F8E5-F095-2837-918D256DCEC7}"/>
               </a:ext>
             </a:extLst>
           </p:cNvPr>
@@ -17805,8 +17773,8 @@
         </p:nvSpPr>
         <p:spPr>
           <a:xfrm>
-            <a:off x="767255" y="3092246"/>
-            <a:ext cx="10657490" cy="830997"/>
+            <a:off x="257854" y="766465"/>
+            <a:ext cx="11331866" cy="1569660"/>
           </a:xfrm>
           <a:prstGeom prst="rect">
             <a:avLst/>
@@ -17819,56 +17787,412 @@
           </a:bodyPr>
           <a:lstStyle/>
           <a:p>
+            <a:pPr marL="457200" indent="-457200" algn="l">
+              <a:buFont typeface="+mj-lt"/>
+              <a:buAutoNum type="arabicPeriod"/>
+            </a:pPr>
+            <a:r>
+              <a:rPr kumimoji="1" lang="en-US" altLang="ja-JP" sz="2400" dirty="0">
+                <a:latin typeface="メイリオ" panose="020B0604030504040204" pitchFamily="50" charset="-128"/>
+                <a:ea typeface="メイリオ" panose="020B0604030504040204" pitchFamily="50" charset="-128"/>
+              </a:rPr>
+              <a:t>1</a:t>
+            </a:r>
+            <a:r>
+              <a:rPr kumimoji="1" lang="ja-JP" altLang="en-US" sz="2400" dirty="0">
+                <a:latin typeface="メイリオ" panose="020B0604030504040204" pitchFamily="50" charset="-128"/>
+                <a:ea typeface="メイリオ" panose="020B0604030504040204" pitchFamily="50" charset="-128"/>
+              </a:rPr>
+              <a:t>行</a:t>
+            </a:r>
+            <a:r>
+              <a:rPr kumimoji="1" lang="en-US" altLang="ja-JP" sz="2400" dirty="0">
+                <a:latin typeface="メイリオ" panose="020B0604030504040204" pitchFamily="50" charset="-128"/>
+                <a:ea typeface="メイリオ" panose="020B0604030504040204" pitchFamily="50" charset="-128"/>
+              </a:rPr>
+              <a:t>1</a:t>
+            </a:r>
+            <a:r>
+              <a:rPr kumimoji="1" lang="ja-JP" altLang="en-US" sz="2400" dirty="0">
+                <a:latin typeface="メイリオ" panose="020B0604030504040204" pitchFamily="50" charset="-128"/>
+                <a:ea typeface="メイリオ" panose="020B0604030504040204" pitchFamily="50" charset="-128"/>
+              </a:rPr>
+              <a:t>データ（口コミ</a:t>
+            </a:r>
+            <a:r>
+              <a:rPr kumimoji="1" lang="en-US" altLang="ja-JP" sz="2400" dirty="0">
+                <a:latin typeface="メイリオ" panose="020B0604030504040204" pitchFamily="50" charset="-128"/>
+                <a:ea typeface="メイリオ" panose="020B0604030504040204" pitchFamily="50" charset="-128"/>
+              </a:rPr>
+              <a:t>etc.)</a:t>
+            </a:r>
+          </a:p>
+          <a:p>
+            <a:pPr marL="457200" indent="-457200" algn="l">
+              <a:buFont typeface="+mj-lt"/>
+              <a:buAutoNum type="arabicPeriod"/>
+            </a:pPr>
+            <a:r>
+              <a:rPr kumimoji="1" lang="ja-JP" altLang="en-US" sz="2400" dirty="0">
+                <a:latin typeface="メイリオ" panose="020B0604030504040204" pitchFamily="50" charset="-128"/>
+                <a:ea typeface="メイリオ" panose="020B0604030504040204" pitchFamily="50" charset="-128"/>
+              </a:rPr>
+              <a:t>データは単語ベクトルで表現（下例では、ベクトル毎にうどん</a:t>
+            </a:r>
+            <a:r>
+              <a:rPr kumimoji="1" lang="en-US" altLang="ja-JP" sz="2400" dirty="0">
+                <a:latin typeface="メイリオ" panose="020B0604030504040204" pitchFamily="50" charset="-128"/>
+                <a:ea typeface="メイリオ" panose="020B0604030504040204" pitchFamily="50" charset="-128"/>
+              </a:rPr>
+              <a:t>/</a:t>
+            </a:r>
+            <a:r>
+              <a:rPr kumimoji="1" lang="ja-JP" altLang="en-US" sz="2400" dirty="0">
+                <a:latin typeface="メイリオ" panose="020B0604030504040204" pitchFamily="50" charset="-128"/>
+                <a:ea typeface="メイリオ" panose="020B0604030504040204" pitchFamily="50" charset="-128"/>
+              </a:rPr>
+              <a:t>ラーメンらしさが浮かび上がる）</a:t>
+            </a:r>
+            <a:endParaRPr kumimoji="1" lang="en-US" altLang="ja-JP" sz="2400" dirty="0">
+              <a:latin typeface="メイリオ" panose="020B0604030504040204" pitchFamily="50" charset="-128"/>
+              <a:ea typeface="メイリオ" panose="020B0604030504040204" pitchFamily="50" charset="-128"/>
+            </a:endParaRPr>
+          </a:p>
+          <a:p>
+            <a:pPr marL="457200" indent="-457200" algn="l">
+              <a:buFont typeface="+mj-lt"/>
+              <a:buAutoNum type="arabicPeriod"/>
+            </a:pPr>
+            <a:r>
+              <a:rPr kumimoji="1" lang="en-US" altLang="ja-JP" sz="2400" dirty="0" err="1">
+                <a:latin typeface="メイリオ" panose="020B0604030504040204" pitchFamily="50" charset="-128"/>
+                <a:ea typeface="メイリオ" panose="020B0604030504040204" pitchFamily="50" charset="-128"/>
+              </a:rPr>
+              <a:t>BoW</a:t>
+            </a:r>
+            <a:r>
+              <a:rPr kumimoji="1" lang="ja-JP" altLang="en-US" sz="2400" dirty="0">
+                <a:latin typeface="メイリオ" panose="020B0604030504040204" pitchFamily="50" charset="-128"/>
+                <a:ea typeface="メイリオ" panose="020B0604030504040204" pitchFamily="50" charset="-128"/>
+              </a:rPr>
+              <a:t>の辞書　　要素数（語彙見出しの数）</a:t>
+            </a:r>
+            <a:r>
+              <a:rPr kumimoji="1" lang="en-US" altLang="ja-JP" sz="2400" dirty="0">
+                <a:latin typeface="メイリオ" panose="020B0604030504040204" pitchFamily="50" charset="-128"/>
+                <a:ea typeface="メイリオ" panose="020B0604030504040204" pitchFamily="50" charset="-128"/>
+              </a:rPr>
+              <a:t>=</a:t>
+            </a:r>
+            <a:r>
+              <a:rPr kumimoji="1" lang="ja-JP" altLang="en-US" sz="2400" dirty="0">
+                <a:solidFill>
+                  <a:srgbClr val="FFC000"/>
+                </a:solidFill>
+                <a:latin typeface="メイリオ" panose="020B0604030504040204" pitchFamily="50" charset="-128"/>
+                <a:ea typeface="メイリオ" panose="020B0604030504040204" pitchFamily="50" charset="-128"/>
+              </a:rPr>
+              <a:t>ベクトル次元数</a:t>
+            </a:r>
+          </a:p>
+        </p:txBody>
+      </p:sp>
+      <p:sp>
+        <p:nvSpPr>
+          <p:cNvPr id="3" name="テキスト ボックス 2">
+            <a:extLst>
+              <a:ext uri="{FF2B5EF4-FFF2-40B4-BE49-F238E27FC236}">
+                <a16:creationId xmlns:a16="http://schemas.microsoft.com/office/drawing/2014/main" id="{E89F03D5-BC43-A938-4F22-9A93761604FB}"/>
+              </a:ext>
+            </a:extLst>
+          </p:cNvPr>
+          <p:cNvSpPr txBox="1"/>
+          <p:nvPr/>
+        </p:nvSpPr>
+        <p:spPr>
+          <a:xfrm>
+            <a:off x="-111760" y="2735312"/>
+            <a:ext cx="1210588" cy="338554"/>
+          </a:xfrm>
+          <a:prstGeom prst="rect">
+            <a:avLst/>
+          </a:prstGeom>
+          <a:solidFill>
+            <a:schemeClr val="bg1"/>
+          </a:solidFill>
+        </p:spPr>
+        <p:txBody>
+          <a:bodyPr wrap="none" rtlCol="0">
+            <a:spAutoFit/>
+          </a:bodyPr>
+          <a:lstStyle/>
+          <a:p>
             <a:pPr algn="l"/>
             <a:r>
+              <a:rPr kumimoji="1" lang="ja-JP" altLang="en-US" sz="1600" dirty="0">
+                <a:solidFill>
+                  <a:srgbClr val="0070C0"/>
+                </a:solidFill>
+                <a:latin typeface="メイリオ" panose="020B0604030504040204" pitchFamily="50" charset="-128"/>
+                <a:ea typeface="メイリオ" panose="020B0604030504040204" pitchFamily="50" charset="-128"/>
+              </a:rPr>
+              <a:t>教師ラベル</a:t>
+            </a:r>
+          </a:p>
+        </p:txBody>
+      </p:sp>
+      <p:sp>
+        <p:nvSpPr>
+          <p:cNvPr id="4" name="四角形: 角を丸くする 3">
+            <a:extLst>
+              <a:ext uri="{FF2B5EF4-FFF2-40B4-BE49-F238E27FC236}">
+                <a16:creationId xmlns:a16="http://schemas.microsoft.com/office/drawing/2014/main" id="{79537707-9B89-A75A-9BAE-1B883D015623}"/>
+              </a:ext>
+            </a:extLst>
+          </p:cNvPr>
+          <p:cNvSpPr/>
+          <p:nvPr/>
+        </p:nvSpPr>
+        <p:spPr>
+          <a:xfrm>
+            <a:off x="207054" y="3073866"/>
+            <a:ext cx="785750" cy="3448854"/>
+          </a:xfrm>
+          <a:prstGeom prst="roundRect">
+            <a:avLst/>
+          </a:prstGeom>
+          <a:noFill/>
+        </p:spPr>
+        <p:style>
+          <a:lnRef idx="2">
+            <a:schemeClr val="accent1">
+              <a:shade val="15000"/>
+            </a:schemeClr>
+          </a:lnRef>
+          <a:fillRef idx="1">
+            <a:schemeClr val="accent1"/>
+          </a:fillRef>
+          <a:effectRef idx="0">
+            <a:schemeClr val="accent1"/>
+          </a:effectRef>
+          <a:fontRef idx="minor">
+            <a:schemeClr val="lt1"/>
+          </a:fontRef>
+        </p:style>
+        <p:txBody>
+          <a:bodyPr rtlCol="0" anchor="ctr"/>
+          <a:lstStyle/>
+          <a:p>
+            <a:pPr algn="ctr"/>
+            <a:endParaRPr kumimoji="1" lang="ja-JP" altLang="en-US"/>
+          </a:p>
+        </p:txBody>
+      </p:sp>
+      <p:sp>
+        <p:nvSpPr>
+          <p:cNvPr id="14" name="四角形: 角を丸くする 13">
+            <a:extLst>
+              <a:ext uri="{FF2B5EF4-FFF2-40B4-BE49-F238E27FC236}">
+                <a16:creationId xmlns:a16="http://schemas.microsoft.com/office/drawing/2014/main" id="{CA17FB66-32FD-7BA3-E30B-0D222FF244A2}"/>
+              </a:ext>
+            </a:extLst>
+          </p:cNvPr>
+          <p:cNvSpPr/>
+          <p:nvPr/>
+        </p:nvSpPr>
+        <p:spPr>
+          <a:xfrm>
+            <a:off x="1016000" y="2668894"/>
+            <a:ext cx="11042842" cy="3954032"/>
+          </a:xfrm>
+          <a:prstGeom prst="roundRect">
+            <a:avLst>
+              <a:gd name="adj" fmla="val 6903"/>
+            </a:avLst>
+          </a:prstGeom>
+          <a:noFill/>
+          <a:ln>
+            <a:solidFill>
+              <a:srgbClr val="FF0000"/>
+            </a:solidFill>
+          </a:ln>
+        </p:spPr>
+        <p:style>
+          <a:lnRef idx="2">
+            <a:schemeClr val="accent1">
+              <a:shade val="15000"/>
+            </a:schemeClr>
+          </a:lnRef>
+          <a:fillRef idx="1">
+            <a:schemeClr val="accent1"/>
+          </a:fillRef>
+          <a:effectRef idx="0">
+            <a:schemeClr val="accent1"/>
+          </a:effectRef>
+          <a:fontRef idx="minor">
+            <a:schemeClr val="lt1"/>
+          </a:fontRef>
+        </p:style>
+        <p:txBody>
+          <a:bodyPr rtlCol="0" anchor="ctr"/>
+          <a:lstStyle/>
+          <a:p>
+            <a:pPr algn="ctr"/>
+            <a:endParaRPr kumimoji="1" lang="ja-JP" altLang="en-US"/>
+          </a:p>
+        </p:txBody>
+      </p:sp>
+      <p:sp>
+        <p:nvSpPr>
+          <p:cNvPr id="6" name="四角形: 角を丸くする 5">
+            <a:extLst>
+              <a:ext uri="{FF2B5EF4-FFF2-40B4-BE49-F238E27FC236}">
+                <a16:creationId xmlns:a16="http://schemas.microsoft.com/office/drawing/2014/main" id="{F29B784E-2E76-6295-9FFD-F94D9071708C}"/>
+              </a:ext>
+            </a:extLst>
+          </p:cNvPr>
+          <p:cNvSpPr/>
+          <p:nvPr/>
+        </p:nvSpPr>
+        <p:spPr>
+          <a:xfrm>
+            <a:off x="1098828" y="2735312"/>
+            <a:ext cx="10886118" cy="302914"/>
+          </a:xfrm>
+          <a:prstGeom prst="roundRect">
+            <a:avLst/>
+          </a:prstGeom>
+          <a:noFill/>
+          <a:ln w="28575">
+            <a:solidFill>
+              <a:srgbClr val="FFC000"/>
+            </a:solidFill>
+          </a:ln>
+        </p:spPr>
+        <p:style>
+          <a:lnRef idx="2">
+            <a:schemeClr val="accent1">
+              <a:shade val="15000"/>
+            </a:schemeClr>
+          </a:lnRef>
+          <a:fillRef idx="1">
+            <a:schemeClr val="accent1"/>
+          </a:fillRef>
+          <a:effectRef idx="0">
+            <a:schemeClr val="accent1"/>
+          </a:effectRef>
+          <a:fontRef idx="minor">
+            <a:schemeClr val="lt1"/>
+          </a:fontRef>
+        </p:style>
+        <p:txBody>
+          <a:bodyPr rtlCol="0" anchor="ctr"/>
+          <a:lstStyle/>
+          <a:p>
+            <a:pPr algn="ctr"/>
+            <a:endParaRPr kumimoji="1" lang="ja-JP" altLang="en-US"/>
+          </a:p>
+        </p:txBody>
+      </p:sp>
+      <p:sp>
+        <p:nvSpPr>
+          <p:cNvPr id="7" name="四角形: 角を丸くする 6">
+            <a:extLst>
+              <a:ext uri="{FF2B5EF4-FFF2-40B4-BE49-F238E27FC236}">
+                <a16:creationId xmlns:a16="http://schemas.microsoft.com/office/drawing/2014/main" id="{EC560CF3-CA8E-7698-69E8-2BF2B712E2D3}"/>
+              </a:ext>
+            </a:extLst>
+          </p:cNvPr>
+          <p:cNvSpPr/>
+          <p:nvPr/>
+        </p:nvSpPr>
+        <p:spPr>
+          <a:xfrm>
+            <a:off x="2422404" y="1863052"/>
+            <a:ext cx="534156" cy="355936"/>
+          </a:xfrm>
+          <a:prstGeom prst="roundRect">
+            <a:avLst/>
+          </a:prstGeom>
+          <a:noFill/>
+          <a:ln w="28575">
+            <a:solidFill>
+              <a:srgbClr val="FFC000"/>
+            </a:solidFill>
+          </a:ln>
+        </p:spPr>
+        <p:style>
+          <a:lnRef idx="2">
+            <a:schemeClr val="accent1">
+              <a:shade val="15000"/>
+            </a:schemeClr>
+          </a:lnRef>
+          <a:fillRef idx="1">
+            <a:schemeClr val="accent1"/>
+          </a:fillRef>
+          <a:effectRef idx="0">
+            <a:schemeClr val="accent1"/>
+          </a:effectRef>
+          <a:fontRef idx="minor">
+            <a:schemeClr val="lt1"/>
+          </a:fontRef>
+        </p:style>
+        <p:txBody>
+          <a:bodyPr rtlCol="0" anchor="ctr"/>
+          <a:lstStyle/>
+          <a:p>
+            <a:pPr algn="ctr"/>
+            <a:endParaRPr kumimoji="1" lang="ja-JP" altLang="en-US"/>
+          </a:p>
+        </p:txBody>
+      </p:sp>
+      <p:sp>
+        <p:nvSpPr>
+          <p:cNvPr id="16" name="テキスト ボックス 15">
+            <a:extLst>
+              <a:ext uri="{FF2B5EF4-FFF2-40B4-BE49-F238E27FC236}">
+                <a16:creationId xmlns:a16="http://schemas.microsoft.com/office/drawing/2014/main" id="{31D18F84-3CFF-01C9-88BE-A084FF1252D4}"/>
+              </a:ext>
+            </a:extLst>
+          </p:cNvPr>
+          <p:cNvSpPr txBox="1"/>
+          <p:nvPr/>
+        </p:nvSpPr>
+        <p:spPr>
+          <a:xfrm>
+            <a:off x="8923141" y="2207229"/>
+            <a:ext cx="2689775" cy="461665"/>
+          </a:xfrm>
+          <a:prstGeom prst="rect">
+            <a:avLst/>
+          </a:prstGeom>
+          <a:noFill/>
+        </p:spPr>
+        <p:txBody>
+          <a:bodyPr wrap="none" rtlCol="0">
+            <a:spAutoFit/>
+          </a:bodyPr>
+          <a:lstStyle/>
+          <a:p>
+            <a:pPr algn="l"/>
+            <a:r>
               <a:rPr kumimoji="1" lang="en-US" altLang="ja-JP" sz="2400" dirty="0">
                 <a:latin typeface="メイリオ" panose="020B0604030504040204" pitchFamily="50" charset="-128"/>
                 <a:ea typeface="メイリオ" panose="020B0604030504040204" pitchFamily="50" charset="-128"/>
               </a:rPr>
-              <a:t>Web</a:t>
-            </a:r>
-            <a:r>
-              <a:rPr kumimoji="1" lang="ja-JP" altLang="en-US" sz="2400" dirty="0">
-                <a:latin typeface="メイリオ" panose="020B0604030504040204" pitchFamily="50" charset="-128"/>
-                <a:ea typeface="メイリオ" panose="020B0604030504040204" pitchFamily="50" charset="-128"/>
-              </a:rPr>
-              <a:t>ニュース記事，</a:t>
-            </a:r>
-            <a:r>
-              <a:rPr kumimoji="1" lang="en-US" altLang="ja-JP" sz="2400" dirty="0">
-                <a:latin typeface="メイリオ" panose="020B0604030504040204" pitchFamily="50" charset="-128"/>
-                <a:ea typeface="メイリオ" panose="020B0604030504040204" pitchFamily="50" charset="-128"/>
-              </a:rPr>
-              <a:t>SNS</a:t>
-            </a:r>
-            <a:r>
-              <a:rPr kumimoji="1" lang="ja-JP" altLang="en-US" sz="2400" dirty="0">
-                <a:latin typeface="メイリオ" panose="020B0604030504040204" pitchFamily="50" charset="-128"/>
-                <a:ea typeface="メイリオ" panose="020B0604030504040204" pitchFamily="50" charset="-128"/>
-              </a:rPr>
-              <a:t>口コミ，書籍の文章　あらゆるテキストデータは</a:t>
-            </a:r>
-            <a:r>
-              <a:rPr kumimoji="1" lang="en-US" altLang="ja-JP" sz="2400" dirty="0" err="1">
-                <a:latin typeface="メイリオ" panose="020B0604030504040204" pitchFamily="50" charset="-128"/>
-                <a:ea typeface="メイリオ" panose="020B0604030504040204" pitchFamily="50" charset="-128"/>
-              </a:rPr>
-              <a:t>BoW</a:t>
-            </a:r>
-            <a:r>
-              <a:rPr kumimoji="1" lang="ja-JP" altLang="en-US" sz="2400" dirty="0">
-                <a:latin typeface="メイリオ" panose="020B0604030504040204" pitchFamily="50" charset="-128"/>
-                <a:ea typeface="メイリオ" panose="020B0604030504040204" pitchFamily="50" charset="-128"/>
-              </a:rPr>
-              <a:t>に変換してから機械学習で解析する</a:t>
-            </a:r>
+              <a:t>tabelog_bow.csv</a:t>
+            </a:r>
+            <a:endParaRPr kumimoji="1" lang="ja-JP" altLang="en-US" sz="2400" dirty="0">
+              <a:latin typeface="メイリオ" panose="020B0604030504040204" pitchFamily="50" charset="-128"/>
+              <a:ea typeface="メイリオ" panose="020B0604030504040204" pitchFamily="50" charset="-128"/>
+            </a:endParaRPr>
           </a:p>
         </p:txBody>
       </p:sp>
     </p:spTree>
     <p:extLst>
       <p:ext uri="{BB962C8B-B14F-4D97-AF65-F5344CB8AC3E}">
-        <p14:creationId xmlns:p14="http://schemas.microsoft.com/office/powerpoint/2010/main" val="381456847"/>
+        <p14:creationId xmlns:p14="http://schemas.microsoft.com/office/powerpoint/2010/main" val="4211698274"/>
       </p:ext>
     </p:extLst>
   </p:cSld>
@@ -17897,10 +18221,10 @@
       </p:grpSpPr>
       <p:sp>
         <p:nvSpPr>
-          <p:cNvPr id="5" name="テキスト ボックス 4">
+          <p:cNvPr id="2" name="テキスト ボックス 1">
             <a:extLst>
               <a:ext uri="{FF2B5EF4-FFF2-40B4-BE49-F238E27FC236}">
-                <a16:creationId xmlns:a16="http://schemas.microsoft.com/office/drawing/2014/main" id="{CCC54600-8EF2-BCE5-87B9-AAAF9BB10F0F}"/>
+                <a16:creationId xmlns:a16="http://schemas.microsoft.com/office/drawing/2014/main" id="{47B71DCA-A8A2-4831-B691-D8F1608ED5CD}"/>
               </a:ext>
             </a:extLst>
           </p:cNvPr>
@@ -17909,8 +18233,8 @@
         </p:nvSpPr>
         <p:spPr>
           <a:xfrm>
-            <a:off x="294289" y="235074"/>
-            <a:ext cx="3576620" cy="584775"/>
+            <a:off x="722167" y="399495"/>
+            <a:ext cx="4388958" cy="584775"/>
           </a:xfrm>
           <a:prstGeom prst="rect">
             <a:avLst/>
@@ -17925,6 +18249,13 @@
           <a:p>
             <a:pPr algn="l"/>
             <a:r>
+              <a:rPr kumimoji="1" lang="en-US" altLang="ja-JP" sz="3200" dirty="0">
+                <a:latin typeface="メイリオ" panose="020B0604030504040204" pitchFamily="50" charset="-128"/>
+                <a:ea typeface="メイリオ" panose="020B0604030504040204" pitchFamily="50" charset="-128"/>
+              </a:rPr>
+              <a:t>Bag of Words(</a:t>
+            </a:r>
+            <a:r>
               <a:rPr kumimoji="1" lang="en-US" altLang="ja-JP" sz="3200" dirty="0" err="1">
                 <a:latin typeface="メイリオ" panose="020B0604030504040204" pitchFamily="50" charset="-128"/>
                 <a:ea typeface="メイリオ" panose="020B0604030504040204" pitchFamily="50" charset="-128"/>
@@ -17936,17 +18267,17 @@
                 <a:latin typeface="メイリオ" panose="020B0604030504040204" pitchFamily="50" charset="-128"/>
                 <a:ea typeface="メイリオ" panose="020B0604030504040204" pitchFamily="50" charset="-128"/>
               </a:rPr>
-              <a:t>のデータ形式</a:t>
-            </a:r>
-          </a:p>
-        </p:txBody>
-      </p:sp>
-      <p:sp>
-        <p:nvSpPr>
-          <p:cNvPr id="8" name="テキスト ボックス 7">
+              <a:t>）</a:t>
+            </a:r>
+          </a:p>
+        </p:txBody>
+      </p:sp>
+      <p:sp>
+        <p:nvSpPr>
+          <p:cNvPr id="3" name="テキスト ボックス 2">
             <a:extLst>
               <a:ext uri="{FF2B5EF4-FFF2-40B4-BE49-F238E27FC236}">
-                <a16:creationId xmlns:a16="http://schemas.microsoft.com/office/drawing/2014/main" id="{4E926B8F-7A54-1109-9395-84EA5122E09E}"/>
+                <a16:creationId xmlns:a16="http://schemas.microsoft.com/office/drawing/2014/main" id="{F4829234-8EAB-DC91-5512-854D1F6CE0ED}"/>
               </a:ext>
             </a:extLst>
           </p:cNvPr>
@@ -17955,8 +18286,8 @@
         </p:nvSpPr>
         <p:spPr>
           <a:xfrm>
-            <a:off x="286830" y="3174124"/>
-            <a:ext cx="931665" cy="646331"/>
+            <a:off x="722167" y="1228094"/>
+            <a:ext cx="10177061" cy="1569660"/>
           </a:xfrm>
           <a:prstGeom prst="rect">
             <a:avLst/>
@@ -17964,224 +18295,93 @@
           <a:noFill/>
         </p:spPr>
         <p:txBody>
-          <a:bodyPr wrap="none" rtlCol="0">
+          <a:bodyPr wrap="square" rtlCol="0">
             <a:spAutoFit/>
           </a:bodyPr>
           <a:lstStyle/>
           <a:p>
-            <a:pPr algn="l"/>
-            <a:r>
-              <a:rPr kumimoji="1" lang="ja-JP" altLang="en-US" dirty="0">
-                <a:latin typeface="メイリオ" panose="020B0604030504040204" pitchFamily="50" charset="-128"/>
-                <a:ea typeface="メイリオ" panose="020B0604030504040204" pitchFamily="50" charset="-128"/>
-              </a:rPr>
-              <a:t>データ</a:t>
-            </a:r>
-            <a:endParaRPr kumimoji="1" lang="en-US" altLang="ja-JP" dirty="0">
+            <a:pPr marL="457200" indent="-457200" algn="l">
+              <a:buFont typeface="+mj-lt"/>
+              <a:buAutoNum type="arabicPeriod"/>
+            </a:pPr>
+            <a:r>
+              <a:rPr kumimoji="1" lang="ja-JP" altLang="en-US" sz="2400" dirty="0">
+                <a:latin typeface="メイリオ" panose="020B0604030504040204" pitchFamily="50" charset="-128"/>
+                <a:ea typeface="メイリオ" panose="020B0604030504040204" pitchFamily="50" charset="-128"/>
+              </a:rPr>
+              <a:t>機械学習的に言うと特徴量そのもの（教師ありの場合は、うどん</a:t>
+            </a:r>
+            <a:r>
+              <a:rPr kumimoji="1" lang="en-US" altLang="ja-JP" sz="2400" dirty="0">
+                <a:latin typeface="メイリオ" panose="020B0604030504040204" pitchFamily="50" charset="-128"/>
+                <a:ea typeface="メイリオ" panose="020B0604030504040204" pitchFamily="50" charset="-128"/>
+              </a:rPr>
+              <a:t>/</a:t>
+            </a:r>
+            <a:r>
+              <a:rPr kumimoji="1" lang="ja-JP" altLang="en-US" sz="2400" dirty="0">
+                <a:latin typeface="メイリオ" panose="020B0604030504040204" pitchFamily="50" charset="-128"/>
+                <a:ea typeface="メイリオ" panose="020B0604030504040204" pitchFamily="50" charset="-128"/>
+              </a:rPr>
+              <a:t>ラーメンが教師ラベル）</a:t>
+            </a:r>
+            <a:endParaRPr kumimoji="1" lang="en-US" altLang="ja-JP" sz="2400" dirty="0">
               <a:latin typeface="メイリオ" panose="020B0604030504040204" pitchFamily="50" charset="-128"/>
               <a:ea typeface="メイリオ" panose="020B0604030504040204" pitchFamily="50" charset="-128"/>
             </a:endParaRPr>
           </a:p>
           <a:p>
-            <a:pPr algn="l"/>
-            <a:r>
-              <a:rPr kumimoji="1" lang="en-US" altLang="ja-JP" dirty="0">
-                <a:latin typeface="メイリオ" panose="020B0604030504040204" pitchFamily="50" charset="-128"/>
-                <a:ea typeface="メイリオ" panose="020B0604030504040204" pitchFamily="50" charset="-128"/>
-              </a:rPr>
-              <a:t>1</a:t>
-            </a:r>
-            <a:r>
-              <a:rPr kumimoji="1" lang="ja-JP" altLang="en-US" dirty="0">
-                <a:latin typeface="メイリオ" panose="020B0604030504040204" pitchFamily="50" charset="-128"/>
-                <a:ea typeface="メイリオ" panose="020B0604030504040204" pitchFamily="50" charset="-128"/>
-              </a:rPr>
-              <a:t>行</a:t>
-            </a:r>
-            <a:r>
-              <a:rPr kumimoji="1" lang="en-US" altLang="ja-JP" dirty="0">
-                <a:latin typeface="メイリオ" panose="020B0604030504040204" pitchFamily="50" charset="-128"/>
-                <a:ea typeface="メイリオ" panose="020B0604030504040204" pitchFamily="50" charset="-128"/>
-              </a:rPr>
-              <a:t>1</a:t>
-            </a:r>
-            <a:r>
-              <a:rPr kumimoji="1" lang="ja-JP" altLang="en-US" dirty="0">
-                <a:latin typeface="メイリオ" panose="020B0604030504040204" pitchFamily="50" charset="-128"/>
-                <a:ea typeface="メイリオ" panose="020B0604030504040204" pitchFamily="50" charset="-128"/>
-              </a:rPr>
-              <a:t>件</a:t>
-            </a:r>
-          </a:p>
-        </p:txBody>
-      </p:sp>
-      <p:graphicFrame>
-        <p:nvGraphicFramePr>
-          <p:cNvPr id="9" name="オブジェクト 8">
+            <a:pPr marL="457200" indent="-457200" algn="l">
+              <a:buFont typeface="+mj-lt"/>
+              <a:buAutoNum type="arabicPeriod"/>
+            </a:pPr>
+            <a:r>
+              <a:rPr kumimoji="1" lang="ja-JP" altLang="en-US" sz="2400" dirty="0">
+                <a:latin typeface="メイリオ" panose="020B0604030504040204" pitchFamily="50" charset="-128"/>
+                <a:ea typeface="メイリオ" panose="020B0604030504040204" pitchFamily="50" charset="-128"/>
+              </a:rPr>
+              <a:t>統計学的に言うと説明変数</a:t>
+            </a:r>
+            <a:endParaRPr kumimoji="1" lang="en-US" altLang="ja-JP" sz="2400" dirty="0">
+              <a:latin typeface="メイリオ" panose="020B0604030504040204" pitchFamily="50" charset="-128"/>
+              <a:ea typeface="メイリオ" panose="020B0604030504040204" pitchFamily="50" charset="-128"/>
+            </a:endParaRPr>
+          </a:p>
+          <a:p>
+            <a:pPr marL="457200" indent="-457200" algn="l">
+              <a:buFont typeface="+mj-lt"/>
+              <a:buAutoNum type="arabicPeriod"/>
+            </a:pPr>
+            <a:r>
+              <a:rPr kumimoji="1" lang="ja-JP" altLang="en-US" sz="2400" dirty="0">
+                <a:latin typeface="メイリオ" panose="020B0604030504040204" pitchFamily="50" charset="-128"/>
+                <a:ea typeface="メイリオ" panose="020B0604030504040204" pitchFamily="50" charset="-128"/>
+              </a:rPr>
+              <a:t>この講義は以降、すべて</a:t>
+            </a:r>
+            <a:r>
+              <a:rPr kumimoji="1" lang="en-US" altLang="ja-JP" sz="2400" dirty="0" err="1">
+                <a:latin typeface="メイリオ" panose="020B0604030504040204" pitchFamily="50" charset="-128"/>
+                <a:ea typeface="メイリオ" panose="020B0604030504040204" pitchFamily="50" charset="-128"/>
+              </a:rPr>
+              <a:t>BoW</a:t>
+            </a:r>
+            <a:r>
+              <a:rPr kumimoji="1" lang="ja-JP" altLang="en-US" sz="2400" dirty="0">
+                <a:latin typeface="メイリオ" panose="020B0604030504040204" pitchFamily="50" charset="-128"/>
+                <a:ea typeface="メイリオ" panose="020B0604030504040204" pitchFamily="50" charset="-128"/>
+              </a:rPr>
+              <a:t>を前提にすすめます</a:t>
+            </a:r>
+          </a:p>
+        </p:txBody>
+      </p:sp>
+      <p:sp>
+        <p:nvSpPr>
+          <p:cNvPr id="7" name="テキスト ボックス 6">
             <a:extLst>
               <a:ext uri="{FF2B5EF4-FFF2-40B4-BE49-F238E27FC236}">
-                <a16:creationId xmlns:a16="http://schemas.microsoft.com/office/drawing/2014/main" id="{E4DF9AE9-D080-7948-9F58-45B15E1726DB}"/>
-              </a:ext>
-            </a:extLst>
-          </p:cNvPr>
-          <p:cNvGraphicFramePr>
-            <a:graphicFrameLocks noChangeAspect="1"/>
-          </p:cNvGraphicFramePr>
-          <p:nvPr>
-            <p:extLst>
-              <p:ext uri="{D42A27DB-BD31-4B8C-83A1-F6EECF244321}">
-                <p14:modId xmlns:p14="http://schemas.microsoft.com/office/powerpoint/2010/main" val="2586694532"/>
-              </p:ext>
-            </p:extLst>
-          </p:nvPr>
-        </p:nvGraphicFramePr>
-        <p:xfrm>
-          <a:off x="1509593" y="2785734"/>
-          <a:ext cx="10549249" cy="3604555"/>
-        </p:xfrm>
-        <a:graphic>
-          <a:graphicData uri="http://schemas.openxmlformats.org/presentationml/2006/ole">
-            <mc:AlternateContent xmlns:mc="http://schemas.openxmlformats.org/markup-compatibility/2006">
-              <mc:Choice xmlns:v="urn:schemas-microsoft-com:vml" Requires="v">
-                <p:oleObj name="Worksheet" r:id="rId2" imgW="6713007" imgH="2293814" progId="Excel.Sheet.12">
-                  <p:embed/>
-                </p:oleObj>
-              </mc:Choice>
-              <mc:Fallback>
-                <p:oleObj name="Worksheet" r:id="rId2" imgW="6713007" imgH="2293814" progId="Excel.Sheet.12">
-                  <p:embed/>
-                  <p:pic>
-                    <p:nvPicPr>
-                      <p:cNvPr id="0" name=""/>
-                      <p:cNvPicPr/>
-                      <p:nvPr/>
-                    </p:nvPicPr>
-                    <p:blipFill>
-                      <a:blip r:embed="rId3"/>
-                      <a:stretch>
-                        <a:fillRect/>
-                      </a:stretch>
-                    </p:blipFill>
-                    <p:spPr>
-                      <a:xfrm>
-                        <a:off x="1509593" y="2785734"/>
-                        <a:ext cx="10549249" cy="3604555"/>
-                      </a:xfrm>
-                      <a:prstGeom prst="rect">
-                        <a:avLst/>
-                      </a:prstGeom>
-                    </p:spPr>
-                  </p:pic>
-                </p:oleObj>
-              </mc:Fallback>
-            </mc:AlternateContent>
-          </a:graphicData>
-        </a:graphic>
-      </p:graphicFrame>
-      <p:sp>
-        <p:nvSpPr>
-          <p:cNvPr id="10" name="矢印: 下 9">
-            <a:extLst>
-              <a:ext uri="{FF2B5EF4-FFF2-40B4-BE49-F238E27FC236}">
-                <a16:creationId xmlns:a16="http://schemas.microsoft.com/office/drawing/2014/main" id="{CDAFEF5F-1B0C-8C16-5A3B-A43D0053B171}"/>
-              </a:ext>
-            </a:extLst>
-          </p:cNvPr>
-          <p:cNvSpPr/>
-          <p:nvPr/>
-        </p:nvSpPr>
-        <p:spPr>
-          <a:xfrm>
-            <a:off x="641131" y="3815255"/>
-            <a:ext cx="294290" cy="2575034"/>
-          </a:xfrm>
-          <a:prstGeom prst="downArrow">
-            <a:avLst>
-              <a:gd name="adj1" fmla="val 50000"/>
-              <a:gd name="adj2" fmla="val 117857"/>
-            </a:avLst>
-          </a:prstGeom>
-        </p:spPr>
-        <p:style>
-          <a:lnRef idx="2">
-            <a:schemeClr val="accent1">
-              <a:shade val="15000"/>
-            </a:schemeClr>
-          </a:lnRef>
-          <a:fillRef idx="1">
-            <a:schemeClr val="accent1"/>
-          </a:fillRef>
-          <a:effectRef idx="0">
-            <a:schemeClr val="accent1"/>
-          </a:effectRef>
-          <a:fontRef idx="minor">
-            <a:schemeClr val="lt1"/>
-          </a:fontRef>
-        </p:style>
-        <p:txBody>
-          <a:bodyPr rtlCol="0" anchor="ctr"/>
-          <a:lstStyle/>
-          <a:p>
-            <a:pPr algn="ctr"/>
-            <a:endParaRPr kumimoji="1" lang="ja-JP" altLang="en-US"/>
-          </a:p>
-        </p:txBody>
-      </p:sp>
-      <p:sp>
-        <p:nvSpPr>
-          <p:cNvPr id="11" name="矢印: 右 10">
-            <a:extLst>
-              <a:ext uri="{FF2B5EF4-FFF2-40B4-BE49-F238E27FC236}">
-                <a16:creationId xmlns:a16="http://schemas.microsoft.com/office/drawing/2014/main" id="{D97A2656-04B8-B7DF-33C4-CC40940F2A2E}"/>
-              </a:ext>
-            </a:extLst>
-          </p:cNvPr>
-          <p:cNvSpPr/>
-          <p:nvPr/>
-        </p:nvSpPr>
-        <p:spPr>
-          <a:xfrm>
-            <a:off x="1587062" y="2291255"/>
-            <a:ext cx="10331669" cy="304800"/>
-          </a:xfrm>
-          <a:prstGeom prst="rightArrow">
-            <a:avLst>
-              <a:gd name="adj1" fmla="val 50000"/>
-              <a:gd name="adj2" fmla="val 101724"/>
-            </a:avLst>
-          </a:prstGeom>
-        </p:spPr>
-        <p:style>
-          <a:lnRef idx="2">
-            <a:schemeClr val="accent1">
-              <a:shade val="15000"/>
-            </a:schemeClr>
-          </a:lnRef>
-          <a:fillRef idx="1">
-            <a:schemeClr val="accent1"/>
-          </a:fillRef>
-          <a:effectRef idx="0">
-            <a:schemeClr val="accent1"/>
-          </a:effectRef>
-          <a:fontRef idx="minor">
-            <a:schemeClr val="lt1"/>
-          </a:fontRef>
-        </p:style>
-        <p:txBody>
-          <a:bodyPr rtlCol="0" anchor="ctr"/>
-          <a:lstStyle/>
-          <a:p>
-            <a:pPr algn="ctr"/>
-            <a:endParaRPr kumimoji="1" lang="ja-JP" altLang="en-US"/>
-          </a:p>
-        </p:txBody>
-      </p:sp>
-      <p:sp>
-        <p:nvSpPr>
-          <p:cNvPr id="12" name="テキスト ボックス 11">
-            <a:extLst>
-              <a:ext uri="{FF2B5EF4-FFF2-40B4-BE49-F238E27FC236}">
-                <a16:creationId xmlns:a16="http://schemas.microsoft.com/office/drawing/2014/main" id="{3B482551-3F24-5AD4-8291-54A9064278F4}"/>
+                <a16:creationId xmlns:a16="http://schemas.microsoft.com/office/drawing/2014/main" id="{2569DFA6-3AE3-1E42-95A7-158F497023B1}"/>
               </a:ext>
             </a:extLst>
           </p:cNvPr>
@@ -18190,8 +18390,8 @@
         </p:nvSpPr>
         <p:spPr>
           <a:xfrm>
-            <a:off x="1587062" y="1983144"/>
-            <a:ext cx="2031325" cy="461665"/>
+            <a:off x="767255" y="3092246"/>
+            <a:ext cx="10657490" cy="830997"/>
           </a:xfrm>
           <a:prstGeom prst="rect">
             <a:avLst/>
@@ -18199,246 +18399,53 @@
           <a:noFill/>
         </p:spPr>
         <p:txBody>
-          <a:bodyPr wrap="none" rtlCol="0">
+          <a:bodyPr wrap="square" rtlCol="0">
             <a:spAutoFit/>
           </a:bodyPr>
           <a:lstStyle/>
           <a:p>
             <a:pPr algn="l"/>
             <a:r>
+              <a:rPr kumimoji="1" lang="en-US" altLang="ja-JP" sz="2400" dirty="0">
+                <a:latin typeface="メイリオ" panose="020B0604030504040204" pitchFamily="50" charset="-128"/>
+                <a:ea typeface="メイリオ" panose="020B0604030504040204" pitchFamily="50" charset="-128"/>
+              </a:rPr>
+              <a:t>Web</a:t>
+            </a:r>
+            <a:r>
               <a:rPr kumimoji="1" lang="ja-JP" altLang="en-US" sz="2400" dirty="0">
                 <a:latin typeface="メイリオ" panose="020B0604030504040204" pitchFamily="50" charset="-128"/>
                 <a:ea typeface="メイリオ" panose="020B0604030504040204" pitchFamily="50" charset="-128"/>
               </a:rPr>
-              <a:t>単語ベクトル</a:t>
-            </a:r>
-          </a:p>
-        </p:txBody>
-      </p:sp>
-      <p:sp>
-        <p:nvSpPr>
-          <p:cNvPr id="13" name="テキスト ボックス 12">
-            <a:extLst>
-              <a:ext uri="{FF2B5EF4-FFF2-40B4-BE49-F238E27FC236}">
-                <a16:creationId xmlns:a16="http://schemas.microsoft.com/office/drawing/2014/main" id="{1F1F0F88-E8C7-E2D4-7234-6BF6B7EC273F}"/>
-              </a:ext>
-            </a:extLst>
-          </p:cNvPr>
-          <p:cNvSpPr txBox="1"/>
-          <p:nvPr/>
-        </p:nvSpPr>
-        <p:spPr>
-          <a:xfrm>
-            <a:off x="167405" y="2785734"/>
-            <a:ext cx="1170513" cy="369332"/>
-          </a:xfrm>
-          <a:prstGeom prst="rect">
-            <a:avLst/>
-          </a:prstGeom>
-          <a:noFill/>
-        </p:spPr>
-        <p:txBody>
-          <a:bodyPr wrap="none" rtlCol="0">
-            <a:spAutoFit/>
-          </a:bodyPr>
-          <a:lstStyle/>
-          <a:p>
-            <a:pPr algn="l"/>
-            <a:r>
-              <a:rPr kumimoji="1" lang="en-US" altLang="ja-JP" dirty="0" err="1">
-                <a:solidFill>
-                  <a:srgbClr val="FF0000"/>
-                </a:solidFill>
+              <a:t>ニュース記事，</a:t>
+            </a:r>
+            <a:r>
+              <a:rPr kumimoji="1" lang="en-US" altLang="ja-JP" sz="2400" dirty="0">
+                <a:latin typeface="メイリオ" panose="020B0604030504040204" pitchFamily="50" charset="-128"/>
+                <a:ea typeface="メイリオ" panose="020B0604030504040204" pitchFamily="50" charset="-128"/>
+              </a:rPr>
+              <a:t>SNS</a:t>
+            </a:r>
+            <a:r>
+              <a:rPr kumimoji="1" lang="ja-JP" altLang="en-US" sz="2400" dirty="0">
+                <a:latin typeface="メイリオ" panose="020B0604030504040204" pitchFamily="50" charset="-128"/>
+                <a:ea typeface="メイリオ" panose="020B0604030504040204" pitchFamily="50" charset="-128"/>
+              </a:rPr>
+              <a:t>口コミ，書籍の文章　あらゆるテキストデータは</a:t>
+            </a:r>
+            <a:r>
+              <a:rPr kumimoji="1" lang="en-US" altLang="ja-JP" sz="2400" dirty="0" err="1">
                 <a:latin typeface="メイリオ" panose="020B0604030504040204" pitchFamily="50" charset="-128"/>
                 <a:ea typeface="メイリオ" panose="020B0604030504040204" pitchFamily="50" charset="-128"/>
               </a:rPr>
               <a:t>BoW</a:t>
             </a:r>
             <a:r>
-              <a:rPr kumimoji="1" lang="ja-JP" altLang="en-US" dirty="0">
-                <a:solidFill>
-                  <a:srgbClr val="FF0000"/>
-                </a:solidFill>
-                <a:latin typeface="メイリオ" panose="020B0604030504040204" pitchFamily="50" charset="-128"/>
-                <a:ea typeface="メイリオ" panose="020B0604030504040204" pitchFamily="50" charset="-128"/>
-              </a:rPr>
-              <a:t>辞書</a:t>
-            </a:r>
-          </a:p>
-        </p:txBody>
-      </p:sp>
-      <p:sp>
-        <p:nvSpPr>
-          <p:cNvPr id="14" name="四角形: 角を丸くする 13">
-            <a:extLst>
-              <a:ext uri="{FF2B5EF4-FFF2-40B4-BE49-F238E27FC236}">
-                <a16:creationId xmlns:a16="http://schemas.microsoft.com/office/drawing/2014/main" id="{CA17FB66-32FD-7BA3-E30B-0D222FF244A2}"/>
-              </a:ext>
-            </a:extLst>
-          </p:cNvPr>
-          <p:cNvSpPr/>
-          <p:nvPr/>
-        </p:nvSpPr>
-        <p:spPr>
-          <a:xfrm>
-            <a:off x="115614" y="2668893"/>
-            <a:ext cx="11943228" cy="505231"/>
-          </a:xfrm>
-          <a:prstGeom prst="roundRect">
-            <a:avLst/>
-          </a:prstGeom>
-          <a:noFill/>
-          <a:ln>
-            <a:solidFill>
-              <a:srgbClr val="FF0000"/>
-            </a:solidFill>
-          </a:ln>
-        </p:spPr>
-        <p:style>
-          <a:lnRef idx="2">
-            <a:schemeClr val="accent1">
-              <a:shade val="15000"/>
-            </a:schemeClr>
-          </a:lnRef>
-          <a:fillRef idx="1">
-            <a:schemeClr val="accent1"/>
-          </a:fillRef>
-          <a:effectRef idx="0">
-            <a:schemeClr val="accent1"/>
-          </a:effectRef>
-          <a:fontRef idx="minor">
-            <a:schemeClr val="lt1"/>
-          </a:fontRef>
-        </p:style>
-        <p:txBody>
-          <a:bodyPr rtlCol="0" anchor="ctr"/>
-          <a:lstStyle/>
-          <a:p>
-            <a:pPr algn="ctr"/>
-            <a:endParaRPr kumimoji="1" lang="ja-JP" altLang="en-US"/>
-          </a:p>
-        </p:txBody>
-      </p:sp>
-      <p:sp>
-        <p:nvSpPr>
-          <p:cNvPr id="15" name="テキスト ボックス 14">
-            <a:extLst>
-              <a:ext uri="{FF2B5EF4-FFF2-40B4-BE49-F238E27FC236}">
-                <a16:creationId xmlns:a16="http://schemas.microsoft.com/office/drawing/2014/main" id="{4A31776C-F8E5-F095-2837-918D256DCEC7}"/>
-              </a:ext>
-            </a:extLst>
-          </p:cNvPr>
-          <p:cNvSpPr txBox="1"/>
-          <p:nvPr/>
-        </p:nvSpPr>
-        <p:spPr>
-          <a:xfrm>
-            <a:off x="382614" y="736648"/>
-            <a:ext cx="8361584" cy="1200329"/>
-          </a:xfrm>
-          <a:prstGeom prst="rect">
-            <a:avLst/>
-          </a:prstGeom>
-          <a:noFill/>
-        </p:spPr>
-        <p:txBody>
-          <a:bodyPr wrap="none" rtlCol="0">
-            <a:spAutoFit/>
-          </a:bodyPr>
-          <a:lstStyle/>
-          <a:p>
-            <a:pPr marL="457200" indent="-457200" algn="l">
-              <a:buFont typeface="+mj-lt"/>
-              <a:buAutoNum type="arabicPeriod"/>
-            </a:pPr>
-            <a:r>
-              <a:rPr kumimoji="1" lang="en-US" altLang="ja-JP" sz="2400" dirty="0">
-                <a:latin typeface="メイリオ" panose="020B0604030504040204" pitchFamily="50" charset="-128"/>
-                <a:ea typeface="メイリオ" panose="020B0604030504040204" pitchFamily="50" charset="-128"/>
-              </a:rPr>
-              <a:t>1</a:t>
-            </a:r>
-            <a:r>
               <a:rPr kumimoji="1" lang="ja-JP" altLang="en-US" sz="2400" dirty="0">
                 <a:latin typeface="メイリオ" panose="020B0604030504040204" pitchFamily="50" charset="-128"/>
                 <a:ea typeface="メイリオ" panose="020B0604030504040204" pitchFamily="50" charset="-128"/>
               </a:rPr>
-              <a:t>行</a:t>
-            </a:r>
-            <a:r>
-              <a:rPr kumimoji="1" lang="en-US" altLang="ja-JP" sz="2400" dirty="0">
-                <a:latin typeface="メイリオ" panose="020B0604030504040204" pitchFamily="50" charset="-128"/>
-                <a:ea typeface="メイリオ" panose="020B0604030504040204" pitchFamily="50" charset="-128"/>
-              </a:rPr>
-              <a:t>1</a:t>
-            </a:r>
-            <a:r>
-              <a:rPr kumimoji="1" lang="ja-JP" altLang="en-US" sz="2400" dirty="0">
-                <a:latin typeface="メイリオ" panose="020B0604030504040204" pitchFamily="50" charset="-128"/>
-                <a:ea typeface="メイリオ" panose="020B0604030504040204" pitchFamily="50" charset="-128"/>
-              </a:rPr>
-              <a:t>データ（口コミ</a:t>
-            </a:r>
-            <a:r>
-              <a:rPr kumimoji="1" lang="en-US" altLang="ja-JP" sz="2400" dirty="0">
-                <a:latin typeface="メイリオ" panose="020B0604030504040204" pitchFamily="50" charset="-128"/>
-                <a:ea typeface="メイリオ" panose="020B0604030504040204" pitchFamily="50" charset="-128"/>
-              </a:rPr>
-              <a:t>etc.)</a:t>
-            </a:r>
-          </a:p>
-          <a:p>
-            <a:pPr marL="457200" indent="-457200" algn="l">
-              <a:buFont typeface="+mj-lt"/>
-              <a:buAutoNum type="arabicPeriod"/>
-            </a:pPr>
-            <a:r>
-              <a:rPr kumimoji="1" lang="ja-JP" altLang="en-US" sz="2400" dirty="0">
-                <a:latin typeface="メイリオ" panose="020B0604030504040204" pitchFamily="50" charset="-128"/>
-                <a:ea typeface="メイリオ" panose="020B0604030504040204" pitchFamily="50" charset="-128"/>
-              </a:rPr>
-              <a:t>データは単語ベクトルで表現</a:t>
-            </a:r>
-            <a:endParaRPr kumimoji="1" lang="en-US" altLang="ja-JP" sz="2400" dirty="0">
-              <a:latin typeface="メイリオ" panose="020B0604030504040204" pitchFamily="50" charset="-128"/>
-              <a:ea typeface="メイリオ" panose="020B0604030504040204" pitchFamily="50" charset="-128"/>
-            </a:endParaRPr>
-          </a:p>
-          <a:p>
-            <a:pPr marL="457200" indent="-457200" algn="l">
-              <a:buFont typeface="+mj-lt"/>
-              <a:buAutoNum type="arabicPeriod"/>
-            </a:pPr>
-            <a:r>
-              <a:rPr kumimoji="1" lang="en-US" altLang="ja-JP" sz="2400" dirty="0" err="1">
-                <a:latin typeface="メイリオ" panose="020B0604030504040204" pitchFamily="50" charset="-128"/>
-                <a:ea typeface="メイリオ" panose="020B0604030504040204" pitchFamily="50" charset="-128"/>
-              </a:rPr>
-              <a:t>BoW</a:t>
-            </a:r>
-            <a:r>
-              <a:rPr kumimoji="1" lang="ja-JP" altLang="en-US" sz="2400" dirty="0">
-                <a:latin typeface="メイリオ" panose="020B0604030504040204" pitchFamily="50" charset="-128"/>
-                <a:ea typeface="メイリオ" panose="020B0604030504040204" pitchFamily="50" charset="-128"/>
-              </a:rPr>
-              <a:t>の辞書要素数（列見出しの数）</a:t>
-            </a:r>
-            <a:r>
-              <a:rPr kumimoji="1" lang="en-US" altLang="ja-JP" sz="2400" dirty="0">
-                <a:latin typeface="メイリオ" panose="020B0604030504040204" pitchFamily="50" charset="-128"/>
-                <a:ea typeface="メイリオ" panose="020B0604030504040204" pitchFamily="50" charset="-128"/>
-              </a:rPr>
-              <a:t>=</a:t>
-            </a:r>
-            <a:r>
-              <a:rPr kumimoji="1" lang="ja-JP" altLang="en-US" sz="2400" dirty="0">
-                <a:solidFill>
-                  <a:srgbClr val="FF0000"/>
-                </a:solidFill>
-                <a:latin typeface="メイリオ" panose="020B0604030504040204" pitchFamily="50" charset="-128"/>
-                <a:ea typeface="メイリオ" panose="020B0604030504040204" pitchFamily="50" charset="-128"/>
-              </a:rPr>
-              <a:t>ベクトル次元数</a:t>
+              <a:t>に変換してから機械学習で解析する</a:t>
             </a:r>
           </a:p>
         </p:txBody>
@@ -18446,7 +18453,7 @@
     </p:spTree>
     <p:extLst>
       <p:ext uri="{BB962C8B-B14F-4D97-AF65-F5344CB8AC3E}">
-        <p14:creationId xmlns:p14="http://schemas.microsoft.com/office/powerpoint/2010/main" val="4211698274"/>
+        <p14:creationId xmlns:p14="http://schemas.microsoft.com/office/powerpoint/2010/main" val="381456847"/>
       </p:ext>
     </p:extLst>
   </p:cSld>

--- a/textmining3 BOW.pptx
+++ b/textmining3 BOW.pptx
@@ -2591,7 +2591,7 @@
           <a:p>
             <a:fld id="{0135936D-836F-419C-9F68-DEDA5DD6EA2C}" type="datetimeFigureOut">
               <a:rPr kumimoji="1" lang="ja-JP" altLang="en-US" smtClean="0"/>
-              <a:t>2024/5/8</a:t>
+              <a:t>2024/5/9</a:t>
             </a:fld>
             <a:endParaRPr kumimoji="1" lang="ja-JP" altLang="en-US"/>
           </a:p>
@@ -3058,6 +3058,90 @@
 </p:notes>
 </file>
 
+<file path=ppt/notesSlides/notesSlide3.xml><?xml version="1.0" encoding="utf-8"?>
+<p:notes xmlns:a="http://schemas.openxmlformats.org/drawingml/2006/main" xmlns:r="http://schemas.openxmlformats.org/officeDocument/2006/relationships" xmlns:p="http://schemas.openxmlformats.org/presentationml/2006/main">
+  <p:cSld>
+    <p:spTree>
+      <p:nvGrpSpPr>
+        <p:cNvPr id="1" name=""/>
+        <p:cNvGrpSpPr/>
+        <p:nvPr/>
+      </p:nvGrpSpPr>
+      <p:grpSpPr>
+        <a:xfrm>
+          <a:off x="0" y="0"/>
+          <a:ext cx="0" cy="0"/>
+          <a:chOff x="0" y="0"/>
+          <a:chExt cx="0" cy="0"/>
+        </a:xfrm>
+      </p:grpSpPr>
+      <p:sp>
+        <p:nvSpPr>
+          <p:cNvPr id="2" name="スライド イメージ プレースホルダー 1"/>
+          <p:cNvSpPr>
+            <a:spLocks noGrp="1" noRot="1" noChangeAspect="1"/>
+          </p:cNvSpPr>
+          <p:nvPr>
+            <p:ph type="sldImg"/>
+          </p:nvPr>
+        </p:nvSpPr>
+        <p:spPr/>
+      </p:sp>
+      <p:sp>
+        <p:nvSpPr>
+          <p:cNvPr id="3" name="ノート プレースホルダー 2"/>
+          <p:cNvSpPr>
+            <a:spLocks noGrp="1"/>
+          </p:cNvSpPr>
+          <p:nvPr>
+            <p:ph type="body" idx="1"/>
+          </p:nvPr>
+        </p:nvSpPr>
+        <p:spPr/>
+        <p:txBody>
+          <a:bodyPr/>
+          <a:lstStyle/>
+          <a:p>
+            <a:endParaRPr kumimoji="1" lang="ja-JP" altLang="en-US" dirty="0"/>
+          </a:p>
+        </p:txBody>
+      </p:sp>
+      <p:sp>
+        <p:nvSpPr>
+          <p:cNvPr id="4" name="スライド番号プレースホルダー 3"/>
+          <p:cNvSpPr>
+            <a:spLocks noGrp="1"/>
+          </p:cNvSpPr>
+          <p:nvPr>
+            <p:ph type="sldNum" sz="quarter" idx="5"/>
+          </p:nvPr>
+        </p:nvSpPr>
+        <p:spPr/>
+        <p:txBody>
+          <a:bodyPr/>
+          <a:lstStyle/>
+          <a:p>
+            <a:fld id="{F88306EB-F4D8-4CD3-A9EA-E1E8C435DBF8}" type="slidenum">
+              <a:rPr kumimoji="1" lang="ja-JP" altLang="en-US" smtClean="0"/>
+              <a:t>24</a:t>
+            </a:fld>
+            <a:endParaRPr kumimoji="1" lang="ja-JP" altLang="en-US"/>
+          </a:p>
+        </p:txBody>
+      </p:sp>
+    </p:spTree>
+    <p:extLst>
+      <p:ext uri="{BB962C8B-B14F-4D97-AF65-F5344CB8AC3E}">
+        <p14:creationId xmlns:p14="http://schemas.microsoft.com/office/powerpoint/2010/main" val="281747407"/>
+      </p:ext>
+    </p:extLst>
+  </p:cSld>
+  <p:clrMapOvr>
+    <a:masterClrMapping/>
+  </p:clrMapOvr>
+</p:notes>
+</file>
+
 <file path=ppt/slideLayouts/slideLayout1.xml><?xml version="1.0" encoding="utf-8"?>
 <p:sldLayout xmlns:a="http://schemas.openxmlformats.org/drawingml/2006/main" xmlns:r="http://schemas.openxmlformats.org/officeDocument/2006/relationships" xmlns:p="http://schemas.openxmlformats.org/presentationml/2006/main" type="title" preserve="1">
   <p:cSld name="タイトル スライド">
@@ -3189,7 +3273,7 @@
           <a:p>
             <a:fld id="{2ABC02D7-CBD1-4D33-B166-78A898DF0F76}" type="datetimeFigureOut">
               <a:rPr kumimoji="1" lang="ja-JP" altLang="en-US" smtClean="0"/>
-              <a:t>2024/5/8</a:t>
+              <a:t>2024/5/9</a:t>
             </a:fld>
             <a:endParaRPr kumimoji="1" lang="ja-JP" altLang="en-US"/>
           </a:p>
@@ -3391,7 +3475,7 @@
           <a:p>
             <a:fld id="{2ABC02D7-CBD1-4D33-B166-78A898DF0F76}" type="datetimeFigureOut">
               <a:rPr kumimoji="1" lang="ja-JP" altLang="en-US" smtClean="0"/>
-              <a:t>2024/5/8</a:t>
+              <a:t>2024/5/9</a:t>
             </a:fld>
             <a:endParaRPr kumimoji="1" lang="ja-JP" altLang="en-US"/>
           </a:p>
@@ -3603,7 +3687,7 @@
           <a:p>
             <a:fld id="{2ABC02D7-CBD1-4D33-B166-78A898DF0F76}" type="datetimeFigureOut">
               <a:rPr kumimoji="1" lang="ja-JP" altLang="en-US" smtClean="0"/>
-              <a:t>2024/5/8</a:t>
+              <a:t>2024/5/9</a:t>
             </a:fld>
             <a:endParaRPr kumimoji="1" lang="ja-JP" altLang="en-US"/>
           </a:p>
@@ -3805,7 +3889,7 @@
           <a:p>
             <a:fld id="{2ABC02D7-CBD1-4D33-B166-78A898DF0F76}" type="datetimeFigureOut">
               <a:rPr kumimoji="1" lang="ja-JP" altLang="en-US" smtClean="0"/>
-              <a:t>2024/5/8</a:t>
+              <a:t>2024/5/9</a:t>
             </a:fld>
             <a:endParaRPr kumimoji="1" lang="ja-JP" altLang="en-US"/>
           </a:p>
@@ -4051,7 +4135,7 @@
           <a:p>
             <a:fld id="{2ABC02D7-CBD1-4D33-B166-78A898DF0F76}" type="datetimeFigureOut">
               <a:rPr kumimoji="1" lang="ja-JP" altLang="en-US" smtClean="0"/>
-              <a:t>2024/5/8</a:t>
+              <a:t>2024/5/9</a:t>
             </a:fld>
             <a:endParaRPr kumimoji="1" lang="ja-JP" altLang="en-US"/>
           </a:p>
@@ -4347,7 +4431,7 @@
           <a:p>
             <a:fld id="{2ABC02D7-CBD1-4D33-B166-78A898DF0F76}" type="datetimeFigureOut">
               <a:rPr kumimoji="1" lang="ja-JP" altLang="en-US" smtClean="0"/>
-              <a:t>2024/5/8</a:t>
+              <a:t>2024/5/9</a:t>
             </a:fld>
             <a:endParaRPr kumimoji="1" lang="ja-JP" altLang="en-US"/>
           </a:p>
@@ -4778,7 +4862,7 @@
           <a:p>
             <a:fld id="{2ABC02D7-CBD1-4D33-B166-78A898DF0F76}" type="datetimeFigureOut">
               <a:rPr kumimoji="1" lang="ja-JP" altLang="en-US" smtClean="0"/>
-              <a:t>2024/5/8</a:t>
+              <a:t>2024/5/9</a:t>
             </a:fld>
             <a:endParaRPr kumimoji="1" lang="ja-JP" altLang="en-US"/>
           </a:p>
@@ -4896,7 +4980,7 @@
           <a:p>
             <a:fld id="{2ABC02D7-CBD1-4D33-B166-78A898DF0F76}" type="datetimeFigureOut">
               <a:rPr kumimoji="1" lang="ja-JP" altLang="en-US" smtClean="0"/>
-              <a:t>2024/5/8</a:t>
+              <a:t>2024/5/9</a:t>
             </a:fld>
             <a:endParaRPr kumimoji="1" lang="ja-JP" altLang="en-US"/>
           </a:p>
@@ -4991,7 +5075,7 @@
           <a:p>
             <a:fld id="{2ABC02D7-CBD1-4D33-B166-78A898DF0F76}" type="datetimeFigureOut">
               <a:rPr kumimoji="1" lang="ja-JP" altLang="en-US" smtClean="0"/>
-              <a:t>2024/5/8</a:t>
+              <a:t>2024/5/9</a:t>
             </a:fld>
             <a:endParaRPr kumimoji="1" lang="ja-JP" altLang="en-US"/>
           </a:p>
@@ -5300,7 +5384,7 @@
           <a:p>
             <a:fld id="{2ABC02D7-CBD1-4D33-B166-78A898DF0F76}" type="datetimeFigureOut">
               <a:rPr kumimoji="1" lang="ja-JP" altLang="en-US" smtClean="0"/>
-              <a:t>2024/5/8</a:t>
+              <a:t>2024/5/9</a:t>
             </a:fld>
             <a:endParaRPr kumimoji="1" lang="ja-JP" altLang="en-US"/>
           </a:p>
@@ -5557,7 +5641,7 @@
           <a:p>
             <a:fld id="{2ABC02D7-CBD1-4D33-B166-78A898DF0F76}" type="datetimeFigureOut">
               <a:rPr kumimoji="1" lang="ja-JP" altLang="en-US" smtClean="0"/>
-              <a:t>2024/5/8</a:t>
+              <a:t>2024/5/9</a:t>
             </a:fld>
             <a:endParaRPr kumimoji="1" lang="ja-JP" altLang="en-US"/>
           </a:p>
@@ -5802,7 +5886,7 @@
           <a:p>
             <a:fld id="{2ABC02D7-CBD1-4D33-B166-78A898DF0F76}" type="datetimeFigureOut">
               <a:rPr kumimoji="1" lang="ja-JP" altLang="en-US" smtClean="0"/>
-              <a:t>2024/5/8</a:t>
+              <a:t>2024/5/9</a:t>
             </a:fld>
             <a:endParaRPr kumimoji="1" lang="ja-JP" altLang="en-US"/>
           </a:p>
@@ -9833,7 +9917,7 @@
         <p:spPr>
           <a:xfrm>
             <a:off x="641131" y="408791"/>
-            <a:ext cx="3986989" cy="584775"/>
+            <a:ext cx="4031873" cy="584775"/>
           </a:xfrm>
           <a:prstGeom prst="rect">
             <a:avLst/>
@@ -9859,7 +9943,21 @@
                 <a:latin typeface="メイリオ" panose="020B0604030504040204" pitchFamily="50" charset="-128"/>
                 <a:ea typeface="メイリオ" panose="020B0604030504040204" pitchFamily="50" charset="-128"/>
               </a:rPr>
-              <a:t>の本当の意図は</a:t>
+              <a:t>の</a:t>
+            </a:r>
+            <a:r>
+              <a:rPr kumimoji="1" lang="en-US" altLang="ja-JP" sz="3200" dirty="0">
+                <a:latin typeface="メイリオ" panose="020B0604030504040204" pitchFamily="50" charset="-128"/>
+                <a:ea typeface="メイリオ" panose="020B0604030504040204" pitchFamily="50" charset="-128"/>
+              </a:rPr>
+              <a:t>	</a:t>
+            </a:r>
+            <a:r>
+              <a:rPr kumimoji="1" lang="ja-JP" altLang="en-US" sz="3200" dirty="0">
+                <a:latin typeface="メイリオ" panose="020B0604030504040204" pitchFamily="50" charset="-128"/>
+                <a:ea typeface="メイリオ" panose="020B0604030504040204" pitchFamily="50" charset="-128"/>
+              </a:rPr>
+              <a:t>空間的な意味</a:t>
             </a:r>
           </a:p>
         </p:txBody>
@@ -10057,49 +10155,6 @@
       </p:sp>
       <p:sp>
         <p:nvSpPr>
-          <p:cNvPr id="8" name="テキスト ボックス 7">
-            <a:extLst>
-              <a:ext uri="{FF2B5EF4-FFF2-40B4-BE49-F238E27FC236}">
-                <a16:creationId xmlns:a16="http://schemas.microsoft.com/office/drawing/2014/main" id="{A40D607C-79B5-732A-D527-47D95AF63724}"/>
-              </a:ext>
-            </a:extLst>
-          </p:cNvPr>
-          <p:cNvSpPr txBox="1"/>
-          <p:nvPr/>
-        </p:nvSpPr>
-        <p:spPr>
-          <a:xfrm>
-            <a:off x="3205044" y="6089578"/>
-            <a:ext cx="2732223" cy="461665"/>
-          </a:xfrm>
-          <a:prstGeom prst="rect">
-            <a:avLst/>
-          </a:prstGeom>
-          <a:noFill/>
-        </p:spPr>
-        <p:txBody>
-          <a:bodyPr wrap="none" rtlCol="0">
-            <a:spAutoFit/>
-          </a:bodyPr>
-          <a:lstStyle/>
-          <a:p>
-            <a:pPr algn="l"/>
-            <a:r>
-              <a:rPr kumimoji="1" lang="en-US" altLang="ja-JP" sz="2400" dirty="0">
-                <a:latin typeface="メイリオ" panose="020B0604030504040204" pitchFamily="50" charset="-128"/>
-                <a:ea typeface="メイリオ" panose="020B0604030504040204" pitchFamily="50" charset="-128"/>
-              </a:rPr>
-              <a:t>Tabelog_bow.csv</a:t>
-            </a:r>
-            <a:endParaRPr kumimoji="1" lang="ja-JP" altLang="en-US" sz="2400" dirty="0">
-              <a:latin typeface="メイリオ" panose="020B0604030504040204" pitchFamily="50" charset="-128"/>
-              <a:ea typeface="メイリオ" panose="020B0604030504040204" pitchFamily="50" charset="-128"/>
-            </a:endParaRPr>
-          </a:p>
-        </p:txBody>
-      </p:sp>
-      <p:sp>
-        <p:nvSpPr>
           <p:cNvPr id="9" name="テキスト ボックス 8">
             <a:extLst>
               <a:ext uri="{FF2B5EF4-FFF2-40B4-BE49-F238E27FC236}">
@@ -10126,7 +10181,7 @@
           </a:bodyPr>
           <a:lstStyle/>
           <a:p>
-            <a:pPr marL="457200" indent="-457200" algn="l">
+            <a:pPr marL="457200" indent="-457200">
               <a:buFont typeface="+mj-lt"/>
               <a:buAutoNum type="arabicPeriod"/>
             </a:pPr>
@@ -10135,7 +10190,35 @@
                 <a:latin typeface="メイリオ" panose="020B0604030504040204" pitchFamily="50" charset="-128"/>
                 <a:ea typeface="メイリオ" panose="020B0604030504040204" pitchFamily="50" charset="-128"/>
               </a:rPr>
-              <a:t>本当はスライドの最初の方の棒グラフの次元数のベクトル空間</a:t>
+              <a:t>本当は</a:t>
+            </a:r>
+            <a:r>
+              <a:rPr kumimoji="1" lang="en-US" altLang="ja-JP" sz="2400" dirty="0">
+                <a:latin typeface="メイリオ" panose="020B0604030504040204" pitchFamily="50" charset="-128"/>
+                <a:ea typeface="メイリオ" panose="020B0604030504040204" pitchFamily="50" charset="-128"/>
+              </a:rPr>
+              <a:t>Tabelog_bow.csv</a:t>
+            </a:r>
+            <a:r>
+              <a:rPr kumimoji="1" lang="ja-JP" altLang="en-US" sz="2400" dirty="0">
+                <a:latin typeface="メイリオ" panose="020B0604030504040204" pitchFamily="50" charset="-128"/>
+                <a:ea typeface="メイリオ" panose="020B0604030504040204" pitchFamily="50" charset="-128"/>
+              </a:rPr>
+              <a:t>の</a:t>
+            </a:r>
+            <a:r>
+              <a:rPr kumimoji="1" lang="en-US" altLang="ja-JP" sz="2400" dirty="0" err="1">
+                <a:latin typeface="メイリオ" panose="020B0604030504040204" pitchFamily="50" charset="-128"/>
+                <a:ea typeface="メイリオ" panose="020B0604030504040204" pitchFamily="50" charset="-128"/>
+              </a:rPr>
+              <a:t>BoW</a:t>
+            </a:r>
+            <a:r>
+              <a:rPr kumimoji="1" lang="ja-JP" altLang="en-US" sz="2400" dirty="0">
+                <a:latin typeface="メイリオ" panose="020B0604030504040204" pitchFamily="50" charset="-128"/>
+                <a:ea typeface="メイリオ" panose="020B0604030504040204" pitchFamily="50" charset="-128"/>
+              </a:rPr>
+              <a:t>次元数のベクトル空間</a:t>
             </a:r>
             <a:endParaRPr kumimoji="1" lang="en-US" altLang="ja-JP" sz="2400" dirty="0">
               <a:latin typeface="メイリオ" panose="020B0604030504040204" pitchFamily="50" charset="-128"/>
@@ -14708,10 +14791,10 @@
       </p:sp>
       <p:sp>
         <p:nvSpPr>
-          <p:cNvPr id="15" name="テキスト ボックス 14">
+          <p:cNvPr id="2" name="テキスト ボックス 1">
             <a:extLst>
               <a:ext uri="{FF2B5EF4-FFF2-40B4-BE49-F238E27FC236}">
-                <a16:creationId xmlns:a16="http://schemas.microsoft.com/office/drawing/2014/main" id="{5DC6BB81-F4F2-D20B-B1EE-3497A95CEAAF}"/>
+                <a16:creationId xmlns:a16="http://schemas.microsoft.com/office/drawing/2014/main" id="{DB024F8D-ADF1-B0AB-3D56-CF065897F3B7}"/>
               </a:ext>
             </a:extLst>
           </p:cNvPr>
@@ -14720,8 +14803,8 @@
         </p:nvSpPr>
         <p:spPr>
           <a:xfrm>
-            <a:off x="7635830" y="554261"/>
-            <a:ext cx="4144917" cy="461665"/>
+            <a:off x="7646204" y="554261"/>
+            <a:ext cx="4489114" cy="461665"/>
           </a:xfrm>
           <a:prstGeom prst="rect">
             <a:avLst/>
@@ -14740,7 +14823,7 @@
                 <a:latin typeface="メイリオ" panose="020B0604030504040204" pitchFamily="50" charset="-128"/>
                 <a:ea typeface="メイリオ" panose="020B0604030504040204" pitchFamily="50" charset="-128"/>
               </a:rPr>
-              <a:t>countVectorizer_simple.py</a:t>
+              <a:t>countVectorizer_barChart.py</a:t>
             </a:r>
             <a:endParaRPr kumimoji="1" lang="ja-JP" altLang="en-US" sz="2400" dirty="0">
               <a:latin typeface="メイリオ" panose="020B0604030504040204" pitchFamily="50" charset="-128"/>
@@ -14868,7 +14951,7 @@
         <p:spPr>
           <a:xfrm>
             <a:off x="873760" y="950570"/>
-            <a:ext cx="9424375" cy="830997"/>
+            <a:ext cx="10802957" cy="830997"/>
           </a:xfrm>
           <a:prstGeom prst="rect">
             <a:avLst/>
@@ -14890,7 +14973,7 @@
                 <a:latin typeface="メイリオ" panose="020B0604030504040204" pitchFamily="50" charset="-128"/>
                 <a:ea typeface="メイリオ" panose="020B0604030504040204" pitchFamily="50" charset="-128"/>
               </a:rPr>
-              <a:t>シュークリーム、プリンの棒グラフはそれぞれの‘らしさ’を表す</a:t>
+              <a:t>シュークリーム、プリンの棒グラフはそれぞれの平均的な‘らしさ’を表す</a:t>
             </a:r>
             <a:endParaRPr kumimoji="1" lang="en-US" altLang="ja-JP" sz="2400" dirty="0">
               <a:latin typeface="メイリオ" panose="020B0604030504040204" pitchFamily="50" charset="-128"/>
@@ -14907,7 +14990,7 @@
                 <a:latin typeface="メイリオ" panose="020B0604030504040204" pitchFamily="50" charset="-128"/>
                 <a:ea typeface="メイリオ" panose="020B0604030504040204" pitchFamily="50" charset="-128"/>
               </a:rPr>
-              <a:t>横軸（単語）を確率変数（カテゴリ変数）とすると分布</a:t>
+              <a:t>横軸（単語）を確率変数（カテゴリ変数）とすると（合計１にする）分布</a:t>
             </a:r>
             <a:endParaRPr kumimoji="1" lang="en-US" altLang="ja-JP" sz="2400" dirty="0">
               <a:latin typeface="メイリオ" panose="020B0604030504040204" pitchFamily="50" charset="-128"/>
@@ -15278,7 +15361,7 @@
         <p:spPr>
           <a:xfrm>
             <a:off x="837047" y="724081"/>
-            <a:ext cx="7263527" cy="461665"/>
+            <a:ext cx="8802410" cy="461665"/>
           </a:xfrm>
           <a:prstGeom prst="rect">
             <a:avLst/>
@@ -15296,7 +15379,7 @@
                 <a:latin typeface="メイリオ" panose="020B0604030504040204" pitchFamily="50" charset="-128"/>
                 <a:ea typeface="メイリオ" panose="020B0604030504040204" pitchFamily="50" charset="-128"/>
               </a:rPr>
-              <a:t>棒グラフは、多面体の歪んだサイコロに変換できる</a:t>
+              <a:t>棒グラフは、多面体の歪んだサイコロと見なすこともできる</a:t>
             </a:r>
           </a:p>
         </p:txBody>
@@ -16696,7 +16779,7 @@
         <p:spPr>
           <a:xfrm>
             <a:off x="833120" y="1808480"/>
-            <a:ext cx="11033760" cy="1200329"/>
+            <a:ext cx="11033760" cy="1569660"/>
           </a:xfrm>
           <a:prstGeom prst="rect">
             <a:avLst/>
@@ -16749,7 +16832,35 @@
                 <a:latin typeface="メイリオ" panose="020B0604030504040204" pitchFamily="50" charset="-128"/>
                 <a:ea typeface="メイリオ" panose="020B0604030504040204" pitchFamily="50" charset="-128"/>
               </a:rPr>
-              <a:t>の各ベクトルの値は、その文書に出現する単語の出現確率（カテゴリカル分布）を表したものと解釈することもできる</a:t>
+              <a:t>のラベル別平均ベクトルは（棒グラフ）、ラベル毎に出現する単語の出現確率（カテゴリカル分布）</a:t>
+            </a:r>
+            <a:r>
+              <a:rPr kumimoji="1" lang="en-US" altLang="ja-JP" sz="2400" dirty="0">
+                <a:latin typeface="メイリオ" panose="020B0604030504040204" pitchFamily="50" charset="-128"/>
+                <a:ea typeface="メイリオ" panose="020B0604030504040204" pitchFamily="50" charset="-128"/>
+              </a:rPr>
+              <a:t>=</a:t>
+            </a:r>
+            <a:r>
+              <a:rPr kumimoji="1" lang="ja-JP" altLang="en-US" sz="2400" dirty="0">
+                <a:latin typeface="メイリオ" panose="020B0604030504040204" pitchFamily="50" charset="-128"/>
+                <a:ea typeface="メイリオ" panose="020B0604030504040204" pitchFamily="50" charset="-128"/>
+              </a:rPr>
+              <a:t>シュークリーム</a:t>
+            </a:r>
+            <a:r>
+              <a:rPr kumimoji="1" lang="en-US" altLang="ja-JP" sz="2400" dirty="0">
+                <a:latin typeface="メイリオ" panose="020B0604030504040204" pitchFamily="50" charset="-128"/>
+                <a:ea typeface="メイリオ" panose="020B0604030504040204" pitchFamily="50" charset="-128"/>
+              </a:rPr>
+              <a:t>/</a:t>
+            </a:r>
+            <a:r>
+              <a:rPr kumimoji="1" lang="ja-JP" altLang="en-US" sz="2400" dirty="0">
+                <a:latin typeface="メイリオ" panose="020B0604030504040204" pitchFamily="50" charset="-128"/>
+                <a:ea typeface="メイリオ" panose="020B0604030504040204" pitchFamily="50" charset="-128"/>
+              </a:rPr>
+              <a:t>プリンらしさ確率 を表したものと解釈することもできる</a:t>
             </a:r>
           </a:p>
         </p:txBody>
@@ -16768,7 +16879,7 @@
         </p:nvSpPr>
         <p:spPr>
           <a:xfrm>
-            <a:off x="1807731" y="3849192"/>
+            <a:off x="1733267" y="4302642"/>
             <a:ext cx="8725466" cy="523220"/>
           </a:xfrm>
           <a:prstGeom prst="rect">
@@ -16828,7 +16939,7 @@
         </p:nvSpPr>
         <p:spPr>
           <a:xfrm>
-            <a:off x="4958080" y="3119120"/>
+            <a:off x="4937760" y="3591768"/>
             <a:ext cx="1899920" cy="473314"/>
           </a:xfrm>
           <a:prstGeom prst="downArrow">
@@ -17656,7 +17767,7 @@
         </p:blipFill>
         <p:spPr>
           <a:xfrm>
-            <a:off x="294289" y="2748604"/>
+            <a:off x="131729" y="2748604"/>
             <a:ext cx="11934227" cy="3769800"/>
           </a:xfrm>
           <a:prstGeom prst="rect">
@@ -17911,7 +18022,7 @@
         </p:nvSpPr>
         <p:spPr>
           <a:xfrm>
-            <a:off x="-111760" y="2735312"/>
+            <a:off x="-31429" y="2787368"/>
             <a:ext cx="1210588" cy="338554"/>
           </a:xfrm>
           <a:prstGeom prst="rect">

--- a/textmining3 BOW.pptx
+++ b/textmining3 BOW.pptx
@@ -5,7 +5,7 @@
     <p:sldMasterId id="2147483672" r:id="rId1"/>
   </p:sldMasterIdLst>
   <p:notesMasterIdLst>
-    <p:notesMasterId r:id="rId26"/>
+    <p:notesMasterId r:id="rId27"/>
   </p:notesMasterIdLst>
   <p:sldIdLst>
     <p:sldId id="256" r:id="rId2"/>
@@ -32,6 +32,7 @@
     <p:sldId id="1208" r:id="rId23"/>
     <p:sldId id="1209" r:id="rId24"/>
     <p:sldId id="1210" r:id="rId25"/>
+    <p:sldId id="1211" r:id="rId26"/>
   </p:sldIdLst>
   <p:sldSz cx="12192000" cy="6858000"/>
   <p:notesSz cx="6858000" cy="9144000"/>
@@ -2591,7 +2592,7 @@
           <a:p>
             <a:fld id="{0135936D-836F-419C-9F68-DEDA5DD6EA2C}" type="datetimeFigureOut">
               <a:rPr kumimoji="1" lang="ja-JP" altLang="en-US" smtClean="0"/>
-              <a:t>2024/5/9</a:t>
+              <a:t>2024/5/17</a:t>
             </a:fld>
             <a:endParaRPr kumimoji="1" lang="ja-JP" altLang="en-US"/>
           </a:p>
@@ -3273,7 +3274,7 @@
           <a:p>
             <a:fld id="{2ABC02D7-CBD1-4D33-B166-78A898DF0F76}" type="datetimeFigureOut">
               <a:rPr kumimoji="1" lang="ja-JP" altLang="en-US" smtClean="0"/>
-              <a:t>2024/5/9</a:t>
+              <a:t>2024/5/17</a:t>
             </a:fld>
             <a:endParaRPr kumimoji="1" lang="ja-JP" altLang="en-US"/>
           </a:p>
@@ -3475,7 +3476,7 @@
           <a:p>
             <a:fld id="{2ABC02D7-CBD1-4D33-B166-78A898DF0F76}" type="datetimeFigureOut">
               <a:rPr kumimoji="1" lang="ja-JP" altLang="en-US" smtClean="0"/>
-              <a:t>2024/5/9</a:t>
+              <a:t>2024/5/17</a:t>
             </a:fld>
             <a:endParaRPr kumimoji="1" lang="ja-JP" altLang="en-US"/>
           </a:p>
@@ -3687,7 +3688,7 @@
           <a:p>
             <a:fld id="{2ABC02D7-CBD1-4D33-B166-78A898DF0F76}" type="datetimeFigureOut">
               <a:rPr kumimoji="1" lang="ja-JP" altLang="en-US" smtClean="0"/>
-              <a:t>2024/5/9</a:t>
+              <a:t>2024/5/17</a:t>
             </a:fld>
             <a:endParaRPr kumimoji="1" lang="ja-JP" altLang="en-US"/>
           </a:p>
@@ -3889,7 +3890,7 @@
           <a:p>
             <a:fld id="{2ABC02D7-CBD1-4D33-B166-78A898DF0F76}" type="datetimeFigureOut">
               <a:rPr kumimoji="1" lang="ja-JP" altLang="en-US" smtClean="0"/>
-              <a:t>2024/5/9</a:t>
+              <a:t>2024/5/17</a:t>
             </a:fld>
             <a:endParaRPr kumimoji="1" lang="ja-JP" altLang="en-US"/>
           </a:p>
@@ -4135,7 +4136,7 @@
           <a:p>
             <a:fld id="{2ABC02D7-CBD1-4D33-B166-78A898DF0F76}" type="datetimeFigureOut">
               <a:rPr kumimoji="1" lang="ja-JP" altLang="en-US" smtClean="0"/>
-              <a:t>2024/5/9</a:t>
+              <a:t>2024/5/17</a:t>
             </a:fld>
             <a:endParaRPr kumimoji="1" lang="ja-JP" altLang="en-US"/>
           </a:p>
@@ -4431,7 +4432,7 @@
           <a:p>
             <a:fld id="{2ABC02D7-CBD1-4D33-B166-78A898DF0F76}" type="datetimeFigureOut">
               <a:rPr kumimoji="1" lang="ja-JP" altLang="en-US" smtClean="0"/>
-              <a:t>2024/5/9</a:t>
+              <a:t>2024/5/17</a:t>
             </a:fld>
             <a:endParaRPr kumimoji="1" lang="ja-JP" altLang="en-US"/>
           </a:p>
@@ -4862,7 +4863,7 @@
           <a:p>
             <a:fld id="{2ABC02D7-CBD1-4D33-B166-78A898DF0F76}" type="datetimeFigureOut">
               <a:rPr kumimoji="1" lang="ja-JP" altLang="en-US" smtClean="0"/>
-              <a:t>2024/5/9</a:t>
+              <a:t>2024/5/17</a:t>
             </a:fld>
             <a:endParaRPr kumimoji="1" lang="ja-JP" altLang="en-US"/>
           </a:p>
@@ -4980,7 +4981,7 @@
           <a:p>
             <a:fld id="{2ABC02D7-CBD1-4D33-B166-78A898DF0F76}" type="datetimeFigureOut">
               <a:rPr kumimoji="1" lang="ja-JP" altLang="en-US" smtClean="0"/>
-              <a:t>2024/5/9</a:t>
+              <a:t>2024/5/17</a:t>
             </a:fld>
             <a:endParaRPr kumimoji="1" lang="ja-JP" altLang="en-US"/>
           </a:p>
@@ -5075,7 +5076,7 @@
           <a:p>
             <a:fld id="{2ABC02D7-CBD1-4D33-B166-78A898DF0F76}" type="datetimeFigureOut">
               <a:rPr kumimoji="1" lang="ja-JP" altLang="en-US" smtClean="0"/>
-              <a:t>2024/5/9</a:t>
+              <a:t>2024/5/17</a:t>
             </a:fld>
             <a:endParaRPr kumimoji="1" lang="ja-JP" altLang="en-US"/>
           </a:p>
@@ -5384,7 +5385,7 @@
           <a:p>
             <a:fld id="{2ABC02D7-CBD1-4D33-B166-78A898DF0F76}" type="datetimeFigureOut">
               <a:rPr kumimoji="1" lang="ja-JP" altLang="en-US" smtClean="0"/>
-              <a:t>2024/5/9</a:t>
+              <a:t>2024/5/17</a:t>
             </a:fld>
             <a:endParaRPr kumimoji="1" lang="ja-JP" altLang="en-US"/>
           </a:p>
@@ -5641,7 +5642,7 @@
           <a:p>
             <a:fld id="{2ABC02D7-CBD1-4D33-B166-78A898DF0F76}" type="datetimeFigureOut">
               <a:rPr kumimoji="1" lang="ja-JP" altLang="en-US" smtClean="0"/>
-              <a:t>2024/5/9</a:t>
+              <a:t>2024/5/17</a:t>
             </a:fld>
             <a:endParaRPr kumimoji="1" lang="ja-JP" altLang="en-US"/>
           </a:p>
@@ -5886,7 +5887,7 @@
           <a:p>
             <a:fld id="{2ABC02D7-CBD1-4D33-B166-78A898DF0F76}" type="datetimeFigureOut">
               <a:rPr kumimoji="1" lang="ja-JP" altLang="en-US" smtClean="0"/>
-              <a:t>2024/5/9</a:t>
+              <a:t>2024/5/17</a:t>
             </a:fld>
             <a:endParaRPr kumimoji="1" lang="ja-JP" altLang="en-US"/>
           </a:p>
@@ -16975,6 +16976,36 @@
     <p:extLst>
       <p:ext uri="{BB962C8B-B14F-4D97-AF65-F5344CB8AC3E}">
         <p14:creationId xmlns:p14="http://schemas.microsoft.com/office/powerpoint/2010/main" val="2185207717"/>
+      </p:ext>
+    </p:extLst>
+  </p:cSld>
+  <p:clrMapOvr>
+    <a:masterClrMapping/>
+  </p:clrMapOvr>
+</p:sld>
+</file>
+
+<file path=ppt/slides/slide25.xml><?xml version="1.0" encoding="utf-8"?>
+<p:sld xmlns:a="http://schemas.openxmlformats.org/drawingml/2006/main" xmlns:r="http://schemas.openxmlformats.org/officeDocument/2006/relationships" xmlns:p="http://schemas.openxmlformats.org/presentationml/2006/main">
+  <p:cSld>
+    <p:spTree>
+      <p:nvGrpSpPr>
+        <p:cNvPr id="1" name=""/>
+        <p:cNvGrpSpPr/>
+        <p:nvPr/>
+      </p:nvGrpSpPr>
+      <p:grpSpPr>
+        <a:xfrm>
+          <a:off x="0" y="0"/>
+          <a:ext cx="0" cy="0"/>
+          <a:chOff x="0" y="0"/>
+          <a:chExt cx="0" cy="0"/>
+        </a:xfrm>
+      </p:grpSpPr>
+    </p:spTree>
+    <p:extLst>
+      <p:ext uri="{BB962C8B-B14F-4D97-AF65-F5344CB8AC3E}">
+        <p14:creationId xmlns:p14="http://schemas.microsoft.com/office/powerpoint/2010/main" val="163565505"/>
       </p:ext>
     </p:extLst>
   </p:cSld>

--- a/textmining3 BOW.pptx
+++ b/textmining3 BOW.pptx
@@ -5,7 +5,7 @@
     <p:sldMasterId id="2147483672" r:id="rId1"/>
   </p:sldMasterIdLst>
   <p:notesMasterIdLst>
-    <p:notesMasterId r:id="rId27"/>
+    <p:notesMasterId r:id="rId28"/>
   </p:notesMasterIdLst>
   <p:sldIdLst>
     <p:sldId id="256" r:id="rId2"/>
@@ -22,17 +22,18 @@
     <p:sldId id="357" r:id="rId13"/>
     <p:sldId id="363" r:id="rId14"/>
     <p:sldId id="1195" r:id="rId15"/>
-    <p:sldId id="364" r:id="rId16"/>
-    <p:sldId id="365" r:id="rId17"/>
-    <p:sldId id="1203" r:id="rId18"/>
-    <p:sldId id="382" r:id="rId19"/>
-    <p:sldId id="1206" r:id="rId20"/>
-    <p:sldId id="1207" r:id="rId21"/>
-    <p:sldId id="1204" r:id="rId22"/>
-    <p:sldId id="1208" r:id="rId23"/>
-    <p:sldId id="1209" r:id="rId24"/>
-    <p:sldId id="1210" r:id="rId25"/>
-    <p:sldId id="1211" r:id="rId26"/>
+    <p:sldId id="1212" r:id="rId16"/>
+    <p:sldId id="364" r:id="rId17"/>
+    <p:sldId id="365" r:id="rId18"/>
+    <p:sldId id="1203" r:id="rId19"/>
+    <p:sldId id="382" r:id="rId20"/>
+    <p:sldId id="1206" r:id="rId21"/>
+    <p:sldId id="1207" r:id="rId22"/>
+    <p:sldId id="1204" r:id="rId23"/>
+    <p:sldId id="1208" r:id="rId24"/>
+    <p:sldId id="1209" r:id="rId25"/>
+    <p:sldId id="1210" r:id="rId26"/>
+    <p:sldId id="1211" r:id="rId27"/>
   </p:sldIdLst>
   <p:sldSz cx="12192000" cy="6858000"/>
   <p:notesSz cx="6858000" cy="9144000"/>
@@ -2592,7 +2593,7 @@
           <a:p>
             <a:fld id="{0135936D-836F-419C-9F68-DEDA5DD6EA2C}" type="datetimeFigureOut">
               <a:rPr kumimoji="1" lang="ja-JP" altLang="en-US" smtClean="0"/>
-              <a:t>2024/5/17</a:t>
+              <a:t>2024/6/12</a:t>
             </a:fld>
             <a:endParaRPr kumimoji="1" lang="ja-JP" altLang="en-US"/>
           </a:p>
@@ -3040,7 +3041,7 @@
           <a:p>
             <a:fld id="{F88306EB-F4D8-4CD3-A9EA-E1E8C435DBF8}" type="slidenum">
               <a:rPr kumimoji="1" lang="ja-JP" altLang="en-US" smtClean="0"/>
-              <a:t>19</a:t>
+              <a:t>20</a:t>
             </a:fld>
             <a:endParaRPr kumimoji="1" lang="ja-JP" altLang="en-US"/>
           </a:p>
@@ -3124,7 +3125,7 @@
           <a:p>
             <a:fld id="{F88306EB-F4D8-4CD3-A9EA-E1E8C435DBF8}" type="slidenum">
               <a:rPr kumimoji="1" lang="ja-JP" altLang="en-US" smtClean="0"/>
-              <a:t>24</a:t>
+              <a:t>25</a:t>
             </a:fld>
             <a:endParaRPr kumimoji="1" lang="ja-JP" altLang="en-US"/>
           </a:p>
@@ -3274,7 +3275,7 @@
           <a:p>
             <a:fld id="{2ABC02D7-CBD1-4D33-B166-78A898DF0F76}" type="datetimeFigureOut">
               <a:rPr kumimoji="1" lang="ja-JP" altLang="en-US" smtClean="0"/>
-              <a:t>2024/5/17</a:t>
+              <a:t>2024/6/12</a:t>
             </a:fld>
             <a:endParaRPr kumimoji="1" lang="ja-JP" altLang="en-US"/>
           </a:p>
@@ -3476,7 +3477,7 @@
           <a:p>
             <a:fld id="{2ABC02D7-CBD1-4D33-B166-78A898DF0F76}" type="datetimeFigureOut">
               <a:rPr kumimoji="1" lang="ja-JP" altLang="en-US" smtClean="0"/>
-              <a:t>2024/5/17</a:t>
+              <a:t>2024/6/12</a:t>
             </a:fld>
             <a:endParaRPr kumimoji="1" lang="ja-JP" altLang="en-US"/>
           </a:p>
@@ -3688,7 +3689,7 @@
           <a:p>
             <a:fld id="{2ABC02D7-CBD1-4D33-B166-78A898DF0F76}" type="datetimeFigureOut">
               <a:rPr kumimoji="1" lang="ja-JP" altLang="en-US" smtClean="0"/>
-              <a:t>2024/5/17</a:t>
+              <a:t>2024/6/12</a:t>
             </a:fld>
             <a:endParaRPr kumimoji="1" lang="ja-JP" altLang="en-US"/>
           </a:p>
@@ -3890,7 +3891,7 @@
           <a:p>
             <a:fld id="{2ABC02D7-CBD1-4D33-B166-78A898DF0F76}" type="datetimeFigureOut">
               <a:rPr kumimoji="1" lang="ja-JP" altLang="en-US" smtClean="0"/>
-              <a:t>2024/5/17</a:t>
+              <a:t>2024/6/12</a:t>
             </a:fld>
             <a:endParaRPr kumimoji="1" lang="ja-JP" altLang="en-US"/>
           </a:p>
@@ -4136,7 +4137,7 @@
           <a:p>
             <a:fld id="{2ABC02D7-CBD1-4D33-B166-78A898DF0F76}" type="datetimeFigureOut">
               <a:rPr kumimoji="1" lang="ja-JP" altLang="en-US" smtClean="0"/>
-              <a:t>2024/5/17</a:t>
+              <a:t>2024/6/12</a:t>
             </a:fld>
             <a:endParaRPr kumimoji="1" lang="ja-JP" altLang="en-US"/>
           </a:p>
@@ -4432,7 +4433,7 @@
           <a:p>
             <a:fld id="{2ABC02D7-CBD1-4D33-B166-78A898DF0F76}" type="datetimeFigureOut">
               <a:rPr kumimoji="1" lang="ja-JP" altLang="en-US" smtClean="0"/>
-              <a:t>2024/5/17</a:t>
+              <a:t>2024/6/12</a:t>
             </a:fld>
             <a:endParaRPr kumimoji="1" lang="ja-JP" altLang="en-US"/>
           </a:p>
@@ -4863,7 +4864,7 @@
           <a:p>
             <a:fld id="{2ABC02D7-CBD1-4D33-B166-78A898DF0F76}" type="datetimeFigureOut">
               <a:rPr kumimoji="1" lang="ja-JP" altLang="en-US" smtClean="0"/>
-              <a:t>2024/5/17</a:t>
+              <a:t>2024/6/12</a:t>
             </a:fld>
             <a:endParaRPr kumimoji="1" lang="ja-JP" altLang="en-US"/>
           </a:p>
@@ -4981,7 +4982,7 @@
           <a:p>
             <a:fld id="{2ABC02D7-CBD1-4D33-B166-78A898DF0F76}" type="datetimeFigureOut">
               <a:rPr kumimoji="1" lang="ja-JP" altLang="en-US" smtClean="0"/>
-              <a:t>2024/5/17</a:t>
+              <a:t>2024/6/12</a:t>
             </a:fld>
             <a:endParaRPr kumimoji="1" lang="ja-JP" altLang="en-US"/>
           </a:p>
@@ -5076,7 +5077,7 @@
           <a:p>
             <a:fld id="{2ABC02D7-CBD1-4D33-B166-78A898DF0F76}" type="datetimeFigureOut">
               <a:rPr kumimoji="1" lang="ja-JP" altLang="en-US" smtClean="0"/>
-              <a:t>2024/5/17</a:t>
+              <a:t>2024/6/12</a:t>
             </a:fld>
             <a:endParaRPr kumimoji="1" lang="ja-JP" altLang="en-US"/>
           </a:p>
@@ -5385,7 +5386,7 @@
           <a:p>
             <a:fld id="{2ABC02D7-CBD1-4D33-B166-78A898DF0F76}" type="datetimeFigureOut">
               <a:rPr kumimoji="1" lang="ja-JP" altLang="en-US" smtClean="0"/>
-              <a:t>2024/5/17</a:t>
+              <a:t>2024/6/12</a:t>
             </a:fld>
             <a:endParaRPr kumimoji="1" lang="ja-JP" altLang="en-US"/>
           </a:p>
@@ -5642,7 +5643,7 @@
           <a:p>
             <a:fld id="{2ABC02D7-CBD1-4D33-B166-78A898DF0F76}" type="datetimeFigureOut">
               <a:rPr kumimoji="1" lang="ja-JP" altLang="en-US" smtClean="0"/>
-              <a:t>2024/5/17</a:t>
+              <a:t>2024/6/12</a:t>
             </a:fld>
             <a:endParaRPr kumimoji="1" lang="ja-JP" altLang="en-US"/>
           </a:p>
@@ -5887,7 +5888,7 @@
           <a:p>
             <a:fld id="{2ABC02D7-CBD1-4D33-B166-78A898DF0F76}" type="datetimeFigureOut">
               <a:rPr kumimoji="1" lang="ja-JP" altLang="en-US" smtClean="0"/>
-              <a:t>2024/5/17</a:t>
+              <a:t>2024/6/12</a:t>
             </a:fld>
             <a:endParaRPr kumimoji="1" lang="ja-JP" altLang="en-US"/>
           </a:p>
@@ -9917,7 +9918,7 @@
         </p:nvSpPr>
         <p:spPr>
           <a:xfrm>
-            <a:off x="641131" y="408791"/>
+            <a:off x="641131" y="45352"/>
             <a:ext cx="4031873" cy="584775"/>
           </a:xfrm>
           <a:prstGeom prst="rect">
@@ -10007,7 +10008,7 @@
         </p:nvSpPr>
         <p:spPr>
           <a:xfrm>
-            <a:off x="641131" y="1162844"/>
+            <a:off x="641131" y="561138"/>
             <a:ext cx="9879628" cy="1200329"/>
           </a:xfrm>
           <a:prstGeom prst="rect">
@@ -10060,11 +10061,18 @@
               <a:buAutoNum type="arabicPeriod"/>
             </a:pPr>
             <a:r>
+              <a:rPr kumimoji="1" lang="en-US" altLang="ja-JP" sz="2400" dirty="0" err="1">
+                <a:latin typeface="メイリオ" panose="020B0604030504040204" pitchFamily="50" charset="-128"/>
+                <a:ea typeface="メイリオ" panose="020B0604030504040204" pitchFamily="50" charset="-128"/>
+              </a:rPr>
+              <a:t>BoW</a:t>
+            </a:r>
+            <a:r>
               <a:rPr kumimoji="1" lang="ja-JP" altLang="en-US" sz="2400" dirty="0">
                 <a:latin typeface="メイリオ" panose="020B0604030504040204" pitchFamily="50" charset="-128"/>
                 <a:ea typeface="メイリオ" panose="020B0604030504040204" pitchFamily="50" charset="-128"/>
               </a:rPr>
-              <a:t>ということは、文書間の距離など数量的な計算が可能になる</a:t>
+              <a:t>の列数を次元数と呼ぶのは空間の次元だから</a:t>
             </a:r>
             <a:endParaRPr kumimoji="1" lang="en-US" altLang="ja-JP" sz="2400" dirty="0">
               <a:latin typeface="メイリオ" panose="020B0604030504040204" pitchFamily="50" charset="-128"/>
@@ -10076,10 +10084,13 @@
               <a:buFont typeface="+mj-lt"/>
               <a:buAutoNum type="arabicPeriod"/>
             </a:pPr>
-            <a:endParaRPr kumimoji="1" lang="ja-JP" altLang="en-US" sz="2400" dirty="0">
-              <a:latin typeface="メイリオ" panose="020B0604030504040204" pitchFamily="50" charset="-128"/>
-              <a:ea typeface="メイリオ" panose="020B0604030504040204" pitchFamily="50" charset="-128"/>
-            </a:endParaRPr>
+            <a:r>
+              <a:rPr kumimoji="1" lang="ja-JP" altLang="en-US" sz="2400" dirty="0">
+                <a:latin typeface="メイリオ" panose="020B0604030504040204" pitchFamily="50" charset="-128"/>
+                <a:ea typeface="メイリオ" panose="020B0604030504040204" pitchFamily="50" charset="-128"/>
+              </a:rPr>
+              <a:t>ということは、文書間の距離など数量的な計算が可能になる</a:t>
+            </a:r>
           </a:p>
         </p:txBody>
       </p:sp>
@@ -10430,6 +10441,49 @@
               </a:rPr>
               <a:t>を実行しながら以下を確認してください。</a:t>
             </a:r>
+          </a:p>
+        </p:txBody>
+      </p:sp>
+      <p:sp>
+        <p:nvSpPr>
+          <p:cNvPr id="5" name="テキスト ボックス 4">
+            <a:extLst>
+              <a:ext uri="{FF2B5EF4-FFF2-40B4-BE49-F238E27FC236}">
+                <a16:creationId xmlns:a16="http://schemas.microsoft.com/office/drawing/2014/main" id="{60581D0D-AF97-08F9-7588-BEBDD4F9878D}"/>
+              </a:ext>
+            </a:extLst>
+          </p:cNvPr>
+          <p:cNvSpPr txBox="1"/>
+          <p:nvPr/>
+        </p:nvSpPr>
+        <p:spPr>
+          <a:xfrm>
+            <a:off x="1183747" y="1609707"/>
+            <a:ext cx="2946640" cy="369332"/>
+          </a:xfrm>
+          <a:prstGeom prst="rect">
+            <a:avLst/>
+          </a:prstGeom>
+          <a:noFill/>
+        </p:spPr>
+        <p:txBody>
+          <a:bodyPr wrap="none" rtlCol="0">
+            <a:spAutoFit/>
+          </a:bodyPr>
+          <a:lstStyle/>
+          <a:p>
+            <a:pPr algn="l"/>
+            <a:r>
+              <a:rPr kumimoji="1" lang="en-US" altLang="ja-JP" dirty="0">
+                <a:latin typeface="メイリオ" panose="020B0604030504040204" pitchFamily="50" charset="-128"/>
+                <a:ea typeface="メイリオ" panose="020B0604030504040204" pitchFamily="50" charset="-128"/>
+              </a:rPr>
+              <a:t>tabelog_bow_simple.csv</a:t>
+            </a:r>
+            <a:endParaRPr kumimoji="1" lang="ja-JP" altLang="en-US" dirty="0">
+              <a:latin typeface="メイリオ" panose="020B0604030504040204" pitchFamily="50" charset="-128"/>
+              <a:ea typeface="メイリオ" panose="020B0604030504040204" pitchFamily="50" charset="-128"/>
+            </a:endParaRPr>
           </a:p>
         </p:txBody>
       </p:sp>
@@ -10463,182 +10517,380 @@
           <a:chExt cx="0" cy="0"/>
         </a:xfrm>
       </p:grpSpPr>
-      <p:sp>
-        <p:nvSpPr>
-          <p:cNvPr id="2" name="テキスト ボックス 1">
+      <p:graphicFrame>
+        <p:nvGraphicFramePr>
+          <p:cNvPr id="2" name="表 1">
             <a:extLst>
               <a:ext uri="{FF2B5EF4-FFF2-40B4-BE49-F238E27FC236}">
-                <a16:creationId xmlns:a16="http://schemas.microsoft.com/office/drawing/2014/main" id="{B283CE1F-FF5B-45DF-9EB5-2BF851F6E328}"/>
+                <a16:creationId xmlns:a16="http://schemas.microsoft.com/office/drawing/2014/main" id="{D2326EF1-C3AE-D6DE-F129-5AB6FE216534}"/>
               </a:ext>
             </a:extLst>
           </p:cNvPr>
-          <p:cNvSpPr txBox="1"/>
-          <p:nvPr/>
-        </p:nvSpPr>
-        <p:spPr>
-          <a:xfrm>
-            <a:off x="396647" y="375351"/>
-            <a:ext cx="9353073" cy="584775"/>
-          </a:xfrm>
-          <a:prstGeom prst="rect">
-            <a:avLst/>
-          </a:prstGeom>
-          <a:noFill/>
-        </p:spPr>
-        <p:txBody>
-          <a:bodyPr wrap="none" rtlCol="0">
-            <a:spAutoFit/>
-          </a:bodyPr>
-          <a:lstStyle/>
-          <a:p>
-            <a:pPr algn="l"/>
-            <a:r>
-              <a:rPr kumimoji="1" lang="en-US" altLang="ja-JP" sz="3200" dirty="0" err="1">
-                <a:latin typeface="メイリオ" panose="020B0604030504040204" pitchFamily="50" charset="-128"/>
-                <a:ea typeface="メイリオ" panose="020B0604030504040204" pitchFamily="50" charset="-128"/>
-              </a:rPr>
-              <a:t>BoW</a:t>
-            </a:r>
-            <a:r>
-              <a:rPr kumimoji="1" lang="ja-JP" altLang="en-US" sz="3200" dirty="0">
-                <a:latin typeface="メイリオ" panose="020B0604030504040204" pitchFamily="50" charset="-128"/>
-                <a:ea typeface="メイリオ" panose="020B0604030504040204" pitchFamily="50" charset="-128"/>
-              </a:rPr>
-              <a:t>モジュール（ライブラリ）</a:t>
-            </a:r>
-            <a:r>
-              <a:rPr kumimoji="1" lang="en-US" altLang="ja-JP" sz="3200" dirty="0">
-                <a:latin typeface="メイリオ" panose="020B0604030504040204" pitchFamily="50" charset="-128"/>
-                <a:ea typeface="メイリオ" panose="020B0604030504040204" pitchFamily="50" charset="-128"/>
-              </a:rPr>
-              <a:t> </a:t>
-            </a:r>
-            <a:r>
-              <a:rPr kumimoji="1" lang="en-US" altLang="ja-JP" sz="3200" dirty="0" err="1">
-                <a:latin typeface="メイリオ" panose="020B0604030504040204" pitchFamily="50" charset="-128"/>
-                <a:ea typeface="メイリオ" panose="020B0604030504040204" pitchFamily="50" charset="-128"/>
-              </a:rPr>
-              <a:t>CountVectorizer</a:t>
-            </a:r>
-            <a:endParaRPr kumimoji="1" lang="ja-JP" altLang="en-US" sz="3200" dirty="0">
-              <a:latin typeface="メイリオ" panose="020B0604030504040204" pitchFamily="50" charset="-128"/>
-              <a:ea typeface="メイリオ" panose="020B0604030504040204" pitchFamily="50" charset="-128"/>
-            </a:endParaRPr>
-          </a:p>
-        </p:txBody>
-      </p:sp>
-      <p:sp>
-        <p:nvSpPr>
-          <p:cNvPr id="5" name="テキスト ボックス 4">
+          <p:cNvGraphicFramePr>
+            <a:graphicFrameLocks noGrp="1"/>
+          </p:cNvGraphicFramePr>
+          <p:nvPr>
+            <p:extLst>
+              <p:ext uri="{D42A27DB-BD31-4B8C-83A1-F6EECF244321}">
+                <p14:modId xmlns:p14="http://schemas.microsoft.com/office/powerpoint/2010/main" val="3815369598"/>
+              </p:ext>
+            </p:extLst>
+          </p:nvPr>
+        </p:nvGraphicFramePr>
+        <p:xfrm>
+          <a:off x="1507531" y="3787330"/>
+          <a:ext cx="4699166" cy="1854200"/>
+        </p:xfrm>
+        <a:graphic>
+          <a:graphicData uri="http://schemas.openxmlformats.org/drawingml/2006/table">
+            <a:tbl>
+              <a:tblPr firstRow="1" bandRow="1">
+                <a:tableStyleId>{5940675A-B579-460E-94D1-54222C63F5DA}</a:tableStyleId>
+              </a:tblPr>
+              <a:tblGrid>
+                <a:gridCol w="1600037">
+                  <a:extLst>
+                    <a:ext uri="{9D8B030D-6E8A-4147-A177-3AD203B41FA5}">
+                      <a16:colId xmlns:a16="http://schemas.microsoft.com/office/drawing/2014/main" val="1351092789"/>
+                    </a:ext>
+                  </a:extLst>
+                </a:gridCol>
+                <a:gridCol w="1033043">
+                  <a:extLst>
+                    <a:ext uri="{9D8B030D-6E8A-4147-A177-3AD203B41FA5}">
+                      <a16:colId xmlns:a16="http://schemas.microsoft.com/office/drawing/2014/main" val="2234572848"/>
+                    </a:ext>
+                  </a:extLst>
+                </a:gridCol>
+                <a:gridCol w="1033043">
+                  <a:extLst>
+                    <a:ext uri="{9D8B030D-6E8A-4147-A177-3AD203B41FA5}">
+                      <a16:colId xmlns:a16="http://schemas.microsoft.com/office/drawing/2014/main" val="2358935604"/>
+                    </a:ext>
+                  </a:extLst>
+                </a:gridCol>
+                <a:gridCol w="1033043">
+                  <a:extLst>
+                    <a:ext uri="{9D8B030D-6E8A-4147-A177-3AD203B41FA5}">
+                      <a16:colId xmlns:a16="http://schemas.microsoft.com/office/drawing/2014/main" val="2759564544"/>
+                    </a:ext>
+                  </a:extLst>
+                </a:gridCol>
+              </a:tblGrid>
+              <a:tr h="370840">
+                <a:tc>
+                  <a:txBody>
+                    <a:bodyPr/>
+                    <a:lstStyle/>
+                    <a:p>
+                      <a:endParaRPr kumimoji="1" lang="ja-JP" altLang="en-US" dirty="0"/>
+                    </a:p>
+                  </a:txBody>
+                  <a:tcPr/>
+                </a:tc>
+                <a:tc>
+                  <a:txBody>
+                    <a:bodyPr/>
+                    <a:lstStyle/>
+                    <a:p>
+                      <a:r>
+                        <a:rPr kumimoji="1" lang="ja-JP" altLang="en-US" dirty="0"/>
+                        <a:t>コシ</a:t>
+                      </a:r>
+                    </a:p>
+                  </a:txBody>
+                  <a:tcPr/>
+                </a:tc>
+                <a:tc>
+                  <a:txBody>
+                    <a:bodyPr/>
+                    <a:lstStyle/>
+                    <a:p>
+                      <a:r>
+                        <a:rPr kumimoji="1" lang="ja-JP" altLang="en-US" dirty="0"/>
+                        <a:t>醤油</a:t>
+                      </a:r>
+                    </a:p>
+                  </a:txBody>
+                  <a:tcPr/>
+                </a:tc>
+                <a:tc>
+                  <a:txBody>
+                    <a:bodyPr/>
+                    <a:lstStyle/>
+                    <a:p>
+                      <a:r>
+                        <a:rPr kumimoji="1" lang="ja-JP" altLang="en-US" dirty="0"/>
+                        <a:t>スープ</a:t>
+                      </a:r>
+                    </a:p>
+                  </a:txBody>
+                  <a:tcPr/>
+                </a:tc>
+                <a:extLst>
+                  <a:ext uri="{0D108BD9-81ED-4DB2-BD59-A6C34878D82A}">
+                    <a16:rowId xmlns:a16="http://schemas.microsoft.com/office/drawing/2014/main" val="1818043114"/>
+                  </a:ext>
+                </a:extLst>
+              </a:tr>
+              <a:tr h="370840">
+                <a:tc>
+                  <a:txBody>
+                    <a:bodyPr/>
+                    <a:lstStyle/>
+                    <a:p>
+                      <a:r>
+                        <a:rPr kumimoji="1" lang="ja-JP" altLang="en-US" dirty="0"/>
+                        <a:t>うどん</a:t>
+                      </a:r>
+                    </a:p>
+                  </a:txBody>
+                  <a:tcPr/>
+                </a:tc>
+                <a:tc>
+                  <a:txBody>
+                    <a:bodyPr/>
+                    <a:lstStyle/>
+                    <a:p>
+                      <a:r>
+                        <a:rPr kumimoji="1" lang="en-US" altLang="ja-JP" dirty="0"/>
+                        <a:t>2</a:t>
+                      </a:r>
+                      <a:endParaRPr kumimoji="1" lang="ja-JP" altLang="en-US" dirty="0"/>
+                    </a:p>
+                  </a:txBody>
+                  <a:tcPr/>
+                </a:tc>
+                <a:tc>
+                  <a:txBody>
+                    <a:bodyPr/>
+                    <a:lstStyle/>
+                    <a:p>
+                      <a:r>
+                        <a:rPr kumimoji="1" lang="en-US" altLang="ja-JP" dirty="0"/>
+                        <a:t>0</a:t>
+                      </a:r>
+                      <a:endParaRPr kumimoji="1" lang="ja-JP" altLang="en-US" dirty="0"/>
+                    </a:p>
+                  </a:txBody>
+                  <a:tcPr/>
+                </a:tc>
+                <a:tc>
+                  <a:txBody>
+                    <a:bodyPr/>
+                    <a:lstStyle/>
+                    <a:p>
+                      <a:r>
+                        <a:rPr kumimoji="1" lang="en-US" altLang="ja-JP" dirty="0"/>
+                        <a:t>0</a:t>
+                      </a:r>
+                      <a:endParaRPr kumimoji="1" lang="ja-JP" altLang="en-US" dirty="0"/>
+                    </a:p>
+                  </a:txBody>
+                  <a:tcPr/>
+                </a:tc>
+                <a:extLst>
+                  <a:ext uri="{0D108BD9-81ED-4DB2-BD59-A6C34878D82A}">
+                    <a16:rowId xmlns:a16="http://schemas.microsoft.com/office/drawing/2014/main" val="3664896405"/>
+                  </a:ext>
+                </a:extLst>
+              </a:tr>
+              <a:tr h="370840">
+                <a:tc>
+                  <a:txBody>
+                    <a:bodyPr/>
+                    <a:lstStyle/>
+                    <a:p>
+                      <a:r>
+                        <a:rPr kumimoji="1" lang="ja-JP" altLang="en-US" dirty="0"/>
+                        <a:t>うどん</a:t>
+                      </a:r>
+                    </a:p>
+                  </a:txBody>
+                  <a:tcPr/>
+                </a:tc>
+                <a:tc>
+                  <a:txBody>
+                    <a:bodyPr/>
+                    <a:lstStyle/>
+                    <a:p>
+                      <a:r>
+                        <a:rPr kumimoji="1" lang="en-US" altLang="ja-JP" dirty="0"/>
+                        <a:t>5</a:t>
+                      </a:r>
+                      <a:endParaRPr kumimoji="1" lang="ja-JP" altLang="en-US" dirty="0"/>
+                    </a:p>
+                  </a:txBody>
+                  <a:tcPr/>
+                </a:tc>
+                <a:tc>
+                  <a:txBody>
+                    <a:bodyPr/>
+                    <a:lstStyle/>
+                    <a:p>
+                      <a:r>
+                        <a:rPr kumimoji="1" lang="en-US" altLang="ja-JP" dirty="0"/>
+                        <a:t>1</a:t>
+                      </a:r>
+                      <a:endParaRPr kumimoji="1" lang="ja-JP" altLang="en-US" dirty="0"/>
+                    </a:p>
+                  </a:txBody>
+                  <a:tcPr/>
+                </a:tc>
+                <a:tc>
+                  <a:txBody>
+                    <a:bodyPr/>
+                    <a:lstStyle/>
+                    <a:p>
+                      <a:r>
+                        <a:rPr kumimoji="1" lang="en-US" altLang="ja-JP" dirty="0"/>
+                        <a:t>0</a:t>
+                      </a:r>
+                      <a:endParaRPr kumimoji="1" lang="ja-JP" altLang="en-US" dirty="0"/>
+                    </a:p>
+                  </a:txBody>
+                  <a:tcPr/>
+                </a:tc>
+                <a:extLst>
+                  <a:ext uri="{0D108BD9-81ED-4DB2-BD59-A6C34878D82A}">
+                    <a16:rowId xmlns:a16="http://schemas.microsoft.com/office/drawing/2014/main" val="2981957066"/>
+                  </a:ext>
+                </a:extLst>
+              </a:tr>
+              <a:tr h="370840">
+                <a:tc>
+                  <a:txBody>
+                    <a:bodyPr/>
+                    <a:lstStyle/>
+                    <a:p>
+                      <a:r>
+                        <a:rPr kumimoji="1" lang="ja-JP" altLang="en-US" dirty="0"/>
+                        <a:t>ラーメン</a:t>
+                      </a:r>
+                    </a:p>
+                  </a:txBody>
+                  <a:tcPr/>
+                </a:tc>
+                <a:tc>
+                  <a:txBody>
+                    <a:bodyPr/>
+                    <a:lstStyle/>
+                    <a:p>
+                      <a:r>
+                        <a:rPr kumimoji="1" lang="en-US" altLang="ja-JP" dirty="0"/>
+                        <a:t>0</a:t>
+                      </a:r>
+                      <a:endParaRPr kumimoji="1" lang="ja-JP" altLang="en-US" dirty="0"/>
+                    </a:p>
+                  </a:txBody>
+                  <a:tcPr/>
+                </a:tc>
+                <a:tc>
+                  <a:txBody>
+                    <a:bodyPr/>
+                    <a:lstStyle/>
+                    <a:p>
+                      <a:r>
+                        <a:rPr kumimoji="1" lang="en-US" altLang="ja-JP" dirty="0"/>
+                        <a:t>4</a:t>
+                      </a:r>
+                      <a:endParaRPr kumimoji="1" lang="ja-JP" altLang="en-US" dirty="0"/>
+                    </a:p>
+                  </a:txBody>
+                  <a:tcPr/>
+                </a:tc>
+                <a:tc>
+                  <a:txBody>
+                    <a:bodyPr/>
+                    <a:lstStyle/>
+                    <a:p>
+                      <a:r>
+                        <a:rPr kumimoji="1" lang="en-US" altLang="ja-JP" dirty="0"/>
+                        <a:t>3</a:t>
+                      </a:r>
+                      <a:endParaRPr kumimoji="1" lang="ja-JP" altLang="en-US" dirty="0"/>
+                    </a:p>
+                  </a:txBody>
+                  <a:tcPr/>
+                </a:tc>
+                <a:extLst>
+                  <a:ext uri="{0D108BD9-81ED-4DB2-BD59-A6C34878D82A}">
+                    <a16:rowId xmlns:a16="http://schemas.microsoft.com/office/drawing/2014/main" val="3998432671"/>
+                  </a:ext>
+                </a:extLst>
+              </a:tr>
+              <a:tr h="370840">
+                <a:tc>
+                  <a:txBody>
+                    <a:bodyPr/>
+                    <a:lstStyle/>
+                    <a:p>
+                      <a:r>
+                        <a:rPr kumimoji="1" lang="ja-JP" altLang="en-US" dirty="0"/>
+                        <a:t>ラーメン</a:t>
+                      </a:r>
+                    </a:p>
+                  </a:txBody>
+                  <a:tcPr/>
+                </a:tc>
+                <a:tc>
+                  <a:txBody>
+                    <a:bodyPr/>
+                    <a:lstStyle/>
+                    <a:p>
+                      <a:r>
+                        <a:rPr kumimoji="1" lang="en-US" altLang="ja-JP" dirty="0"/>
+                        <a:t>1</a:t>
+                      </a:r>
+                      <a:endParaRPr kumimoji="1" lang="ja-JP" altLang="en-US" dirty="0"/>
+                    </a:p>
+                  </a:txBody>
+                  <a:tcPr/>
+                </a:tc>
+                <a:tc>
+                  <a:txBody>
+                    <a:bodyPr/>
+                    <a:lstStyle/>
+                    <a:p>
+                      <a:r>
+                        <a:rPr kumimoji="1" lang="en-US" altLang="ja-JP" dirty="0"/>
+                        <a:t>5</a:t>
+                      </a:r>
+                      <a:endParaRPr kumimoji="1" lang="ja-JP" altLang="en-US" dirty="0"/>
+                    </a:p>
+                  </a:txBody>
+                  <a:tcPr/>
+                </a:tc>
+                <a:tc>
+                  <a:txBody>
+                    <a:bodyPr/>
+                    <a:lstStyle/>
+                    <a:p>
+                      <a:r>
+                        <a:rPr kumimoji="1" lang="en-US" altLang="ja-JP" dirty="0"/>
+                        <a:t>4</a:t>
+                      </a:r>
+                      <a:endParaRPr kumimoji="1" lang="ja-JP" altLang="en-US" dirty="0"/>
+                    </a:p>
+                  </a:txBody>
+                  <a:tcPr/>
+                </a:tc>
+                <a:extLst>
+                  <a:ext uri="{0D108BD9-81ED-4DB2-BD59-A6C34878D82A}">
+                    <a16:rowId xmlns:a16="http://schemas.microsoft.com/office/drawing/2014/main" val="1138562621"/>
+                  </a:ext>
+                </a:extLst>
+              </a:tr>
+            </a:tbl>
+          </a:graphicData>
+        </a:graphic>
+      </p:graphicFrame>
+      <p:cxnSp>
+        <p:nvCxnSpPr>
+          <p:cNvPr id="4" name="直線矢印コネクタ 3">
             <a:extLst>
               <a:ext uri="{FF2B5EF4-FFF2-40B4-BE49-F238E27FC236}">
-                <a16:creationId xmlns:a16="http://schemas.microsoft.com/office/drawing/2014/main" id="{67B9D4DF-A410-4998-A029-4EBC5C28D279}"/>
-              </a:ext>
-            </a:extLst>
-          </p:cNvPr>
-          <p:cNvSpPr txBox="1"/>
-          <p:nvPr/>
-        </p:nvSpPr>
-        <p:spPr>
-          <a:xfrm>
-            <a:off x="404123" y="2420294"/>
-            <a:ext cx="5498621" cy="461665"/>
-          </a:xfrm>
-          <a:prstGeom prst="rect">
-            <a:avLst/>
-          </a:prstGeom>
-          <a:noFill/>
-        </p:spPr>
-        <p:txBody>
-          <a:bodyPr wrap="none" rtlCol="0">
-            <a:spAutoFit/>
-          </a:bodyPr>
-          <a:lstStyle/>
-          <a:p>
-            <a:pPr algn="l"/>
-            <a:r>
-              <a:rPr kumimoji="1" lang="ja-JP" altLang="en-US" sz="2400" u="sng" dirty="0">
-                <a:latin typeface="メイリオ" panose="020B0604030504040204" pitchFamily="50" charset="-128"/>
-                <a:ea typeface="メイリオ" panose="020B0604030504040204" pitchFamily="50" charset="-128"/>
-              </a:rPr>
-              <a:t>たった３行で</a:t>
-            </a:r>
-            <a:r>
-              <a:rPr kumimoji="1" lang="en-US" altLang="ja-JP" sz="2400" u="sng" dirty="0" err="1">
-                <a:latin typeface="メイリオ" panose="020B0604030504040204" pitchFamily="50" charset="-128"/>
-                <a:ea typeface="メイリオ" panose="020B0604030504040204" pitchFamily="50" charset="-128"/>
-              </a:rPr>
-              <a:t>BoW</a:t>
-            </a:r>
-            <a:r>
-              <a:rPr kumimoji="1" lang="ja-JP" altLang="en-US" sz="2400" u="sng" dirty="0">
-                <a:latin typeface="メイリオ" panose="020B0604030504040204" pitchFamily="50" charset="-128"/>
-                <a:ea typeface="メイリオ" panose="020B0604030504040204" pitchFamily="50" charset="-128"/>
-              </a:rPr>
-              <a:t>特徴量を作成できる</a:t>
-            </a:r>
-          </a:p>
-        </p:txBody>
-      </p:sp>
-      <p:sp>
-        <p:nvSpPr>
-          <p:cNvPr id="7" name="テキスト ボックス 6">
-            <a:extLst>
-              <a:ext uri="{FF2B5EF4-FFF2-40B4-BE49-F238E27FC236}">
-                <a16:creationId xmlns:a16="http://schemas.microsoft.com/office/drawing/2014/main" id="{242291A3-F3D9-48C4-BDA4-3FE3E13A21A6}"/>
-              </a:ext>
-            </a:extLst>
-          </p:cNvPr>
-          <p:cNvSpPr txBox="1"/>
-          <p:nvPr/>
-        </p:nvSpPr>
-        <p:spPr>
-          <a:xfrm>
-            <a:off x="1795766" y="3458393"/>
-            <a:ext cx="9059275" cy="461665"/>
-          </a:xfrm>
-          <a:prstGeom prst="rect">
-            <a:avLst/>
-          </a:prstGeom>
-          <a:noFill/>
-        </p:spPr>
-        <p:txBody>
-          <a:bodyPr wrap="none" rtlCol="0">
-            <a:spAutoFit/>
-          </a:bodyPr>
-          <a:lstStyle/>
-          <a:p>
-            <a:pPr algn="l"/>
-            <a:r>
-              <a:rPr kumimoji="1" lang="en-US" altLang="ja-JP" sz="2400" dirty="0">
-                <a:latin typeface="メイリオ" panose="020B0604030504040204" pitchFamily="50" charset="-128"/>
-                <a:ea typeface="メイリオ" panose="020B0604030504040204" pitchFamily="50" charset="-128"/>
-              </a:rPr>
-              <a:t>vectorizer = </a:t>
-            </a:r>
-            <a:r>
-              <a:rPr kumimoji="1" lang="en-US" altLang="ja-JP" sz="2400" dirty="0" err="1">
-                <a:latin typeface="メイリオ" panose="020B0604030504040204" pitchFamily="50" charset="-128"/>
-                <a:ea typeface="メイリオ" panose="020B0604030504040204" pitchFamily="50" charset="-128"/>
-              </a:rPr>
-              <a:t>CountVectorizer</a:t>
-            </a:r>
-            <a:r>
-              <a:rPr kumimoji="1" lang="en-US" altLang="ja-JP" sz="2400" dirty="0">
-                <a:latin typeface="メイリオ" panose="020B0604030504040204" pitchFamily="50" charset="-128"/>
-                <a:ea typeface="メイリオ" panose="020B0604030504040204" pitchFamily="50" charset="-128"/>
-              </a:rPr>
-              <a:t>(tokenizer=tokenize)  # &lt;1&gt;</a:t>
-            </a:r>
-          </a:p>
-        </p:txBody>
-      </p:sp>
-      <p:cxnSp>
-        <p:nvCxnSpPr>
-          <p:cNvPr id="9" name="直線矢印コネクタ 8">
-            <a:extLst>
-              <a:ext uri="{FF2B5EF4-FFF2-40B4-BE49-F238E27FC236}">
-                <a16:creationId xmlns:a16="http://schemas.microsoft.com/office/drawing/2014/main" id="{E9AFA037-3462-4740-AB18-98B4E6A47B6E}"/>
+                <a16:creationId xmlns:a16="http://schemas.microsoft.com/office/drawing/2014/main" id="{40EE82D9-5470-5D7B-145B-4DEAC5CC14AC}"/>
               </a:ext>
             </a:extLst>
           </p:cNvPr>
@@ -10646,15 +10898,531 @@
           <p:nvPr/>
         </p:nvCxnSpPr>
         <p:spPr>
-          <a:xfrm flipH="1">
-            <a:off x="8563436" y="3204605"/>
-            <a:ext cx="148759" cy="373399"/>
+          <a:xfrm flipV="1">
+            <a:off x="9206190" y="2753033"/>
+            <a:ext cx="0" cy="1868129"/>
           </a:xfrm>
           <a:prstGeom prst="straightConnector1">
             <a:avLst/>
           </a:prstGeom>
           <a:ln>
             <a:tailEnd type="triangle"/>
+          </a:ln>
+        </p:spPr>
+        <p:style>
+          <a:lnRef idx="1">
+            <a:schemeClr val="dk1"/>
+          </a:lnRef>
+          <a:fillRef idx="0">
+            <a:schemeClr val="dk1"/>
+          </a:fillRef>
+          <a:effectRef idx="0">
+            <a:schemeClr val="dk1"/>
+          </a:effectRef>
+          <a:fontRef idx="minor">
+            <a:schemeClr val="tx1"/>
+          </a:fontRef>
+        </p:style>
+      </p:cxnSp>
+      <p:cxnSp>
+        <p:nvCxnSpPr>
+          <p:cNvPr id="5" name="直線矢印コネクタ 4">
+            <a:extLst>
+              <a:ext uri="{FF2B5EF4-FFF2-40B4-BE49-F238E27FC236}">
+                <a16:creationId xmlns:a16="http://schemas.microsoft.com/office/drawing/2014/main" id="{D4F0CAF4-5DC7-938B-C9E5-32344CF58F95}"/>
+              </a:ext>
+            </a:extLst>
+          </p:cNvPr>
+          <p:cNvCxnSpPr>
+            <a:cxnSpLocks/>
+          </p:cNvCxnSpPr>
+          <p:nvPr/>
+        </p:nvCxnSpPr>
+        <p:spPr>
+          <a:xfrm>
+            <a:off x="9206190" y="4621162"/>
+            <a:ext cx="1956619" cy="698090"/>
+          </a:xfrm>
+          <a:prstGeom prst="straightConnector1">
+            <a:avLst/>
+          </a:prstGeom>
+          <a:ln>
+            <a:tailEnd type="triangle"/>
+          </a:ln>
+        </p:spPr>
+        <p:style>
+          <a:lnRef idx="1">
+            <a:schemeClr val="dk1"/>
+          </a:lnRef>
+          <a:fillRef idx="0">
+            <a:schemeClr val="dk1"/>
+          </a:fillRef>
+          <a:effectRef idx="0">
+            <a:schemeClr val="dk1"/>
+          </a:effectRef>
+          <a:fontRef idx="minor">
+            <a:schemeClr val="tx1"/>
+          </a:fontRef>
+        </p:style>
+      </p:cxnSp>
+      <p:cxnSp>
+        <p:nvCxnSpPr>
+          <p:cNvPr id="6" name="直線矢印コネクタ 5">
+            <a:extLst>
+              <a:ext uri="{FF2B5EF4-FFF2-40B4-BE49-F238E27FC236}">
+                <a16:creationId xmlns:a16="http://schemas.microsoft.com/office/drawing/2014/main" id="{C7E8CDCB-2982-5A67-941B-F9556B938FCA}"/>
+              </a:ext>
+            </a:extLst>
+          </p:cNvPr>
+          <p:cNvCxnSpPr>
+            <a:cxnSpLocks/>
+          </p:cNvCxnSpPr>
+          <p:nvPr/>
+        </p:nvCxnSpPr>
+        <p:spPr>
+          <a:xfrm flipH="1">
+            <a:off x="7613364" y="4621162"/>
+            <a:ext cx="1592826" cy="698090"/>
+          </a:xfrm>
+          <a:prstGeom prst="straightConnector1">
+            <a:avLst/>
+          </a:prstGeom>
+          <a:ln>
+            <a:tailEnd type="triangle"/>
+          </a:ln>
+        </p:spPr>
+        <p:style>
+          <a:lnRef idx="1">
+            <a:schemeClr val="dk1"/>
+          </a:lnRef>
+          <a:fillRef idx="0">
+            <a:schemeClr val="dk1"/>
+          </a:fillRef>
+          <a:effectRef idx="0">
+            <a:schemeClr val="dk1"/>
+          </a:effectRef>
+          <a:fontRef idx="minor">
+            <a:schemeClr val="tx1"/>
+          </a:fontRef>
+        </p:style>
+      </p:cxnSp>
+      <p:sp>
+        <p:nvSpPr>
+          <p:cNvPr id="11" name="テキスト ボックス 10">
+            <a:extLst>
+              <a:ext uri="{FF2B5EF4-FFF2-40B4-BE49-F238E27FC236}">
+                <a16:creationId xmlns:a16="http://schemas.microsoft.com/office/drawing/2014/main" id="{099A529C-6734-8F24-B4E8-2DAA4A321FE9}"/>
+              </a:ext>
+            </a:extLst>
+          </p:cNvPr>
+          <p:cNvSpPr txBox="1"/>
+          <p:nvPr/>
+        </p:nvSpPr>
+        <p:spPr>
+          <a:xfrm>
+            <a:off x="8409777" y="4714430"/>
+            <a:ext cx="492443" cy="461665"/>
+          </a:xfrm>
+          <a:prstGeom prst="rect">
+            <a:avLst/>
+          </a:prstGeom>
+          <a:noFill/>
+        </p:spPr>
+        <p:txBody>
+          <a:bodyPr wrap="none" rtlCol="0">
+            <a:spAutoFit/>
+          </a:bodyPr>
+          <a:lstStyle/>
+          <a:p>
+            <a:pPr algn="l"/>
+            <a:r>
+              <a:rPr kumimoji="1" lang="ja-JP" altLang="en-US" sz="2400" dirty="0">
+                <a:solidFill>
+                  <a:schemeClr val="bg1">
+                    <a:lumMod val="65000"/>
+                  </a:schemeClr>
+                </a:solidFill>
+                <a:latin typeface="メイリオ" panose="020B0604030504040204" pitchFamily="50" charset="-128"/>
+                <a:ea typeface="メイリオ" panose="020B0604030504040204" pitchFamily="50" charset="-128"/>
+              </a:rPr>
+              <a:t>●</a:t>
+            </a:r>
+          </a:p>
+        </p:txBody>
+      </p:sp>
+      <p:sp>
+        <p:nvSpPr>
+          <p:cNvPr id="13" name="テキスト ボックス 12">
+            <a:extLst>
+              <a:ext uri="{FF2B5EF4-FFF2-40B4-BE49-F238E27FC236}">
+                <a16:creationId xmlns:a16="http://schemas.microsoft.com/office/drawing/2014/main" id="{68B09A96-E6B8-0EFF-7D11-E5F5053BE47E}"/>
+              </a:ext>
+            </a:extLst>
+          </p:cNvPr>
+          <p:cNvSpPr txBox="1"/>
+          <p:nvPr/>
+        </p:nvSpPr>
+        <p:spPr>
+          <a:xfrm rot="20210776">
+            <a:off x="7399414" y="5343657"/>
+            <a:ext cx="800219" cy="461665"/>
+          </a:xfrm>
+          <a:prstGeom prst="rect">
+            <a:avLst/>
+          </a:prstGeom>
+          <a:noFill/>
+        </p:spPr>
+        <p:txBody>
+          <a:bodyPr wrap="none" rtlCol="0">
+            <a:spAutoFit/>
+          </a:bodyPr>
+          <a:lstStyle/>
+          <a:p>
+            <a:pPr algn="l"/>
+            <a:r>
+              <a:rPr kumimoji="1" lang="ja-JP" altLang="en-US" sz="2400" dirty="0">
+                <a:latin typeface="メイリオ" panose="020B0604030504040204" pitchFamily="50" charset="-128"/>
+                <a:ea typeface="メイリオ" panose="020B0604030504040204" pitchFamily="50" charset="-128"/>
+              </a:rPr>
+              <a:t>コシ</a:t>
+            </a:r>
+          </a:p>
+        </p:txBody>
+      </p:sp>
+      <p:sp>
+        <p:nvSpPr>
+          <p:cNvPr id="14" name="テキスト ボックス 13">
+            <a:extLst>
+              <a:ext uri="{FF2B5EF4-FFF2-40B4-BE49-F238E27FC236}">
+                <a16:creationId xmlns:a16="http://schemas.microsoft.com/office/drawing/2014/main" id="{0539AEA5-9E2A-11CB-2D4D-F676F7E42F1A}"/>
+              </a:ext>
+            </a:extLst>
+          </p:cNvPr>
+          <p:cNvSpPr txBox="1"/>
+          <p:nvPr/>
+        </p:nvSpPr>
+        <p:spPr>
+          <a:xfrm>
+            <a:off x="9206190" y="2522200"/>
+            <a:ext cx="800219" cy="461665"/>
+          </a:xfrm>
+          <a:prstGeom prst="rect">
+            <a:avLst/>
+          </a:prstGeom>
+          <a:noFill/>
+        </p:spPr>
+        <p:txBody>
+          <a:bodyPr wrap="none" rtlCol="0">
+            <a:spAutoFit/>
+          </a:bodyPr>
+          <a:lstStyle/>
+          <a:p>
+            <a:pPr algn="l"/>
+            <a:r>
+              <a:rPr kumimoji="1" lang="ja-JP" altLang="en-US" sz="2400" dirty="0">
+                <a:latin typeface="メイリオ" panose="020B0604030504040204" pitchFamily="50" charset="-128"/>
+                <a:ea typeface="メイリオ" panose="020B0604030504040204" pitchFamily="50" charset="-128"/>
+              </a:rPr>
+              <a:t>醤油</a:t>
+            </a:r>
+          </a:p>
+        </p:txBody>
+      </p:sp>
+      <p:sp>
+        <p:nvSpPr>
+          <p:cNvPr id="15" name="テキスト ボックス 14">
+            <a:extLst>
+              <a:ext uri="{FF2B5EF4-FFF2-40B4-BE49-F238E27FC236}">
+                <a16:creationId xmlns:a16="http://schemas.microsoft.com/office/drawing/2014/main" id="{D710E481-57C6-63A9-953E-A09ECB62B7EF}"/>
+              </a:ext>
+            </a:extLst>
+          </p:cNvPr>
+          <p:cNvSpPr txBox="1"/>
+          <p:nvPr/>
+        </p:nvSpPr>
+        <p:spPr>
+          <a:xfrm rot="1253015">
+            <a:off x="10345903" y="5262673"/>
+            <a:ext cx="1107996" cy="461665"/>
+          </a:xfrm>
+          <a:prstGeom prst="rect">
+            <a:avLst/>
+          </a:prstGeom>
+          <a:noFill/>
+        </p:spPr>
+        <p:txBody>
+          <a:bodyPr wrap="none" rtlCol="0">
+            <a:spAutoFit/>
+          </a:bodyPr>
+          <a:lstStyle/>
+          <a:p>
+            <a:pPr algn="l"/>
+            <a:r>
+              <a:rPr kumimoji="1" lang="ja-JP" altLang="en-US" sz="2400" dirty="0">
+                <a:latin typeface="メイリオ" panose="020B0604030504040204" pitchFamily="50" charset="-128"/>
+                <a:ea typeface="メイリオ" panose="020B0604030504040204" pitchFamily="50" charset="-128"/>
+              </a:rPr>
+              <a:t>スープ</a:t>
+            </a:r>
+          </a:p>
+        </p:txBody>
+      </p:sp>
+      <p:sp>
+        <p:nvSpPr>
+          <p:cNvPr id="16" name="テキスト ボックス 15">
+            <a:extLst>
+              <a:ext uri="{FF2B5EF4-FFF2-40B4-BE49-F238E27FC236}">
+                <a16:creationId xmlns:a16="http://schemas.microsoft.com/office/drawing/2014/main" id="{A51830DE-279B-16ED-256B-1CC8396ED3D4}"/>
+              </a:ext>
+            </a:extLst>
+          </p:cNvPr>
+          <p:cNvSpPr txBox="1"/>
+          <p:nvPr/>
+        </p:nvSpPr>
+        <p:spPr>
+          <a:xfrm>
+            <a:off x="7646092" y="4618688"/>
+            <a:ext cx="492443" cy="461665"/>
+          </a:xfrm>
+          <a:prstGeom prst="rect">
+            <a:avLst/>
+          </a:prstGeom>
+          <a:noFill/>
+        </p:spPr>
+        <p:txBody>
+          <a:bodyPr wrap="none" rtlCol="0">
+            <a:spAutoFit/>
+          </a:bodyPr>
+          <a:lstStyle/>
+          <a:p>
+            <a:pPr algn="l"/>
+            <a:r>
+              <a:rPr kumimoji="1" lang="ja-JP" altLang="en-US" sz="2400" dirty="0">
+                <a:solidFill>
+                  <a:schemeClr val="bg1">
+                    <a:lumMod val="65000"/>
+                  </a:schemeClr>
+                </a:solidFill>
+                <a:latin typeface="メイリオ" panose="020B0604030504040204" pitchFamily="50" charset="-128"/>
+                <a:ea typeface="メイリオ" panose="020B0604030504040204" pitchFamily="50" charset="-128"/>
+              </a:rPr>
+              <a:t>●</a:t>
+            </a:r>
+          </a:p>
+        </p:txBody>
+      </p:sp>
+      <p:sp>
+        <p:nvSpPr>
+          <p:cNvPr id="17" name="テキスト ボックス 16">
+            <a:extLst>
+              <a:ext uri="{FF2B5EF4-FFF2-40B4-BE49-F238E27FC236}">
+                <a16:creationId xmlns:a16="http://schemas.microsoft.com/office/drawing/2014/main" id="{80C357DA-5E94-7915-460D-D2F42117309D}"/>
+              </a:ext>
+            </a:extLst>
+          </p:cNvPr>
+          <p:cNvSpPr txBox="1"/>
+          <p:nvPr/>
+        </p:nvSpPr>
+        <p:spPr>
+          <a:xfrm>
+            <a:off x="9816509" y="3443056"/>
+            <a:ext cx="492443" cy="461665"/>
+          </a:xfrm>
+          <a:prstGeom prst="rect">
+            <a:avLst/>
+          </a:prstGeom>
+          <a:noFill/>
+        </p:spPr>
+        <p:txBody>
+          <a:bodyPr wrap="none" rtlCol="0">
+            <a:spAutoFit/>
+          </a:bodyPr>
+          <a:lstStyle/>
+          <a:p>
+            <a:pPr algn="l"/>
+            <a:r>
+              <a:rPr kumimoji="1" lang="ja-JP" altLang="en-US" sz="2400" dirty="0">
+                <a:solidFill>
+                  <a:srgbClr val="0070C0"/>
+                </a:solidFill>
+                <a:latin typeface="メイリオ" panose="020B0604030504040204" pitchFamily="50" charset="-128"/>
+                <a:ea typeface="メイリオ" panose="020B0604030504040204" pitchFamily="50" charset="-128"/>
+              </a:rPr>
+              <a:t>●</a:t>
+            </a:r>
+          </a:p>
+        </p:txBody>
+      </p:sp>
+      <p:sp>
+        <p:nvSpPr>
+          <p:cNvPr id="18" name="テキスト ボックス 17">
+            <a:extLst>
+              <a:ext uri="{FF2B5EF4-FFF2-40B4-BE49-F238E27FC236}">
+                <a16:creationId xmlns:a16="http://schemas.microsoft.com/office/drawing/2014/main" id="{D8AEB049-7432-2ABB-2C0F-E0F10D082CE6}"/>
+              </a:ext>
+            </a:extLst>
+          </p:cNvPr>
+          <p:cNvSpPr txBox="1"/>
+          <p:nvPr/>
+        </p:nvSpPr>
+        <p:spPr>
+          <a:xfrm>
+            <a:off x="10184499" y="3081403"/>
+            <a:ext cx="492443" cy="461665"/>
+          </a:xfrm>
+          <a:prstGeom prst="rect">
+            <a:avLst/>
+          </a:prstGeom>
+          <a:noFill/>
+        </p:spPr>
+        <p:txBody>
+          <a:bodyPr wrap="none" rtlCol="0">
+            <a:spAutoFit/>
+          </a:bodyPr>
+          <a:lstStyle/>
+          <a:p>
+            <a:pPr algn="l"/>
+            <a:r>
+              <a:rPr kumimoji="1" lang="ja-JP" altLang="en-US" sz="2400" dirty="0">
+                <a:solidFill>
+                  <a:srgbClr val="0070C0"/>
+                </a:solidFill>
+                <a:latin typeface="メイリオ" panose="020B0604030504040204" pitchFamily="50" charset="-128"/>
+                <a:ea typeface="メイリオ" panose="020B0604030504040204" pitchFamily="50" charset="-128"/>
+              </a:rPr>
+              <a:t>●</a:t>
+            </a:r>
+          </a:p>
+        </p:txBody>
+      </p:sp>
+      <p:sp>
+        <p:nvSpPr>
+          <p:cNvPr id="19" name="楕円 18">
+            <a:extLst>
+              <a:ext uri="{FF2B5EF4-FFF2-40B4-BE49-F238E27FC236}">
+                <a16:creationId xmlns:a16="http://schemas.microsoft.com/office/drawing/2014/main" id="{C49432DF-E727-D152-CCF7-99B84B1AF358}"/>
+              </a:ext>
+            </a:extLst>
+          </p:cNvPr>
+          <p:cNvSpPr/>
+          <p:nvPr/>
+        </p:nvSpPr>
+        <p:spPr>
+          <a:xfrm rot="648211">
+            <a:off x="7340878" y="4355690"/>
+            <a:ext cx="1865308" cy="963562"/>
+          </a:xfrm>
+          <a:prstGeom prst="ellipse">
+            <a:avLst/>
+          </a:prstGeom>
+          <a:noFill/>
+          <a:ln w="38100">
+            <a:solidFill>
+              <a:srgbClr val="ADB9CA"/>
+            </a:solidFill>
+          </a:ln>
+        </p:spPr>
+        <p:style>
+          <a:lnRef idx="2">
+            <a:schemeClr val="accent1">
+              <a:shade val="15000"/>
+            </a:schemeClr>
+          </a:lnRef>
+          <a:fillRef idx="1">
+            <a:schemeClr val="accent1"/>
+          </a:fillRef>
+          <a:effectRef idx="0">
+            <a:schemeClr val="accent1"/>
+          </a:effectRef>
+          <a:fontRef idx="minor">
+            <a:schemeClr val="lt1"/>
+          </a:fontRef>
+        </p:style>
+        <p:txBody>
+          <a:bodyPr rtlCol="0" anchor="ctr"/>
+          <a:lstStyle/>
+          <a:p>
+            <a:pPr algn="ctr"/>
+            <a:endParaRPr kumimoji="1" lang="ja-JP" altLang="en-US"/>
+          </a:p>
+        </p:txBody>
+      </p:sp>
+      <p:sp>
+        <p:nvSpPr>
+          <p:cNvPr id="20" name="楕円 19">
+            <a:extLst>
+              <a:ext uri="{FF2B5EF4-FFF2-40B4-BE49-F238E27FC236}">
+                <a16:creationId xmlns:a16="http://schemas.microsoft.com/office/drawing/2014/main" id="{C06E9C5D-B160-53A1-EC2F-472FD6DFC171}"/>
+              </a:ext>
+            </a:extLst>
+          </p:cNvPr>
+          <p:cNvSpPr/>
+          <p:nvPr/>
+        </p:nvSpPr>
+        <p:spPr>
+          <a:xfrm rot="19836867">
+            <a:off x="9322594" y="3066012"/>
+            <a:ext cx="1865308" cy="963562"/>
+          </a:xfrm>
+          <a:prstGeom prst="ellipse">
+            <a:avLst/>
+          </a:prstGeom>
+          <a:noFill/>
+          <a:ln w="38100">
+            <a:solidFill>
+              <a:srgbClr val="0070C0"/>
+            </a:solidFill>
+          </a:ln>
+        </p:spPr>
+        <p:style>
+          <a:lnRef idx="2">
+            <a:schemeClr val="accent1">
+              <a:shade val="15000"/>
+            </a:schemeClr>
+          </a:lnRef>
+          <a:fillRef idx="1">
+            <a:schemeClr val="accent1"/>
+          </a:fillRef>
+          <a:effectRef idx="0">
+            <a:schemeClr val="accent1"/>
+          </a:effectRef>
+          <a:fontRef idx="minor">
+            <a:schemeClr val="lt1"/>
+          </a:fontRef>
+        </p:style>
+        <p:txBody>
+          <a:bodyPr rtlCol="0" anchor="ctr"/>
+          <a:lstStyle/>
+          <a:p>
+            <a:pPr algn="ctr"/>
+            <a:endParaRPr kumimoji="1" lang="ja-JP" altLang="en-US"/>
+          </a:p>
+        </p:txBody>
+      </p:sp>
+      <p:cxnSp>
+        <p:nvCxnSpPr>
+          <p:cNvPr id="22" name="直線コネクタ 21">
+            <a:extLst>
+              <a:ext uri="{FF2B5EF4-FFF2-40B4-BE49-F238E27FC236}">
+                <a16:creationId xmlns:a16="http://schemas.microsoft.com/office/drawing/2014/main" id="{E9F1ED1D-247A-3DC5-4F5E-E77B5BB1D0B5}"/>
+              </a:ext>
+            </a:extLst>
+          </p:cNvPr>
+          <p:cNvCxnSpPr/>
+          <p:nvPr/>
+        </p:nvCxnSpPr>
+        <p:spPr>
+          <a:xfrm>
+            <a:off x="7799523" y="3081403"/>
+            <a:ext cx="2753686" cy="1998950"/>
+          </a:xfrm>
+          <a:prstGeom prst="line">
+            <a:avLst/>
+          </a:prstGeom>
+          <a:ln>
+            <a:solidFill>
+              <a:srgbClr val="FF0000"/>
+            </a:solidFill>
           </a:ln>
         </p:spPr>
         <p:style>
@@ -10674,10 +11442,10 @@
       </p:cxnSp>
       <p:sp>
         <p:nvSpPr>
-          <p:cNvPr id="10" name="テキスト ボックス 9">
+          <p:cNvPr id="23" name="テキスト ボックス 22">
             <a:extLst>
               <a:ext uri="{FF2B5EF4-FFF2-40B4-BE49-F238E27FC236}">
-                <a16:creationId xmlns:a16="http://schemas.microsoft.com/office/drawing/2014/main" id="{EDBCACE7-6230-4AAB-AC4E-35C2FBB7C534}"/>
+                <a16:creationId xmlns:a16="http://schemas.microsoft.com/office/drawing/2014/main" id="{F3A7CF4D-D814-EECF-B8D1-6F22663AA4B4}"/>
               </a:ext>
             </a:extLst>
           </p:cNvPr>
@@ -10686,7 +11454,7 @@
         </p:nvSpPr>
         <p:spPr>
           <a:xfrm>
-            <a:off x="8107570" y="2897256"/>
+            <a:off x="6832713" y="3904721"/>
             <a:ext cx="2031325" cy="461665"/>
           </a:xfrm>
           <a:prstGeom prst="rect">
@@ -10706,17 +11474,17 @@
                 <a:latin typeface="メイリオ" panose="020B0604030504040204" pitchFamily="50" charset="-128"/>
                 <a:ea typeface="メイリオ" panose="020B0604030504040204" pitchFamily="50" charset="-128"/>
               </a:rPr>
-              <a:t>引数が関数！</a:t>
-            </a:r>
-          </a:p>
-        </p:txBody>
-      </p:sp>
-      <p:sp>
-        <p:nvSpPr>
-          <p:cNvPr id="11" name="テキスト ボックス 10">
+              <a:t>ラーメン領域</a:t>
+            </a:r>
+          </a:p>
+        </p:txBody>
+      </p:sp>
+      <p:sp>
+        <p:nvSpPr>
+          <p:cNvPr id="24" name="テキスト ボックス 23">
             <a:extLst>
               <a:ext uri="{FF2B5EF4-FFF2-40B4-BE49-F238E27FC236}">
-                <a16:creationId xmlns:a16="http://schemas.microsoft.com/office/drawing/2014/main" id="{9AC17167-1C8D-4856-A378-BA2A5383558A}"/>
+                <a16:creationId xmlns:a16="http://schemas.microsoft.com/office/drawing/2014/main" id="{7042AD5F-3BD0-A304-B94B-5EF6E3F6CB3A}"/>
               </a:ext>
             </a:extLst>
           </p:cNvPr>
@@ -10725,8 +11493,8 @@
         </p:nvSpPr>
         <p:spPr>
           <a:xfrm>
-            <a:off x="1795766" y="4875356"/>
-            <a:ext cx="10859839" cy="1323439"/>
+            <a:off x="10479418" y="2645049"/>
+            <a:ext cx="1723549" cy="461665"/>
           </a:xfrm>
           <a:prstGeom prst="rect">
             <a:avLst/>
@@ -10734,116 +11502,248 @@
           <a:noFill/>
         </p:spPr>
         <p:txBody>
-          <a:bodyPr wrap="square" rtlCol="0">
+          <a:bodyPr wrap="none" rtlCol="0">
             <a:spAutoFit/>
           </a:bodyPr>
           <a:lstStyle/>
           <a:p>
             <a:pPr algn="l"/>
             <a:r>
-              <a:rPr kumimoji="1" lang="en-US" altLang="ja-JP" sz="2000" dirty="0">
-                <a:latin typeface="メイリオ" panose="020B0604030504040204" pitchFamily="50" charset="-128"/>
-                <a:ea typeface="メイリオ" panose="020B0604030504040204" pitchFamily="50" charset="-128"/>
-              </a:rPr>
-              <a:t>&lt;1&gt; </a:t>
-            </a:r>
-            <a:r>
-              <a:rPr kumimoji="1" lang="ja-JP" altLang="en-US" sz="2000" dirty="0">
-                <a:latin typeface="メイリオ" panose="020B0604030504040204" pitchFamily="50" charset="-128"/>
-                <a:ea typeface="メイリオ" panose="020B0604030504040204" pitchFamily="50" charset="-128"/>
-              </a:rPr>
-              <a:t>オブジェクト生成（インスタンス化）味</a:t>
-            </a:r>
-            <a:endParaRPr kumimoji="1" lang="en-US" altLang="ja-JP" sz="2000" dirty="0">
+              <a:rPr kumimoji="1" lang="ja-JP" altLang="en-US" sz="2400" dirty="0">
+                <a:latin typeface="メイリオ" panose="020B0604030504040204" pitchFamily="50" charset="-128"/>
+                <a:ea typeface="メイリオ" panose="020B0604030504040204" pitchFamily="50" charset="-128"/>
+              </a:rPr>
+              <a:t>うどん領域</a:t>
+            </a:r>
+          </a:p>
+        </p:txBody>
+      </p:sp>
+      <p:sp>
+        <p:nvSpPr>
+          <p:cNvPr id="25" name="テキスト ボックス 24">
+            <a:extLst>
+              <a:ext uri="{FF2B5EF4-FFF2-40B4-BE49-F238E27FC236}">
+                <a16:creationId xmlns:a16="http://schemas.microsoft.com/office/drawing/2014/main" id="{11FC02B5-B93A-224E-5BB0-39A163EFB865}"/>
+              </a:ext>
+            </a:extLst>
+          </p:cNvPr>
+          <p:cNvSpPr txBox="1"/>
+          <p:nvPr/>
+        </p:nvSpPr>
+        <p:spPr>
+          <a:xfrm>
+            <a:off x="442452" y="334297"/>
+            <a:ext cx="5628464" cy="584775"/>
+          </a:xfrm>
+          <a:prstGeom prst="rect">
+            <a:avLst/>
+          </a:prstGeom>
+          <a:noFill/>
+        </p:spPr>
+        <p:txBody>
+          <a:bodyPr wrap="none" rtlCol="0">
+            <a:spAutoFit/>
+          </a:bodyPr>
+          <a:lstStyle/>
+          <a:p>
+            <a:pPr algn="l"/>
+            <a:r>
+              <a:rPr kumimoji="1" lang="en-US" altLang="ja-JP" sz="3200" dirty="0" err="1">
+                <a:latin typeface="メイリオ" panose="020B0604030504040204" pitchFamily="50" charset="-128"/>
+                <a:ea typeface="メイリオ" panose="020B0604030504040204" pitchFamily="50" charset="-128"/>
+              </a:rPr>
+              <a:t>BoW</a:t>
+            </a:r>
+            <a:r>
+              <a:rPr kumimoji="1" lang="ja-JP" altLang="en-US" sz="3200" dirty="0">
+                <a:latin typeface="メイリオ" panose="020B0604030504040204" pitchFamily="50" charset="-128"/>
+                <a:ea typeface="メイリオ" panose="020B0604030504040204" pitchFamily="50" charset="-128"/>
+              </a:rPr>
+              <a:t>は座標（ベクトル）空間</a:t>
+            </a:r>
+          </a:p>
+        </p:txBody>
+      </p:sp>
+      <p:sp>
+        <p:nvSpPr>
+          <p:cNvPr id="26" name="テキスト ボックス 25">
+            <a:extLst>
+              <a:ext uri="{FF2B5EF4-FFF2-40B4-BE49-F238E27FC236}">
+                <a16:creationId xmlns:a16="http://schemas.microsoft.com/office/drawing/2014/main" id="{8159E383-7B5A-2360-626A-BFE9B86E3ADD}"/>
+              </a:ext>
+            </a:extLst>
+          </p:cNvPr>
+          <p:cNvSpPr txBox="1"/>
+          <p:nvPr/>
+        </p:nvSpPr>
+        <p:spPr>
+          <a:xfrm>
+            <a:off x="503725" y="959031"/>
+            <a:ext cx="7109639" cy="1569660"/>
+          </a:xfrm>
+          <a:prstGeom prst="rect">
+            <a:avLst/>
+          </a:prstGeom>
+          <a:noFill/>
+        </p:spPr>
+        <p:txBody>
+          <a:bodyPr wrap="none" rtlCol="0">
+            <a:spAutoFit/>
+          </a:bodyPr>
+          <a:lstStyle/>
+          <a:p>
+            <a:pPr marL="457200" indent="-457200" algn="l">
+              <a:buFont typeface="+mj-lt"/>
+              <a:buAutoNum type="arabicPeriod"/>
+            </a:pPr>
+            <a:r>
+              <a:rPr kumimoji="1" lang="ja-JP" altLang="en-US" sz="2400" dirty="0">
+                <a:latin typeface="メイリオ" panose="020B0604030504040204" pitchFamily="50" charset="-128"/>
+                <a:ea typeface="メイリオ" panose="020B0604030504040204" pitchFamily="50" charset="-128"/>
+              </a:rPr>
+              <a:t>各行（データ）は空間上の点で表せる</a:t>
+            </a:r>
+            <a:endParaRPr kumimoji="1" lang="en-US" altLang="ja-JP" sz="2400" dirty="0">
               <a:latin typeface="メイリオ" panose="020B0604030504040204" pitchFamily="50" charset="-128"/>
               <a:ea typeface="メイリオ" panose="020B0604030504040204" pitchFamily="50" charset="-128"/>
             </a:endParaRPr>
           </a:p>
           <a:p>
-            <a:pPr algn="l"/>
-            <a:r>
-              <a:rPr kumimoji="1" lang="en-US" altLang="ja-JP" sz="2000" dirty="0">
-                <a:latin typeface="メイリオ" panose="020B0604030504040204" pitchFamily="50" charset="-128"/>
-                <a:ea typeface="メイリオ" panose="020B0604030504040204" pitchFamily="50" charset="-128"/>
-              </a:rPr>
-              <a:t>&lt;2&gt; </a:t>
-            </a:r>
-            <a:r>
-              <a:rPr kumimoji="1" lang="ja-JP" altLang="en-US" sz="2000" dirty="0">
-                <a:latin typeface="メイリオ" panose="020B0604030504040204" pitchFamily="50" charset="-128"/>
-                <a:ea typeface="メイリオ" panose="020B0604030504040204" pitchFamily="50" charset="-128"/>
-              </a:rPr>
-              <a:t>辞書（とインデックス）を生成（</a:t>
-            </a:r>
-            <a:r>
-              <a:rPr kumimoji="1" lang="en-US" altLang="ja-JP" sz="2000" dirty="0">
-                <a:latin typeface="メイリオ" panose="020B0604030504040204" pitchFamily="50" charset="-128"/>
-                <a:ea typeface="メイリオ" panose="020B0604030504040204" pitchFamily="50" charset="-128"/>
-              </a:rPr>
-              <a:t>.fit</a:t>
-            </a:r>
-            <a:r>
-              <a:rPr kumimoji="1" lang="ja-JP" altLang="en-US" sz="2000" dirty="0">
-                <a:latin typeface="メイリオ" panose="020B0604030504040204" pitchFamily="50" charset="-128"/>
-                <a:ea typeface="メイリオ" panose="020B0604030504040204" pitchFamily="50" charset="-128"/>
-              </a:rPr>
-              <a:t>は辞書生成のためのメソッド）</a:t>
-            </a:r>
-            <a:endParaRPr kumimoji="1" lang="en-US" altLang="ja-JP" sz="2000" dirty="0">
+            <a:pPr marL="457200" indent="-457200" algn="l">
+              <a:buFont typeface="+mj-lt"/>
+              <a:buAutoNum type="arabicPeriod"/>
+            </a:pPr>
+            <a:r>
+              <a:rPr kumimoji="1" lang="ja-JP" altLang="en-US" sz="2400" dirty="0">
+                <a:latin typeface="メイリオ" panose="020B0604030504040204" pitchFamily="50" charset="-128"/>
+                <a:ea typeface="メイリオ" panose="020B0604030504040204" pitchFamily="50" charset="-128"/>
+              </a:rPr>
+              <a:t>空間上の点の位置は各データの特徴を表す</a:t>
+            </a:r>
+            <a:endParaRPr kumimoji="1" lang="en-US" altLang="ja-JP" sz="2400" dirty="0">
               <a:latin typeface="メイリオ" panose="020B0604030504040204" pitchFamily="50" charset="-128"/>
               <a:ea typeface="メイリオ" panose="020B0604030504040204" pitchFamily="50" charset="-128"/>
             </a:endParaRPr>
           </a:p>
           <a:p>
-            <a:pPr algn="l"/>
-            <a:r>
-              <a:rPr kumimoji="1" lang="en-US" altLang="ja-JP" sz="2000" dirty="0">
-                <a:latin typeface="メイリオ" panose="020B0604030504040204" pitchFamily="50" charset="-128"/>
-                <a:ea typeface="メイリオ" panose="020B0604030504040204" pitchFamily="50" charset="-128"/>
-              </a:rPr>
-              <a:t>&lt;3&gt; Bow</a:t>
-            </a:r>
-            <a:r>
-              <a:rPr kumimoji="1" lang="ja-JP" altLang="en-US" sz="2000" dirty="0">
-                <a:latin typeface="メイリオ" panose="020B0604030504040204" pitchFamily="50" charset="-128"/>
-                <a:ea typeface="メイリオ" panose="020B0604030504040204" pitchFamily="50" charset="-128"/>
-              </a:rPr>
-              <a:t>特徴ベクトルを生成（</a:t>
-            </a:r>
-            <a:r>
-              <a:rPr kumimoji="1" lang="en-US" altLang="ja-JP" sz="2000" dirty="0">
-                <a:latin typeface="メイリオ" panose="020B0604030504040204" pitchFamily="50" charset="-128"/>
-                <a:ea typeface="メイリオ" panose="020B0604030504040204" pitchFamily="50" charset="-128"/>
-              </a:rPr>
-              <a:t>.transform</a:t>
-            </a:r>
-            <a:r>
-              <a:rPr kumimoji="1" lang="ja-JP" altLang="en-US" sz="2000" dirty="0">
-                <a:latin typeface="メイリオ" panose="020B0604030504040204" pitchFamily="50" charset="-128"/>
-                <a:ea typeface="メイリオ" panose="020B0604030504040204" pitchFamily="50" charset="-128"/>
-              </a:rPr>
-              <a:t>は特徴ベクトル生成のためのメソッド）</a:t>
-            </a:r>
-            <a:endParaRPr kumimoji="1" lang="en-US" altLang="ja-JP" sz="2000" dirty="0">
+            <a:pPr marL="457200" indent="-457200" algn="l">
+              <a:buFont typeface="+mj-lt"/>
+              <a:buAutoNum type="arabicPeriod"/>
+            </a:pPr>
+            <a:r>
+              <a:rPr kumimoji="1" lang="ja-JP" altLang="en-US" sz="2400" dirty="0">
+                <a:latin typeface="メイリオ" panose="020B0604030504040204" pitchFamily="50" charset="-128"/>
+                <a:ea typeface="メイリオ" panose="020B0604030504040204" pitchFamily="50" charset="-128"/>
+              </a:rPr>
+              <a:t>似ているデータは空間上近い位置に表示される</a:t>
+            </a:r>
+            <a:endParaRPr kumimoji="1" lang="en-US" altLang="ja-JP" sz="2400" dirty="0">
               <a:latin typeface="メイリオ" panose="020B0604030504040204" pitchFamily="50" charset="-128"/>
               <a:ea typeface="メイリオ" panose="020B0604030504040204" pitchFamily="50" charset="-128"/>
             </a:endParaRPr>
           </a:p>
           <a:p>
+            <a:pPr marL="457200" indent="-457200" algn="l">
+              <a:buFont typeface="+mj-lt"/>
+              <a:buAutoNum type="arabicPeriod"/>
+            </a:pPr>
+            <a:r>
+              <a:rPr kumimoji="1" lang="ja-JP" altLang="en-US" sz="2400" dirty="0">
+                <a:latin typeface="メイリオ" panose="020B0604030504040204" pitchFamily="50" charset="-128"/>
+                <a:ea typeface="メイリオ" panose="020B0604030504040204" pitchFamily="50" charset="-128"/>
+              </a:rPr>
+              <a:t>異なるデータは遠い位置に表示される</a:t>
+            </a:r>
+          </a:p>
+        </p:txBody>
+      </p:sp>
+      <p:sp>
+        <p:nvSpPr>
+          <p:cNvPr id="27" name="テキスト ボックス 26">
+            <a:extLst>
+              <a:ext uri="{FF2B5EF4-FFF2-40B4-BE49-F238E27FC236}">
+                <a16:creationId xmlns:a16="http://schemas.microsoft.com/office/drawing/2014/main" id="{69EE11AF-B140-D158-9574-934DC81CFF0B}"/>
+              </a:ext>
+            </a:extLst>
+          </p:cNvPr>
+          <p:cNvSpPr txBox="1"/>
+          <p:nvPr/>
+        </p:nvSpPr>
+        <p:spPr>
+          <a:xfrm>
+            <a:off x="2746929" y="6310320"/>
+            <a:ext cx="6647974" cy="461665"/>
+          </a:xfrm>
+          <a:prstGeom prst="rect">
+            <a:avLst/>
+          </a:prstGeom>
+          <a:noFill/>
+        </p:spPr>
+        <p:txBody>
+          <a:bodyPr wrap="none" rtlCol="0">
+            <a:spAutoFit/>
+          </a:bodyPr>
+          <a:lstStyle/>
+          <a:p>
             <a:pPr algn="l"/>
-            <a:endParaRPr kumimoji="1" lang="ja-JP" altLang="en-US" sz="2000" dirty="0">
-              <a:latin typeface="メイリオ" panose="020B0604030504040204" pitchFamily="50" charset="-128"/>
-              <a:ea typeface="メイリオ" panose="020B0604030504040204" pitchFamily="50" charset="-128"/>
-            </a:endParaRPr>
+            <a:r>
+              <a:rPr kumimoji="1" lang="ja-JP" altLang="en-US" sz="2400" dirty="0">
+                <a:latin typeface="メイリオ" panose="020B0604030504040204" pitchFamily="50" charset="-128"/>
+                <a:ea typeface="メイリオ" panose="020B0604030504040204" pitchFamily="50" charset="-128"/>
+              </a:rPr>
+              <a:t>機械学習、統計解析のデータセット一般も同様</a:t>
+            </a:r>
+          </a:p>
+        </p:txBody>
+      </p:sp>
+      <p:sp>
+        <p:nvSpPr>
+          <p:cNvPr id="28" name="テキスト ボックス 27">
+            <a:extLst>
+              <a:ext uri="{FF2B5EF4-FFF2-40B4-BE49-F238E27FC236}">
+                <a16:creationId xmlns:a16="http://schemas.microsoft.com/office/drawing/2014/main" id="{250A7E1A-8598-F770-5338-8E3BD1A7B2E2}"/>
+              </a:ext>
+            </a:extLst>
+          </p:cNvPr>
+          <p:cNvSpPr txBox="1"/>
+          <p:nvPr/>
+        </p:nvSpPr>
+        <p:spPr>
+          <a:xfrm rot="2233523">
+            <a:off x="7234862" y="3099003"/>
+            <a:ext cx="2031325" cy="369332"/>
+          </a:xfrm>
+          <a:prstGeom prst="rect">
+            <a:avLst/>
+          </a:prstGeom>
+          <a:noFill/>
+        </p:spPr>
+        <p:txBody>
+          <a:bodyPr wrap="none" rtlCol="0">
+            <a:spAutoFit/>
+          </a:bodyPr>
+          <a:lstStyle/>
+          <a:p>
+            <a:pPr algn="l"/>
+            <a:r>
+              <a:rPr kumimoji="1" lang="ja-JP" altLang="en-US" dirty="0">
+                <a:solidFill>
+                  <a:srgbClr val="FF0000"/>
+                </a:solidFill>
+                <a:latin typeface="メイリオ" panose="020B0604030504040204" pitchFamily="50" charset="-128"/>
+                <a:ea typeface="メイリオ" panose="020B0604030504040204" pitchFamily="50" charset="-128"/>
+              </a:rPr>
+              <a:t>判別（決定）境界</a:t>
+            </a:r>
           </a:p>
         </p:txBody>
       </p:sp>
       <p:cxnSp>
         <p:nvCxnSpPr>
-          <p:cNvPr id="13" name="直線矢印コネクタ 12">
+          <p:cNvPr id="30" name="直線矢印コネクタ 29">
             <a:extLst>
               <a:ext uri="{FF2B5EF4-FFF2-40B4-BE49-F238E27FC236}">
-                <a16:creationId xmlns:a16="http://schemas.microsoft.com/office/drawing/2014/main" id="{763A7C77-9943-43B6-99D5-2DDD5C5A4D15}"/>
+                <a16:creationId xmlns:a16="http://schemas.microsoft.com/office/drawing/2014/main" id="{2AC03CF0-167A-F60D-7E8B-D0E5D1E2426E}"/>
               </a:ext>
             </a:extLst>
           </p:cNvPr>
@@ -10852,13 +11752,13 @@
         </p:nvCxnSpPr>
         <p:spPr>
           <a:xfrm>
-            <a:off x="2150873" y="3223493"/>
-            <a:ext cx="319596" cy="230833"/>
+            <a:off x="3099704" y="3657678"/>
+            <a:ext cx="3490451" cy="0"/>
           </a:xfrm>
           <a:prstGeom prst="straightConnector1">
             <a:avLst/>
           </a:prstGeom>
-          <a:ln>
+          <a:ln w="38100">
             <a:tailEnd type="triangle"/>
           </a:ln>
         </p:spPr>
@@ -10879,10 +11779,10 @@
       </p:cxnSp>
       <p:sp>
         <p:nvSpPr>
-          <p:cNvPr id="14" name="テキスト ボックス 13">
+          <p:cNvPr id="31" name="テキスト ボックス 30">
             <a:extLst>
               <a:ext uri="{FF2B5EF4-FFF2-40B4-BE49-F238E27FC236}">
-                <a16:creationId xmlns:a16="http://schemas.microsoft.com/office/drawing/2014/main" id="{76179527-A83E-45E3-AE50-C30E68B0DEB3}"/>
+                <a16:creationId xmlns:a16="http://schemas.microsoft.com/office/drawing/2014/main" id="{0D38A093-6C8C-6207-E961-1555804E3DF4}"/>
               </a:ext>
             </a:extLst>
           </p:cNvPr>
@@ -10891,8 +11791,8 @@
         </p:nvSpPr>
         <p:spPr>
           <a:xfrm>
-            <a:off x="739462" y="2893189"/>
-            <a:ext cx="4185761" cy="461665"/>
+            <a:off x="3089318" y="3246424"/>
+            <a:ext cx="2893741" cy="461665"/>
           </a:xfrm>
           <a:prstGeom prst="rect">
             <a:avLst/>
@@ -10911,17 +11811,70 @@
                 <a:latin typeface="メイリオ" panose="020B0604030504040204" pitchFamily="50" charset="-128"/>
                 <a:ea typeface="メイリオ" panose="020B0604030504040204" pitchFamily="50" charset="-128"/>
               </a:rPr>
-              <a:t>変数でなくてオブジェクト名</a:t>
-            </a:r>
-          </a:p>
-        </p:txBody>
-      </p:sp>
-      <p:sp>
-        <p:nvSpPr>
-          <p:cNvPr id="15" name="テキスト ボックス 14">
+              <a:t>列方向</a:t>
+            </a:r>
+            <a:r>
+              <a:rPr kumimoji="1" lang="en-US" altLang="ja-JP" sz="2400" dirty="0">
+                <a:latin typeface="メイリオ" panose="020B0604030504040204" pitchFamily="50" charset="-128"/>
+                <a:ea typeface="メイリオ" panose="020B0604030504040204" pitchFamily="50" charset="-128"/>
+              </a:rPr>
+              <a:t>=</a:t>
+            </a:r>
+            <a:r>
+              <a:rPr kumimoji="1" lang="ja-JP" altLang="en-US" sz="2400" dirty="0">
+                <a:latin typeface="メイリオ" panose="020B0604030504040204" pitchFamily="50" charset="-128"/>
+                <a:ea typeface="メイリオ" panose="020B0604030504040204" pitchFamily="50" charset="-128"/>
+              </a:rPr>
+              <a:t>空間の次元</a:t>
+            </a:r>
+          </a:p>
+        </p:txBody>
+      </p:sp>
+      <p:cxnSp>
+        <p:nvCxnSpPr>
+          <p:cNvPr id="33" name="直線矢印コネクタ 32">
             <a:extLst>
               <a:ext uri="{FF2B5EF4-FFF2-40B4-BE49-F238E27FC236}">
-                <a16:creationId xmlns:a16="http://schemas.microsoft.com/office/drawing/2014/main" id="{BD7DC09B-0801-4536-86DC-AD76E7FBEEFC}"/>
+                <a16:creationId xmlns:a16="http://schemas.microsoft.com/office/drawing/2014/main" id="{12C9A444-6649-1C05-0C21-7C53E99EE020}"/>
+              </a:ext>
+            </a:extLst>
+          </p:cNvPr>
+          <p:cNvCxnSpPr/>
+          <p:nvPr/>
+        </p:nvCxnSpPr>
+        <p:spPr>
+          <a:xfrm>
+            <a:off x="1199535" y="4045139"/>
+            <a:ext cx="0" cy="1596391"/>
+          </a:xfrm>
+          <a:prstGeom prst="straightConnector1">
+            <a:avLst/>
+          </a:prstGeom>
+          <a:ln w="38100">
+            <a:tailEnd type="triangle"/>
+          </a:ln>
+        </p:spPr>
+        <p:style>
+          <a:lnRef idx="1">
+            <a:schemeClr val="accent1"/>
+          </a:lnRef>
+          <a:fillRef idx="0">
+            <a:schemeClr val="accent1"/>
+          </a:fillRef>
+          <a:effectRef idx="0">
+            <a:schemeClr val="accent1"/>
+          </a:effectRef>
+          <a:fontRef idx="minor">
+            <a:schemeClr val="tx1"/>
+          </a:fontRef>
+        </p:style>
+      </p:cxnSp>
+      <p:sp>
+        <p:nvSpPr>
+          <p:cNvPr id="34" name="テキスト ボックス 33">
+            <a:extLst>
+              <a:ext uri="{FF2B5EF4-FFF2-40B4-BE49-F238E27FC236}">
+                <a16:creationId xmlns:a16="http://schemas.microsoft.com/office/drawing/2014/main" id="{A4B12AFA-2259-B459-5F9A-248914E76EC0}"/>
               </a:ext>
             </a:extLst>
           </p:cNvPr>
@@ -10930,8 +11883,8 @@
         </p:nvSpPr>
         <p:spPr>
           <a:xfrm>
-            <a:off x="1803867" y="3877958"/>
-            <a:ext cx="5214376" cy="830997"/>
+            <a:off x="0" y="4189411"/>
+            <a:ext cx="1160895" cy="707886"/>
           </a:xfrm>
           <a:prstGeom prst="rect">
             <a:avLst/>
@@ -10944,249 +11897,88 @@
           </a:bodyPr>
           <a:lstStyle/>
           <a:p>
-            <a:r>
-              <a:rPr kumimoji="1" lang="en-US" altLang="ja-JP" sz="2400" dirty="0" err="1">
-                <a:latin typeface="メイリオ" panose="020B0604030504040204" pitchFamily="50" charset="-128"/>
-                <a:ea typeface="メイリオ" panose="020B0604030504040204" pitchFamily="50" charset="-128"/>
-              </a:rPr>
-              <a:t>vec</a:t>
-            </a:r>
-            <a:r>
-              <a:rPr kumimoji="1" lang="en-US" altLang="ja-JP" sz="2400" dirty="0">
-                <a:latin typeface="メイリオ" panose="020B0604030504040204" pitchFamily="50" charset="-128"/>
-                <a:ea typeface="メイリオ" panose="020B0604030504040204" pitchFamily="50" charset="-128"/>
-              </a:rPr>
-              <a:t>=</a:t>
-            </a:r>
-            <a:r>
-              <a:rPr kumimoji="1" lang="en-US" altLang="ja-JP" sz="2400" dirty="0" err="1">
-                <a:latin typeface="メイリオ" panose="020B0604030504040204" pitchFamily="50" charset="-128"/>
-                <a:ea typeface="メイリオ" panose="020B0604030504040204" pitchFamily="50" charset="-128"/>
-              </a:rPr>
-              <a:t>vectorizer.fit</a:t>
-            </a:r>
-            <a:r>
-              <a:rPr kumimoji="1" lang="en-US" altLang="ja-JP" sz="2400" dirty="0">
-                <a:latin typeface="メイリオ" panose="020B0604030504040204" pitchFamily="50" charset="-128"/>
-                <a:ea typeface="メイリオ" panose="020B0604030504040204" pitchFamily="50" charset="-128"/>
-              </a:rPr>
-              <a:t>(texts)  # &lt;2&gt;</a:t>
-            </a:r>
-          </a:p>
-          <a:p>
             <a:pPr algn="l"/>
-            <a:endParaRPr kumimoji="1" lang="ja-JP" altLang="en-US" sz="2400" dirty="0">
+            <a:r>
+              <a:rPr kumimoji="1" lang="ja-JP" altLang="en-US" sz="2000" dirty="0">
+                <a:latin typeface="メイリオ" panose="020B0604030504040204" pitchFamily="50" charset="-128"/>
+                <a:ea typeface="メイリオ" panose="020B0604030504040204" pitchFamily="50" charset="-128"/>
+              </a:rPr>
+              <a:t>行方向</a:t>
+            </a:r>
+            <a:endParaRPr kumimoji="1" lang="en-US" altLang="ja-JP" sz="2000" dirty="0">
               <a:latin typeface="メイリオ" panose="020B0604030504040204" pitchFamily="50" charset="-128"/>
               <a:ea typeface="メイリオ" panose="020B0604030504040204" pitchFamily="50" charset="-128"/>
             </a:endParaRPr>
           </a:p>
-        </p:txBody>
-      </p:sp>
-      <p:sp>
-        <p:nvSpPr>
-          <p:cNvPr id="16" name="テキスト ボックス 15">
+          <a:p>
+            <a:pPr algn="l"/>
+            <a:r>
+              <a:rPr kumimoji="1" lang="en-US" altLang="ja-JP" sz="2000" dirty="0">
+                <a:latin typeface="メイリオ" panose="020B0604030504040204" pitchFamily="50" charset="-128"/>
+                <a:ea typeface="メイリオ" panose="020B0604030504040204" pitchFamily="50" charset="-128"/>
+              </a:rPr>
+              <a:t>=</a:t>
+            </a:r>
+            <a:r>
+              <a:rPr kumimoji="1" lang="ja-JP" altLang="en-US" sz="2000" dirty="0">
+                <a:latin typeface="メイリオ" panose="020B0604030504040204" pitchFamily="50" charset="-128"/>
+                <a:ea typeface="メイリオ" panose="020B0604030504040204" pitchFamily="50" charset="-128"/>
+              </a:rPr>
+              <a:t>データ</a:t>
+            </a:r>
+          </a:p>
+        </p:txBody>
+      </p:sp>
+      <p:sp>
+        <p:nvSpPr>
+          <p:cNvPr id="35" name="矢印: 下 34">
             <a:extLst>
               <a:ext uri="{FF2B5EF4-FFF2-40B4-BE49-F238E27FC236}">
-                <a16:creationId xmlns:a16="http://schemas.microsoft.com/office/drawing/2014/main" id="{B69980C9-E7B5-4BC3-87B4-3481626AB670}"/>
+                <a16:creationId xmlns:a16="http://schemas.microsoft.com/office/drawing/2014/main" id="{00C71094-3477-2517-D9FD-FAF2C5BE887B}"/>
               </a:ext>
             </a:extLst>
           </p:cNvPr>
-          <p:cNvSpPr txBox="1"/>
+          <p:cNvSpPr/>
           <p:nvPr/>
         </p:nvSpPr>
         <p:spPr>
           <a:xfrm>
-            <a:off x="1803867" y="4309415"/>
-            <a:ext cx="6710107" cy="461665"/>
-          </a:xfrm>
-          <a:prstGeom prst="rect">
+            <a:off x="5368413" y="5906658"/>
+            <a:ext cx="1221742" cy="300096"/>
+          </a:xfrm>
+          <a:prstGeom prst="downArrow">
             <a:avLst/>
           </a:prstGeom>
-          <a:noFill/>
-        </p:spPr>
-        <p:txBody>
-          <a:bodyPr wrap="none" rtlCol="0">
-            <a:spAutoFit/>
-          </a:bodyPr>
-          <a:lstStyle/>
-          <a:p>
-            <a:r>
-              <a:rPr kumimoji="1" lang="en-US" altLang="ja-JP" sz="2400" dirty="0">
-                <a:latin typeface="メイリオ" panose="020B0604030504040204" pitchFamily="50" charset="-128"/>
-                <a:ea typeface="メイリオ" panose="020B0604030504040204" pitchFamily="50" charset="-128"/>
-              </a:rPr>
-              <a:t>bow = </a:t>
-            </a:r>
-            <a:r>
-              <a:rPr kumimoji="1" lang="en-US" altLang="ja-JP" sz="2400" dirty="0" err="1">
-                <a:latin typeface="メイリオ" panose="020B0604030504040204" pitchFamily="50" charset="-128"/>
-                <a:ea typeface="メイリオ" panose="020B0604030504040204" pitchFamily="50" charset="-128"/>
-              </a:rPr>
-              <a:t>vectorizer.transform</a:t>
-            </a:r>
-            <a:r>
-              <a:rPr kumimoji="1" lang="en-US" altLang="ja-JP" sz="2400" dirty="0">
-                <a:latin typeface="メイリオ" panose="020B0604030504040204" pitchFamily="50" charset="-128"/>
-                <a:ea typeface="メイリオ" panose="020B0604030504040204" pitchFamily="50" charset="-128"/>
-              </a:rPr>
-              <a:t>(texts)  # &lt;3&gt;</a:t>
-            </a:r>
-            <a:endParaRPr kumimoji="1" lang="ja-JP" altLang="en-US" sz="2400" dirty="0">
-              <a:latin typeface="メイリオ" panose="020B0604030504040204" pitchFamily="50" charset="-128"/>
-              <a:ea typeface="メイリオ" panose="020B0604030504040204" pitchFamily="50" charset="-128"/>
-            </a:endParaRPr>
-          </a:p>
-        </p:txBody>
-      </p:sp>
-      <p:sp>
-        <p:nvSpPr>
-          <p:cNvPr id="4" name="テキスト ボックス 3">
-            <a:extLst>
-              <a:ext uri="{FF2B5EF4-FFF2-40B4-BE49-F238E27FC236}">
-                <a16:creationId xmlns:a16="http://schemas.microsoft.com/office/drawing/2014/main" id="{223AEDCC-6529-FD4B-7A1D-1F896D626868}"/>
-              </a:ext>
-            </a:extLst>
-          </p:cNvPr>
-          <p:cNvSpPr txBox="1"/>
-          <p:nvPr/>
-        </p:nvSpPr>
-        <p:spPr>
-          <a:xfrm>
-            <a:off x="396647" y="1343368"/>
-            <a:ext cx="10350911" cy="830997"/>
-          </a:xfrm>
-          <a:prstGeom prst="rect">
-            <a:avLst/>
-          </a:prstGeom>
-          <a:noFill/>
-        </p:spPr>
-        <p:txBody>
-          <a:bodyPr wrap="none" rtlCol="0">
-            <a:spAutoFit/>
-          </a:bodyPr>
-          <a:lstStyle/>
-          <a:p>
-            <a:pPr marL="457200" indent="-457200" algn="l">
-              <a:buFont typeface="+mj-lt"/>
-              <a:buAutoNum type="arabicPeriod"/>
-            </a:pPr>
-            <a:r>
-              <a:rPr kumimoji="1" lang="en-US" altLang="ja-JP" sz="2400" dirty="0" err="1">
-                <a:latin typeface="メイリオ" panose="020B0604030504040204" pitchFamily="50" charset="-128"/>
-                <a:ea typeface="メイリオ" panose="020B0604030504040204" pitchFamily="50" charset="-128"/>
-              </a:rPr>
-              <a:t>BoW</a:t>
-            </a:r>
-            <a:r>
-              <a:rPr kumimoji="1" lang="ja-JP" altLang="en-US" sz="2400" dirty="0">
-                <a:latin typeface="メイリオ" panose="020B0604030504040204" pitchFamily="50" charset="-128"/>
-                <a:ea typeface="メイリオ" panose="020B0604030504040204" pitchFamily="50" charset="-128"/>
-              </a:rPr>
-              <a:t>を素手でプログラミングすると面倒</a:t>
-            </a:r>
-            <a:endParaRPr kumimoji="1" lang="en-US" altLang="ja-JP" sz="2400" dirty="0">
-              <a:latin typeface="メイリオ" panose="020B0604030504040204" pitchFamily="50" charset="-128"/>
-              <a:ea typeface="メイリオ" panose="020B0604030504040204" pitchFamily="50" charset="-128"/>
-            </a:endParaRPr>
-          </a:p>
-          <a:p>
-            <a:pPr marL="457200" indent="-457200" algn="l">
-              <a:buFont typeface="+mj-lt"/>
-              <a:buAutoNum type="arabicPeriod"/>
-            </a:pPr>
-            <a:r>
-              <a:rPr kumimoji="1" lang="ja-JP" altLang="en-US" sz="2400" dirty="0">
-                <a:latin typeface="メイリオ" panose="020B0604030504040204" pitchFamily="50" charset="-128"/>
-                <a:ea typeface="メイリオ" panose="020B0604030504040204" pitchFamily="50" charset="-128"/>
-              </a:rPr>
-              <a:t>形態素解析＋</a:t>
-            </a:r>
-            <a:r>
-              <a:rPr kumimoji="1" lang="en-US" altLang="ja-JP" sz="2400" dirty="0" err="1">
-                <a:latin typeface="メイリオ" panose="020B0604030504040204" pitchFamily="50" charset="-128"/>
-                <a:ea typeface="メイリオ" panose="020B0604030504040204" pitchFamily="50" charset="-128"/>
-              </a:rPr>
-              <a:t>BoW</a:t>
-            </a:r>
-            <a:r>
-              <a:rPr kumimoji="1" lang="ja-JP" altLang="en-US" sz="2400" dirty="0">
-                <a:latin typeface="メイリオ" panose="020B0604030504040204" pitchFamily="50" charset="-128"/>
-                <a:ea typeface="メイリオ" panose="020B0604030504040204" pitchFamily="50" charset="-128"/>
-              </a:rPr>
-              <a:t>辞書作成＋</a:t>
-            </a:r>
-            <a:r>
-              <a:rPr kumimoji="1" lang="en-US" altLang="ja-JP" sz="2400" dirty="0" err="1">
-                <a:latin typeface="メイリオ" panose="020B0604030504040204" pitchFamily="50" charset="-128"/>
-                <a:ea typeface="メイリオ" panose="020B0604030504040204" pitchFamily="50" charset="-128"/>
-              </a:rPr>
-              <a:t>BoW</a:t>
-            </a:r>
-            <a:r>
-              <a:rPr kumimoji="1" lang="ja-JP" altLang="en-US" sz="2400" dirty="0">
-                <a:latin typeface="メイリオ" panose="020B0604030504040204" pitchFamily="50" charset="-128"/>
-                <a:ea typeface="メイリオ" panose="020B0604030504040204" pitchFamily="50" charset="-128"/>
-              </a:rPr>
-              <a:t>データ作成　を一度にやってくれる</a:t>
-            </a:r>
-          </a:p>
-        </p:txBody>
-      </p:sp>
-      <p:sp>
-        <p:nvSpPr>
-          <p:cNvPr id="3" name="テキスト ボックス 2">
-            <a:extLst>
-              <a:ext uri="{FF2B5EF4-FFF2-40B4-BE49-F238E27FC236}">
-                <a16:creationId xmlns:a16="http://schemas.microsoft.com/office/drawing/2014/main" id="{B5610F0E-224B-E790-F716-70DF33D98D34}"/>
-              </a:ext>
-            </a:extLst>
-          </p:cNvPr>
-          <p:cNvSpPr txBox="1"/>
-          <p:nvPr/>
-        </p:nvSpPr>
-        <p:spPr>
-          <a:xfrm>
-            <a:off x="396647" y="866528"/>
-            <a:ext cx="8228406" cy="646331"/>
-          </a:xfrm>
-          <a:prstGeom prst="rect">
-            <a:avLst/>
-          </a:prstGeom>
-          <a:noFill/>
-        </p:spPr>
-        <p:txBody>
-          <a:bodyPr wrap="none" rtlCol="0">
-            <a:spAutoFit/>
-          </a:bodyPr>
-          <a:lstStyle/>
-          <a:p>
-            <a:pPr algn="l"/>
-            <a:r>
-              <a:rPr kumimoji="1" lang="en-US" altLang="ja-JP" dirty="0">
-                <a:latin typeface="メイリオ" panose="020B0604030504040204" pitchFamily="50" charset="-128"/>
-                <a:ea typeface="メイリオ" panose="020B0604030504040204" pitchFamily="50" charset="-128"/>
-                <a:hlinkClick r:id="rId2"/>
-              </a:rPr>
-              <a:t>https://github.com/ueharaLab/NLP3_BoW/blob/main/BoW_coding.md</a:t>
-            </a:r>
-            <a:endParaRPr kumimoji="1" lang="en-US" altLang="ja-JP" dirty="0">
-              <a:latin typeface="メイリオ" panose="020B0604030504040204" pitchFamily="50" charset="-128"/>
-              <a:ea typeface="メイリオ" panose="020B0604030504040204" pitchFamily="50" charset="-128"/>
-            </a:endParaRPr>
-          </a:p>
-          <a:p>
-            <a:pPr algn="l"/>
-            <a:endParaRPr kumimoji="1" lang="ja-JP" altLang="en-US" dirty="0">
-              <a:latin typeface="メイリオ" panose="020B0604030504040204" pitchFamily="50" charset="-128"/>
-              <a:ea typeface="メイリオ" panose="020B0604030504040204" pitchFamily="50" charset="-128"/>
-            </a:endParaRPr>
+        </p:spPr>
+        <p:style>
+          <a:lnRef idx="2">
+            <a:schemeClr val="accent1">
+              <a:shade val="15000"/>
+            </a:schemeClr>
+          </a:lnRef>
+          <a:fillRef idx="1">
+            <a:schemeClr val="accent1"/>
+          </a:fillRef>
+          <a:effectRef idx="0">
+            <a:schemeClr val="accent1"/>
+          </a:effectRef>
+          <a:fontRef idx="minor">
+            <a:schemeClr val="lt1"/>
+          </a:fontRef>
+        </p:style>
+        <p:txBody>
+          <a:bodyPr rtlCol="0" anchor="ctr"/>
+          <a:lstStyle/>
+          <a:p>
+            <a:pPr algn="ctr"/>
+            <a:endParaRPr kumimoji="1" lang="ja-JP" altLang="en-US"/>
           </a:p>
         </p:txBody>
       </p:sp>
     </p:spTree>
     <p:extLst>
       <p:ext uri="{BB962C8B-B14F-4D97-AF65-F5344CB8AC3E}">
-        <p14:creationId xmlns:p14="http://schemas.microsoft.com/office/powerpoint/2010/main" val="3142995690"/>
+        <p14:creationId xmlns:p14="http://schemas.microsoft.com/office/powerpoint/2010/main" val="190886943"/>
       </p:ext>
     </p:extLst>
   </p:cSld>
@@ -11215,10 +12007,10 @@
       </p:grpSpPr>
       <p:sp>
         <p:nvSpPr>
-          <p:cNvPr id="3" name="テキスト ボックス 2">
+          <p:cNvPr id="2" name="テキスト ボックス 1">
             <a:extLst>
               <a:ext uri="{FF2B5EF4-FFF2-40B4-BE49-F238E27FC236}">
-                <a16:creationId xmlns:a16="http://schemas.microsoft.com/office/drawing/2014/main" id="{F15C7C95-1F5A-4756-B2D8-2D0434A67D22}"/>
+                <a16:creationId xmlns:a16="http://schemas.microsoft.com/office/drawing/2014/main" id="{B283CE1F-FF5B-45DF-9EB5-2BF851F6E328}"/>
               </a:ext>
             </a:extLst>
           </p:cNvPr>
@@ -11227,8 +12019,8 @@
         </p:nvSpPr>
         <p:spPr>
           <a:xfrm>
-            <a:off x="1094171" y="1494122"/>
-            <a:ext cx="10795987" cy="646331"/>
+            <a:off x="396647" y="375351"/>
+            <a:ext cx="9353073" cy="584775"/>
           </a:xfrm>
           <a:prstGeom prst="rect">
             <a:avLst/>
@@ -11236,15 +12028,44 @@
           <a:noFill/>
         </p:spPr>
         <p:txBody>
-          <a:bodyPr wrap="square">
+          <a:bodyPr wrap="none" rtlCol="0">
             <a:spAutoFit/>
           </a:bodyPr>
           <a:lstStyle/>
           <a:p>
-            <a:r>
-              <a:rPr lang="ja-JP" altLang="en-US" dirty="0"/>
-              <a:t>{'私': 13, 'は': 7, 'の': 6, 'こと': 3, 'が': 2, '好き': 9, 'な': 5, 'あなた': 1, 'です': 4, 'ラーメン': 8, '。': 0, '富士山': 10, '日本一': 12, '高い': 14, '山': 11}</a:t>
-            </a:r>
+            <a:pPr algn="l"/>
+            <a:r>
+              <a:rPr kumimoji="1" lang="en-US" altLang="ja-JP" sz="3200" dirty="0" err="1">
+                <a:latin typeface="メイリオ" panose="020B0604030504040204" pitchFamily="50" charset="-128"/>
+                <a:ea typeface="メイリオ" panose="020B0604030504040204" pitchFamily="50" charset="-128"/>
+              </a:rPr>
+              <a:t>BoW</a:t>
+            </a:r>
+            <a:r>
+              <a:rPr kumimoji="1" lang="ja-JP" altLang="en-US" sz="3200" dirty="0">
+                <a:latin typeface="メイリオ" panose="020B0604030504040204" pitchFamily="50" charset="-128"/>
+                <a:ea typeface="メイリオ" panose="020B0604030504040204" pitchFamily="50" charset="-128"/>
+              </a:rPr>
+              <a:t>モジュール（ライブラリ）</a:t>
+            </a:r>
+            <a:r>
+              <a:rPr kumimoji="1" lang="en-US" altLang="ja-JP" sz="3200" dirty="0">
+                <a:latin typeface="メイリオ" panose="020B0604030504040204" pitchFamily="50" charset="-128"/>
+                <a:ea typeface="メイリオ" panose="020B0604030504040204" pitchFamily="50" charset="-128"/>
+              </a:rPr>
+              <a:t> </a:t>
+            </a:r>
+            <a:r>
+              <a:rPr kumimoji="1" lang="en-US" altLang="ja-JP" sz="3200" dirty="0" err="1">
+                <a:latin typeface="メイリオ" panose="020B0604030504040204" pitchFamily="50" charset="-128"/>
+                <a:ea typeface="メイリオ" panose="020B0604030504040204" pitchFamily="50" charset="-128"/>
+              </a:rPr>
+              <a:t>CountVectorizer</a:t>
+            </a:r>
+            <a:endParaRPr kumimoji="1" lang="ja-JP" altLang="en-US" sz="3200" dirty="0">
+              <a:latin typeface="メイリオ" panose="020B0604030504040204" pitchFamily="50" charset="-128"/>
+              <a:ea typeface="メイリオ" panose="020B0604030504040204" pitchFamily="50" charset="-128"/>
+            </a:endParaRPr>
           </a:p>
         </p:txBody>
       </p:sp>
@@ -11253,7 +12074,7 @@
           <p:cNvPr id="5" name="テキスト ボックス 4">
             <a:extLst>
               <a:ext uri="{FF2B5EF4-FFF2-40B4-BE49-F238E27FC236}">
-                <a16:creationId xmlns:a16="http://schemas.microsoft.com/office/drawing/2014/main" id="{A3C51ABD-5C1B-4925-841F-3C8B50C5110E}"/>
+                <a16:creationId xmlns:a16="http://schemas.microsoft.com/office/drawing/2014/main" id="{67B9D4DF-A410-4998-A029-4EBC5C28D279}"/>
               </a:ext>
             </a:extLst>
           </p:cNvPr>
@@ -11262,8 +12083,8 @@
         </p:nvSpPr>
         <p:spPr>
           <a:xfrm>
-            <a:off x="3951028" y="2786784"/>
-            <a:ext cx="1906479" cy="6186309"/>
+            <a:off x="404123" y="2420294"/>
+            <a:ext cx="5498621" cy="461665"/>
           </a:xfrm>
           <a:prstGeom prst="rect">
             <a:avLst/>
@@ -11271,150 +12092,42 @@
           <a:noFill/>
         </p:spPr>
         <p:txBody>
-          <a:bodyPr wrap="square">
+          <a:bodyPr wrap="none" rtlCol="0">
             <a:spAutoFit/>
           </a:bodyPr>
           <a:lstStyle/>
           <a:p>
-            <a:r>
-              <a:rPr lang="ja-JP" altLang="en-US" dirty="0"/>
-              <a:t>  (0, 1)        1</a:t>
-            </a:r>
-          </a:p>
-          <a:p>
-            <a:r>
-              <a:rPr lang="ja-JP" altLang="en-US" dirty="0"/>
-              <a:t>  (0, 2)        2</a:t>
-            </a:r>
-          </a:p>
-          <a:p>
-            <a:r>
-              <a:rPr lang="ja-JP" altLang="en-US" dirty="0"/>
-              <a:t>  (0, 3)        1</a:t>
-            </a:r>
-          </a:p>
-          <a:p>
-            <a:r>
-              <a:rPr lang="ja-JP" altLang="en-US" dirty="0"/>
-              <a:t>  (0, 4)        1</a:t>
-            </a:r>
-          </a:p>
-          <a:p>
-            <a:r>
-              <a:rPr lang="ja-JP" altLang="en-US" dirty="0"/>
-              <a:t>  (0, 5)        1</a:t>
-            </a:r>
-          </a:p>
-          <a:p>
-            <a:r>
-              <a:rPr lang="ja-JP" altLang="en-US" dirty="0"/>
-              <a:t>  (0, 6)        1</a:t>
-            </a:r>
-          </a:p>
-          <a:p>
-            <a:r>
-              <a:rPr lang="ja-JP" altLang="en-US" dirty="0"/>
-              <a:t>  (0, 7)        1</a:t>
-            </a:r>
-          </a:p>
-          <a:p>
-            <a:r>
-              <a:rPr lang="ja-JP" altLang="en-US" dirty="0"/>
-              <a:t>  (0, 9)        2</a:t>
-            </a:r>
-          </a:p>
-          <a:p>
-            <a:r>
-              <a:rPr lang="ja-JP" altLang="en-US" dirty="0"/>
-              <a:t>  (0, 13)       2</a:t>
-            </a:r>
-          </a:p>
-          <a:p>
-            <a:r>
-              <a:rPr lang="ja-JP" altLang="en-US" dirty="0"/>
-              <a:t>  (1, 0)        1</a:t>
-            </a:r>
-          </a:p>
-          <a:p>
-            <a:r>
-              <a:rPr lang="ja-JP" altLang="en-US" dirty="0"/>
-              <a:t>  (1, 2)        1</a:t>
-            </a:r>
-          </a:p>
-          <a:p>
-            <a:r>
-              <a:rPr lang="ja-JP" altLang="en-US" dirty="0"/>
-              <a:t>  (1, 4)        1</a:t>
-            </a:r>
-          </a:p>
-          <a:p>
-            <a:r>
-              <a:rPr lang="ja-JP" altLang="en-US" dirty="0"/>
-              <a:t>  (1, 7)        1</a:t>
-            </a:r>
-          </a:p>
-          <a:p>
-            <a:r>
-              <a:rPr lang="ja-JP" altLang="en-US" dirty="0"/>
-              <a:t>  (1, 8)        1</a:t>
-            </a:r>
-          </a:p>
-          <a:p>
-            <a:r>
-              <a:rPr lang="ja-JP" altLang="en-US" dirty="0"/>
-              <a:t>  (1, 9)        1</a:t>
-            </a:r>
-          </a:p>
-          <a:p>
-            <a:r>
-              <a:rPr lang="ja-JP" altLang="en-US" dirty="0"/>
-              <a:t>  (1, 13)       1</a:t>
-            </a:r>
-          </a:p>
-          <a:p>
-            <a:r>
-              <a:rPr lang="ja-JP" altLang="en-US" dirty="0"/>
-              <a:t>  (2, 4)        1</a:t>
-            </a:r>
-          </a:p>
-          <a:p>
-            <a:r>
-              <a:rPr lang="ja-JP" altLang="en-US" dirty="0"/>
-              <a:t>  (2, 7)        1</a:t>
-            </a:r>
-          </a:p>
-          <a:p>
-            <a:r>
-              <a:rPr lang="ja-JP" altLang="en-US" dirty="0"/>
-              <a:t>  (2, 10)       1</a:t>
-            </a:r>
-          </a:p>
-          <a:p>
-            <a:r>
-              <a:rPr lang="ja-JP" altLang="en-US" dirty="0"/>
-              <a:t>  (2, 11)       1</a:t>
-            </a:r>
-          </a:p>
-          <a:p>
-            <a:r>
-              <a:rPr lang="ja-JP" altLang="en-US" dirty="0"/>
-              <a:t>  (2, 12)       1</a:t>
-            </a:r>
-          </a:p>
-          <a:p>
-            <a:r>
-              <a:rPr lang="ja-JP" altLang="en-US" dirty="0"/>
-              <a:t>  (2, 14)       1</a:t>
-            </a:r>
-          </a:p>
-        </p:txBody>
-      </p:sp>
-      <p:sp>
-        <p:nvSpPr>
-          <p:cNvPr id="6" name="テキスト ボックス 5">
+            <a:pPr algn="l"/>
+            <a:r>
+              <a:rPr kumimoji="1" lang="ja-JP" altLang="en-US" sz="2400" u="sng" dirty="0">
+                <a:latin typeface="メイリオ" panose="020B0604030504040204" pitchFamily="50" charset="-128"/>
+                <a:ea typeface="メイリオ" panose="020B0604030504040204" pitchFamily="50" charset="-128"/>
+              </a:rPr>
+              <a:t>たった３行で</a:t>
+            </a:r>
+            <a:r>
+              <a:rPr kumimoji="1" lang="en-US" altLang="ja-JP" sz="2400" u="sng" dirty="0" err="1">
+                <a:latin typeface="メイリオ" panose="020B0604030504040204" pitchFamily="50" charset="-128"/>
+                <a:ea typeface="メイリオ" panose="020B0604030504040204" pitchFamily="50" charset="-128"/>
+              </a:rPr>
+              <a:t>BoW</a:t>
+            </a:r>
+            <a:r>
+              <a:rPr kumimoji="1" lang="ja-JP" altLang="en-US" sz="2400" u="sng" dirty="0">
+                <a:latin typeface="メイリオ" panose="020B0604030504040204" pitchFamily="50" charset="-128"/>
+                <a:ea typeface="メイリオ" panose="020B0604030504040204" pitchFamily="50" charset="-128"/>
+              </a:rPr>
+              <a:t>特徴量を作成できる</a:t>
+            </a:r>
+          </a:p>
+        </p:txBody>
+      </p:sp>
+      <p:sp>
+        <p:nvSpPr>
+          <p:cNvPr id="7" name="テキスト ボックス 6">
             <a:extLst>
               <a:ext uri="{FF2B5EF4-FFF2-40B4-BE49-F238E27FC236}">
-                <a16:creationId xmlns:a16="http://schemas.microsoft.com/office/drawing/2014/main" id="{0B886659-2B91-4D70-92B4-BEA8E7A2EF5F}"/>
+                <a16:creationId xmlns:a16="http://schemas.microsoft.com/office/drawing/2014/main" id="{242291A3-F3D9-48C4-BDA4-3FE3E13A21A6}"/>
               </a:ext>
             </a:extLst>
           </p:cNvPr>
@@ -11423,8 +12136,8 @@
         </p:nvSpPr>
         <p:spPr>
           <a:xfrm>
-            <a:off x="1601714" y="338476"/>
-            <a:ext cx="7270260" cy="523220"/>
+            <a:off x="1795766" y="3458393"/>
+            <a:ext cx="9059275" cy="461665"/>
           </a:xfrm>
           <a:prstGeom prst="rect">
             <a:avLst/>
@@ -11439,279 +12152,52 @@
           <a:p>
             <a:pPr algn="l"/>
             <a:r>
-              <a:rPr kumimoji="1" lang="en-US" altLang="ja-JP" sz="2800" dirty="0" err="1">
+              <a:rPr kumimoji="1" lang="en-US" altLang="ja-JP" sz="2400" dirty="0">
+                <a:latin typeface="メイリオ" panose="020B0604030504040204" pitchFamily="50" charset="-128"/>
+                <a:ea typeface="メイリオ" panose="020B0604030504040204" pitchFamily="50" charset="-128"/>
+              </a:rPr>
+              <a:t>vectorizer = </a:t>
+            </a:r>
+            <a:r>
+              <a:rPr kumimoji="1" lang="en-US" altLang="ja-JP" sz="2400" dirty="0" err="1">
                 <a:latin typeface="メイリオ" panose="020B0604030504040204" pitchFamily="50" charset="-128"/>
                 <a:ea typeface="メイリオ" panose="020B0604030504040204" pitchFamily="50" charset="-128"/>
               </a:rPr>
               <a:t>CountVectorizer</a:t>
             </a:r>
             <a:r>
-              <a:rPr kumimoji="1" lang="ja-JP" altLang="en-US" sz="2800" dirty="0">
-                <a:latin typeface="メイリオ" panose="020B0604030504040204" pitchFamily="50" charset="-128"/>
-                <a:ea typeface="メイリオ" panose="020B0604030504040204" pitchFamily="50" charset="-128"/>
-              </a:rPr>
-              <a:t>による辞書と特徴ベクトル</a:t>
-            </a:r>
-          </a:p>
-        </p:txBody>
-      </p:sp>
-      <p:sp>
-        <p:nvSpPr>
-          <p:cNvPr id="7" name="テキスト ボックス 6">
+              <a:rPr kumimoji="1" lang="en-US" altLang="ja-JP" sz="2400" dirty="0">
+                <a:latin typeface="メイリオ" panose="020B0604030504040204" pitchFamily="50" charset="-128"/>
+                <a:ea typeface="メイリオ" panose="020B0604030504040204" pitchFamily="50" charset="-128"/>
+              </a:rPr>
+              <a:t>(tokenizer=tokenize)  # &lt;1&gt;</a:t>
+            </a:r>
+          </a:p>
+        </p:txBody>
+      </p:sp>
+      <p:cxnSp>
+        <p:nvCxnSpPr>
+          <p:cNvPr id="9" name="直線矢印コネクタ 8">
             <a:extLst>
               <a:ext uri="{FF2B5EF4-FFF2-40B4-BE49-F238E27FC236}">
-                <a16:creationId xmlns:a16="http://schemas.microsoft.com/office/drawing/2014/main" id="{8C431B6D-0187-46B4-B651-C0498B8F9AB2}"/>
+                <a16:creationId xmlns:a16="http://schemas.microsoft.com/office/drawing/2014/main" id="{E9AFA037-3462-4740-AB18-98B4E6A47B6E}"/>
               </a:ext>
             </a:extLst>
           </p:cNvPr>
-          <p:cNvSpPr txBox="1"/>
+          <p:cNvCxnSpPr/>
           <p:nvPr/>
-        </p:nvSpPr>
-        <p:spPr>
-          <a:xfrm>
-            <a:off x="1023656" y="1089488"/>
-            <a:ext cx="4788490" cy="369332"/>
-          </a:xfrm>
-          <a:prstGeom prst="rect">
+        </p:nvCxnSpPr>
+        <p:spPr>
+          <a:xfrm flipH="1">
+            <a:off x="8563436" y="3204605"/>
+            <a:ext cx="148759" cy="373399"/>
+          </a:xfrm>
+          <a:prstGeom prst="straightConnector1">
             <a:avLst/>
           </a:prstGeom>
-          <a:noFill/>
-        </p:spPr>
-        <p:txBody>
-          <a:bodyPr wrap="none" rtlCol="0">
-            <a:spAutoFit/>
-          </a:bodyPr>
-          <a:lstStyle/>
-          <a:p>
-            <a:pPr algn="l"/>
-            <a:r>
-              <a:rPr kumimoji="1" lang="ja-JP" altLang="en-US" dirty="0">
-                <a:latin typeface="メイリオ" panose="020B0604030504040204" pitchFamily="50" charset="-128"/>
-                <a:ea typeface="メイリオ" panose="020B0604030504040204" pitchFamily="50" charset="-128"/>
-              </a:rPr>
-              <a:t>辞書</a:t>
-            </a:r>
-            <a:r>
-              <a:rPr kumimoji="1" lang="en-US" altLang="ja-JP" dirty="0">
-                <a:latin typeface="メイリオ" panose="020B0604030504040204" pitchFamily="50" charset="-128"/>
-                <a:ea typeface="メイリオ" panose="020B0604030504040204" pitchFamily="50" charset="-128"/>
-              </a:rPr>
-              <a:t>:</a:t>
-            </a:r>
-            <a:r>
-              <a:rPr kumimoji="1" lang="ja-JP" altLang="en-US" dirty="0">
-                <a:latin typeface="メイリオ" panose="020B0604030504040204" pitchFamily="50" charset="-128"/>
-                <a:ea typeface="メイリオ" panose="020B0604030504040204" pitchFamily="50" charset="-128"/>
-              </a:rPr>
-              <a:t>インデックス（</a:t>
-            </a:r>
-            <a:r>
-              <a:rPr kumimoji="1" lang="en-US" altLang="ja-JP" dirty="0" err="1">
-                <a:latin typeface="メイリオ" panose="020B0604030504040204" pitchFamily="50" charset="-128"/>
-                <a:ea typeface="メイリオ" panose="020B0604030504040204" pitchFamily="50" charset="-128"/>
-              </a:rPr>
-              <a:t>calc_bow</a:t>
-            </a:r>
-            <a:r>
-              <a:rPr kumimoji="1" lang="ja-JP" altLang="en-US" dirty="0">
-                <a:latin typeface="メイリオ" panose="020B0604030504040204" pitchFamily="50" charset="-128"/>
-                <a:ea typeface="メイリオ" panose="020B0604030504040204" pitchFamily="50" charset="-128"/>
-              </a:rPr>
-              <a:t>と同じ形式）</a:t>
-            </a:r>
-          </a:p>
-        </p:txBody>
-      </p:sp>
-      <p:sp>
-        <p:nvSpPr>
-          <p:cNvPr id="8" name="テキスト ボックス 7">
-            <a:extLst>
-              <a:ext uri="{FF2B5EF4-FFF2-40B4-BE49-F238E27FC236}">
-                <a16:creationId xmlns:a16="http://schemas.microsoft.com/office/drawing/2014/main" id="{59B79143-3AC4-4771-AA45-E627BB54F71B}"/>
-              </a:ext>
-            </a:extLst>
-          </p:cNvPr>
-          <p:cNvSpPr txBox="1"/>
-          <p:nvPr/>
-        </p:nvSpPr>
-        <p:spPr>
-          <a:xfrm>
-            <a:off x="1023656" y="2428629"/>
-            <a:ext cx="6575839" cy="369332"/>
-          </a:xfrm>
-          <a:prstGeom prst="rect">
-            <a:avLst/>
-          </a:prstGeom>
-          <a:noFill/>
-        </p:spPr>
-        <p:txBody>
-          <a:bodyPr wrap="none" rtlCol="0">
-            <a:spAutoFit/>
-          </a:bodyPr>
-          <a:lstStyle/>
-          <a:p>
-            <a:pPr algn="l"/>
-            <a:r>
-              <a:rPr kumimoji="1" lang="ja-JP" altLang="en-US" dirty="0">
-                <a:latin typeface="メイリオ" panose="020B0604030504040204" pitchFamily="50" charset="-128"/>
-                <a:ea typeface="メイリオ" panose="020B0604030504040204" pitchFamily="50" charset="-128"/>
-              </a:rPr>
-              <a:t>特徴ベクトル　：　（文書番号（行）</a:t>
-            </a:r>
-            <a:r>
-              <a:rPr kumimoji="1" lang="en-US" altLang="ja-JP" dirty="0">
-                <a:latin typeface="メイリオ" panose="020B0604030504040204" pitchFamily="50" charset="-128"/>
-                <a:ea typeface="メイリオ" panose="020B0604030504040204" pitchFamily="50" charset="-128"/>
-              </a:rPr>
-              <a:t>, </a:t>
-            </a:r>
-            <a:r>
-              <a:rPr kumimoji="1" lang="ja-JP" altLang="en-US" dirty="0">
-                <a:latin typeface="メイリオ" panose="020B0604030504040204" pitchFamily="50" charset="-128"/>
-                <a:ea typeface="メイリオ" panose="020B0604030504040204" pitchFamily="50" charset="-128"/>
-              </a:rPr>
-              <a:t>インデックス）　頻度</a:t>
-            </a:r>
-          </a:p>
-        </p:txBody>
-      </p:sp>
-      <p:sp>
-        <p:nvSpPr>
-          <p:cNvPr id="9" name="テキスト ボックス 8">
-            <a:extLst>
-              <a:ext uri="{FF2B5EF4-FFF2-40B4-BE49-F238E27FC236}">
-                <a16:creationId xmlns:a16="http://schemas.microsoft.com/office/drawing/2014/main" id="{722AE1DC-B6F8-431B-9C4E-66C44A6FDFB3}"/>
-              </a:ext>
-            </a:extLst>
-          </p:cNvPr>
-          <p:cNvSpPr txBox="1"/>
-          <p:nvPr/>
-        </p:nvSpPr>
-        <p:spPr>
-          <a:xfrm rot="5400000">
-            <a:off x="2300212" y="3802446"/>
-            <a:ext cx="2655301" cy="646331"/>
-          </a:xfrm>
-          <a:prstGeom prst="rect">
-            <a:avLst/>
-          </a:prstGeom>
-          <a:noFill/>
-        </p:spPr>
-        <p:txBody>
-          <a:bodyPr wrap="square" rtlCol="0">
-            <a:spAutoFit/>
-          </a:bodyPr>
-          <a:lstStyle/>
-          <a:p>
-            <a:pPr algn="l"/>
-            <a:r>
-              <a:rPr kumimoji="1" lang="en-US" altLang="ja-JP" dirty="0">
-                <a:latin typeface="メイリオ" panose="020B0604030504040204" pitchFamily="50" charset="-128"/>
-                <a:ea typeface="メイリオ" panose="020B0604030504040204" pitchFamily="50" charset="-128"/>
-              </a:rPr>
-              <a:t>'</a:t>
-            </a:r>
-            <a:r>
-              <a:rPr kumimoji="1" lang="ja-JP" altLang="en-US" dirty="0">
-                <a:latin typeface="メイリオ" panose="020B0604030504040204" pitchFamily="50" charset="-128"/>
-                <a:ea typeface="メイリオ" panose="020B0604030504040204" pitchFamily="50" charset="-128"/>
-              </a:rPr>
-              <a:t>私は私のことが好きなあなたが好きです</a:t>
-            </a:r>
-            <a:r>
-              <a:rPr kumimoji="1" lang="en-US" altLang="ja-JP" dirty="0">
-                <a:latin typeface="メイリオ" panose="020B0604030504040204" pitchFamily="50" charset="-128"/>
-                <a:ea typeface="メイリオ" panose="020B0604030504040204" pitchFamily="50" charset="-128"/>
-              </a:rPr>
-              <a:t>'</a:t>
-            </a:r>
-            <a:endParaRPr kumimoji="1" lang="ja-JP" altLang="en-US" dirty="0">
-              <a:latin typeface="メイリオ" panose="020B0604030504040204" pitchFamily="50" charset="-128"/>
-              <a:ea typeface="メイリオ" panose="020B0604030504040204" pitchFamily="50" charset="-128"/>
-            </a:endParaRPr>
-          </a:p>
-        </p:txBody>
-      </p:sp>
-      <p:sp>
-        <p:nvSpPr>
-          <p:cNvPr id="10" name="テキスト ボックス 9">
-            <a:extLst>
-              <a:ext uri="{FF2B5EF4-FFF2-40B4-BE49-F238E27FC236}">
-                <a16:creationId xmlns:a16="http://schemas.microsoft.com/office/drawing/2014/main" id="{25243ECD-1992-47C3-BA6A-738B37D6C441}"/>
-              </a:ext>
-            </a:extLst>
-          </p:cNvPr>
-          <p:cNvSpPr txBox="1"/>
-          <p:nvPr/>
-        </p:nvSpPr>
-        <p:spPr>
-          <a:xfrm rot="5400000">
-            <a:off x="2674622" y="5912929"/>
-            <a:ext cx="1906480" cy="646331"/>
-          </a:xfrm>
-          <a:prstGeom prst="rect">
-            <a:avLst/>
-          </a:prstGeom>
-          <a:noFill/>
-        </p:spPr>
-        <p:txBody>
-          <a:bodyPr wrap="square" rtlCol="0">
-            <a:spAutoFit/>
-          </a:bodyPr>
-          <a:lstStyle/>
-          <a:p>
-            <a:pPr algn="l"/>
-            <a:r>
-              <a:rPr kumimoji="1" lang="en-US" altLang="ja-JP" dirty="0">
-                <a:latin typeface="メイリオ" panose="020B0604030504040204" pitchFamily="50" charset="-128"/>
-                <a:ea typeface="メイリオ" panose="020B0604030504040204" pitchFamily="50" charset="-128"/>
-              </a:rPr>
-              <a:t>'</a:t>
-            </a:r>
-            <a:r>
-              <a:rPr kumimoji="1" lang="ja-JP" altLang="en-US" dirty="0">
-                <a:latin typeface="メイリオ" panose="020B0604030504040204" pitchFamily="50" charset="-128"/>
-                <a:ea typeface="メイリオ" panose="020B0604030504040204" pitchFamily="50" charset="-128"/>
-              </a:rPr>
-              <a:t>私はラーメンが好きです。</a:t>
-            </a:r>
-            <a:r>
-              <a:rPr kumimoji="1" lang="en-US" altLang="ja-JP" dirty="0">
-                <a:latin typeface="メイリオ" panose="020B0604030504040204" pitchFamily="50" charset="-128"/>
-                <a:ea typeface="メイリオ" panose="020B0604030504040204" pitchFamily="50" charset="-128"/>
-              </a:rPr>
-              <a:t>'</a:t>
-            </a:r>
-            <a:endParaRPr kumimoji="1" lang="ja-JP" altLang="en-US" dirty="0">
-              <a:latin typeface="メイリオ" panose="020B0604030504040204" pitchFamily="50" charset="-128"/>
-              <a:ea typeface="メイリオ" panose="020B0604030504040204" pitchFamily="50" charset="-128"/>
-            </a:endParaRPr>
-          </a:p>
-        </p:txBody>
-      </p:sp>
-      <p:sp>
-        <p:nvSpPr>
-          <p:cNvPr id="11" name="右中かっこ 10">
-            <a:extLst>
-              <a:ext uri="{FF2B5EF4-FFF2-40B4-BE49-F238E27FC236}">
-                <a16:creationId xmlns:a16="http://schemas.microsoft.com/office/drawing/2014/main" id="{3FFB6548-D927-48AF-AA10-B75BB4F8927E}"/>
-              </a:ext>
-            </a:extLst>
-          </p:cNvPr>
-          <p:cNvSpPr/>
-          <p:nvPr/>
-        </p:nvSpPr>
-        <p:spPr>
-          <a:xfrm>
-            <a:off x="5415379" y="2867487"/>
-            <a:ext cx="284085" cy="2317072"/>
-          </a:xfrm>
-          <a:prstGeom prst="rightBrace">
-            <a:avLst>
-              <a:gd name="adj1" fmla="val 30208"/>
-              <a:gd name="adj2" fmla="val 50000"/>
-            </a:avLst>
-          </a:prstGeom>
+          <a:ln>
+            <a:tailEnd type="triangle"/>
+          </a:ln>
         </p:spPr>
         <p:style>
           <a:lnRef idx="1">
@@ -11727,21 +12213,13 @@
             <a:schemeClr val="tx1"/>
           </a:fontRef>
         </p:style>
-        <p:txBody>
-          <a:bodyPr rtlCol="0" anchor="ctr"/>
-          <a:lstStyle/>
-          <a:p>
-            <a:pPr algn="ctr"/>
-            <a:endParaRPr kumimoji="1" lang="ja-JP" altLang="en-US"/>
-          </a:p>
-        </p:txBody>
-      </p:sp>
-      <p:sp>
-        <p:nvSpPr>
-          <p:cNvPr id="12" name="テキスト ボックス 11">
+      </p:cxnSp>
+      <p:sp>
+        <p:nvSpPr>
+          <p:cNvPr id="10" name="テキスト ボックス 9">
             <a:extLst>
               <a:ext uri="{FF2B5EF4-FFF2-40B4-BE49-F238E27FC236}">
-                <a16:creationId xmlns:a16="http://schemas.microsoft.com/office/drawing/2014/main" id="{4956F9CC-A2AD-4BB5-A979-8FEDF4A355A0}"/>
+                <a16:creationId xmlns:a16="http://schemas.microsoft.com/office/drawing/2014/main" id="{EDBCACE7-6230-4AAB-AC4E-35C2FBB7C534}"/>
               </a:ext>
             </a:extLst>
           </p:cNvPr>
@@ -11750,8 +12228,8 @@
         </p:nvSpPr>
         <p:spPr>
           <a:xfrm>
-            <a:off x="5829081" y="3812530"/>
-            <a:ext cx="4424609" cy="646331"/>
+            <a:off x="8107570" y="2897256"/>
+            <a:ext cx="2031325" cy="461665"/>
           </a:xfrm>
           <a:prstGeom prst="rect">
             <a:avLst/>
@@ -11766,45 +12244,21 @@
           <a:p>
             <a:pPr algn="l"/>
             <a:r>
-              <a:rPr kumimoji="1" lang="ja-JP" altLang="en-US" dirty="0">
-                <a:latin typeface="メイリオ" panose="020B0604030504040204" pitchFamily="50" charset="-128"/>
-                <a:ea typeface="メイリオ" panose="020B0604030504040204" pitchFamily="50" charset="-128"/>
-              </a:rPr>
-              <a:t>インデックス</a:t>
-            </a:r>
-            <a:r>
-              <a:rPr kumimoji="1" lang="en-US" altLang="ja-JP" dirty="0">
-                <a:latin typeface="メイリオ" panose="020B0604030504040204" pitchFamily="50" charset="-128"/>
-                <a:ea typeface="メイリオ" panose="020B0604030504040204" pitchFamily="50" charset="-128"/>
-              </a:rPr>
-              <a:t>8,10,11,12</a:t>
-            </a:r>
-            <a:r>
-              <a:rPr kumimoji="1" lang="ja-JP" altLang="en-US" dirty="0">
-                <a:latin typeface="メイリオ" panose="020B0604030504040204" pitchFamily="50" charset="-128"/>
-                <a:ea typeface="メイリオ" panose="020B0604030504040204" pitchFamily="50" charset="-128"/>
-              </a:rPr>
-              <a:t>が抜けている！</a:t>
-            </a:r>
-            <a:br>
-              <a:rPr kumimoji="1" lang="en-US" altLang="ja-JP" dirty="0">
-                <a:latin typeface="メイリオ" panose="020B0604030504040204" pitchFamily="50" charset="-128"/>
-                <a:ea typeface="メイリオ" panose="020B0604030504040204" pitchFamily="50" charset="-128"/>
-              </a:rPr>
-            </a:br>
-            <a:endParaRPr kumimoji="1" lang="ja-JP" altLang="en-US" dirty="0">
-              <a:latin typeface="メイリオ" panose="020B0604030504040204" pitchFamily="50" charset="-128"/>
-              <a:ea typeface="メイリオ" panose="020B0604030504040204" pitchFamily="50" charset="-128"/>
-            </a:endParaRPr>
-          </a:p>
-        </p:txBody>
-      </p:sp>
-      <p:sp>
-        <p:nvSpPr>
-          <p:cNvPr id="13" name="テキスト ボックス 12">
+              <a:rPr kumimoji="1" lang="ja-JP" altLang="en-US" sz="2400" dirty="0">
+                <a:latin typeface="メイリオ" panose="020B0604030504040204" pitchFamily="50" charset="-128"/>
+                <a:ea typeface="メイリオ" panose="020B0604030504040204" pitchFamily="50" charset="-128"/>
+              </a:rPr>
+              <a:t>引数が関数！</a:t>
+            </a:r>
+          </a:p>
+        </p:txBody>
+      </p:sp>
+      <p:sp>
+        <p:nvSpPr>
+          <p:cNvPr id="11" name="テキスト ボックス 10">
             <a:extLst>
               <a:ext uri="{FF2B5EF4-FFF2-40B4-BE49-F238E27FC236}">
-                <a16:creationId xmlns:a16="http://schemas.microsoft.com/office/drawing/2014/main" id="{2A862CBB-D376-4D4E-AFA5-DD019A302BC3}"/>
+                <a16:creationId xmlns:a16="http://schemas.microsoft.com/office/drawing/2014/main" id="{9AC17167-1C8D-4856-A378-BA2A5383558A}"/>
               </a:ext>
             </a:extLst>
           </p:cNvPr>
@@ -11813,8 +12267,8 @@
         </p:nvSpPr>
         <p:spPr>
           <a:xfrm>
-            <a:off x="5917319" y="4141143"/>
-            <a:ext cx="2954655" cy="369332"/>
+            <a:off x="1795766" y="4875356"/>
+            <a:ext cx="10859839" cy="1323439"/>
           </a:xfrm>
           <a:prstGeom prst="rect">
             <a:avLst/>
@@ -11822,113 +12276,155 @@
           <a:noFill/>
         </p:spPr>
         <p:txBody>
-          <a:bodyPr wrap="none" rtlCol="0">
+          <a:bodyPr wrap="square" rtlCol="0">
             <a:spAutoFit/>
           </a:bodyPr>
           <a:lstStyle/>
           <a:p>
             <a:pPr algn="l"/>
             <a:r>
-              <a:rPr kumimoji="1" lang="ja-JP" altLang="en-US" dirty="0">
-                <a:latin typeface="メイリオ" panose="020B0604030504040204" pitchFamily="50" charset="-128"/>
-                <a:ea typeface="メイリオ" panose="020B0604030504040204" pitchFamily="50" charset="-128"/>
-              </a:rPr>
-              <a:t>（頻度が０の語彙がない）</a:t>
-            </a:r>
-          </a:p>
-        </p:txBody>
-      </p:sp>
-      <p:sp>
-        <p:nvSpPr>
-          <p:cNvPr id="14" name="テキスト ボックス 13">
+              <a:rPr kumimoji="1" lang="en-US" altLang="ja-JP" sz="2000" dirty="0">
+                <a:latin typeface="メイリオ" panose="020B0604030504040204" pitchFamily="50" charset="-128"/>
+                <a:ea typeface="メイリオ" panose="020B0604030504040204" pitchFamily="50" charset="-128"/>
+              </a:rPr>
+              <a:t>&lt;1&gt; </a:t>
+            </a:r>
+            <a:r>
+              <a:rPr kumimoji="1" lang="ja-JP" altLang="en-US" sz="2000" dirty="0">
+                <a:latin typeface="メイリオ" panose="020B0604030504040204" pitchFamily="50" charset="-128"/>
+                <a:ea typeface="メイリオ" panose="020B0604030504040204" pitchFamily="50" charset="-128"/>
+              </a:rPr>
+              <a:t>オブジェクト生成（インスタンス化）味</a:t>
+            </a:r>
+            <a:endParaRPr kumimoji="1" lang="en-US" altLang="ja-JP" sz="2000" dirty="0">
+              <a:latin typeface="メイリオ" panose="020B0604030504040204" pitchFamily="50" charset="-128"/>
+              <a:ea typeface="メイリオ" panose="020B0604030504040204" pitchFamily="50" charset="-128"/>
+            </a:endParaRPr>
+          </a:p>
+          <a:p>
+            <a:pPr algn="l"/>
+            <a:r>
+              <a:rPr kumimoji="1" lang="en-US" altLang="ja-JP" sz="2000" dirty="0">
+                <a:latin typeface="メイリオ" panose="020B0604030504040204" pitchFamily="50" charset="-128"/>
+                <a:ea typeface="メイリオ" panose="020B0604030504040204" pitchFamily="50" charset="-128"/>
+              </a:rPr>
+              <a:t>&lt;2&gt; </a:t>
+            </a:r>
+            <a:r>
+              <a:rPr kumimoji="1" lang="ja-JP" altLang="en-US" sz="2000" dirty="0">
+                <a:latin typeface="メイリオ" panose="020B0604030504040204" pitchFamily="50" charset="-128"/>
+                <a:ea typeface="メイリオ" panose="020B0604030504040204" pitchFamily="50" charset="-128"/>
+              </a:rPr>
+              <a:t>辞書（とインデックス）を生成（</a:t>
+            </a:r>
+            <a:r>
+              <a:rPr kumimoji="1" lang="en-US" altLang="ja-JP" sz="2000" dirty="0">
+                <a:latin typeface="メイリオ" panose="020B0604030504040204" pitchFamily="50" charset="-128"/>
+                <a:ea typeface="メイリオ" panose="020B0604030504040204" pitchFamily="50" charset="-128"/>
+              </a:rPr>
+              <a:t>.fit</a:t>
+            </a:r>
+            <a:r>
+              <a:rPr kumimoji="1" lang="ja-JP" altLang="en-US" sz="2000" dirty="0">
+                <a:latin typeface="メイリオ" panose="020B0604030504040204" pitchFamily="50" charset="-128"/>
+                <a:ea typeface="メイリオ" panose="020B0604030504040204" pitchFamily="50" charset="-128"/>
+              </a:rPr>
+              <a:t>は辞書生成のためのメソッド）</a:t>
+            </a:r>
+            <a:endParaRPr kumimoji="1" lang="en-US" altLang="ja-JP" sz="2000" dirty="0">
+              <a:latin typeface="メイリオ" panose="020B0604030504040204" pitchFamily="50" charset="-128"/>
+              <a:ea typeface="メイリオ" panose="020B0604030504040204" pitchFamily="50" charset="-128"/>
+            </a:endParaRPr>
+          </a:p>
+          <a:p>
+            <a:pPr algn="l"/>
+            <a:r>
+              <a:rPr kumimoji="1" lang="en-US" altLang="ja-JP" sz="2000" dirty="0">
+                <a:latin typeface="メイリオ" panose="020B0604030504040204" pitchFamily="50" charset="-128"/>
+                <a:ea typeface="メイリオ" panose="020B0604030504040204" pitchFamily="50" charset="-128"/>
+              </a:rPr>
+              <a:t>&lt;3&gt; Bow</a:t>
+            </a:r>
+            <a:r>
+              <a:rPr kumimoji="1" lang="ja-JP" altLang="en-US" sz="2000" dirty="0">
+                <a:latin typeface="メイリオ" panose="020B0604030504040204" pitchFamily="50" charset="-128"/>
+                <a:ea typeface="メイリオ" panose="020B0604030504040204" pitchFamily="50" charset="-128"/>
+              </a:rPr>
+              <a:t>特徴ベクトルを生成（</a:t>
+            </a:r>
+            <a:r>
+              <a:rPr kumimoji="1" lang="en-US" altLang="ja-JP" sz="2000" dirty="0">
+                <a:latin typeface="メイリオ" panose="020B0604030504040204" pitchFamily="50" charset="-128"/>
+                <a:ea typeface="メイリオ" panose="020B0604030504040204" pitchFamily="50" charset="-128"/>
+              </a:rPr>
+              <a:t>.transform</a:t>
+            </a:r>
+            <a:r>
+              <a:rPr kumimoji="1" lang="ja-JP" altLang="en-US" sz="2000" dirty="0">
+                <a:latin typeface="メイリオ" panose="020B0604030504040204" pitchFamily="50" charset="-128"/>
+                <a:ea typeface="メイリオ" panose="020B0604030504040204" pitchFamily="50" charset="-128"/>
+              </a:rPr>
+              <a:t>は特徴ベクトル生成のためのメソッド）</a:t>
+            </a:r>
+            <a:endParaRPr kumimoji="1" lang="en-US" altLang="ja-JP" sz="2000" dirty="0">
+              <a:latin typeface="メイリオ" panose="020B0604030504040204" pitchFamily="50" charset="-128"/>
+              <a:ea typeface="メイリオ" panose="020B0604030504040204" pitchFamily="50" charset="-128"/>
+            </a:endParaRPr>
+          </a:p>
+          <a:p>
+            <a:pPr algn="l"/>
+            <a:endParaRPr kumimoji="1" lang="ja-JP" altLang="en-US" sz="2000" dirty="0">
+              <a:latin typeface="メイリオ" panose="020B0604030504040204" pitchFamily="50" charset="-128"/>
+              <a:ea typeface="メイリオ" panose="020B0604030504040204" pitchFamily="50" charset="-128"/>
+            </a:endParaRPr>
+          </a:p>
+        </p:txBody>
+      </p:sp>
+      <p:cxnSp>
+        <p:nvCxnSpPr>
+          <p:cNvPr id="13" name="直線矢印コネクタ 12">
             <a:extLst>
               <a:ext uri="{FF2B5EF4-FFF2-40B4-BE49-F238E27FC236}">
-                <a16:creationId xmlns:a16="http://schemas.microsoft.com/office/drawing/2014/main" id="{C84EAEE8-BE53-4578-9FAE-CF131B346F7D}"/>
+                <a16:creationId xmlns:a16="http://schemas.microsoft.com/office/drawing/2014/main" id="{763A7C77-9943-43B6-99D5-2DDD5C5A4D15}"/>
               </a:ext>
             </a:extLst>
           </p:cNvPr>
-          <p:cNvSpPr txBox="1"/>
+          <p:cNvCxnSpPr/>
           <p:nvPr/>
-        </p:nvSpPr>
+        </p:nvCxnSpPr>
         <p:spPr>
           <a:xfrm>
-            <a:off x="5917319" y="5067940"/>
-            <a:ext cx="5493812" cy="369332"/>
-          </a:xfrm>
-          <a:prstGeom prst="rect">
+            <a:off x="2150873" y="3223493"/>
+            <a:ext cx="319596" cy="230833"/>
+          </a:xfrm>
+          <a:prstGeom prst="straightConnector1">
             <a:avLst/>
           </a:prstGeom>
-          <a:noFill/>
-        </p:spPr>
-        <p:txBody>
-          <a:bodyPr wrap="none" rtlCol="0">
-            <a:spAutoFit/>
-          </a:bodyPr>
-          <a:lstStyle/>
-          <a:p>
-            <a:pPr algn="l"/>
-            <a:r>
-              <a:rPr kumimoji="1" lang="ja-JP" altLang="en-US" dirty="0">
-                <a:latin typeface="メイリオ" panose="020B0604030504040204" pitchFamily="50" charset="-128"/>
-                <a:ea typeface="メイリオ" panose="020B0604030504040204" pitchFamily="50" charset="-128"/>
-              </a:rPr>
-              <a:t>これでは、全文書のベクトル次元数を揃えられない</a:t>
-            </a:r>
-          </a:p>
-        </p:txBody>
-      </p:sp>
-      <p:sp>
-        <p:nvSpPr>
-          <p:cNvPr id="15" name="矢印: 下 14">
-            <a:extLst>
-              <a:ext uri="{FF2B5EF4-FFF2-40B4-BE49-F238E27FC236}">
-                <a16:creationId xmlns:a16="http://schemas.microsoft.com/office/drawing/2014/main" id="{BFA16FB2-46D5-4901-85F9-5BE65D15466D}"/>
-              </a:ext>
-            </a:extLst>
-          </p:cNvPr>
-          <p:cNvSpPr/>
-          <p:nvPr/>
-        </p:nvSpPr>
-        <p:spPr>
-          <a:xfrm>
-            <a:off x="7394646" y="4510475"/>
-            <a:ext cx="1065773" cy="369332"/>
-          </a:xfrm>
-          <a:prstGeom prst="downArrow">
-            <a:avLst/>
-          </a:prstGeom>
+          <a:ln>
+            <a:tailEnd type="triangle"/>
+          </a:ln>
         </p:spPr>
         <p:style>
-          <a:lnRef idx="2">
-            <a:schemeClr val="accent1">
-              <a:shade val="50000"/>
-            </a:schemeClr>
+          <a:lnRef idx="1">
+            <a:schemeClr val="accent1"/>
           </a:lnRef>
-          <a:fillRef idx="1">
+          <a:fillRef idx="0">
             <a:schemeClr val="accent1"/>
           </a:fillRef>
           <a:effectRef idx="0">
             <a:schemeClr val="accent1"/>
           </a:effectRef>
           <a:fontRef idx="minor">
-            <a:schemeClr val="lt1"/>
+            <a:schemeClr val="tx1"/>
           </a:fontRef>
         </p:style>
-        <p:txBody>
-          <a:bodyPr rtlCol="0" anchor="ctr"/>
-          <a:lstStyle/>
-          <a:p>
-            <a:pPr algn="ctr"/>
-            <a:endParaRPr kumimoji="1" lang="ja-JP" altLang="en-US"/>
-          </a:p>
-        </p:txBody>
-      </p:sp>
-      <p:sp>
-        <p:nvSpPr>
-          <p:cNvPr id="16" name="テキスト ボックス 15">
+      </p:cxnSp>
+      <p:sp>
+        <p:nvSpPr>
+          <p:cNvPr id="14" name="テキスト ボックス 13">
             <a:extLst>
               <a:ext uri="{FF2B5EF4-FFF2-40B4-BE49-F238E27FC236}">
-                <a16:creationId xmlns:a16="http://schemas.microsoft.com/office/drawing/2014/main" id="{BE1472E3-E70F-412E-A12B-35E201760D74}"/>
+                <a16:creationId xmlns:a16="http://schemas.microsoft.com/office/drawing/2014/main" id="{76179527-A83E-45E3-AE50-C30E68B0DEB3}"/>
               </a:ext>
             </a:extLst>
           </p:cNvPr>
@@ -11937,8 +12433,8 @@
         </p:nvSpPr>
         <p:spPr>
           <a:xfrm>
-            <a:off x="5687627" y="1070882"/>
-            <a:ext cx="2008563" cy="369332"/>
+            <a:off x="739462" y="2893189"/>
+            <a:ext cx="4185761" cy="461665"/>
           </a:xfrm>
           <a:prstGeom prst="rect">
             <a:avLst/>
@@ -11953,32 +12449,21 @@
           <a:p>
             <a:pPr algn="l"/>
             <a:r>
-              <a:rPr kumimoji="1" lang="en-US" altLang="ja-JP" dirty="0" err="1">
-                <a:latin typeface="メイリオ" panose="020B0604030504040204" pitchFamily="50" charset="-128"/>
-                <a:ea typeface="メイリオ" panose="020B0604030504040204" pitchFamily="50" charset="-128"/>
-              </a:rPr>
-              <a:t>vec.vocabulary</a:t>
-            </a:r>
-            <a:r>
-              <a:rPr kumimoji="1" lang="en-US" altLang="ja-JP" dirty="0">
-                <a:latin typeface="メイリオ" panose="020B0604030504040204" pitchFamily="50" charset="-128"/>
-                <a:ea typeface="メイリオ" panose="020B0604030504040204" pitchFamily="50" charset="-128"/>
-              </a:rPr>
-              <a:t>_</a:t>
-            </a:r>
-            <a:endParaRPr kumimoji="1" lang="ja-JP" altLang="en-US" dirty="0">
-              <a:latin typeface="メイリオ" panose="020B0604030504040204" pitchFamily="50" charset="-128"/>
-              <a:ea typeface="メイリオ" panose="020B0604030504040204" pitchFamily="50" charset="-128"/>
-            </a:endParaRPr>
-          </a:p>
-        </p:txBody>
-      </p:sp>
-      <p:sp>
-        <p:nvSpPr>
-          <p:cNvPr id="17" name="テキスト ボックス 16">
+              <a:rPr kumimoji="1" lang="ja-JP" altLang="en-US" sz="2400" dirty="0">
+                <a:latin typeface="メイリオ" panose="020B0604030504040204" pitchFamily="50" charset="-128"/>
+                <a:ea typeface="メイリオ" panose="020B0604030504040204" pitchFamily="50" charset="-128"/>
+              </a:rPr>
+              <a:t>変数でなくてオブジェクト名</a:t>
+            </a:r>
+          </a:p>
+        </p:txBody>
+      </p:sp>
+      <p:sp>
+        <p:nvSpPr>
+          <p:cNvPr id="15" name="テキスト ボックス 14">
             <a:extLst>
               <a:ext uri="{FF2B5EF4-FFF2-40B4-BE49-F238E27FC236}">
-                <a16:creationId xmlns:a16="http://schemas.microsoft.com/office/drawing/2014/main" id="{90E30DCD-06A5-4C90-90F4-C166EE6DFFC2}"/>
+                <a16:creationId xmlns:a16="http://schemas.microsoft.com/office/drawing/2014/main" id="{BD7DC09B-0801-4536-86DC-AD76E7FBEEFC}"/>
               </a:ext>
             </a:extLst>
           </p:cNvPr>
@@ -11987,8 +12472,8 @@
         </p:nvSpPr>
         <p:spPr>
           <a:xfrm>
-            <a:off x="7712115" y="2417452"/>
-            <a:ext cx="655949" cy="369332"/>
+            <a:off x="1803867" y="3877958"/>
+            <a:ext cx="5214376" cy="830997"/>
           </a:xfrm>
           <a:prstGeom prst="rect">
             <a:avLst/>
@@ -12001,15 +12486,38 @@
           </a:bodyPr>
           <a:lstStyle/>
           <a:p>
+            <a:r>
+              <a:rPr kumimoji="1" lang="en-US" altLang="ja-JP" sz="2400" dirty="0" err="1">
+                <a:latin typeface="メイリオ" panose="020B0604030504040204" pitchFamily="50" charset="-128"/>
+                <a:ea typeface="メイリオ" panose="020B0604030504040204" pitchFamily="50" charset="-128"/>
+              </a:rPr>
+              <a:t>vec</a:t>
+            </a:r>
+            <a:r>
+              <a:rPr kumimoji="1" lang="en-US" altLang="ja-JP" sz="2400" dirty="0">
+                <a:latin typeface="メイリオ" panose="020B0604030504040204" pitchFamily="50" charset="-128"/>
+                <a:ea typeface="メイリオ" panose="020B0604030504040204" pitchFamily="50" charset="-128"/>
+              </a:rPr>
+              <a:t>=</a:t>
+            </a:r>
+            <a:r>
+              <a:rPr kumimoji="1" lang="en-US" altLang="ja-JP" sz="2400" dirty="0" err="1">
+                <a:latin typeface="メイリオ" panose="020B0604030504040204" pitchFamily="50" charset="-128"/>
+                <a:ea typeface="メイリオ" panose="020B0604030504040204" pitchFamily="50" charset="-128"/>
+              </a:rPr>
+              <a:t>vectorizer.fit</a:t>
+            </a:r>
+            <a:r>
+              <a:rPr kumimoji="1" lang="en-US" altLang="ja-JP" sz="2400" dirty="0">
+                <a:latin typeface="メイリオ" panose="020B0604030504040204" pitchFamily="50" charset="-128"/>
+                <a:ea typeface="メイリオ" panose="020B0604030504040204" pitchFamily="50" charset="-128"/>
+              </a:rPr>
+              <a:t>(texts)  # &lt;2&gt;</a:t>
+            </a:r>
+          </a:p>
+          <a:p>
             <a:pPr algn="l"/>
-            <a:r>
-              <a:rPr kumimoji="1" lang="en-US" altLang="ja-JP" dirty="0">
-                <a:latin typeface="メイリオ" panose="020B0604030504040204" pitchFamily="50" charset="-128"/>
-                <a:ea typeface="メイリオ" panose="020B0604030504040204" pitchFamily="50" charset="-128"/>
-              </a:rPr>
-              <a:t>bow</a:t>
-            </a:r>
-            <a:endParaRPr kumimoji="1" lang="ja-JP" altLang="en-US" dirty="0">
+            <a:endParaRPr kumimoji="1" lang="ja-JP" altLang="en-US" sz="2400" dirty="0">
               <a:latin typeface="メイリオ" panose="020B0604030504040204" pitchFamily="50" charset="-128"/>
               <a:ea typeface="メイリオ" panose="020B0604030504040204" pitchFamily="50" charset="-128"/>
             </a:endParaRPr>
@@ -12018,10 +12526,10 @@
       </p:sp>
       <p:sp>
         <p:nvSpPr>
-          <p:cNvPr id="2" name="テキスト ボックス 1">
+          <p:cNvPr id="16" name="テキスト ボックス 15">
             <a:extLst>
               <a:ext uri="{FF2B5EF4-FFF2-40B4-BE49-F238E27FC236}">
-                <a16:creationId xmlns:a16="http://schemas.microsoft.com/office/drawing/2014/main" id="{D55F7ED4-1A08-324C-DD0D-AF2C402152F4}"/>
+                <a16:creationId xmlns:a16="http://schemas.microsoft.com/office/drawing/2014/main" id="{B69980C9-E7B5-4BC3-87B4-3481626AB670}"/>
               </a:ext>
             </a:extLst>
           </p:cNvPr>
@@ -12030,8 +12538,8 @@
         </p:nvSpPr>
         <p:spPr>
           <a:xfrm>
-            <a:off x="223520" y="339647"/>
-            <a:ext cx="1293944" cy="461665"/>
+            <a:off x="1803867" y="4309415"/>
+            <a:ext cx="6710107" cy="461665"/>
           </a:xfrm>
           <a:prstGeom prst="rect">
             <a:avLst/>
@@ -12044,27 +12552,26 @@
           </a:bodyPr>
           <a:lstStyle/>
           <a:p>
-            <a:pPr algn="l"/>
             <a:r>
               <a:rPr kumimoji="1" lang="en-US" altLang="ja-JP" sz="2400" dirty="0">
                 <a:latin typeface="メイリオ" panose="020B0604030504040204" pitchFamily="50" charset="-128"/>
                 <a:ea typeface="メイリオ" panose="020B0604030504040204" pitchFamily="50" charset="-128"/>
               </a:rPr>
-              <a:t>&lt;</a:t>
-            </a:r>
-            <a:r>
-              <a:rPr kumimoji="1" lang="ja-JP" altLang="en-US" sz="2400" dirty="0">
-                <a:latin typeface="メイリオ" panose="020B0604030504040204" pitchFamily="50" charset="-128"/>
-                <a:ea typeface="メイリオ" panose="020B0604030504040204" pitchFamily="50" charset="-128"/>
-              </a:rPr>
-              <a:t>参考</a:t>
+              <a:t>bow = </a:t>
+            </a:r>
+            <a:r>
+              <a:rPr kumimoji="1" lang="en-US" altLang="ja-JP" sz="2400" dirty="0" err="1">
+                <a:latin typeface="メイリオ" panose="020B0604030504040204" pitchFamily="50" charset="-128"/>
+                <a:ea typeface="メイリオ" panose="020B0604030504040204" pitchFamily="50" charset="-128"/>
+              </a:rPr>
+              <a:t>vectorizer.transform</a:t>
             </a:r>
             <a:r>
               <a:rPr kumimoji="1" lang="en-US" altLang="ja-JP" sz="2400" dirty="0">
                 <a:latin typeface="メイリオ" panose="020B0604030504040204" pitchFamily="50" charset="-128"/>
                 <a:ea typeface="メイリオ" panose="020B0604030504040204" pitchFamily="50" charset="-128"/>
               </a:rPr>
-              <a:t>&gt;</a:t>
+              <a:t>(texts)  # &lt;3&gt;</a:t>
             </a:r>
             <a:endParaRPr kumimoji="1" lang="ja-JP" altLang="en-US" sz="2400" dirty="0">
               <a:latin typeface="メイリオ" panose="020B0604030504040204" pitchFamily="50" charset="-128"/>
@@ -12073,10 +12580,155 @@
           </a:p>
         </p:txBody>
       </p:sp>
+      <p:sp>
+        <p:nvSpPr>
+          <p:cNvPr id="4" name="テキスト ボックス 3">
+            <a:extLst>
+              <a:ext uri="{FF2B5EF4-FFF2-40B4-BE49-F238E27FC236}">
+                <a16:creationId xmlns:a16="http://schemas.microsoft.com/office/drawing/2014/main" id="{223AEDCC-6529-FD4B-7A1D-1F896D626868}"/>
+              </a:ext>
+            </a:extLst>
+          </p:cNvPr>
+          <p:cNvSpPr txBox="1"/>
+          <p:nvPr/>
+        </p:nvSpPr>
+        <p:spPr>
+          <a:xfrm>
+            <a:off x="396647" y="1343368"/>
+            <a:ext cx="10350911" cy="830997"/>
+          </a:xfrm>
+          <a:prstGeom prst="rect">
+            <a:avLst/>
+          </a:prstGeom>
+          <a:noFill/>
+        </p:spPr>
+        <p:txBody>
+          <a:bodyPr wrap="none" rtlCol="0">
+            <a:spAutoFit/>
+          </a:bodyPr>
+          <a:lstStyle/>
+          <a:p>
+            <a:pPr marL="457200" indent="-457200" algn="l">
+              <a:buFont typeface="+mj-lt"/>
+              <a:buAutoNum type="arabicPeriod"/>
+            </a:pPr>
+            <a:r>
+              <a:rPr kumimoji="1" lang="en-US" altLang="ja-JP" sz="2400" dirty="0" err="1">
+                <a:latin typeface="メイリオ" panose="020B0604030504040204" pitchFamily="50" charset="-128"/>
+                <a:ea typeface="メイリオ" panose="020B0604030504040204" pitchFamily="50" charset="-128"/>
+              </a:rPr>
+              <a:t>BoW</a:t>
+            </a:r>
+            <a:r>
+              <a:rPr kumimoji="1" lang="ja-JP" altLang="en-US" sz="2400" dirty="0">
+                <a:latin typeface="メイリオ" panose="020B0604030504040204" pitchFamily="50" charset="-128"/>
+                <a:ea typeface="メイリオ" panose="020B0604030504040204" pitchFamily="50" charset="-128"/>
+              </a:rPr>
+              <a:t>を素手でプログラミングすると面倒</a:t>
+            </a:r>
+            <a:endParaRPr kumimoji="1" lang="en-US" altLang="ja-JP" sz="2400" dirty="0">
+              <a:latin typeface="メイリオ" panose="020B0604030504040204" pitchFamily="50" charset="-128"/>
+              <a:ea typeface="メイリオ" panose="020B0604030504040204" pitchFamily="50" charset="-128"/>
+            </a:endParaRPr>
+          </a:p>
+          <a:p>
+            <a:pPr marL="457200" indent="-457200" algn="l">
+              <a:buFont typeface="+mj-lt"/>
+              <a:buAutoNum type="arabicPeriod"/>
+            </a:pPr>
+            <a:r>
+              <a:rPr kumimoji="1" lang="ja-JP" altLang="en-US" sz="2400" dirty="0">
+                <a:latin typeface="メイリオ" panose="020B0604030504040204" pitchFamily="50" charset="-128"/>
+                <a:ea typeface="メイリオ" panose="020B0604030504040204" pitchFamily="50" charset="-128"/>
+              </a:rPr>
+              <a:t>形態素解析＋</a:t>
+            </a:r>
+            <a:r>
+              <a:rPr kumimoji="1" lang="en-US" altLang="ja-JP" sz="2400" dirty="0" err="1">
+                <a:latin typeface="メイリオ" panose="020B0604030504040204" pitchFamily="50" charset="-128"/>
+                <a:ea typeface="メイリオ" panose="020B0604030504040204" pitchFamily="50" charset="-128"/>
+              </a:rPr>
+              <a:t>BoW</a:t>
+            </a:r>
+            <a:r>
+              <a:rPr kumimoji="1" lang="ja-JP" altLang="en-US" sz="2400" dirty="0">
+                <a:latin typeface="メイリオ" panose="020B0604030504040204" pitchFamily="50" charset="-128"/>
+                <a:ea typeface="メイリオ" panose="020B0604030504040204" pitchFamily="50" charset="-128"/>
+              </a:rPr>
+              <a:t>辞書作成＋</a:t>
+            </a:r>
+            <a:r>
+              <a:rPr kumimoji="1" lang="en-US" altLang="ja-JP" sz="2400" dirty="0" err="1">
+                <a:latin typeface="メイリオ" panose="020B0604030504040204" pitchFamily="50" charset="-128"/>
+                <a:ea typeface="メイリオ" panose="020B0604030504040204" pitchFamily="50" charset="-128"/>
+              </a:rPr>
+              <a:t>BoW</a:t>
+            </a:r>
+            <a:r>
+              <a:rPr kumimoji="1" lang="ja-JP" altLang="en-US" sz="2400" dirty="0">
+                <a:latin typeface="メイリオ" panose="020B0604030504040204" pitchFamily="50" charset="-128"/>
+                <a:ea typeface="メイリオ" panose="020B0604030504040204" pitchFamily="50" charset="-128"/>
+              </a:rPr>
+              <a:t>データ作成　を一度にやってくれる</a:t>
+            </a:r>
+          </a:p>
+        </p:txBody>
+      </p:sp>
+      <p:sp>
+        <p:nvSpPr>
+          <p:cNvPr id="3" name="テキスト ボックス 2">
+            <a:extLst>
+              <a:ext uri="{FF2B5EF4-FFF2-40B4-BE49-F238E27FC236}">
+                <a16:creationId xmlns:a16="http://schemas.microsoft.com/office/drawing/2014/main" id="{B5610F0E-224B-E790-F716-70DF33D98D34}"/>
+              </a:ext>
+            </a:extLst>
+          </p:cNvPr>
+          <p:cNvSpPr txBox="1"/>
+          <p:nvPr/>
+        </p:nvSpPr>
+        <p:spPr>
+          <a:xfrm>
+            <a:off x="396647" y="866528"/>
+            <a:ext cx="8228406" cy="646331"/>
+          </a:xfrm>
+          <a:prstGeom prst="rect">
+            <a:avLst/>
+          </a:prstGeom>
+          <a:noFill/>
+        </p:spPr>
+        <p:txBody>
+          <a:bodyPr wrap="none" rtlCol="0">
+            <a:spAutoFit/>
+          </a:bodyPr>
+          <a:lstStyle/>
+          <a:p>
+            <a:pPr algn="l"/>
+            <a:r>
+              <a:rPr kumimoji="1" lang="en-US" altLang="ja-JP" dirty="0">
+                <a:latin typeface="メイリオ" panose="020B0604030504040204" pitchFamily="50" charset="-128"/>
+                <a:ea typeface="メイリオ" panose="020B0604030504040204" pitchFamily="50" charset="-128"/>
+                <a:hlinkClick r:id="rId2"/>
+              </a:rPr>
+              <a:t>https://github.com/ueharaLab/NLP3_BoW/blob/main/BoW_coding.md</a:t>
+            </a:r>
+            <a:endParaRPr kumimoji="1" lang="en-US" altLang="ja-JP" dirty="0">
+              <a:latin typeface="メイリオ" panose="020B0604030504040204" pitchFamily="50" charset="-128"/>
+              <a:ea typeface="メイリオ" panose="020B0604030504040204" pitchFamily="50" charset="-128"/>
+            </a:endParaRPr>
+          </a:p>
+          <a:p>
+            <a:pPr algn="l"/>
+            <a:endParaRPr kumimoji="1" lang="ja-JP" altLang="en-US" dirty="0">
+              <a:latin typeface="メイリオ" panose="020B0604030504040204" pitchFamily="50" charset="-128"/>
+              <a:ea typeface="メイリオ" panose="020B0604030504040204" pitchFamily="50" charset="-128"/>
+            </a:endParaRPr>
+          </a:p>
+        </p:txBody>
+      </p:sp>
     </p:spTree>
     <p:extLst>
       <p:ext uri="{BB962C8B-B14F-4D97-AF65-F5344CB8AC3E}">
-        <p14:creationId xmlns:p14="http://schemas.microsoft.com/office/powerpoint/2010/main" val="907717131"/>
+        <p14:creationId xmlns:p14="http://schemas.microsoft.com/office/powerpoint/2010/main" val="3142995690"/>
       </p:ext>
     </p:extLst>
   </p:cSld>
@@ -12105,10 +12757,10 @@
       </p:grpSpPr>
       <p:sp>
         <p:nvSpPr>
-          <p:cNvPr id="2" name="テキスト ボックス 1">
+          <p:cNvPr id="3" name="テキスト ボックス 2">
             <a:extLst>
               <a:ext uri="{FF2B5EF4-FFF2-40B4-BE49-F238E27FC236}">
-                <a16:creationId xmlns:a16="http://schemas.microsoft.com/office/drawing/2014/main" id="{249ABFF1-0240-20F9-57C0-41EC41CB0FD2}"/>
+                <a16:creationId xmlns:a16="http://schemas.microsoft.com/office/drawing/2014/main" id="{F15C7C95-1F5A-4756-B2D8-2D0434A67D22}"/>
               </a:ext>
             </a:extLst>
           </p:cNvPr>
@@ -12117,8 +12769,8 @@
         </p:nvSpPr>
         <p:spPr>
           <a:xfrm>
-            <a:off x="337032" y="537129"/>
-            <a:ext cx="3166251" cy="584775"/>
+            <a:off x="1094171" y="1494122"/>
+            <a:ext cx="10795987" cy="646331"/>
           </a:xfrm>
           <a:prstGeom prst="rect">
             <a:avLst/>
@@ -12126,35 +12778,24 @@
           <a:noFill/>
         </p:spPr>
         <p:txBody>
-          <a:bodyPr wrap="none" rtlCol="0">
+          <a:bodyPr wrap="square">
             <a:spAutoFit/>
           </a:bodyPr>
           <a:lstStyle/>
           <a:p>
-            <a:pPr algn="l"/>
-            <a:r>
-              <a:rPr kumimoji="1" lang="en-US" altLang="ja-JP" sz="3200" dirty="0" err="1">
-                <a:latin typeface="メイリオ" panose="020B0604030504040204" pitchFamily="50" charset="-128"/>
-                <a:ea typeface="メイリオ" panose="020B0604030504040204" pitchFamily="50" charset="-128"/>
-              </a:rPr>
-              <a:t>BoW</a:t>
-            </a:r>
-            <a:r>
-              <a:rPr kumimoji="1" lang="ja-JP" altLang="en-US" sz="3200" dirty="0">
-                <a:latin typeface="メイリオ" panose="020B0604030504040204" pitchFamily="50" charset="-128"/>
-                <a:ea typeface="メイリオ" panose="020B0604030504040204" pitchFamily="50" charset="-128"/>
-              </a:rPr>
-              <a:t>を比較する</a:t>
-            </a:r>
-          </a:p>
-        </p:txBody>
-      </p:sp>
-      <p:sp>
-        <p:nvSpPr>
-          <p:cNvPr id="3" name="テキスト ボックス 2">
+            <a:r>
+              <a:rPr lang="ja-JP" altLang="en-US" dirty="0"/>
+              <a:t>{'私': 13, 'は': 7, 'の': 6, 'こと': 3, 'が': 2, '好き': 9, 'な': 5, 'あなた': 1, 'です': 4, 'ラーメン': 8, '。': 0, '富士山': 10, '日本一': 12, '高い': 14, '山': 11}</a:t>
+            </a:r>
+          </a:p>
+        </p:txBody>
+      </p:sp>
+      <p:sp>
+        <p:nvSpPr>
+          <p:cNvPr id="5" name="テキスト ボックス 4">
             <a:extLst>
               <a:ext uri="{FF2B5EF4-FFF2-40B4-BE49-F238E27FC236}">
-                <a16:creationId xmlns:a16="http://schemas.microsoft.com/office/drawing/2014/main" id="{32B25E52-B1EE-0D28-9969-B1D8A85597C4}"/>
+                <a16:creationId xmlns:a16="http://schemas.microsoft.com/office/drawing/2014/main" id="{A3C51ABD-5C1B-4925-841F-3C8B50C5110E}"/>
               </a:ext>
             </a:extLst>
           </p:cNvPr>
@@ -12163,8 +12804,8 @@
         </p:nvSpPr>
         <p:spPr>
           <a:xfrm>
-            <a:off x="337032" y="1121904"/>
-            <a:ext cx="11296168" cy="830997"/>
+            <a:off x="3951028" y="2786784"/>
+            <a:ext cx="1906479" cy="6186309"/>
           </a:xfrm>
           <a:prstGeom prst="rect">
             <a:avLst/>
@@ -12172,98 +12813,150 @@
           <a:noFill/>
         </p:spPr>
         <p:txBody>
-          <a:bodyPr wrap="square" rtlCol="0">
+          <a:bodyPr wrap="square">
             <a:spAutoFit/>
           </a:bodyPr>
           <a:lstStyle/>
           <a:p>
-            <a:pPr algn="l"/>
-            <a:r>
-              <a:rPr kumimoji="1" lang="ja-JP" altLang="en-US" sz="2400" dirty="0">
-                <a:latin typeface="メイリオ" panose="020B0604030504040204" pitchFamily="50" charset="-128"/>
-                <a:ea typeface="メイリオ" panose="020B0604030504040204" pitchFamily="50" charset="-128"/>
-              </a:rPr>
-              <a:t>素手で書いた</a:t>
-            </a:r>
-            <a:r>
-              <a:rPr kumimoji="1" lang="en-US" altLang="ja-JP" sz="2400" dirty="0" err="1">
-                <a:latin typeface="メイリオ" panose="020B0604030504040204" pitchFamily="50" charset="-128"/>
-                <a:ea typeface="メイリオ" panose="020B0604030504040204" pitchFamily="50" charset="-128"/>
-              </a:rPr>
-              <a:t>BoW</a:t>
-            </a:r>
-            <a:r>
-              <a:rPr kumimoji="1" lang="ja-JP" altLang="en-US" sz="2400" dirty="0">
-                <a:latin typeface="メイリオ" panose="020B0604030504040204" pitchFamily="50" charset="-128"/>
-                <a:ea typeface="メイリオ" panose="020B0604030504040204" pitchFamily="50" charset="-128"/>
-              </a:rPr>
-              <a:t>プログラムの出力</a:t>
-            </a:r>
-            <a:r>
-              <a:rPr kumimoji="1" lang="en-US" altLang="ja-JP" sz="2400" dirty="0">
-                <a:latin typeface="メイリオ" panose="020B0604030504040204" pitchFamily="50" charset="-128"/>
-                <a:ea typeface="メイリオ" panose="020B0604030504040204" pitchFamily="50" charset="-128"/>
-              </a:rPr>
-              <a:t>(tsukurepo_bow.csv</a:t>
-            </a:r>
-            <a:r>
-              <a:rPr kumimoji="1" lang="ja-JP" altLang="en-US" sz="2400" dirty="0">
-                <a:latin typeface="メイリオ" panose="020B0604030504040204" pitchFamily="50" charset="-128"/>
-                <a:ea typeface="メイリオ" panose="020B0604030504040204" pitchFamily="50" charset="-128"/>
-              </a:rPr>
-              <a:t>と、</a:t>
-            </a:r>
-            <a:r>
-              <a:rPr kumimoji="1" lang="en-US" altLang="ja-JP" sz="2400" dirty="0" err="1">
-                <a:latin typeface="メイリオ" panose="020B0604030504040204" pitchFamily="50" charset="-128"/>
-                <a:ea typeface="メイリオ" panose="020B0604030504040204" pitchFamily="50" charset="-128"/>
-              </a:rPr>
-              <a:t>countVectorizer</a:t>
-            </a:r>
-            <a:r>
-              <a:rPr kumimoji="1" lang="ja-JP" altLang="en-US" sz="2400" dirty="0">
-                <a:latin typeface="メイリオ" panose="020B0604030504040204" pitchFamily="50" charset="-128"/>
-                <a:ea typeface="メイリオ" panose="020B0604030504040204" pitchFamily="50" charset="-128"/>
-              </a:rPr>
-              <a:t>による</a:t>
-            </a:r>
-            <a:r>
-              <a:rPr kumimoji="1" lang="en-US" altLang="ja-JP" sz="2400" dirty="0" err="1">
-                <a:latin typeface="メイリオ" panose="020B0604030504040204" pitchFamily="50" charset="-128"/>
-                <a:ea typeface="メイリオ" panose="020B0604030504040204" pitchFamily="50" charset="-128"/>
-              </a:rPr>
-              <a:t>BoW</a:t>
-            </a:r>
-            <a:r>
-              <a:rPr kumimoji="1" lang="ja-JP" altLang="en-US" sz="2400" dirty="0">
-                <a:latin typeface="メイリオ" panose="020B0604030504040204" pitchFamily="50" charset="-128"/>
-                <a:ea typeface="メイリオ" panose="020B0604030504040204" pitchFamily="50" charset="-128"/>
-              </a:rPr>
-              <a:t>プログラムの出力</a:t>
-            </a:r>
-            <a:r>
-              <a:rPr kumimoji="1" lang="en-US" altLang="ja-JP" sz="2400" dirty="0">
-                <a:latin typeface="メイリオ" panose="020B0604030504040204" pitchFamily="50" charset="-128"/>
-                <a:ea typeface="メイリオ" panose="020B0604030504040204" pitchFamily="50" charset="-128"/>
-              </a:rPr>
-              <a:t>(tsukurepo_bow_vectorizer.csv)</a:t>
-            </a:r>
-            <a:r>
-              <a:rPr kumimoji="1" lang="ja-JP" altLang="en-US" sz="2400" dirty="0">
-                <a:latin typeface="メイリオ" panose="020B0604030504040204" pitchFamily="50" charset="-128"/>
-                <a:ea typeface="メイリオ" panose="020B0604030504040204" pitchFamily="50" charset="-128"/>
-              </a:rPr>
-              <a:t>を比較する</a:t>
-            </a:r>
-          </a:p>
-        </p:txBody>
-      </p:sp>
-      <p:sp>
-        <p:nvSpPr>
-          <p:cNvPr id="9" name="テキスト ボックス 8">
+            <a:r>
+              <a:rPr lang="ja-JP" altLang="en-US" dirty="0"/>
+              <a:t>  (0, 1)        1</a:t>
+            </a:r>
+          </a:p>
+          <a:p>
+            <a:r>
+              <a:rPr lang="ja-JP" altLang="en-US" dirty="0"/>
+              <a:t>  (0, 2)        2</a:t>
+            </a:r>
+          </a:p>
+          <a:p>
+            <a:r>
+              <a:rPr lang="ja-JP" altLang="en-US" dirty="0"/>
+              <a:t>  (0, 3)        1</a:t>
+            </a:r>
+          </a:p>
+          <a:p>
+            <a:r>
+              <a:rPr lang="ja-JP" altLang="en-US" dirty="0"/>
+              <a:t>  (0, 4)        1</a:t>
+            </a:r>
+          </a:p>
+          <a:p>
+            <a:r>
+              <a:rPr lang="ja-JP" altLang="en-US" dirty="0"/>
+              <a:t>  (0, 5)        1</a:t>
+            </a:r>
+          </a:p>
+          <a:p>
+            <a:r>
+              <a:rPr lang="ja-JP" altLang="en-US" dirty="0"/>
+              <a:t>  (0, 6)        1</a:t>
+            </a:r>
+          </a:p>
+          <a:p>
+            <a:r>
+              <a:rPr lang="ja-JP" altLang="en-US" dirty="0"/>
+              <a:t>  (0, 7)        1</a:t>
+            </a:r>
+          </a:p>
+          <a:p>
+            <a:r>
+              <a:rPr lang="ja-JP" altLang="en-US" dirty="0"/>
+              <a:t>  (0, 9)        2</a:t>
+            </a:r>
+          </a:p>
+          <a:p>
+            <a:r>
+              <a:rPr lang="ja-JP" altLang="en-US" dirty="0"/>
+              <a:t>  (0, 13)       2</a:t>
+            </a:r>
+          </a:p>
+          <a:p>
+            <a:r>
+              <a:rPr lang="ja-JP" altLang="en-US" dirty="0"/>
+              <a:t>  (1, 0)        1</a:t>
+            </a:r>
+          </a:p>
+          <a:p>
+            <a:r>
+              <a:rPr lang="ja-JP" altLang="en-US" dirty="0"/>
+              <a:t>  (1, 2)        1</a:t>
+            </a:r>
+          </a:p>
+          <a:p>
+            <a:r>
+              <a:rPr lang="ja-JP" altLang="en-US" dirty="0"/>
+              <a:t>  (1, 4)        1</a:t>
+            </a:r>
+          </a:p>
+          <a:p>
+            <a:r>
+              <a:rPr lang="ja-JP" altLang="en-US" dirty="0"/>
+              <a:t>  (1, 7)        1</a:t>
+            </a:r>
+          </a:p>
+          <a:p>
+            <a:r>
+              <a:rPr lang="ja-JP" altLang="en-US" dirty="0"/>
+              <a:t>  (1, 8)        1</a:t>
+            </a:r>
+          </a:p>
+          <a:p>
+            <a:r>
+              <a:rPr lang="ja-JP" altLang="en-US" dirty="0"/>
+              <a:t>  (1, 9)        1</a:t>
+            </a:r>
+          </a:p>
+          <a:p>
+            <a:r>
+              <a:rPr lang="ja-JP" altLang="en-US" dirty="0"/>
+              <a:t>  (1, 13)       1</a:t>
+            </a:r>
+          </a:p>
+          <a:p>
+            <a:r>
+              <a:rPr lang="ja-JP" altLang="en-US" dirty="0"/>
+              <a:t>  (2, 4)        1</a:t>
+            </a:r>
+          </a:p>
+          <a:p>
+            <a:r>
+              <a:rPr lang="ja-JP" altLang="en-US" dirty="0"/>
+              <a:t>  (2, 7)        1</a:t>
+            </a:r>
+          </a:p>
+          <a:p>
+            <a:r>
+              <a:rPr lang="ja-JP" altLang="en-US" dirty="0"/>
+              <a:t>  (2, 10)       1</a:t>
+            </a:r>
+          </a:p>
+          <a:p>
+            <a:r>
+              <a:rPr lang="ja-JP" altLang="en-US" dirty="0"/>
+              <a:t>  (2, 11)       1</a:t>
+            </a:r>
+          </a:p>
+          <a:p>
+            <a:r>
+              <a:rPr lang="ja-JP" altLang="en-US" dirty="0"/>
+              <a:t>  (2, 12)       1</a:t>
+            </a:r>
+          </a:p>
+          <a:p>
+            <a:r>
+              <a:rPr lang="ja-JP" altLang="en-US" dirty="0"/>
+              <a:t>  (2, 14)       1</a:t>
+            </a:r>
+          </a:p>
+        </p:txBody>
+      </p:sp>
+      <p:sp>
+        <p:nvSpPr>
+          <p:cNvPr id="6" name="テキスト ボックス 5">
             <a:extLst>
               <a:ext uri="{FF2B5EF4-FFF2-40B4-BE49-F238E27FC236}">
-                <a16:creationId xmlns:a16="http://schemas.microsoft.com/office/drawing/2014/main" id="{661EAE12-C60F-5B29-E22F-21D51C33C5F0}"/>
+                <a16:creationId xmlns:a16="http://schemas.microsoft.com/office/drawing/2014/main" id="{0B886659-2B91-4D70-92B4-BEA8E7A2EF5F}"/>
               </a:ext>
             </a:extLst>
           </p:cNvPr>
@@ -12272,8 +12965,8 @@
         </p:nvSpPr>
         <p:spPr>
           <a:xfrm>
-            <a:off x="914400" y="2367280"/>
-            <a:ext cx="10718800" cy="2677656"/>
+            <a:off x="1601714" y="338476"/>
+            <a:ext cx="7270260" cy="523220"/>
           </a:xfrm>
           <a:prstGeom prst="rect">
             <a:avLst/>
@@ -12281,174 +12974,35 @@
           <a:noFill/>
         </p:spPr>
         <p:txBody>
-          <a:bodyPr wrap="square" rtlCol="0">
+          <a:bodyPr wrap="none" rtlCol="0">
             <a:spAutoFit/>
           </a:bodyPr>
           <a:lstStyle/>
           <a:p>
-            <a:pPr marL="457200" indent="-457200" algn="l">
-              <a:buFont typeface="+mj-lt"/>
-              <a:buAutoNum type="arabicPeriod"/>
-            </a:pPr>
-            <a:r>
-              <a:rPr kumimoji="1" lang="en-US" altLang="ja-JP" sz="2400" dirty="0" err="1">
-                <a:latin typeface="メイリオ" panose="020B0604030504040204" pitchFamily="50" charset="-128"/>
-                <a:ea typeface="メイリオ" panose="020B0604030504040204" pitchFamily="50" charset="-128"/>
-              </a:rPr>
-              <a:t>BoW</a:t>
-            </a:r>
-            <a:r>
-              <a:rPr kumimoji="1" lang="ja-JP" altLang="en-US" sz="2400" dirty="0">
-                <a:latin typeface="メイリオ" panose="020B0604030504040204" pitchFamily="50" charset="-128"/>
-                <a:ea typeface="メイリオ" panose="020B0604030504040204" pitchFamily="50" charset="-128"/>
-              </a:rPr>
-              <a:t>の辞書（見出し）は同一になっている</a:t>
-            </a:r>
-            <a:endParaRPr kumimoji="1" lang="en-US" altLang="ja-JP" sz="2400" dirty="0">
-              <a:latin typeface="メイリオ" panose="020B0604030504040204" pitchFamily="50" charset="-128"/>
-              <a:ea typeface="メイリオ" panose="020B0604030504040204" pitchFamily="50" charset="-128"/>
-            </a:endParaRPr>
-          </a:p>
-          <a:p>
             <a:pPr algn="l"/>
             <a:r>
-              <a:rPr kumimoji="1" lang="ja-JP" altLang="en-US" sz="2400" dirty="0">
-                <a:latin typeface="メイリオ" panose="020B0604030504040204" pitchFamily="50" charset="-128"/>
-                <a:ea typeface="メイリオ" panose="020B0604030504040204" pitchFamily="50" charset="-128"/>
-              </a:rPr>
-              <a:t>　</a:t>
-            </a:r>
-            <a:r>
-              <a:rPr kumimoji="1" lang="ja-JP" altLang="en-US" dirty="0">
-                <a:latin typeface="メイリオ" panose="020B0604030504040204" pitchFamily="50" charset="-128"/>
-                <a:ea typeface="メイリオ" panose="020B0604030504040204" pitchFamily="50" charset="-128"/>
-              </a:rPr>
-              <a:t>（</a:t>
-            </a:r>
-            <a:r>
-              <a:rPr kumimoji="1" lang="en-US" altLang="ja-JP" dirty="0" err="1">
-                <a:latin typeface="メイリオ" panose="020B0604030504040204" pitchFamily="50" charset="-128"/>
-                <a:ea typeface="メイリオ" panose="020B0604030504040204" pitchFamily="50" charset="-128"/>
-              </a:rPr>
-              <a:t>countVectorizer</a:t>
-            </a:r>
-            <a:r>
-              <a:rPr kumimoji="1" lang="ja-JP" altLang="en-US" dirty="0">
-                <a:latin typeface="メイリオ" panose="020B0604030504040204" pitchFamily="50" charset="-128"/>
-                <a:ea typeface="メイリオ" panose="020B0604030504040204" pitchFamily="50" charset="-128"/>
-              </a:rPr>
-              <a:t>では英文字を自動的に小文字に揃えるので、実際には</a:t>
-            </a:r>
-            <a:r>
-              <a:rPr kumimoji="1" lang="en-US" altLang="ja-JP" dirty="0">
-                <a:latin typeface="メイリオ" panose="020B0604030504040204" pitchFamily="50" charset="-128"/>
-                <a:ea typeface="メイリオ" panose="020B0604030504040204" pitchFamily="50" charset="-128"/>
-              </a:rPr>
-              <a:t>1</a:t>
-            </a:r>
-            <a:r>
-              <a:rPr kumimoji="1" lang="ja-JP" altLang="en-US" dirty="0">
-                <a:latin typeface="メイリオ" panose="020B0604030504040204" pitchFamily="50" charset="-128"/>
-                <a:ea typeface="メイリオ" panose="020B0604030504040204" pitchFamily="50" charset="-128"/>
-              </a:rPr>
-              <a:t>語だけ</a:t>
-            </a:r>
-            <a:r>
-              <a:rPr kumimoji="1" lang="en-US" altLang="ja-JP" dirty="0" err="1">
-                <a:latin typeface="メイリオ" panose="020B0604030504040204" pitchFamily="50" charset="-128"/>
-                <a:ea typeface="メイリオ" panose="020B0604030504040204" pitchFamily="50" charset="-128"/>
-              </a:rPr>
-              <a:t>countVectorizor</a:t>
-            </a:r>
-            <a:r>
-              <a:rPr kumimoji="1" lang="en-US" altLang="ja-JP" dirty="0">
-                <a:latin typeface="メイリオ" panose="020B0604030504040204" pitchFamily="50" charset="-128"/>
-                <a:ea typeface="メイリオ" panose="020B0604030504040204" pitchFamily="50" charset="-128"/>
-              </a:rPr>
-              <a:t> </a:t>
-            </a:r>
-          </a:p>
-          <a:p>
-            <a:pPr algn="l"/>
-            <a:r>
-              <a:rPr kumimoji="1" lang="en-US" altLang="ja-JP" dirty="0">
-                <a:latin typeface="メイリオ" panose="020B0604030504040204" pitchFamily="50" charset="-128"/>
-                <a:ea typeface="メイリオ" panose="020B0604030504040204" pitchFamily="50" charset="-128"/>
-              </a:rPr>
-              <a:t>        </a:t>
-            </a:r>
-            <a:r>
-              <a:rPr kumimoji="1" lang="ja-JP" altLang="en-US" dirty="0">
-                <a:latin typeface="メイリオ" panose="020B0604030504040204" pitchFamily="50" charset="-128"/>
-                <a:ea typeface="メイリオ" panose="020B0604030504040204" pitchFamily="50" charset="-128"/>
-              </a:rPr>
-              <a:t>によるプログラムの結果のほうが少ない）</a:t>
-            </a:r>
-            <a:endParaRPr kumimoji="1" lang="en-US" altLang="ja-JP" dirty="0">
-              <a:latin typeface="メイリオ" panose="020B0604030504040204" pitchFamily="50" charset="-128"/>
-              <a:ea typeface="メイリオ" panose="020B0604030504040204" pitchFamily="50" charset="-128"/>
-            </a:endParaRPr>
-          </a:p>
-          <a:p>
-            <a:pPr algn="l"/>
-            <a:endParaRPr kumimoji="1" lang="en-US" altLang="ja-JP" sz="2400" dirty="0">
-              <a:latin typeface="メイリオ" panose="020B0604030504040204" pitchFamily="50" charset="-128"/>
-              <a:ea typeface="メイリオ" panose="020B0604030504040204" pitchFamily="50" charset="-128"/>
-            </a:endParaRPr>
-          </a:p>
-          <a:p>
-            <a:pPr algn="l"/>
-            <a:r>
-              <a:rPr kumimoji="1" lang="en-US" altLang="ja-JP" sz="2400" dirty="0">
-                <a:latin typeface="メイリオ" panose="020B0604030504040204" pitchFamily="50" charset="-128"/>
-                <a:ea typeface="メイリオ" panose="020B0604030504040204" pitchFamily="50" charset="-128"/>
-              </a:rPr>
-              <a:t>2. </a:t>
-            </a:r>
-            <a:r>
-              <a:rPr kumimoji="1" lang="en-US" altLang="ja-JP" sz="2400" dirty="0" err="1">
-                <a:latin typeface="メイリオ" panose="020B0604030504040204" pitchFamily="50" charset="-128"/>
-                <a:ea typeface="メイリオ" panose="020B0604030504040204" pitchFamily="50" charset="-128"/>
-              </a:rPr>
-              <a:t>BoW</a:t>
-            </a:r>
-            <a:r>
-              <a:rPr kumimoji="1" lang="ja-JP" altLang="en-US" sz="2400" dirty="0">
-                <a:latin typeface="メイリオ" panose="020B0604030504040204" pitchFamily="50" charset="-128"/>
-                <a:ea typeface="メイリオ" panose="020B0604030504040204" pitchFamily="50" charset="-128"/>
-              </a:rPr>
-              <a:t>辞書の並び順が違う</a:t>
-            </a:r>
-          </a:p>
-          <a:p>
-            <a:pPr algn="l"/>
-            <a:r>
-              <a:rPr kumimoji="1" lang="ja-JP" altLang="en-US" sz="2400" dirty="0">
-                <a:latin typeface="メイリオ" panose="020B0604030504040204" pitchFamily="50" charset="-128"/>
-                <a:ea typeface="メイリオ" panose="020B0604030504040204" pitchFamily="50" charset="-128"/>
-              </a:rPr>
-              <a:t>    文書での出現順⇔かなカナ漢字の順番</a:t>
-            </a:r>
-            <a:endParaRPr kumimoji="1" lang="en-US" altLang="ja-JP" sz="2400" dirty="0">
-              <a:latin typeface="メイリオ" panose="020B0604030504040204" pitchFamily="50" charset="-128"/>
-              <a:ea typeface="メイリオ" panose="020B0604030504040204" pitchFamily="50" charset="-128"/>
-            </a:endParaRPr>
-          </a:p>
-          <a:p>
-            <a:pPr algn="l"/>
-            <a:endParaRPr kumimoji="1" lang="ja-JP" altLang="en-US" sz="2400" dirty="0">
-              <a:latin typeface="メイリオ" panose="020B0604030504040204" pitchFamily="50" charset="-128"/>
-              <a:ea typeface="メイリオ" panose="020B0604030504040204" pitchFamily="50" charset="-128"/>
-            </a:endParaRPr>
-          </a:p>
-        </p:txBody>
-      </p:sp>
-      <p:sp>
-        <p:nvSpPr>
-          <p:cNvPr id="10" name="テキスト ボックス 9">
+              <a:rPr kumimoji="1" lang="en-US" altLang="ja-JP" sz="2800" dirty="0" err="1">
+                <a:latin typeface="メイリオ" panose="020B0604030504040204" pitchFamily="50" charset="-128"/>
+                <a:ea typeface="メイリオ" panose="020B0604030504040204" pitchFamily="50" charset="-128"/>
+              </a:rPr>
+              <a:t>CountVectorizer</a:t>
+            </a:r>
+            <a:r>
+              <a:rPr kumimoji="1" lang="ja-JP" altLang="en-US" sz="2800" dirty="0">
+                <a:latin typeface="メイリオ" panose="020B0604030504040204" pitchFamily="50" charset="-128"/>
+                <a:ea typeface="メイリオ" panose="020B0604030504040204" pitchFamily="50" charset="-128"/>
+              </a:rPr>
+              <a:t>による辞書と特徴ベクトル</a:t>
+            </a:r>
+          </a:p>
+        </p:txBody>
+      </p:sp>
+      <p:sp>
+        <p:nvSpPr>
+          <p:cNvPr id="7" name="テキスト ボックス 6">
             <a:extLst>
               <a:ext uri="{FF2B5EF4-FFF2-40B4-BE49-F238E27FC236}">
-                <a16:creationId xmlns:a16="http://schemas.microsoft.com/office/drawing/2014/main" id="{D642A93A-477B-7EB9-0D47-BEE7B7930AFF}"/>
+                <a16:creationId xmlns:a16="http://schemas.microsoft.com/office/drawing/2014/main" id="{8C431B6D-0187-46B4-B651-C0498B8F9AB2}"/>
               </a:ext>
             </a:extLst>
           </p:cNvPr>
@@ -12457,8 +13011,8 @@
         </p:nvSpPr>
         <p:spPr>
           <a:xfrm>
-            <a:off x="528320" y="5766576"/>
-            <a:ext cx="6481903" cy="461665"/>
+            <a:off x="1023656" y="1089488"/>
+            <a:ext cx="4788490" cy="369332"/>
           </a:xfrm>
           <a:prstGeom prst="rect">
             <a:avLst/>
@@ -12473,33 +13027,598 @@
           <a:p>
             <a:pPr algn="l"/>
             <a:r>
+              <a:rPr kumimoji="1" lang="ja-JP" altLang="en-US" dirty="0">
+                <a:latin typeface="メイリオ" panose="020B0604030504040204" pitchFamily="50" charset="-128"/>
+                <a:ea typeface="メイリオ" panose="020B0604030504040204" pitchFamily="50" charset="-128"/>
+              </a:rPr>
+              <a:t>辞書</a:t>
+            </a:r>
+            <a:r>
+              <a:rPr kumimoji="1" lang="en-US" altLang="ja-JP" dirty="0">
+                <a:latin typeface="メイリオ" panose="020B0604030504040204" pitchFamily="50" charset="-128"/>
+                <a:ea typeface="メイリオ" panose="020B0604030504040204" pitchFamily="50" charset="-128"/>
+              </a:rPr>
+              <a:t>:</a:t>
+            </a:r>
+            <a:r>
+              <a:rPr kumimoji="1" lang="ja-JP" altLang="en-US" dirty="0">
+                <a:latin typeface="メイリオ" panose="020B0604030504040204" pitchFamily="50" charset="-128"/>
+                <a:ea typeface="メイリオ" panose="020B0604030504040204" pitchFamily="50" charset="-128"/>
+              </a:rPr>
+              <a:t>インデックス（</a:t>
+            </a:r>
+            <a:r>
+              <a:rPr kumimoji="1" lang="en-US" altLang="ja-JP" dirty="0" err="1">
+                <a:latin typeface="メイリオ" panose="020B0604030504040204" pitchFamily="50" charset="-128"/>
+                <a:ea typeface="メイリオ" panose="020B0604030504040204" pitchFamily="50" charset="-128"/>
+              </a:rPr>
+              <a:t>calc_bow</a:t>
+            </a:r>
+            <a:r>
+              <a:rPr kumimoji="1" lang="ja-JP" altLang="en-US" dirty="0">
+                <a:latin typeface="メイリオ" panose="020B0604030504040204" pitchFamily="50" charset="-128"/>
+                <a:ea typeface="メイリオ" panose="020B0604030504040204" pitchFamily="50" charset="-128"/>
+              </a:rPr>
+              <a:t>と同じ形式）</a:t>
+            </a:r>
+          </a:p>
+        </p:txBody>
+      </p:sp>
+      <p:sp>
+        <p:nvSpPr>
+          <p:cNvPr id="8" name="テキスト ボックス 7">
+            <a:extLst>
+              <a:ext uri="{FF2B5EF4-FFF2-40B4-BE49-F238E27FC236}">
+                <a16:creationId xmlns:a16="http://schemas.microsoft.com/office/drawing/2014/main" id="{59B79143-3AC4-4771-AA45-E627BB54F71B}"/>
+              </a:ext>
+            </a:extLst>
+          </p:cNvPr>
+          <p:cNvSpPr txBox="1"/>
+          <p:nvPr/>
+        </p:nvSpPr>
+        <p:spPr>
+          <a:xfrm>
+            <a:off x="1023656" y="2428629"/>
+            <a:ext cx="6575839" cy="369332"/>
+          </a:xfrm>
+          <a:prstGeom prst="rect">
+            <a:avLst/>
+          </a:prstGeom>
+          <a:noFill/>
+        </p:spPr>
+        <p:txBody>
+          <a:bodyPr wrap="none" rtlCol="0">
+            <a:spAutoFit/>
+          </a:bodyPr>
+          <a:lstStyle/>
+          <a:p>
+            <a:pPr algn="l"/>
+            <a:r>
+              <a:rPr kumimoji="1" lang="ja-JP" altLang="en-US" dirty="0">
+                <a:latin typeface="メイリオ" panose="020B0604030504040204" pitchFamily="50" charset="-128"/>
+                <a:ea typeface="メイリオ" panose="020B0604030504040204" pitchFamily="50" charset="-128"/>
+              </a:rPr>
+              <a:t>特徴ベクトル　：　（文書番号（行）</a:t>
+            </a:r>
+            <a:r>
+              <a:rPr kumimoji="1" lang="en-US" altLang="ja-JP" dirty="0">
+                <a:latin typeface="メイリオ" panose="020B0604030504040204" pitchFamily="50" charset="-128"/>
+                <a:ea typeface="メイリオ" panose="020B0604030504040204" pitchFamily="50" charset="-128"/>
+              </a:rPr>
+              <a:t>, </a:t>
+            </a:r>
+            <a:r>
+              <a:rPr kumimoji="1" lang="ja-JP" altLang="en-US" dirty="0">
+                <a:latin typeface="メイリオ" panose="020B0604030504040204" pitchFamily="50" charset="-128"/>
+                <a:ea typeface="メイリオ" panose="020B0604030504040204" pitchFamily="50" charset="-128"/>
+              </a:rPr>
+              <a:t>インデックス）　頻度</a:t>
+            </a:r>
+          </a:p>
+        </p:txBody>
+      </p:sp>
+      <p:sp>
+        <p:nvSpPr>
+          <p:cNvPr id="9" name="テキスト ボックス 8">
+            <a:extLst>
+              <a:ext uri="{FF2B5EF4-FFF2-40B4-BE49-F238E27FC236}">
+                <a16:creationId xmlns:a16="http://schemas.microsoft.com/office/drawing/2014/main" id="{722AE1DC-B6F8-431B-9C4E-66C44A6FDFB3}"/>
+              </a:ext>
+            </a:extLst>
+          </p:cNvPr>
+          <p:cNvSpPr txBox="1"/>
+          <p:nvPr/>
+        </p:nvSpPr>
+        <p:spPr>
+          <a:xfrm rot="5400000">
+            <a:off x="2300212" y="3802446"/>
+            <a:ext cx="2655301" cy="646331"/>
+          </a:xfrm>
+          <a:prstGeom prst="rect">
+            <a:avLst/>
+          </a:prstGeom>
+          <a:noFill/>
+        </p:spPr>
+        <p:txBody>
+          <a:bodyPr wrap="square" rtlCol="0">
+            <a:spAutoFit/>
+          </a:bodyPr>
+          <a:lstStyle/>
+          <a:p>
+            <a:pPr algn="l"/>
+            <a:r>
+              <a:rPr kumimoji="1" lang="en-US" altLang="ja-JP" dirty="0">
+                <a:latin typeface="メイリオ" panose="020B0604030504040204" pitchFamily="50" charset="-128"/>
+                <a:ea typeface="メイリオ" panose="020B0604030504040204" pitchFamily="50" charset="-128"/>
+              </a:rPr>
+              <a:t>'</a:t>
+            </a:r>
+            <a:r>
+              <a:rPr kumimoji="1" lang="ja-JP" altLang="en-US" dirty="0">
+                <a:latin typeface="メイリオ" panose="020B0604030504040204" pitchFamily="50" charset="-128"/>
+                <a:ea typeface="メイリオ" panose="020B0604030504040204" pitchFamily="50" charset="-128"/>
+              </a:rPr>
+              <a:t>私は私のことが好きなあなたが好きです</a:t>
+            </a:r>
+            <a:r>
+              <a:rPr kumimoji="1" lang="en-US" altLang="ja-JP" dirty="0">
+                <a:latin typeface="メイリオ" panose="020B0604030504040204" pitchFamily="50" charset="-128"/>
+                <a:ea typeface="メイリオ" panose="020B0604030504040204" pitchFamily="50" charset="-128"/>
+              </a:rPr>
+              <a:t>'</a:t>
+            </a:r>
+            <a:endParaRPr kumimoji="1" lang="ja-JP" altLang="en-US" dirty="0">
+              <a:latin typeface="メイリオ" panose="020B0604030504040204" pitchFamily="50" charset="-128"/>
+              <a:ea typeface="メイリオ" panose="020B0604030504040204" pitchFamily="50" charset="-128"/>
+            </a:endParaRPr>
+          </a:p>
+        </p:txBody>
+      </p:sp>
+      <p:sp>
+        <p:nvSpPr>
+          <p:cNvPr id="10" name="テキスト ボックス 9">
+            <a:extLst>
+              <a:ext uri="{FF2B5EF4-FFF2-40B4-BE49-F238E27FC236}">
+                <a16:creationId xmlns:a16="http://schemas.microsoft.com/office/drawing/2014/main" id="{25243ECD-1992-47C3-BA6A-738B37D6C441}"/>
+              </a:ext>
+            </a:extLst>
+          </p:cNvPr>
+          <p:cNvSpPr txBox="1"/>
+          <p:nvPr/>
+        </p:nvSpPr>
+        <p:spPr>
+          <a:xfrm rot="5400000">
+            <a:off x="2674622" y="5912929"/>
+            <a:ext cx="1906480" cy="646331"/>
+          </a:xfrm>
+          <a:prstGeom prst="rect">
+            <a:avLst/>
+          </a:prstGeom>
+          <a:noFill/>
+        </p:spPr>
+        <p:txBody>
+          <a:bodyPr wrap="square" rtlCol="0">
+            <a:spAutoFit/>
+          </a:bodyPr>
+          <a:lstStyle/>
+          <a:p>
+            <a:pPr algn="l"/>
+            <a:r>
+              <a:rPr kumimoji="1" lang="en-US" altLang="ja-JP" dirty="0">
+                <a:latin typeface="メイリオ" panose="020B0604030504040204" pitchFamily="50" charset="-128"/>
+                <a:ea typeface="メイリオ" panose="020B0604030504040204" pitchFamily="50" charset="-128"/>
+              </a:rPr>
+              <a:t>'</a:t>
+            </a:r>
+            <a:r>
+              <a:rPr kumimoji="1" lang="ja-JP" altLang="en-US" dirty="0">
+                <a:latin typeface="メイリオ" panose="020B0604030504040204" pitchFamily="50" charset="-128"/>
+                <a:ea typeface="メイリオ" panose="020B0604030504040204" pitchFamily="50" charset="-128"/>
+              </a:rPr>
+              <a:t>私はラーメンが好きです。</a:t>
+            </a:r>
+            <a:r>
+              <a:rPr kumimoji="1" lang="en-US" altLang="ja-JP" dirty="0">
+                <a:latin typeface="メイリオ" panose="020B0604030504040204" pitchFamily="50" charset="-128"/>
+                <a:ea typeface="メイリオ" panose="020B0604030504040204" pitchFamily="50" charset="-128"/>
+              </a:rPr>
+              <a:t>'</a:t>
+            </a:r>
+            <a:endParaRPr kumimoji="1" lang="ja-JP" altLang="en-US" dirty="0">
+              <a:latin typeface="メイリオ" panose="020B0604030504040204" pitchFamily="50" charset="-128"/>
+              <a:ea typeface="メイリオ" panose="020B0604030504040204" pitchFamily="50" charset="-128"/>
+            </a:endParaRPr>
+          </a:p>
+        </p:txBody>
+      </p:sp>
+      <p:sp>
+        <p:nvSpPr>
+          <p:cNvPr id="11" name="右中かっこ 10">
+            <a:extLst>
+              <a:ext uri="{FF2B5EF4-FFF2-40B4-BE49-F238E27FC236}">
+                <a16:creationId xmlns:a16="http://schemas.microsoft.com/office/drawing/2014/main" id="{3FFB6548-D927-48AF-AA10-B75BB4F8927E}"/>
+              </a:ext>
+            </a:extLst>
+          </p:cNvPr>
+          <p:cNvSpPr/>
+          <p:nvPr/>
+        </p:nvSpPr>
+        <p:spPr>
+          <a:xfrm>
+            <a:off x="5415379" y="2867487"/>
+            <a:ext cx="284085" cy="2317072"/>
+          </a:xfrm>
+          <a:prstGeom prst="rightBrace">
+            <a:avLst>
+              <a:gd name="adj1" fmla="val 30208"/>
+              <a:gd name="adj2" fmla="val 50000"/>
+            </a:avLst>
+          </a:prstGeom>
+        </p:spPr>
+        <p:style>
+          <a:lnRef idx="1">
+            <a:schemeClr val="accent1"/>
+          </a:lnRef>
+          <a:fillRef idx="0">
+            <a:schemeClr val="accent1"/>
+          </a:fillRef>
+          <a:effectRef idx="0">
+            <a:schemeClr val="accent1"/>
+          </a:effectRef>
+          <a:fontRef idx="minor">
+            <a:schemeClr val="tx1"/>
+          </a:fontRef>
+        </p:style>
+        <p:txBody>
+          <a:bodyPr rtlCol="0" anchor="ctr"/>
+          <a:lstStyle/>
+          <a:p>
+            <a:pPr algn="ctr"/>
+            <a:endParaRPr kumimoji="1" lang="ja-JP" altLang="en-US"/>
+          </a:p>
+        </p:txBody>
+      </p:sp>
+      <p:sp>
+        <p:nvSpPr>
+          <p:cNvPr id="12" name="テキスト ボックス 11">
+            <a:extLst>
+              <a:ext uri="{FF2B5EF4-FFF2-40B4-BE49-F238E27FC236}">
+                <a16:creationId xmlns:a16="http://schemas.microsoft.com/office/drawing/2014/main" id="{4956F9CC-A2AD-4BB5-A979-8FEDF4A355A0}"/>
+              </a:ext>
+            </a:extLst>
+          </p:cNvPr>
+          <p:cNvSpPr txBox="1"/>
+          <p:nvPr/>
+        </p:nvSpPr>
+        <p:spPr>
+          <a:xfrm>
+            <a:off x="5829081" y="3812530"/>
+            <a:ext cx="4424609" cy="646331"/>
+          </a:xfrm>
+          <a:prstGeom prst="rect">
+            <a:avLst/>
+          </a:prstGeom>
+          <a:noFill/>
+        </p:spPr>
+        <p:txBody>
+          <a:bodyPr wrap="none" rtlCol="0">
+            <a:spAutoFit/>
+          </a:bodyPr>
+          <a:lstStyle/>
+          <a:p>
+            <a:pPr algn="l"/>
+            <a:r>
+              <a:rPr kumimoji="1" lang="ja-JP" altLang="en-US" dirty="0">
+                <a:latin typeface="メイリオ" panose="020B0604030504040204" pitchFamily="50" charset="-128"/>
+                <a:ea typeface="メイリオ" panose="020B0604030504040204" pitchFamily="50" charset="-128"/>
+              </a:rPr>
+              <a:t>インデックス</a:t>
+            </a:r>
+            <a:r>
+              <a:rPr kumimoji="1" lang="en-US" altLang="ja-JP" dirty="0">
+                <a:latin typeface="メイリオ" panose="020B0604030504040204" pitchFamily="50" charset="-128"/>
+                <a:ea typeface="メイリオ" panose="020B0604030504040204" pitchFamily="50" charset="-128"/>
+              </a:rPr>
+              <a:t>8,10,11,12</a:t>
+            </a:r>
+            <a:r>
+              <a:rPr kumimoji="1" lang="ja-JP" altLang="en-US" dirty="0">
+                <a:latin typeface="メイリオ" panose="020B0604030504040204" pitchFamily="50" charset="-128"/>
+                <a:ea typeface="メイリオ" panose="020B0604030504040204" pitchFamily="50" charset="-128"/>
+              </a:rPr>
+              <a:t>が抜けている！</a:t>
+            </a:r>
+            <a:br>
+              <a:rPr kumimoji="1" lang="en-US" altLang="ja-JP" dirty="0">
+                <a:latin typeface="メイリオ" panose="020B0604030504040204" pitchFamily="50" charset="-128"/>
+                <a:ea typeface="メイリオ" panose="020B0604030504040204" pitchFamily="50" charset="-128"/>
+              </a:rPr>
+            </a:br>
+            <a:endParaRPr kumimoji="1" lang="ja-JP" altLang="en-US" dirty="0">
+              <a:latin typeface="メイリオ" panose="020B0604030504040204" pitchFamily="50" charset="-128"/>
+              <a:ea typeface="メイリオ" panose="020B0604030504040204" pitchFamily="50" charset="-128"/>
+            </a:endParaRPr>
+          </a:p>
+        </p:txBody>
+      </p:sp>
+      <p:sp>
+        <p:nvSpPr>
+          <p:cNvPr id="13" name="テキスト ボックス 12">
+            <a:extLst>
+              <a:ext uri="{FF2B5EF4-FFF2-40B4-BE49-F238E27FC236}">
+                <a16:creationId xmlns:a16="http://schemas.microsoft.com/office/drawing/2014/main" id="{2A862CBB-D376-4D4E-AFA5-DD019A302BC3}"/>
+              </a:ext>
+            </a:extLst>
+          </p:cNvPr>
+          <p:cNvSpPr txBox="1"/>
+          <p:nvPr/>
+        </p:nvSpPr>
+        <p:spPr>
+          <a:xfrm>
+            <a:off x="5917319" y="4141143"/>
+            <a:ext cx="2954655" cy="369332"/>
+          </a:xfrm>
+          <a:prstGeom prst="rect">
+            <a:avLst/>
+          </a:prstGeom>
+          <a:noFill/>
+        </p:spPr>
+        <p:txBody>
+          <a:bodyPr wrap="none" rtlCol="0">
+            <a:spAutoFit/>
+          </a:bodyPr>
+          <a:lstStyle/>
+          <a:p>
+            <a:pPr algn="l"/>
+            <a:r>
+              <a:rPr kumimoji="1" lang="ja-JP" altLang="en-US" dirty="0">
+                <a:latin typeface="メイリオ" panose="020B0604030504040204" pitchFamily="50" charset="-128"/>
+                <a:ea typeface="メイリオ" panose="020B0604030504040204" pitchFamily="50" charset="-128"/>
+              </a:rPr>
+              <a:t>（頻度が０の語彙がない）</a:t>
+            </a:r>
+          </a:p>
+        </p:txBody>
+      </p:sp>
+      <p:sp>
+        <p:nvSpPr>
+          <p:cNvPr id="14" name="テキスト ボックス 13">
+            <a:extLst>
+              <a:ext uri="{FF2B5EF4-FFF2-40B4-BE49-F238E27FC236}">
+                <a16:creationId xmlns:a16="http://schemas.microsoft.com/office/drawing/2014/main" id="{C84EAEE8-BE53-4578-9FAE-CF131B346F7D}"/>
+              </a:ext>
+            </a:extLst>
+          </p:cNvPr>
+          <p:cNvSpPr txBox="1"/>
+          <p:nvPr/>
+        </p:nvSpPr>
+        <p:spPr>
+          <a:xfrm>
+            <a:off x="5917319" y="5067940"/>
+            <a:ext cx="5493812" cy="369332"/>
+          </a:xfrm>
+          <a:prstGeom prst="rect">
+            <a:avLst/>
+          </a:prstGeom>
+          <a:noFill/>
+        </p:spPr>
+        <p:txBody>
+          <a:bodyPr wrap="none" rtlCol="0">
+            <a:spAutoFit/>
+          </a:bodyPr>
+          <a:lstStyle/>
+          <a:p>
+            <a:pPr algn="l"/>
+            <a:r>
+              <a:rPr kumimoji="1" lang="ja-JP" altLang="en-US" dirty="0">
+                <a:latin typeface="メイリオ" panose="020B0604030504040204" pitchFamily="50" charset="-128"/>
+                <a:ea typeface="メイリオ" panose="020B0604030504040204" pitchFamily="50" charset="-128"/>
+              </a:rPr>
+              <a:t>これでは、全文書のベクトル次元数を揃えられない</a:t>
+            </a:r>
+          </a:p>
+        </p:txBody>
+      </p:sp>
+      <p:sp>
+        <p:nvSpPr>
+          <p:cNvPr id="15" name="矢印: 下 14">
+            <a:extLst>
+              <a:ext uri="{FF2B5EF4-FFF2-40B4-BE49-F238E27FC236}">
+                <a16:creationId xmlns:a16="http://schemas.microsoft.com/office/drawing/2014/main" id="{BFA16FB2-46D5-4901-85F9-5BE65D15466D}"/>
+              </a:ext>
+            </a:extLst>
+          </p:cNvPr>
+          <p:cNvSpPr/>
+          <p:nvPr/>
+        </p:nvSpPr>
+        <p:spPr>
+          <a:xfrm>
+            <a:off x="7394646" y="4510475"/>
+            <a:ext cx="1065773" cy="369332"/>
+          </a:xfrm>
+          <a:prstGeom prst="downArrow">
+            <a:avLst/>
+          </a:prstGeom>
+        </p:spPr>
+        <p:style>
+          <a:lnRef idx="2">
+            <a:schemeClr val="accent1">
+              <a:shade val="50000"/>
+            </a:schemeClr>
+          </a:lnRef>
+          <a:fillRef idx="1">
+            <a:schemeClr val="accent1"/>
+          </a:fillRef>
+          <a:effectRef idx="0">
+            <a:schemeClr val="accent1"/>
+          </a:effectRef>
+          <a:fontRef idx="minor">
+            <a:schemeClr val="lt1"/>
+          </a:fontRef>
+        </p:style>
+        <p:txBody>
+          <a:bodyPr rtlCol="0" anchor="ctr"/>
+          <a:lstStyle/>
+          <a:p>
+            <a:pPr algn="ctr"/>
+            <a:endParaRPr kumimoji="1" lang="ja-JP" altLang="en-US"/>
+          </a:p>
+        </p:txBody>
+      </p:sp>
+      <p:sp>
+        <p:nvSpPr>
+          <p:cNvPr id="16" name="テキスト ボックス 15">
+            <a:extLst>
+              <a:ext uri="{FF2B5EF4-FFF2-40B4-BE49-F238E27FC236}">
+                <a16:creationId xmlns:a16="http://schemas.microsoft.com/office/drawing/2014/main" id="{BE1472E3-E70F-412E-A12B-35E201760D74}"/>
+              </a:ext>
+            </a:extLst>
+          </p:cNvPr>
+          <p:cNvSpPr txBox="1"/>
+          <p:nvPr/>
+        </p:nvSpPr>
+        <p:spPr>
+          <a:xfrm>
+            <a:off x="5687627" y="1070882"/>
+            <a:ext cx="2008563" cy="369332"/>
+          </a:xfrm>
+          <a:prstGeom prst="rect">
+            <a:avLst/>
+          </a:prstGeom>
+          <a:noFill/>
+        </p:spPr>
+        <p:txBody>
+          <a:bodyPr wrap="none" rtlCol="0">
+            <a:spAutoFit/>
+          </a:bodyPr>
+          <a:lstStyle/>
+          <a:p>
+            <a:pPr algn="l"/>
+            <a:r>
+              <a:rPr kumimoji="1" lang="en-US" altLang="ja-JP" dirty="0" err="1">
+                <a:latin typeface="メイリオ" panose="020B0604030504040204" pitchFamily="50" charset="-128"/>
+                <a:ea typeface="メイリオ" panose="020B0604030504040204" pitchFamily="50" charset="-128"/>
+              </a:rPr>
+              <a:t>vec.vocabulary</a:t>
+            </a:r>
+            <a:r>
+              <a:rPr kumimoji="1" lang="en-US" altLang="ja-JP" dirty="0">
+                <a:latin typeface="メイリオ" panose="020B0604030504040204" pitchFamily="50" charset="-128"/>
+                <a:ea typeface="メイリオ" panose="020B0604030504040204" pitchFamily="50" charset="-128"/>
+              </a:rPr>
+              <a:t>_</a:t>
+            </a:r>
+            <a:endParaRPr kumimoji="1" lang="ja-JP" altLang="en-US" dirty="0">
+              <a:latin typeface="メイリオ" panose="020B0604030504040204" pitchFamily="50" charset="-128"/>
+              <a:ea typeface="メイリオ" panose="020B0604030504040204" pitchFamily="50" charset="-128"/>
+            </a:endParaRPr>
+          </a:p>
+        </p:txBody>
+      </p:sp>
+      <p:sp>
+        <p:nvSpPr>
+          <p:cNvPr id="17" name="テキスト ボックス 16">
+            <a:extLst>
+              <a:ext uri="{FF2B5EF4-FFF2-40B4-BE49-F238E27FC236}">
+                <a16:creationId xmlns:a16="http://schemas.microsoft.com/office/drawing/2014/main" id="{90E30DCD-06A5-4C90-90F4-C166EE6DFFC2}"/>
+              </a:ext>
+            </a:extLst>
+          </p:cNvPr>
+          <p:cNvSpPr txBox="1"/>
+          <p:nvPr/>
+        </p:nvSpPr>
+        <p:spPr>
+          <a:xfrm>
+            <a:off x="7712115" y="2417452"/>
+            <a:ext cx="655949" cy="369332"/>
+          </a:xfrm>
+          <a:prstGeom prst="rect">
+            <a:avLst/>
+          </a:prstGeom>
+          <a:noFill/>
+        </p:spPr>
+        <p:txBody>
+          <a:bodyPr wrap="none" rtlCol="0">
+            <a:spAutoFit/>
+          </a:bodyPr>
+          <a:lstStyle/>
+          <a:p>
+            <a:pPr algn="l"/>
+            <a:r>
+              <a:rPr kumimoji="1" lang="en-US" altLang="ja-JP" dirty="0">
+                <a:latin typeface="メイリオ" panose="020B0604030504040204" pitchFamily="50" charset="-128"/>
+                <a:ea typeface="メイリオ" panose="020B0604030504040204" pitchFamily="50" charset="-128"/>
+              </a:rPr>
+              <a:t>bow</a:t>
+            </a:r>
+            <a:endParaRPr kumimoji="1" lang="ja-JP" altLang="en-US" dirty="0">
+              <a:latin typeface="メイリオ" panose="020B0604030504040204" pitchFamily="50" charset="-128"/>
+              <a:ea typeface="メイリオ" panose="020B0604030504040204" pitchFamily="50" charset="-128"/>
+            </a:endParaRPr>
+          </a:p>
+        </p:txBody>
+      </p:sp>
+      <p:sp>
+        <p:nvSpPr>
+          <p:cNvPr id="2" name="テキスト ボックス 1">
+            <a:extLst>
+              <a:ext uri="{FF2B5EF4-FFF2-40B4-BE49-F238E27FC236}">
+                <a16:creationId xmlns:a16="http://schemas.microsoft.com/office/drawing/2014/main" id="{D55F7ED4-1A08-324C-DD0D-AF2C402152F4}"/>
+              </a:ext>
+            </a:extLst>
+          </p:cNvPr>
+          <p:cNvSpPr txBox="1"/>
+          <p:nvPr/>
+        </p:nvSpPr>
+        <p:spPr>
+          <a:xfrm>
+            <a:off x="223520" y="339647"/>
+            <a:ext cx="1293944" cy="461665"/>
+          </a:xfrm>
+          <a:prstGeom prst="rect">
+            <a:avLst/>
+          </a:prstGeom>
+          <a:noFill/>
+        </p:spPr>
+        <p:txBody>
+          <a:bodyPr wrap="none" rtlCol="0">
+            <a:spAutoFit/>
+          </a:bodyPr>
+          <a:lstStyle/>
+          <a:p>
+            <a:pPr algn="l"/>
+            <a:r>
+              <a:rPr kumimoji="1" lang="en-US" altLang="ja-JP" sz="2400" dirty="0">
+                <a:latin typeface="メイリオ" panose="020B0604030504040204" pitchFamily="50" charset="-128"/>
+                <a:ea typeface="メイリオ" panose="020B0604030504040204" pitchFamily="50" charset="-128"/>
+              </a:rPr>
+              <a:t>&lt;</a:t>
+            </a:r>
+            <a:r>
               <a:rPr kumimoji="1" lang="ja-JP" altLang="en-US" sz="2400" dirty="0">
                 <a:latin typeface="メイリオ" panose="020B0604030504040204" pitchFamily="50" charset="-128"/>
                 <a:ea typeface="メイリオ" panose="020B0604030504040204" pitchFamily="50" charset="-128"/>
               </a:rPr>
-              <a:t>独り言：正規表現は</a:t>
+              <a:t>参考</a:t>
             </a:r>
             <a:r>
               <a:rPr kumimoji="1" lang="en-US" altLang="ja-JP" sz="2400" dirty="0">
                 <a:latin typeface="メイリオ" panose="020B0604030504040204" pitchFamily="50" charset="-128"/>
                 <a:ea typeface="メイリオ" panose="020B0604030504040204" pitchFamily="50" charset="-128"/>
               </a:rPr>
-              <a:t>tokenizer</a:t>
-            </a:r>
-            <a:r>
-              <a:rPr kumimoji="1" lang="ja-JP" altLang="en-US" sz="2400" dirty="0">
-                <a:latin typeface="メイリオ" panose="020B0604030504040204" pitchFamily="50" charset="-128"/>
-                <a:ea typeface="メイリオ" panose="020B0604030504040204" pitchFamily="50" charset="-128"/>
-              </a:rPr>
-              <a:t>の外で処理する</a:t>
-            </a:r>
+              <a:t>&gt;</a:t>
+            </a:r>
+            <a:endParaRPr kumimoji="1" lang="ja-JP" altLang="en-US" sz="2400" dirty="0">
+              <a:latin typeface="メイリオ" panose="020B0604030504040204" pitchFamily="50" charset="-128"/>
+              <a:ea typeface="メイリオ" panose="020B0604030504040204" pitchFamily="50" charset="-128"/>
+            </a:endParaRPr>
           </a:p>
         </p:txBody>
       </p:sp>
     </p:spTree>
     <p:extLst>
       <p:ext uri="{BB962C8B-B14F-4D97-AF65-F5344CB8AC3E}">
-        <p14:creationId xmlns:p14="http://schemas.microsoft.com/office/powerpoint/2010/main" val="3560223628"/>
+        <p14:creationId xmlns:p14="http://schemas.microsoft.com/office/powerpoint/2010/main" val="907717131"/>
       </p:ext>
     </p:extLst>
   </p:cSld>
@@ -12531,7 +13650,7 @@
           <p:cNvPr id="2" name="テキスト ボックス 1">
             <a:extLst>
               <a:ext uri="{FF2B5EF4-FFF2-40B4-BE49-F238E27FC236}">
-                <a16:creationId xmlns:a16="http://schemas.microsoft.com/office/drawing/2014/main" id="{678965CE-B85C-5BF3-5E93-DBE909420780}"/>
+                <a16:creationId xmlns:a16="http://schemas.microsoft.com/office/drawing/2014/main" id="{249ABFF1-0240-20F9-57C0-41EC41CB0FD2}"/>
               </a:ext>
             </a:extLst>
           </p:cNvPr>
@@ -12540,8 +13659,8 @@
         </p:nvSpPr>
         <p:spPr>
           <a:xfrm>
-            <a:off x="558800" y="331196"/>
-            <a:ext cx="3986989" cy="584775"/>
+            <a:off x="337032" y="537129"/>
+            <a:ext cx="3166251" cy="584775"/>
           </a:xfrm>
           <a:prstGeom prst="rect">
             <a:avLst/>
@@ -12567,17 +13686,17 @@
                 <a:latin typeface="メイリオ" panose="020B0604030504040204" pitchFamily="50" charset="-128"/>
                 <a:ea typeface="メイリオ" panose="020B0604030504040204" pitchFamily="50" charset="-128"/>
               </a:rPr>
-              <a:t>の次元数を見る</a:t>
-            </a:r>
-          </a:p>
-        </p:txBody>
-      </p:sp>
-      <p:sp>
-        <p:nvSpPr>
-          <p:cNvPr id="4" name="テキスト ボックス 3">
+              <a:t>を比較する</a:t>
+            </a:r>
+          </a:p>
+        </p:txBody>
+      </p:sp>
+      <p:sp>
+        <p:nvSpPr>
+          <p:cNvPr id="3" name="テキスト ボックス 2">
             <a:extLst>
               <a:ext uri="{FF2B5EF4-FFF2-40B4-BE49-F238E27FC236}">
-                <a16:creationId xmlns:a16="http://schemas.microsoft.com/office/drawing/2014/main" id="{AD73600F-D8DA-66A1-1D62-7548432F20D0}"/>
+                <a16:creationId xmlns:a16="http://schemas.microsoft.com/office/drawing/2014/main" id="{32B25E52-B1EE-0D28-9969-B1D8A85597C4}"/>
               </a:ext>
             </a:extLst>
           </p:cNvPr>
@@ -12586,8 +13705,8 @@
         </p:nvSpPr>
         <p:spPr>
           <a:xfrm>
-            <a:off x="558800" y="1046137"/>
-            <a:ext cx="11497058" cy="2308324"/>
+            <a:off x="337032" y="1121904"/>
+            <a:ext cx="11296168" cy="830997"/>
           </a:xfrm>
           <a:prstGeom prst="rect">
             <a:avLst/>
@@ -12595,238 +13714,98 @@
           <a:noFill/>
         </p:spPr>
         <p:txBody>
-          <a:bodyPr wrap="none" rtlCol="0">
+          <a:bodyPr wrap="square" rtlCol="0">
             <a:spAutoFit/>
           </a:bodyPr>
           <a:lstStyle/>
           <a:p>
             <a:pPr algn="l"/>
             <a:r>
+              <a:rPr kumimoji="1" lang="ja-JP" altLang="en-US" sz="2400" dirty="0">
+                <a:latin typeface="メイリオ" panose="020B0604030504040204" pitchFamily="50" charset="-128"/>
+                <a:ea typeface="メイリオ" panose="020B0604030504040204" pitchFamily="50" charset="-128"/>
+              </a:rPr>
+              <a:t>素手で書いた</a:t>
+            </a:r>
+            <a:r>
+              <a:rPr kumimoji="1" lang="en-US" altLang="ja-JP" sz="2400" dirty="0" err="1">
+                <a:latin typeface="メイリオ" panose="020B0604030504040204" pitchFamily="50" charset="-128"/>
+                <a:ea typeface="メイリオ" panose="020B0604030504040204" pitchFamily="50" charset="-128"/>
+              </a:rPr>
+              <a:t>BoW</a:t>
+            </a:r>
+            <a:r>
+              <a:rPr kumimoji="1" lang="ja-JP" altLang="en-US" sz="2400" dirty="0">
+                <a:latin typeface="メイリオ" panose="020B0604030504040204" pitchFamily="50" charset="-128"/>
+                <a:ea typeface="メイリオ" panose="020B0604030504040204" pitchFamily="50" charset="-128"/>
+              </a:rPr>
+              <a:t>プログラムの出力</a:t>
+            </a:r>
+            <a:r>
               <a:rPr kumimoji="1" lang="en-US" altLang="ja-JP" sz="2400" dirty="0">
                 <a:latin typeface="メイリオ" panose="020B0604030504040204" pitchFamily="50" charset="-128"/>
                 <a:ea typeface="メイリオ" panose="020B0604030504040204" pitchFamily="50" charset="-128"/>
               </a:rPr>
-              <a:t>1. </a:t>
+              <a:t>(tsukurepo_bow.csv</a:t>
             </a:r>
             <a:r>
               <a:rPr kumimoji="1" lang="ja-JP" altLang="en-US" sz="2400" dirty="0">
                 <a:latin typeface="メイリオ" panose="020B0604030504040204" pitchFamily="50" charset="-128"/>
                 <a:ea typeface="メイリオ" panose="020B0604030504040204" pitchFamily="50" charset="-128"/>
               </a:rPr>
-              <a:t>データ数</a:t>
+              <a:t>と、</a:t>
+            </a:r>
+            <a:r>
+              <a:rPr kumimoji="1" lang="en-US" altLang="ja-JP" sz="2400" dirty="0" err="1">
+                <a:latin typeface="メイリオ" panose="020B0604030504040204" pitchFamily="50" charset="-128"/>
+                <a:ea typeface="メイリオ" panose="020B0604030504040204" pitchFamily="50" charset="-128"/>
+              </a:rPr>
+              <a:t>countVectorizer</a:t>
+            </a:r>
+            <a:r>
+              <a:rPr kumimoji="1" lang="ja-JP" altLang="en-US" sz="2400" dirty="0">
+                <a:latin typeface="メイリオ" panose="020B0604030504040204" pitchFamily="50" charset="-128"/>
+                <a:ea typeface="メイリオ" panose="020B0604030504040204" pitchFamily="50" charset="-128"/>
+              </a:rPr>
+              <a:t>による</a:t>
+            </a:r>
+            <a:r>
+              <a:rPr kumimoji="1" lang="en-US" altLang="ja-JP" sz="2400" dirty="0" err="1">
+                <a:latin typeface="メイリオ" panose="020B0604030504040204" pitchFamily="50" charset="-128"/>
+                <a:ea typeface="メイリオ" panose="020B0604030504040204" pitchFamily="50" charset="-128"/>
+              </a:rPr>
+              <a:t>BoW</a:t>
+            </a:r>
+            <a:r>
+              <a:rPr kumimoji="1" lang="ja-JP" altLang="en-US" sz="2400" dirty="0">
+                <a:latin typeface="メイリオ" panose="020B0604030504040204" pitchFamily="50" charset="-128"/>
+                <a:ea typeface="メイリオ" panose="020B0604030504040204" pitchFamily="50" charset="-128"/>
+              </a:rPr>
+              <a:t>プログラムの出力</a:t>
             </a:r>
             <a:r>
               <a:rPr kumimoji="1" lang="en-US" altLang="ja-JP" sz="2400" dirty="0">
                 <a:latin typeface="メイリオ" panose="020B0604030504040204" pitchFamily="50" charset="-128"/>
                 <a:ea typeface="メイリオ" panose="020B0604030504040204" pitchFamily="50" charset="-128"/>
               </a:rPr>
-              <a:t>55</a:t>
+              <a:t>(tsukurepo_bow_vectorizer.csv)</a:t>
             </a:r>
             <a:r>
               <a:rPr kumimoji="1" lang="ja-JP" altLang="en-US" sz="2400" dirty="0">
                 <a:latin typeface="メイリオ" panose="020B0604030504040204" pitchFamily="50" charset="-128"/>
                 <a:ea typeface="メイリオ" panose="020B0604030504040204" pitchFamily="50" charset="-128"/>
               </a:rPr>
-              <a:t>件に対して</a:t>
-            </a:r>
-            <a:r>
-              <a:rPr kumimoji="1" lang="en-US" altLang="ja-JP" sz="2400" dirty="0">
-                <a:latin typeface="メイリオ" panose="020B0604030504040204" pitchFamily="50" charset="-128"/>
-                <a:ea typeface="メイリオ" panose="020B0604030504040204" pitchFamily="50" charset="-128"/>
-              </a:rPr>
-              <a:t>290</a:t>
-            </a:r>
-            <a:r>
-              <a:rPr kumimoji="1" lang="ja-JP" altLang="en-US" sz="2400" dirty="0">
-                <a:latin typeface="メイリオ" panose="020B0604030504040204" pitchFamily="50" charset="-128"/>
-                <a:ea typeface="メイリオ" panose="020B0604030504040204" pitchFamily="50" charset="-128"/>
-              </a:rPr>
-              <a:t>次元！</a:t>
-            </a:r>
-            <a:endParaRPr kumimoji="1" lang="en-US" altLang="ja-JP" sz="2400" dirty="0">
-              <a:latin typeface="メイリオ" panose="020B0604030504040204" pitchFamily="50" charset="-128"/>
-              <a:ea typeface="メイリオ" panose="020B0604030504040204" pitchFamily="50" charset="-128"/>
-            </a:endParaRPr>
-          </a:p>
-          <a:p>
-            <a:pPr algn="l"/>
-            <a:r>
-              <a:rPr kumimoji="1" lang="en-US" altLang="ja-JP" sz="2400" dirty="0">
-                <a:latin typeface="メイリオ" panose="020B0604030504040204" pitchFamily="50" charset="-128"/>
-                <a:ea typeface="メイリオ" panose="020B0604030504040204" pitchFamily="50" charset="-128"/>
-              </a:rPr>
-              <a:t>2. csv</a:t>
-            </a:r>
-            <a:r>
-              <a:rPr kumimoji="1" lang="ja-JP" altLang="en-US" sz="2400" dirty="0">
-                <a:latin typeface="メイリオ" panose="020B0604030504040204" pitchFamily="50" charset="-128"/>
-                <a:ea typeface="メイリオ" panose="020B0604030504040204" pitchFamily="50" charset="-128"/>
-              </a:rPr>
-              <a:t>の行合計を見る</a:t>
-            </a:r>
-            <a:endParaRPr kumimoji="1" lang="en-US" altLang="ja-JP" sz="2400" dirty="0">
-              <a:latin typeface="メイリオ" panose="020B0604030504040204" pitchFamily="50" charset="-128"/>
-              <a:ea typeface="メイリオ" panose="020B0604030504040204" pitchFamily="50" charset="-128"/>
-            </a:endParaRPr>
-          </a:p>
-          <a:p>
-            <a:pPr algn="l"/>
-            <a:r>
-              <a:rPr kumimoji="1" lang="ja-JP" altLang="en-US" sz="2400" dirty="0">
-                <a:latin typeface="メイリオ" panose="020B0604030504040204" pitchFamily="50" charset="-128"/>
-                <a:ea typeface="メイリオ" panose="020B0604030504040204" pitchFamily="50" charset="-128"/>
-              </a:rPr>
-              <a:t>　　頻度１の単語が多い　  　　：低頻度語彙</a:t>
-            </a:r>
-            <a:endParaRPr kumimoji="1" lang="en-US" altLang="ja-JP" sz="2400" dirty="0">
-              <a:latin typeface="メイリオ" panose="020B0604030504040204" pitchFamily="50" charset="-128"/>
-              <a:ea typeface="メイリオ" panose="020B0604030504040204" pitchFamily="50" charset="-128"/>
-            </a:endParaRPr>
-          </a:p>
-          <a:p>
-            <a:pPr algn="l"/>
-            <a:r>
-              <a:rPr kumimoji="1" lang="ja-JP" altLang="en-US" sz="2400" dirty="0">
-                <a:latin typeface="メイリオ" panose="020B0604030504040204" pitchFamily="50" charset="-128"/>
-                <a:ea typeface="メイリオ" panose="020B0604030504040204" pitchFamily="50" charset="-128"/>
-              </a:rPr>
-              <a:t>　　</a:t>
-            </a:r>
-            <a:r>
-              <a:rPr kumimoji="1" lang="en-US" altLang="ja-JP" sz="2400" dirty="0">
-                <a:latin typeface="メイリオ" panose="020B0604030504040204" pitchFamily="50" charset="-128"/>
-                <a:ea typeface="メイリオ" panose="020B0604030504040204" pitchFamily="50" charset="-128"/>
-              </a:rPr>
-              <a:t>’</a:t>
-            </a:r>
-            <a:r>
-              <a:rPr kumimoji="1" lang="ja-JP" altLang="en-US" sz="2400" dirty="0">
-                <a:latin typeface="メイリオ" panose="020B0604030504040204" pitchFamily="50" charset="-128"/>
-                <a:ea typeface="メイリオ" panose="020B0604030504040204" pitchFamily="50" charset="-128"/>
-              </a:rPr>
-              <a:t>レシピ</a:t>
-            </a:r>
-            <a:r>
-              <a:rPr kumimoji="1" lang="en-US" altLang="ja-JP" sz="2400" dirty="0">
-                <a:latin typeface="メイリオ" panose="020B0604030504040204" pitchFamily="50" charset="-128"/>
-                <a:ea typeface="メイリオ" panose="020B0604030504040204" pitchFamily="50" charset="-128"/>
-              </a:rPr>
-              <a:t>’</a:t>
-            </a:r>
-            <a:r>
-              <a:rPr kumimoji="1" lang="ja-JP" altLang="en-US" sz="2400" dirty="0">
-                <a:latin typeface="メイリオ" panose="020B0604030504040204" pitchFamily="50" charset="-128"/>
-                <a:ea typeface="メイリオ" panose="020B0604030504040204" pitchFamily="50" charset="-128"/>
-              </a:rPr>
-              <a:t>はありふれた単語　：汎用語彙</a:t>
-            </a:r>
-            <a:endParaRPr kumimoji="1" lang="en-US" altLang="ja-JP" sz="2400" dirty="0">
-              <a:latin typeface="メイリオ" panose="020B0604030504040204" pitchFamily="50" charset="-128"/>
-              <a:ea typeface="メイリオ" panose="020B0604030504040204" pitchFamily="50" charset="-128"/>
-            </a:endParaRPr>
-          </a:p>
-          <a:p>
-            <a:pPr algn="l"/>
-            <a:r>
-              <a:rPr kumimoji="1" lang="ja-JP" altLang="en-US" sz="2400" dirty="0">
-                <a:latin typeface="メイリオ" panose="020B0604030504040204" pitchFamily="50" charset="-128"/>
-                <a:ea typeface="メイリオ" panose="020B0604030504040204" pitchFamily="50" charset="-128"/>
-              </a:rPr>
-              <a:t>　　汎用語彙の例：</a:t>
-            </a:r>
-            <a:r>
-              <a:rPr kumimoji="1" lang="en-US" altLang="ja-JP" sz="2400" dirty="0">
-                <a:latin typeface="メイリオ" panose="020B0604030504040204" pitchFamily="50" charset="-128"/>
-                <a:ea typeface="メイリオ" panose="020B0604030504040204" pitchFamily="50" charset="-128"/>
-              </a:rPr>
-              <a:t>’</a:t>
-            </a:r>
-            <a:r>
-              <a:rPr kumimoji="1" lang="ja-JP" altLang="en-US" sz="2400" dirty="0">
-                <a:latin typeface="メイリオ" panose="020B0604030504040204" pitchFamily="50" charset="-128"/>
-                <a:ea typeface="メイリオ" panose="020B0604030504040204" pitchFamily="50" charset="-128"/>
-              </a:rPr>
-              <a:t>ここ</a:t>
-            </a:r>
-            <a:r>
-              <a:rPr kumimoji="1" lang="en-US" altLang="ja-JP" sz="2400" dirty="0">
-                <a:latin typeface="メイリオ" panose="020B0604030504040204" pitchFamily="50" charset="-128"/>
-                <a:ea typeface="メイリオ" panose="020B0604030504040204" pitchFamily="50" charset="-128"/>
-              </a:rPr>
-              <a:t>’ ‘</a:t>
-            </a:r>
-            <a:r>
-              <a:rPr kumimoji="1" lang="ja-JP" altLang="en-US" sz="2400" dirty="0">
-                <a:latin typeface="メイリオ" panose="020B0604030504040204" pitchFamily="50" charset="-128"/>
-                <a:ea typeface="メイリオ" panose="020B0604030504040204" pitchFamily="50" charset="-128"/>
-              </a:rPr>
-              <a:t>それ</a:t>
-            </a:r>
-            <a:r>
-              <a:rPr kumimoji="1" lang="en-US" altLang="ja-JP" sz="2400" dirty="0">
-                <a:latin typeface="メイリオ" panose="020B0604030504040204" pitchFamily="50" charset="-128"/>
-                <a:ea typeface="メイリオ" panose="020B0604030504040204" pitchFamily="50" charset="-128"/>
-              </a:rPr>
-              <a:t>’ ‘</a:t>
-            </a:r>
-            <a:r>
-              <a:rPr kumimoji="1" lang="ja-JP" altLang="en-US" sz="2400" dirty="0">
-                <a:latin typeface="メイリオ" panose="020B0604030504040204" pitchFamily="50" charset="-128"/>
-                <a:ea typeface="メイリオ" panose="020B0604030504040204" pitchFamily="50" charset="-128"/>
-              </a:rPr>
-              <a:t>私</a:t>
-            </a:r>
-            <a:r>
-              <a:rPr kumimoji="1" lang="en-US" altLang="ja-JP" sz="2400" dirty="0">
-                <a:latin typeface="メイリオ" panose="020B0604030504040204" pitchFamily="50" charset="-128"/>
-                <a:ea typeface="メイリオ" panose="020B0604030504040204" pitchFamily="50" charset="-128"/>
-              </a:rPr>
-              <a:t>’ etc.</a:t>
-            </a:r>
-          </a:p>
-          <a:p>
-            <a:pPr algn="l"/>
-            <a:r>
-              <a:rPr kumimoji="1" lang="en-US" altLang="ja-JP" sz="2400" dirty="0">
-                <a:latin typeface="メイリオ" panose="020B0604030504040204" pitchFamily="50" charset="-128"/>
-                <a:ea typeface="メイリオ" panose="020B0604030504040204" pitchFamily="50" charset="-128"/>
-              </a:rPr>
-              <a:t>3. </a:t>
-            </a:r>
-            <a:r>
-              <a:rPr kumimoji="1" lang="ja-JP" altLang="en-US" sz="2400" dirty="0">
-                <a:latin typeface="メイリオ" panose="020B0604030504040204" pitchFamily="50" charset="-128"/>
-                <a:ea typeface="メイリオ" panose="020B0604030504040204" pitchFamily="50" charset="-128"/>
-              </a:rPr>
-              <a:t>低頻度語彙、汎用語彙とも、シュークリーム</a:t>
-            </a:r>
-            <a:r>
-              <a:rPr kumimoji="1" lang="en-US" altLang="ja-JP" sz="2400" dirty="0">
-                <a:latin typeface="メイリオ" panose="020B0604030504040204" pitchFamily="50" charset="-128"/>
-                <a:ea typeface="メイリオ" panose="020B0604030504040204" pitchFamily="50" charset="-128"/>
-              </a:rPr>
-              <a:t>/</a:t>
-            </a:r>
-            <a:r>
-              <a:rPr kumimoji="1" lang="ja-JP" altLang="en-US" sz="2400" dirty="0">
-                <a:latin typeface="メイリオ" panose="020B0604030504040204" pitchFamily="50" charset="-128"/>
-                <a:ea typeface="メイリオ" panose="020B0604030504040204" pitchFamily="50" charset="-128"/>
-              </a:rPr>
-              <a:t>プリンらしさを特徴づけていない</a:t>
-            </a:r>
-            <a:endParaRPr kumimoji="1" lang="en-US" altLang="ja-JP" sz="2400" dirty="0">
-              <a:latin typeface="メイリオ" panose="020B0604030504040204" pitchFamily="50" charset="-128"/>
-              <a:ea typeface="メイリオ" panose="020B0604030504040204" pitchFamily="50" charset="-128"/>
-            </a:endParaRPr>
-          </a:p>
-        </p:txBody>
-      </p:sp>
-      <p:sp>
-        <p:nvSpPr>
-          <p:cNvPr id="5" name="テキスト ボックス 4">
+              <a:t>を比較する</a:t>
+            </a:r>
+          </a:p>
+        </p:txBody>
+      </p:sp>
+      <p:sp>
+        <p:nvSpPr>
+          <p:cNvPr id="9" name="テキスト ボックス 8">
             <a:extLst>
               <a:ext uri="{FF2B5EF4-FFF2-40B4-BE49-F238E27FC236}">
-                <a16:creationId xmlns:a16="http://schemas.microsoft.com/office/drawing/2014/main" id="{4832F767-39AB-A808-7E2E-69E0F610B45A}"/>
+                <a16:creationId xmlns:a16="http://schemas.microsoft.com/office/drawing/2014/main" id="{661EAE12-C60F-5B29-E22F-21D51C33C5F0}"/>
               </a:ext>
             </a:extLst>
           </p:cNvPr>
@@ -12835,8 +13814,8 @@
         </p:nvSpPr>
         <p:spPr>
           <a:xfrm>
-            <a:off x="4785910" y="623584"/>
-            <a:ext cx="4707507" cy="461665"/>
+            <a:off x="914400" y="2367280"/>
+            <a:ext cx="10718800" cy="2677656"/>
           </a:xfrm>
           <a:prstGeom prst="rect">
             <a:avLst/>
@@ -12844,19 +13823,161 @@
           <a:noFill/>
         </p:spPr>
         <p:txBody>
-          <a:bodyPr wrap="none" rtlCol="0">
+          <a:bodyPr wrap="square" rtlCol="0">
             <a:spAutoFit/>
           </a:bodyPr>
           <a:lstStyle/>
           <a:p>
+            <a:pPr marL="457200" indent="-457200" algn="l">
+              <a:buFont typeface="+mj-lt"/>
+              <a:buAutoNum type="arabicPeriod"/>
+            </a:pPr>
+            <a:r>
+              <a:rPr kumimoji="1" lang="en-US" altLang="ja-JP" sz="2400" dirty="0" err="1">
+                <a:latin typeface="メイリオ" panose="020B0604030504040204" pitchFamily="50" charset="-128"/>
+                <a:ea typeface="メイリオ" panose="020B0604030504040204" pitchFamily="50" charset="-128"/>
+              </a:rPr>
+              <a:t>BoW</a:t>
+            </a:r>
+            <a:r>
+              <a:rPr kumimoji="1" lang="ja-JP" altLang="en-US" sz="2400" dirty="0">
+                <a:latin typeface="メイリオ" panose="020B0604030504040204" pitchFamily="50" charset="-128"/>
+                <a:ea typeface="メイリオ" panose="020B0604030504040204" pitchFamily="50" charset="-128"/>
+              </a:rPr>
+              <a:t>の辞書（見出し）は同一になっている</a:t>
+            </a:r>
+            <a:endParaRPr kumimoji="1" lang="en-US" altLang="ja-JP" sz="2400" dirty="0">
+              <a:latin typeface="メイリオ" panose="020B0604030504040204" pitchFamily="50" charset="-128"/>
+              <a:ea typeface="メイリオ" panose="020B0604030504040204" pitchFamily="50" charset="-128"/>
+            </a:endParaRPr>
+          </a:p>
+          <a:p>
             <a:pPr algn="l"/>
             <a:r>
+              <a:rPr kumimoji="1" lang="ja-JP" altLang="en-US" sz="2400" dirty="0">
+                <a:latin typeface="メイリオ" panose="020B0604030504040204" pitchFamily="50" charset="-128"/>
+                <a:ea typeface="メイリオ" panose="020B0604030504040204" pitchFamily="50" charset="-128"/>
+              </a:rPr>
+              <a:t>　</a:t>
+            </a:r>
+            <a:r>
+              <a:rPr kumimoji="1" lang="ja-JP" altLang="en-US" dirty="0">
+                <a:latin typeface="メイリオ" panose="020B0604030504040204" pitchFamily="50" charset="-128"/>
+                <a:ea typeface="メイリオ" panose="020B0604030504040204" pitchFamily="50" charset="-128"/>
+              </a:rPr>
+              <a:t>（</a:t>
+            </a:r>
+            <a:r>
+              <a:rPr kumimoji="1" lang="en-US" altLang="ja-JP" dirty="0" err="1">
+                <a:latin typeface="メイリオ" panose="020B0604030504040204" pitchFamily="50" charset="-128"/>
+                <a:ea typeface="メイリオ" panose="020B0604030504040204" pitchFamily="50" charset="-128"/>
+              </a:rPr>
+              <a:t>countVectorizer</a:t>
+            </a:r>
+            <a:r>
+              <a:rPr kumimoji="1" lang="ja-JP" altLang="en-US" dirty="0">
+                <a:latin typeface="メイリオ" panose="020B0604030504040204" pitchFamily="50" charset="-128"/>
+                <a:ea typeface="メイリオ" panose="020B0604030504040204" pitchFamily="50" charset="-128"/>
+              </a:rPr>
+              <a:t>では英文字を自動的に小文字に揃えるので、実際には</a:t>
+            </a:r>
+            <a:r>
+              <a:rPr kumimoji="1" lang="en-US" altLang="ja-JP" dirty="0">
+                <a:latin typeface="メイリオ" panose="020B0604030504040204" pitchFamily="50" charset="-128"/>
+                <a:ea typeface="メイリオ" panose="020B0604030504040204" pitchFamily="50" charset="-128"/>
+              </a:rPr>
+              <a:t>1</a:t>
+            </a:r>
+            <a:r>
+              <a:rPr kumimoji="1" lang="ja-JP" altLang="en-US" dirty="0">
+                <a:latin typeface="メイリオ" panose="020B0604030504040204" pitchFamily="50" charset="-128"/>
+                <a:ea typeface="メイリオ" panose="020B0604030504040204" pitchFamily="50" charset="-128"/>
+              </a:rPr>
+              <a:t>語だけ</a:t>
+            </a:r>
+            <a:r>
+              <a:rPr kumimoji="1" lang="en-US" altLang="ja-JP" dirty="0" err="1">
+                <a:latin typeface="メイリオ" panose="020B0604030504040204" pitchFamily="50" charset="-128"/>
+                <a:ea typeface="メイリオ" panose="020B0604030504040204" pitchFamily="50" charset="-128"/>
+              </a:rPr>
+              <a:t>countVectorizor</a:t>
+            </a:r>
+            <a:r>
+              <a:rPr kumimoji="1" lang="en-US" altLang="ja-JP" dirty="0">
+                <a:latin typeface="メイリオ" panose="020B0604030504040204" pitchFamily="50" charset="-128"/>
+                <a:ea typeface="メイリオ" panose="020B0604030504040204" pitchFamily="50" charset="-128"/>
+              </a:rPr>
+              <a:t> </a:t>
+            </a:r>
+          </a:p>
+          <a:p>
+            <a:pPr algn="l"/>
+            <a:r>
+              <a:rPr kumimoji="1" lang="en-US" altLang="ja-JP" dirty="0">
+                <a:latin typeface="メイリオ" panose="020B0604030504040204" pitchFamily="50" charset="-128"/>
+                <a:ea typeface="メイリオ" panose="020B0604030504040204" pitchFamily="50" charset="-128"/>
+              </a:rPr>
+              <a:t>        </a:t>
+            </a:r>
+            <a:r>
+              <a:rPr kumimoji="1" lang="ja-JP" altLang="en-US" dirty="0">
+                <a:latin typeface="メイリオ" panose="020B0604030504040204" pitchFamily="50" charset="-128"/>
+                <a:ea typeface="メイリオ" panose="020B0604030504040204" pitchFamily="50" charset="-128"/>
+              </a:rPr>
+              <a:t>によるプログラムの結果のほうが少ない）</a:t>
+            </a:r>
+            <a:endParaRPr kumimoji="1" lang="en-US" altLang="ja-JP" dirty="0">
+              <a:latin typeface="メイリオ" panose="020B0604030504040204" pitchFamily="50" charset="-128"/>
+              <a:ea typeface="メイリオ" panose="020B0604030504040204" pitchFamily="50" charset="-128"/>
+            </a:endParaRPr>
+          </a:p>
+          <a:p>
+            <a:pPr algn="l"/>
+            <a:endParaRPr kumimoji="1" lang="en-US" altLang="ja-JP" sz="2400" dirty="0">
+              <a:latin typeface="メイリオ" panose="020B0604030504040204" pitchFamily="50" charset="-128"/>
+              <a:ea typeface="メイリオ" panose="020B0604030504040204" pitchFamily="50" charset="-128"/>
+            </a:endParaRPr>
+          </a:p>
+          <a:p>
+            <a:pPr algn="l"/>
+            <a:r>
               <a:rPr kumimoji="1" lang="en-US" altLang="ja-JP" sz="2400" dirty="0">
                 <a:latin typeface="メイリオ" panose="020B0604030504040204" pitchFamily="50" charset="-128"/>
                 <a:ea typeface="メイリオ" panose="020B0604030504040204" pitchFamily="50" charset="-128"/>
               </a:rPr>
-              <a:t>tsukurepo_bow_vectorizer.csv</a:t>
-            </a:r>
+              <a:t>2. </a:t>
+            </a:r>
+            <a:r>
+              <a:rPr kumimoji="1" lang="en-US" altLang="ja-JP" sz="2400" dirty="0" err="1">
+                <a:latin typeface="メイリオ" panose="020B0604030504040204" pitchFamily="50" charset="-128"/>
+                <a:ea typeface="メイリオ" panose="020B0604030504040204" pitchFamily="50" charset="-128"/>
+              </a:rPr>
+              <a:t>BoW</a:t>
+            </a:r>
+            <a:r>
+              <a:rPr kumimoji="1" lang="ja-JP" altLang="en-US" sz="2400" dirty="0">
+                <a:latin typeface="メイリオ" panose="020B0604030504040204" pitchFamily="50" charset="-128"/>
+                <a:ea typeface="メイリオ" panose="020B0604030504040204" pitchFamily="50" charset="-128"/>
+              </a:rPr>
+              <a:t>辞書の並び順が違う</a:t>
+            </a:r>
+          </a:p>
+          <a:p>
+            <a:pPr algn="l"/>
+            <a:r>
+              <a:rPr kumimoji="1" lang="ja-JP" altLang="en-US" sz="2400" dirty="0">
+                <a:latin typeface="メイリオ" panose="020B0604030504040204" pitchFamily="50" charset="-128"/>
+                <a:ea typeface="メイリオ" panose="020B0604030504040204" pitchFamily="50" charset="-128"/>
+              </a:rPr>
+              <a:t>    文書での出現順⇔かなカナ漢字の順番</a:t>
+            </a:r>
+            <a:endParaRPr kumimoji="1" lang="en-US" altLang="ja-JP" sz="2400" dirty="0">
+              <a:latin typeface="メイリオ" panose="020B0604030504040204" pitchFamily="50" charset="-128"/>
+              <a:ea typeface="メイリオ" panose="020B0604030504040204" pitchFamily="50" charset="-128"/>
+            </a:endParaRPr>
+          </a:p>
+          <a:p>
+            <a:pPr algn="l"/>
             <a:endParaRPr kumimoji="1" lang="ja-JP" altLang="en-US" sz="2400" dirty="0">
               <a:latin typeface="メイリオ" panose="020B0604030504040204" pitchFamily="50" charset="-128"/>
               <a:ea typeface="メイリオ" panose="020B0604030504040204" pitchFamily="50" charset="-128"/>
@@ -12864,94 +13985,12 @@
           </a:p>
         </p:txBody>
       </p:sp>
-      <p:pic>
-        <p:nvPicPr>
-          <p:cNvPr id="14" name="図 13">
+      <p:sp>
+        <p:nvSpPr>
+          <p:cNvPr id="10" name="テキスト ボックス 9">
             <a:extLst>
               <a:ext uri="{FF2B5EF4-FFF2-40B4-BE49-F238E27FC236}">
-                <a16:creationId xmlns:a16="http://schemas.microsoft.com/office/drawing/2014/main" id="{1E3EDBED-45FC-4D6A-2E22-843409D60B2C}"/>
-              </a:ext>
-            </a:extLst>
-          </p:cNvPr>
-          <p:cNvPicPr>
-            <a:picLocks noChangeAspect="1"/>
-          </p:cNvPicPr>
-          <p:nvPr/>
-        </p:nvPicPr>
-        <p:blipFill>
-          <a:blip r:embed="rId2"/>
-          <a:stretch>
-            <a:fillRect/>
-          </a:stretch>
-        </p:blipFill>
-        <p:spPr>
-          <a:xfrm>
-            <a:off x="1383894" y="3893071"/>
-            <a:ext cx="5066566" cy="2636520"/>
-          </a:xfrm>
-          <a:prstGeom prst="rect">
-            <a:avLst/>
-          </a:prstGeom>
-        </p:spPr>
-      </p:pic>
-      <p:sp>
-        <p:nvSpPr>
-          <p:cNvPr id="15" name="正方形/長方形 14">
-            <a:extLst>
-              <a:ext uri="{FF2B5EF4-FFF2-40B4-BE49-F238E27FC236}">
-                <a16:creationId xmlns:a16="http://schemas.microsoft.com/office/drawing/2014/main" id="{1E514011-455A-D264-9A8A-05994CF6DB3E}"/>
-              </a:ext>
-            </a:extLst>
-          </p:cNvPr>
-          <p:cNvSpPr/>
-          <p:nvPr/>
-        </p:nvSpPr>
-        <p:spPr>
-          <a:xfrm>
-            <a:off x="1383894" y="3893071"/>
-            <a:ext cx="5067706" cy="2632076"/>
-          </a:xfrm>
-          <a:prstGeom prst="rect">
-            <a:avLst/>
-          </a:prstGeom>
-          <a:noFill/>
-          <a:ln>
-            <a:solidFill>
-              <a:schemeClr val="tx1"/>
-            </a:solidFill>
-          </a:ln>
-        </p:spPr>
-        <p:style>
-          <a:lnRef idx="2">
-            <a:schemeClr val="accent1">
-              <a:shade val="15000"/>
-            </a:schemeClr>
-          </a:lnRef>
-          <a:fillRef idx="1">
-            <a:schemeClr val="accent1"/>
-          </a:fillRef>
-          <a:effectRef idx="0">
-            <a:schemeClr val="accent1"/>
-          </a:effectRef>
-          <a:fontRef idx="minor">
-            <a:schemeClr val="lt1"/>
-          </a:fontRef>
-        </p:style>
-        <p:txBody>
-          <a:bodyPr rtlCol="0" anchor="ctr"/>
-          <a:lstStyle/>
-          <a:p>
-            <a:pPr algn="ctr"/>
-            <a:endParaRPr kumimoji="1" lang="ja-JP" altLang="en-US"/>
-          </a:p>
-        </p:txBody>
-      </p:sp>
-      <p:sp>
-        <p:nvSpPr>
-          <p:cNvPr id="16" name="テキスト ボックス 15">
-            <a:extLst>
-              <a:ext uri="{FF2B5EF4-FFF2-40B4-BE49-F238E27FC236}">
-                <a16:creationId xmlns:a16="http://schemas.microsoft.com/office/drawing/2014/main" id="{77BDD7DA-C4D9-2D0F-6DD9-F3D7FE639965}"/>
+                <a16:creationId xmlns:a16="http://schemas.microsoft.com/office/drawing/2014/main" id="{D642A93A-477B-7EB9-0D47-BEE7B7930AFF}"/>
               </a:ext>
             </a:extLst>
           </p:cNvPr>
@@ -12960,8 +13999,8 @@
         </p:nvSpPr>
         <p:spPr>
           <a:xfrm>
-            <a:off x="1012290" y="3315349"/>
-            <a:ext cx="5295039" cy="461665"/>
+            <a:off x="528320" y="5766576"/>
+            <a:ext cx="6481903" cy="461665"/>
           </a:xfrm>
           <a:prstGeom prst="rect">
             <a:avLst/>
@@ -12980,21 +14019,21 @@
                 <a:latin typeface="メイリオ" panose="020B0604030504040204" pitchFamily="50" charset="-128"/>
                 <a:ea typeface="メイリオ" panose="020B0604030504040204" pitchFamily="50" charset="-128"/>
               </a:rPr>
-              <a:t>➡ </a:t>
-            </a:r>
-            <a:r>
-              <a:rPr kumimoji="1" lang="en-US" altLang="ja-JP" sz="2400" dirty="0" err="1">
-                <a:latin typeface="メイリオ" panose="020B0604030504040204" pitchFamily="50" charset="-128"/>
-                <a:ea typeface="メイリオ" panose="020B0604030504040204" pitchFamily="50" charset="-128"/>
-              </a:rPr>
-              <a:t>BoW</a:t>
+              <a:t>独り言：正規表現は</a:t>
+            </a:r>
+            <a:r>
+              <a:rPr kumimoji="1" lang="en-US" altLang="ja-JP" sz="2400" dirty="0">
+                <a:latin typeface="メイリオ" panose="020B0604030504040204" pitchFamily="50" charset="-128"/>
+                <a:ea typeface="メイリオ" panose="020B0604030504040204" pitchFamily="50" charset="-128"/>
+              </a:rPr>
+              <a:t>tokenizer</a:t>
             </a:r>
             <a:r>
               <a:rPr kumimoji="1" lang="ja-JP" altLang="en-US" sz="2400" dirty="0">
                 <a:latin typeface="メイリオ" panose="020B0604030504040204" pitchFamily="50" charset="-128"/>
                 <a:ea typeface="メイリオ" panose="020B0604030504040204" pitchFamily="50" charset="-128"/>
               </a:rPr>
-              <a:t>は冗長な次元数になっている</a:t>
+              <a:t>の外で処理する</a:t>
             </a:r>
           </a:p>
         </p:txBody>
@@ -13002,7 +14041,7 @@
     </p:spTree>
     <p:extLst>
       <p:ext uri="{BB962C8B-B14F-4D97-AF65-F5344CB8AC3E}">
-        <p14:creationId xmlns:p14="http://schemas.microsoft.com/office/powerpoint/2010/main" val="3546901380"/>
+        <p14:creationId xmlns:p14="http://schemas.microsoft.com/office/powerpoint/2010/main" val="3560223628"/>
       </p:ext>
     </p:extLst>
   </p:cSld>
@@ -13034,7 +14073,7 @@
           <p:cNvPr id="2" name="テキスト ボックス 1">
             <a:extLst>
               <a:ext uri="{FF2B5EF4-FFF2-40B4-BE49-F238E27FC236}">
-                <a16:creationId xmlns:a16="http://schemas.microsoft.com/office/drawing/2014/main" id="{F0E9B116-F0A0-DA64-1B8F-561B4360CFCF}"/>
+                <a16:creationId xmlns:a16="http://schemas.microsoft.com/office/drawing/2014/main" id="{678965CE-B85C-5BF3-5E93-DBE909420780}"/>
               </a:ext>
             </a:extLst>
           </p:cNvPr>
@@ -13043,8 +14082,8 @@
         </p:nvSpPr>
         <p:spPr>
           <a:xfrm>
-            <a:off x="544850" y="318863"/>
-            <a:ext cx="5519460" cy="584775"/>
+            <a:off x="558800" y="331196"/>
+            <a:ext cx="3986989" cy="584775"/>
           </a:xfrm>
           <a:prstGeom prst="rect">
             <a:avLst/>
@@ -13059,21 +14098,28 @@
           <a:p>
             <a:pPr algn="l"/>
             <a:r>
+              <a:rPr kumimoji="1" lang="en-US" altLang="ja-JP" sz="3200" dirty="0" err="1">
+                <a:latin typeface="メイリオ" panose="020B0604030504040204" pitchFamily="50" charset="-128"/>
+                <a:ea typeface="メイリオ" panose="020B0604030504040204" pitchFamily="50" charset="-128"/>
+              </a:rPr>
+              <a:t>BoW</a:t>
+            </a:r>
+            <a:r>
               <a:rPr kumimoji="1" lang="ja-JP" altLang="en-US" sz="3200" dirty="0">
                 <a:latin typeface="メイリオ" panose="020B0604030504040204" pitchFamily="50" charset="-128"/>
                 <a:ea typeface="メイリオ" panose="020B0604030504040204" pitchFamily="50" charset="-128"/>
               </a:rPr>
-              <a:t>特徴的でない単語を除外する</a:t>
-            </a:r>
-          </a:p>
-        </p:txBody>
-      </p:sp>
-      <p:sp>
-        <p:nvSpPr>
-          <p:cNvPr id="3" name="テキスト ボックス 2">
+              <a:t>の次元数を見る</a:t>
+            </a:r>
+          </a:p>
+        </p:txBody>
+      </p:sp>
+      <p:sp>
+        <p:nvSpPr>
+          <p:cNvPr id="4" name="テキスト ボックス 3">
             <a:extLst>
               <a:ext uri="{FF2B5EF4-FFF2-40B4-BE49-F238E27FC236}">
-                <a16:creationId xmlns:a16="http://schemas.microsoft.com/office/drawing/2014/main" id="{B11D0DC3-ACE8-D95B-56A7-FBE591437F3D}"/>
+                <a16:creationId xmlns:a16="http://schemas.microsoft.com/office/drawing/2014/main" id="{AD73600F-D8DA-66A1-1D62-7548432F20D0}"/>
               </a:ext>
             </a:extLst>
           </p:cNvPr>
@@ -13082,8 +14128,8 @@
         </p:nvSpPr>
         <p:spPr>
           <a:xfrm>
-            <a:off x="589280" y="1259840"/>
-            <a:ext cx="11500264" cy="1200329"/>
+            <a:off x="558800" y="1046137"/>
+            <a:ext cx="11497058" cy="2308324"/>
           </a:xfrm>
           <a:prstGeom prst="rect">
             <a:avLst/>
@@ -13096,16 +14142,48 @@
           </a:bodyPr>
           <a:lstStyle/>
           <a:p>
-            <a:pPr marL="457200" indent="-457200" algn="l">
-              <a:buFont typeface="+mj-lt"/>
-              <a:buAutoNum type="arabicPeriod"/>
-            </a:pPr>
+            <a:pPr algn="l"/>
+            <a:r>
+              <a:rPr kumimoji="1" lang="en-US" altLang="ja-JP" sz="2400" dirty="0">
+                <a:latin typeface="メイリオ" panose="020B0604030504040204" pitchFamily="50" charset="-128"/>
+                <a:ea typeface="メイリオ" panose="020B0604030504040204" pitchFamily="50" charset="-128"/>
+              </a:rPr>
+              <a:t>1. </a:t>
+            </a:r>
             <a:r>
               <a:rPr kumimoji="1" lang="ja-JP" altLang="en-US" sz="2400" dirty="0">
                 <a:latin typeface="メイリオ" panose="020B0604030504040204" pitchFamily="50" charset="-128"/>
                 <a:ea typeface="メイリオ" panose="020B0604030504040204" pitchFamily="50" charset="-128"/>
               </a:rPr>
-              <a:t>低頻度語彙・汎用語彙の除外（フィルタリングと呼ばれる）</a:t>
+              <a:t>データ数</a:t>
+            </a:r>
+            <a:r>
+              <a:rPr kumimoji="1" lang="en-US" altLang="ja-JP" sz="2400" dirty="0">
+                <a:latin typeface="メイリオ" panose="020B0604030504040204" pitchFamily="50" charset="-128"/>
+                <a:ea typeface="メイリオ" panose="020B0604030504040204" pitchFamily="50" charset="-128"/>
+              </a:rPr>
+              <a:t>55</a:t>
+            </a:r>
+            <a:r>
+              <a:rPr kumimoji="1" lang="ja-JP" altLang="en-US" sz="2400" dirty="0">
+                <a:latin typeface="メイリオ" panose="020B0604030504040204" pitchFamily="50" charset="-128"/>
+                <a:ea typeface="メイリオ" panose="020B0604030504040204" pitchFamily="50" charset="-128"/>
+              </a:rPr>
+              <a:t>件に対して</a:t>
+            </a:r>
+            <a:r>
+              <a:rPr kumimoji="1" lang="en-US" altLang="ja-JP" sz="2400" dirty="0">
+                <a:latin typeface="メイリオ" panose="020B0604030504040204" pitchFamily="50" charset="-128"/>
+                <a:ea typeface="メイリオ" panose="020B0604030504040204" pitchFamily="50" charset="-128"/>
+              </a:rPr>
+              <a:t>290</a:t>
+            </a:r>
+            <a:r>
+              <a:rPr kumimoji="1" lang="ja-JP" altLang="en-US" sz="2400" dirty="0">
+                <a:latin typeface="メイリオ" panose="020B0604030504040204" pitchFamily="50" charset="-128"/>
+                <a:ea typeface="メイリオ" panose="020B0604030504040204" pitchFamily="50" charset="-128"/>
+              </a:rPr>
+              <a:t>次元！</a:t>
             </a:r>
             <a:endParaRPr kumimoji="1" lang="en-US" altLang="ja-JP" sz="2400" dirty="0">
               <a:latin typeface="メイリオ" panose="020B0604030504040204" pitchFamily="50" charset="-128"/>
@@ -13113,30 +14191,20 @@
             </a:endParaRPr>
           </a:p>
           <a:p>
-            <a:pPr marL="457200" indent="-457200" algn="l">
-              <a:buFont typeface="+mj-lt"/>
-              <a:buAutoNum type="arabicPeriod"/>
-            </a:pPr>
+            <a:pPr algn="l"/>
+            <a:r>
+              <a:rPr kumimoji="1" lang="en-US" altLang="ja-JP" sz="2400" dirty="0">
+                <a:latin typeface="メイリオ" panose="020B0604030504040204" pitchFamily="50" charset="-128"/>
+                <a:ea typeface="メイリオ" panose="020B0604030504040204" pitchFamily="50" charset="-128"/>
+              </a:rPr>
+              <a:t>2. csv</a:t>
+            </a:r>
             <a:r>
               <a:rPr kumimoji="1" lang="ja-JP" altLang="en-US" sz="2400" dirty="0">
                 <a:latin typeface="メイリオ" panose="020B0604030504040204" pitchFamily="50" charset="-128"/>
                 <a:ea typeface="メイリオ" panose="020B0604030504040204" pitchFamily="50" charset="-128"/>
               </a:rPr>
-              <a:t>特徴的な単語だけに次元削減できる（</a:t>
-            </a:r>
-            <a:r>
-              <a:rPr kumimoji="1" lang="en-US" altLang="ja-JP" sz="2400" dirty="0" err="1">
-                <a:latin typeface="メイリオ" panose="020B0604030504040204" pitchFamily="50" charset="-128"/>
-                <a:ea typeface="メイリオ" panose="020B0604030504040204" pitchFamily="50" charset="-128"/>
-              </a:rPr>
-              <a:t>BoW</a:t>
-            </a:r>
-            <a:r>
-              <a:rPr kumimoji="1" lang="ja-JP" altLang="en-US" sz="2400" dirty="0">
-                <a:latin typeface="メイリオ" panose="020B0604030504040204" pitchFamily="50" charset="-128"/>
-                <a:ea typeface="メイリオ" panose="020B0604030504040204" pitchFamily="50" charset="-128"/>
-              </a:rPr>
-              <a:t>の意図は、文書の特徴ベクトル化）</a:t>
+              <a:t>の行合計を見る</a:t>
             </a:r>
             <a:endParaRPr kumimoji="1" lang="en-US" altLang="ja-JP" sz="2400" dirty="0">
               <a:latin typeface="メイリオ" panose="020B0604030504040204" pitchFamily="50" charset="-128"/>
@@ -13144,23 +14212,163 @@
             </a:endParaRPr>
           </a:p>
           <a:p>
-            <a:pPr marL="457200" indent="-457200" algn="l">
-              <a:buFont typeface="+mj-lt"/>
-              <a:buAutoNum type="arabicPeriod"/>
-            </a:pPr>
-            <a:endParaRPr kumimoji="1" lang="ja-JP" altLang="en-US" sz="2400" dirty="0">
+            <a:pPr algn="l"/>
+            <a:r>
+              <a:rPr kumimoji="1" lang="ja-JP" altLang="en-US" sz="2400" dirty="0">
+                <a:latin typeface="メイリオ" panose="020B0604030504040204" pitchFamily="50" charset="-128"/>
+                <a:ea typeface="メイリオ" panose="020B0604030504040204" pitchFamily="50" charset="-128"/>
+              </a:rPr>
+              <a:t>　　頻度１の単語が多い　  　　：低頻度語彙</a:t>
+            </a:r>
+            <a:endParaRPr kumimoji="1" lang="en-US" altLang="ja-JP" sz="2400" dirty="0">
               <a:latin typeface="メイリオ" panose="020B0604030504040204" pitchFamily="50" charset="-128"/>
               <a:ea typeface="メイリオ" panose="020B0604030504040204" pitchFamily="50" charset="-128"/>
             </a:endParaRPr>
           </a:p>
-        </p:txBody>
-      </p:sp>
-      <p:sp>
-        <p:nvSpPr>
-          <p:cNvPr id="4" name="テキスト ボックス 3">
+          <a:p>
+            <a:pPr algn="l"/>
+            <a:r>
+              <a:rPr kumimoji="1" lang="ja-JP" altLang="en-US" sz="2400" dirty="0">
+                <a:latin typeface="メイリオ" panose="020B0604030504040204" pitchFamily="50" charset="-128"/>
+                <a:ea typeface="メイリオ" panose="020B0604030504040204" pitchFamily="50" charset="-128"/>
+              </a:rPr>
+              <a:t>　　</a:t>
+            </a:r>
+            <a:r>
+              <a:rPr kumimoji="1" lang="en-US" altLang="ja-JP" sz="2400" dirty="0">
+                <a:latin typeface="メイリオ" panose="020B0604030504040204" pitchFamily="50" charset="-128"/>
+                <a:ea typeface="メイリオ" panose="020B0604030504040204" pitchFamily="50" charset="-128"/>
+              </a:rPr>
+              <a:t>’</a:t>
+            </a:r>
+            <a:r>
+              <a:rPr kumimoji="1" lang="ja-JP" altLang="en-US" sz="2400" dirty="0">
+                <a:latin typeface="メイリオ" panose="020B0604030504040204" pitchFamily="50" charset="-128"/>
+                <a:ea typeface="メイリオ" panose="020B0604030504040204" pitchFamily="50" charset="-128"/>
+              </a:rPr>
+              <a:t>レシピ</a:t>
+            </a:r>
+            <a:r>
+              <a:rPr kumimoji="1" lang="en-US" altLang="ja-JP" sz="2400" dirty="0">
+                <a:latin typeface="メイリオ" panose="020B0604030504040204" pitchFamily="50" charset="-128"/>
+                <a:ea typeface="メイリオ" panose="020B0604030504040204" pitchFamily="50" charset="-128"/>
+              </a:rPr>
+              <a:t>’</a:t>
+            </a:r>
+            <a:r>
+              <a:rPr kumimoji="1" lang="ja-JP" altLang="en-US" sz="2400" dirty="0">
+                <a:latin typeface="メイリオ" panose="020B0604030504040204" pitchFamily="50" charset="-128"/>
+                <a:ea typeface="メイリオ" panose="020B0604030504040204" pitchFamily="50" charset="-128"/>
+              </a:rPr>
+              <a:t>はありふれた単語　：汎用語彙</a:t>
+            </a:r>
+            <a:endParaRPr kumimoji="1" lang="en-US" altLang="ja-JP" sz="2400" dirty="0">
+              <a:latin typeface="メイリオ" panose="020B0604030504040204" pitchFamily="50" charset="-128"/>
+              <a:ea typeface="メイリオ" panose="020B0604030504040204" pitchFamily="50" charset="-128"/>
+            </a:endParaRPr>
+          </a:p>
+          <a:p>
+            <a:pPr algn="l"/>
+            <a:r>
+              <a:rPr kumimoji="1" lang="ja-JP" altLang="en-US" sz="2400" dirty="0">
+                <a:latin typeface="メイリオ" panose="020B0604030504040204" pitchFamily="50" charset="-128"/>
+                <a:ea typeface="メイリオ" panose="020B0604030504040204" pitchFamily="50" charset="-128"/>
+              </a:rPr>
+              <a:t>　　汎用語彙の例：</a:t>
+            </a:r>
+            <a:r>
+              <a:rPr kumimoji="1" lang="en-US" altLang="ja-JP" sz="2400" dirty="0">
+                <a:latin typeface="メイリオ" panose="020B0604030504040204" pitchFamily="50" charset="-128"/>
+                <a:ea typeface="メイリオ" panose="020B0604030504040204" pitchFamily="50" charset="-128"/>
+              </a:rPr>
+              <a:t>’</a:t>
+            </a:r>
+            <a:r>
+              <a:rPr kumimoji="1" lang="ja-JP" altLang="en-US" sz="2400" dirty="0">
+                <a:latin typeface="メイリオ" panose="020B0604030504040204" pitchFamily="50" charset="-128"/>
+                <a:ea typeface="メイリオ" panose="020B0604030504040204" pitchFamily="50" charset="-128"/>
+              </a:rPr>
+              <a:t>ここ</a:t>
+            </a:r>
+            <a:r>
+              <a:rPr kumimoji="1" lang="en-US" altLang="ja-JP" sz="2400" dirty="0">
+                <a:latin typeface="メイリオ" panose="020B0604030504040204" pitchFamily="50" charset="-128"/>
+                <a:ea typeface="メイリオ" panose="020B0604030504040204" pitchFamily="50" charset="-128"/>
+              </a:rPr>
+              <a:t>’ ‘</a:t>
+            </a:r>
+            <a:r>
+              <a:rPr kumimoji="1" lang="ja-JP" altLang="en-US" sz="2400" dirty="0">
+                <a:latin typeface="メイリオ" panose="020B0604030504040204" pitchFamily="50" charset="-128"/>
+                <a:ea typeface="メイリオ" panose="020B0604030504040204" pitchFamily="50" charset="-128"/>
+              </a:rPr>
+              <a:t>それ</a:t>
+            </a:r>
+            <a:r>
+              <a:rPr kumimoji="1" lang="en-US" altLang="ja-JP" sz="2400" dirty="0">
+                <a:latin typeface="メイリオ" panose="020B0604030504040204" pitchFamily="50" charset="-128"/>
+                <a:ea typeface="メイリオ" panose="020B0604030504040204" pitchFamily="50" charset="-128"/>
+              </a:rPr>
+              <a:t>’ ‘</a:t>
+            </a:r>
+            <a:r>
+              <a:rPr kumimoji="1" lang="ja-JP" altLang="en-US" sz="2400" dirty="0">
+                <a:latin typeface="メイリオ" panose="020B0604030504040204" pitchFamily="50" charset="-128"/>
+                <a:ea typeface="メイリオ" panose="020B0604030504040204" pitchFamily="50" charset="-128"/>
+              </a:rPr>
+              <a:t>私</a:t>
+            </a:r>
+            <a:r>
+              <a:rPr kumimoji="1" lang="en-US" altLang="ja-JP" sz="2400" dirty="0">
+                <a:latin typeface="メイリオ" panose="020B0604030504040204" pitchFamily="50" charset="-128"/>
+                <a:ea typeface="メイリオ" panose="020B0604030504040204" pitchFamily="50" charset="-128"/>
+              </a:rPr>
+              <a:t>’ etc.</a:t>
+            </a:r>
+          </a:p>
+          <a:p>
+            <a:pPr algn="l"/>
+            <a:r>
+              <a:rPr kumimoji="1" lang="en-US" altLang="ja-JP" sz="2400" dirty="0">
+                <a:latin typeface="メイリオ" panose="020B0604030504040204" pitchFamily="50" charset="-128"/>
+                <a:ea typeface="メイリオ" panose="020B0604030504040204" pitchFamily="50" charset="-128"/>
+              </a:rPr>
+              <a:t>3. </a:t>
+            </a:r>
+            <a:r>
+              <a:rPr kumimoji="1" lang="ja-JP" altLang="en-US" sz="2400" dirty="0">
+                <a:latin typeface="メイリオ" panose="020B0604030504040204" pitchFamily="50" charset="-128"/>
+                <a:ea typeface="メイリオ" panose="020B0604030504040204" pitchFamily="50" charset="-128"/>
+              </a:rPr>
+              <a:t>低頻度語彙、汎用語彙とも、シュークリーム</a:t>
+            </a:r>
+            <a:r>
+              <a:rPr kumimoji="1" lang="en-US" altLang="ja-JP" sz="2400" dirty="0">
+                <a:latin typeface="メイリオ" panose="020B0604030504040204" pitchFamily="50" charset="-128"/>
+                <a:ea typeface="メイリオ" panose="020B0604030504040204" pitchFamily="50" charset="-128"/>
+              </a:rPr>
+              <a:t>/</a:t>
+            </a:r>
+            <a:r>
+              <a:rPr kumimoji="1" lang="ja-JP" altLang="en-US" sz="2400" dirty="0">
+                <a:latin typeface="メイリオ" panose="020B0604030504040204" pitchFamily="50" charset="-128"/>
+                <a:ea typeface="メイリオ" panose="020B0604030504040204" pitchFamily="50" charset="-128"/>
+              </a:rPr>
+              <a:t>プリンらしさを特徴づけていない</a:t>
+            </a:r>
+            <a:endParaRPr kumimoji="1" lang="en-US" altLang="ja-JP" sz="2400" dirty="0">
+              <a:latin typeface="メイリオ" panose="020B0604030504040204" pitchFamily="50" charset="-128"/>
+              <a:ea typeface="メイリオ" panose="020B0604030504040204" pitchFamily="50" charset="-128"/>
+            </a:endParaRPr>
+          </a:p>
+        </p:txBody>
+      </p:sp>
+      <p:sp>
+        <p:nvSpPr>
+          <p:cNvPr id="5" name="テキスト ボックス 4">
             <a:extLst>
               <a:ext uri="{FF2B5EF4-FFF2-40B4-BE49-F238E27FC236}">
-                <a16:creationId xmlns:a16="http://schemas.microsoft.com/office/drawing/2014/main" id="{9BD6DD66-1C43-F3B9-A06F-96D0568CEAF0}"/>
+                <a16:creationId xmlns:a16="http://schemas.microsoft.com/office/drawing/2014/main" id="{4832F767-39AB-A808-7E2E-69E0F610B45A}"/>
               </a:ext>
             </a:extLst>
           </p:cNvPr>
@@ -13169,8 +14377,8 @@
         </p:nvSpPr>
         <p:spPr>
           <a:xfrm>
-            <a:off x="589280" y="3028890"/>
-            <a:ext cx="10006457" cy="400110"/>
+            <a:off x="4785910" y="623584"/>
+            <a:ext cx="4707507" cy="461665"/>
           </a:xfrm>
           <a:prstGeom prst="rect">
             <a:avLst/>
@@ -13185,67 +14393,107 @@
           <a:p>
             <a:pPr algn="l"/>
             <a:r>
-              <a:rPr kumimoji="1" lang="en-US" altLang="ja-JP" sz="2000" dirty="0">
-                <a:latin typeface="メイリオ" panose="020B0604030504040204" pitchFamily="50" charset="-128"/>
-                <a:ea typeface="メイリオ" panose="020B0604030504040204" pitchFamily="50" charset="-128"/>
-              </a:rPr>
-              <a:t>vectorizer = </a:t>
-            </a:r>
-            <a:r>
-              <a:rPr kumimoji="1" lang="en-US" altLang="ja-JP" sz="2000" dirty="0" err="1">
-                <a:latin typeface="メイリオ" panose="020B0604030504040204" pitchFamily="50" charset="-128"/>
-                <a:ea typeface="メイリオ" panose="020B0604030504040204" pitchFamily="50" charset="-128"/>
-              </a:rPr>
-              <a:t>CountVectorizer</a:t>
-            </a:r>
-            <a:r>
-              <a:rPr kumimoji="1" lang="en-US" altLang="ja-JP" sz="2000" dirty="0">
-                <a:latin typeface="メイリオ" panose="020B0604030504040204" pitchFamily="50" charset="-128"/>
-                <a:ea typeface="メイリオ" panose="020B0604030504040204" pitchFamily="50" charset="-128"/>
-              </a:rPr>
-              <a:t>(tokenizer=</a:t>
-            </a:r>
-            <a:r>
-              <a:rPr kumimoji="1" lang="en-US" altLang="ja-JP" sz="2000" dirty="0" err="1">
-                <a:latin typeface="メイリオ" panose="020B0604030504040204" pitchFamily="50" charset="-128"/>
-                <a:ea typeface="メイリオ" panose="020B0604030504040204" pitchFamily="50" charset="-128"/>
-              </a:rPr>
-              <a:t>tokenize,min_df</a:t>
-            </a:r>
-            <a:r>
-              <a:rPr kumimoji="1" lang="en-US" altLang="ja-JP" sz="2000" dirty="0">
-                <a:latin typeface="メイリオ" panose="020B0604030504040204" pitchFamily="50" charset="-128"/>
-                <a:ea typeface="メイリオ" panose="020B0604030504040204" pitchFamily="50" charset="-128"/>
-              </a:rPr>
-              <a:t>=0.05, </a:t>
-            </a:r>
-            <a:r>
-              <a:rPr kumimoji="1" lang="en-US" altLang="ja-JP" sz="2000" dirty="0" err="1">
-                <a:latin typeface="メイリオ" panose="020B0604030504040204" pitchFamily="50" charset="-128"/>
-                <a:ea typeface="メイリオ" panose="020B0604030504040204" pitchFamily="50" charset="-128"/>
-              </a:rPr>
-              <a:t>max_df</a:t>
-            </a:r>
-            <a:r>
-              <a:rPr kumimoji="1" lang="en-US" altLang="ja-JP" sz="2000" dirty="0">
-                <a:latin typeface="メイリオ" panose="020B0604030504040204" pitchFamily="50" charset="-128"/>
-                <a:ea typeface="メイリオ" panose="020B0604030504040204" pitchFamily="50" charset="-128"/>
-              </a:rPr>
-              <a:t>=0.3)</a:t>
-            </a:r>
-            <a:endParaRPr kumimoji="1" lang="ja-JP" altLang="en-US" sz="2000" dirty="0">
+              <a:rPr kumimoji="1" lang="en-US" altLang="ja-JP" sz="2400" dirty="0">
+                <a:latin typeface="メイリオ" panose="020B0604030504040204" pitchFamily="50" charset="-128"/>
+                <a:ea typeface="メイリオ" panose="020B0604030504040204" pitchFamily="50" charset="-128"/>
+              </a:rPr>
+              <a:t>tsukurepo_bow_vectorizer.csv</a:t>
+            </a:r>
+            <a:endParaRPr kumimoji="1" lang="ja-JP" altLang="en-US" sz="2400" dirty="0">
               <a:latin typeface="メイリオ" panose="020B0604030504040204" pitchFamily="50" charset="-128"/>
               <a:ea typeface="メイリオ" panose="020B0604030504040204" pitchFamily="50" charset="-128"/>
             </a:endParaRPr>
           </a:p>
         </p:txBody>
       </p:sp>
-      <p:sp>
-        <p:nvSpPr>
-          <p:cNvPr id="5" name="テキスト ボックス 4">
+      <p:pic>
+        <p:nvPicPr>
+          <p:cNvPr id="14" name="図 13">
             <a:extLst>
               <a:ext uri="{FF2B5EF4-FFF2-40B4-BE49-F238E27FC236}">
-                <a16:creationId xmlns:a16="http://schemas.microsoft.com/office/drawing/2014/main" id="{A8D142FE-9D38-E263-198D-470B3DD55AD5}"/>
+                <a16:creationId xmlns:a16="http://schemas.microsoft.com/office/drawing/2014/main" id="{1E3EDBED-45FC-4D6A-2E22-843409D60B2C}"/>
+              </a:ext>
+            </a:extLst>
+          </p:cNvPr>
+          <p:cNvPicPr>
+            <a:picLocks noChangeAspect="1"/>
+          </p:cNvPicPr>
+          <p:nvPr/>
+        </p:nvPicPr>
+        <p:blipFill>
+          <a:blip r:embed="rId2"/>
+          <a:stretch>
+            <a:fillRect/>
+          </a:stretch>
+        </p:blipFill>
+        <p:spPr>
+          <a:xfrm>
+            <a:off x="1383894" y="3893071"/>
+            <a:ext cx="5066566" cy="2636520"/>
+          </a:xfrm>
+          <a:prstGeom prst="rect">
+            <a:avLst/>
+          </a:prstGeom>
+        </p:spPr>
+      </p:pic>
+      <p:sp>
+        <p:nvSpPr>
+          <p:cNvPr id="15" name="正方形/長方形 14">
+            <a:extLst>
+              <a:ext uri="{FF2B5EF4-FFF2-40B4-BE49-F238E27FC236}">
+                <a16:creationId xmlns:a16="http://schemas.microsoft.com/office/drawing/2014/main" id="{1E514011-455A-D264-9A8A-05994CF6DB3E}"/>
+              </a:ext>
+            </a:extLst>
+          </p:cNvPr>
+          <p:cNvSpPr/>
+          <p:nvPr/>
+        </p:nvSpPr>
+        <p:spPr>
+          <a:xfrm>
+            <a:off x="1383894" y="3893071"/>
+            <a:ext cx="5067706" cy="2632076"/>
+          </a:xfrm>
+          <a:prstGeom prst="rect">
+            <a:avLst/>
+          </a:prstGeom>
+          <a:noFill/>
+          <a:ln>
+            <a:solidFill>
+              <a:schemeClr val="tx1"/>
+            </a:solidFill>
+          </a:ln>
+        </p:spPr>
+        <p:style>
+          <a:lnRef idx="2">
+            <a:schemeClr val="accent1">
+              <a:shade val="15000"/>
+            </a:schemeClr>
+          </a:lnRef>
+          <a:fillRef idx="1">
+            <a:schemeClr val="accent1"/>
+          </a:fillRef>
+          <a:effectRef idx="0">
+            <a:schemeClr val="accent1"/>
+          </a:effectRef>
+          <a:fontRef idx="minor">
+            <a:schemeClr val="lt1"/>
+          </a:fontRef>
+        </p:style>
+        <p:txBody>
+          <a:bodyPr rtlCol="0" anchor="ctr"/>
+          <a:lstStyle/>
+          <a:p>
+            <a:pPr algn="ctr"/>
+            <a:endParaRPr kumimoji="1" lang="ja-JP" altLang="en-US"/>
+          </a:p>
+        </p:txBody>
+      </p:sp>
+      <p:sp>
+        <p:nvSpPr>
+          <p:cNvPr id="16" name="テキスト ボックス 15">
+            <a:extLst>
+              <a:ext uri="{FF2B5EF4-FFF2-40B4-BE49-F238E27FC236}">
+                <a16:creationId xmlns:a16="http://schemas.microsoft.com/office/drawing/2014/main" id="{77BDD7DA-C4D9-2D0F-6DD9-F3D7FE639965}"/>
               </a:ext>
             </a:extLst>
           </p:cNvPr>
@@ -13254,8 +14502,8 @@
         </p:nvSpPr>
         <p:spPr>
           <a:xfrm>
-            <a:off x="743168" y="3633575"/>
-            <a:ext cx="11489043" cy="646331"/>
+            <a:off x="1012290" y="3315349"/>
+            <a:ext cx="5295039" cy="461665"/>
           </a:xfrm>
           <a:prstGeom prst="rect">
             <a:avLst/>
@@ -13270,375 +14518,33 @@
           <a:p>
             <a:pPr algn="l"/>
             <a:r>
-              <a:rPr kumimoji="1" lang="en-US" altLang="ja-JP" dirty="0" err="1">
-                <a:latin typeface="メイリオ" panose="020B0604030504040204" pitchFamily="50" charset="-128"/>
-                <a:ea typeface="メイリオ" panose="020B0604030504040204" pitchFamily="50" charset="-128"/>
-              </a:rPr>
-              <a:t>min_df</a:t>
-            </a:r>
-            <a:r>
-              <a:rPr kumimoji="1" lang="en-US" altLang="ja-JP" dirty="0">
-                <a:latin typeface="メイリオ" panose="020B0604030504040204" pitchFamily="50" charset="-128"/>
-                <a:ea typeface="メイリオ" panose="020B0604030504040204" pitchFamily="50" charset="-128"/>
-              </a:rPr>
-              <a:t> : </a:t>
-            </a:r>
-            <a:r>
-              <a:rPr kumimoji="1" lang="ja-JP" altLang="en-US" dirty="0">
-                <a:latin typeface="メイリオ" panose="020B0604030504040204" pitchFamily="50" charset="-128"/>
-                <a:ea typeface="メイリオ" panose="020B0604030504040204" pitchFamily="50" charset="-128"/>
-              </a:rPr>
-              <a:t>低頻度語彙のフィルタリング　文書（口コミ）数の</a:t>
-            </a:r>
-            <a:r>
-              <a:rPr kumimoji="1" lang="en-US" altLang="ja-JP" dirty="0">
-                <a:latin typeface="メイリオ" panose="020B0604030504040204" pitchFamily="50" charset="-128"/>
-                <a:ea typeface="メイリオ" panose="020B0604030504040204" pitchFamily="50" charset="-128"/>
-              </a:rPr>
-              <a:t>0.05 </a:t>
-            </a:r>
-            <a:r>
-              <a:rPr kumimoji="1" lang="ja-JP" altLang="en-US" dirty="0">
-                <a:latin typeface="メイリオ" panose="020B0604030504040204" pitchFamily="50" charset="-128"/>
-                <a:ea typeface="メイリオ" panose="020B0604030504040204" pitchFamily="50" charset="-128"/>
-              </a:rPr>
-              <a:t>以下の低頻度語彙はカット</a:t>
-            </a:r>
-          </a:p>
-          <a:p>
-            <a:pPr algn="l"/>
-            <a:r>
-              <a:rPr kumimoji="1" lang="en-US" altLang="ja-JP" dirty="0" err="1">
-                <a:latin typeface="メイリオ" panose="020B0604030504040204" pitchFamily="50" charset="-128"/>
-                <a:ea typeface="メイリオ" panose="020B0604030504040204" pitchFamily="50" charset="-128"/>
-              </a:rPr>
-              <a:t>max_df</a:t>
-            </a:r>
-            <a:r>
-              <a:rPr kumimoji="1" lang="en-US" altLang="ja-JP" dirty="0">
-                <a:latin typeface="メイリオ" panose="020B0604030504040204" pitchFamily="50" charset="-128"/>
-                <a:ea typeface="メイリオ" panose="020B0604030504040204" pitchFamily="50" charset="-128"/>
-              </a:rPr>
-              <a:t> : </a:t>
-            </a:r>
-            <a:r>
-              <a:rPr kumimoji="1" lang="ja-JP" altLang="en-US" dirty="0">
-                <a:latin typeface="メイリオ" panose="020B0604030504040204" pitchFamily="50" charset="-128"/>
-                <a:ea typeface="メイリオ" panose="020B0604030504040204" pitchFamily="50" charset="-128"/>
-              </a:rPr>
-              <a:t>汎用語彙のフィルタリング　文書（口コミ）数の</a:t>
-            </a:r>
-            <a:r>
-              <a:rPr kumimoji="1" lang="en-US" altLang="ja-JP" dirty="0">
-                <a:latin typeface="メイリオ" panose="020B0604030504040204" pitchFamily="50" charset="-128"/>
-                <a:ea typeface="メイリオ" panose="020B0604030504040204" pitchFamily="50" charset="-128"/>
-              </a:rPr>
-              <a:t>0.3</a:t>
-            </a:r>
-            <a:r>
-              <a:rPr kumimoji="1" lang="ja-JP" altLang="en-US" dirty="0">
-                <a:latin typeface="メイリオ" panose="020B0604030504040204" pitchFamily="50" charset="-128"/>
-                <a:ea typeface="メイリオ" panose="020B0604030504040204" pitchFamily="50" charset="-128"/>
-              </a:rPr>
-              <a:t>以上出現するようなありふれた語彙はカット</a:t>
-            </a:r>
-          </a:p>
-        </p:txBody>
-      </p:sp>
-      <p:sp>
-        <p:nvSpPr>
-          <p:cNvPr id="6" name="テキスト ボックス 5">
-            <a:extLst>
-              <a:ext uri="{FF2B5EF4-FFF2-40B4-BE49-F238E27FC236}">
-                <a16:creationId xmlns:a16="http://schemas.microsoft.com/office/drawing/2014/main" id="{0A686033-0D63-CB12-4542-64C909203806}"/>
-              </a:ext>
-            </a:extLst>
-          </p:cNvPr>
-          <p:cNvSpPr txBox="1"/>
-          <p:nvPr/>
-        </p:nvSpPr>
-        <p:spPr>
-          <a:xfrm>
-            <a:off x="589280" y="2439595"/>
-            <a:ext cx="9028241" cy="461665"/>
-          </a:xfrm>
-          <a:prstGeom prst="rect">
-            <a:avLst/>
-          </a:prstGeom>
-          <a:noFill/>
-        </p:spPr>
-        <p:txBody>
-          <a:bodyPr wrap="none" rtlCol="0">
-            <a:spAutoFit/>
-          </a:bodyPr>
-          <a:lstStyle/>
-          <a:p>
-            <a:pPr algn="l"/>
+              <a:rPr kumimoji="1" lang="ja-JP" altLang="en-US" sz="2400" dirty="0">
+                <a:latin typeface="メイリオ" panose="020B0604030504040204" pitchFamily="50" charset="-128"/>
+                <a:ea typeface="メイリオ" panose="020B0604030504040204" pitchFamily="50" charset="-128"/>
+              </a:rPr>
+              <a:t>➡ </a:t>
+            </a:r>
             <a:r>
               <a:rPr kumimoji="1" lang="en-US" altLang="ja-JP" sz="2400" dirty="0" err="1">
                 <a:latin typeface="メイリオ" panose="020B0604030504040204" pitchFamily="50" charset="-128"/>
                 <a:ea typeface="メイリオ" panose="020B0604030504040204" pitchFamily="50" charset="-128"/>
               </a:rPr>
-              <a:t>CountVectorizer</a:t>
+              <a:t>BoW</a:t>
             </a:r>
             <a:r>
               <a:rPr kumimoji="1" lang="ja-JP" altLang="en-US" sz="2400" dirty="0">
                 <a:latin typeface="メイリオ" panose="020B0604030504040204" pitchFamily="50" charset="-128"/>
                 <a:ea typeface="メイリオ" panose="020B0604030504040204" pitchFamily="50" charset="-128"/>
               </a:rPr>
-              <a:t>による低頻度語彙・汎用語彙のフィルタリング</a:t>
-            </a:r>
-          </a:p>
-        </p:txBody>
-      </p:sp>
-      <p:sp>
-        <p:nvSpPr>
-          <p:cNvPr id="7" name="テキスト ボックス 6">
-            <a:extLst>
-              <a:ext uri="{FF2B5EF4-FFF2-40B4-BE49-F238E27FC236}">
-                <a16:creationId xmlns:a16="http://schemas.microsoft.com/office/drawing/2014/main" id="{89A9192C-7FED-C752-04B8-1C492221B377}"/>
-              </a:ext>
-            </a:extLst>
-          </p:cNvPr>
-          <p:cNvSpPr txBox="1"/>
-          <p:nvPr/>
-        </p:nvSpPr>
-        <p:spPr>
-          <a:xfrm>
-            <a:off x="743168" y="4484481"/>
-            <a:ext cx="800219" cy="461665"/>
-          </a:xfrm>
-          <a:prstGeom prst="rect">
-            <a:avLst/>
-          </a:prstGeom>
-          <a:noFill/>
-        </p:spPr>
-        <p:txBody>
-          <a:bodyPr wrap="none" rtlCol="0">
-            <a:spAutoFit/>
-          </a:bodyPr>
-          <a:lstStyle/>
-          <a:p>
-            <a:pPr algn="l"/>
-            <a:r>
-              <a:rPr kumimoji="1" lang="ja-JP" altLang="en-US" sz="2400" dirty="0">
-                <a:latin typeface="メイリオ" panose="020B0604030504040204" pitchFamily="50" charset="-128"/>
-                <a:ea typeface="メイリオ" panose="020B0604030504040204" pitchFamily="50" charset="-128"/>
-              </a:rPr>
-              <a:t>問題</a:t>
-            </a:r>
-          </a:p>
-        </p:txBody>
-      </p:sp>
-      <p:sp>
-        <p:nvSpPr>
-          <p:cNvPr id="8" name="テキスト ボックス 7">
-            <a:extLst>
-              <a:ext uri="{FF2B5EF4-FFF2-40B4-BE49-F238E27FC236}">
-                <a16:creationId xmlns:a16="http://schemas.microsoft.com/office/drawing/2014/main" id="{5BE6415C-313E-F7C6-98DE-F957C6704C74}"/>
-              </a:ext>
-            </a:extLst>
-          </p:cNvPr>
-          <p:cNvSpPr txBox="1"/>
-          <p:nvPr/>
-        </p:nvSpPr>
-        <p:spPr>
-          <a:xfrm>
-            <a:off x="722193" y="4933633"/>
-            <a:ext cx="11469807" cy="1938992"/>
-          </a:xfrm>
-          <a:prstGeom prst="rect">
-            <a:avLst/>
-          </a:prstGeom>
-          <a:noFill/>
-        </p:spPr>
-        <p:txBody>
-          <a:bodyPr wrap="none" rtlCol="0">
-            <a:spAutoFit/>
-          </a:bodyPr>
-          <a:lstStyle/>
-          <a:p>
-            <a:pPr algn="l"/>
-            <a:r>
-              <a:rPr kumimoji="1" lang="ja-JP" altLang="en-US" sz="2400" dirty="0">
-                <a:latin typeface="メイリオ" panose="020B0604030504040204" pitchFamily="50" charset="-128"/>
-                <a:ea typeface="メイリオ" panose="020B0604030504040204" pitchFamily="50" charset="-128"/>
-              </a:rPr>
-              <a:t>以下のように頻度は大きいが、偏って出現する単語は</a:t>
-            </a:r>
-            <a:r>
-              <a:rPr kumimoji="1" lang="en-US" altLang="ja-JP" sz="2400" dirty="0" err="1">
-                <a:latin typeface="メイリオ" panose="020B0604030504040204" pitchFamily="50" charset="-128"/>
-                <a:ea typeface="メイリオ" panose="020B0604030504040204" pitchFamily="50" charset="-128"/>
-              </a:rPr>
-              <a:t>max_df</a:t>
-            </a:r>
-            <a:r>
-              <a:rPr kumimoji="1" lang="en-US" altLang="ja-JP" sz="2400" dirty="0">
-                <a:latin typeface="メイリオ" panose="020B0604030504040204" pitchFamily="50" charset="-128"/>
-                <a:ea typeface="メイリオ" panose="020B0604030504040204" pitchFamily="50" charset="-128"/>
-              </a:rPr>
-              <a:t>=0.8</a:t>
-            </a:r>
-            <a:r>
-              <a:rPr kumimoji="1" lang="ja-JP" altLang="en-US" sz="2400" dirty="0">
-                <a:latin typeface="メイリオ" panose="020B0604030504040204" pitchFamily="50" charset="-128"/>
-                <a:ea typeface="メイリオ" panose="020B0604030504040204" pitchFamily="50" charset="-128"/>
-              </a:rPr>
-              <a:t>としたときに</a:t>
-            </a:r>
-            <a:endParaRPr kumimoji="1" lang="en-US" altLang="ja-JP" sz="2400" dirty="0">
-              <a:latin typeface="メイリオ" panose="020B0604030504040204" pitchFamily="50" charset="-128"/>
-              <a:ea typeface="メイリオ" panose="020B0604030504040204" pitchFamily="50" charset="-128"/>
-            </a:endParaRPr>
-          </a:p>
-          <a:p>
-            <a:pPr algn="l"/>
-            <a:r>
-              <a:rPr kumimoji="1" lang="ja-JP" altLang="en-US" sz="2400" dirty="0">
-                <a:latin typeface="メイリオ" panose="020B0604030504040204" pitchFamily="50" charset="-128"/>
-                <a:ea typeface="メイリオ" panose="020B0604030504040204" pitchFamily="50" charset="-128"/>
-              </a:rPr>
-              <a:t>フィルタされるか？</a:t>
-            </a:r>
-            <a:endParaRPr kumimoji="1" lang="en-US" altLang="ja-JP" sz="2400" dirty="0">
-              <a:latin typeface="メイリオ" panose="020B0604030504040204" pitchFamily="50" charset="-128"/>
-              <a:ea typeface="メイリオ" panose="020B0604030504040204" pitchFamily="50" charset="-128"/>
-            </a:endParaRPr>
-          </a:p>
-          <a:p>
-            <a:pPr algn="l"/>
-            <a:endParaRPr kumimoji="1" lang="en-US" altLang="ja-JP" sz="2400" dirty="0">
-              <a:latin typeface="メイリオ" panose="020B0604030504040204" pitchFamily="50" charset="-128"/>
-              <a:ea typeface="メイリオ" panose="020B0604030504040204" pitchFamily="50" charset="-128"/>
-            </a:endParaRPr>
-          </a:p>
-          <a:p>
-            <a:pPr algn="l"/>
-            <a:r>
-              <a:rPr kumimoji="1" lang="ja-JP" altLang="en-US" sz="2400" dirty="0">
-                <a:latin typeface="メイリオ" panose="020B0604030504040204" pitchFamily="50" charset="-128"/>
-                <a:ea typeface="メイリオ" panose="020B0604030504040204" pitchFamily="50" charset="-128"/>
-              </a:rPr>
-              <a:t>　　シュークリーム口コミ数 </a:t>
-            </a:r>
-            <a:r>
-              <a:rPr kumimoji="1" lang="en-US" altLang="ja-JP" sz="2400" dirty="0">
-                <a:latin typeface="メイリオ" panose="020B0604030504040204" pitchFamily="50" charset="-128"/>
-                <a:ea typeface="メイリオ" panose="020B0604030504040204" pitchFamily="50" charset="-128"/>
-              </a:rPr>
-              <a:t>25</a:t>
-            </a:r>
-            <a:r>
-              <a:rPr kumimoji="1" lang="ja-JP" altLang="en-US" sz="2400" dirty="0">
-                <a:latin typeface="メイリオ" panose="020B0604030504040204" pitchFamily="50" charset="-128"/>
-                <a:ea typeface="メイリオ" panose="020B0604030504040204" pitchFamily="50" charset="-128"/>
-              </a:rPr>
-              <a:t>　プリン口コミ数 </a:t>
-            </a:r>
-            <a:r>
-              <a:rPr kumimoji="1" lang="en-US" altLang="ja-JP" sz="2400" dirty="0">
-                <a:latin typeface="メイリオ" panose="020B0604030504040204" pitchFamily="50" charset="-128"/>
-                <a:ea typeface="メイリオ" panose="020B0604030504040204" pitchFamily="50" charset="-128"/>
-              </a:rPr>
-              <a:t>25</a:t>
-            </a:r>
-          </a:p>
-          <a:p>
-            <a:pPr algn="l"/>
-            <a:r>
-              <a:rPr kumimoji="1" lang="ja-JP" altLang="en-US" sz="2400" dirty="0">
-                <a:latin typeface="メイリオ" panose="020B0604030504040204" pitchFamily="50" charset="-128"/>
-                <a:ea typeface="メイリオ" panose="020B0604030504040204" pitchFamily="50" charset="-128"/>
-              </a:rPr>
-              <a:t>　　</a:t>
-            </a:r>
-            <a:r>
-              <a:rPr kumimoji="1" lang="en-US" altLang="ja-JP" sz="2400" dirty="0">
-                <a:latin typeface="メイリオ" panose="020B0604030504040204" pitchFamily="50" charset="-128"/>
-                <a:ea typeface="メイリオ" panose="020B0604030504040204" pitchFamily="50" charset="-128"/>
-              </a:rPr>
-              <a:t>  ‘</a:t>
-            </a:r>
-            <a:r>
-              <a:rPr kumimoji="1" lang="ja-JP" altLang="en-US" sz="2400" dirty="0">
-                <a:latin typeface="メイリオ" panose="020B0604030504040204" pitchFamily="50" charset="-128"/>
-                <a:ea typeface="メイリオ" panose="020B0604030504040204" pitchFamily="50" charset="-128"/>
-              </a:rPr>
-              <a:t>カスタード</a:t>
-            </a:r>
-            <a:r>
-              <a:rPr kumimoji="1" lang="en-US" altLang="ja-JP" sz="2400" dirty="0">
-                <a:latin typeface="メイリオ" panose="020B0604030504040204" pitchFamily="50" charset="-128"/>
-                <a:ea typeface="メイリオ" panose="020B0604030504040204" pitchFamily="50" charset="-128"/>
-              </a:rPr>
-              <a:t>’50</a:t>
-            </a:r>
-            <a:r>
-              <a:rPr kumimoji="1" lang="ja-JP" altLang="en-US" sz="2400" dirty="0">
-                <a:latin typeface="メイリオ" panose="020B0604030504040204" pitchFamily="50" charset="-128"/>
-                <a:ea typeface="メイリオ" panose="020B0604030504040204" pitchFamily="50" charset="-128"/>
-              </a:rPr>
-              <a:t>件がシュークリームのみに出現</a:t>
-            </a:r>
-          </a:p>
-        </p:txBody>
-      </p:sp>
-      <p:sp>
-        <p:nvSpPr>
-          <p:cNvPr id="9" name="テキスト ボックス 8">
-            <a:extLst>
-              <a:ext uri="{FF2B5EF4-FFF2-40B4-BE49-F238E27FC236}">
-                <a16:creationId xmlns:a16="http://schemas.microsoft.com/office/drawing/2014/main" id="{E2EC2448-D17A-DF26-4E2C-C4A718669E60}"/>
-              </a:ext>
-            </a:extLst>
-          </p:cNvPr>
-          <p:cNvSpPr txBox="1"/>
-          <p:nvPr/>
-        </p:nvSpPr>
-        <p:spPr>
-          <a:xfrm>
-            <a:off x="497840" y="780527"/>
-            <a:ext cx="10891123" cy="830997"/>
-          </a:xfrm>
-          <a:prstGeom prst="rect">
-            <a:avLst/>
-          </a:prstGeom>
-          <a:noFill/>
-        </p:spPr>
-        <p:txBody>
-          <a:bodyPr wrap="none" rtlCol="0">
-            <a:spAutoFit/>
-          </a:bodyPr>
-          <a:lstStyle/>
-          <a:p>
-            <a:pPr algn="l"/>
-            <a:r>
-              <a:rPr kumimoji="1" lang="en-US" altLang="ja-JP" sz="2400" dirty="0">
-                <a:latin typeface="メイリオ" panose="020B0604030504040204" pitchFamily="50" charset="-128"/>
-                <a:ea typeface="メイリオ" panose="020B0604030504040204" pitchFamily="50" charset="-128"/>
-                <a:hlinkClick r:id="rId3"/>
-              </a:rPr>
-              <a:t>https://github.com/ueharaLab/NLP3_BoW/blob/main/BoW_coding.md</a:t>
-            </a:r>
-            <a:endParaRPr kumimoji="1" lang="en-US" altLang="ja-JP" sz="2400" dirty="0">
-              <a:latin typeface="メイリオ" panose="020B0604030504040204" pitchFamily="50" charset="-128"/>
-              <a:ea typeface="メイリオ" panose="020B0604030504040204" pitchFamily="50" charset="-128"/>
-            </a:endParaRPr>
-          </a:p>
-          <a:p>
-            <a:pPr algn="l"/>
-            <a:endParaRPr kumimoji="1" lang="ja-JP" altLang="en-US" sz="2400" dirty="0">
-              <a:latin typeface="メイリオ" panose="020B0604030504040204" pitchFamily="50" charset="-128"/>
-              <a:ea typeface="メイリオ" panose="020B0604030504040204" pitchFamily="50" charset="-128"/>
-            </a:endParaRPr>
+              <a:t>は冗長な次元数になっている</a:t>
+            </a:r>
           </a:p>
         </p:txBody>
       </p:sp>
     </p:spTree>
     <p:extLst>
       <p:ext uri="{BB962C8B-B14F-4D97-AF65-F5344CB8AC3E}">
-        <p14:creationId xmlns:p14="http://schemas.microsoft.com/office/powerpoint/2010/main" val="1965735063"/>
+        <p14:creationId xmlns:p14="http://schemas.microsoft.com/office/powerpoint/2010/main" val="3546901380"/>
       </p:ext>
     </p:extLst>
   </p:cSld>
@@ -14216,42 +15122,12 @@
           <a:chExt cx="0" cy="0"/>
         </a:xfrm>
       </p:grpSpPr>
-      <p:pic>
-        <p:nvPicPr>
-          <p:cNvPr id="3" name="図 2">
+      <p:sp>
+        <p:nvSpPr>
+          <p:cNvPr id="2" name="テキスト ボックス 1">
             <a:extLst>
               <a:ext uri="{FF2B5EF4-FFF2-40B4-BE49-F238E27FC236}">
-                <a16:creationId xmlns:a16="http://schemas.microsoft.com/office/drawing/2014/main" id="{AF535CC7-F11F-5AA9-3D4D-7E821BAB4773}"/>
-              </a:ext>
-            </a:extLst>
-          </p:cNvPr>
-          <p:cNvPicPr>
-            <a:picLocks noChangeAspect="1"/>
-          </p:cNvPicPr>
-          <p:nvPr/>
-        </p:nvPicPr>
-        <p:blipFill>
-          <a:blip r:embed="rId2"/>
-          <a:stretch>
-            <a:fillRect/>
-          </a:stretch>
-        </p:blipFill>
-        <p:spPr>
-          <a:xfrm>
-            <a:off x="157908" y="216446"/>
-            <a:ext cx="11876183" cy="6659696"/>
-          </a:xfrm>
-          <a:prstGeom prst="rect">
-            <a:avLst/>
-          </a:prstGeom>
-        </p:spPr>
-      </p:pic>
-      <p:sp>
-        <p:nvSpPr>
-          <p:cNvPr id="4" name="テキスト ボックス 3">
-            <a:extLst>
-              <a:ext uri="{FF2B5EF4-FFF2-40B4-BE49-F238E27FC236}">
-                <a16:creationId xmlns:a16="http://schemas.microsoft.com/office/drawing/2014/main" id="{81F0F04E-43A1-D612-E545-9B3D1DB3ED8D}"/>
+                <a16:creationId xmlns:a16="http://schemas.microsoft.com/office/drawing/2014/main" id="{F0E9B116-F0A0-DA64-1B8F-561B4360CFCF}"/>
               </a:ext>
             </a:extLst>
           </p:cNvPr>
@@ -14260,8 +15136,8 @@
         </p:nvSpPr>
         <p:spPr>
           <a:xfrm>
-            <a:off x="325120" y="198304"/>
-            <a:ext cx="319318" cy="461665"/>
+            <a:off x="544850" y="318863"/>
+            <a:ext cx="5519460" cy="584775"/>
           </a:xfrm>
           <a:prstGeom prst="rect">
             <a:avLst/>
@@ -14276,441 +15152,21 @@
           <a:p>
             <a:pPr algn="l"/>
             <a:r>
-              <a:rPr kumimoji="1" lang="en-US" altLang="ja-JP" sz="2400" dirty="0">
-                <a:latin typeface="メイリオ" panose="020B0604030504040204" pitchFamily="50" charset="-128"/>
-                <a:ea typeface="メイリオ" panose="020B0604030504040204" pitchFamily="50" charset="-128"/>
-              </a:rPr>
-              <a:t>-</a:t>
-            </a:r>
-            <a:endParaRPr kumimoji="1" lang="ja-JP" altLang="en-US" sz="2400" dirty="0">
-              <a:latin typeface="メイリオ" panose="020B0604030504040204" pitchFamily="50" charset="-128"/>
-              <a:ea typeface="メイリオ" panose="020B0604030504040204" pitchFamily="50" charset="-128"/>
-            </a:endParaRPr>
-          </a:p>
-        </p:txBody>
-      </p:sp>
-      <p:sp>
-        <p:nvSpPr>
-          <p:cNvPr id="5" name="楕円 4">
+              <a:rPr kumimoji="1" lang="ja-JP" altLang="en-US" sz="3200" dirty="0">
+                <a:latin typeface="メイリオ" panose="020B0604030504040204" pitchFamily="50" charset="-128"/>
+                <a:ea typeface="メイリオ" panose="020B0604030504040204" pitchFamily="50" charset="-128"/>
+              </a:rPr>
+              <a:t>特徴的でない単語を除外する</a:t>
+            </a:r>
+          </a:p>
+        </p:txBody>
+      </p:sp>
+      <p:sp>
+        <p:nvSpPr>
+          <p:cNvPr id="3" name="テキスト ボックス 2">
             <a:extLst>
               <a:ext uri="{FF2B5EF4-FFF2-40B4-BE49-F238E27FC236}">
-                <a16:creationId xmlns:a16="http://schemas.microsoft.com/office/drawing/2014/main" id="{D1989F04-5B84-5218-DF42-2242D68AC4F3}"/>
-              </a:ext>
-            </a:extLst>
-          </p:cNvPr>
-          <p:cNvSpPr/>
-          <p:nvPr/>
-        </p:nvSpPr>
-        <p:spPr>
-          <a:xfrm rot="19159533">
-            <a:off x="1595120" y="3205482"/>
-            <a:ext cx="802640" cy="248920"/>
-          </a:xfrm>
-          <a:prstGeom prst="ellipse">
-            <a:avLst/>
-          </a:prstGeom>
-          <a:noFill/>
-          <a:ln>
-            <a:solidFill>
-              <a:srgbClr val="FF0000"/>
-            </a:solidFill>
-          </a:ln>
-        </p:spPr>
-        <p:style>
-          <a:lnRef idx="2">
-            <a:schemeClr val="accent1">
-              <a:shade val="15000"/>
-            </a:schemeClr>
-          </a:lnRef>
-          <a:fillRef idx="1">
-            <a:schemeClr val="accent1"/>
-          </a:fillRef>
-          <a:effectRef idx="0">
-            <a:schemeClr val="accent1"/>
-          </a:effectRef>
-          <a:fontRef idx="minor">
-            <a:schemeClr val="lt1"/>
-          </a:fontRef>
-        </p:style>
-        <p:txBody>
-          <a:bodyPr rtlCol="0" anchor="ctr"/>
-          <a:lstStyle/>
-          <a:p>
-            <a:pPr algn="ctr"/>
-            <a:endParaRPr kumimoji="1" lang="ja-JP" altLang="en-US"/>
-          </a:p>
-        </p:txBody>
-      </p:sp>
-      <p:sp>
-        <p:nvSpPr>
-          <p:cNvPr id="6" name="楕円 5">
-            <a:extLst>
-              <a:ext uri="{FF2B5EF4-FFF2-40B4-BE49-F238E27FC236}">
-                <a16:creationId xmlns:a16="http://schemas.microsoft.com/office/drawing/2014/main" id="{A1A019EE-C9FE-D449-4419-929CB9552E27}"/>
-              </a:ext>
-            </a:extLst>
-          </p:cNvPr>
-          <p:cNvSpPr/>
-          <p:nvPr/>
-        </p:nvSpPr>
-        <p:spPr>
-          <a:xfrm rot="19159533">
-            <a:off x="3556000" y="891467"/>
-            <a:ext cx="802640" cy="248920"/>
-          </a:xfrm>
-          <a:prstGeom prst="ellipse">
-            <a:avLst/>
-          </a:prstGeom>
-          <a:noFill/>
-          <a:ln>
-            <a:solidFill>
-              <a:srgbClr val="FF0000"/>
-            </a:solidFill>
-          </a:ln>
-        </p:spPr>
-        <p:style>
-          <a:lnRef idx="2">
-            <a:schemeClr val="accent1">
-              <a:shade val="15000"/>
-            </a:schemeClr>
-          </a:lnRef>
-          <a:fillRef idx="1">
-            <a:schemeClr val="accent1"/>
-          </a:fillRef>
-          <a:effectRef idx="0">
-            <a:schemeClr val="accent1"/>
-          </a:effectRef>
-          <a:fontRef idx="minor">
-            <a:schemeClr val="lt1"/>
-          </a:fontRef>
-        </p:style>
-        <p:txBody>
-          <a:bodyPr rtlCol="0" anchor="ctr"/>
-          <a:lstStyle/>
-          <a:p>
-            <a:pPr algn="ctr"/>
-            <a:endParaRPr kumimoji="1" lang="ja-JP" altLang="en-US"/>
-          </a:p>
-        </p:txBody>
-      </p:sp>
-      <p:sp>
-        <p:nvSpPr>
-          <p:cNvPr id="7" name="楕円 6">
-            <a:extLst>
-              <a:ext uri="{FF2B5EF4-FFF2-40B4-BE49-F238E27FC236}">
-                <a16:creationId xmlns:a16="http://schemas.microsoft.com/office/drawing/2014/main" id="{008C1186-6F30-5426-311D-CC03F6898BFD}"/>
-              </a:ext>
-            </a:extLst>
-          </p:cNvPr>
-          <p:cNvSpPr/>
-          <p:nvPr/>
-        </p:nvSpPr>
-        <p:spPr>
-          <a:xfrm rot="19159533">
-            <a:off x="1925320" y="6285962"/>
-            <a:ext cx="802640" cy="248920"/>
-          </a:xfrm>
-          <a:prstGeom prst="ellipse">
-            <a:avLst/>
-          </a:prstGeom>
-          <a:noFill/>
-          <a:ln>
-            <a:solidFill>
-              <a:srgbClr val="00B050"/>
-            </a:solidFill>
-          </a:ln>
-        </p:spPr>
-        <p:style>
-          <a:lnRef idx="2">
-            <a:schemeClr val="accent1">
-              <a:shade val="15000"/>
-            </a:schemeClr>
-          </a:lnRef>
-          <a:fillRef idx="1">
-            <a:schemeClr val="accent1"/>
-          </a:fillRef>
-          <a:effectRef idx="0">
-            <a:schemeClr val="accent1"/>
-          </a:effectRef>
-          <a:fontRef idx="minor">
-            <a:schemeClr val="lt1"/>
-          </a:fontRef>
-        </p:style>
-        <p:txBody>
-          <a:bodyPr rtlCol="0" anchor="ctr"/>
-          <a:lstStyle/>
-          <a:p>
-            <a:pPr algn="ctr"/>
-            <a:endParaRPr kumimoji="1" lang="ja-JP" altLang="en-US"/>
-          </a:p>
-        </p:txBody>
-      </p:sp>
-      <p:sp>
-        <p:nvSpPr>
-          <p:cNvPr id="8" name="楕円 7">
-            <a:extLst>
-              <a:ext uri="{FF2B5EF4-FFF2-40B4-BE49-F238E27FC236}">
-                <a16:creationId xmlns:a16="http://schemas.microsoft.com/office/drawing/2014/main" id="{CB2FF31E-E128-4DBA-B2DD-D149B9F9176F}"/>
-              </a:ext>
-            </a:extLst>
-          </p:cNvPr>
-          <p:cNvSpPr/>
-          <p:nvPr/>
-        </p:nvSpPr>
-        <p:spPr>
-          <a:xfrm rot="19159533">
-            <a:off x="9489441" y="3065875"/>
-            <a:ext cx="802640" cy="248920"/>
-          </a:xfrm>
-          <a:prstGeom prst="ellipse">
-            <a:avLst/>
-          </a:prstGeom>
-          <a:noFill/>
-          <a:ln>
-            <a:solidFill>
-              <a:srgbClr val="FF0000"/>
-            </a:solidFill>
-          </a:ln>
-        </p:spPr>
-        <p:style>
-          <a:lnRef idx="2">
-            <a:schemeClr val="accent1">
-              <a:shade val="15000"/>
-            </a:schemeClr>
-          </a:lnRef>
-          <a:fillRef idx="1">
-            <a:schemeClr val="accent1"/>
-          </a:fillRef>
-          <a:effectRef idx="0">
-            <a:schemeClr val="accent1"/>
-          </a:effectRef>
-          <a:fontRef idx="minor">
-            <a:schemeClr val="lt1"/>
-          </a:fontRef>
-        </p:style>
-        <p:txBody>
-          <a:bodyPr rtlCol="0" anchor="ctr"/>
-          <a:lstStyle/>
-          <a:p>
-            <a:pPr algn="ctr"/>
-            <a:endParaRPr kumimoji="1" lang="ja-JP" altLang="en-US"/>
-          </a:p>
-        </p:txBody>
-      </p:sp>
-      <p:sp>
-        <p:nvSpPr>
-          <p:cNvPr id="9" name="楕円 8">
-            <a:extLst>
-              <a:ext uri="{FF2B5EF4-FFF2-40B4-BE49-F238E27FC236}">
-                <a16:creationId xmlns:a16="http://schemas.microsoft.com/office/drawing/2014/main" id="{A0174365-A067-31F9-6F0E-8F5F26C11E40}"/>
-              </a:ext>
-            </a:extLst>
-          </p:cNvPr>
-          <p:cNvSpPr/>
-          <p:nvPr/>
-        </p:nvSpPr>
-        <p:spPr>
-          <a:xfrm rot="19159533">
-            <a:off x="7620000" y="3040384"/>
-            <a:ext cx="802640" cy="248920"/>
-          </a:xfrm>
-          <a:prstGeom prst="ellipse">
-            <a:avLst/>
-          </a:prstGeom>
-          <a:noFill/>
-          <a:ln>
-            <a:solidFill>
-              <a:srgbClr val="FF0000"/>
-            </a:solidFill>
-          </a:ln>
-        </p:spPr>
-        <p:style>
-          <a:lnRef idx="2">
-            <a:schemeClr val="accent1">
-              <a:shade val="15000"/>
-            </a:schemeClr>
-          </a:lnRef>
-          <a:fillRef idx="1">
-            <a:schemeClr val="accent1"/>
-          </a:fillRef>
-          <a:effectRef idx="0">
-            <a:schemeClr val="accent1"/>
-          </a:effectRef>
-          <a:fontRef idx="minor">
-            <a:schemeClr val="lt1"/>
-          </a:fontRef>
-        </p:style>
-        <p:txBody>
-          <a:bodyPr rtlCol="0" anchor="ctr"/>
-          <a:lstStyle/>
-          <a:p>
-            <a:pPr algn="ctr"/>
-            <a:endParaRPr kumimoji="1" lang="ja-JP" altLang="en-US"/>
-          </a:p>
-        </p:txBody>
-      </p:sp>
-      <p:sp>
-        <p:nvSpPr>
-          <p:cNvPr id="10" name="楕円 9">
-            <a:extLst>
-              <a:ext uri="{FF2B5EF4-FFF2-40B4-BE49-F238E27FC236}">
-                <a16:creationId xmlns:a16="http://schemas.microsoft.com/office/drawing/2014/main" id="{E6CE6EAA-5F36-FE72-7BE5-1A63A73B93BB}"/>
-              </a:ext>
-            </a:extLst>
-          </p:cNvPr>
-          <p:cNvSpPr/>
-          <p:nvPr/>
-        </p:nvSpPr>
-        <p:spPr>
-          <a:xfrm rot="19159533">
-            <a:off x="10713721" y="6254851"/>
-            <a:ext cx="802640" cy="248920"/>
-          </a:xfrm>
-          <a:prstGeom prst="ellipse">
-            <a:avLst/>
-          </a:prstGeom>
-          <a:noFill/>
-          <a:ln>
-            <a:solidFill>
-              <a:srgbClr val="00B050"/>
-            </a:solidFill>
-          </a:ln>
-        </p:spPr>
-        <p:style>
-          <a:lnRef idx="2">
-            <a:schemeClr val="accent1">
-              <a:shade val="15000"/>
-            </a:schemeClr>
-          </a:lnRef>
-          <a:fillRef idx="1">
-            <a:schemeClr val="accent1"/>
-          </a:fillRef>
-          <a:effectRef idx="0">
-            <a:schemeClr val="accent1"/>
-          </a:effectRef>
-          <a:fontRef idx="minor">
-            <a:schemeClr val="lt1"/>
-          </a:fontRef>
-        </p:style>
-        <p:txBody>
-          <a:bodyPr rtlCol="0" anchor="ctr"/>
-          <a:lstStyle/>
-          <a:p>
-            <a:pPr algn="ctr"/>
-            <a:endParaRPr kumimoji="1" lang="ja-JP" altLang="en-US"/>
-          </a:p>
-        </p:txBody>
-      </p:sp>
-      <p:sp>
-        <p:nvSpPr>
-          <p:cNvPr id="11" name="楕円 10">
-            <a:extLst>
-              <a:ext uri="{FF2B5EF4-FFF2-40B4-BE49-F238E27FC236}">
-                <a16:creationId xmlns:a16="http://schemas.microsoft.com/office/drawing/2014/main" id="{121B4D13-401C-AEB6-3278-6FA15B85AAE0}"/>
-              </a:ext>
-            </a:extLst>
-          </p:cNvPr>
-          <p:cNvSpPr/>
-          <p:nvPr/>
-        </p:nvSpPr>
-        <p:spPr>
-          <a:xfrm rot="19159533">
-            <a:off x="9849531" y="6280697"/>
-            <a:ext cx="802640" cy="248920"/>
-          </a:xfrm>
-          <a:prstGeom prst="ellipse">
-            <a:avLst/>
-          </a:prstGeom>
-          <a:noFill/>
-          <a:ln>
-            <a:solidFill>
-              <a:srgbClr val="00B050"/>
-            </a:solidFill>
-          </a:ln>
-        </p:spPr>
-        <p:style>
-          <a:lnRef idx="2">
-            <a:schemeClr val="accent1">
-              <a:shade val="15000"/>
-            </a:schemeClr>
-          </a:lnRef>
-          <a:fillRef idx="1">
-            <a:schemeClr val="accent1"/>
-          </a:fillRef>
-          <a:effectRef idx="0">
-            <a:schemeClr val="accent1"/>
-          </a:effectRef>
-          <a:fontRef idx="minor">
-            <a:schemeClr val="lt1"/>
-          </a:fontRef>
-        </p:style>
-        <p:txBody>
-          <a:bodyPr rtlCol="0" anchor="ctr"/>
-          <a:lstStyle/>
-          <a:p>
-            <a:pPr algn="ctr"/>
-            <a:endParaRPr kumimoji="1" lang="ja-JP" altLang="en-US"/>
-          </a:p>
-        </p:txBody>
-      </p:sp>
-      <p:sp>
-        <p:nvSpPr>
-          <p:cNvPr id="12" name="楕円 11">
-            <a:extLst>
-              <a:ext uri="{FF2B5EF4-FFF2-40B4-BE49-F238E27FC236}">
-                <a16:creationId xmlns:a16="http://schemas.microsoft.com/office/drawing/2014/main" id="{19F04252-8BA5-C7A4-5F7C-73D3FDEED669}"/>
-              </a:ext>
-            </a:extLst>
-          </p:cNvPr>
-          <p:cNvSpPr/>
-          <p:nvPr/>
-        </p:nvSpPr>
-        <p:spPr>
-          <a:xfrm rot="19159533">
-            <a:off x="3286760" y="3990484"/>
-            <a:ext cx="802640" cy="248920"/>
-          </a:xfrm>
-          <a:prstGeom prst="ellipse">
-            <a:avLst/>
-          </a:prstGeom>
-          <a:noFill/>
-          <a:ln>
-            <a:solidFill>
-              <a:srgbClr val="00B050"/>
-            </a:solidFill>
-          </a:ln>
-        </p:spPr>
-        <p:style>
-          <a:lnRef idx="2">
-            <a:schemeClr val="accent1">
-              <a:shade val="15000"/>
-            </a:schemeClr>
-          </a:lnRef>
-          <a:fillRef idx="1">
-            <a:schemeClr val="accent1"/>
-          </a:fillRef>
-          <a:effectRef idx="0">
-            <a:schemeClr val="accent1"/>
-          </a:effectRef>
-          <a:fontRef idx="minor">
-            <a:schemeClr val="lt1"/>
-          </a:fontRef>
-        </p:style>
-        <p:txBody>
-          <a:bodyPr rtlCol="0" anchor="ctr"/>
-          <a:lstStyle/>
-          <a:p>
-            <a:pPr algn="ctr"/>
-            <a:endParaRPr kumimoji="1" lang="ja-JP" altLang="en-US"/>
-          </a:p>
-        </p:txBody>
-      </p:sp>
-      <p:sp>
-        <p:nvSpPr>
-          <p:cNvPr id="13" name="テキスト ボックス 12">
-            <a:extLst>
-              <a:ext uri="{FF2B5EF4-FFF2-40B4-BE49-F238E27FC236}">
-                <a16:creationId xmlns:a16="http://schemas.microsoft.com/office/drawing/2014/main" id="{E273A9EF-B5E8-B573-4CE6-9B7378DDAAE4}"/>
+                <a16:creationId xmlns:a16="http://schemas.microsoft.com/office/drawing/2014/main" id="{B11D0DC3-ACE8-D95B-56A7-FBE591437F3D}"/>
               </a:ext>
             </a:extLst>
           </p:cNvPr>
@@ -14719,8 +15175,8 @@
         </p:nvSpPr>
         <p:spPr>
           <a:xfrm>
-            <a:off x="3779520" y="785094"/>
-            <a:ext cx="3724096" cy="461665"/>
+            <a:off x="589280" y="1259840"/>
+            <a:ext cx="11500264" cy="1200329"/>
           </a:xfrm>
           <a:prstGeom prst="rect">
             <a:avLst/>
@@ -14733,30 +15189,71 @@
           </a:bodyPr>
           <a:lstStyle/>
           <a:p>
-            <a:pPr algn="l"/>
-            <a:r>
-              <a:rPr kumimoji="1" lang="en-US" altLang="ja-JP" sz="2400" dirty="0">
-                <a:latin typeface="メイリオ" panose="020B0604030504040204" pitchFamily="50" charset="-128"/>
-                <a:ea typeface="メイリオ" panose="020B0604030504040204" pitchFamily="50" charset="-128"/>
-              </a:rPr>
-              <a:t>	</a:t>
-            </a:r>
+            <a:pPr marL="457200" indent="-457200" algn="l">
+              <a:buFont typeface="+mj-lt"/>
+              <a:buAutoNum type="arabicPeriod"/>
+            </a:pPr>
             <a:r>
               <a:rPr kumimoji="1" lang="ja-JP" altLang="en-US" sz="2400" dirty="0">
                 <a:latin typeface="メイリオ" panose="020B0604030504040204" pitchFamily="50" charset="-128"/>
                 <a:ea typeface="メイリオ" panose="020B0604030504040204" pitchFamily="50" charset="-128"/>
               </a:rPr>
-              <a:t>シュークリームらしさ</a:t>
-            </a:r>
-          </a:p>
-        </p:txBody>
-      </p:sp>
-      <p:sp>
-        <p:nvSpPr>
-          <p:cNvPr id="14" name="テキスト ボックス 13">
+              <a:t>低頻度語彙・汎用語彙の除外（フィルタリングと呼ばれる）</a:t>
+            </a:r>
+            <a:endParaRPr kumimoji="1" lang="en-US" altLang="ja-JP" sz="2400" dirty="0">
+              <a:latin typeface="メイリオ" panose="020B0604030504040204" pitchFamily="50" charset="-128"/>
+              <a:ea typeface="メイリオ" panose="020B0604030504040204" pitchFamily="50" charset="-128"/>
+            </a:endParaRPr>
+          </a:p>
+          <a:p>
+            <a:pPr marL="457200" indent="-457200" algn="l">
+              <a:buFont typeface="+mj-lt"/>
+              <a:buAutoNum type="arabicPeriod"/>
+            </a:pPr>
+            <a:r>
+              <a:rPr kumimoji="1" lang="ja-JP" altLang="en-US" sz="2400" dirty="0">
+                <a:latin typeface="メイリオ" panose="020B0604030504040204" pitchFamily="50" charset="-128"/>
+                <a:ea typeface="メイリオ" panose="020B0604030504040204" pitchFamily="50" charset="-128"/>
+              </a:rPr>
+              <a:t>特徴的な単語だけに次元削減できる（</a:t>
+            </a:r>
+            <a:r>
+              <a:rPr kumimoji="1" lang="en-US" altLang="ja-JP" sz="2400" dirty="0" err="1">
+                <a:latin typeface="メイリオ" panose="020B0604030504040204" pitchFamily="50" charset="-128"/>
+                <a:ea typeface="メイリオ" panose="020B0604030504040204" pitchFamily="50" charset="-128"/>
+              </a:rPr>
+              <a:t>BoW</a:t>
+            </a:r>
+            <a:r>
+              <a:rPr kumimoji="1" lang="ja-JP" altLang="en-US" sz="2400" dirty="0">
+                <a:latin typeface="メイリオ" panose="020B0604030504040204" pitchFamily="50" charset="-128"/>
+                <a:ea typeface="メイリオ" panose="020B0604030504040204" pitchFamily="50" charset="-128"/>
+              </a:rPr>
+              <a:t>の意図は、文書の特徴ベクトル化）</a:t>
+            </a:r>
+            <a:endParaRPr kumimoji="1" lang="en-US" altLang="ja-JP" sz="2400" dirty="0">
+              <a:latin typeface="メイリオ" panose="020B0604030504040204" pitchFamily="50" charset="-128"/>
+              <a:ea typeface="メイリオ" panose="020B0604030504040204" pitchFamily="50" charset="-128"/>
+            </a:endParaRPr>
+          </a:p>
+          <a:p>
+            <a:pPr marL="457200" indent="-457200" algn="l">
+              <a:buFont typeface="+mj-lt"/>
+              <a:buAutoNum type="arabicPeriod"/>
+            </a:pPr>
+            <a:endParaRPr kumimoji="1" lang="ja-JP" altLang="en-US" sz="2400" dirty="0">
+              <a:latin typeface="メイリオ" panose="020B0604030504040204" pitchFamily="50" charset="-128"/>
+              <a:ea typeface="メイリオ" panose="020B0604030504040204" pitchFamily="50" charset="-128"/>
+            </a:endParaRPr>
+          </a:p>
+        </p:txBody>
+      </p:sp>
+      <p:sp>
+        <p:nvSpPr>
+          <p:cNvPr id="4" name="テキスト ボックス 3">
             <a:extLst>
               <a:ext uri="{FF2B5EF4-FFF2-40B4-BE49-F238E27FC236}">
-                <a16:creationId xmlns:a16="http://schemas.microsoft.com/office/drawing/2014/main" id="{22BC2E11-E501-0FFA-BD48-62444BA0FB17}"/>
+                <a16:creationId xmlns:a16="http://schemas.microsoft.com/office/drawing/2014/main" id="{9BD6DD66-1C43-F3B9-A06F-96D0568CEAF0}"/>
               </a:ext>
             </a:extLst>
           </p:cNvPr>
@@ -14765,8 +15262,8 @@
         </p:nvSpPr>
         <p:spPr>
           <a:xfrm>
-            <a:off x="3957320" y="3955745"/>
-            <a:ext cx="2031325" cy="461665"/>
+            <a:off x="589280" y="3028890"/>
+            <a:ext cx="10006457" cy="400110"/>
           </a:xfrm>
           <a:prstGeom prst="rect">
             <a:avLst/>
@@ -14781,21 +15278,67 @@
           <a:p>
             <a:pPr algn="l"/>
             <a:r>
-              <a:rPr kumimoji="1" lang="ja-JP" altLang="en-US" sz="2400" dirty="0">
-                <a:latin typeface="メイリオ" panose="020B0604030504040204" pitchFamily="50" charset="-128"/>
-                <a:ea typeface="メイリオ" panose="020B0604030504040204" pitchFamily="50" charset="-128"/>
-              </a:rPr>
-              <a:t>プリンらしさ</a:t>
-            </a:r>
-          </a:p>
-        </p:txBody>
-      </p:sp>
-      <p:sp>
-        <p:nvSpPr>
-          <p:cNvPr id="2" name="テキスト ボックス 1">
+              <a:rPr kumimoji="1" lang="en-US" altLang="ja-JP" sz="2000" dirty="0">
+                <a:latin typeface="メイリオ" panose="020B0604030504040204" pitchFamily="50" charset="-128"/>
+                <a:ea typeface="メイリオ" panose="020B0604030504040204" pitchFamily="50" charset="-128"/>
+              </a:rPr>
+              <a:t>vectorizer = </a:t>
+            </a:r>
+            <a:r>
+              <a:rPr kumimoji="1" lang="en-US" altLang="ja-JP" sz="2000" dirty="0" err="1">
+                <a:latin typeface="メイリオ" panose="020B0604030504040204" pitchFamily="50" charset="-128"/>
+                <a:ea typeface="メイリオ" panose="020B0604030504040204" pitchFamily="50" charset="-128"/>
+              </a:rPr>
+              <a:t>CountVectorizer</a:t>
+            </a:r>
+            <a:r>
+              <a:rPr kumimoji="1" lang="en-US" altLang="ja-JP" sz="2000" dirty="0">
+                <a:latin typeface="メイリオ" panose="020B0604030504040204" pitchFamily="50" charset="-128"/>
+                <a:ea typeface="メイリオ" panose="020B0604030504040204" pitchFamily="50" charset="-128"/>
+              </a:rPr>
+              <a:t>(tokenizer=</a:t>
+            </a:r>
+            <a:r>
+              <a:rPr kumimoji="1" lang="en-US" altLang="ja-JP" sz="2000" dirty="0" err="1">
+                <a:latin typeface="メイリオ" panose="020B0604030504040204" pitchFamily="50" charset="-128"/>
+                <a:ea typeface="メイリオ" panose="020B0604030504040204" pitchFamily="50" charset="-128"/>
+              </a:rPr>
+              <a:t>tokenize,min_df</a:t>
+            </a:r>
+            <a:r>
+              <a:rPr kumimoji="1" lang="en-US" altLang="ja-JP" sz="2000" dirty="0">
+                <a:latin typeface="メイリオ" panose="020B0604030504040204" pitchFamily="50" charset="-128"/>
+                <a:ea typeface="メイリオ" panose="020B0604030504040204" pitchFamily="50" charset="-128"/>
+              </a:rPr>
+              <a:t>=0.05, </a:t>
+            </a:r>
+            <a:r>
+              <a:rPr kumimoji="1" lang="en-US" altLang="ja-JP" sz="2000" dirty="0" err="1">
+                <a:latin typeface="メイリオ" panose="020B0604030504040204" pitchFamily="50" charset="-128"/>
+                <a:ea typeface="メイリオ" panose="020B0604030504040204" pitchFamily="50" charset="-128"/>
+              </a:rPr>
+              <a:t>max_df</a:t>
+            </a:r>
+            <a:r>
+              <a:rPr kumimoji="1" lang="en-US" altLang="ja-JP" sz="2000" dirty="0">
+                <a:latin typeface="メイリオ" panose="020B0604030504040204" pitchFamily="50" charset="-128"/>
+                <a:ea typeface="メイリオ" panose="020B0604030504040204" pitchFamily="50" charset="-128"/>
+              </a:rPr>
+              <a:t>=0.3)</a:t>
+            </a:r>
+            <a:endParaRPr kumimoji="1" lang="ja-JP" altLang="en-US" sz="2000" dirty="0">
+              <a:latin typeface="メイリオ" panose="020B0604030504040204" pitchFamily="50" charset="-128"/>
+              <a:ea typeface="メイリオ" panose="020B0604030504040204" pitchFamily="50" charset="-128"/>
+            </a:endParaRPr>
+          </a:p>
+        </p:txBody>
+      </p:sp>
+      <p:sp>
+        <p:nvSpPr>
+          <p:cNvPr id="5" name="テキスト ボックス 4">
             <a:extLst>
               <a:ext uri="{FF2B5EF4-FFF2-40B4-BE49-F238E27FC236}">
-                <a16:creationId xmlns:a16="http://schemas.microsoft.com/office/drawing/2014/main" id="{DB024F8D-ADF1-B0AB-3D56-CF065897F3B7}"/>
+                <a16:creationId xmlns:a16="http://schemas.microsoft.com/office/drawing/2014/main" id="{A8D142FE-9D38-E263-198D-470B3DD55AD5}"/>
               </a:ext>
             </a:extLst>
           </p:cNvPr>
@@ -14804,8 +15347,8 @@
         </p:nvSpPr>
         <p:spPr>
           <a:xfrm>
-            <a:off x="7646204" y="554261"/>
-            <a:ext cx="4489114" cy="461665"/>
+            <a:off x="743168" y="3633575"/>
+            <a:ext cx="11489043" cy="646331"/>
           </a:xfrm>
           <a:prstGeom prst="rect">
             <a:avLst/>
@@ -14820,12 +15363,364 @@
           <a:p>
             <a:pPr algn="l"/>
             <a:r>
+              <a:rPr kumimoji="1" lang="en-US" altLang="ja-JP" dirty="0" err="1">
+                <a:latin typeface="メイリオ" panose="020B0604030504040204" pitchFamily="50" charset="-128"/>
+                <a:ea typeface="メイリオ" panose="020B0604030504040204" pitchFamily="50" charset="-128"/>
+              </a:rPr>
+              <a:t>min_df</a:t>
+            </a:r>
+            <a:r>
+              <a:rPr kumimoji="1" lang="en-US" altLang="ja-JP" dirty="0">
+                <a:latin typeface="メイリオ" panose="020B0604030504040204" pitchFamily="50" charset="-128"/>
+                <a:ea typeface="メイリオ" panose="020B0604030504040204" pitchFamily="50" charset="-128"/>
+              </a:rPr>
+              <a:t> : </a:t>
+            </a:r>
+            <a:r>
+              <a:rPr kumimoji="1" lang="ja-JP" altLang="en-US" dirty="0">
+                <a:latin typeface="メイリオ" panose="020B0604030504040204" pitchFamily="50" charset="-128"/>
+                <a:ea typeface="メイリオ" panose="020B0604030504040204" pitchFamily="50" charset="-128"/>
+              </a:rPr>
+              <a:t>低頻度語彙のフィルタリング　文書（口コミ）数の</a:t>
+            </a:r>
+            <a:r>
+              <a:rPr kumimoji="1" lang="en-US" altLang="ja-JP" dirty="0">
+                <a:latin typeface="メイリオ" panose="020B0604030504040204" pitchFamily="50" charset="-128"/>
+                <a:ea typeface="メイリオ" panose="020B0604030504040204" pitchFamily="50" charset="-128"/>
+              </a:rPr>
+              <a:t>0.05 </a:t>
+            </a:r>
+            <a:r>
+              <a:rPr kumimoji="1" lang="ja-JP" altLang="en-US" dirty="0">
+                <a:latin typeface="メイリオ" panose="020B0604030504040204" pitchFamily="50" charset="-128"/>
+                <a:ea typeface="メイリオ" panose="020B0604030504040204" pitchFamily="50" charset="-128"/>
+              </a:rPr>
+              <a:t>以下の低頻度語彙はカット</a:t>
+            </a:r>
+          </a:p>
+          <a:p>
+            <a:pPr algn="l"/>
+            <a:r>
+              <a:rPr kumimoji="1" lang="en-US" altLang="ja-JP" dirty="0" err="1">
+                <a:latin typeface="メイリオ" panose="020B0604030504040204" pitchFamily="50" charset="-128"/>
+                <a:ea typeface="メイリオ" panose="020B0604030504040204" pitchFamily="50" charset="-128"/>
+              </a:rPr>
+              <a:t>max_df</a:t>
+            </a:r>
+            <a:r>
+              <a:rPr kumimoji="1" lang="en-US" altLang="ja-JP" dirty="0">
+                <a:latin typeface="メイリオ" panose="020B0604030504040204" pitchFamily="50" charset="-128"/>
+                <a:ea typeface="メイリオ" panose="020B0604030504040204" pitchFamily="50" charset="-128"/>
+              </a:rPr>
+              <a:t> : </a:t>
+            </a:r>
+            <a:r>
+              <a:rPr kumimoji="1" lang="ja-JP" altLang="en-US" dirty="0">
+                <a:latin typeface="メイリオ" panose="020B0604030504040204" pitchFamily="50" charset="-128"/>
+                <a:ea typeface="メイリオ" panose="020B0604030504040204" pitchFamily="50" charset="-128"/>
+              </a:rPr>
+              <a:t>汎用語彙のフィルタリング　文書（口コミ）数の</a:t>
+            </a:r>
+            <a:r>
+              <a:rPr kumimoji="1" lang="en-US" altLang="ja-JP" dirty="0">
+                <a:latin typeface="メイリオ" panose="020B0604030504040204" pitchFamily="50" charset="-128"/>
+                <a:ea typeface="メイリオ" panose="020B0604030504040204" pitchFamily="50" charset="-128"/>
+              </a:rPr>
+              <a:t>0.3</a:t>
+            </a:r>
+            <a:r>
+              <a:rPr kumimoji="1" lang="ja-JP" altLang="en-US" dirty="0">
+                <a:latin typeface="メイリオ" panose="020B0604030504040204" pitchFamily="50" charset="-128"/>
+                <a:ea typeface="メイリオ" panose="020B0604030504040204" pitchFamily="50" charset="-128"/>
+              </a:rPr>
+              <a:t>以上出現するようなありふれた語彙はカット</a:t>
+            </a:r>
+          </a:p>
+        </p:txBody>
+      </p:sp>
+      <p:sp>
+        <p:nvSpPr>
+          <p:cNvPr id="6" name="テキスト ボックス 5">
+            <a:extLst>
+              <a:ext uri="{FF2B5EF4-FFF2-40B4-BE49-F238E27FC236}">
+                <a16:creationId xmlns:a16="http://schemas.microsoft.com/office/drawing/2014/main" id="{0A686033-0D63-CB12-4542-64C909203806}"/>
+              </a:ext>
+            </a:extLst>
+          </p:cNvPr>
+          <p:cNvSpPr txBox="1"/>
+          <p:nvPr/>
+        </p:nvSpPr>
+        <p:spPr>
+          <a:xfrm>
+            <a:off x="589280" y="2439595"/>
+            <a:ext cx="9028241" cy="461665"/>
+          </a:xfrm>
+          <a:prstGeom prst="rect">
+            <a:avLst/>
+          </a:prstGeom>
+          <a:noFill/>
+        </p:spPr>
+        <p:txBody>
+          <a:bodyPr wrap="none" rtlCol="0">
+            <a:spAutoFit/>
+          </a:bodyPr>
+          <a:lstStyle/>
+          <a:p>
+            <a:pPr algn="l"/>
+            <a:r>
+              <a:rPr kumimoji="1" lang="en-US" altLang="ja-JP" sz="2400" dirty="0" err="1">
+                <a:latin typeface="メイリオ" panose="020B0604030504040204" pitchFamily="50" charset="-128"/>
+                <a:ea typeface="メイリオ" panose="020B0604030504040204" pitchFamily="50" charset="-128"/>
+              </a:rPr>
+              <a:t>CountVectorizer</a:t>
+            </a:r>
+            <a:r>
+              <a:rPr kumimoji="1" lang="ja-JP" altLang="en-US" sz="2400" dirty="0">
+                <a:latin typeface="メイリオ" panose="020B0604030504040204" pitchFamily="50" charset="-128"/>
+                <a:ea typeface="メイリオ" panose="020B0604030504040204" pitchFamily="50" charset="-128"/>
+              </a:rPr>
+              <a:t>による低頻度語彙・汎用語彙のフィルタリング</a:t>
+            </a:r>
+          </a:p>
+        </p:txBody>
+      </p:sp>
+      <p:sp>
+        <p:nvSpPr>
+          <p:cNvPr id="7" name="テキスト ボックス 6">
+            <a:extLst>
+              <a:ext uri="{FF2B5EF4-FFF2-40B4-BE49-F238E27FC236}">
+                <a16:creationId xmlns:a16="http://schemas.microsoft.com/office/drawing/2014/main" id="{89A9192C-7FED-C752-04B8-1C492221B377}"/>
+              </a:ext>
+            </a:extLst>
+          </p:cNvPr>
+          <p:cNvSpPr txBox="1"/>
+          <p:nvPr/>
+        </p:nvSpPr>
+        <p:spPr>
+          <a:xfrm>
+            <a:off x="743168" y="4484481"/>
+            <a:ext cx="800219" cy="461665"/>
+          </a:xfrm>
+          <a:prstGeom prst="rect">
+            <a:avLst/>
+          </a:prstGeom>
+          <a:noFill/>
+        </p:spPr>
+        <p:txBody>
+          <a:bodyPr wrap="none" rtlCol="0">
+            <a:spAutoFit/>
+          </a:bodyPr>
+          <a:lstStyle/>
+          <a:p>
+            <a:pPr algn="l"/>
+            <a:r>
+              <a:rPr kumimoji="1" lang="ja-JP" altLang="en-US" sz="2400" dirty="0">
+                <a:latin typeface="メイリオ" panose="020B0604030504040204" pitchFamily="50" charset="-128"/>
+                <a:ea typeface="メイリオ" panose="020B0604030504040204" pitchFamily="50" charset="-128"/>
+              </a:rPr>
+              <a:t>問題</a:t>
+            </a:r>
+          </a:p>
+        </p:txBody>
+      </p:sp>
+      <p:sp>
+        <p:nvSpPr>
+          <p:cNvPr id="8" name="テキスト ボックス 7">
+            <a:extLst>
+              <a:ext uri="{FF2B5EF4-FFF2-40B4-BE49-F238E27FC236}">
+                <a16:creationId xmlns:a16="http://schemas.microsoft.com/office/drawing/2014/main" id="{5BE6415C-313E-F7C6-98DE-F957C6704C74}"/>
+              </a:ext>
+            </a:extLst>
+          </p:cNvPr>
+          <p:cNvSpPr txBox="1"/>
+          <p:nvPr/>
+        </p:nvSpPr>
+        <p:spPr>
+          <a:xfrm>
+            <a:off x="722193" y="4933633"/>
+            <a:ext cx="11469807" cy="1938992"/>
+          </a:xfrm>
+          <a:prstGeom prst="rect">
+            <a:avLst/>
+          </a:prstGeom>
+          <a:noFill/>
+        </p:spPr>
+        <p:txBody>
+          <a:bodyPr wrap="none" rtlCol="0">
+            <a:spAutoFit/>
+          </a:bodyPr>
+          <a:lstStyle/>
+          <a:p>
+            <a:pPr algn="l"/>
+            <a:r>
+              <a:rPr kumimoji="1" lang="ja-JP" altLang="en-US" sz="2400" dirty="0">
+                <a:latin typeface="メイリオ" panose="020B0604030504040204" pitchFamily="50" charset="-128"/>
+                <a:ea typeface="メイリオ" panose="020B0604030504040204" pitchFamily="50" charset="-128"/>
+              </a:rPr>
+              <a:t>以下のように頻度は大きいが、偏って出現する単語は</a:t>
+            </a:r>
+            <a:r>
+              <a:rPr kumimoji="1" lang="en-US" altLang="ja-JP" sz="2400" dirty="0" err="1">
+                <a:latin typeface="メイリオ" panose="020B0604030504040204" pitchFamily="50" charset="-128"/>
+                <a:ea typeface="メイリオ" panose="020B0604030504040204" pitchFamily="50" charset="-128"/>
+              </a:rPr>
+              <a:t>max_df</a:t>
+            </a:r>
+            <a:r>
               <a:rPr kumimoji="1" lang="en-US" altLang="ja-JP" sz="2400" dirty="0">
                 <a:latin typeface="メイリオ" panose="020B0604030504040204" pitchFamily="50" charset="-128"/>
                 <a:ea typeface="メイリオ" panose="020B0604030504040204" pitchFamily="50" charset="-128"/>
               </a:rPr>
-              <a:t>countVectorizer_barChart.py</a:t>
-            </a:r>
+              <a:t>=0.8</a:t>
+            </a:r>
+            <a:r>
+              <a:rPr kumimoji="1" lang="ja-JP" altLang="en-US" sz="2400" dirty="0">
+                <a:latin typeface="メイリオ" panose="020B0604030504040204" pitchFamily="50" charset="-128"/>
+                <a:ea typeface="メイリオ" panose="020B0604030504040204" pitchFamily="50" charset="-128"/>
+              </a:rPr>
+              <a:t>としたときに</a:t>
+            </a:r>
+            <a:endParaRPr kumimoji="1" lang="en-US" altLang="ja-JP" sz="2400" dirty="0">
+              <a:latin typeface="メイリオ" panose="020B0604030504040204" pitchFamily="50" charset="-128"/>
+              <a:ea typeface="メイリオ" panose="020B0604030504040204" pitchFamily="50" charset="-128"/>
+            </a:endParaRPr>
+          </a:p>
+          <a:p>
+            <a:pPr algn="l"/>
+            <a:r>
+              <a:rPr kumimoji="1" lang="ja-JP" altLang="en-US" sz="2400" dirty="0">
+                <a:latin typeface="メイリオ" panose="020B0604030504040204" pitchFamily="50" charset="-128"/>
+                <a:ea typeface="メイリオ" panose="020B0604030504040204" pitchFamily="50" charset="-128"/>
+              </a:rPr>
+              <a:t>フィルタされるか？</a:t>
+            </a:r>
+            <a:endParaRPr kumimoji="1" lang="en-US" altLang="ja-JP" sz="2400" dirty="0">
+              <a:latin typeface="メイリオ" panose="020B0604030504040204" pitchFamily="50" charset="-128"/>
+              <a:ea typeface="メイリオ" panose="020B0604030504040204" pitchFamily="50" charset="-128"/>
+            </a:endParaRPr>
+          </a:p>
+          <a:p>
+            <a:pPr algn="l"/>
+            <a:endParaRPr kumimoji="1" lang="en-US" altLang="ja-JP" sz="2400" dirty="0">
+              <a:latin typeface="メイリオ" panose="020B0604030504040204" pitchFamily="50" charset="-128"/>
+              <a:ea typeface="メイリオ" panose="020B0604030504040204" pitchFamily="50" charset="-128"/>
+            </a:endParaRPr>
+          </a:p>
+          <a:p>
+            <a:pPr algn="l"/>
+            <a:r>
+              <a:rPr kumimoji="1" lang="ja-JP" altLang="en-US" sz="2400" dirty="0">
+                <a:latin typeface="メイリオ" panose="020B0604030504040204" pitchFamily="50" charset="-128"/>
+                <a:ea typeface="メイリオ" panose="020B0604030504040204" pitchFamily="50" charset="-128"/>
+              </a:rPr>
+              <a:t>　　シュークリーム口コミ数 </a:t>
+            </a:r>
+            <a:r>
+              <a:rPr kumimoji="1" lang="en-US" altLang="ja-JP" sz="2400" dirty="0">
+                <a:latin typeface="メイリオ" panose="020B0604030504040204" pitchFamily="50" charset="-128"/>
+                <a:ea typeface="メイリオ" panose="020B0604030504040204" pitchFamily="50" charset="-128"/>
+              </a:rPr>
+              <a:t>25</a:t>
+            </a:r>
+            <a:r>
+              <a:rPr kumimoji="1" lang="ja-JP" altLang="en-US" sz="2400" dirty="0">
+                <a:latin typeface="メイリオ" panose="020B0604030504040204" pitchFamily="50" charset="-128"/>
+                <a:ea typeface="メイリオ" panose="020B0604030504040204" pitchFamily="50" charset="-128"/>
+              </a:rPr>
+              <a:t>　プリン口コミ数 </a:t>
+            </a:r>
+            <a:r>
+              <a:rPr kumimoji="1" lang="en-US" altLang="ja-JP" sz="2400" dirty="0">
+                <a:latin typeface="メイリオ" panose="020B0604030504040204" pitchFamily="50" charset="-128"/>
+                <a:ea typeface="メイリオ" panose="020B0604030504040204" pitchFamily="50" charset="-128"/>
+              </a:rPr>
+              <a:t>25</a:t>
+            </a:r>
+          </a:p>
+          <a:p>
+            <a:pPr algn="l"/>
+            <a:r>
+              <a:rPr kumimoji="1" lang="ja-JP" altLang="en-US" sz="2400" dirty="0">
+                <a:latin typeface="メイリオ" panose="020B0604030504040204" pitchFamily="50" charset="-128"/>
+                <a:ea typeface="メイリオ" panose="020B0604030504040204" pitchFamily="50" charset="-128"/>
+              </a:rPr>
+              <a:t>　　</a:t>
+            </a:r>
+            <a:r>
+              <a:rPr kumimoji="1" lang="en-US" altLang="ja-JP" sz="2400" dirty="0">
+                <a:latin typeface="メイリオ" panose="020B0604030504040204" pitchFamily="50" charset="-128"/>
+                <a:ea typeface="メイリオ" panose="020B0604030504040204" pitchFamily="50" charset="-128"/>
+              </a:rPr>
+              <a:t>  ‘</a:t>
+            </a:r>
+            <a:r>
+              <a:rPr kumimoji="1" lang="ja-JP" altLang="en-US" sz="2400" dirty="0">
+                <a:latin typeface="メイリオ" panose="020B0604030504040204" pitchFamily="50" charset="-128"/>
+                <a:ea typeface="メイリオ" panose="020B0604030504040204" pitchFamily="50" charset="-128"/>
+              </a:rPr>
+              <a:t>カスタード</a:t>
+            </a:r>
+            <a:r>
+              <a:rPr kumimoji="1" lang="en-US" altLang="ja-JP" sz="2400" dirty="0">
+                <a:latin typeface="メイリオ" panose="020B0604030504040204" pitchFamily="50" charset="-128"/>
+                <a:ea typeface="メイリオ" panose="020B0604030504040204" pitchFamily="50" charset="-128"/>
+              </a:rPr>
+              <a:t>’50</a:t>
+            </a:r>
+            <a:r>
+              <a:rPr kumimoji="1" lang="ja-JP" altLang="en-US" sz="2400" dirty="0">
+                <a:latin typeface="メイリオ" panose="020B0604030504040204" pitchFamily="50" charset="-128"/>
+                <a:ea typeface="メイリオ" panose="020B0604030504040204" pitchFamily="50" charset="-128"/>
+              </a:rPr>
+              <a:t>件がシュークリームのみに出現</a:t>
+            </a:r>
+          </a:p>
+        </p:txBody>
+      </p:sp>
+      <p:sp>
+        <p:nvSpPr>
+          <p:cNvPr id="9" name="テキスト ボックス 8">
+            <a:extLst>
+              <a:ext uri="{FF2B5EF4-FFF2-40B4-BE49-F238E27FC236}">
+                <a16:creationId xmlns:a16="http://schemas.microsoft.com/office/drawing/2014/main" id="{E2EC2448-D17A-DF26-4E2C-C4A718669E60}"/>
+              </a:ext>
+            </a:extLst>
+          </p:cNvPr>
+          <p:cNvSpPr txBox="1"/>
+          <p:nvPr/>
+        </p:nvSpPr>
+        <p:spPr>
+          <a:xfrm>
+            <a:off x="497840" y="780527"/>
+            <a:ext cx="10891123" cy="830997"/>
+          </a:xfrm>
+          <a:prstGeom prst="rect">
+            <a:avLst/>
+          </a:prstGeom>
+          <a:noFill/>
+        </p:spPr>
+        <p:txBody>
+          <a:bodyPr wrap="none" rtlCol="0">
+            <a:spAutoFit/>
+          </a:bodyPr>
+          <a:lstStyle/>
+          <a:p>
+            <a:pPr algn="l"/>
+            <a:r>
+              <a:rPr kumimoji="1" lang="en-US" altLang="ja-JP" sz="2400" dirty="0">
+                <a:latin typeface="メイリオ" panose="020B0604030504040204" pitchFamily="50" charset="-128"/>
+                <a:ea typeface="メイリオ" panose="020B0604030504040204" pitchFamily="50" charset="-128"/>
+                <a:hlinkClick r:id="rId3"/>
+              </a:rPr>
+              <a:t>https://github.com/ueharaLab/NLP3_BoW/blob/main/BoW_coding.md</a:t>
+            </a:r>
+            <a:endParaRPr kumimoji="1" lang="en-US" altLang="ja-JP" sz="2400" dirty="0">
+              <a:latin typeface="メイリオ" panose="020B0604030504040204" pitchFamily="50" charset="-128"/>
+              <a:ea typeface="メイリオ" panose="020B0604030504040204" pitchFamily="50" charset="-128"/>
+            </a:endParaRPr>
+          </a:p>
+          <a:p>
+            <a:pPr algn="l"/>
             <a:endParaRPr kumimoji="1" lang="ja-JP" altLang="en-US" sz="2400" dirty="0">
               <a:latin typeface="メイリオ" panose="020B0604030504040204" pitchFamily="50" charset="-128"/>
               <a:ea typeface="メイリオ" panose="020B0604030504040204" pitchFamily="50" charset="-128"/>
@@ -14836,7 +15731,7 @@
     </p:spTree>
     <p:extLst>
       <p:ext uri="{BB962C8B-B14F-4D97-AF65-F5344CB8AC3E}">
-        <p14:creationId xmlns:p14="http://schemas.microsoft.com/office/powerpoint/2010/main" val="2737346036"/>
+        <p14:creationId xmlns:p14="http://schemas.microsoft.com/office/powerpoint/2010/main" val="1965735063"/>
       </p:ext>
     </p:extLst>
   </p:cSld>
@@ -14863,6 +15758,653 @@
           <a:chExt cx="0" cy="0"/>
         </a:xfrm>
       </p:grpSpPr>
+      <p:pic>
+        <p:nvPicPr>
+          <p:cNvPr id="3" name="図 2">
+            <a:extLst>
+              <a:ext uri="{FF2B5EF4-FFF2-40B4-BE49-F238E27FC236}">
+                <a16:creationId xmlns:a16="http://schemas.microsoft.com/office/drawing/2014/main" id="{AF535CC7-F11F-5AA9-3D4D-7E821BAB4773}"/>
+              </a:ext>
+            </a:extLst>
+          </p:cNvPr>
+          <p:cNvPicPr>
+            <a:picLocks noChangeAspect="1"/>
+          </p:cNvPicPr>
+          <p:nvPr/>
+        </p:nvPicPr>
+        <p:blipFill>
+          <a:blip r:embed="rId2"/>
+          <a:stretch>
+            <a:fillRect/>
+          </a:stretch>
+        </p:blipFill>
+        <p:spPr>
+          <a:xfrm>
+            <a:off x="157908" y="216446"/>
+            <a:ext cx="11876183" cy="6659696"/>
+          </a:xfrm>
+          <a:prstGeom prst="rect">
+            <a:avLst/>
+          </a:prstGeom>
+        </p:spPr>
+      </p:pic>
+      <p:sp>
+        <p:nvSpPr>
+          <p:cNvPr id="4" name="テキスト ボックス 3">
+            <a:extLst>
+              <a:ext uri="{FF2B5EF4-FFF2-40B4-BE49-F238E27FC236}">
+                <a16:creationId xmlns:a16="http://schemas.microsoft.com/office/drawing/2014/main" id="{81F0F04E-43A1-D612-E545-9B3D1DB3ED8D}"/>
+              </a:ext>
+            </a:extLst>
+          </p:cNvPr>
+          <p:cNvSpPr txBox="1"/>
+          <p:nvPr/>
+        </p:nvSpPr>
+        <p:spPr>
+          <a:xfrm>
+            <a:off x="325120" y="198304"/>
+            <a:ext cx="319318" cy="461665"/>
+          </a:xfrm>
+          <a:prstGeom prst="rect">
+            <a:avLst/>
+          </a:prstGeom>
+          <a:noFill/>
+        </p:spPr>
+        <p:txBody>
+          <a:bodyPr wrap="none" rtlCol="0">
+            <a:spAutoFit/>
+          </a:bodyPr>
+          <a:lstStyle/>
+          <a:p>
+            <a:pPr algn="l"/>
+            <a:r>
+              <a:rPr kumimoji="1" lang="en-US" altLang="ja-JP" sz="2400" dirty="0">
+                <a:latin typeface="メイリオ" panose="020B0604030504040204" pitchFamily="50" charset="-128"/>
+                <a:ea typeface="メイリオ" panose="020B0604030504040204" pitchFamily="50" charset="-128"/>
+              </a:rPr>
+              <a:t>-</a:t>
+            </a:r>
+            <a:endParaRPr kumimoji="1" lang="ja-JP" altLang="en-US" sz="2400" dirty="0">
+              <a:latin typeface="メイリオ" panose="020B0604030504040204" pitchFamily="50" charset="-128"/>
+              <a:ea typeface="メイリオ" panose="020B0604030504040204" pitchFamily="50" charset="-128"/>
+            </a:endParaRPr>
+          </a:p>
+        </p:txBody>
+      </p:sp>
+      <p:sp>
+        <p:nvSpPr>
+          <p:cNvPr id="5" name="楕円 4">
+            <a:extLst>
+              <a:ext uri="{FF2B5EF4-FFF2-40B4-BE49-F238E27FC236}">
+                <a16:creationId xmlns:a16="http://schemas.microsoft.com/office/drawing/2014/main" id="{D1989F04-5B84-5218-DF42-2242D68AC4F3}"/>
+              </a:ext>
+            </a:extLst>
+          </p:cNvPr>
+          <p:cNvSpPr/>
+          <p:nvPr/>
+        </p:nvSpPr>
+        <p:spPr>
+          <a:xfrm rot="19159533">
+            <a:off x="1595120" y="3205482"/>
+            <a:ext cx="802640" cy="248920"/>
+          </a:xfrm>
+          <a:prstGeom prst="ellipse">
+            <a:avLst/>
+          </a:prstGeom>
+          <a:noFill/>
+          <a:ln>
+            <a:solidFill>
+              <a:srgbClr val="FF0000"/>
+            </a:solidFill>
+          </a:ln>
+        </p:spPr>
+        <p:style>
+          <a:lnRef idx="2">
+            <a:schemeClr val="accent1">
+              <a:shade val="15000"/>
+            </a:schemeClr>
+          </a:lnRef>
+          <a:fillRef idx="1">
+            <a:schemeClr val="accent1"/>
+          </a:fillRef>
+          <a:effectRef idx="0">
+            <a:schemeClr val="accent1"/>
+          </a:effectRef>
+          <a:fontRef idx="minor">
+            <a:schemeClr val="lt1"/>
+          </a:fontRef>
+        </p:style>
+        <p:txBody>
+          <a:bodyPr rtlCol="0" anchor="ctr"/>
+          <a:lstStyle/>
+          <a:p>
+            <a:pPr algn="ctr"/>
+            <a:endParaRPr kumimoji="1" lang="ja-JP" altLang="en-US"/>
+          </a:p>
+        </p:txBody>
+      </p:sp>
+      <p:sp>
+        <p:nvSpPr>
+          <p:cNvPr id="6" name="楕円 5">
+            <a:extLst>
+              <a:ext uri="{FF2B5EF4-FFF2-40B4-BE49-F238E27FC236}">
+                <a16:creationId xmlns:a16="http://schemas.microsoft.com/office/drawing/2014/main" id="{A1A019EE-C9FE-D449-4419-929CB9552E27}"/>
+              </a:ext>
+            </a:extLst>
+          </p:cNvPr>
+          <p:cNvSpPr/>
+          <p:nvPr/>
+        </p:nvSpPr>
+        <p:spPr>
+          <a:xfrm rot="19159533">
+            <a:off x="3556000" y="891467"/>
+            <a:ext cx="802640" cy="248920"/>
+          </a:xfrm>
+          <a:prstGeom prst="ellipse">
+            <a:avLst/>
+          </a:prstGeom>
+          <a:noFill/>
+          <a:ln>
+            <a:solidFill>
+              <a:srgbClr val="FF0000"/>
+            </a:solidFill>
+          </a:ln>
+        </p:spPr>
+        <p:style>
+          <a:lnRef idx="2">
+            <a:schemeClr val="accent1">
+              <a:shade val="15000"/>
+            </a:schemeClr>
+          </a:lnRef>
+          <a:fillRef idx="1">
+            <a:schemeClr val="accent1"/>
+          </a:fillRef>
+          <a:effectRef idx="0">
+            <a:schemeClr val="accent1"/>
+          </a:effectRef>
+          <a:fontRef idx="minor">
+            <a:schemeClr val="lt1"/>
+          </a:fontRef>
+        </p:style>
+        <p:txBody>
+          <a:bodyPr rtlCol="0" anchor="ctr"/>
+          <a:lstStyle/>
+          <a:p>
+            <a:pPr algn="ctr"/>
+            <a:endParaRPr kumimoji="1" lang="ja-JP" altLang="en-US"/>
+          </a:p>
+        </p:txBody>
+      </p:sp>
+      <p:sp>
+        <p:nvSpPr>
+          <p:cNvPr id="7" name="楕円 6">
+            <a:extLst>
+              <a:ext uri="{FF2B5EF4-FFF2-40B4-BE49-F238E27FC236}">
+                <a16:creationId xmlns:a16="http://schemas.microsoft.com/office/drawing/2014/main" id="{008C1186-6F30-5426-311D-CC03F6898BFD}"/>
+              </a:ext>
+            </a:extLst>
+          </p:cNvPr>
+          <p:cNvSpPr/>
+          <p:nvPr/>
+        </p:nvSpPr>
+        <p:spPr>
+          <a:xfrm rot="19159533">
+            <a:off x="1925320" y="6285962"/>
+            <a:ext cx="802640" cy="248920"/>
+          </a:xfrm>
+          <a:prstGeom prst="ellipse">
+            <a:avLst/>
+          </a:prstGeom>
+          <a:noFill/>
+          <a:ln>
+            <a:solidFill>
+              <a:srgbClr val="00B050"/>
+            </a:solidFill>
+          </a:ln>
+        </p:spPr>
+        <p:style>
+          <a:lnRef idx="2">
+            <a:schemeClr val="accent1">
+              <a:shade val="15000"/>
+            </a:schemeClr>
+          </a:lnRef>
+          <a:fillRef idx="1">
+            <a:schemeClr val="accent1"/>
+          </a:fillRef>
+          <a:effectRef idx="0">
+            <a:schemeClr val="accent1"/>
+          </a:effectRef>
+          <a:fontRef idx="minor">
+            <a:schemeClr val="lt1"/>
+          </a:fontRef>
+        </p:style>
+        <p:txBody>
+          <a:bodyPr rtlCol="0" anchor="ctr"/>
+          <a:lstStyle/>
+          <a:p>
+            <a:pPr algn="ctr"/>
+            <a:endParaRPr kumimoji="1" lang="ja-JP" altLang="en-US"/>
+          </a:p>
+        </p:txBody>
+      </p:sp>
+      <p:sp>
+        <p:nvSpPr>
+          <p:cNvPr id="8" name="楕円 7">
+            <a:extLst>
+              <a:ext uri="{FF2B5EF4-FFF2-40B4-BE49-F238E27FC236}">
+                <a16:creationId xmlns:a16="http://schemas.microsoft.com/office/drawing/2014/main" id="{CB2FF31E-E128-4DBA-B2DD-D149B9F9176F}"/>
+              </a:ext>
+            </a:extLst>
+          </p:cNvPr>
+          <p:cNvSpPr/>
+          <p:nvPr/>
+        </p:nvSpPr>
+        <p:spPr>
+          <a:xfrm rot="19159533">
+            <a:off x="9489441" y="3065875"/>
+            <a:ext cx="802640" cy="248920"/>
+          </a:xfrm>
+          <a:prstGeom prst="ellipse">
+            <a:avLst/>
+          </a:prstGeom>
+          <a:noFill/>
+          <a:ln>
+            <a:solidFill>
+              <a:srgbClr val="FF0000"/>
+            </a:solidFill>
+          </a:ln>
+        </p:spPr>
+        <p:style>
+          <a:lnRef idx="2">
+            <a:schemeClr val="accent1">
+              <a:shade val="15000"/>
+            </a:schemeClr>
+          </a:lnRef>
+          <a:fillRef idx="1">
+            <a:schemeClr val="accent1"/>
+          </a:fillRef>
+          <a:effectRef idx="0">
+            <a:schemeClr val="accent1"/>
+          </a:effectRef>
+          <a:fontRef idx="minor">
+            <a:schemeClr val="lt1"/>
+          </a:fontRef>
+        </p:style>
+        <p:txBody>
+          <a:bodyPr rtlCol="0" anchor="ctr"/>
+          <a:lstStyle/>
+          <a:p>
+            <a:pPr algn="ctr"/>
+            <a:endParaRPr kumimoji="1" lang="ja-JP" altLang="en-US"/>
+          </a:p>
+        </p:txBody>
+      </p:sp>
+      <p:sp>
+        <p:nvSpPr>
+          <p:cNvPr id="9" name="楕円 8">
+            <a:extLst>
+              <a:ext uri="{FF2B5EF4-FFF2-40B4-BE49-F238E27FC236}">
+                <a16:creationId xmlns:a16="http://schemas.microsoft.com/office/drawing/2014/main" id="{A0174365-A067-31F9-6F0E-8F5F26C11E40}"/>
+              </a:ext>
+            </a:extLst>
+          </p:cNvPr>
+          <p:cNvSpPr/>
+          <p:nvPr/>
+        </p:nvSpPr>
+        <p:spPr>
+          <a:xfrm rot="19159533">
+            <a:off x="7620000" y="3040384"/>
+            <a:ext cx="802640" cy="248920"/>
+          </a:xfrm>
+          <a:prstGeom prst="ellipse">
+            <a:avLst/>
+          </a:prstGeom>
+          <a:noFill/>
+          <a:ln>
+            <a:solidFill>
+              <a:srgbClr val="FF0000"/>
+            </a:solidFill>
+          </a:ln>
+        </p:spPr>
+        <p:style>
+          <a:lnRef idx="2">
+            <a:schemeClr val="accent1">
+              <a:shade val="15000"/>
+            </a:schemeClr>
+          </a:lnRef>
+          <a:fillRef idx="1">
+            <a:schemeClr val="accent1"/>
+          </a:fillRef>
+          <a:effectRef idx="0">
+            <a:schemeClr val="accent1"/>
+          </a:effectRef>
+          <a:fontRef idx="minor">
+            <a:schemeClr val="lt1"/>
+          </a:fontRef>
+        </p:style>
+        <p:txBody>
+          <a:bodyPr rtlCol="0" anchor="ctr"/>
+          <a:lstStyle/>
+          <a:p>
+            <a:pPr algn="ctr"/>
+            <a:endParaRPr kumimoji="1" lang="ja-JP" altLang="en-US"/>
+          </a:p>
+        </p:txBody>
+      </p:sp>
+      <p:sp>
+        <p:nvSpPr>
+          <p:cNvPr id="10" name="楕円 9">
+            <a:extLst>
+              <a:ext uri="{FF2B5EF4-FFF2-40B4-BE49-F238E27FC236}">
+                <a16:creationId xmlns:a16="http://schemas.microsoft.com/office/drawing/2014/main" id="{E6CE6EAA-5F36-FE72-7BE5-1A63A73B93BB}"/>
+              </a:ext>
+            </a:extLst>
+          </p:cNvPr>
+          <p:cNvSpPr/>
+          <p:nvPr/>
+        </p:nvSpPr>
+        <p:spPr>
+          <a:xfrm rot="19159533">
+            <a:off x="10713721" y="6254851"/>
+            <a:ext cx="802640" cy="248920"/>
+          </a:xfrm>
+          <a:prstGeom prst="ellipse">
+            <a:avLst/>
+          </a:prstGeom>
+          <a:noFill/>
+          <a:ln>
+            <a:solidFill>
+              <a:srgbClr val="00B050"/>
+            </a:solidFill>
+          </a:ln>
+        </p:spPr>
+        <p:style>
+          <a:lnRef idx="2">
+            <a:schemeClr val="accent1">
+              <a:shade val="15000"/>
+            </a:schemeClr>
+          </a:lnRef>
+          <a:fillRef idx="1">
+            <a:schemeClr val="accent1"/>
+          </a:fillRef>
+          <a:effectRef idx="0">
+            <a:schemeClr val="accent1"/>
+          </a:effectRef>
+          <a:fontRef idx="minor">
+            <a:schemeClr val="lt1"/>
+          </a:fontRef>
+        </p:style>
+        <p:txBody>
+          <a:bodyPr rtlCol="0" anchor="ctr"/>
+          <a:lstStyle/>
+          <a:p>
+            <a:pPr algn="ctr"/>
+            <a:endParaRPr kumimoji="1" lang="ja-JP" altLang="en-US"/>
+          </a:p>
+        </p:txBody>
+      </p:sp>
+      <p:sp>
+        <p:nvSpPr>
+          <p:cNvPr id="11" name="楕円 10">
+            <a:extLst>
+              <a:ext uri="{FF2B5EF4-FFF2-40B4-BE49-F238E27FC236}">
+                <a16:creationId xmlns:a16="http://schemas.microsoft.com/office/drawing/2014/main" id="{121B4D13-401C-AEB6-3278-6FA15B85AAE0}"/>
+              </a:ext>
+            </a:extLst>
+          </p:cNvPr>
+          <p:cNvSpPr/>
+          <p:nvPr/>
+        </p:nvSpPr>
+        <p:spPr>
+          <a:xfrm rot="19159533">
+            <a:off x="9849531" y="6280697"/>
+            <a:ext cx="802640" cy="248920"/>
+          </a:xfrm>
+          <a:prstGeom prst="ellipse">
+            <a:avLst/>
+          </a:prstGeom>
+          <a:noFill/>
+          <a:ln>
+            <a:solidFill>
+              <a:srgbClr val="00B050"/>
+            </a:solidFill>
+          </a:ln>
+        </p:spPr>
+        <p:style>
+          <a:lnRef idx="2">
+            <a:schemeClr val="accent1">
+              <a:shade val="15000"/>
+            </a:schemeClr>
+          </a:lnRef>
+          <a:fillRef idx="1">
+            <a:schemeClr val="accent1"/>
+          </a:fillRef>
+          <a:effectRef idx="0">
+            <a:schemeClr val="accent1"/>
+          </a:effectRef>
+          <a:fontRef idx="minor">
+            <a:schemeClr val="lt1"/>
+          </a:fontRef>
+        </p:style>
+        <p:txBody>
+          <a:bodyPr rtlCol="0" anchor="ctr"/>
+          <a:lstStyle/>
+          <a:p>
+            <a:pPr algn="ctr"/>
+            <a:endParaRPr kumimoji="1" lang="ja-JP" altLang="en-US"/>
+          </a:p>
+        </p:txBody>
+      </p:sp>
+      <p:sp>
+        <p:nvSpPr>
+          <p:cNvPr id="12" name="楕円 11">
+            <a:extLst>
+              <a:ext uri="{FF2B5EF4-FFF2-40B4-BE49-F238E27FC236}">
+                <a16:creationId xmlns:a16="http://schemas.microsoft.com/office/drawing/2014/main" id="{19F04252-8BA5-C7A4-5F7C-73D3FDEED669}"/>
+              </a:ext>
+            </a:extLst>
+          </p:cNvPr>
+          <p:cNvSpPr/>
+          <p:nvPr/>
+        </p:nvSpPr>
+        <p:spPr>
+          <a:xfrm rot="19159533">
+            <a:off x="3286760" y="3990484"/>
+            <a:ext cx="802640" cy="248920"/>
+          </a:xfrm>
+          <a:prstGeom prst="ellipse">
+            <a:avLst/>
+          </a:prstGeom>
+          <a:noFill/>
+          <a:ln>
+            <a:solidFill>
+              <a:srgbClr val="00B050"/>
+            </a:solidFill>
+          </a:ln>
+        </p:spPr>
+        <p:style>
+          <a:lnRef idx="2">
+            <a:schemeClr val="accent1">
+              <a:shade val="15000"/>
+            </a:schemeClr>
+          </a:lnRef>
+          <a:fillRef idx="1">
+            <a:schemeClr val="accent1"/>
+          </a:fillRef>
+          <a:effectRef idx="0">
+            <a:schemeClr val="accent1"/>
+          </a:effectRef>
+          <a:fontRef idx="minor">
+            <a:schemeClr val="lt1"/>
+          </a:fontRef>
+        </p:style>
+        <p:txBody>
+          <a:bodyPr rtlCol="0" anchor="ctr"/>
+          <a:lstStyle/>
+          <a:p>
+            <a:pPr algn="ctr"/>
+            <a:endParaRPr kumimoji="1" lang="ja-JP" altLang="en-US"/>
+          </a:p>
+        </p:txBody>
+      </p:sp>
+      <p:sp>
+        <p:nvSpPr>
+          <p:cNvPr id="13" name="テキスト ボックス 12">
+            <a:extLst>
+              <a:ext uri="{FF2B5EF4-FFF2-40B4-BE49-F238E27FC236}">
+                <a16:creationId xmlns:a16="http://schemas.microsoft.com/office/drawing/2014/main" id="{E273A9EF-B5E8-B573-4CE6-9B7378DDAAE4}"/>
+              </a:ext>
+            </a:extLst>
+          </p:cNvPr>
+          <p:cNvSpPr txBox="1"/>
+          <p:nvPr/>
+        </p:nvSpPr>
+        <p:spPr>
+          <a:xfrm>
+            <a:off x="3779520" y="785094"/>
+            <a:ext cx="3724096" cy="461665"/>
+          </a:xfrm>
+          <a:prstGeom prst="rect">
+            <a:avLst/>
+          </a:prstGeom>
+          <a:noFill/>
+        </p:spPr>
+        <p:txBody>
+          <a:bodyPr wrap="none" rtlCol="0">
+            <a:spAutoFit/>
+          </a:bodyPr>
+          <a:lstStyle/>
+          <a:p>
+            <a:pPr algn="l"/>
+            <a:r>
+              <a:rPr kumimoji="1" lang="en-US" altLang="ja-JP" sz="2400" dirty="0">
+                <a:latin typeface="メイリオ" panose="020B0604030504040204" pitchFamily="50" charset="-128"/>
+                <a:ea typeface="メイリオ" panose="020B0604030504040204" pitchFamily="50" charset="-128"/>
+              </a:rPr>
+              <a:t>	</a:t>
+            </a:r>
+            <a:r>
+              <a:rPr kumimoji="1" lang="ja-JP" altLang="en-US" sz="2400" dirty="0">
+                <a:latin typeface="メイリオ" panose="020B0604030504040204" pitchFamily="50" charset="-128"/>
+                <a:ea typeface="メイリオ" panose="020B0604030504040204" pitchFamily="50" charset="-128"/>
+              </a:rPr>
+              <a:t>シュークリームらしさ</a:t>
+            </a:r>
+          </a:p>
+        </p:txBody>
+      </p:sp>
+      <p:sp>
+        <p:nvSpPr>
+          <p:cNvPr id="14" name="テキスト ボックス 13">
+            <a:extLst>
+              <a:ext uri="{FF2B5EF4-FFF2-40B4-BE49-F238E27FC236}">
+                <a16:creationId xmlns:a16="http://schemas.microsoft.com/office/drawing/2014/main" id="{22BC2E11-E501-0FFA-BD48-62444BA0FB17}"/>
+              </a:ext>
+            </a:extLst>
+          </p:cNvPr>
+          <p:cNvSpPr txBox="1"/>
+          <p:nvPr/>
+        </p:nvSpPr>
+        <p:spPr>
+          <a:xfrm>
+            <a:off x="3957320" y="3955745"/>
+            <a:ext cx="2031325" cy="461665"/>
+          </a:xfrm>
+          <a:prstGeom prst="rect">
+            <a:avLst/>
+          </a:prstGeom>
+          <a:noFill/>
+        </p:spPr>
+        <p:txBody>
+          <a:bodyPr wrap="none" rtlCol="0">
+            <a:spAutoFit/>
+          </a:bodyPr>
+          <a:lstStyle/>
+          <a:p>
+            <a:pPr algn="l"/>
+            <a:r>
+              <a:rPr kumimoji="1" lang="ja-JP" altLang="en-US" sz="2400" dirty="0">
+                <a:latin typeface="メイリオ" panose="020B0604030504040204" pitchFamily="50" charset="-128"/>
+                <a:ea typeface="メイリオ" panose="020B0604030504040204" pitchFamily="50" charset="-128"/>
+              </a:rPr>
+              <a:t>プリンらしさ</a:t>
+            </a:r>
+          </a:p>
+        </p:txBody>
+      </p:sp>
+      <p:sp>
+        <p:nvSpPr>
+          <p:cNvPr id="2" name="テキスト ボックス 1">
+            <a:extLst>
+              <a:ext uri="{FF2B5EF4-FFF2-40B4-BE49-F238E27FC236}">
+                <a16:creationId xmlns:a16="http://schemas.microsoft.com/office/drawing/2014/main" id="{DB024F8D-ADF1-B0AB-3D56-CF065897F3B7}"/>
+              </a:ext>
+            </a:extLst>
+          </p:cNvPr>
+          <p:cNvSpPr txBox="1"/>
+          <p:nvPr/>
+        </p:nvSpPr>
+        <p:spPr>
+          <a:xfrm>
+            <a:off x="7646204" y="554261"/>
+            <a:ext cx="4489114" cy="461665"/>
+          </a:xfrm>
+          <a:prstGeom prst="rect">
+            <a:avLst/>
+          </a:prstGeom>
+          <a:noFill/>
+        </p:spPr>
+        <p:txBody>
+          <a:bodyPr wrap="none" rtlCol="0">
+            <a:spAutoFit/>
+          </a:bodyPr>
+          <a:lstStyle/>
+          <a:p>
+            <a:pPr algn="l"/>
+            <a:r>
+              <a:rPr kumimoji="1" lang="en-US" altLang="ja-JP" sz="2400" dirty="0">
+                <a:latin typeface="メイリオ" panose="020B0604030504040204" pitchFamily="50" charset="-128"/>
+                <a:ea typeface="メイリオ" panose="020B0604030504040204" pitchFamily="50" charset="-128"/>
+              </a:rPr>
+              <a:t>countVectorizer_barChart.py</a:t>
+            </a:r>
+            <a:endParaRPr kumimoji="1" lang="ja-JP" altLang="en-US" sz="2400" dirty="0">
+              <a:latin typeface="メイリオ" panose="020B0604030504040204" pitchFamily="50" charset="-128"/>
+              <a:ea typeface="メイリオ" panose="020B0604030504040204" pitchFamily="50" charset="-128"/>
+            </a:endParaRPr>
+          </a:p>
+        </p:txBody>
+      </p:sp>
+    </p:spTree>
+    <p:extLst>
+      <p:ext uri="{BB962C8B-B14F-4D97-AF65-F5344CB8AC3E}">
+        <p14:creationId xmlns:p14="http://schemas.microsoft.com/office/powerpoint/2010/main" val="2737346036"/>
+      </p:ext>
+    </p:extLst>
+  </p:cSld>
+  <p:clrMapOvr>
+    <a:masterClrMapping/>
+  </p:clrMapOvr>
+</p:sld>
+</file>
+
+<file path=ppt/slides/slide22.xml><?xml version="1.0" encoding="utf-8"?>
+<p:sld xmlns:a="http://schemas.openxmlformats.org/drawingml/2006/main" xmlns:r="http://schemas.openxmlformats.org/officeDocument/2006/relationships" xmlns:p="http://schemas.openxmlformats.org/presentationml/2006/main">
+  <p:cSld>
+    <p:spTree>
+      <p:nvGrpSpPr>
+        <p:cNvPr id="1" name=""/>
+        <p:cNvGrpSpPr/>
+        <p:nvPr/>
+      </p:nvGrpSpPr>
+      <p:grpSpPr>
+        <a:xfrm>
+          <a:off x="0" y="0"/>
+          <a:ext cx="0" cy="0"/>
+          <a:chOff x="0" y="0"/>
+          <a:chExt cx="0" cy="0"/>
+        </a:xfrm>
+      </p:grpSpPr>
       <p:sp>
         <p:nvSpPr>
           <p:cNvPr id="2" name="テキスト ボックス 1">
@@ -15043,7 +16585,7 @@
 </p:sld>
 </file>
 
-<file path=ppt/slides/slide22.xml><?xml version="1.0" encoding="utf-8"?>
+<file path=ppt/slides/slide23.xml><?xml version="1.0" encoding="utf-8"?>
 <p:sld xmlns:a="http://schemas.openxmlformats.org/drawingml/2006/main" xmlns:r="http://schemas.openxmlformats.org/officeDocument/2006/relationships" xmlns:p="http://schemas.openxmlformats.org/presentationml/2006/main">
   <p:cSld>
     <p:spTree>
@@ -15595,7 +17137,7 @@
 </p:sld>
 </file>
 
-<file path=ppt/slides/slide23.xml><?xml version="1.0" encoding="utf-8"?>
+<file path=ppt/slides/slide24.xml><?xml version="1.0" encoding="utf-8"?>
 <p:sld xmlns:a="http://schemas.openxmlformats.org/drawingml/2006/main" xmlns:r="http://schemas.openxmlformats.org/officeDocument/2006/relationships" xmlns:p="http://schemas.openxmlformats.org/presentationml/2006/main">
   <p:cSld>
     <p:spTree>
@@ -16709,7 +18251,7 @@
 </p:sld>
 </file>
 
-<file path=ppt/slides/slide24.xml><?xml version="1.0" encoding="utf-8"?>
+<file path=ppt/slides/slide25.xml><?xml version="1.0" encoding="utf-8"?>
 <p:sld xmlns:a="http://schemas.openxmlformats.org/drawingml/2006/main" xmlns:r="http://schemas.openxmlformats.org/officeDocument/2006/relationships" xmlns:p="http://schemas.openxmlformats.org/presentationml/2006/main">
   <p:cSld>
     <p:spTree>
@@ -16985,7 +18527,7 @@
 </p:sld>
 </file>
 
-<file path=ppt/slides/slide25.xml><?xml version="1.0" encoding="utf-8"?>
+<file path=ppt/slides/slide26.xml><?xml version="1.0" encoding="utf-8"?>
 <p:sld xmlns:a="http://schemas.openxmlformats.org/drawingml/2006/main" xmlns:r="http://schemas.openxmlformats.org/officeDocument/2006/relationships" xmlns:p="http://schemas.openxmlformats.org/presentationml/2006/main">
   <p:cSld>
     <p:spTree>

--- a/textmining3 BOW.pptx
+++ b/textmining3 BOW.pptx
@@ -5,7 +5,7 @@
     <p:sldMasterId id="2147483672" r:id="rId1"/>
   </p:sldMasterIdLst>
   <p:notesMasterIdLst>
-    <p:notesMasterId r:id="rId28"/>
+    <p:notesMasterId r:id="rId31"/>
   </p:notesMasterIdLst>
   <p:sldIdLst>
     <p:sldId id="256" r:id="rId2"/>
@@ -13,27 +13,30 @@
     <p:sldId id="1193" r:id="rId4"/>
     <p:sldId id="1194" r:id="rId5"/>
     <p:sldId id="1196" r:id="rId6"/>
-    <p:sldId id="354" r:id="rId7"/>
-    <p:sldId id="1197" r:id="rId8"/>
-    <p:sldId id="1198" r:id="rId9"/>
-    <p:sldId id="1199" r:id="rId10"/>
-    <p:sldId id="282" r:id="rId11"/>
-    <p:sldId id="1200" r:id="rId12"/>
-    <p:sldId id="357" r:id="rId13"/>
-    <p:sldId id="363" r:id="rId14"/>
-    <p:sldId id="1195" r:id="rId15"/>
-    <p:sldId id="1212" r:id="rId16"/>
-    <p:sldId id="364" r:id="rId17"/>
-    <p:sldId id="365" r:id="rId18"/>
-    <p:sldId id="1203" r:id="rId19"/>
-    <p:sldId id="382" r:id="rId20"/>
-    <p:sldId id="1206" r:id="rId21"/>
-    <p:sldId id="1207" r:id="rId22"/>
-    <p:sldId id="1204" r:id="rId23"/>
-    <p:sldId id="1208" r:id="rId24"/>
-    <p:sldId id="1209" r:id="rId25"/>
-    <p:sldId id="1210" r:id="rId26"/>
-    <p:sldId id="1211" r:id="rId27"/>
+    <p:sldId id="1215" r:id="rId7"/>
+    <p:sldId id="354" r:id="rId8"/>
+    <p:sldId id="1197" r:id="rId9"/>
+    <p:sldId id="1214" r:id="rId10"/>
+    <p:sldId id="1198" r:id="rId11"/>
+    <p:sldId id="1199" r:id="rId12"/>
+    <p:sldId id="282" r:id="rId13"/>
+    <p:sldId id="1200" r:id="rId14"/>
+    <p:sldId id="357" r:id="rId15"/>
+    <p:sldId id="363" r:id="rId16"/>
+    <p:sldId id="1195" r:id="rId17"/>
+    <p:sldId id="1212" r:id="rId18"/>
+    <p:sldId id="364" r:id="rId19"/>
+    <p:sldId id="365" r:id="rId20"/>
+    <p:sldId id="1203" r:id="rId21"/>
+    <p:sldId id="382" r:id="rId22"/>
+    <p:sldId id="1206" r:id="rId23"/>
+    <p:sldId id="1207" r:id="rId24"/>
+    <p:sldId id="1204" r:id="rId25"/>
+    <p:sldId id="1208" r:id="rId26"/>
+    <p:sldId id="1209" r:id="rId27"/>
+    <p:sldId id="1213" r:id="rId28"/>
+    <p:sldId id="1210" r:id="rId29"/>
+    <p:sldId id="1211" r:id="rId30"/>
   </p:sldIdLst>
   <p:sldSz cx="12192000" cy="6858000"/>
   <p:notesSz cx="6858000" cy="9144000"/>
@@ -887,7 +890,966 @@
 </dgm:colorsDef>
 </file>
 
+<file path=ppt/diagrams/colors2.xml><?xml version="1.0" encoding="utf-8"?>
+<dgm:colorsDef xmlns:dgm="http://schemas.openxmlformats.org/drawingml/2006/diagram" xmlns:a="http://schemas.openxmlformats.org/drawingml/2006/main" uniqueId="urn:microsoft.com/office/officeart/2005/8/colors/accent1_2">
+  <dgm:title val=""/>
+  <dgm:desc val=""/>
+  <dgm:catLst>
+    <dgm:cat type="accent1" pri="11200"/>
+  </dgm:catLst>
+  <dgm:styleLbl name="node0">
+    <dgm:fillClrLst meth="repeat">
+      <a:schemeClr val="accent1"/>
+    </dgm:fillClrLst>
+    <dgm:linClrLst meth="repeat">
+      <a:schemeClr val="lt1"/>
+    </dgm:linClrLst>
+    <dgm:effectClrLst/>
+    <dgm:txLinClrLst/>
+    <dgm:txFillClrLst/>
+    <dgm:txEffectClrLst/>
+  </dgm:styleLbl>
+  <dgm:styleLbl name="alignNode1">
+    <dgm:fillClrLst meth="repeat">
+      <a:schemeClr val="accent1"/>
+    </dgm:fillClrLst>
+    <dgm:linClrLst meth="repeat">
+      <a:schemeClr val="accent1"/>
+    </dgm:linClrLst>
+    <dgm:effectClrLst/>
+    <dgm:txLinClrLst/>
+    <dgm:txFillClrLst/>
+    <dgm:txEffectClrLst/>
+  </dgm:styleLbl>
+  <dgm:styleLbl name="node1">
+    <dgm:fillClrLst meth="repeat">
+      <a:schemeClr val="accent1"/>
+    </dgm:fillClrLst>
+    <dgm:linClrLst meth="repeat">
+      <a:schemeClr val="lt1"/>
+    </dgm:linClrLst>
+    <dgm:effectClrLst/>
+    <dgm:txLinClrLst/>
+    <dgm:txFillClrLst/>
+    <dgm:txEffectClrLst/>
+  </dgm:styleLbl>
+  <dgm:styleLbl name="lnNode1">
+    <dgm:fillClrLst meth="repeat">
+      <a:schemeClr val="accent1"/>
+    </dgm:fillClrLst>
+    <dgm:linClrLst meth="repeat">
+      <a:schemeClr val="lt1"/>
+    </dgm:linClrLst>
+    <dgm:effectClrLst/>
+    <dgm:txLinClrLst/>
+    <dgm:txFillClrLst/>
+    <dgm:txEffectClrLst/>
+  </dgm:styleLbl>
+  <dgm:styleLbl name="vennNode1">
+    <dgm:fillClrLst meth="repeat">
+      <a:schemeClr val="accent1">
+        <a:alpha val="50000"/>
+      </a:schemeClr>
+    </dgm:fillClrLst>
+    <dgm:linClrLst meth="repeat">
+      <a:schemeClr val="lt1"/>
+    </dgm:linClrLst>
+    <dgm:effectClrLst/>
+    <dgm:txLinClrLst/>
+    <dgm:txFillClrLst/>
+    <dgm:txEffectClrLst/>
+  </dgm:styleLbl>
+  <dgm:styleLbl name="node2">
+    <dgm:fillClrLst meth="repeat">
+      <a:schemeClr val="accent1"/>
+    </dgm:fillClrLst>
+    <dgm:linClrLst meth="repeat">
+      <a:schemeClr val="lt1"/>
+    </dgm:linClrLst>
+    <dgm:effectClrLst/>
+    <dgm:txLinClrLst/>
+    <dgm:txFillClrLst/>
+    <dgm:txEffectClrLst/>
+  </dgm:styleLbl>
+  <dgm:styleLbl name="node3">
+    <dgm:fillClrLst meth="repeat">
+      <a:schemeClr val="accent1"/>
+    </dgm:fillClrLst>
+    <dgm:linClrLst meth="repeat">
+      <a:schemeClr val="lt1"/>
+    </dgm:linClrLst>
+    <dgm:effectClrLst/>
+    <dgm:txLinClrLst/>
+    <dgm:txFillClrLst/>
+    <dgm:txEffectClrLst/>
+  </dgm:styleLbl>
+  <dgm:styleLbl name="node4">
+    <dgm:fillClrLst meth="repeat">
+      <a:schemeClr val="accent1"/>
+    </dgm:fillClrLst>
+    <dgm:linClrLst meth="repeat">
+      <a:schemeClr val="lt1"/>
+    </dgm:linClrLst>
+    <dgm:effectClrLst/>
+    <dgm:txLinClrLst/>
+    <dgm:txFillClrLst/>
+    <dgm:txEffectClrLst/>
+  </dgm:styleLbl>
+  <dgm:styleLbl name="fgImgPlace1">
+    <dgm:fillClrLst meth="repeat">
+      <a:schemeClr val="accent1">
+        <a:tint val="50000"/>
+      </a:schemeClr>
+    </dgm:fillClrLst>
+    <dgm:linClrLst meth="repeat">
+      <a:schemeClr val="lt1"/>
+    </dgm:linClrLst>
+    <dgm:effectClrLst/>
+    <dgm:txLinClrLst/>
+    <dgm:txFillClrLst meth="repeat">
+      <a:schemeClr val="lt1"/>
+    </dgm:txFillClrLst>
+    <dgm:txEffectClrLst/>
+  </dgm:styleLbl>
+  <dgm:styleLbl name="alignImgPlace1">
+    <dgm:fillClrLst meth="repeat">
+      <a:schemeClr val="accent1">
+        <a:tint val="50000"/>
+      </a:schemeClr>
+    </dgm:fillClrLst>
+    <dgm:linClrLst meth="repeat">
+      <a:schemeClr val="lt1"/>
+    </dgm:linClrLst>
+    <dgm:effectClrLst/>
+    <dgm:txLinClrLst/>
+    <dgm:txFillClrLst meth="repeat">
+      <a:schemeClr val="lt1"/>
+    </dgm:txFillClrLst>
+    <dgm:txEffectClrLst/>
+  </dgm:styleLbl>
+  <dgm:styleLbl name="bgImgPlace1">
+    <dgm:fillClrLst meth="repeat">
+      <a:schemeClr val="accent1">
+        <a:tint val="50000"/>
+      </a:schemeClr>
+    </dgm:fillClrLst>
+    <dgm:linClrLst meth="repeat">
+      <a:schemeClr val="lt1"/>
+    </dgm:linClrLst>
+    <dgm:effectClrLst/>
+    <dgm:txLinClrLst/>
+    <dgm:txFillClrLst meth="repeat">
+      <a:schemeClr val="lt1"/>
+    </dgm:txFillClrLst>
+    <dgm:txEffectClrLst/>
+  </dgm:styleLbl>
+  <dgm:styleLbl name="sibTrans2D1">
+    <dgm:fillClrLst meth="repeat">
+      <a:schemeClr val="accent1">
+        <a:tint val="60000"/>
+      </a:schemeClr>
+    </dgm:fillClrLst>
+    <dgm:linClrLst meth="repeat">
+      <a:schemeClr val="accent1">
+        <a:tint val="60000"/>
+      </a:schemeClr>
+    </dgm:linClrLst>
+    <dgm:effectClrLst/>
+    <dgm:txLinClrLst/>
+    <dgm:txFillClrLst/>
+    <dgm:txEffectClrLst/>
+  </dgm:styleLbl>
+  <dgm:styleLbl name="fgSibTrans2D1">
+    <dgm:fillClrLst meth="repeat">
+      <a:schemeClr val="accent1">
+        <a:tint val="60000"/>
+      </a:schemeClr>
+    </dgm:fillClrLst>
+    <dgm:linClrLst meth="repeat">
+      <a:schemeClr val="accent1">
+        <a:tint val="60000"/>
+      </a:schemeClr>
+    </dgm:linClrLst>
+    <dgm:effectClrLst/>
+    <dgm:txLinClrLst/>
+    <dgm:txFillClrLst/>
+    <dgm:txEffectClrLst/>
+  </dgm:styleLbl>
+  <dgm:styleLbl name="bgSibTrans2D1">
+    <dgm:fillClrLst meth="repeat">
+      <a:schemeClr val="accent1">
+        <a:tint val="60000"/>
+      </a:schemeClr>
+    </dgm:fillClrLst>
+    <dgm:linClrLst meth="repeat">
+      <a:schemeClr val="accent1">
+        <a:tint val="60000"/>
+      </a:schemeClr>
+    </dgm:linClrLst>
+    <dgm:effectClrLst/>
+    <dgm:txLinClrLst/>
+    <dgm:txFillClrLst/>
+    <dgm:txEffectClrLst/>
+  </dgm:styleLbl>
+  <dgm:styleLbl name="sibTrans1D1">
+    <dgm:fillClrLst meth="repeat">
+      <a:schemeClr val="accent1"/>
+    </dgm:fillClrLst>
+    <dgm:linClrLst meth="repeat">
+      <a:schemeClr val="accent1"/>
+    </dgm:linClrLst>
+    <dgm:effectClrLst/>
+    <dgm:txLinClrLst/>
+    <dgm:txFillClrLst meth="repeat">
+      <a:schemeClr val="tx1"/>
+    </dgm:txFillClrLst>
+    <dgm:txEffectClrLst/>
+  </dgm:styleLbl>
+  <dgm:styleLbl name="callout">
+    <dgm:fillClrLst meth="repeat">
+      <a:schemeClr val="accent1"/>
+    </dgm:fillClrLst>
+    <dgm:linClrLst meth="repeat">
+      <a:schemeClr val="accent1">
+        <a:tint val="50000"/>
+      </a:schemeClr>
+    </dgm:linClrLst>
+    <dgm:effectClrLst/>
+    <dgm:txLinClrLst/>
+    <dgm:txFillClrLst meth="repeat">
+      <a:schemeClr val="tx1"/>
+    </dgm:txFillClrLst>
+    <dgm:txEffectClrLst/>
+  </dgm:styleLbl>
+  <dgm:styleLbl name="asst0">
+    <dgm:fillClrLst meth="repeat">
+      <a:schemeClr val="accent1"/>
+    </dgm:fillClrLst>
+    <dgm:linClrLst meth="repeat">
+      <a:schemeClr val="lt1"/>
+    </dgm:linClrLst>
+    <dgm:effectClrLst/>
+    <dgm:txLinClrLst/>
+    <dgm:txFillClrLst/>
+    <dgm:txEffectClrLst/>
+  </dgm:styleLbl>
+  <dgm:styleLbl name="asst1">
+    <dgm:fillClrLst meth="repeat">
+      <a:schemeClr val="accent1"/>
+    </dgm:fillClrLst>
+    <dgm:linClrLst meth="repeat">
+      <a:schemeClr val="lt1"/>
+    </dgm:linClrLst>
+    <dgm:effectClrLst/>
+    <dgm:txLinClrLst/>
+    <dgm:txFillClrLst/>
+    <dgm:txEffectClrLst/>
+  </dgm:styleLbl>
+  <dgm:styleLbl name="asst2">
+    <dgm:fillClrLst meth="repeat">
+      <a:schemeClr val="accent1"/>
+    </dgm:fillClrLst>
+    <dgm:linClrLst meth="repeat">
+      <a:schemeClr val="lt1"/>
+    </dgm:linClrLst>
+    <dgm:effectClrLst/>
+    <dgm:txLinClrLst/>
+    <dgm:txFillClrLst/>
+    <dgm:txEffectClrLst/>
+  </dgm:styleLbl>
+  <dgm:styleLbl name="asst3">
+    <dgm:fillClrLst meth="repeat">
+      <a:schemeClr val="accent1"/>
+    </dgm:fillClrLst>
+    <dgm:linClrLst meth="repeat">
+      <a:schemeClr val="lt1"/>
+    </dgm:linClrLst>
+    <dgm:effectClrLst/>
+    <dgm:txLinClrLst/>
+    <dgm:txFillClrLst/>
+    <dgm:txEffectClrLst/>
+  </dgm:styleLbl>
+  <dgm:styleLbl name="asst4">
+    <dgm:fillClrLst meth="repeat">
+      <a:schemeClr val="accent1"/>
+    </dgm:fillClrLst>
+    <dgm:linClrLst meth="repeat">
+      <a:schemeClr val="lt1"/>
+    </dgm:linClrLst>
+    <dgm:effectClrLst/>
+    <dgm:txLinClrLst/>
+    <dgm:txFillClrLst/>
+    <dgm:txEffectClrLst/>
+  </dgm:styleLbl>
+  <dgm:styleLbl name="parChTrans2D1">
+    <dgm:fillClrLst meth="repeat">
+      <a:schemeClr val="accent1">
+        <a:tint val="60000"/>
+      </a:schemeClr>
+    </dgm:fillClrLst>
+    <dgm:linClrLst meth="repeat">
+      <a:schemeClr val="accent1">
+        <a:tint val="60000"/>
+      </a:schemeClr>
+    </dgm:linClrLst>
+    <dgm:effectClrLst/>
+    <dgm:txLinClrLst/>
+    <dgm:txFillClrLst meth="repeat">
+      <a:schemeClr val="lt1"/>
+    </dgm:txFillClrLst>
+    <dgm:txEffectClrLst/>
+  </dgm:styleLbl>
+  <dgm:styleLbl name="parChTrans2D2">
+    <dgm:fillClrLst meth="repeat">
+      <a:schemeClr val="accent1"/>
+    </dgm:fillClrLst>
+    <dgm:linClrLst meth="repeat">
+      <a:schemeClr val="accent1"/>
+    </dgm:linClrLst>
+    <dgm:effectClrLst/>
+    <dgm:txLinClrLst/>
+    <dgm:txFillClrLst meth="repeat">
+      <a:schemeClr val="lt1"/>
+    </dgm:txFillClrLst>
+    <dgm:txEffectClrLst/>
+  </dgm:styleLbl>
+  <dgm:styleLbl name="parChTrans2D3">
+    <dgm:fillClrLst meth="repeat">
+      <a:schemeClr val="accent1"/>
+    </dgm:fillClrLst>
+    <dgm:linClrLst meth="repeat">
+      <a:schemeClr val="accent1"/>
+    </dgm:linClrLst>
+    <dgm:effectClrLst/>
+    <dgm:txLinClrLst/>
+    <dgm:txFillClrLst meth="repeat">
+      <a:schemeClr val="lt1"/>
+    </dgm:txFillClrLst>
+    <dgm:txEffectClrLst/>
+  </dgm:styleLbl>
+  <dgm:styleLbl name="parChTrans2D4">
+    <dgm:fillClrLst meth="repeat">
+      <a:schemeClr val="accent1"/>
+    </dgm:fillClrLst>
+    <dgm:linClrLst meth="repeat">
+      <a:schemeClr val="accent1"/>
+    </dgm:linClrLst>
+    <dgm:effectClrLst/>
+    <dgm:txLinClrLst/>
+    <dgm:txFillClrLst meth="repeat">
+      <a:schemeClr val="lt1"/>
+    </dgm:txFillClrLst>
+    <dgm:txEffectClrLst/>
+  </dgm:styleLbl>
+  <dgm:styleLbl name="parChTrans1D1">
+    <dgm:fillClrLst meth="repeat">
+      <a:schemeClr val="accent1"/>
+    </dgm:fillClrLst>
+    <dgm:linClrLst meth="repeat">
+      <a:schemeClr val="accent1">
+        <a:shade val="60000"/>
+      </a:schemeClr>
+    </dgm:linClrLst>
+    <dgm:effectClrLst/>
+    <dgm:txLinClrLst/>
+    <dgm:txFillClrLst meth="repeat">
+      <a:schemeClr val="tx1"/>
+    </dgm:txFillClrLst>
+    <dgm:txEffectClrLst/>
+  </dgm:styleLbl>
+  <dgm:styleLbl name="parChTrans1D2">
+    <dgm:fillClrLst meth="repeat">
+      <a:schemeClr val="accent1"/>
+    </dgm:fillClrLst>
+    <dgm:linClrLst meth="repeat">
+      <a:schemeClr val="accent1">
+        <a:shade val="60000"/>
+      </a:schemeClr>
+    </dgm:linClrLst>
+    <dgm:effectClrLst/>
+    <dgm:txLinClrLst/>
+    <dgm:txFillClrLst meth="repeat">
+      <a:schemeClr val="tx1"/>
+    </dgm:txFillClrLst>
+    <dgm:txEffectClrLst/>
+  </dgm:styleLbl>
+  <dgm:styleLbl name="parChTrans1D3">
+    <dgm:fillClrLst meth="repeat">
+      <a:schemeClr val="accent1"/>
+    </dgm:fillClrLst>
+    <dgm:linClrLst meth="repeat">
+      <a:schemeClr val="accent1">
+        <a:shade val="80000"/>
+      </a:schemeClr>
+    </dgm:linClrLst>
+    <dgm:effectClrLst/>
+    <dgm:txLinClrLst/>
+    <dgm:txFillClrLst meth="repeat">
+      <a:schemeClr val="tx1"/>
+    </dgm:txFillClrLst>
+    <dgm:txEffectClrLst/>
+  </dgm:styleLbl>
+  <dgm:styleLbl name="parChTrans1D4">
+    <dgm:fillClrLst meth="repeat">
+      <a:schemeClr val="accent1"/>
+    </dgm:fillClrLst>
+    <dgm:linClrLst meth="repeat">
+      <a:schemeClr val="accent1">
+        <a:shade val="80000"/>
+      </a:schemeClr>
+    </dgm:linClrLst>
+    <dgm:effectClrLst/>
+    <dgm:txLinClrLst/>
+    <dgm:txFillClrLst meth="repeat">
+      <a:schemeClr val="tx1"/>
+    </dgm:txFillClrLst>
+    <dgm:txEffectClrLst/>
+  </dgm:styleLbl>
+  <dgm:styleLbl name="fgAcc1">
+    <dgm:fillClrLst meth="repeat">
+      <a:schemeClr val="lt1">
+        <a:alpha val="90000"/>
+      </a:schemeClr>
+    </dgm:fillClrLst>
+    <dgm:linClrLst meth="repeat">
+      <a:schemeClr val="accent1"/>
+    </dgm:linClrLst>
+    <dgm:effectClrLst/>
+    <dgm:txLinClrLst/>
+    <dgm:txFillClrLst meth="repeat">
+      <a:schemeClr val="dk1"/>
+    </dgm:txFillClrLst>
+    <dgm:txEffectClrLst/>
+  </dgm:styleLbl>
+  <dgm:styleLbl name="conFgAcc1">
+    <dgm:fillClrLst meth="repeat">
+      <a:schemeClr val="lt1">
+        <a:alpha val="90000"/>
+      </a:schemeClr>
+    </dgm:fillClrLst>
+    <dgm:linClrLst meth="repeat">
+      <a:schemeClr val="accent1"/>
+    </dgm:linClrLst>
+    <dgm:effectClrLst/>
+    <dgm:txLinClrLst/>
+    <dgm:txFillClrLst meth="repeat">
+      <a:schemeClr val="dk1"/>
+    </dgm:txFillClrLst>
+    <dgm:txEffectClrLst/>
+  </dgm:styleLbl>
+  <dgm:styleLbl name="alignAcc1">
+    <dgm:fillClrLst meth="repeat">
+      <a:schemeClr val="lt1">
+        <a:alpha val="90000"/>
+      </a:schemeClr>
+    </dgm:fillClrLst>
+    <dgm:linClrLst meth="repeat">
+      <a:schemeClr val="accent1"/>
+    </dgm:linClrLst>
+    <dgm:effectClrLst/>
+    <dgm:txLinClrLst/>
+    <dgm:txFillClrLst meth="repeat">
+      <a:schemeClr val="dk1"/>
+    </dgm:txFillClrLst>
+    <dgm:txEffectClrLst/>
+  </dgm:styleLbl>
+  <dgm:styleLbl name="trAlignAcc1">
+    <dgm:fillClrLst meth="repeat">
+      <a:schemeClr val="lt1">
+        <a:alpha val="40000"/>
+      </a:schemeClr>
+    </dgm:fillClrLst>
+    <dgm:linClrLst meth="repeat">
+      <a:schemeClr val="accent1"/>
+    </dgm:linClrLst>
+    <dgm:effectClrLst/>
+    <dgm:txLinClrLst/>
+    <dgm:txFillClrLst meth="repeat">
+      <a:schemeClr val="dk1"/>
+    </dgm:txFillClrLst>
+    <dgm:txEffectClrLst/>
+  </dgm:styleLbl>
+  <dgm:styleLbl name="bgAcc1">
+    <dgm:fillClrLst meth="repeat">
+      <a:schemeClr val="lt1">
+        <a:alpha val="90000"/>
+      </a:schemeClr>
+    </dgm:fillClrLst>
+    <dgm:linClrLst meth="repeat">
+      <a:schemeClr val="accent1"/>
+    </dgm:linClrLst>
+    <dgm:effectClrLst/>
+    <dgm:txLinClrLst/>
+    <dgm:txFillClrLst meth="repeat">
+      <a:schemeClr val="dk1"/>
+    </dgm:txFillClrLst>
+    <dgm:txEffectClrLst/>
+  </dgm:styleLbl>
+  <dgm:styleLbl name="solidFgAcc1">
+    <dgm:fillClrLst meth="repeat">
+      <a:schemeClr val="lt1"/>
+    </dgm:fillClrLst>
+    <dgm:linClrLst meth="repeat">
+      <a:schemeClr val="accent1"/>
+    </dgm:linClrLst>
+    <dgm:effectClrLst/>
+    <dgm:txLinClrLst/>
+    <dgm:txFillClrLst meth="repeat">
+      <a:schemeClr val="dk1"/>
+    </dgm:txFillClrLst>
+    <dgm:txEffectClrLst/>
+  </dgm:styleLbl>
+  <dgm:styleLbl name="solidAlignAcc1">
+    <dgm:fillClrLst meth="repeat">
+      <a:schemeClr val="lt1"/>
+    </dgm:fillClrLst>
+    <dgm:linClrLst meth="repeat">
+      <a:schemeClr val="accent1"/>
+    </dgm:linClrLst>
+    <dgm:effectClrLst/>
+    <dgm:txLinClrLst/>
+    <dgm:txFillClrLst meth="repeat">
+      <a:schemeClr val="dk1"/>
+    </dgm:txFillClrLst>
+    <dgm:txEffectClrLst/>
+  </dgm:styleLbl>
+  <dgm:styleLbl name="solidBgAcc1">
+    <dgm:fillClrLst meth="repeat">
+      <a:schemeClr val="lt1"/>
+    </dgm:fillClrLst>
+    <dgm:linClrLst meth="repeat">
+      <a:schemeClr val="accent1"/>
+    </dgm:linClrLst>
+    <dgm:effectClrLst/>
+    <dgm:txLinClrLst/>
+    <dgm:txFillClrLst meth="repeat">
+      <a:schemeClr val="dk1"/>
+    </dgm:txFillClrLst>
+    <dgm:txEffectClrLst/>
+  </dgm:styleLbl>
+  <dgm:styleLbl name="fgAccFollowNode1">
+    <dgm:fillClrLst meth="repeat">
+      <a:schemeClr val="accent1">
+        <a:alpha val="90000"/>
+        <a:tint val="40000"/>
+      </a:schemeClr>
+    </dgm:fillClrLst>
+    <dgm:linClrLst meth="repeat">
+      <a:schemeClr val="accent1">
+        <a:alpha val="90000"/>
+        <a:tint val="40000"/>
+      </a:schemeClr>
+    </dgm:linClrLst>
+    <dgm:effectClrLst/>
+    <dgm:txLinClrLst/>
+    <dgm:txFillClrLst meth="repeat">
+      <a:schemeClr val="dk1"/>
+    </dgm:txFillClrLst>
+    <dgm:txEffectClrLst/>
+  </dgm:styleLbl>
+  <dgm:styleLbl name="alignAccFollowNode1">
+    <dgm:fillClrLst meth="repeat">
+      <a:schemeClr val="accent1">
+        <a:alpha val="90000"/>
+        <a:tint val="40000"/>
+      </a:schemeClr>
+    </dgm:fillClrLst>
+    <dgm:linClrLst meth="repeat">
+      <a:schemeClr val="accent1">
+        <a:alpha val="90000"/>
+        <a:tint val="40000"/>
+      </a:schemeClr>
+    </dgm:linClrLst>
+    <dgm:effectClrLst/>
+    <dgm:txLinClrLst/>
+    <dgm:txFillClrLst meth="repeat">
+      <a:schemeClr val="dk1"/>
+    </dgm:txFillClrLst>
+    <dgm:txEffectClrLst/>
+  </dgm:styleLbl>
+  <dgm:styleLbl name="bgAccFollowNode1">
+    <dgm:fillClrLst meth="repeat">
+      <a:schemeClr val="accent1">
+        <a:alpha val="90000"/>
+        <a:tint val="40000"/>
+      </a:schemeClr>
+    </dgm:fillClrLst>
+    <dgm:linClrLst meth="repeat">
+      <a:schemeClr val="accent1">
+        <a:alpha val="90000"/>
+        <a:tint val="40000"/>
+      </a:schemeClr>
+    </dgm:linClrLst>
+    <dgm:effectClrLst/>
+    <dgm:txLinClrLst/>
+    <dgm:txFillClrLst meth="repeat">
+      <a:schemeClr val="dk1"/>
+    </dgm:txFillClrLst>
+    <dgm:txEffectClrLst/>
+  </dgm:styleLbl>
+  <dgm:styleLbl name="fgAcc0">
+    <dgm:fillClrLst meth="repeat">
+      <a:schemeClr val="lt1">
+        <a:alpha val="90000"/>
+      </a:schemeClr>
+    </dgm:fillClrLst>
+    <dgm:linClrLst meth="repeat">
+      <a:schemeClr val="accent1"/>
+    </dgm:linClrLst>
+    <dgm:effectClrLst/>
+    <dgm:txLinClrLst/>
+    <dgm:txFillClrLst meth="repeat">
+      <a:schemeClr val="dk1"/>
+    </dgm:txFillClrLst>
+    <dgm:txEffectClrLst/>
+  </dgm:styleLbl>
+  <dgm:styleLbl name="fgAcc2">
+    <dgm:fillClrLst meth="repeat">
+      <a:schemeClr val="lt1">
+        <a:alpha val="90000"/>
+      </a:schemeClr>
+    </dgm:fillClrLst>
+    <dgm:linClrLst meth="repeat">
+      <a:schemeClr val="accent1"/>
+    </dgm:linClrLst>
+    <dgm:effectClrLst/>
+    <dgm:txLinClrLst/>
+    <dgm:txFillClrLst meth="repeat">
+      <a:schemeClr val="dk1"/>
+    </dgm:txFillClrLst>
+    <dgm:txEffectClrLst/>
+  </dgm:styleLbl>
+  <dgm:styleLbl name="fgAcc3">
+    <dgm:fillClrLst meth="repeat">
+      <a:schemeClr val="lt1">
+        <a:alpha val="90000"/>
+      </a:schemeClr>
+    </dgm:fillClrLst>
+    <dgm:linClrLst meth="repeat">
+      <a:schemeClr val="accent1"/>
+    </dgm:linClrLst>
+    <dgm:effectClrLst/>
+    <dgm:txLinClrLst/>
+    <dgm:txFillClrLst meth="repeat">
+      <a:schemeClr val="dk1"/>
+    </dgm:txFillClrLst>
+    <dgm:txEffectClrLst/>
+  </dgm:styleLbl>
+  <dgm:styleLbl name="fgAcc4">
+    <dgm:fillClrLst meth="repeat">
+      <a:schemeClr val="lt1">
+        <a:alpha val="90000"/>
+      </a:schemeClr>
+    </dgm:fillClrLst>
+    <dgm:linClrLst meth="repeat">
+      <a:schemeClr val="accent1"/>
+    </dgm:linClrLst>
+    <dgm:effectClrLst/>
+    <dgm:txLinClrLst/>
+    <dgm:txFillClrLst meth="repeat">
+      <a:schemeClr val="dk1"/>
+    </dgm:txFillClrLst>
+    <dgm:txEffectClrLst/>
+  </dgm:styleLbl>
+  <dgm:styleLbl name="bgShp">
+    <dgm:fillClrLst meth="repeat">
+      <a:schemeClr val="accent1">
+        <a:tint val="40000"/>
+      </a:schemeClr>
+    </dgm:fillClrLst>
+    <dgm:linClrLst meth="repeat">
+      <a:schemeClr val="accent1"/>
+    </dgm:linClrLst>
+    <dgm:effectClrLst/>
+    <dgm:txLinClrLst/>
+    <dgm:txFillClrLst meth="repeat">
+      <a:schemeClr val="dk1"/>
+    </dgm:txFillClrLst>
+    <dgm:txEffectClrLst/>
+  </dgm:styleLbl>
+  <dgm:styleLbl name="dkBgShp">
+    <dgm:fillClrLst meth="repeat">
+      <a:schemeClr val="accent1">
+        <a:shade val="80000"/>
+      </a:schemeClr>
+    </dgm:fillClrLst>
+    <dgm:linClrLst meth="repeat">
+      <a:schemeClr val="accent1"/>
+    </dgm:linClrLst>
+    <dgm:effectClrLst/>
+    <dgm:txLinClrLst/>
+    <dgm:txFillClrLst meth="repeat">
+      <a:schemeClr val="lt1"/>
+    </dgm:txFillClrLst>
+    <dgm:txEffectClrLst/>
+  </dgm:styleLbl>
+  <dgm:styleLbl name="trBgShp">
+    <dgm:fillClrLst meth="repeat">
+      <a:schemeClr val="accent1">
+        <a:tint val="50000"/>
+        <a:alpha val="40000"/>
+      </a:schemeClr>
+    </dgm:fillClrLst>
+    <dgm:linClrLst meth="repeat">
+      <a:schemeClr val="accent1"/>
+    </dgm:linClrLst>
+    <dgm:effectClrLst/>
+    <dgm:txLinClrLst/>
+    <dgm:txFillClrLst meth="repeat">
+      <a:schemeClr val="lt1"/>
+    </dgm:txFillClrLst>
+    <dgm:txEffectClrLst/>
+  </dgm:styleLbl>
+  <dgm:styleLbl name="fgShp">
+    <dgm:fillClrLst meth="repeat">
+      <a:schemeClr val="accent1">
+        <a:tint val="60000"/>
+      </a:schemeClr>
+    </dgm:fillClrLst>
+    <dgm:linClrLst meth="repeat">
+      <a:schemeClr val="lt1"/>
+    </dgm:linClrLst>
+    <dgm:effectClrLst/>
+    <dgm:txLinClrLst/>
+    <dgm:txFillClrLst meth="repeat">
+      <a:schemeClr val="dk1"/>
+    </dgm:txFillClrLst>
+    <dgm:txEffectClrLst/>
+  </dgm:styleLbl>
+  <dgm:styleLbl name="revTx">
+    <dgm:fillClrLst meth="repeat">
+      <a:schemeClr val="lt1">
+        <a:alpha val="0"/>
+      </a:schemeClr>
+    </dgm:fillClrLst>
+    <dgm:linClrLst meth="repeat">
+      <a:schemeClr val="dk1">
+        <a:alpha val="0"/>
+      </a:schemeClr>
+    </dgm:linClrLst>
+    <dgm:effectClrLst/>
+    <dgm:txLinClrLst/>
+    <dgm:txFillClrLst meth="repeat">
+      <a:schemeClr val="tx1"/>
+    </dgm:txFillClrLst>
+    <dgm:txEffectClrLst/>
+  </dgm:styleLbl>
+</dgm:colorsDef>
+</file>
+
 <file path=ppt/diagrams/data1.xml><?xml version="1.0" encoding="utf-8"?>
+<dgm:dataModel xmlns:dgm="http://schemas.openxmlformats.org/drawingml/2006/diagram" xmlns:a="http://schemas.openxmlformats.org/drawingml/2006/main">
+  <dgm:ptLst>
+    <dgm:pt modelId="{5993ABFB-5D25-4C9F-9A9A-CB16522256DE}" type="doc">
+      <dgm:prSet loTypeId="urn:microsoft.com/office/officeart/2005/8/layout/process2" loCatId="process" qsTypeId="urn:microsoft.com/office/officeart/2005/8/quickstyle/simple1" qsCatId="simple" csTypeId="urn:microsoft.com/office/officeart/2005/8/colors/accent1_2" csCatId="accent1"/>
+      <dgm:spPr/>
+      <dgm:t>
+        <a:bodyPr/>
+        <a:lstStyle/>
+        <a:p>
+          <a:endParaRPr kumimoji="1" lang="ja-JP" altLang="en-US"/>
+        </a:p>
+      </dgm:t>
+    </dgm:pt>
+    <dgm:pt modelId="{0404C8EC-2194-4045-BBFB-89AFCF3606F2}">
+      <dgm:prSet custT="1"/>
+      <dgm:spPr/>
+      <dgm:t>
+        <a:bodyPr/>
+        <a:lstStyle/>
+        <a:p>
+          <a:r>
+            <a:rPr kumimoji="1" lang="en-US" sz="2000" dirty="0"/>
+            <a:t>10,000</a:t>
+          </a:r>
+          <a:r>
+            <a:rPr kumimoji="1" lang="ja-JP" sz="2000" dirty="0"/>
+            <a:t>件のコーパス</a:t>
+          </a:r>
+          <a:endParaRPr lang="ja-JP" sz="2000" dirty="0"/>
+        </a:p>
+      </dgm:t>
+    </dgm:pt>
+    <dgm:pt modelId="{E56B24E9-5889-4937-AB80-46DFB8F190EB}" type="parTrans" cxnId="{D5440C6D-E3EF-48D2-A654-4DEEFACF599B}">
+      <dgm:prSet/>
+      <dgm:spPr/>
+      <dgm:t>
+        <a:bodyPr/>
+        <a:lstStyle/>
+        <a:p>
+          <a:endParaRPr kumimoji="1" lang="ja-JP" altLang="en-US" sz="2000"/>
+        </a:p>
+      </dgm:t>
+    </dgm:pt>
+    <dgm:pt modelId="{EA63BA4D-154E-4E60-BD97-074BDA25D824}" type="sibTrans" cxnId="{D5440C6D-E3EF-48D2-A654-4DEEFACF599B}">
+      <dgm:prSet custT="1"/>
+      <dgm:spPr/>
+      <dgm:t>
+        <a:bodyPr/>
+        <a:lstStyle/>
+        <a:p>
+          <a:endParaRPr kumimoji="1" lang="ja-JP" altLang="en-US" sz="2000"/>
+        </a:p>
+      </dgm:t>
+    </dgm:pt>
+    <dgm:pt modelId="{E8D4D001-0368-49E0-BE0E-0E169186A48F}">
+      <dgm:prSet custT="1"/>
+      <dgm:spPr/>
+      <dgm:t>
+        <a:bodyPr/>
+        <a:lstStyle/>
+        <a:p>
+          <a:r>
+            <a:rPr kumimoji="1" lang="ja-JP" altLang="en-US" sz="2000"/>
+            <a:t>形態素解析（文書毎に単語列にする）</a:t>
+          </a:r>
+          <a:endParaRPr lang="ja-JP" altLang="en-US" sz="2000"/>
+        </a:p>
+      </dgm:t>
+    </dgm:pt>
+    <dgm:pt modelId="{CE5766C4-8F81-4666-82E8-AD81A5A6791F}" type="parTrans" cxnId="{CED4697B-693A-4B48-85D6-990D3D3E23E2}">
+      <dgm:prSet/>
+      <dgm:spPr/>
+      <dgm:t>
+        <a:bodyPr/>
+        <a:lstStyle/>
+        <a:p>
+          <a:endParaRPr kumimoji="1" lang="ja-JP" altLang="en-US" sz="2000"/>
+        </a:p>
+      </dgm:t>
+    </dgm:pt>
+    <dgm:pt modelId="{68B9E1C9-AD56-40E4-BE29-BCCC6E888784}" type="sibTrans" cxnId="{CED4697B-693A-4B48-85D6-990D3D3E23E2}">
+      <dgm:prSet custT="1"/>
+      <dgm:spPr/>
+      <dgm:t>
+        <a:bodyPr/>
+        <a:lstStyle/>
+        <a:p>
+          <a:endParaRPr kumimoji="1" lang="ja-JP" altLang="en-US" sz="2000"/>
+        </a:p>
+      </dgm:t>
+    </dgm:pt>
+    <dgm:pt modelId="{16290C75-FACB-4842-BD96-A954D14686CF}">
+      <dgm:prSet custT="1"/>
+      <dgm:spPr/>
+      <dgm:t>
+        <a:bodyPr/>
+        <a:lstStyle/>
+        <a:p>
+          <a:r>
+            <a:rPr kumimoji="1" lang="en-US" sz="2000"/>
+            <a:t>BoW</a:t>
+          </a:r>
+          <a:r>
+            <a:rPr kumimoji="1" lang="ja-JP" sz="2000"/>
+            <a:t>形式に変換</a:t>
+          </a:r>
+          <a:endParaRPr lang="ja-JP" sz="2000"/>
+        </a:p>
+      </dgm:t>
+    </dgm:pt>
+    <dgm:pt modelId="{0C1B18E2-1C31-4AFA-AE86-ACB5D717B651}" type="parTrans" cxnId="{61FEAE1A-BA85-455E-A6A6-56A24DA6CD6E}">
+      <dgm:prSet/>
+      <dgm:spPr/>
+      <dgm:t>
+        <a:bodyPr/>
+        <a:lstStyle/>
+        <a:p>
+          <a:endParaRPr kumimoji="1" lang="ja-JP" altLang="en-US" sz="2000"/>
+        </a:p>
+      </dgm:t>
+    </dgm:pt>
+    <dgm:pt modelId="{2376B43E-9570-48B4-B494-C045D5A0D1FF}" type="sibTrans" cxnId="{61FEAE1A-BA85-455E-A6A6-56A24DA6CD6E}">
+      <dgm:prSet/>
+      <dgm:spPr/>
+      <dgm:t>
+        <a:bodyPr/>
+        <a:lstStyle/>
+        <a:p>
+          <a:endParaRPr kumimoji="1" lang="ja-JP" altLang="en-US" sz="2000"/>
+        </a:p>
+      </dgm:t>
+    </dgm:pt>
+    <dgm:pt modelId="{7A44ACB5-7B5A-4CD4-B680-387F5307AC6B}" type="pres">
+      <dgm:prSet presAssocID="{5993ABFB-5D25-4C9F-9A9A-CB16522256DE}" presName="linearFlow" presStyleCnt="0">
+        <dgm:presLayoutVars>
+          <dgm:resizeHandles val="exact"/>
+        </dgm:presLayoutVars>
+      </dgm:prSet>
+      <dgm:spPr/>
+    </dgm:pt>
+    <dgm:pt modelId="{9116B413-DE10-4151-BE13-6383107955F2}" type="pres">
+      <dgm:prSet presAssocID="{0404C8EC-2194-4045-BBFB-89AFCF3606F2}" presName="node" presStyleLbl="node1" presStyleIdx="0" presStyleCnt="3">
+        <dgm:presLayoutVars>
+          <dgm:bulletEnabled val="1"/>
+        </dgm:presLayoutVars>
+      </dgm:prSet>
+      <dgm:spPr/>
+    </dgm:pt>
+    <dgm:pt modelId="{21A64A69-37D4-48DC-BECF-58F81775C250}" type="pres">
+      <dgm:prSet presAssocID="{EA63BA4D-154E-4E60-BD97-074BDA25D824}" presName="sibTrans" presStyleLbl="sibTrans2D1" presStyleIdx="0" presStyleCnt="2"/>
+      <dgm:spPr/>
+    </dgm:pt>
+    <dgm:pt modelId="{9CA3A72B-2268-4874-8D4D-BEA5C63B1A65}" type="pres">
+      <dgm:prSet presAssocID="{EA63BA4D-154E-4E60-BD97-074BDA25D824}" presName="connectorText" presStyleLbl="sibTrans2D1" presStyleIdx="0" presStyleCnt="2"/>
+      <dgm:spPr/>
+    </dgm:pt>
+    <dgm:pt modelId="{94479982-6701-419C-8A0D-76B9C3B3BFDA}" type="pres">
+      <dgm:prSet presAssocID="{E8D4D001-0368-49E0-BE0E-0E169186A48F}" presName="node" presStyleLbl="node1" presStyleIdx="1" presStyleCnt="3">
+        <dgm:presLayoutVars>
+          <dgm:bulletEnabled val="1"/>
+        </dgm:presLayoutVars>
+      </dgm:prSet>
+      <dgm:spPr/>
+    </dgm:pt>
+    <dgm:pt modelId="{068E2A0A-13E2-48F8-A307-C95E553D58FB}" type="pres">
+      <dgm:prSet presAssocID="{68B9E1C9-AD56-40E4-BE29-BCCC6E888784}" presName="sibTrans" presStyleLbl="sibTrans2D1" presStyleIdx="1" presStyleCnt="2"/>
+      <dgm:spPr/>
+    </dgm:pt>
+    <dgm:pt modelId="{56589174-932D-44D6-8D5F-5B40FC315593}" type="pres">
+      <dgm:prSet presAssocID="{68B9E1C9-AD56-40E4-BE29-BCCC6E888784}" presName="connectorText" presStyleLbl="sibTrans2D1" presStyleIdx="1" presStyleCnt="2"/>
+      <dgm:spPr/>
+    </dgm:pt>
+    <dgm:pt modelId="{0329EBC4-4ED8-4CEF-B06C-FE6F47381C7D}" type="pres">
+      <dgm:prSet presAssocID="{16290C75-FACB-4842-BD96-A954D14686CF}" presName="node" presStyleLbl="node1" presStyleIdx="2" presStyleCnt="3">
+        <dgm:presLayoutVars>
+          <dgm:bulletEnabled val="1"/>
+        </dgm:presLayoutVars>
+      </dgm:prSet>
+      <dgm:spPr/>
+    </dgm:pt>
+  </dgm:ptLst>
+  <dgm:cxnLst>
+    <dgm:cxn modelId="{82309319-C469-4926-9A1F-7CFB30CF5BD7}" type="presOf" srcId="{5993ABFB-5D25-4C9F-9A9A-CB16522256DE}" destId="{7A44ACB5-7B5A-4CD4-B680-387F5307AC6B}" srcOrd="0" destOrd="0" presId="urn:microsoft.com/office/officeart/2005/8/layout/process2"/>
+    <dgm:cxn modelId="{61FEAE1A-BA85-455E-A6A6-56A24DA6CD6E}" srcId="{5993ABFB-5D25-4C9F-9A9A-CB16522256DE}" destId="{16290C75-FACB-4842-BD96-A954D14686CF}" srcOrd="2" destOrd="0" parTransId="{0C1B18E2-1C31-4AFA-AE86-ACB5D717B651}" sibTransId="{2376B43E-9570-48B4-B494-C045D5A0D1FF}"/>
+    <dgm:cxn modelId="{B37BF524-7FBB-4FBB-BE49-4B02551869F4}" type="presOf" srcId="{E8D4D001-0368-49E0-BE0E-0E169186A48F}" destId="{94479982-6701-419C-8A0D-76B9C3B3BFDA}" srcOrd="0" destOrd="0" presId="urn:microsoft.com/office/officeart/2005/8/layout/process2"/>
+    <dgm:cxn modelId="{F5449B2F-ED11-4D4B-BB20-D658B8A46816}" type="presOf" srcId="{68B9E1C9-AD56-40E4-BE29-BCCC6E888784}" destId="{56589174-932D-44D6-8D5F-5B40FC315593}" srcOrd="1" destOrd="0" presId="urn:microsoft.com/office/officeart/2005/8/layout/process2"/>
+    <dgm:cxn modelId="{A99A6F32-13F1-4AEA-B9F3-E81917E45FE5}" type="presOf" srcId="{68B9E1C9-AD56-40E4-BE29-BCCC6E888784}" destId="{068E2A0A-13E2-48F8-A307-C95E553D58FB}" srcOrd="0" destOrd="0" presId="urn:microsoft.com/office/officeart/2005/8/layout/process2"/>
+    <dgm:cxn modelId="{E568CD5E-9B22-418A-8F6F-920062205186}" type="presOf" srcId="{16290C75-FACB-4842-BD96-A954D14686CF}" destId="{0329EBC4-4ED8-4CEF-B06C-FE6F47381C7D}" srcOrd="0" destOrd="0" presId="urn:microsoft.com/office/officeart/2005/8/layout/process2"/>
+    <dgm:cxn modelId="{D5440C6D-E3EF-48D2-A654-4DEEFACF599B}" srcId="{5993ABFB-5D25-4C9F-9A9A-CB16522256DE}" destId="{0404C8EC-2194-4045-BBFB-89AFCF3606F2}" srcOrd="0" destOrd="0" parTransId="{E56B24E9-5889-4937-AB80-46DFB8F190EB}" sibTransId="{EA63BA4D-154E-4E60-BD97-074BDA25D824}"/>
+    <dgm:cxn modelId="{B65C3E4F-418D-42D7-83C6-72B3FC2CD35B}" type="presOf" srcId="{0404C8EC-2194-4045-BBFB-89AFCF3606F2}" destId="{9116B413-DE10-4151-BE13-6383107955F2}" srcOrd="0" destOrd="0" presId="urn:microsoft.com/office/officeart/2005/8/layout/process2"/>
+    <dgm:cxn modelId="{CED4697B-693A-4B48-85D6-990D3D3E23E2}" srcId="{5993ABFB-5D25-4C9F-9A9A-CB16522256DE}" destId="{E8D4D001-0368-49E0-BE0E-0E169186A48F}" srcOrd="1" destOrd="0" parTransId="{CE5766C4-8F81-4666-82E8-AD81A5A6791F}" sibTransId="{68B9E1C9-AD56-40E4-BE29-BCCC6E888784}"/>
+    <dgm:cxn modelId="{826A4CB4-BA42-410D-94E1-D90D1A17836C}" type="presOf" srcId="{EA63BA4D-154E-4E60-BD97-074BDA25D824}" destId="{21A64A69-37D4-48DC-BECF-58F81775C250}" srcOrd="0" destOrd="0" presId="urn:microsoft.com/office/officeart/2005/8/layout/process2"/>
+    <dgm:cxn modelId="{2C4536FE-EEDC-476F-9AFB-4AA1F4E8253F}" type="presOf" srcId="{EA63BA4D-154E-4E60-BD97-074BDA25D824}" destId="{9CA3A72B-2268-4874-8D4D-BEA5C63B1A65}" srcOrd="1" destOrd="0" presId="urn:microsoft.com/office/officeart/2005/8/layout/process2"/>
+    <dgm:cxn modelId="{CE44D4DB-C2CA-4C6B-9611-4A4CB676E225}" type="presParOf" srcId="{7A44ACB5-7B5A-4CD4-B680-387F5307AC6B}" destId="{9116B413-DE10-4151-BE13-6383107955F2}" srcOrd="0" destOrd="0" presId="urn:microsoft.com/office/officeart/2005/8/layout/process2"/>
+    <dgm:cxn modelId="{0E3881FA-634A-4E69-A9A4-3C4AB8ABE0ED}" type="presParOf" srcId="{7A44ACB5-7B5A-4CD4-B680-387F5307AC6B}" destId="{21A64A69-37D4-48DC-BECF-58F81775C250}" srcOrd="1" destOrd="0" presId="urn:microsoft.com/office/officeart/2005/8/layout/process2"/>
+    <dgm:cxn modelId="{F82AFD26-512D-4A5B-A86D-617EFC815838}" type="presParOf" srcId="{21A64A69-37D4-48DC-BECF-58F81775C250}" destId="{9CA3A72B-2268-4874-8D4D-BEA5C63B1A65}" srcOrd="0" destOrd="0" presId="urn:microsoft.com/office/officeart/2005/8/layout/process2"/>
+    <dgm:cxn modelId="{C70CA8B9-2C08-4DFC-A788-E0796E1FD0E8}" type="presParOf" srcId="{7A44ACB5-7B5A-4CD4-B680-387F5307AC6B}" destId="{94479982-6701-419C-8A0D-76B9C3B3BFDA}" srcOrd="2" destOrd="0" presId="urn:microsoft.com/office/officeart/2005/8/layout/process2"/>
+    <dgm:cxn modelId="{0172651C-F853-4A2D-A75D-BDD2115C8E22}" type="presParOf" srcId="{7A44ACB5-7B5A-4CD4-B680-387F5307AC6B}" destId="{068E2A0A-13E2-48F8-A307-C95E553D58FB}" srcOrd="3" destOrd="0" presId="urn:microsoft.com/office/officeart/2005/8/layout/process2"/>
+    <dgm:cxn modelId="{9AFB1990-A576-45AE-B913-C8E2CAC4DCE6}" type="presParOf" srcId="{068E2A0A-13E2-48F8-A307-C95E553D58FB}" destId="{56589174-932D-44D6-8D5F-5B40FC315593}" srcOrd="0" destOrd="0" presId="urn:microsoft.com/office/officeart/2005/8/layout/process2"/>
+    <dgm:cxn modelId="{EC0579E0-103A-4857-92BE-F8DCC08E4833}" type="presParOf" srcId="{7A44ACB5-7B5A-4CD4-B680-387F5307AC6B}" destId="{0329EBC4-4ED8-4CEF-B06C-FE6F47381C7D}" srcOrd="4" destOrd="0" presId="urn:microsoft.com/office/officeart/2005/8/layout/process2"/>
+  </dgm:cxnLst>
+  <dgm:bg/>
+  <dgm:whole/>
+  <dgm:extLst>
+    <a:ext uri="http://schemas.microsoft.com/office/drawing/2008/diagram">
+      <dsp:dataModelExt xmlns:dsp="http://schemas.microsoft.com/office/drawing/2008/diagram" relId="rId6" minVer="http://schemas.openxmlformats.org/drawingml/2006/diagram"/>
+    </a:ext>
+  </dgm:extLst>
+</dgm:dataModel>
+</file>
+
+<file path=ppt/diagrams/data2.xml><?xml version="1.0" encoding="utf-8"?>
 <dgm:dataModel xmlns:dgm="http://schemas.openxmlformats.org/drawingml/2006/diagram" xmlns:a="http://schemas.openxmlformats.org/drawingml/2006/main">
   <dgm:ptLst>
     <dgm:pt modelId="{677C483F-4BF8-4526-B703-8F960FCB95A7}" type="doc">
@@ -1063,6 +2025,409 @@
 </file>
 
 <file path=ppt/diagrams/drawing1.xml><?xml version="1.0" encoding="utf-8"?>
+<dsp:drawing xmlns:dgm="http://schemas.openxmlformats.org/drawingml/2006/diagram" xmlns:dsp="http://schemas.microsoft.com/office/drawing/2008/diagram" xmlns:a="http://schemas.openxmlformats.org/drawingml/2006/main">
+  <dsp:spTree>
+    <dsp:nvGrpSpPr>
+      <dsp:cNvPr id="0" name=""/>
+      <dsp:cNvGrpSpPr/>
+    </dsp:nvGrpSpPr>
+    <dsp:grpSpPr/>
+    <dsp:sp modelId="{9116B413-DE10-4151-BE13-6383107955F2}">
+      <dsp:nvSpPr>
+        <dsp:cNvPr id="0" name=""/>
+        <dsp:cNvSpPr/>
+      </dsp:nvSpPr>
+      <dsp:spPr>
+        <a:xfrm>
+          <a:off x="1400798" y="0"/>
+          <a:ext cx="2615271" cy="1452928"/>
+        </a:xfrm>
+        <a:prstGeom prst="roundRect">
+          <a:avLst>
+            <a:gd name="adj" fmla="val 10000"/>
+          </a:avLst>
+        </a:prstGeom>
+        <a:solidFill>
+          <a:schemeClr val="accent1">
+            <a:hueOff val="0"/>
+            <a:satOff val="0"/>
+            <a:lumOff val="0"/>
+            <a:alphaOff val="0"/>
+          </a:schemeClr>
+        </a:solidFill>
+        <a:ln w="12700" cap="flat" cmpd="sng" algn="ctr">
+          <a:solidFill>
+            <a:schemeClr val="lt1">
+              <a:hueOff val="0"/>
+              <a:satOff val="0"/>
+              <a:lumOff val="0"/>
+              <a:alphaOff val="0"/>
+            </a:schemeClr>
+          </a:solidFill>
+          <a:prstDash val="solid"/>
+          <a:miter lim="800000"/>
+        </a:ln>
+        <a:effectLst/>
+      </dsp:spPr>
+      <dsp:style>
+        <a:lnRef idx="2">
+          <a:scrgbClr r="0" g="0" b="0"/>
+        </a:lnRef>
+        <a:fillRef idx="1">
+          <a:scrgbClr r="0" g="0" b="0"/>
+        </a:fillRef>
+        <a:effectRef idx="0">
+          <a:scrgbClr r="0" g="0" b="0"/>
+        </a:effectRef>
+        <a:fontRef idx="minor">
+          <a:schemeClr val="lt1"/>
+        </a:fontRef>
+      </dsp:style>
+      <dsp:txBody>
+        <a:bodyPr spcFirstLastPara="0" vert="horz" wrap="square" lIns="76200" tIns="76200" rIns="76200" bIns="76200" numCol="1" spcCol="1270" anchor="ctr" anchorCtr="0">
+          <a:noAutofit/>
+        </a:bodyPr>
+        <a:lstStyle/>
+        <a:p>
+          <a:pPr marL="0" lvl="0" indent="0" algn="ctr" defTabSz="889000">
+            <a:lnSpc>
+              <a:spcPct val="90000"/>
+            </a:lnSpc>
+            <a:spcBef>
+              <a:spcPct val="0"/>
+            </a:spcBef>
+            <a:spcAft>
+              <a:spcPct val="35000"/>
+            </a:spcAft>
+            <a:buNone/>
+          </a:pPr>
+          <a:r>
+            <a:rPr kumimoji="1" lang="en-US" sz="2000" kern="1200" dirty="0"/>
+            <a:t>10,000</a:t>
+          </a:r>
+          <a:r>
+            <a:rPr kumimoji="1" lang="ja-JP" sz="2000" kern="1200" dirty="0"/>
+            <a:t>件のコーパス</a:t>
+          </a:r>
+          <a:endParaRPr lang="ja-JP" sz="2000" kern="1200" dirty="0"/>
+        </a:p>
+      </dsp:txBody>
+      <dsp:txXfrm>
+        <a:off x="1443353" y="42555"/>
+        <a:ext cx="2530161" cy="1367818"/>
+      </dsp:txXfrm>
+    </dsp:sp>
+    <dsp:sp modelId="{21A64A69-37D4-48DC-BECF-58F81775C250}">
+      <dsp:nvSpPr>
+        <dsp:cNvPr id="0" name=""/>
+        <dsp:cNvSpPr/>
+      </dsp:nvSpPr>
+      <dsp:spPr>
+        <a:xfrm rot="5400000">
+          <a:off x="2436009" y="1489251"/>
+          <a:ext cx="544848" cy="653817"/>
+        </a:xfrm>
+        <a:prstGeom prst="rightArrow">
+          <a:avLst>
+            <a:gd name="adj1" fmla="val 60000"/>
+            <a:gd name="adj2" fmla="val 50000"/>
+          </a:avLst>
+        </a:prstGeom>
+        <a:solidFill>
+          <a:schemeClr val="accent1">
+            <a:tint val="60000"/>
+            <a:hueOff val="0"/>
+            <a:satOff val="0"/>
+            <a:lumOff val="0"/>
+            <a:alphaOff val="0"/>
+          </a:schemeClr>
+        </a:solidFill>
+        <a:ln>
+          <a:noFill/>
+        </a:ln>
+        <a:effectLst/>
+      </dsp:spPr>
+      <dsp:style>
+        <a:lnRef idx="0">
+          <a:scrgbClr r="0" g="0" b="0"/>
+        </a:lnRef>
+        <a:fillRef idx="1">
+          <a:scrgbClr r="0" g="0" b="0"/>
+        </a:fillRef>
+        <a:effectRef idx="0">
+          <a:scrgbClr r="0" g="0" b="0"/>
+        </a:effectRef>
+        <a:fontRef idx="minor">
+          <a:schemeClr val="lt1"/>
+        </a:fontRef>
+      </dsp:style>
+      <dsp:txBody>
+        <a:bodyPr spcFirstLastPara="0" vert="horz" wrap="square" lIns="0" tIns="0" rIns="0" bIns="0" numCol="1" spcCol="1270" anchor="ctr" anchorCtr="0">
+          <a:noAutofit/>
+        </a:bodyPr>
+        <a:lstStyle/>
+        <a:p>
+          <a:pPr marL="0" lvl="0" indent="0" algn="ctr" defTabSz="889000">
+            <a:lnSpc>
+              <a:spcPct val="90000"/>
+            </a:lnSpc>
+            <a:spcBef>
+              <a:spcPct val="0"/>
+            </a:spcBef>
+            <a:spcAft>
+              <a:spcPct val="35000"/>
+            </a:spcAft>
+            <a:buNone/>
+          </a:pPr>
+          <a:endParaRPr kumimoji="1" lang="ja-JP" altLang="en-US" sz="2000" kern="1200"/>
+        </a:p>
+      </dsp:txBody>
+      <dsp:txXfrm rot="-5400000">
+        <a:off x="2512288" y="1543735"/>
+        <a:ext cx="392291" cy="381394"/>
+      </dsp:txXfrm>
+    </dsp:sp>
+    <dsp:sp modelId="{94479982-6701-419C-8A0D-76B9C3B3BFDA}">
+      <dsp:nvSpPr>
+        <dsp:cNvPr id="0" name=""/>
+        <dsp:cNvSpPr/>
+      </dsp:nvSpPr>
+      <dsp:spPr>
+        <a:xfrm>
+          <a:off x="1400798" y="2179392"/>
+          <a:ext cx="2615271" cy="1452928"/>
+        </a:xfrm>
+        <a:prstGeom prst="roundRect">
+          <a:avLst>
+            <a:gd name="adj" fmla="val 10000"/>
+          </a:avLst>
+        </a:prstGeom>
+        <a:solidFill>
+          <a:schemeClr val="accent1">
+            <a:hueOff val="0"/>
+            <a:satOff val="0"/>
+            <a:lumOff val="0"/>
+            <a:alphaOff val="0"/>
+          </a:schemeClr>
+        </a:solidFill>
+        <a:ln w="12700" cap="flat" cmpd="sng" algn="ctr">
+          <a:solidFill>
+            <a:schemeClr val="lt1">
+              <a:hueOff val="0"/>
+              <a:satOff val="0"/>
+              <a:lumOff val="0"/>
+              <a:alphaOff val="0"/>
+            </a:schemeClr>
+          </a:solidFill>
+          <a:prstDash val="solid"/>
+          <a:miter lim="800000"/>
+        </a:ln>
+        <a:effectLst/>
+      </dsp:spPr>
+      <dsp:style>
+        <a:lnRef idx="2">
+          <a:scrgbClr r="0" g="0" b="0"/>
+        </a:lnRef>
+        <a:fillRef idx="1">
+          <a:scrgbClr r="0" g="0" b="0"/>
+        </a:fillRef>
+        <a:effectRef idx="0">
+          <a:scrgbClr r="0" g="0" b="0"/>
+        </a:effectRef>
+        <a:fontRef idx="minor">
+          <a:schemeClr val="lt1"/>
+        </a:fontRef>
+      </dsp:style>
+      <dsp:txBody>
+        <a:bodyPr spcFirstLastPara="0" vert="horz" wrap="square" lIns="76200" tIns="76200" rIns="76200" bIns="76200" numCol="1" spcCol="1270" anchor="ctr" anchorCtr="0">
+          <a:noAutofit/>
+        </a:bodyPr>
+        <a:lstStyle/>
+        <a:p>
+          <a:pPr marL="0" lvl="0" indent="0" algn="ctr" defTabSz="889000">
+            <a:lnSpc>
+              <a:spcPct val="90000"/>
+            </a:lnSpc>
+            <a:spcBef>
+              <a:spcPct val="0"/>
+            </a:spcBef>
+            <a:spcAft>
+              <a:spcPct val="35000"/>
+            </a:spcAft>
+            <a:buNone/>
+          </a:pPr>
+          <a:r>
+            <a:rPr kumimoji="1" lang="ja-JP" altLang="en-US" sz="2000" kern="1200"/>
+            <a:t>形態素解析（文書毎に単語列にする）</a:t>
+          </a:r>
+          <a:endParaRPr lang="ja-JP" altLang="en-US" sz="2000" kern="1200"/>
+        </a:p>
+      </dsp:txBody>
+      <dsp:txXfrm>
+        <a:off x="1443353" y="2221947"/>
+        <a:ext cx="2530161" cy="1367818"/>
+      </dsp:txXfrm>
+    </dsp:sp>
+    <dsp:sp modelId="{068E2A0A-13E2-48F8-A307-C95E553D58FB}">
+      <dsp:nvSpPr>
+        <dsp:cNvPr id="0" name=""/>
+        <dsp:cNvSpPr/>
+      </dsp:nvSpPr>
+      <dsp:spPr>
+        <a:xfrm rot="5400000">
+          <a:off x="2436009" y="3668644"/>
+          <a:ext cx="544848" cy="653817"/>
+        </a:xfrm>
+        <a:prstGeom prst="rightArrow">
+          <a:avLst>
+            <a:gd name="adj1" fmla="val 60000"/>
+            <a:gd name="adj2" fmla="val 50000"/>
+          </a:avLst>
+        </a:prstGeom>
+        <a:solidFill>
+          <a:schemeClr val="accent1">
+            <a:tint val="60000"/>
+            <a:hueOff val="0"/>
+            <a:satOff val="0"/>
+            <a:lumOff val="0"/>
+            <a:alphaOff val="0"/>
+          </a:schemeClr>
+        </a:solidFill>
+        <a:ln>
+          <a:noFill/>
+        </a:ln>
+        <a:effectLst/>
+      </dsp:spPr>
+      <dsp:style>
+        <a:lnRef idx="0">
+          <a:scrgbClr r="0" g="0" b="0"/>
+        </a:lnRef>
+        <a:fillRef idx="1">
+          <a:scrgbClr r="0" g="0" b="0"/>
+        </a:fillRef>
+        <a:effectRef idx="0">
+          <a:scrgbClr r="0" g="0" b="0"/>
+        </a:effectRef>
+        <a:fontRef idx="minor">
+          <a:schemeClr val="lt1"/>
+        </a:fontRef>
+      </dsp:style>
+      <dsp:txBody>
+        <a:bodyPr spcFirstLastPara="0" vert="horz" wrap="square" lIns="0" tIns="0" rIns="0" bIns="0" numCol="1" spcCol="1270" anchor="ctr" anchorCtr="0">
+          <a:noAutofit/>
+        </a:bodyPr>
+        <a:lstStyle/>
+        <a:p>
+          <a:pPr marL="0" lvl="0" indent="0" algn="ctr" defTabSz="889000">
+            <a:lnSpc>
+              <a:spcPct val="90000"/>
+            </a:lnSpc>
+            <a:spcBef>
+              <a:spcPct val="0"/>
+            </a:spcBef>
+            <a:spcAft>
+              <a:spcPct val="35000"/>
+            </a:spcAft>
+            <a:buNone/>
+          </a:pPr>
+          <a:endParaRPr kumimoji="1" lang="ja-JP" altLang="en-US" sz="2000" kern="1200"/>
+        </a:p>
+      </dsp:txBody>
+      <dsp:txXfrm rot="-5400000">
+        <a:off x="2512288" y="3723128"/>
+        <a:ext cx="392291" cy="381394"/>
+      </dsp:txXfrm>
+    </dsp:sp>
+    <dsp:sp modelId="{0329EBC4-4ED8-4CEF-B06C-FE6F47381C7D}">
+      <dsp:nvSpPr>
+        <dsp:cNvPr id="0" name=""/>
+        <dsp:cNvSpPr/>
+      </dsp:nvSpPr>
+      <dsp:spPr>
+        <a:xfrm>
+          <a:off x="1400798" y="4358785"/>
+          <a:ext cx="2615271" cy="1452928"/>
+        </a:xfrm>
+        <a:prstGeom prst="roundRect">
+          <a:avLst>
+            <a:gd name="adj" fmla="val 10000"/>
+          </a:avLst>
+        </a:prstGeom>
+        <a:solidFill>
+          <a:schemeClr val="accent1">
+            <a:hueOff val="0"/>
+            <a:satOff val="0"/>
+            <a:lumOff val="0"/>
+            <a:alphaOff val="0"/>
+          </a:schemeClr>
+        </a:solidFill>
+        <a:ln w="12700" cap="flat" cmpd="sng" algn="ctr">
+          <a:solidFill>
+            <a:schemeClr val="lt1">
+              <a:hueOff val="0"/>
+              <a:satOff val="0"/>
+              <a:lumOff val="0"/>
+              <a:alphaOff val="0"/>
+            </a:schemeClr>
+          </a:solidFill>
+          <a:prstDash val="solid"/>
+          <a:miter lim="800000"/>
+        </a:ln>
+        <a:effectLst/>
+      </dsp:spPr>
+      <dsp:style>
+        <a:lnRef idx="2">
+          <a:scrgbClr r="0" g="0" b="0"/>
+        </a:lnRef>
+        <a:fillRef idx="1">
+          <a:scrgbClr r="0" g="0" b="0"/>
+        </a:fillRef>
+        <a:effectRef idx="0">
+          <a:scrgbClr r="0" g="0" b="0"/>
+        </a:effectRef>
+        <a:fontRef idx="minor">
+          <a:schemeClr val="lt1"/>
+        </a:fontRef>
+      </dsp:style>
+      <dsp:txBody>
+        <a:bodyPr spcFirstLastPara="0" vert="horz" wrap="square" lIns="76200" tIns="76200" rIns="76200" bIns="76200" numCol="1" spcCol="1270" anchor="ctr" anchorCtr="0">
+          <a:noAutofit/>
+        </a:bodyPr>
+        <a:lstStyle/>
+        <a:p>
+          <a:pPr marL="0" lvl="0" indent="0" algn="ctr" defTabSz="889000">
+            <a:lnSpc>
+              <a:spcPct val="90000"/>
+            </a:lnSpc>
+            <a:spcBef>
+              <a:spcPct val="0"/>
+            </a:spcBef>
+            <a:spcAft>
+              <a:spcPct val="35000"/>
+            </a:spcAft>
+            <a:buNone/>
+          </a:pPr>
+          <a:r>
+            <a:rPr kumimoji="1" lang="en-US" sz="2000" kern="1200"/>
+            <a:t>BoW</a:t>
+          </a:r>
+          <a:r>
+            <a:rPr kumimoji="1" lang="ja-JP" sz="2000" kern="1200"/>
+            <a:t>形式に変換</a:t>
+          </a:r>
+          <a:endParaRPr lang="ja-JP" sz="2000" kern="1200"/>
+        </a:p>
+      </dsp:txBody>
+      <dsp:txXfrm>
+        <a:off x="1443353" y="4401340"/>
+        <a:ext cx="2530161" cy="1367818"/>
+      </dsp:txXfrm>
+    </dsp:sp>
+  </dsp:spTree>
+</dsp:drawing>
+</file>
+
+<file path=ppt/diagrams/drawing2.xml><?xml version="1.0" encoding="utf-8"?>
 <dsp:drawing xmlns:dgm="http://schemas.openxmlformats.org/drawingml/2006/diagram" xmlns:dsp="http://schemas.microsoft.com/office/drawing/2008/diagram" xmlns:a="http://schemas.openxmlformats.org/drawingml/2006/main">
   <dsp:spTree>
     <dsp:nvGrpSpPr>
@@ -1477,7 +2842,1190 @@
 </dgm:layoutDef>
 </file>
 
+<file path=ppt/diagrams/layout2.xml><?xml version="1.0" encoding="utf-8"?>
+<dgm:layoutDef xmlns:dgm="http://schemas.openxmlformats.org/drawingml/2006/diagram" xmlns:a="http://schemas.openxmlformats.org/drawingml/2006/main" uniqueId="urn:microsoft.com/office/officeart/2005/8/layout/process2">
+  <dgm:title val=""/>
+  <dgm:desc val=""/>
+  <dgm:catLst>
+    <dgm:cat type="process" pri="13000"/>
+  </dgm:catLst>
+  <dgm:sampData useDef="1">
+    <dgm:dataModel>
+      <dgm:ptLst/>
+      <dgm:bg/>
+      <dgm:whole/>
+    </dgm:dataModel>
+  </dgm:sampData>
+  <dgm:styleData>
+    <dgm:dataModel>
+      <dgm:ptLst>
+        <dgm:pt modelId="0" type="doc"/>
+        <dgm:pt modelId="1"/>
+        <dgm:pt modelId="2"/>
+      </dgm:ptLst>
+      <dgm:cxnLst>
+        <dgm:cxn modelId="3" srcId="0" destId="1" srcOrd="0" destOrd="0"/>
+        <dgm:cxn modelId="4" srcId="0" destId="2" srcOrd="1" destOrd="0"/>
+      </dgm:cxnLst>
+      <dgm:bg/>
+      <dgm:whole/>
+    </dgm:dataModel>
+  </dgm:styleData>
+  <dgm:clrData>
+    <dgm:dataModel>
+      <dgm:ptLst>
+        <dgm:pt modelId="0" type="doc"/>
+        <dgm:pt modelId="1"/>
+        <dgm:pt modelId="2"/>
+        <dgm:pt modelId="3"/>
+        <dgm:pt modelId="4"/>
+      </dgm:ptLst>
+      <dgm:cxnLst>
+        <dgm:cxn modelId="5" srcId="0" destId="1" srcOrd="0" destOrd="0"/>
+        <dgm:cxn modelId="6" srcId="0" destId="2" srcOrd="1" destOrd="0"/>
+        <dgm:cxn modelId="7" srcId="0" destId="3" srcOrd="2" destOrd="0"/>
+        <dgm:cxn modelId="8" srcId="0" destId="4" srcOrd="3" destOrd="0"/>
+      </dgm:cxnLst>
+      <dgm:bg/>
+      <dgm:whole/>
+    </dgm:dataModel>
+  </dgm:clrData>
+  <dgm:layoutNode name="linearFlow">
+    <dgm:varLst>
+      <dgm:resizeHandles val="exact"/>
+    </dgm:varLst>
+    <dgm:alg type="lin">
+      <dgm:param type="linDir" val="fromT"/>
+    </dgm:alg>
+    <dgm:shape xmlns:r="http://schemas.openxmlformats.org/officeDocument/2006/relationships" r:blip="">
+      <dgm:adjLst/>
+    </dgm:shape>
+    <dgm:presOf/>
+    <dgm:constrLst>
+      <dgm:constr type="h" for="ch" ptType="node" refType="h"/>
+      <dgm:constr type="h" for="ch" ptType="sibTrans" refType="h" refFor="ch" refPtType="node" fact="0.5"/>
+      <dgm:constr type="w" for="ch" ptType="node" op="equ"/>
+      <dgm:constr type="primFontSz" for="ch" ptType="node" op="equ" val="65"/>
+      <dgm:constr type="primFontSz" for="des" forName="connectorText" op="equ" val="55"/>
+      <dgm:constr type="primFontSz" for="des" forName="connectorText" refType="primFontSz" refFor="ch" refPtType="node" op="lte" fact="0.8"/>
+    </dgm:constrLst>
+    <dgm:ruleLst/>
+    <dgm:forEach name="nodesForEach" axis="ch" ptType="node">
+      <dgm:layoutNode name="node">
+        <dgm:varLst>
+          <dgm:bulletEnabled val="1"/>
+        </dgm:varLst>
+        <dgm:choose name="Name0">
+          <dgm:if name="Name1" axis="root des" ptType="all node" func="maxDepth" op="gt" val="1">
+            <dgm:alg type="tx">
+              <dgm:param type="parTxLTRAlign" val="l"/>
+              <dgm:param type="parTxRTLAlign" val="r"/>
+              <dgm:param type="txAnchorVertCh" val="mid"/>
+            </dgm:alg>
+          </dgm:if>
+          <dgm:else name="Name2">
+            <dgm:alg type="tx"/>
+          </dgm:else>
+        </dgm:choose>
+        <dgm:shape xmlns:r="http://schemas.openxmlformats.org/officeDocument/2006/relationships" type="roundRect" r:blip="">
+          <dgm:adjLst>
+            <dgm:adj idx="1" val="0.1"/>
+          </dgm:adjLst>
+        </dgm:shape>
+        <dgm:presOf axis="desOrSelf" ptType="node"/>
+        <dgm:constrLst>
+          <dgm:constr type="w" refType="h" fact="1.8"/>
+          <dgm:constr type="tMarg" refType="primFontSz" fact="0.3"/>
+          <dgm:constr type="bMarg" refType="primFontSz" fact="0.3"/>
+          <dgm:constr type="lMarg" refType="primFontSz" fact="0.3"/>
+          <dgm:constr type="rMarg" refType="primFontSz" fact="0.3"/>
+        </dgm:constrLst>
+        <dgm:ruleLst>
+          <dgm:rule type="primFontSz" val="18" fact="NaN" max="NaN"/>
+          <dgm:rule type="w" val="NaN" fact="4" max="NaN"/>
+          <dgm:rule type="primFontSz" val="5" fact="NaN" max="NaN"/>
+        </dgm:ruleLst>
+      </dgm:layoutNode>
+      <dgm:forEach name="sibTransForEach" axis="followSib" ptType="sibTrans" cnt="1">
+        <dgm:layoutNode name="sibTrans">
+          <dgm:alg type="conn">
+            <dgm:param type="begPts" val="auto"/>
+            <dgm:param type="endPts" val="auto"/>
+          </dgm:alg>
+          <dgm:shape xmlns:r="http://schemas.openxmlformats.org/officeDocument/2006/relationships" type="conn" r:blip="">
+            <dgm:adjLst/>
+          </dgm:shape>
+          <dgm:presOf axis="self"/>
+          <dgm:constrLst>
+            <dgm:constr type="w" refType="h" fact="0.9"/>
+            <dgm:constr type="connDist"/>
+            <dgm:constr type="wArH" refType="w" fact="0.5"/>
+            <dgm:constr type="hArH" refType="w"/>
+            <dgm:constr type="stemThick" refType="w" fact="0.6"/>
+            <dgm:constr type="begPad" refType="connDist" fact="0.125"/>
+            <dgm:constr type="endPad" refType="connDist" fact="0.125"/>
+          </dgm:constrLst>
+          <dgm:ruleLst/>
+          <dgm:layoutNode name="connectorText">
+            <dgm:alg type="tx">
+              <dgm:param type="autoTxRot" val="upr"/>
+            </dgm:alg>
+            <dgm:shape xmlns:r="http://schemas.openxmlformats.org/officeDocument/2006/relationships" type="conn" r:blip="" hideGeom="1">
+              <dgm:adjLst/>
+            </dgm:shape>
+            <dgm:presOf axis="self"/>
+            <dgm:constrLst>
+              <dgm:constr type="lMarg"/>
+              <dgm:constr type="rMarg"/>
+              <dgm:constr type="tMarg"/>
+              <dgm:constr type="bMarg"/>
+            </dgm:constrLst>
+            <dgm:ruleLst>
+              <dgm:rule type="primFontSz" val="5" fact="NaN" max="NaN"/>
+            </dgm:ruleLst>
+          </dgm:layoutNode>
+        </dgm:layoutNode>
+      </dgm:forEach>
+    </dgm:forEach>
+  </dgm:layoutNode>
+</dgm:layoutDef>
+</file>
+
 <file path=ppt/diagrams/quickStyle1.xml><?xml version="1.0" encoding="utf-8"?>
+<dgm:styleDef xmlns:dgm="http://schemas.openxmlformats.org/drawingml/2006/diagram" xmlns:a="http://schemas.openxmlformats.org/drawingml/2006/main" uniqueId="urn:microsoft.com/office/officeart/2005/8/quickstyle/simple1">
+  <dgm:title val=""/>
+  <dgm:desc val=""/>
+  <dgm:catLst>
+    <dgm:cat type="simple" pri="10100"/>
+  </dgm:catLst>
+  <dgm:scene3d>
+    <a:camera prst="orthographicFront"/>
+    <a:lightRig rig="threePt" dir="t"/>
+  </dgm:scene3d>
+  <dgm:styleLbl name="node0">
+    <dgm:scene3d>
+      <a:camera prst="orthographicFront"/>
+      <a:lightRig rig="threePt" dir="t"/>
+    </dgm:scene3d>
+    <dgm:sp3d/>
+    <dgm:txPr/>
+    <dgm:style>
+      <a:lnRef idx="2">
+        <a:scrgbClr r="0" g="0" b="0"/>
+      </a:lnRef>
+      <a:fillRef idx="1">
+        <a:scrgbClr r="0" g="0" b="0"/>
+      </a:fillRef>
+      <a:effectRef idx="0">
+        <a:scrgbClr r="0" g="0" b="0"/>
+      </a:effectRef>
+      <a:fontRef idx="minor">
+        <a:schemeClr val="lt1"/>
+      </a:fontRef>
+    </dgm:style>
+  </dgm:styleLbl>
+  <dgm:styleLbl name="lnNode1">
+    <dgm:scene3d>
+      <a:camera prst="orthographicFront"/>
+      <a:lightRig rig="threePt" dir="t"/>
+    </dgm:scene3d>
+    <dgm:sp3d/>
+    <dgm:txPr/>
+    <dgm:style>
+      <a:lnRef idx="2">
+        <a:scrgbClr r="0" g="0" b="0"/>
+      </a:lnRef>
+      <a:fillRef idx="1">
+        <a:scrgbClr r="0" g="0" b="0"/>
+      </a:fillRef>
+      <a:effectRef idx="0">
+        <a:scrgbClr r="0" g="0" b="0"/>
+      </a:effectRef>
+      <a:fontRef idx="minor">
+        <a:schemeClr val="lt1"/>
+      </a:fontRef>
+    </dgm:style>
+  </dgm:styleLbl>
+  <dgm:styleLbl name="vennNode1">
+    <dgm:scene3d>
+      <a:camera prst="orthographicFront"/>
+      <a:lightRig rig="threePt" dir="t"/>
+    </dgm:scene3d>
+    <dgm:sp3d/>
+    <dgm:txPr/>
+    <dgm:style>
+      <a:lnRef idx="2">
+        <a:scrgbClr r="0" g="0" b="0"/>
+      </a:lnRef>
+      <a:fillRef idx="1">
+        <a:scrgbClr r="0" g="0" b="0"/>
+      </a:fillRef>
+      <a:effectRef idx="0">
+        <a:scrgbClr r="0" g="0" b="0"/>
+      </a:effectRef>
+      <a:fontRef idx="minor">
+        <a:schemeClr val="tx1"/>
+      </a:fontRef>
+    </dgm:style>
+  </dgm:styleLbl>
+  <dgm:styleLbl name="alignNode1">
+    <dgm:scene3d>
+      <a:camera prst="orthographicFront"/>
+      <a:lightRig rig="threePt" dir="t"/>
+    </dgm:scene3d>
+    <dgm:sp3d/>
+    <dgm:txPr/>
+    <dgm:style>
+      <a:lnRef idx="2">
+        <a:scrgbClr r="0" g="0" b="0"/>
+      </a:lnRef>
+      <a:fillRef idx="1">
+        <a:scrgbClr r="0" g="0" b="0"/>
+      </a:fillRef>
+      <a:effectRef idx="0">
+        <a:scrgbClr r="0" g="0" b="0"/>
+      </a:effectRef>
+      <a:fontRef idx="minor">
+        <a:schemeClr val="lt1"/>
+      </a:fontRef>
+    </dgm:style>
+  </dgm:styleLbl>
+  <dgm:styleLbl name="node1">
+    <dgm:scene3d>
+      <a:camera prst="orthographicFront"/>
+      <a:lightRig rig="threePt" dir="t"/>
+    </dgm:scene3d>
+    <dgm:sp3d/>
+    <dgm:txPr/>
+    <dgm:style>
+      <a:lnRef idx="2">
+        <a:scrgbClr r="0" g="0" b="0"/>
+      </a:lnRef>
+      <a:fillRef idx="1">
+        <a:scrgbClr r="0" g="0" b="0"/>
+      </a:fillRef>
+      <a:effectRef idx="0">
+        <a:scrgbClr r="0" g="0" b="0"/>
+      </a:effectRef>
+      <a:fontRef idx="minor">
+        <a:schemeClr val="lt1"/>
+      </a:fontRef>
+    </dgm:style>
+  </dgm:styleLbl>
+  <dgm:styleLbl name="node2">
+    <dgm:scene3d>
+      <a:camera prst="orthographicFront"/>
+      <a:lightRig rig="threePt" dir="t"/>
+    </dgm:scene3d>
+    <dgm:sp3d/>
+    <dgm:txPr/>
+    <dgm:style>
+      <a:lnRef idx="2">
+        <a:scrgbClr r="0" g="0" b="0"/>
+      </a:lnRef>
+      <a:fillRef idx="1">
+        <a:scrgbClr r="0" g="0" b="0"/>
+      </a:fillRef>
+      <a:effectRef idx="0">
+        <a:scrgbClr r="0" g="0" b="0"/>
+      </a:effectRef>
+      <a:fontRef idx="minor">
+        <a:schemeClr val="lt1"/>
+      </a:fontRef>
+    </dgm:style>
+  </dgm:styleLbl>
+  <dgm:styleLbl name="node3">
+    <dgm:scene3d>
+      <a:camera prst="orthographicFront"/>
+      <a:lightRig rig="threePt" dir="t"/>
+    </dgm:scene3d>
+    <dgm:sp3d/>
+    <dgm:txPr/>
+    <dgm:style>
+      <a:lnRef idx="2">
+        <a:scrgbClr r="0" g="0" b="0"/>
+      </a:lnRef>
+      <a:fillRef idx="1">
+        <a:scrgbClr r="0" g="0" b="0"/>
+      </a:fillRef>
+      <a:effectRef idx="0">
+        <a:scrgbClr r="0" g="0" b="0"/>
+      </a:effectRef>
+      <a:fontRef idx="minor">
+        <a:schemeClr val="lt1"/>
+      </a:fontRef>
+    </dgm:style>
+  </dgm:styleLbl>
+  <dgm:styleLbl name="node4">
+    <dgm:scene3d>
+      <a:camera prst="orthographicFront"/>
+      <a:lightRig rig="threePt" dir="t"/>
+    </dgm:scene3d>
+    <dgm:sp3d/>
+    <dgm:txPr/>
+    <dgm:style>
+      <a:lnRef idx="2">
+        <a:scrgbClr r="0" g="0" b="0"/>
+      </a:lnRef>
+      <a:fillRef idx="1">
+        <a:scrgbClr r="0" g="0" b="0"/>
+      </a:fillRef>
+      <a:effectRef idx="0">
+        <a:scrgbClr r="0" g="0" b="0"/>
+      </a:effectRef>
+      <a:fontRef idx="minor">
+        <a:schemeClr val="lt1"/>
+      </a:fontRef>
+    </dgm:style>
+  </dgm:styleLbl>
+  <dgm:styleLbl name="fgImgPlace1">
+    <dgm:scene3d>
+      <a:camera prst="orthographicFront"/>
+      <a:lightRig rig="threePt" dir="t"/>
+    </dgm:scene3d>
+    <dgm:sp3d/>
+    <dgm:txPr/>
+    <dgm:style>
+      <a:lnRef idx="2">
+        <a:scrgbClr r="0" g="0" b="0"/>
+      </a:lnRef>
+      <a:fillRef idx="1">
+        <a:scrgbClr r="0" g="0" b="0"/>
+      </a:fillRef>
+      <a:effectRef idx="0">
+        <a:scrgbClr r="0" g="0" b="0"/>
+      </a:effectRef>
+      <a:fontRef idx="minor"/>
+    </dgm:style>
+  </dgm:styleLbl>
+  <dgm:styleLbl name="alignImgPlace1">
+    <dgm:scene3d>
+      <a:camera prst="orthographicFront"/>
+      <a:lightRig rig="threePt" dir="t"/>
+    </dgm:scene3d>
+    <dgm:sp3d/>
+    <dgm:txPr/>
+    <dgm:style>
+      <a:lnRef idx="2">
+        <a:scrgbClr r="0" g="0" b="0"/>
+      </a:lnRef>
+      <a:fillRef idx="1">
+        <a:scrgbClr r="0" g="0" b="0"/>
+      </a:fillRef>
+      <a:effectRef idx="0">
+        <a:scrgbClr r="0" g="0" b="0"/>
+      </a:effectRef>
+      <a:fontRef idx="minor"/>
+    </dgm:style>
+  </dgm:styleLbl>
+  <dgm:styleLbl name="bgImgPlace1">
+    <dgm:scene3d>
+      <a:camera prst="orthographicFront"/>
+      <a:lightRig rig="threePt" dir="t"/>
+    </dgm:scene3d>
+    <dgm:sp3d/>
+    <dgm:txPr/>
+    <dgm:style>
+      <a:lnRef idx="2">
+        <a:scrgbClr r="0" g="0" b="0"/>
+      </a:lnRef>
+      <a:fillRef idx="1">
+        <a:scrgbClr r="0" g="0" b="0"/>
+      </a:fillRef>
+      <a:effectRef idx="0">
+        <a:scrgbClr r="0" g="0" b="0"/>
+      </a:effectRef>
+      <a:fontRef idx="minor"/>
+    </dgm:style>
+  </dgm:styleLbl>
+  <dgm:styleLbl name="sibTrans2D1">
+    <dgm:scene3d>
+      <a:camera prst="orthographicFront"/>
+      <a:lightRig rig="threePt" dir="t"/>
+    </dgm:scene3d>
+    <dgm:sp3d/>
+    <dgm:txPr/>
+    <dgm:style>
+      <a:lnRef idx="0">
+        <a:scrgbClr r="0" g="0" b="0"/>
+      </a:lnRef>
+      <a:fillRef idx="1">
+        <a:scrgbClr r="0" g="0" b="0"/>
+      </a:fillRef>
+      <a:effectRef idx="0">
+        <a:scrgbClr r="0" g="0" b="0"/>
+      </a:effectRef>
+      <a:fontRef idx="minor">
+        <a:schemeClr val="lt1"/>
+      </a:fontRef>
+    </dgm:style>
+  </dgm:styleLbl>
+  <dgm:styleLbl name="fgSibTrans2D1">
+    <dgm:scene3d>
+      <a:camera prst="orthographicFront"/>
+      <a:lightRig rig="threePt" dir="t"/>
+    </dgm:scene3d>
+    <dgm:sp3d/>
+    <dgm:txPr/>
+    <dgm:style>
+      <a:lnRef idx="0">
+        <a:scrgbClr r="0" g="0" b="0"/>
+      </a:lnRef>
+      <a:fillRef idx="1">
+        <a:scrgbClr r="0" g="0" b="0"/>
+      </a:fillRef>
+      <a:effectRef idx="0">
+        <a:scrgbClr r="0" g="0" b="0"/>
+      </a:effectRef>
+      <a:fontRef idx="minor">
+        <a:schemeClr val="lt1"/>
+      </a:fontRef>
+    </dgm:style>
+  </dgm:styleLbl>
+  <dgm:styleLbl name="bgSibTrans2D1">
+    <dgm:scene3d>
+      <a:camera prst="orthographicFront"/>
+      <a:lightRig rig="threePt" dir="t"/>
+    </dgm:scene3d>
+    <dgm:sp3d/>
+    <dgm:txPr/>
+    <dgm:style>
+      <a:lnRef idx="0">
+        <a:scrgbClr r="0" g="0" b="0"/>
+      </a:lnRef>
+      <a:fillRef idx="1">
+        <a:scrgbClr r="0" g="0" b="0"/>
+      </a:fillRef>
+      <a:effectRef idx="0">
+        <a:scrgbClr r="0" g="0" b="0"/>
+      </a:effectRef>
+      <a:fontRef idx="minor">
+        <a:schemeClr val="lt1"/>
+      </a:fontRef>
+    </dgm:style>
+  </dgm:styleLbl>
+  <dgm:styleLbl name="sibTrans1D1">
+    <dgm:scene3d>
+      <a:camera prst="orthographicFront"/>
+      <a:lightRig rig="threePt" dir="t"/>
+    </dgm:scene3d>
+    <dgm:sp3d/>
+    <dgm:txPr/>
+    <dgm:style>
+      <a:lnRef idx="1">
+        <a:scrgbClr r="0" g="0" b="0"/>
+      </a:lnRef>
+      <a:fillRef idx="0">
+        <a:scrgbClr r="0" g="0" b="0"/>
+      </a:fillRef>
+      <a:effectRef idx="0">
+        <a:scrgbClr r="0" g="0" b="0"/>
+      </a:effectRef>
+      <a:fontRef idx="minor"/>
+    </dgm:style>
+  </dgm:styleLbl>
+  <dgm:styleLbl name="callout">
+    <dgm:scene3d>
+      <a:camera prst="orthographicFront"/>
+      <a:lightRig rig="threePt" dir="t"/>
+    </dgm:scene3d>
+    <dgm:sp3d/>
+    <dgm:txPr/>
+    <dgm:style>
+      <a:lnRef idx="2">
+        <a:scrgbClr r="0" g="0" b="0"/>
+      </a:lnRef>
+      <a:fillRef idx="1">
+        <a:scrgbClr r="0" g="0" b="0"/>
+      </a:fillRef>
+      <a:effectRef idx="0">
+        <a:scrgbClr r="0" g="0" b="0"/>
+      </a:effectRef>
+      <a:fontRef idx="minor"/>
+    </dgm:style>
+  </dgm:styleLbl>
+  <dgm:styleLbl name="asst0">
+    <dgm:scene3d>
+      <a:camera prst="orthographicFront"/>
+      <a:lightRig rig="threePt" dir="t"/>
+    </dgm:scene3d>
+    <dgm:sp3d/>
+    <dgm:txPr/>
+    <dgm:style>
+      <a:lnRef idx="2">
+        <a:scrgbClr r="0" g="0" b="0"/>
+      </a:lnRef>
+      <a:fillRef idx="1">
+        <a:scrgbClr r="0" g="0" b="0"/>
+      </a:fillRef>
+      <a:effectRef idx="0">
+        <a:scrgbClr r="0" g="0" b="0"/>
+      </a:effectRef>
+      <a:fontRef idx="minor">
+        <a:schemeClr val="lt1"/>
+      </a:fontRef>
+    </dgm:style>
+  </dgm:styleLbl>
+  <dgm:styleLbl name="asst1">
+    <dgm:scene3d>
+      <a:camera prst="orthographicFront"/>
+      <a:lightRig rig="threePt" dir="t"/>
+    </dgm:scene3d>
+    <dgm:sp3d/>
+    <dgm:txPr/>
+    <dgm:style>
+      <a:lnRef idx="2">
+        <a:scrgbClr r="0" g="0" b="0"/>
+      </a:lnRef>
+      <a:fillRef idx="1">
+        <a:scrgbClr r="0" g="0" b="0"/>
+      </a:fillRef>
+      <a:effectRef idx="0">
+        <a:scrgbClr r="0" g="0" b="0"/>
+      </a:effectRef>
+      <a:fontRef idx="minor">
+        <a:schemeClr val="lt1"/>
+      </a:fontRef>
+    </dgm:style>
+  </dgm:styleLbl>
+  <dgm:styleLbl name="asst2">
+    <dgm:scene3d>
+      <a:camera prst="orthographicFront"/>
+      <a:lightRig rig="threePt" dir="t"/>
+    </dgm:scene3d>
+    <dgm:sp3d/>
+    <dgm:txPr/>
+    <dgm:style>
+      <a:lnRef idx="2">
+        <a:scrgbClr r="0" g="0" b="0"/>
+      </a:lnRef>
+      <a:fillRef idx="1">
+        <a:scrgbClr r="0" g="0" b="0"/>
+      </a:fillRef>
+      <a:effectRef idx="0">
+        <a:scrgbClr r="0" g="0" b="0"/>
+      </a:effectRef>
+      <a:fontRef idx="minor">
+        <a:schemeClr val="lt1"/>
+      </a:fontRef>
+    </dgm:style>
+  </dgm:styleLbl>
+  <dgm:styleLbl name="asst3">
+    <dgm:scene3d>
+      <a:camera prst="orthographicFront"/>
+      <a:lightRig rig="threePt" dir="t"/>
+    </dgm:scene3d>
+    <dgm:sp3d/>
+    <dgm:txPr/>
+    <dgm:style>
+      <a:lnRef idx="2">
+        <a:scrgbClr r="0" g="0" b="0"/>
+      </a:lnRef>
+      <a:fillRef idx="1">
+        <a:scrgbClr r="0" g="0" b="0"/>
+      </a:fillRef>
+      <a:effectRef idx="0">
+        <a:scrgbClr r="0" g="0" b="0"/>
+      </a:effectRef>
+      <a:fontRef idx="minor">
+        <a:schemeClr val="lt1"/>
+      </a:fontRef>
+    </dgm:style>
+  </dgm:styleLbl>
+  <dgm:styleLbl name="asst4">
+    <dgm:scene3d>
+      <a:camera prst="orthographicFront"/>
+      <a:lightRig rig="threePt" dir="t"/>
+    </dgm:scene3d>
+    <dgm:sp3d/>
+    <dgm:txPr/>
+    <dgm:style>
+      <a:lnRef idx="2">
+        <a:scrgbClr r="0" g="0" b="0"/>
+      </a:lnRef>
+      <a:fillRef idx="1">
+        <a:scrgbClr r="0" g="0" b="0"/>
+      </a:fillRef>
+      <a:effectRef idx="0">
+        <a:scrgbClr r="0" g="0" b="0"/>
+      </a:effectRef>
+      <a:fontRef idx="minor">
+        <a:schemeClr val="lt1"/>
+      </a:fontRef>
+    </dgm:style>
+  </dgm:styleLbl>
+  <dgm:styleLbl name="parChTrans2D1">
+    <dgm:scene3d>
+      <a:camera prst="orthographicFront"/>
+      <a:lightRig rig="threePt" dir="t"/>
+    </dgm:scene3d>
+    <dgm:sp3d/>
+    <dgm:txPr/>
+    <dgm:style>
+      <a:lnRef idx="2">
+        <a:scrgbClr r="0" g="0" b="0"/>
+      </a:lnRef>
+      <a:fillRef idx="1">
+        <a:scrgbClr r="0" g="0" b="0"/>
+      </a:fillRef>
+      <a:effectRef idx="0">
+        <a:scrgbClr r="0" g="0" b="0"/>
+      </a:effectRef>
+      <a:fontRef idx="minor">
+        <a:schemeClr val="lt1"/>
+      </a:fontRef>
+    </dgm:style>
+  </dgm:styleLbl>
+  <dgm:styleLbl name="parChTrans2D2">
+    <dgm:scene3d>
+      <a:camera prst="orthographicFront"/>
+      <a:lightRig rig="threePt" dir="t"/>
+    </dgm:scene3d>
+    <dgm:sp3d/>
+    <dgm:txPr/>
+    <dgm:style>
+      <a:lnRef idx="2">
+        <a:scrgbClr r="0" g="0" b="0"/>
+      </a:lnRef>
+      <a:fillRef idx="1">
+        <a:scrgbClr r="0" g="0" b="0"/>
+      </a:fillRef>
+      <a:effectRef idx="0">
+        <a:scrgbClr r="0" g="0" b="0"/>
+      </a:effectRef>
+      <a:fontRef idx="minor">
+        <a:schemeClr val="lt1"/>
+      </a:fontRef>
+    </dgm:style>
+  </dgm:styleLbl>
+  <dgm:styleLbl name="parChTrans2D3">
+    <dgm:scene3d>
+      <a:camera prst="orthographicFront"/>
+      <a:lightRig rig="threePt" dir="t"/>
+    </dgm:scene3d>
+    <dgm:sp3d/>
+    <dgm:txPr/>
+    <dgm:style>
+      <a:lnRef idx="2">
+        <a:scrgbClr r="0" g="0" b="0"/>
+      </a:lnRef>
+      <a:fillRef idx="1">
+        <a:scrgbClr r="0" g="0" b="0"/>
+      </a:fillRef>
+      <a:effectRef idx="0">
+        <a:scrgbClr r="0" g="0" b="0"/>
+      </a:effectRef>
+      <a:fontRef idx="minor">
+        <a:schemeClr val="lt1"/>
+      </a:fontRef>
+    </dgm:style>
+  </dgm:styleLbl>
+  <dgm:styleLbl name="parChTrans2D4">
+    <dgm:scene3d>
+      <a:camera prst="orthographicFront"/>
+      <a:lightRig rig="threePt" dir="t"/>
+    </dgm:scene3d>
+    <dgm:sp3d/>
+    <dgm:txPr/>
+    <dgm:style>
+      <a:lnRef idx="2">
+        <a:scrgbClr r="0" g="0" b="0"/>
+      </a:lnRef>
+      <a:fillRef idx="1">
+        <a:scrgbClr r="0" g="0" b="0"/>
+      </a:fillRef>
+      <a:effectRef idx="0">
+        <a:scrgbClr r="0" g="0" b="0"/>
+      </a:effectRef>
+      <a:fontRef idx="minor">
+        <a:schemeClr val="lt1"/>
+      </a:fontRef>
+    </dgm:style>
+  </dgm:styleLbl>
+  <dgm:styleLbl name="parChTrans1D1">
+    <dgm:scene3d>
+      <a:camera prst="orthographicFront"/>
+      <a:lightRig rig="threePt" dir="t"/>
+    </dgm:scene3d>
+    <dgm:sp3d/>
+    <dgm:txPr/>
+    <dgm:style>
+      <a:lnRef idx="2">
+        <a:scrgbClr r="0" g="0" b="0"/>
+      </a:lnRef>
+      <a:fillRef idx="0">
+        <a:scrgbClr r="0" g="0" b="0"/>
+      </a:fillRef>
+      <a:effectRef idx="0">
+        <a:scrgbClr r="0" g="0" b="0"/>
+      </a:effectRef>
+      <a:fontRef idx="minor"/>
+    </dgm:style>
+  </dgm:styleLbl>
+  <dgm:styleLbl name="parChTrans1D2">
+    <dgm:scene3d>
+      <a:camera prst="orthographicFront"/>
+      <a:lightRig rig="threePt" dir="t"/>
+    </dgm:scene3d>
+    <dgm:sp3d/>
+    <dgm:txPr/>
+    <dgm:style>
+      <a:lnRef idx="2">
+        <a:scrgbClr r="0" g="0" b="0"/>
+      </a:lnRef>
+      <a:fillRef idx="0">
+        <a:scrgbClr r="0" g="0" b="0"/>
+      </a:fillRef>
+      <a:effectRef idx="0">
+        <a:scrgbClr r="0" g="0" b="0"/>
+      </a:effectRef>
+      <a:fontRef idx="minor"/>
+    </dgm:style>
+  </dgm:styleLbl>
+  <dgm:styleLbl name="parChTrans1D3">
+    <dgm:scene3d>
+      <a:camera prst="orthographicFront"/>
+      <a:lightRig rig="threePt" dir="t"/>
+    </dgm:scene3d>
+    <dgm:sp3d/>
+    <dgm:txPr/>
+    <dgm:style>
+      <a:lnRef idx="2">
+        <a:scrgbClr r="0" g="0" b="0"/>
+      </a:lnRef>
+      <a:fillRef idx="0">
+        <a:scrgbClr r="0" g="0" b="0"/>
+      </a:fillRef>
+      <a:effectRef idx="0">
+        <a:scrgbClr r="0" g="0" b="0"/>
+      </a:effectRef>
+      <a:fontRef idx="minor"/>
+    </dgm:style>
+  </dgm:styleLbl>
+  <dgm:styleLbl name="parChTrans1D4">
+    <dgm:scene3d>
+      <a:camera prst="orthographicFront"/>
+      <a:lightRig rig="threePt" dir="t"/>
+    </dgm:scene3d>
+    <dgm:sp3d/>
+    <dgm:txPr/>
+    <dgm:style>
+      <a:lnRef idx="2">
+        <a:scrgbClr r="0" g="0" b="0"/>
+      </a:lnRef>
+      <a:fillRef idx="0">
+        <a:scrgbClr r="0" g="0" b="0"/>
+      </a:fillRef>
+      <a:effectRef idx="0">
+        <a:scrgbClr r="0" g="0" b="0"/>
+      </a:effectRef>
+      <a:fontRef idx="minor"/>
+    </dgm:style>
+  </dgm:styleLbl>
+  <dgm:styleLbl name="fgAcc1">
+    <dgm:scene3d>
+      <a:camera prst="orthographicFront"/>
+      <a:lightRig rig="threePt" dir="t"/>
+    </dgm:scene3d>
+    <dgm:sp3d/>
+    <dgm:txPr/>
+    <dgm:style>
+      <a:lnRef idx="2">
+        <a:scrgbClr r="0" g="0" b="0"/>
+      </a:lnRef>
+      <a:fillRef idx="1">
+        <a:scrgbClr r="0" g="0" b="0"/>
+      </a:fillRef>
+      <a:effectRef idx="0">
+        <a:scrgbClr r="0" g="0" b="0"/>
+      </a:effectRef>
+      <a:fontRef idx="minor"/>
+    </dgm:style>
+  </dgm:styleLbl>
+  <dgm:styleLbl name="conFgAcc1">
+    <dgm:scene3d>
+      <a:camera prst="orthographicFront"/>
+      <a:lightRig rig="threePt" dir="t"/>
+    </dgm:scene3d>
+    <dgm:sp3d/>
+    <dgm:txPr/>
+    <dgm:style>
+      <a:lnRef idx="2">
+        <a:scrgbClr r="0" g="0" b="0"/>
+      </a:lnRef>
+      <a:fillRef idx="1">
+        <a:scrgbClr r="0" g="0" b="0"/>
+      </a:fillRef>
+      <a:effectRef idx="0">
+        <a:scrgbClr r="0" g="0" b="0"/>
+      </a:effectRef>
+      <a:fontRef idx="minor"/>
+    </dgm:style>
+  </dgm:styleLbl>
+  <dgm:styleLbl name="alignAcc1">
+    <dgm:scene3d>
+      <a:camera prst="orthographicFront"/>
+      <a:lightRig rig="threePt" dir="t"/>
+    </dgm:scene3d>
+    <dgm:sp3d/>
+    <dgm:txPr/>
+    <dgm:style>
+      <a:lnRef idx="2">
+        <a:scrgbClr r="0" g="0" b="0"/>
+      </a:lnRef>
+      <a:fillRef idx="1">
+        <a:scrgbClr r="0" g="0" b="0"/>
+      </a:fillRef>
+      <a:effectRef idx="0">
+        <a:scrgbClr r="0" g="0" b="0"/>
+      </a:effectRef>
+      <a:fontRef idx="minor"/>
+    </dgm:style>
+  </dgm:styleLbl>
+  <dgm:styleLbl name="trAlignAcc1">
+    <dgm:scene3d>
+      <a:camera prst="orthographicFront"/>
+      <a:lightRig rig="threePt" dir="t"/>
+    </dgm:scene3d>
+    <dgm:sp3d/>
+    <dgm:txPr/>
+    <dgm:style>
+      <a:lnRef idx="1">
+        <a:scrgbClr r="0" g="0" b="0"/>
+      </a:lnRef>
+      <a:fillRef idx="1">
+        <a:scrgbClr r="0" g="0" b="0"/>
+      </a:fillRef>
+      <a:effectRef idx="0">
+        <a:scrgbClr r="0" g="0" b="0"/>
+      </a:effectRef>
+      <a:fontRef idx="minor"/>
+    </dgm:style>
+  </dgm:styleLbl>
+  <dgm:styleLbl name="bgAcc1">
+    <dgm:scene3d>
+      <a:camera prst="orthographicFront"/>
+      <a:lightRig rig="threePt" dir="t"/>
+    </dgm:scene3d>
+    <dgm:sp3d/>
+    <dgm:txPr/>
+    <dgm:style>
+      <a:lnRef idx="2">
+        <a:scrgbClr r="0" g="0" b="0"/>
+      </a:lnRef>
+      <a:fillRef idx="1">
+        <a:scrgbClr r="0" g="0" b="0"/>
+      </a:fillRef>
+      <a:effectRef idx="0">
+        <a:scrgbClr r="0" g="0" b="0"/>
+      </a:effectRef>
+      <a:fontRef idx="minor"/>
+    </dgm:style>
+  </dgm:styleLbl>
+  <dgm:styleLbl name="solidFgAcc1">
+    <dgm:scene3d>
+      <a:camera prst="orthographicFront"/>
+      <a:lightRig rig="threePt" dir="t"/>
+    </dgm:scene3d>
+    <dgm:sp3d/>
+    <dgm:txPr/>
+    <dgm:style>
+      <a:lnRef idx="2">
+        <a:scrgbClr r="0" g="0" b="0"/>
+      </a:lnRef>
+      <a:fillRef idx="1">
+        <a:scrgbClr r="0" g="0" b="0"/>
+      </a:fillRef>
+      <a:effectRef idx="0">
+        <a:scrgbClr r="0" g="0" b="0"/>
+      </a:effectRef>
+      <a:fontRef idx="minor"/>
+    </dgm:style>
+  </dgm:styleLbl>
+  <dgm:styleLbl name="solidAlignAcc1">
+    <dgm:scene3d>
+      <a:camera prst="orthographicFront"/>
+      <a:lightRig rig="threePt" dir="t"/>
+    </dgm:scene3d>
+    <dgm:sp3d/>
+    <dgm:txPr/>
+    <dgm:style>
+      <a:lnRef idx="2">
+        <a:scrgbClr r="0" g="0" b="0"/>
+      </a:lnRef>
+      <a:fillRef idx="1">
+        <a:scrgbClr r="0" g="0" b="0"/>
+      </a:fillRef>
+      <a:effectRef idx="0">
+        <a:scrgbClr r="0" g="0" b="0"/>
+      </a:effectRef>
+      <a:fontRef idx="minor"/>
+    </dgm:style>
+  </dgm:styleLbl>
+  <dgm:styleLbl name="solidBgAcc1">
+    <dgm:scene3d>
+      <a:camera prst="orthographicFront"/>
+      <a:lightRig rig="threePt" dir="t"/>
+    </dgm:scene3d>
+    <dgm:sp3d/>
+    <dgm:txPr/>
+    <dgm:style>
+      <a:lnRef idx="2">
+        <a:scrgbClr r="0" g="0" b="0"/>
+      </a:lnRef>
+      <a:fillRef idx="1">
+        <a:scrgbClr r="0" g="0" b="0"/>
+      </a:fillRef>
+      <a:effectRef idx="0">
+        <a:scrgbClr r="0" g="0" b="0"/>
+      </a:effectRef>
+      <a:fontRef idx="minor"/>
+    </dgm:style>
+  </dgm:styleLbl>
+  <dgm:styleLbl name="fgAccFollowNode1">
+    <dgm:scene3d>
+      <a:camera prst="orthographicFront"/>
+      <a:lightRig rig="threePt" dir="t"/>
+    </dgm:scene3d>
+    <dgm:sp3d/>
+    <dgm:txPr/>
+    <dgm:style>
+      <a:lnRef idx="2">
+        <a:scrgbClr r="0" g="0" b="0"/>
+      </a:lnRef>
+      <a:fillRef idx="1">
+        <a:scrgbClr r="0" g="0" b="0"/>
+      </a:fillRef>
+      <a:effectRef idx="0">
+        <a:scrgbClr r="0" g="0" b="0"/>
+      </a:effectRef>
+      <a:fontRef idx="minor"/>
+    </dgm:style>
+  </dgm:styleLbl>
+  <dgm:styleLbl name="alignAccFollowNode1">
+    <dgm:scene3d>
+      <a:camera prst="orthographicFront"/>
+      <a:lightRig rig="threePt" dir="t"/>
+    </dgm:scene3d>
+    <dgm:sp3d/>
+    <dgm:txPr/>
+    <dgm:style>
+      <a:lnRef idx="2">
+        <a:scrgbClr r="0" g="0" b="0"/>
+      </a:lnRef>
+      <a:fillRef idx="1">
+        <a:scrgbClr r="0" g="0" b="0"/>
+      </a:fillRef>
+      <a:effectRef idx="0">
+        <a:scrgbClr r="0" g="0" b="0"/>
+      </a:effectRef>
+      <a:fontRef idx="minor"/>
+    </dgm:style>
+  </dgm:styleLbl>
+  <dgm:styleLbl name="bgAccFollowNode1">
+    <dgm:scene3d>
+      <a:camera prst="orthographicFront"/>
+      <a:lightRig rig="threePt" dir="t"/>
+    </dgm:scene3d>
+    <dgm:sp3d/>
+    <dgm:txPr/>
+    <dgm:style>
+      <a:lnRef idx="2">
+        <a:scrgbClr r="0" g="0" b="0"/>
+      </a:lnRef>
+      <a:fillRef idx="1">
+        <a:scrgbClr r="0" g="0" b="0"/>
+      </a:fillRef>
+      <a:effectRef idx="0">
+        <a:scrgbClr r="0" g="0" b="0"/>
+      </a:effectRef>
+      <a:fontRef idx="minor"/>
+    </dgm:style>
+  </dgm:styleLbl>
+  <dgm:styleLbl name="fgAcc0">
+    <dgm:scene3d>
+      <a:camera prst="orthographicFront"/>
+      <a:lightRig rig="threePt" dir="t"/>
+    </dgm:scene3d>
+    <dgm:sp3d/>
+    <dgm:txPr/>
+    <dgm:style>
+      <a:lnRef idx="2">
+        <a:scrgbClr r="0" g="0" b="0"/>
+      </a:lnRef>
+      <a:fillRef idx="1">
+        <a:scrgbClr r="0" g="0" b="0"/>
+      </a:fillRef>
+      <a:effectRef idx="0">
+        <a:scrgbClr r="0" g="0" b="0"/>
+      </a:effectRef>
+      <a:fontRef idx="minor"/>
+    </dgm:style>
+  </dgm:styleLbl>
+  <dgm:styleLbl name="fgAcc2">
+    <dgm:scene3d>
+      <a:camera prst="orthographicFront"/>
+      <a:lightRig rig="threePt" dir="t"/>
+    </dgm:scene3d>
+    <dgm:sp3d/>
+    <dgm:txPr/>
+    <dgm:style>
+      <a:lnRef idx="2">
+        <a:scrgbClr r="0" g="0" b="0"/>
+      </a:lnRef>
+      <a:fillRef idx="1">
+        <a:scrgbClr r="0" g="0" b="0"/>
+      </a:fillRef>
+      <a:effectRef idx="0">
+        <a:scrgbClr r="0" g="0" b="0"/>
+      </a:effectRef>
+      <a:fontRef idx="minor"/>
+    </dgm:style>
+  </dgm:styleLbl>
+  <dgm:styleLbl name="fgAcc3">
+    <dgm:scene3d>
+      <a:camera prst="orthographicFront"/>
+      <a:lightRig rig="threePt" dir="t"/>
+    </dgm:scene3d>
+    <dgm:sp3d/>
+    <dgm:txPr/>
+    <dgm:style>
+      <a:lnRef idx="2">
+        <a:scrgbClr r="0" g="0" b="0"/>
+      </a:lnRef>
+      <a:fillRef idx="1">
+        <a:scrgbClr r="0" g="0" b="0"/>
+      </a:fillRef>
+      <a:effectRef idx="0">
+        <a:scrgbClr r="0" g="0" b="0"/>
+      </a:effectRef>
+      <a:fontRef idx="minor"/>
+    </dgm:style>
+  </dgm:styleLbl>
+  <dgm:styleLbl name="fgAcc4">
+    <dgm:scene3d>
+      <a:camera prst="orthographicFront"/>
+      <a:lightRig rig="threePt" dir="t"/>
+    </dgm:scene3d>
+    <dgm:sp3d/>
+    <dgm:txPr/>
+    <dgm:style>
+      <a:lnRef idx="2">
+        <a:scrgbClr r="0" g="0" b="0"/>
+      </a:lnRef>
+      <a:fillRef idx="1">
+        <a:scrgbClr r="0" g="0" b="0"/>
+      </a:fillRef>
+      <a:effectRef idx="0">
+        <a:scrgbClr r="0" g="0" b="0"/>
+      </a:effectRef>
+      <a:fontRef idx="minor"/>
+    </dgm:style>
+  </dgm:styleLbl>
+  <dgm:styleLbl name="bgShp">
+    <dgm:scene3d>
+      <a:camera prst="orthographicFront"/>
+      <a:lightRig rig="threePt" dir="t"/>
+    </dgm:scene3d>
+    <dgm:sp3d/>
+    <dgm:txPr/>
+    <dgm:style>
+      <a:lnRef idx="0">
+        <a:scrgbClr r="0" g="0" b="0"/>
+      </a:lnRef>
+      <a:fillRef idx="1">
+        <a:scrgbClr r="0" g="0" b="0"/>
+      </a:fillRef>
+      <a:effectRef idx="0">
+        <a:scrgbClr r="0" g="0" b="0"/>
+      </a:effectRef>
+      <a:fontRef idx="minor"/>
+    </dgm:style>
+  </dgm:styleLbl>
+  <dgm:styleLbl name="dkBgShp">
+    <dgm:scene3d>
+      <a:camera prst="orthographicFront"/>
+      <a:lightRig rig="threePt" dir="t"/>
+    </dgm:scene3d>
+    <dgm:sp3d/>
+    <dgm:txPr/>
+    <dgm:style>
+      <a:lnRef idx="0">
+        <a:scrgbClr r="0" g="0" b="0"/>
+      </a:lnRef>
+      <a:fillRef idx="1">
+        <a:scrgbClr r="0" g="0" b="0"/>
+      </a:fillRef>
+      <a:effectRef idx="0">
+        <a:scrgbClr r="0" g="0" b="0"/>
+      </a:effectRef>
+      <a:fontRef idx="minor"/>
+    </dgm:style>
+  </dgm:styleLbl>
+  <dgm:styleLbl name="trBgShp">
+    <dgm:scene3d>
+      <a:camera prst="orthographicFront"/>
+      <a:lightRig rig="threePt" dir="t"/>
+    </dgm:scene3d>
+    <dgm:sp3d/>
+    <dgm:txPr/>
+    <dgm:style>
+      <a:lnRef idx="0">
+        <a:scrgbClr r="0" g="0" b="0"/>
+      </a:lnRef>
+      <a:fillRef idx="1">
+        <a:scrgbClr r="0" g="0" b="0"/>
+      </a:fillRef>
+      <a:effectRef idx="0">
+        <a:scrgbClr r="0" g="0" b="0"/>
+      </a:effectRef>
+      <a:fontRef idx="minor"/>
+    </dgm:style>
+  </dgm:styleLbl>
+  <dgm:styleLbl name="fgShp">
+    <dgm:scene3d>
+      <a:camera prst="orthographicFront"/>
+      <a:lightRig rig="threePt" dir="t"/>
+    </dgm:scene3d>
+    <dgm:sp3d/>
+    <dgm:txPr/>
+    <dgm:style>
+      <a:lnRef idx="2">
+        <a:scrgbClr r="0" g="0" b="0"/>
+      </a:lnRef>
+      <a:fillRef idx="1">
+        <a:scrgbClr r="0" g="0" b="0"/>
+      </a:fillRef>
+      <a:effectRef idx="0">
+        <a:scrgbClr r="0" g="0" b="0"/>
+      </a:effectRef>
+      <a:fontRef idx="minor"/>
+    </dgm:style>
+  </dgm:styleLbl>
+  <dgm:styleLbl name="revTx">
+    <dgm:scene3d>
+      <a:camera prst="orthographicFront"/>
+      <a:lightRig rig="threePt" dir="t"/>
+    </dgm:scene3d>
+    <dgm:sp3d/>
+    <dgm:txPr/>
+    <dgm:style>
+      <a:lnRef idx="0">
+        <a:scrgbClr r="0" g="0" b="0"/>
+      </a:lnRef>
+      <a:fillRef idx="0">
+        <a:scrgbClr r="0" g="0" b="0"/>
+      </a:fillRef>
+      <a:effectRef idx="0">
+        <a:scrgbClr r="0" g="0" b="0"/>
+      </a:effectRef>
+      <a:fontRef idx="minor"/>
+    </dgm:style>
+  </dgm:styleLbl>
+</dgm:styleDef>
+</file>
+
+<file path=ppt/diagrams/quickStyle2.xml><?xml version="1.0" encoding="utf-8"?>
 <dgm:styleDef xmlns:dgm="http://schemas.openxmlformats.org/drawingml/2006/diagram" xmlns:a="http://schemas.openxmlformats.org/drawingml/2006/main" uniqueId="urn:microsoft.com/office/officeart/2005/8/quickstyle/simple1">
   <dgm:title val=""/>
   <dgm:desc val=""/>
@@ -2593,7 +5141,7 @@
           <a:p>
             <a:fld id="{0135936D-836F-419C-9F68-DEDA5DD6EA2C}" type="datetimeFigureOut">
               <a:rPr kumimoji="1" lang="ja-JP" altLang="en-US" smtClean="0"/>
-              <a:t>2024/6/12</a:t>
+              <a:t>2025/5/8</a:t>
             </a:fld>
             <a:endParaRPr kumimoji="1" lang="ja-JP" altLang="en-US"/>
           </a:p>
@@ -3041,7 +5589,7 @@
           <a:p>
             <a:fld id="{F88306EB-F4D8-4CD3-A9EA-E1E8C435DBF8}" type="slidenum">
               <a:rPr kumimoji="1" lang="ja-JP" altLang="en-US" smtClean="0"/>
-              <a:t>20</a:t>
+              <a:t>22</a:t>
             </a:fld>
             <a:endParaRPr kumimoji="1" lang="ja-JP" altLang="en-US"/>
           </a:p>
@@ -3125,7 +5673,7 @@
           <a:p>
             <a:fld id="{F88306EB-F4D8-4CD3-A9EA-E1E8C435DBF8}" type="slidenum">
               <a:rPr kumimoji="1" lang="ja-JP" altLang="en-US" smtClean="0"/>
-              <a:t>25</a:t>
+              <a:t>28</a:t>
             </a:fld>
             <a:endParaRPr kumimoji="1" lang="ja-JP" altLang="en-US"/>
           </a:p>
@@ -3275,7 +5823,7 @@
           <a:p>
             <a:fld id="{2ABC02D7-CBD1-4D33-B166-78A898DF0F76}" type="datetimeFigureOut">
               <a:rPr kumimoji="1" lang="ja-JP" altLang="en-US" smtClean="0"/>
-              <a:t>2024/6/12</a:t>
+              <a:t>2025/5/8</a:t>
             </a:fld>
             <a:endParaRPr kumimoji="1" lang="ja-JP" altLang="en-US"/>
           </a:p>
@@ -3477,7 +6025,7 @@
           <a:p>
             <a:fld id="{2ABC02D7-CBD1-4D33-B166-78A898DF0F76}" type="datetimeFigureOut">
               <a:rPr kumimoji="1" lang="ja-JP" altLang="en-US" smtClean="0"/>
-              <a:t>2024/6/12</a:t>
+              <a:t>2025/5/8</a:t>
             </a:fld>
             <a:endParaRPr kumimoji="1" lang="ja-JP" altLang="en-US"/>
           </a:p>
@@ -3689,7 +6237,7 @@
           <a:p>
             <a:fld id="{2ABC02D7-CBD1-4D33-B166-78A898DF0F76}" type="datetimeFigureOut">
               <a:rPr kumimoji="1" lang="ja-JP" altLang="en-US" smtClean="0"/>
-              <a:t>2024/6/12</a:t>
+              <a:t>2025/5/8</a:t>
             </a:fld>
             <a:endParaRPr kumimoji="1" lang="ja-JP" altLang="en-US"/>
           </a:p>
@@ -3891,7 +6439,7 @@
           <a:p>
             <a:fld id="{2ABC02D7-CBD1-4D33-B166-78A898DF0F76}" type="datetimeFigureOut">
               <a:rPr kumimoji="1" lang="ja-JP" altLang="en-US" smtClean="0"/>
-              <a:t>2024/6/12</a:t>
+              <a:t>2025/5/8</a:t>
             </a:fld>
             <a:endParaRPr kumimoji="1" lang="ja-JP" altLang="en-US"/>
           </a:p>
@@ -4137,7 +6685,7 @@
           <a:p>
             <a:fld id="{2ABC02D7-CBD1-4D33-B166-78A898DF0F76}" type="datetimeFigureOut">
               <a:rPr kumimoji="1" lang="ja-JP" altLang="en-US" smtClean="0"/>
-              <a:t>2024/6/12</a:t>
+              <a:t>2025/5/8</a:t>
             </a:fld>
             <a:endParaRPr kumimoji="1" lang="ja-JP" altLang="en-US"/>
           </a:p>
@@ -4433,7 +6981,7 @@
           <a:p>
             <a:fld id="{2ABC02D7-CBD1-4D33-B166-78A898DF0F76}" type="datetimeFigureOut">
               <a:rPr kumimoji="1" lang="ja-JP" altLang="en-US" smtClean="0"/>
-              <a:t>2024/6/12</a:t>
+              <a:t>2025/5/8</a:t>
             </a:fld>
             <a:endParaRPr kumimoji="1" lang="ja-JP" altLang="en-US"/>
           </a:p>
@@ -4864,7 +7412,7 @@
           <a:p>
             <a:fld id="{2ABC02D7-CBD1-4D33-B166-78A898DF0F76}" type="datetimeFigureOut">
               <a:rPr kumimoji="1" lang="ja-JP" altLang="en-US" smtClean="0"/>
-              <a:t>2024/6/12</a:t>
+              <a:t>2025/5/8</a:t>
             </a:fld>
             <a:endParaRPr kumimoji="1" lang="ja-JP" altLang="en-US"/>
           </a:p>
@@ -4982,7 +7530,7 @@
           <a:p>
             <a:fld id="{2ABC02D7-CBD1-4D33-B166-78A898DF0F76}" type="datetimeFigureOut">
               <a:rPr kumimoji="1" lang="ja-JP" altLang="en-US" smtClean="0"/>
-              <a:t>2024/6/12</a:t>
+              <a:t>2025/5/8</a:t>
             </a:fld>
             <a:endParaRPr kumimoji="1" lang="ja-JP" altLang="en-US"/>
           </a:p>
@@ -5077,7 +7625,7 @@
           <a:p>
             <a:fld id="{2ABC02D7-CBD1-4D33-B166-78A898DF0F76}" type="datetimeFigureOut">
               <a:rPr kumimoji="1" lang="ja-JP" altLang="en-US" smtClean="0"/>
-              <a:t>2024/6/12</a:t>
+              <a:t>2025/5/8</a:t>
             </a:fld>
             <a:endParaRPr kumimoji="1" lang="ja-JP" altLang="en-US"/>
           </a:p>
@@ -5386,7 +7934,7 @@
           <a:p>
             <a:fld id="{2ABC02D7-CBD1-4D33-B166-78A898DF0F76}" type="datetimeFigureOut">
               <a:rPr kumimoji="1" lang="ja-JP" altLang="en-US" smtClean="0"/>
-              <a:t>2024/6/12</a:t>
+              <a:t>2025/5/8</a:t>
             </a:fld>
             <a:endParaRPr kumimoji="1" lang="ja-JP" altLang="en-US"/>
           </a:p>
@@ -5643,7 +8191,7 @@
           <a:p>
             <a:fld id="{2ABC02D7-CBD1-4D33-B166-78A898DF0F76}" type="datetimeFigureOut">
               <a:rPr kumimoji="1" lang="ja-JP" altLang="en-US" smtClean="0"/>
-              <a:t>2024/6/12</a:t>
+              <a:t>2025/5/8</a:t>
             </a:fld>
             <a:endParaRPr kumimoji="1" lang="ja-JP" altLang="en-US"/>
           </a:p>
@@ -5888,7 +8436,7 @@
           <a:p>
             <a:fld id="{2ABC02D7-CBD1-4D33-B166-78A898DF0F76}" type="datetimeFigureOut">
               <a:rPr kumimoji="1" lang="ja-JP" altLang="en-US" smtClean="0"/>
-              <a:t>2024/6/12</a:t>
+              <a:t>2025/5/8</a:t>
             </a:fld>
             <a:endParaRPr kumimoji="1" lang="ja-JP" altLang="en-US"/>
           </a:p>
@@ -6362,6 +8910,1020 @@
 </file>
 
 <file path=ppt/slides/slide10.xml><?xml version="1.0" encoding="utf-8"?>
+<p:sld xmlns:a="http://schemas.openxmlformats.org/drawingml/2006/main" xmlns:r="http://schemas.openxmlformats.org/officeDocument/2006/relationships" xmlns:p="http://schemas.openxmlformats.org/presentationml/2006/main">
+  <p:cSld>
+    <p:spTree>
+      <p:nvGrpSpPr>
+        <p:cNvPr id="1" name=""/>
+        <p:cNvGrpSpPr/>
+        <p:nvPr/>
+      </p:nvGrpSpPr>
+      <p:grpSpPr>
+        <a:xfrm>
+          <a:off x="0" y="0"/>
+          <a:ext cx="0" cy="0"/>
+          <a:chOff x="0" y="0"/>
+          <a:chExt cx="0" cy="0"/>
+        </a:xfrm>
+      </p:grpSpPr>
+      <p:sp>
+        <p:nvSpPr>
+          <p:cNvPr id="2" name="テキスト ボックス 1">
+            <a:extLst>
+              <a:ext uri="{FF2B5EF4-FFF2-40B4-BE49-F238E27FC236}">
+                <a16:creationId xmlns:a16="http://schemas.microsoft.com/office/drawing/2014/main" id="{D8CE0D7E-4B54-576A-CCDF-79B1299A9FCF}"/>
+              </a:ext>
+            </a:extLst>
+          </p:cNvPr>
+          <p:cNvSpPr txBox="1"/>
+          <p:nvPr/>
+        </p:nvSpPr>
+        <p:spPr>
+          <a:xfrm>
+            <a:off x="641131" y="546538"/>
+            <a:ext cx="6340197" cy="584775"/>
+          </a:xfrm>
+          <a:prstGeom prst="rect">
+            <a:avLst/>
+          </a:prstGeom>
+          <a:noFill/>
+        </p:spPr>
+        <p:txBody>
+          <a:bodyPr wrap="none" rtlCol="0">
+            <a:spAutoFit/>
+          </a:bodyPr>
+          <a:lstStyle/>
+          <a:p>
+            <a:pPr algn="l"/>
+            <a:r>
+              <a:rPr kumimoji="1" lang="ja-JP" altLang="en-US" sz="3200" dirty="0">
+                <a:latin typeface="メイリオ" panose="020B0604030504040204" pitchFamily="50" charset="-128"/>
+                <a:ea typeface="メイリオ" panose="020B0604030504040204" pitchFamily="50" charset="-128"/>
+              </a:rPr>
+              <a:t>手作業の手順をプログラムにする</a:t>
+            </a:r>
+          </a:p>
+        </p:txBody>
+      </p:sp>
+      <p:sp>
+        <p:nvSpPr>
+          <p:cNvPr id="3" name="テキスト ボックス 2">
+            <a:extLst>
+              <a:ext uri="{FF2B5EF4-FFF2-40B4-BE49-F238E27FC236}">
+                <a16:creationId xmlns:a16="http://schemas.microsoft.com/office/drawing/2014/main" id="{74CBB5A9-8F38-03ED-87BB-C12D354D70A2}"/>
+              </a:ext>
+            </a:extLst>
+          </p:cNvPr>
+          <p:cNvSpPr txBox="1"/>
+          <p:nvPr/>
+        </p:nvSpPr>
+        <p:spPr>
+          <a:xfrm>
+            <a:off x="641131" y="1103585"/>
+            <a:ext cx="4493538" cy="461665"/>
+          </a:xfrm>
+          <a:prstGeom prst="rect">
+            <a:avLst/>
+          </a:prstGeom>
+          <a:noFill/>
+        </p:spPr>
+        <p:txBody>
+          <a:bodyPr wrap="none" rtlCol="0">
+            <a:spAutoFit/>
+          </a:bodyPr>
+          <a:lstStyle/>
+          <a:p>
+            <a:pPr algn="l"/>
+            <a:r>
+              <a:rPr kumimoji="1" lang="ja-JP" altLang="en-US" sz="2400" dirty="0">
+                <a:latin typeface="メイリオ" panose="020B0604030504040204" pitchFamily="50" charset="-128"/>
+                <a:ea typeface="メイリオ" panose="020B0604030504040204" pitchFamily="50" charset="-128"/>
+              </a:rPr>
+              <a:t>以下のような手順でやったはず</a:t>
+            </a:r>
+          </a:p>
+        </p:txBody>
+      </p:sp>
+      <p:graphicFrame>
+        <p:nvGraphicFramePr>
+          <p:cNvPr id="5" name="図表 4">
+            <a:extLst>
+              <a:ext uri="{FF2B5EF4-FFF2-40B4-BE49-F238E27FC236}">
+                <a16:creationId xmlns:a16="http://schemas.microsoft.com/office/drawing/2014/main" id="{E9D1FE29-7286-F1B5-D2F9-3BC7DD185985}"/>
+              </a:ext>
+            </a:extLst>
+          </p:cNvPr>
+          <p:cNvGraphicFramePr/>
+          <p:nvPr>
+            <p:extLst>
+              <p:ext uri="{D42A27DB-BD31-4B8C-83A1-F6EECF244321}">
+                <p14:modId xmlns:p14="http://schemas.microsoft.com/office/powerpoint/2010/main" val="3141384647"/>
+              </p:ext>
+            </p:extLst>
+          </p:nvPr>
+        </p:nvGraphicFramePr>
+        <p:xfrm>
+          <a:off x="346841" y="2122297"/>
+          <a:ext cx="4493538" cy="2984938"/>
+        </p:xfrm>
+        <a:graphic>
+          <a:graphicData uri="http://schemas.openxmlformats.org/drawingml/2006/diagram">
+            <dgm:relIds xmlns:dgm="http://schemas.openxmlformats.org/drawingml/2006/diagram" xmlns:r="http://schemas.openxmlformats.org/officeDocument/2006/relationships" r:dm="rId2" r:lo="rId3" r:qs="rId4" r:cs="rId5"/>
+          </a:graphicData>
+        </a:graphic>
+      </p:graphicFrame>
+      <p:sp>
+        <p:nvSpPr>
+          <p:cNvPr id="6" name="テキスト ボックス 5">
+            <a:extLst>
+              <a:ext uri="{FF2B5EF4-FFF2-40B4-BE49-F238E27FC236}">
+                <a16:creationId xmlns:a16="http://schemas.microsoft.com/office/drawing/2014/main" id="{01523BA2-5BCC-4980-B42C-4CFB75E46D14}"/>
+              </a:ext>
+            </a:extLst>
+          </p:cNvPr>
+          <p:cNvSpPr txBox="1"/>
+          <p:nvPr/>
+        </p:nvSpPr>
+        <p:spPr>
+          <a:xfrm>
+            <a:off x="4162097" y="2556234"/>
+            <a:ext cx="7263527" cy="461665"/>
+          </a:xfrm>
+          <a:prstGeom prst="rect">
+            <a:avLst/>
+          </a:prstGeom>
+          <a:noFill/>
+        </p:spPr>
+        <p:txBody>
+          <a:bodyPr wrap="none" rtlCol="0">
+            <a:spAutoFit/>
+          </a:bodyPr>
+          <a:lstStyle/>
+          <a:p>
+            <a:pPr algn="l"/>
+            <a:r>
+              <a:rPr kumimoji="1" lang="ja-JP" altLang="en-US" sz="2400" dirty="0">
+                <a:latin typeface="メイリオ" panose="020B0604030504040204" pitchFamily="50" charset="-128"/>
+                <a:ea typeface="メイリオ" panose="020B0604030504040204" pitchFamily="50" charset="-128"/>
+              </a:rPr>
+              <a:t>全単語を見て、重複しないように列見出しに並べる</a:t>
+            </a:r>
+          </a:p>
+        </p:txBody>
+      </p:sp>
+      <p:sp>
+        <p:nvSpPr>
+          <p:cNvPr id="7" name="テキスト ボックス 6">
+            <a:extLst>
+              <a:ext uri="{FF2B5EF4-FFF2-40B4-BE49-F238E27FC236}">
+                <a16:creationId xmlns:a16="http://schemas.microsoft.com/office/drawing/2014/main" id="{5DCE9408-8BCD-CAAE-B81C-0A95F57B77EA}"/>
+              </a:ext>
+            </a:extLst>
+          </p:cNvPr>
+          <p:cNvSpPr txBox="1"/>
+          <p:nvPr/>
+        </p:nvSpPr>
+        <p:spPr>
+          <a:xfrm>
+            <a:off x="4162098" y="4309241"/>
+            <a:ext cx="7378262" cy="830997"/>
+          </a:xfrm>
+          <a:prstGeom prst="rect">
+            <a:avLst/>
+          </a:prstGeom>
+          <a:noFill/>
+        </p:spPr>
+        <p:txBody>
+          <a:bodyPr wrap="square" rtlCol="0">
+            <a:spAutoFit/>
+          </a:bodyPr>
+          <a:lstStyle/>
+          <a:p>
+            <a:pPr algn="l"/>
+            <a:r>
+              <a:rPr kumimoji="1" lang="ja-JP" altLang="en-US" sz="2400" dirty="0">
+                <a:latin typeface="メイリオ" panose="020B0604030504040204" pitchFamily="50" charset="-128"/>
+                <a:ea typeface="メイリオ" panose="020B0604030504040204" pitchFamily="50" charset="-128"/>
+              </a:rPr>
+              <a:t>データ毎に出現した単語で列見出しを参照して該当列に頻度をカウント。該当なければ０</a:t>
+            </a:r>
+          </a:p>
+        </p:txBody>
+      </p:sp>
+      <p:sp>
+        <p:nvSpPr>
+          <p:cNvPr id="9" name="テキスト ボックス 8">
+            <a:extLst>
+              <a:ext uri="{FF2B5EF4-FFF2-40B4-BE49-F238E27FC236}">
+                <a16:creationId xmlns:a16="http://schemas.microsoft.com/office/drawing/2014/main" id="{67652B1F-B3FB-E788-BB9B-0D3A3C6F0080}"/>
+              </a:ext>
+            </a:extLst>
+          </p:cNvPr>
+          <p:cNvSpPr txBox="1"/>
+          <p:nvPr/>
+        </p:nvSpPr>
+        <p:spPr>
+          <a:xfrm>
+            <a:off x="830317" y="5654566"/>
+            <a:ext cx="10710043" cy="830997"/>
+          </a:xfrm>
+          <a:prstGeom prst="rect">
+            <a:avLst/>
+          </a:prstGeom>
+          <a:noFill/>
+        </p:spPr>
+        <p:txBody>
+          <a:bodyPr wrap="square" rtlCol="0">
+            <a:spAutoFit/>
+          </a:bodyPr>
+          <a:lstStyle/>
+          <a:p>
+            <a:pPr algn="l"/>
+            <a:r>
+              <a:rPr kumimoji="1" lang="ja-JP" altLang="en-US" sz="2400" dirty="0">
+                <a:latin typeface="メイリオ" panose="020B0604030504040204" pitchFamily="50" charset="-128"/>
+                <a:ea typeface="メイリオ" panose="020B0604030504040204" pitchFamily="50" charset="-128"/>
+              </a:rPr>
+              <a:t>次頁以降に手作業で</a:t>
+            </a:r>
+            <a:r>
+              <a:rPr kumimoji="1" lang="en-US" altLang="ja-JP" sz="2400" dirty="0" err="1">
+                <a:latin typeface="メイリオ" panose="020B0604030504040204" pitchFamily="50" charset="-128"/>
+                <a:ea typeface="メイリオ" panose="020B0604030504040204" pitchFamily="50" charset="-128"/>
+              </a:rPr>
+              <a:t>BoW</a:t>
+            </a:r>
+            <a:r>
+              <a:rPr kumimoji="1" lang="ja-JP" altLang="en-US" sz="2400" dirty="0">
+                <a:latin typeface="メイリオ" panose="020B0604030504040204" pitchFamily="50" charset="-128"/>
+                <a:ea typeface="メイリオ" panose="020B0604030504040204" pitchFamily="50" charset="-128"/>
+              </a:rPr>
+              <a:t>にしたレシピデータをプログラムで</a:t>
+            </a:r>
+            <a:r>
+              <a:rPr kumimoji="1" lang="en-US" altLang="ja-JP" sz="2400" dirty="0" err="1">
+                <a:latin typeface="メイリオ" panose="020B0604030504040204" pitchFamily="50" charset="-128"/>
+                <a:ea typeface="メイリオ" panose="020B0604030504040204" pitchFamily="50" charset="-128"/>
+              </a:rPr>
+              <a:t>BoW</a:t>
+            </a:r>
+            <a:r>
+              <a:rPr kumimoji="1" lang="ja-JP" altLang="en-US" sz="2400" dirty="0">
+                <a:latin typeface="メイリオ" panose="020B0604030504040204" pitchFamily="50" charset="-128"/>
+                <a:ea typeface="メイリオ" panose="020B0604030504040204" pitchFamily="50" charset="-128"/>
+              </a:rPr>
+              <a:t>にする方法を解説する</a:t>
+            </a:r>
+          </a:p>
+        </p:txBody>
+      </p:sp>
+    </p:spTree>
+    <p:extLst>
+      <p:ext uri="{BB962C8B-B14F-4D97-AF65-F5344CB8AC3E}">
+        <p14:creationId xmlns:p14="http://schemas.microsoft.com/office/powerpoint/2010/main" val="1345818318"/>
+      </p:ext>
+    </p:extLst>
+  </p:cSld>
+  <p:clrMapOvr>
+    <a:masterClrMapping/>
+  </p:clrMapOvr>
+</p:sld>
+</file>
+
+<file path=ppt/slides/slide11.xml><?xml version="1.0" encoding="utf-8"?>
+<p:sld xmlns:a="http://schemas.openxmlformats.org/drawingml/2006/main" xmlns:r="http://schemas.openxmlformats.org/officeDocument/2006/relationships" xmlns:p="http://schemas.openxmlformats.org/presentationml/2006/main">
+  <p:cSld>
+    <p:spTree>
+      <p:nvGrpSpPr>
+        <p:cNvPr id="1" name=""/>
+        <p:cNvGrpSpPr/>
+        <p:nvPr/>
+      </p:nvGrpSpPr>
+      <p:grpSpPr>
+        <a:xfrm>
+          <a:off x="0" y="0"/>
+          <a:ext cx="0" cy="0"/>
+          <a:chOff x="0" y="0"/>
+          <a:chExt cx="0" cy="0"/>
+        </a:xfrm>
+      </p:grpSpPr>
+      <p:sp>
+        <p:nvSpPr>
+          <p:cNvPr id="2" name="テキスト ボックス 1">
+            <a:extLst>
+              <a:ext uri="{FF2B5EF4-FFF2-40B4-BE49-F238E27FC236}">
+                <a16:creationId xmlns:a16="http://schemas.microsoft.com/office/drawing/2014/main" id="{16FFAD6F-464B-A0E3-74C7-D02DDCEFA408}"/>
+              </a:ext>
+            </a:extLst>
+          </p:cNvPr>
+          <p:cNvSpPr txBox="1"/>
+          <p:nvPr/>
+        </p:nvSpPr>
+        <p:spPr>
+          <a:xfrm>
+            <a:off x="419063" y="219816"/>
+            <a:ext cx="7518405" cy="584775"/>
+          </a:xfrm>
+          <a:prstGeom prst="rect">
+            <a:avLst/>
+          </a:prstGeom>
+          <a:noFill/>
+        </p:spPr>
+        <p:txBody>
+          <a:bodyPr wrap="none" rtlCol="0">
+            <a:spAutoFit/>
+          </a:bodyPr>
+          <a:lstStyle/>
+          <a:p>
+            <a:pPr algn="l"/>
+            <a:r>
+              <a:rPr kumimoji="1" lang="en-US" altLang="ja-JP" sz="3200" dirty="0" err="1">
+                <a:latin typeface="メイリオ" panose="020B0604030504040204" pitchFamily="50" charset="-128"/>
+                <a:ea typeface="メイリオ" panose="020B0604030504040204" pitchFamily="50" charset="-128"/>
+              </a:rPr>
+              <a:t>BoW</a:t>
+            </a:r>
+            <a:r>
+              <a:rPr kumimoji="1" lang="ja-JP" altLang="en-US" sz="3200" dirty="0">
+                <a:latin typeface="メイリオ" panose="020B0604030504040204" pitchFamily="50" charset="-128"/>
+                <a:ea typeface="メイリオ" panose="020B0604030504040204" pitchFamily="50" charset="-128"/>
+              </a:rPr>
+              <a:t>コーディング１</a:t>
+            </a:r>
+            <a:r>
+              <a:rPr kumimoji="1" lang="en-US" altLang="ja-JP" sz="3200" dirty="0">
+                <a:latin typeface="メイリオ" panose="020B0604030504040204" pitchFamily="50" charset="-128"/>
+                <a:ea typeface="メイリオ" panose="020B0604030504040204" pitchFamily="50" charset="-128"/>
+              </a:rPr>
+              <a:t> </a:t>
+            </a:r>
+            <a:r>
+              <a:rPr kumimoji="1" lang="ja-JP" altLang="en-US" sz="3200" dirty="0">
+                <a:latin typeface="メイリオ" panose="020B0604030504040204" pitchFamily="50" charset="-128"/>
+                <a:ea typeface="メイリオ" panose="020B0604030504040204" pitchFamily="50" charset="-128"/>
+              </a:rPr>
+              <a:t>：</a:t>
+            </a:r>
+            <a:r>
+              <a:rPr kumimoji="1" lang="en-US" altLang="ja-JP" sz="3200" dirty="0" err="1">
+                <a:latin typeface="メイリオ" panose="020B0604030504040204" pitchFamily="50" charset="-128"/>
+                <a:ea typeface="メイリオ" panose="020B0604030504040204" pitchFamily="50" charset="-128"/>
+              </a:rPr>
+              <a:t>BoW</a:t>
+            </a:r>
+            <a:r>
+              <a:rPr kumimoji="1" lang="ja-JP" altLang="en-US" sz="3200" dirty="0">
+                <a:latin typeface="メイリオ" panose="020B0604030504040204" pitchFamily="50" charset="-128"/>
+                <a:ea typeface="メイリオ" panose="020B0604030504040204" pitchFamily="50" charset="-128"/>
+              </a:rPr>
+              <a:t>辞書の作成</a:t>
+            </a:r>
+          </a:p>
+        </p:txBody>
+      </p:sp>
+      <p:graphicFrame>
+        <p:nvGraphicFramePr>
+          <p:cNvPr id="3" name="表 2">
+            <a:extLst>
+              <a:ext uri="{FF2B5EF4-FFF2-40B4-BE49-F238E27FC236}">
+                <a16:creationId xmlns:a16="http://schemas.microsoft.com/office/drawing/2014/main" id="{AC96A476-96EC-890D-47E2-8E76C701271F}"/>
+              </a:ext>
+            </a:extLst>
+          </p:cNvPr>
+          <p:cNvGraphicFramePr>
+            <a:graphicFrameLocks noGrp="1"/>
+          </p:cNvGraphicFramePr>
+          <p:nvPr>
+            <p:extLst>
+              <p:ext uri="{D42A27DB-BD31-4B8C-83A1-F6EECF244321}">
+                <p14:modId xmlns:p14="http://schemas.microsoft.com/office/powerpoint/2010/main" val="1021653392"/>
+              </p:ext>
+            </p:extLst>
+          </p:nvPr>
+        </p:nvGraphicFramePr>
+        <p:xfrm>
+          <a:off x="2138518" y="3044960"/>
+          <a:ext cx="8559936" cy="914400"/>
+        </p:xfrm>
+        <a:graphic>
+          <a:graphicData uri="http://schemas.openxmlformats.org/drawingml/2006/table">
+            <a:tbl>
+              <a:tblPr firstRow="1" bandRow="1">
+                <a:tableStyleId>{5940675A-B579-460E-94D1-54222C63F5DA}</a:tableStyleId>
+              </a:tblPr>
+              <a:tblGrid>
+                <a:gridCol w="1222848">
+                  <a:extLst>
+                    <a:ext uri="{9D8B030D-6E8A-4147-A177-3AD203B41FA5}">
+                      <a16:colId xmlns:a16="http://schemas.microsoft.com/office/drawing/2014/main" val="1281661057"/>
+                    </a:ext>
+                  </a:extLst>
+                </a:gridCol>
+                <a:gridCol w="1222848">
+                  <a:extLst>
+                    <a:ext uri="{9D8B030D-6E8A-4147-A177-3AD203B41FA5}">
+                      <a16:colId xmlns:a16="http://schemas.microsoft.com/office/drawing/2014/main" val="3202091198"/>
+                    </a:ext>
+                  </a:extLst>
+                </a:gridCol>
+                <a:gridCol w="1222848">
+                  <a:extLst>
+                    <a:ext uri="{9D8B030D-6E8A-4147-A177-3AD203B41FA5}">
+                      <a16:colId xmlns:a16="http://schemas.microsoft.com/office/drawing/2014/main" val="1730088140"/>
+                    </a:ext>
+                  </a:extLst>
+                </a:gridCol>
+                <a:gridCol w="1222848">
+                  <a:extLst>
+                    <a:ext uri="{9D8B030D-6E8A-4147-A177-3AD203B41FA5}">
+                      <a16:colId xmlns:a16="http://schemas.microsoft.com/office/drawing/2014/main" val="1267679389"/>
+                    </a:ext>
+                  </a:extLst>
+                </a:gridCol>
+                <a:gridCol w="1222848">
+                  <a:extLst>
+                    <a:ext uri="{9D8B030D-6E8A-4147-A177-3AD203B41FA5}">
+                      <a16:colId xmlns:a16="http://schemas.microsoft.com/office/drawing/2014/main" val="752363984"/>
+                    </a:ext>
+                  </a:extLst>
+                </a:gridCol>
+                <a:gridCol w="1222848">
+                  <a:extLst>
+                    <a:ext uri="{9D8B030D-6E8A-4147-A177-3AD203B41FA5}">
+                      <a16:colId xmlns:a16="http://schemas.microsoft.com/office/drawing/2014/main" val="626058433"/>
+                    </a:ext>
+                  </a:extLst>
+                </a:gridCol>
+                <a:gridCol w="1222848">
+                  <a:extLst>
+                    <a:ext uri="{9D8B030D-6E8A-4147-A177-3AD203B41FA5}">
+                      <a16:colId xmlns:a16="http://schemas.microsoft.com/office/drawing/2014/main" val="72748011"/>
+                    </a:ext>
+                  </a:extLst>
+                </a:gridCol>
+              </a:tblGrid>
+              <a:tr h="370840">
+                <a:tc>
+                  <a:txBody>
+                    <a:bodyPr/>
+                    <a:lstStyle/>
+                    <a:p>
+                      <a:r>
+                        <a:rPr kumimoji="1" lang="ja-JP" altLang="en-US" sz="1800" dirty="0"/>
+                        <a:t>ホットケーキミックス</a:t>
+                      </a:r>
+                    </a:p>
+                  </a:txBody>
+                  <a:tcPr/>
+                </a:tc>
+                <a:tc>
+                  <a:txBody>
+                    <a:bodyPr/>
+                    <a:lstStyle/>
+                    <a:p>
+                      <a:r>
+                        <a:rPr kumimoji="1" lang="ja-JP" altLang="en-US" sz="1800" dirty="0"/>
+                        <a:t>卵</a:t>
+                      </a:r>
+                    </a:p>
+                  </a:txBody>
+                  <a:tcPr/>
+                </a:tc>
+                <a:tc>
+                  <a:txBody>
+                    <a:bodyPr/>
+                    <a:lstStyle/>
+                    <a:p>
+                      <a:r>
+                        <a:rPr kumimoji="1" lang="ja-JP" altLang="en-US" sz="1800" dirty="0"/>
+                        <a:t>牛乳</a:t>
+                      </a:r>
+                    </a:p>
+                  </a:txBody>
+                  <a:tcPr/>
+                </a:tc>
+                <a:tc>
+                  <a:txBody>
+                    <a:bodyPr/>
+                    <a:lstStyle/>
+                    <a:p>
+                      <a:r>
+                        <a:rPr kumimoji="1" lang="ja-JP" altLang="en-US" sz="1800" dirty="0"/>
+                        <a:t>バター</a:t>
+                      </a:r>
+                    </a:p>
+                  </a:txBody>
+                  <a:tcPr/>
+                </a:tc>
+                <a:tc>
+                  <a:txBody>
+                    <a:bodyPr/>
+                    <a:lstStyle/>
+                    <a:p>
+                      <a:r>
+                        <a:rPr kumimoji="1" lang="ja-JP" altLang="en-US" sz="1800" dirty="0"/>
+                        <a:t>豆乳</a:t>
+                      </a:r>
+                    </a:p>
+                  </a:txBody>
+                  <a:tcPr/>
+                </a:tc>
+                <a:tc>
+                  <a:txBody>
+                    <a:bodyPr/>
+                    <a:lstStyle/>
+                    <a:p>
+                      <a:r>
+                        <a:rPr kumimoji="1" lang="ja-JP" altLang="en-US" sz="1800" dirty="0"/>
+                        <a:t>米粉</a:t>
+                      </a:r>
+                    </a:p>
+                  </a:txBody>
+                  <a:tcPr/>
+                </a:tc>
+                <a:tc>
+                  <a:txBody>
+                    <a:bodyPr/>
+                    <a:lstStyle/>
+                    <a:p>
+                      <a:r>
+                        <a:rPr kumimoji="1" lang="ja-JP" altLang="en-US" sz="1800" dirty="0"/>
+                        <a:t>砂糖</a:t>
+                      </a:r>
+                    </a:p>
+                  </a:txBody>
+                  <a:tcPr/>
+                </a:tc>
+                <a:extLst>
+                  <a:ext uri="{0D108BD9-81ED-4DB2-BD59-A6C34878D82A}">
+                    <a16:rowId xmlns:a16="http://schemas.microsoft.com/office/drawing/2014/main" val="1044926211"/>
+                  </a:ext>
+                </a:extLst>
+              </a:tr>
+            </a:tbl>
+          </a:graphicData>
+        </a:graphic>
+      </p:graphicFrame>
+      <p:sp>
+        <p:nvSpPr>
+          <p:cNvPr id="4" name="テキスト ボックス 3">
+            <a:extLst>
+              <a:ext uri="{FF2B5EF4-FFF2-40B4-BE49-F238E27FC236}">
+                <a16:creationId xmlns:a16="http://schemas.microsoft.com/office/drawing/2014/main" id="{77D16F3A-AC5C-48CB-6A82-09F5985FA831}"/>
+              </a:ext>
+            </a:extLst>
+          </p:cNvPr>
+          <p:cNvSpPr txBox="1"/>
+          <p:nvPr/>
+        </p:nvSpPr>
+        <p:spPr>
+          <a:xfrm>
+            <a:off x="2593084" y="3990080"/>
+            <a:ext cx="479618" cy="461665"/>
+          </a:xfrm>
+          <a:prstGeom prst="rect">
+            <a:avLst/>
+          </a:prstGeom>
+          <a:noFill/>
+        </p:spPr>
+        <p:txBody>
+          <a:bodyPr wrap="none" rtlCol="0">
+            <a:spAutoFit/>
+          </a:bodyPr>
+          <a:lstStyle/>
+          <a:p>
+            <a:pPr algn="l"/>
+            <a:r>
+              <a:rPr kumimoji="1" lang="en-US" altLang="ja-JP" sz="2400" dirty="0">
+                <a:latin typeface="メイリオ" panose="020B0604030504040204" pitchFamily="50" charset="-128"/>
+                <a:ea typeface="メイリオ" panose="020B0604030504040204" pitchFamily="50" charset="-128"/>
+              </a:rPr>
+              <a:t>0 </a:t>
+            </a:r>
+            <a:endParaRPr kumimoji="1" lang="ja-JP" altLang="en-US" sz="2400" dirty="0">
+              <a:latin typeface="メイリオ" panose="020B0604030504040204" pitchFamily="50" charset="-128"/>
+              <a:ea typeface="メイリオ" panose="020B0604030504040204" pitchFamily="50" charset="-128"/>
+            </a:endParaRPr>
+          </a:p>
+        </p:txBody>
+      </p:sp>
+      <p:sp>
+        <p:nvSpPr>
+          <p:cNvPr id="5" name="テキスト ボックス 4">
+            <a:extLst>
+              <a:ext uri="{FF2B5EF4-FFF2-40B4-BE49-F238E27FC236}">
+                <a16:creationId xmlns:a16="http://schemas.microsoft.com/office/drawing/2014/main" id="{FB5A6F0A-BA00-6789-93BF-D70B20398D8A}"/>
+              </a:ext>
+            </a:extLst>
+          </p:cNvPr>
+          <p:cNvSpPr txBox="1"/>
+          <p:nvPr/>
+        </p:nvSpPr>
+        <p:spPr>
+          <a:xfrm>
+            <a:off x="9824443" y="3987253"/>
+            <a:ext cx="479618" cy="461665"/>
+          </a:xfrm>
+          <a:prstGeom prst="rect">
+            <a:avLst/>
+          </a:prstGeom>
+          <a:noFill/>
+        </p:spPr>
+        <p:txBody>
+          <a:bodyPr wrap="none" rtlCol="0">
+            <a:spAutoFit/>
+          </a:bodyPr>
+          <a:lstStyle/>
+          <a:p>
+            <a:pPr algn="l"/>
+            <a:r>
+              <a:rPr kumimoji="1" lang="en-US" altLang="ja-JP" sz="2400" dirty="0">
+                <a:latin typeface="メイリオ" panose="020B0604030504040204" pitchFamily="50" charset="-128"/>
+                <a:ea typeface="メイリオ" panose="020B0604030504040204" pitchFamily="50" charset="-128"/>
+              </a:rPr>
+              <a:t>6 </a:t>
+            </a:r>
+            <a:endParaRPr kumimoji="1" lang="ja-JP" altLang="en-US" sz="2400" dirty="0">
+              <a:latin typeface="メイリオ" panose="020B0604030504040204" pitchFamily="50" charset="-128"/>
+              <a:ea typeface="メイリオ" panose="020B0604030504040204" pitchFamily="50" charset="-128"/>
+            </a:endParaRPr>
+          </a:p>
+        </p:txBody>
+      </p:sp>
+      <p:sp>
+        <p:nvSpPr>
+          <p:cNvPr id="6" name="テキスト ボックス 5">
+            <a:extLst>
+              <a:ext uri="{FF2B5EF4-FFF2-40B4-BE49-F238E27FC236}">
+                <a16:creationId xmlns:a16="http://schemas.microsoft.com/office/drawing/2014/main" id="{58115421-9FF3-9CFE-8A1D-07548F87F215}"/>
+              </a:ext>
+            </a:extLst>
+          </p:cNvPr>
+          <p:cNvSpPr txBox="1"/>
+          <p:nvPr/>
+        </p:nvSpPr>
+        <p:spPr>
+          <a:xfrm>
+            <a:off x="8675583" y="3998940"/>
+            <a:ext cx="479618" cy="461665"/>
+          </a:xfrm>
+          <a:prstGeom prst="rect">
+            <a:avLst/>
+          </a:prstGeom>
+          <a:noFill/>
+        </p:spPr>
+        <p:txBody>
+          <a:bodyPr wrap="none" rtlCol="0">
+            <a:spAutoFit/>
+          </a:bodyPr>
+          <a:lstStyle/>
+          <a:p>
+            <a:pPr algn="l"/>
+            <a:r>
+              <a:rPr kumimoji="1" lang="en-US" altLang="ja-JP" sz="2400" dirty="0">
+                <a:latin typeface="メイリオ" panose="020B0604030504040204" pitchFamily="50" charset="-128"/>
+                <a:ea typeface="メイリオ" panose="020B0604030504040204" pitchFamily="50" charset="-128"/>
+              </a:rPr>
+              <a:t>5 </a:t>
+            </a:r>
+            <a:endParaRPr kumimoji="1" lang="ja-JP" altLang="en-US" sz="2400" dirty="0">
+              <a:latin typeface="メイリオ" panose="020B0604030504040204" pitchFamily="50" charset="-128"/>
+              <a:ea typeface="メイリオ" panose="020B0604030504040204" pitchFamily="50" charset="-128"/>
+            </a:endParaRPr>
+          </a:p>
+        </p:txBody>
+      </p:sp>
+      <p:sp>
+        <p:nvSpPr>
+          <p:cNvPr id="7" name="テキスト ボックス 6">
+            <a:extLst>
+              <a:ext uri="{FF2B5EF4-FFF2-40B4-BE49-F238E27FC236}">
+                <a16:creationId xmlns:a16="http://schemas.microsoft.com/office/drawing/2014/main" id="{7DD744E9-D678-8367-8A20-4C6539B6A2AF}"/>
+              </a:ext>
+            </a:extLst>
+          </p:cNvPr>
+          <p:cNvSpPr txBox="1"/>
+          <p:nvPr/>
+        </p:nvSpPr>
+        <p:spPr>
+          <a:xfrm>
+            <a:off x="7441136" y="3998940"/>
+            <a:ext cx="479618" cy="461665"/>
+          </a:xfrm>
+          <a:prstGeom prst="rect">
+            <a:avLst/>
+          </a:prstGeom>
+          <a:noFill/>
+        </p:spPr>
+        <p:txBody>
+          <a:bodyPr wrap="none" rtlCol="0">
+            <a:spAutoFit/>
+          </a:bodyPr>
+          <a:lstStyle/>
+          <a:p>
+            <a:pPr algn="l"/>
+            <a:r>
+              <a:rPr kumimoji="1" lang="en-US" altLang="ja-JP" sz="2400" dirty="0">
+                <a:latin typeface="メイリオ" panose="020B0604030504040204" pitchFamily="50" charset="-128"/>
+                <a:ea typeface="メイリオ" panose="020B0604030504040204" pitchFamily="50" charset="-128"/>
+              </a:rPr>
+              <a:t>4 </a:t>
+            </a:r>
+            <a:endParaRPr kumimoji="1" lang="ja-JP" altLang="en-US" sz="2400" dirty="0">
+              <a:latin typeface="メイリオ" panose="020B0604030504040204" pitchFamily="50" charset="-128"/>
+              <a:ea typeface="メイリオ" panose="020B0604030504040204" pitchFamily="50" charset="-128"/>
+            </a:endParaRPr>
+          </a:p>
+        </p:txBody>
+      </p:sp>
+      <p:sp>
+        <p:nvSpPr>
+          <p:cNvPr id="8" name="テキスト ボックス 7">
+            <a:extLst>
+              <a:ext uri="{FF2B5EF4-FFF2-40B4-BE49-F238E27FC236}">
+                <a16:creationId xmlns:a16="http://schemas.microsoft.com/office/drawing/2014/main" id="{70934CD2-8C85-CDF0-DFDB-E55D22AB0B3B}"/>
+              </a:ext>
+            </a:extLst>
+          </p:cNvPr>
+          <p:cNvSpPr txBox="1"/>
+          <p:nvPr/>
+        </p:nvSpPr>
+        <p:spPr>
+          <a:xfrm>
+            <a:off x="6203180" y="3996098"/>
+            <a:ext cx="479618" cy="461665"/>
+          </a:xfrm>
+          <a:prstGeom prst="rect">
+            <a:avLst/>
+          </a:prstGeom>
+          <a:noFill/>
+        </p:spPr>
+        <p:txBody>
+          <a:bodyPr wrap="none" rtlCol="0">
+            <a:spAutoFit/>
+          </a:bodyPr>
+          <a:lstStyle/>
+          <a:p>
+            <a:pPr algn="l"/>
+            <a:r>
+              <a:rPr kumimoji="1" lang="en-US" altLang="ja-JP" sz="2400" dirty="0">
+                <a:latin typeface="メイリオ" panose="020B0604030504040204" pitchFamily="50" charset="-128"/>
+                <a:ea typeface="メイリオ" panose="020B0604030504040204" pitchFamily="50" charset="-128"/>
+              </a:rPr>
+              <a:t>3 </a:t>
+            </a:r>
+            <a:endParaRPr kumimoji="1" lang="ja-JP" altLang="en-US" sz="2400" dirty="0">
+              <a:latin typeface="メイリオ" panose="020B0604030504040204" pitchFamily="50" charset="-128"/>
+              <a:ea typeface="メイリオ" panose="020B0604030504040204" pitchFamily="50" charset="-128"/>
+            </a:endParaRPr>
+          </a:p>
+        </p:txBody>
+      </p:sp>
+      <p:sp>
+        <p:nvSpPr>
+          <p:cNvPr id="9" name="テキスト ボックス 8">
+            <a:extLst>
+              <a:ext uri="{FF2B5EF4-FFF2-40B4-BE49-F238E27FC236}">
+                <a16:creationId xmlns:a16="http://schemas.microsoft.com/office/drawing/2014/main" id="{7539DD59-5585-FED6-68ED-E7F0816F46B4}"/>
+              </a:ext>
+            </a:extLst>
+          </p:cNvPr>
+          <p:cNvSpPr txBox="1"/>
+          <p:nvPr/>
+        </p:nvSpPr>
+        <p:spPr>
+          <a:xfrm>
+            <a:off x="4965224" y="3990079"/>
+            <a:ext cx="479618" cy="461665"/>
+          </a:xfrm>
+          <a:prstGeom prst="rect">
+            <a:avLst/>
+          </a:prstGeom>
+          <a:noFill/>
+        </p:spPr>
+        <p:txBody>
+          <a:bodyPr wrap="none" rtlCol="0">
+            <a:spAutoFit/>
+          </a:bodyPr>
+          <a:lstStyle/>
+          <a:p>
+            <a:pPr algn="l"/>
+            <a:r>
+              <a:rPr kumimoji="1" lang="en-US" altLang="ja-JP" sz="2400" dirty="0">
+                <a:latin typeface="メイリオ" panose="020B0604030504040204" pitchFamily="50" charset="-128"/>
+                <a:ea typeface="メイリオ" panose="020B0604030504040204" pitchFamily="50" charset="-128"/>
+              </a:rPr>
+              <a:t>2 </a:t>
+            </a:r>
+            <a:endParaRPr kumimoji="1" lang="ja-JP" altLang="en-US" sz="2400" dirty="0">
+              <a:latin typeface="メイリオ" panose="020B0604030504040204" pitchFamily="50" charset="-128"/>
+              <a:ea typeface="メイリオ" panose="020B0604030504040204" pitchFamily="50" charset="-128"/>
+            </a:endParaRPr>
+          </a:p>
+        </p:txBody>
+      </p:sp>
+      <p:sp>
+        <p:nvSpPr>
+          <p:cNvPr id="10" name="テキスト ボックス 9">
+            <a:extLst>
+              <a:ext uri="{FF2B5EF4-FFF2-40B4-BE49-F238E27FC236}">
+                <a16:creationId xmlns:a16="http://schemas.microsoft.com/office/drawing/2014/main" id="{3848EF01-A523-EA17-9932-56779553FAA2}"/>
+              </a:ext>
+            </a:extLst>
+          </p:cNvPr>
+          <p:cNvSpPr txBox="1"/>
+          <p:nvPr/>
+        </p:nvSpPr>
+        <p:spPr>
+          <a:xfrm>
+            <a:off x="3679669" y="3990080"/>
+            <a:ext cx="479618" cy="461665"/>
+          </a:xfrm>
+          <a:prstGeom prst="rect">
+            <a:avLst/>
+          </a:prstGeom>
+          <a:noFill/>
+        </p:spPr>
+        <p:txBody>
+          <a:bodyPr wrap="none" rtlCol="0">
+            <a:spAutoFit/>
+          </a:bodyPr>
+          <a:lstStyle/>
+          <a:p>
+            <a:pPr algn="l"/>
+            <a:r>
+              <a:rPr kumimoji="1" lang="en-US" altLang="ja-JP" sz="2400" dirty="0">
+                <a:latin typeface="メイリオ" panose="020B0604030504040204" pitchFamily="50" charset="-128"/>
+                <a:ea typeface="メイリオ" panose="020B0604030504040204" pitchFamily="50" charset="-128"/>
+              </a:rPr>
+              <a:t>1 </a:t>
+            </a:r>
+            <a:endParaRPr kumimoji="1" lang="ja-JP" altLang="en-US" sz="2400" dirty="0">
+              <a:latin typeface="メイリオ" panose="020B0604030504040204" pitchFamily="50" charset="-128"/>
+              <a:ea typeface="メイリオ" panose="020B0604030504040204" pitchFamily="50" charset="-128"/>
+            </a:endParaRPr>
+          </a:p>
+        </p:txBody>
+      </p:sp>
+      <p:sp>
+        <p:nvSpPr>
+          <p:cNvPr id="13" name="テキスト ボックス 12">
+            <a:extLst>
+              <a:ext uri="{FF2B5EF4-FFF2-40B4-BE49-F238E27FC236}">
+                <a16:creationId xmlns:a16="http://schemas.microsoft.com/office/drawing/2014/main" id="{28BC73F1-AED8-3575-8ADB-120AE6D04916}"/>
+              </a:ext>
+            </a:extLst>
+          </p:cNvPr>
+          <p:cNvSpPr txBox="1"/>
+          <p:nvPr/>
+        </p:nvSpPr>
+        <p:spPr>
+          <a:xfrm>
+            <a:off x="620110" y="1229710"/>
+            <a:ext cx="10187404" cy="1200329"/>
+          </a:xfrm>
+          <a:prstGeom prst="rect">
+            <a:avLst/>
+          </a:prstGeom>
+          <a:noFill/>
+        </p:spPr>
+        <p:txBody>
+          <a:bodyPr wrap="none" rtlCol="0">
+            <a:spAutoFit/>
+          </a:bodyPr>
+          <a:lstStyle/>
+          <a:p>
+            <a:pPr marL="457200" indent="-457200" algn="l">
+              <a:buFont typeface="+mj-lt"/>
+              <a:buAutoNum type="arabicPeriod"/>
+            </a:pPr>
+            <a:r>
+              <a:rPr kumimoji="1" lang="ja-JP" altLang="en-US" sz="2400" dirty="0">
+                <a:latin typeface="メイリオ" panose="020B0604030504040204" pitchFamily="50" charset="-128"/>
+                <a:ea typeface="メイリオ" panose="020B0604030504040204" pitchFamily="50" charset="-128"/>
+              </a:rPr>
+              <a:t>データ（レシピ）の全単語を重複がないように取り出す。</a:t>
+            </a:r>
+            <a:endParaRPr kumimoji="1" lang="en-US" altLang="ja-JP" sz="2400" dirty="0">
+              <a:latin typeface="メイリオ" panose="020B0604030504040204" pitchFamily="50" charset="-128"/>
+              <a:ea typeface="メイリオ" panose="020B0604030504040204" pitchFamily="50" charset="-128"/>
+            </a:endParaRPr>
+          </a:p>
+          <a:p>
+            <a:pPr marL="457200" indent="-457200" algn="l">
+              <a:buFont typeface="+mj-lt"/>
+              <a:buAutoNum type="arabicPeriod"/>
+            </a:pPr>
+            <a:r>
+              <a:rPr kumimoji="1" lang="ja-JP" altLang="en-US" sz="2400" dirty="0">
+                <a:latin typeface="メイリオ" panose="020B0604030504040204" pitchFamily="50" charset="-128"/>
+                <a:ea typeface="メイリオ" panose="020B0604030504040204" pitchFamily="50" charset="-128"/>
+              </a:rPr>
+              <a:t>取り出した単語に</a:t>
+            </a:r>
+            <a:r>
+              <a:rPr kumimoji="1" lang="en-US" altLang="ja-JP" sz="2400" dirty="0">
+                <a:latin typeface="メイリオ" panose="020B0604030504040204" pitchFamily="50" charset="-128"/>
+                <a:ea typeface="メイリオ" panose="020B0604030504040204" pitchFamily="50" charset="-128"/>
+              </a:rPr>
+              <a:t>id(</a:t>
+            </a:r>
+            <a:r>
+              <a:rPr kumimoji="1" lang="ja-JP" altLang="en-US" sz="2400" dirty="0">
+                <a:latin typeface="メイリオ" panose="020B0604030504040204" pitchFamily="50" charset="-128"/>
+                <a:ea typeface="メイリオ" panose="020B0604030504040204" pitchFamily="50" charset="-128"/>
+              </a:rPr>
+              <a:t>シーケンス番号）をつける→</a:t>
+            </a:r>
+            <a:r>
+              <a:rPr kumimoji="1" lang="ja-JP" altLang="en-US" sz="2400" dirty="0">
+                <a:solidFill>
+                  <a:srgbClr val="FF0000"/>
+                </a:solidFill>
+                <a:latin typeface="メイリオ" panose="020B0604030504040204" pitchFamily="50" charset="-128"/>
+                <a:ea typeface="メイリオ" panose="020B0604030504040204" pitchFamily="50" charset="-128"/>
+              </a:rPr>
+              <a:t>インデックス</a:t>
+            </a:r>
+            <a:endParaRPr kumimoji="1" lang="en-US" altLang="ja-JP" sz="2400" dirty="0">
+              <a:solidFill>
+                <a:srgbClr val="FF0000"/>
+              </a:solidFill>
+              <a:latin typeface="メイリオ" panose="020B0604030504040204" pitchFamily="50" charset="-128"/>
+              <a:ea typeface="メイリオ" panose="020B0604030504040204" pitchFamily="50" charset="-128"/>
+            </a:endParaRPr>
+          </a:p>
+          <a:p>
+            <a:pPr marL="457200" indent="-457200" algn="l">
+              <a:buFont typeface="+mj-lt"/>
+              <a:buAutoNum type="arabicPeriod"/>
+            </a:pPr>
+            <a:r>
+              <a:rPr kumimoji="1" lang="ja-JP" altLang="en-US" sz="2400" dirty="0">
+                <a:solidFill>
+                  <a:srgbClr val="FF0000"/>
+                </a:solidFill>
+                <a:latin typeface="メイリオ" panose="020B0604030504040204" pitchFamily="50" charset="-128"/>
+                <a:ea typeface="メイリオ" panose="020B0604030504040204" pitchFamily="50" charset="-128"/>
+              </a:rPr>
+              <a:t>インデックスは各データに出現する単語の列番号を参照するのに重要</a:t>
+            </a:r>
+          </a:p>
+        </p:txBody>
+      </p:sp>
+      <p:sp>
+        <p:nvSpPr>
+          <p:cNvPr id="14" name="テキスト ボックス 13">
+            <a:extLst>
+              <a:ext uri="{FF2B5EF4-FFF2-40B4-BE49-F238E27FC236}">
+                <a16:creationId xmlns:a16="http://schemas.microsoft.com/office/drawing/2014/main" id="{12489DCC-B67D-D6AE-7003-AD0E36128A38}"/>
+              </a:ext>
+            </a:extLst>
+          </p:cNvPr>
+          <p:cNvSpPr txBox="1"/>
+          <p:nvPr/>
+        </p:nvSpPr>
+        <p:spPr>
+          <a:xfrm>
+            <a:off x="475781" y="3974022"/>
+            <a:ext cx="2031325" cy="461665"/>
+          </a:xfrm>
+          <a:prstGeom prst="rect">
+            <a:avLst/>
+          </a:prstGeom>
+          <a:noFill/>
+        </p:spPr>
+        <p:txBody>
+          <a:bodyPr wrap="none" rtlCol="0">
+            <a:spAutoFit/>
+          </a:bodyPr>
+          <a:lstStyle/>
+          <a:p>
+            <a:pPr algn="l"/>
+            <a:r>
+              <a:rPr kumimoji="1" lang="ja-JP" altLang="en-US" sz="2400" dirty="0">
+                <a:latin typeface="メイリオ" panose="020B0604030504040204" pitchFamily="50" charset="-128"/>
+                <a:ea typeface="メイリオ" panose="020B0604030504040204" pitchFamily="50" charset="-128"/>
+              </a:rPr>
+              <a:t>インデックス</a:t>
+            </a:r>
+          </a:p>
+        </p:txBody>
+      </p:sp>
+    </p:spTree>
+    <p:extLst>
+      <p:ext uri="{BB962C8B-B14F-4D97-AF65-F5344CB8AC3E}">
+        <p14:creationId xmlns:p14="http://schemas.microsoft.com/office/powerpoint/2010/main" val="192098611"/>
+      </p:ext>
+    </p:extLst>
+  </p:cSld>
+  <p:clrMapOvr>
+    <a:masterClrMapping/>
+  </p:clrMapOvr>
+</p:sld>
+</file>
+
+<file path=ppt/slides/slide12.xml><?xml version="1.0" encoding="utf-8"?>
 <p:sld xmlns:a="http://schemas.openxmlformats.org/drawingml/2006/main" xmlns:r="http://schemas.openxmlformats.org/officeDocument/2006/relationships" xmlns:p="http://schemas.openxmlformats.org/presentationml/2006/main">
   <p:cSld>
     <p:spTree>
@@ -8246,7 +11808,7 @@
 </p:sld>
 </file>
 
-<file path=ppt/slides/slide11.xml><?xml version="1.0" encoding="utf-8"?>
+<file path=ppt/slides/slide13.xml><?xml version="1.0" encoding="utf-8"?>
 <p:sld xmlns:a="http://schemas.openxmlformats.org/drawingml/2006/main" xmlns:r="http://schemas.openxmlformats.org/officeDocument/2006/relationships" xmlns:p="http://schemas.openxmlformats.org/presentationml/2006/main">
   <p:cSld>
     <p:spTree>
@@ -8632,7 +12194,7 @@
 </p:sld>
 </file>
 
-<file path=ppt/slides/slide12.xml><?xml version="1.0" encoding="utf-8"?>
+<file path=ppt/slides/slide14.xml><?xml version="1.0" encoding="utf-8"?>
 <p:sld xmlns:a="http://schemas.openxmlformats.org/drawingml/2006/main" xmlns:r="http://schemas.openxmlformats.org/officeDocument/2006/relationships" xmlns:p="http://schemas.openxmlformats.org/presentationml/2006/main">
   <p:cSld>
     <p:spTree>
@@ -9387,7 +12949,7 @@
 </p:sld>
 </file>
 
-<file path=ppt/slides/slide13.xml><?xml version="1.0" encoding="utf-8"?>
+<file path=ppt/slides/slide15.xml><?xml version="1.0" encoding="utf-8"?>
 <p:sld xmlns:a="http://schemas.openxmlformats.org/drawingml/2006/main" xmlns:r="http://schemas.openxmlformats.org/officeDocument/2006/relationships" xmlns:p="http://schemas.openxmlformats.org/presentationml/2006/main">
   <p:cSld>
     <p:spTree>
@@ -9887,7 +13449,7 @@
 </p:sld>
 </file>
 
-<file path=ppt/slides/slide14.xml><?xml version="1.0" encoding="utf-8"?>
+<file path=ppt/slides/slide16.xml><?xml version="1.0" encoding="utf-8"?>
 <p:sld xmlns:a="http://schemas.openxmlformats.org/drawingml/2006/main" xmlns:r="http://schemas.openxmlformats.org/officeDocument/2006/relationships" xmlns:p="http://schemas.openxmlformats.org/presentationml/2006/main">
   <p:cSld>
     <p:spTree>
@@ -10500,7 +14062,7 @@
 </p:sld>
 </file>
 
-<file path=ppt/slides/slide15.xml><?xml version="1.0" encoding="utf-8"?>
+<file path=ppt/slides/slide17.xml><?xml version="1.0" encoding="utf-8"?>
 <p:sld xmlns:a="http://schemas.openxmlformats.org/drawingml/2006/main" xmlns:r="http://schemas.openxmlformats.org/officeDocument/2006/relationships" xmlns:p="http://schemas.openxmlformats.org/presentationml/2006/main">
   <p:cSld>
     <p:spTree>
@@ -11988,7 +15550,7 @@
 </p:sld>
 </file>
 
-<file path=ppt/slides/slide16.xml><?xml version="1.0" encoding="utf-8"?>
+<file path=ppt/slides/slide18.xml><?xml version="1.0" encoding="utf-8"?>
 <p:sld xmlns:a="http://schemas.openxmlformats.org/drawingml/2006/main" xmlns:r="http://schemas.openxmlformats.org/officeDocument/2006/relationships" xmlns:p="http://schemas.openxmlformats.org/presentationml/2006/main">
   <p:cSld>
     <p:spTree>
@@ -12738,7 +16300,7 @@
 </p:sld>
 </file>
 
-<file path=ppt/slides/slide17.xml><?xml version="1.0" encoding="utf-8"?>
+<file path=ppt/slides/slide19.xml><?xml version="1.0" encoding="utf-8"?>
 <p:sld xmlns:a="http://schemas.openxmlformats.org/drawingml/2006/main" xmlns:r="http://schemas.openxmlformats.org/officeDocument/2006/relationships" xmlns:p="http://schemas.openxmlformats.org/presentationml/2006/main">
   <p:cSld>
     <p:spTree>
@@ -13619,932 +17181,6 @@
     <p:extLst>
       <p:ext uri="{BB962C8B-B14F-4D97-AF65-F5344CB8AC3E}">
         <p14:creationId xmlns:p14="http://schemas.microsoft.com/office/powerpoint/2010/main" val="907717131"/>
-      </p:ext>
-    </p:extLst>
-  </p:cSld>
-  <p:clrMapOvr>
-    <a:masterClrMapping/>
-  </p:clrMapOvr>
-</p:sld>
-</file>
-
-<file path=ppt/slides/slide18.xml><?xml version="1.0" encoding="utf-8"?>
-<p:sld xmlns:a="http://schemas.openxmlformats.org/drawingml/2006/main" xmlns:r="http://schemas.openxmlformats.org/officeDocument/2006/relationships" xmlns:p="http://schemas.openxmlformats.org/presentationml/2006/main">
-  <p:cSld>
-    <p:spTree>
-      <p:nvGrpSpPr>
-        <p:cNvPr id="1" name=""/>
-        <p:cNvGrpSpPr/>
-        <p:nvPr/>
-      </p:nvGrpSpPr>
-      <p:grpSpPr>
-        <a:xfrm>
-          <a:off x="0" y="0"/>
-          <a:ext cx="0" cy="0"/>
-          <a:chOff x="0" y="0"/>
-          <a:chExt cx="0" cy="0"/>
-        </a:xfrm>
-      </p:grpSpPr>
-      <p:sp>
-        <p:nvSpPr>
-          <p:cNvPr id="2" name="テキスト ボックス 1">
-            <a:extLst>
-              <a:ext uri="{FF2B5EF4-FFF2-40B4-BE49-F238E27FC236}">
-                <a16:creationId xmlns:a16="http://schemas.microsoft.com/office/drawing/2014/main" id="{249ABFF1-0240-20F9-57C0-41EC41CB0FD2}"/>
-              </a:ext>
-            </a:extLst>
-          </p:cNvPr>
-          <p:cNvSpPr txBox="1"/>
-          <p:nvPr/>
-        </p:nvSpPr>
-        <p:spPr>
-          <a:xfrm>
-            <a:off x="337032" y="537129"/>
-            <a:ext cx="3166251" cy="584775"/>
-          </a:xfrm>
-          <a:prstGeom prst="rect">
-            <a:avLst/>
-          </a:prstGeom>
-          <a:noFill/>
-        </p:spPr>
-        <p:txBody>
-          <a:bodyPr wrap="none" rtlCol="0">
-            <a:spAutoFit/>
-          </a:bodyPr>
-          <a:lstStyle/>
-          <a:p>
-            <a:pPr algn="l"/>
-            <a:r>
-              <a:rPr kumimoji="1" lang="en-US" altLang="ja-JP" sz="3200" dirty="0" err="1">
-                <a:latin typeface="メイリオ" panose="020B0604030504040204" pitchFamily="50" charset="-128"/>
-                <a:ea typeface="メイリオ" panose="020B0604030504040204" pitchFamily="50" charset="-128"/>
-              </a:rPr>
-              <a:t>BoW</a:t>
-            </a:r>
-            <a:r>
-              <a:rPr kumimoji="1" lang="ja-JP" altLang="en-US" sz="3200" dirty="0">
-                <a:latin typeface="メイリオ" panose="020B0604030504040204" pitchFamily="50" charset="-128"/>
-                <a:ea typeface="メイリオ" panose="020B0604030504040204" pitchFamily="50" charset="-128"/>
-              </a:rPr>
-              <a:t>を比較する</a:t>
-            </a:r>
-          </a:p>
-        </p:txBody>
-      </p:sp>
-      <p:sp>
-        <p:nvSpPr>
-          <p:cNvPr id="3" name="テキスト ボックス 2">
-            <a:extLst>
-              <a:ext uri="{FF2B5EF4-FFF2-40B4-BE49-F238E27FC236}">
-                <a16:creationId xmlns:a16="http://schemas.microsoft.com/office/drawing/2014/main" id="{32B25E52-B1EE-0D28-9969-B1D8A85597C4}"/>
-              </a:ext>
-            </a:extLst>
-          </p:cNvPr>
-          <p:cNvSpPr txBox="1"/>
-          <p:nvPr/>
-        </p:nvSpPr>
-        <p:spPr>
-          <a:xfrm>
-            <a:off x="337032" y="1121904"/>
-            <a:ext cx="11296168" cy="830997"/>
-          </a:xfrm>
-          <a:prstGeom prst="rect">
-            <a:avLst/>
-          </a:prstGeom>
-          <a:noFill/>
-        </p:spPr>
-        <p:txBody>
-          <a:bodyPr wrap="square" rtlCol="0">
-            <a:spAutoFit/>
-          </a:bodyPr>
-          <a:lstStyle/>
-          <a:p>
-            <a:pPr algn="l"/>
-            <a:r>
-              <a:rPr kumimoji="1" lang="ja-JP" altLang="en-US" sz="2400" dirty="0">
-                <a:latin typeface="メイリオ" panose="020B0604030504040204" pitchFamily="50" charset="-128"/>
-                <a:ea typeface="メイリオ" panose="020B0604030504040204" pitchFamily="50" charset="-128"/>
-              </a:rPr>
-              <a:t>素手で書いた</a:t>
-            </a:r>
-            <a:r>
-              <a:rPr kumimoji="1" lang="en-US" altLang="ja-JP" sz="2400" dirty="0" err="1">
-                <a:latin typeface="メイリオ" panose="020B0604030504040204" pitchFamily="50" charset="-128"/>
-                <a:ea typeface="メイリオ" panose="020B0604030504040204" pitchFamily="50" charset="-128"/>
-              </a:rPr>
-              <a:t>BoW</a:t>
-            </a:r>
-            <a:r>
-              <a:rPr kumimoji="1" lang="ja-JP" altLang="en-US" sz="2400" dirty="0">
-                <a:latin typeface="メイリオ" panose="020B0604030504040204" pitchFamily="50" charset="-128"/>
-                <a:ea typeface="メイリオ" panose="020B0604030504040204" pitchFamily="50" charset="-128"/>
-              </a:rPr>
-              <a:t>プログラムの出力</a:t>
-            </a:r>
-            <a:r>
-              <a:rPr kumimoji="1" lang="en-US" altLang="ja-JP" sz="2400" dirty="0">
-                <a:latin typeface="メイリオ" panose="020B0604030504040204" pitchFamily="50" charset="-128"/>
-                <a:ea typeface="メイリオ" panose="020B0604030504040204" pitchFamily="50" charset="-128"/>
-              </a:rPr>
-              <a:t>(tsukurepo_bow.csv</a:t>
-            </a:r>
-            <a:r>
-              <a:rPr kumimoji="1" lang="ja-JP" altLang="en-US" sz="2400" dirty="0">
-                <a:latin typeface="メイリオ" panose="020B0604030504040204" pitchFamily="50" charset="-128"/>
-                <a:ea typeface="メイリオ" panose="020B0604030504040204" pitchFamily="50" charset="-128"/>
-              </a:rPr>
-              <a:t>と、</a:t>
-            </a:r>
-            <a:r>
-              <a:rPr kumimoji="1" lang="en-US" altLang="ja-JP" sz="2400" dirty="0" err="1">
-                <a:latin typeface="メイリオ" panose="020B0604030504040204" pitchFamily="50" charset="-128"/>
-                <a:ea typeface="メイリオ" panose="020B0604030504040204" pitchFamily="50" charset="-128"/>
-              </a:rPr>
-              <a:t>countVectorizer</a:t>
-            </a:r>
-            <a:r>
-              <a:rPr kumimoji="1" lang="ja-JP" altLang="en-US" sz="2400" dirty="0">
-                <a:latin typeface="メイリオ" panose="020B0604030504040204" pitchFamily="50" charset="-128"/>
-                <a:ea typeface="メイリオ" panose="020B0604030504040204" pitchFamily="50" charset="-128"/>
-              </a:rPr>
-              <a:t>による</a:t>
-            </a:r>
-            <a:r>
-              <a:rPr kumimoji="1" lang="en-US" altLang="ja-JP" sz="2400" dirty="0" err="1">
-                <a:latin typeface="メイリオ" panose="020B0604030504040204" pitchFamily="50" charset="-128"/>
-                <a:ea typeface="メイリオ" panose="020B0604030504040204" pitchFamily="50" charset="-128"/>
-              </a:rPr>
-              <a:t>BoW</a:t>
-            </a:r>
-            <a:r>
-              <a:rPr kumimoji="1" lang="ja-JP" altLang="en-US" sz="2400" dirty="0">
-                <a:latin typeface="メイリオ" panose="020B0604030504040204" pitchFamily="50" charset="-128"/>
-                <a:ea typeface="メイリオ" panose="020B0604030504040204" pitchFamily="50" charset="-128"/>
-              </a:rPr>
-              <a:t>プログラムの出力</a:t>
-            </a:r>
-            <a:r>
-              <a:rPr kumimoji="1" lang="en-US" altLang="ja-JP" sz="2400" dirty="0">
-                <a:latin typeface="メイリオ" panose="020B0604030504040204" pitchFamily="50" charset="-128"/>
-                <a:ea typeface="メイリオ" panose="020B0604030504040204" pitchFamily="50" charset="-128"/>
-              </a:rPr>
-              <a:t>(tsukurepo_bow_vectorizer.csv)</a:t>
-            </a:r>
-            <a:r>
-              <a:rPr kumimoji="1" lang="ja-JP" altLang="en-US" sz="2400" dirty="0">
-                <a:latin typeface="メイリオ" panose="020B0604030504040204" pitchFamily="50" charset="-128"/>
-                <a:ea typeface="メイリオ" panose="020B0604030504040204" pitchFamily="50" charset="-128"/>
-              </a:rPr>
-              <a:t>を比較する</a:t>
-            </a:r>
-          </a:p>
-        </p:txBody>
-      </p:sp>
-      <p:sp>
-        <p:nvSpPr>
-          <p:cNvPr id="9" name="テキスト ボックス 8">
-            <a:extLst>
-              <a:ext uri="{FF2B5EF4-FFF2-40B4-BE49-F238E27FC236}">
-                <a16:creationId xmlns:a16="http://schemas.microsoft.com/office/drawing/2014/main" id="{661EAE12-C60F-5B29-E22F-21D51C33C5F0}"/>
-              </a:ext>
-            </a:extLst>
-          </p:cNvPr>
-          <p:cNvSpPr txBox="1"/>
-          <p:nvPr/>
-        </p:nvSpPr>
-        <p:spPr>
-          <a:xfrm>
-            <a:off x="914400" y="2367280"/>
-            <a:ext cx="10718800" cy="2677656"/>
-          </a:xfrm>
-          <a:prstGeom prst="rect">
-            <a:avLst/>
-          </a:prstGeom>
-          <a:noFill/>
-        </p:spPr>
-        <p:txBody>
-          <a:bodyPr wrap="square" rtlCol="0">
-            <a:spAutoFit/>
-          </a:bodyPr>
-          <a:lstStyle/>
-          <a:p>
-            <a:pPr marL="457200" indent="-457200" algn="l">
-              <a:buFont typeface="+mj-lt"/>
-              <a:buAutoNum type="arabicPeriod"/>
-            </a:pPr>
-            <a:r>
-              <a:rPr kumimoji="1" lang="en-US" altLang="ja-JP" sz="2400" dirty="0" err="1">
-                <a:latin typeface="メイリオ" panose="020B0604030504040204" pitchFamily="50" charset="-128"/>
-                <a:ea typeface="メイリオ" panose="020B0604030504040204" pitchFamily="50" charset="-128"/>
-              </a:rPr>
-              <a:t>BoW</a:t>
-            </a:r>
-            <a:r>
-              <a:rPr kumimoji="1" lang="ja-JP" altLang="en-US" sz="2400" dirty="0">
-                <a:latin typeface="メイリオ" panose="020B0604030504040204" pitchFamily="50" charset="-128"/>
-                <a:ea typeface="メイリオ" panose="020B0604030504040204" pitchFamily="50" charset="-128"/>
-              </a:rPr>
-              <a:t>の辞書（見出し）は同一になっている</a:t>
-            </a:r>
-            <a:endParaRPr kumimoji="1" lang="en-US" altLang="ja-JP" sz="2400" dirty="0">
-              <a:latin typeface="メイリオ" panose="020B0604030504040204" pitchFamily="50" charset="-128"/>
-              <a:ea typeface="メイリオ" panose="020B0604030504040204" pitchFamily="50" charset="-128"/>
-            </a:endParaRPr>
-          </a:p>
-          <a:p>
-            <a:pPr algn="l"/>
-            <a:r>
-              <a:rPr kumimoji="1" lang="ja-JP" altLang="en-US" sz="2400" dirty="0">
-                <a:latin typeface="メイリオ" panose="020B0604030504040204" pitchFamily="50" charset="-128"/>
-                <a:ea typeface="メイリオ" panose="020B0604030504040204" pitchFamily="50" charset="-128"/>
-              </a:rPr>
-              <a:t>　</a:t>
-            </a:r>
-            <a:r>
-              <a:rPr kumimoji="1" lang="ja-JP" altLang="en-US" dirty="0">
-                <a:latin typeface="メイリオ" panose="020B0604030504040204" pitchFamily="50" charset="-128"/>
-                <a:ea typeface="メイリオ" panose="020B0604030504040204" pitchFamily="50" charset="-128"/>
-              </a:rPr>
-              <a:t>（</a:t>
-            </a:r>
-            <a:r>
-              <a:rPr kumimoji="1" lang="en-US" altLang="ja-JP" dirty="0" err="1">
-                <a:latin typeface="メイリオ" panose="020B0604030504040204" pitchFamily="50" charset="-128"/>
-                <a:ea typeface="メイリオ" panose="020B0604030504040204" pitchFamily="50" charset="-128"/>
-              </a:rPr>
-              <a:t>countVectorizer</a:t>
-            </a:r>
-            <a:r>
-              <a:rPr kumimoji="1" lang="ja-JP" altLang="en-US" dirty="0">
-                <a:latin typeface="メイリオ" panose="020B0604030504040204" pitchFamily="50" charset="-128"/>
-                <a:ea typeface="メイリオ" panose="020B0604030504040204" pitchFamily="50" charset="-128"/>
-              </a:rPr>
-              <a:t>では英文字を自動的に小文字に揃えるので、実際には</a:t>
-            </a:r>
-            <a:r>
-              <a:rPr kumimoji="1" lang="en-US" altLang="ja-JP" dirty="0">
-                <a:latin typeface="メイリオ" panose="020B0604030504040204" pitchFamily="50" charset="-128"/>
-                <a:ea typeface="メイリオ" panose="020B0604030504040204" pitchFamily="50" charset="-128"/>
-              </a:rPr>
-              <a:t>1</a:t>
-            </a:r>
-            <a:r>
-              <a:rPr kumimoji="1" lang="ja-JP" altLang="en-US" dirty="0">
-                <a:latin typeface="メイリオ" panose="020B0604030504040204" pitchFamily="50" charset="-128"/>
-                <a:ea typeface="メイリオ" panose="020B0604030504040204" pitchFamily="50" charset="-128"/>
-              </a:rPr>
-              <a:t>語だけ</a:t>
-            </a:r>
-            <a:r>
-              <a:rPr kumimoji="1" lang="en-US" altLang="ja-JP" dirty="0" err="1">
-                <a:latin typeface="メイリオ" panose="020B0604030504040204" pitchFamily="50" charset="-128"/>
-                <a:ea typeface="メイリオ" panose="020B0604030504040204" pitchFamily="50" charset="-128"/>
-              </a:rPr>
-              <a:t>countVectorizor</a:t>
-            </a:r>
-            <a:r>
-              <a:rPr kumimoji="1" lang="en-US" altLang="ja-JP" dirty="0">
-                <a:latin typeface="メイリオ" panose="020B0604030504040204" pitchFamily="50" charset="-128"/>
-                <a:ea typeface="メイリオ" panose="020B0604030504040204" pitchFamily="50" charset="-128"/>
-              </a:rPr>
-              <a:t> </a:t>
-            </a:r>
-          </a:p>
-          <a:p>
-            <a:pPr algn="l"/>
-            <a:r>
-              <a:rPr kumimoji="1" lang="en-US" altLang="ja-JP" dirty="0">
-                <a:latin typeface="メイリオ" panose="020B0604030504040204" pitchFamily="50" charset="-128"/>
-                <a:ea typeface="メイリオ" panose="020B0604030504040204" pitchFamily="50" charset="-128"/>
-              </a:rPr>
-              <a:t>        </a:t>
-            </a:r>
-            <a:r>
-              <a:rPr kumimoji="1" lang="ja-JP" altLang="en-US" dirty="0">
-                <a:latin typeface="メイリオ" panose="020B0604030504040204" pitchFamily="50" charset="-128"/>
-                <a:ea typeface="メイリオ" panose="020B0604030504040204" pitchFamily="50" charset="-128"/>
-              </a:rPr>
-              <a:t>によるプログラムの結果のほうが少ない）</a:t>
-            </a:r>
-            <a:endParaRPr kumimoji="1" lang="en-US" altLang="ja-JP" dirty="0">
-              <a:latin typeface="メイリオ" panose="020B0604030504040204" pitchFamily="50" charset="-128"/>
-              <a:ea typeface="メイリオ" panose="020B0604030504040204" pitchFamily="50" charset="-128"/>
-            </a:endParaRPr>
-          </a:p>
-          <a:p>
-            <a:pPr algn="l"/>
-            <a:endParaRPr kumimoji="1" lang="en-US" altLang="ja-JP" sz="2400" dirty="0">
-              <a:latin typeface="メイリオ" panose="020B0604030504040204" pitchFamily="50" charset="-128"/>
-              <a:ea typeface="メイリオ" panose="020B0604030504040204" pitchFamily="50" charset="-128"/>
-            </a:endParaRPr>
-          </a:p>
-          <a:p>
-            <a:pPr algn="l"/>
-            <a:r>
-              <a:rPr kumimoji="1" lang="en-US" altLang="ja-JP" sz="2400" dirty="0">
-                <a:latin typeface="メイリオ" panose="020B0604030504040204" pitchFamily="50" charset="-128"/>
-                <a:ea typeface="メイリオ" panose="020B0604030504040204" pitchFamily="50" charset="-128"/>
-              </a:rPr>
-              <a:t>2. </a:t>
-            </a:r>
-            <a:r>
-              <a:rPr kumimoji="1" lang="en-US" altLang="ja-JP" sz="2400" dirty="0" err="1">
-                <a:latin typeface="メイリオ" panose="020B0604030504040204" pitchFamily="50" charset="-128"/>
-                <a:ea typeface="メイリオ" panose="020B0604030504040204" pitchFamily="50" charset="-128"/>
-              </a:rPr>
-              <a:t>BoW</a:t>
-            </a:r>
-            <a:r>
-              <a:rPr kumimoji="1" lang="ja-JP" altLang="en-US" sz="2400" dirty="0">
-                <a:latin typeface="メイリオ" panose="020B0604030504040204" pitchFamily="50" charset="-128"/>
-                <a:ea typeface="メイリオ" panose="020B0604030504040204" pitchFamily="50" charset="-128"/>
-              </a:rPr>
-              <a:t>辞書の並び順が違う</a:t>
-            </a:r>
-          </a:p>
-          <a:p>
-            <a:pPr algn="l"/>
-            <a:r>
-              <a:rPr kumimoji="1" lang="ja-JP" altLang="en-US" sz="2400" dirty="0">
-                <a:latin typeface="メイリオ" panose="020B0604030504040204" pitchFamily="50" charset="-128"/>
-                <a:ea typeface="メイリオ" panose="020B0604030504040204" pitchFamily="50" charset="-128"/>
-              </a:rPr>
-              <a:t>    文書での出現順⇔かなカナ漢字の順番</a:t>
-            </a:r>
-            <a:endParaRPr kumimoji="1" lang="en-US" altLang="ja-JP" sz="2400" dirty="0">
-              <a:latin typeface="メイリオ" panose="020B0604030504040204" pitchFamily="50" charset="-128"/>
-              <a:ea typeface="メイリオ" panose="020B0604030504040204" pitchFamily="50" charset="-128"/>
-            </a:endParaRPr>
-          </a:p>
-          <a:p>
-            <a:pPr algn="l"/>
-            <a:endParaRPr kumimoji="1" lang="ja-JP" altLang="en-US" sz="2400" dirty="0">
-              <a:latin typeface="メイリオ" panose="020B0604030504040204" pitchFamily="50" charset="-128"/>
-              <a:ea typeface="メイリオ" panose="020B0604030504040204" pitchFamily="50" charset="-128"/>
-            </a:endParaRPr>
-          </a:p>
-        </p:txBody>
-      </p:sp>
-      <p:sp>
-        <p:nvSpPr>
-          <p:cNvPr id="10" name="テキスト ボックス 9">
-            <a:extLst>
-              <a:ext uri="{FF2B5EF4-FFF2-40B4-BE49-F238E27FC236}">
-                <a16:creationId xmlns:a16="http://schemas.microsoft.com/office/drawing/2014/main" id="{D642A93A-477B-7EB9-0D47-BEE7B7930AFF}"/>
-              </a:ext>
-            </a:extLst>
-          </p:cNvPr>
-          <p:cNvSpPr txBox="1"/>
-          <p:nvPr/>
-        </p:nvSpPr>
-        <p:spPr>
-          <a:xfrm>
-            <a:off x="528320" y="5766576"/>
-            <a:ext cx="6481903" cy="461665"/>
-          </a:xfrm>
-          <a:prstGeom prst="rect">
-            <a:avLst/>
-          </a:prstGeom>
-          <a:noFill/>
-        </p:spPr>
-        <p:txBody>
-          <a:bodyPr wrap="none" rtlCol="0">
-            <a:spAutoFit/>
-          </a:bodyPr>
-          <a:lstStyle/>
-          <a:p>
-            <a:pPr algn="l"/>
-            <a:r>
-              <a:rPr kumimoji="1" lang="ja-JP" altLang="en-US" sz="2400" dirty="0">
-                <a:latin typeface="メイリオ" panose="020B0604030504040204" pitchFamily="50" charset="-128"/>
-                <a:ea typeface="メイリオ" panose="020B0604030504040204" pitchFamily="50" charset="-128"/>
-              </a:rPr>
-              <a:t>独り言：正規表現は</a:t>
-            </a:r>
-            <a:r>
-              <a:rPr kumimoji="1" lang="en-US" altLang="ja-JP" sz="2400" dirty="0">
-                <a:latin typeface="メイリオ" panose="020B0604030504040204" pitchFamily="50" charset="-128"/>
-                <a:ea typeface="メイリオ" panose="020B0604030504040204" pitchFamily="50" charset="-128"/>
-              </a:rPr>
-              <a:t>tokenizer</a:t>
-            </a:r>
-            <a:r>
-              <a:rPr kumimoji="1" lang="ja-JP" altLang="en-US" sz="2400" dirty="0">
-                <a:latin typeface="メイリオ" panose="020B0604030504040204" pitchFamily="50" charset="-128"/>
-                <a:ea typeface="メイリオ" panose="020B0604030504040204" pitchFamily="50" charset="-128"/>
-              </a:rPr>
-              <a:t>の外で処理する</a:t>
-            </a:r>
-          </a:p>
-        </p:txBody>
-      </p:sp>
-    </p:spTree>
-    <p:extLst>
-      <p:ext uri="{BB962C8B-B14F-4D97-AF65-F5344CB8AC3E}">
-        <p14:creationId xmlns:p14="http://schemas.microsoft.com/office/powerpoint/2010/main" val="3560223628"/>
-      </p:ext>
-    </p:extLst>
-  </p:cSld>
-  <p:clrMapOvr>
-    <a:masterClrMapping/>
-  </p:clrMapOvr>
-</p:sld>
-</file>
-
-<file path=ppt/slides/slide19.xml><?xml version="1.0" encoding="utf-8"?>
-<p:sld xmlns:a="http://schemas.openxmlformats.org/drawingml/2006/main" xmlns:r="http://schemas.openxmlformats.org/officeDocument/2006/relationships" xmlns:p="http://schemas.openxmlformats.org/presentationml/2006/main">
-  <p:cSld>
-    <p:spTree>
-      <p:nvGrpSpPr>
-        <p:cNvPr id="1" name=""/>
-        <p:cNvGrpSpPr/>
-        <p:nvPr/>
-      </p:nvGrpSpPr>
-      <p:grpSpPr>
-        <a:xfrm>
-          <a:off x="0" y="0"/>
-          <a:ext cx="0" cy="0"/>
-          <a:chOff x="0" y="0"/>
-          <a:chExt cx="0" cy="0"/>
-        </a:xfrm>
-      </p:grpSpPr>
-      <p:sp>
-        <p:nvSpPr>
-          <p:cNvPr id="2" name="テキスト ボックス 1">
-            <a:extLst>
-              <a:ext uri="{FF2B5EF4-FFF2-40B4-BE49-F238E27FC236}">
-                <a16:creationId xmlns:a16="http://schemas.microsoft.com/office/drawing/2014/main" id="{678965CE-B85C-5BF3-5E93-DBE909420780}"/>
-              </a:ext>
-            </a:extLst>
-          </p:cNvPr>
-          <p:cNvSpPr txBox="1"/>
-          <p:nvPr/>
-        </p:nvSpPr>
-        <p:spPr>
-          <a:xfrm>
-            <a:off x="558800" y="331196"/>
-            <a:ext cx="3986989" cy="584775"/>
-          </a:xfrm>
-          <a:prstGeom prst="rect">
-            <a:avLst/>
-          </a:prstGeom>
-          <a:noFill/>
-        </p:spPr>
-        <p:txBody>
-          <a:bodyPr wrap="none" rtlCol="0">
-            <a:spAutoFit/>
-          </a:bodyPr>
-          <a:lstStyle/>
-          <a:p>
-            <a:pPr algn="l"/>
-            <a:r>
-              <a:rPr kumimoji="1" lang="en-US" altLang="ja-JP" sz="3200" dirty="0" err="1">
-                <a:latin typeface="メイリオ" panose="020B0604030504040204" pitchFamily="50" charset="-128"/>
-                <a:ea typeface="メイリオ" panose="020B0604030504040204" pitchFamily="50" charset="-128"/>
-              </a:rPr>
-              <a:t>BoW</a:t>
-            </a:r>
-            <a:r>
-              <a:rPr kumimoji="1" lang="ja-JP" altLang="en-US" sz="3200" dirty="0">
-                <a:latin typeface="メイリオ" panose="020B0604030504040204" pitchFamily="50" charset="-128"/>
-                <a:ea typeface="メイリオ" panose="020B0604030504040204" pitchFamily="50" charset="-128"/>
-              </a:rPr>
-              <a:t>の次元数を見る</a:t>
-            </a:r>
-          </a:p>
-        </p:txBody>
-      </p:sp>
-      <p:sp>
-        <p:nvSpPr>
-          <p:cNvPr id="4" name="テキスト ボックス 3">
-            <a:extLst>
-              <a:ext uri="{FF2B5EF4-FFF2-40B4-BE49-F238E27FC236}">
-                <a16:creationId xmlns:a16="http://schemas.microsoft.com/office/drawing/2014/main" id="{AD73600F-D8DA-66A1-1D62-7548432F20D0}"/>
-              </a:ext>
-            </a:extLst>
-          </p:cNvPr>
-          <p:cNvSpPr txBox="1"/>
-          <p:nvPr/>
-        </p:nvSpPr>
-        <p:spPr>
-          <a:xfrm>
-            <a:off x="558800" y="1046137"/>
-            <a:ext cx="11497058" cy="2308324"/>
-          </a:xfrm>
-          <a:prstGeom prst="rect">
-            <a:avLst/>
-          </a:prstGeom>
-          <a:noFill/>
-        </p:spPr>
-        <p:txBody>
-          <a:bodyPr wrap="none" rtlCol="0">
-            <a:spAutoFit/>
-          </a:bodyPr>
-          <a:lstStyle/>
-          <a:p>
-            <a:pPr algn="l"/>
-            <a:r>
-              <a:rPr kumimoji="1" lang="en-US" altLang="ja-JP" sz="2400" dirty="0">
-                <a:latin typeface="メイリオ" panose="020B0604030504040204" pitchFamily="50" charset="-128"/>
-                <a:ea typeface="メイリオ" panose="020B0604030504040204" pitchFamily="50" charset="-128"/>
-              </a:rPr>
-              <a:t>1. </a:t>
-            </a:r>
-            <a:r>
-              <a:rPr kumimoji="1" lang="ja-JP" altLang="en-US" sz="2400" dirty="0">
-                <a:latin typeface="メイリオ" panose="020B0604030504040204" pitchFamily="50" charset="-128"/>
-                <a:ea typeface="メイリオ" panose="020B0604030504040204" pitchFamily="50" charset="-128"/>
-              </a:rPr>
-              <a:t>データ数</a:t>
-            </a:r>
-            <a:r>
-              <a:rPr kumimoji="1" lang="en-US" altLang="ja-JP" sz="2400" dirty="0">
-                <a:latin typeface="メイリオ" panose="020B0604030504040204" pitchFamily="50" charset="-128"/>
-                <a:ea typeface="メイリオ" panose="020B0604030504040204" pitchFamily="50" charset="-128"/>
-              </a:rPr>
-              <a:t>55</a:t>
-            </a:r>
-            <a:r>
-              <a:rPr kumimoji="1" lang="ja-JP" altLang="en-US" sz="2400" dirty="0">
-                <a:latin typeface="メイリオ" panose="020B0604030504040204" pitchFamily="50" charset="-128"/>
-                <a:ea typeface="メイリオ" panose="020B0604030504040204" pitchFamily="50" charset="-128"/>
-              </a:rPr>
-              <a:t>件に対して</a:t>
-            </a:r>
-            <a:r>
-              <a:rPr kumimoji="1" lang="en-US" altLang="ja-JP" sz="2400" dirty="0">
-                <a:latin typeface="メイリオ" panose="020B0604030504040204" pitchFamily="50" charset="-128"/>
-                <a:ea typeface="メイリオ" panose="020B0604030504040204" pitchFamily="50" charset="-128"/>
-              </a:rPr>
-              <a:t>290</a:t>
-            </a:r>
-            <a:r>
-              <a:rPr kumimoji="1" lang="ja-JP" altLang="en-US" sz="2400" dirty="0">
-                <a:latin typeface="メイリオ" panose="020B0604030504040204" pitchFamily="50" charset="-128"/>
-                <a:ea typeface="メイリオ" panose="020B0604030504040204" pitchFamily="50" charset="-128"/>
-              </a:rPr>
-              <a:t>次元！</a:t>
-            </a:r>
-            <a:endParaRPr kumimoji="1" lang="en-US" altLang="ja-JP" sz="2400" dirty="0">
-              <a:latin typeface="メイリオ" panose="020B0604030504040204" pitchFamily="50" charset="-128"/>
-              <a:ea typeface="メイリオ" panose="020B0604030504040204" pitchFamily="50" charset="-128"/>
-            </a:endParaRPr>
-          </a:p>
-          <a:p>
-            <a:pPr algn="l"/>
-            <a:r>
-              <a:rPr kumimoji="1" lang="en-US" altLang="ja-JP" sz="2400" dirty="0">
-                <a:latin typeface="メイリオ" panose="020B0604030504040204" pitchFamily="50" charset="-128"/>
-                <a:ea typeface="メイリオ" panose="020B0604030504040204" pitchFamily="50" charset="-128"/>
-              </a:rPr>
-              <a:t>2. csv</a:t>
-            </a:r>
-            <a:r>
-              <a:rPr kumimoji="1" lang="ja-JP" altLang="en-US" sz="2400" dirty="0">
-                <a:latin typeface="メイリオ" panose="020B0604030504040204" pitchFamily="50" charset="-128"/>
-                <a:ea typeface="メイリオ" panose="020B0604030504040204" pitchFamily="50" charset="-128"/>
-              </a:rPr>
-              <a:t>の行合計を見る</a:t>
-            </a:r>
-            <a:endParaRPr kumimoji="1" lang="en-US" altLang="ja-JP" sz="2400" dirty="0">
-              <a:latin typeface="メイリオ" panose="020B0604030504040204" pitchFamily="50" charset="-128"/>
-              <a:ea typeface="メイリオ" panose="020B0604030504040204" pitchFamily="50" charset="-128"/>
-            </a:endParaRPr>
-          </a:p>
-          <a:p>
-            <a:pPr algn="l"/>
-            <a:r>
-              <a:rPr kumimoji="1" lang="ja-JP" altLang="en-US" sz="2400" dirty="0">
-                <a:latin typeface="メイリオ" panose="020B0604030504040204" pitchFamily="50" charset="-128"/>
-                <a:ea typeface="メイリオ" panose="020B0604030504040204" pitchFamily="50" charset="-128"/>
-              </a:rPr>
-              <a:t>　　頻度１の単語が多い　  　　：低頻度語彙</a:t>
-            </a:r>
-            <a:endParaRPr kumimoji="1" lang="en-US" altLang="ja-JP" sz="2400" dirty="0">
-              <a:latin typeface="メイリオ" panose="020B0604030504040204" pitchFamily="50" charset="-128"/>
-              <a:ea typeface="メイリオ" panose="020B0604030504040204" pitchFamily="50" charset="-128"/>
-            </a:endParaRPr>
-          </a:p>
-          <a:p>
-            <a:pPr algn="l"/>
-            <a:r>
-              <a:rPr kumimoji="1" lang="ja-JP" altLang="en-US" sz="2400" dirty="0">
-                <a:latin typeface="メイリオ" panose="020B0604030504040204" pitchFamily="50" charset="-128"/>
-                <a:ea typeface="メイリオ" panose="020B0604030504040204" pitchFamily="50" charset="-128"/>
-              </a:rPr>
-              <a:t>　　</a:t>
-            </a:r>
-            <a:r>
-              <a:rPr kumimoji="1" lang="en-US" altLang="ja-JP" sz="2400" dirty="0">
-                <a:latin typeface="メイリオ" panose="020B0604030504040204" pitchFamily="50" charset="-128"/>
-                <a:ea typeface="メイリオ" panose="020B0604030504040204" pitchFamily="50" charset="-128"/>
-              </a:rPr>
-              <a:t>’</a:t>
-            </a:r>
-            <a:r>
-              <a:rPr kumimoji="1" lang="ja-JP" altLang="en-US" sz="2400" dirty="0">
-                <a:latin typeface="メイリオ" panose="020B0604030504040204" pitchFamily="50" charset="-128"/>
-                <a:ea typeface="メイリオ" panose="020B0604030504040204" pitchFamily="50" charset="-128"/>
-              </a:rPr>
-              <a:t>レシピ</a:t>
-            </a:r>
-            <a:r>
-              <a:rPr kumimoji="1" lang="en-US" altLang="ja-JP" sz="2400" dirty="0">
-                <a:latin typeface="メイリオ" panose="020B0604030504040204" pitchFamily="50" charset="-128"/>
-                <a:ea typeface="メイリオ" panose="020B0604030504040204" pitchFamily="50" charset="-128"/>
-              </a:rPr>
-              <a:t>’</a:t>
-            </a:r>
-            <a:r>
-              <a:rPr kumimoji="1" lang="ja-JP" altLang="en-US" sz="2400" dirty="0">
-                <a:latin typeface="メイリオ" panose="020B0604030504040204" pitchFamily="50" charset="-128"/>
-                <a:ea typeface="メイリオ" panose="020B0604030504040204" pitchFamily="50" charset="-128"/>
-              </a:rPr>
-              <a:t>はありふれた単語　：汎用語彙</a:t>
-            </a:r>
-            <a:endParaRPr kumimoji="1" lang="en-US" altLang="ja-JP" sz="2400" dirty="0">
-              <a:latin typeface="メイリオ" panose="020B0604030504040204" pitchFamily="50" charset="-128"/>
-              <a:ea typeface="メイリオ" panose="020B0604030504040204" pitchFamily="50" charset="-128"/>
-            </a:endParaRPr>
-          </a:p>
-          <a:p>
-            <a:pPr algn="l"/>
-            <a:r>
-              <a:rPr kumimoji="1" lang="ja-JP" altLang="en-US" sz="2400" dirty="0">
-                <a:latin typeface="メイリオ" panose="020B0604030504040204" pitchFamily="50" charset="-128"/>
-                <a:ea typeface="メイリオ" panose="020B0604030504040204" pitchFamily="50" charset="-128"/>
-              </a:rPr>
-              <a:t>　　汎用語彙の例：</a:t>
-            </a:r>
-            <a:r>
-              <a:rPr kumimoji="1" lang="en-US" altLang="ja-JP" sz="2400" dirty="0">
-                <a:latin typeface="メイリオ" panose="020B0604030504040204" pitchFamily="50" charset="-128"/>
-                <a:ea typeface="メイリオ" panose="020B0604030504040204" pitchFamily="50" charset="-128"/>
-              </a:rPr>
-              <a:t>’</a:t>
-            </a:r>
-            <a:r>
-              <a:rPr kumimoji="1" lang="ja-JP" altLang="en-US" sz="2400" dirty="0">
-                <a:latin typeface="メイリオ" panose="020B0604030504040204" pitchFamily="50" charset="-128"/>
-                <a:ea typeface="メイリオ" panose="020B0604030504040204" pitchFamily="50" charset="-128"/>
-              </a:rPr>
-              <a:t>ここ</a:t>
-            </a:r>
-            <a:r>
-              <a:rPr kumimoji="1" lang="en-US" altLang="ja-JP" sz="2400" dirty="0">
-                <a:latin typeface="メイリオ" panose="020B0604030504040204" pitchFamily="50" charset="-128"/>
-                <a:ea typeface="メイリオ" panose="020B0604030504040204" pitchFamily="50" charset="-128"/>
-              </a:rPr>
-              <a:t>’ ‘</a:t>
-            </a:r>
-            <a:r>
-              <a:rPr kumimoji="1" lang="ja-JP" altLang="en-US" sz="2400" dirty="0">
-                <a:latin typeface="メイリオ" panose="020B0604030504040204" pitchFamily="50" charset="-128"/>
-                <a:ea typeface="メイリオ" panose="020B0604030504040204" pitchFamily="50" charset="-128"/>
-              </a:rPr>
-              <a:t>それ</a:t>
-            </a:r>
-            <a:r>
-              <a:rPr kumimoji="1" lang="en-US" altLang="ja-JP" sz="2400" dirty="0">
-                <a:latin typeface="メイリオ" panose="020B0604030504040204" pitchFamily="50" charset="-128"/>
-                <a:ea typeface="メイリオ" panose="020B0604030504040204" pitchFamily="50" charset="-128"/>
-              </a:rPr>
-              <a:t>’ ‘</a:t>
-            </a:r>
-            <a:r>
-              <a:rPr kumimoji="1" lang="ja-JP" altLang="en-US" sz="2400" dirty="0">
-                <a:latin typeface="メイリオ" panose="020B0604030504040204" pitchFamily="50" charset="-128"/>
-                <a:ea typeface="メイリオ" panose="020B0604030504040204" pitchFamily="50" charset="-128"/>
-              </a:rPr>
-              <a:t>私</a:t>
-            </a:r>
-            <a:r>
-              <a:rPr kumimoji="1" lang="en-US" altLang="ja-JP" sz="2400" dirty="0">
-                <a:latin typeface="メイリオ" panose="020B0604030504040204" pitchFamily="50" charset="-128"/>
-                <a:ea typeface="メイリオ" panose="020B0604030504040204" pitchFamily="50" charset="-128"/>
-              </a:rPr>
-              <a:t>’ etc.</a:t>
-            </a:r>
-          </a:p>
-          <a:p>
-            <a:pPr algn="l"/>
-            <a:r>
-              <a:rPr kumimoji="1" lang="en-US" altLang="ja-JP" sz="2400" dirty="0">
-                <a:latin typeface="メイリオ" panose="020B0604030504040204" pitchFamily="50" charset="-128"/>
-                <a:ea typeface="メイリオ" panose="020B0604030504040204" pitchFamily="50" charset="-128"/>
-              </a:rPr>
-              <a:t>3. </a:t>
-            </a:r>
-            <a:r>
-              <a:rPr kumimoji="1" lang="ja-JP" altLang="en-US" sz="2400" dirty="0">
-                <a:latin typeface="メイリオ" panose="020B0604030504040204" pitchFamily="50" charset="-128"/>
-                <a:ea typeface="メイリオ" panose="020B0604030504040204" pitchFamily="50" charset="-128"/>
-              </a:rPr>
-              <a:t>低頻度語彙、汎用語彙とも、シュークリーム</a:t>
-            </a:r>
-            <a:r>
-              <a:rPr kumimoji="1" lang="en-US" altLang="ja-JP" sz="2400" dirty="0">
-                <a:latin typeface="メイリオ" panose="020B0604030504040204" pitchFamily="50" charset="-128"/>
-                <a:ea typeface="メイリオ" panose="020B0604030504040204" pitchFamily="50" charset="-128"/>
-              </a:rPr>
-              <a:t>/</a:t>
-            </a:r>
-            <a:r>
-              <a:rPr kumimoji="1" lang="ja-JP" altLang="en-US" sz="2400" dirty="0">
-                <a:latin typeface="メイリオ" panose="020B0604030504040204" pitchFamily="50" charset="-128"/>
-                <a:ea typeface="メイリオ" panose="020B0604030504040204" pitchFamily="50" charset="-128"/>
-              </a:rPr>
-              <a:t>プリンらしさを特徴づけていない</a:t>
-            </a:r>
-            <a:endParaRPr kumimoji="1" lang="en-US" altLang="ja-JP" sz="2400" dirty="0">
-              <a:latin typeface="メイリオ" panose="020B0604030504040204" pitchFamily="50" charset="-128"/>
-              <a:ea typeface="メイリオ" panose="020B0604030504040204" pitchFamily="50" charset="-128"/>
-            </a:endParaRPr>
-          </a:p>
-        </p:txBody>
-      </p:sp>
-      <p:sp>
-        <p:nvSpPr>
-          <p:cNvPr id="5" name="テキスト ボックス 4">
-            <a:extLst>
-              <a:ext uri="{FF2B5EF4-FFF2-40B4-BE49-F238E27FC236}">
-                <a16:creationId xmlns:a16="http://schemas.microsoft.com/office/drawing/2014/main" id="{4832F767-39AB-A808-7E2E-69E0F610B45A}"/>
-              </a:ext>
-            </a:extLst>
-          </p:cNvPr>
-          <p:cNvSpPr txBox="1"/>
-          <p:nvPr/>
-        </p:nvSpPr>
-        <p:spPr>
-          <a:xfrm>
-            <a:off x="4785910" y="623584"/>
-            <a:ext cx="4707507" cy="461665"/>
-          </a:xfrm>
-          <a:prstGeom prst="rect">
-            <a:avLst/>
-          </a:prstGeom>
-          <a:noFill/>
-        </p:spPr>
-        <p:txBody>
-          <a:bodyPr wrap="none" rtlCol="0">
-            <a:spAutoFit/>
-          </a:bodyPr>
-          <a:lstStyle/>
-          <a:p>
-            <a:pPr algn="l"/>
-            <a:r>
-              <a:rPr kumimoji="1" lang="en-US" altLang="ja-JP" sz="2400" dirty="0">
-                <a:latin typeface="メイリオ" panose="020B0604030504040204" pitchFamily="50" charset="-128"/>
-                <a:ea typeface="メイリオ" panose="020B0604030504040204" pitchFamily="50" charset="-128"/>
-              </a:rPr>
-              <a:t>tsukurepo_bow_vectorizer.csv</a:t>
-            </a:r>
-            <a:endParaRPr kumimoji="1" lang="ja-JP" altLang="en-US" sz="2400" dirty="0">
-              <a:latin typeface="メイリオ" panose="020B0604030504040204" pitchFamily="50" charset="-128"/>
-              <a:ea typeface="メイリオ" panose="020B0604030504040204" pitchFamily="50" charset="-128"/>
-            </a:endParaRPr>
-          </a:p>
-        </p:txBody>
-      </p:sp>
-      <p:pic>
-        <p:nvPicPr>
-          <p:cNvPr id="14" name="図 13">
-            <a:extLst>
-              <a:ext uri="{FF2B5EF4-FFF2-40B4-BE49-F238E27FC236}">
-                <a16:creationId xmlns:a16="http://schemas.microsoft.com/office/drawing/2014/main" id="{1E3EDBED-45FC-4D6A-2E22-843409D60B2C}"/>
-              </a:ext>
-            </a:extLst>
-          </p:cNvPr>
-          <p:cNvPicPr>
-            <a:picLocks noChangeAspect="1"/>
-          </p:cNvPicPr>
-          <p:nvPr/>
-        </p:nvPicPr>
-        <p:blipFill>
-          <a:blip r:embed="rId2"/>
-          <a:stretch>
-            <a:fillRect/>
-          </a:stretch>
-        </p:blipFill>
-        <p:spPr>
-          <a:xfrm>
-            <a:off x="1383894" y="3893071"/>
-            <a:ext cx="5066566" cy="2636520"/>
-          </a:xfrm>
-          <a:prstGeom prst="rect">
-            <a:avLst/>
-          </a:prstGeom>
-        </p:spPr>
-      </p:pic>
-      <p:sp>
-        <p:nvSpPr>
-          <p:cNvPr id="15" name="正方形/長方形 14">
-            <a:extLst>
-              <a:ext uri="{FF2B5EF4-FFF2-40B4-BE49-F238E27FC236}">
-                <a16:creationId xmlns:a16="http://schemas.microsoft.com/office/drawing/2014/main" id="{1E514011-455A-D264-9A8A-05994CF6DB3E}"/>
-              </a:ext>
-            </a:extLst>
-          </p:cNvPr>
-          <p:cNvSpPr/>
-          <p:nvPr/>
-        </p:nvSpPr>
-        <p:spPr>
-          <a:xfrm>
-            <a:off x="1383894" y="3893071"/>
-            <a:ext cx="5067706" cy="2632076"/>
-          </a:xfrm>
-          <a:prstGeom prst="rect">
-            <a:avLst/>
-          </a:prstGeom>
-          <a:noFill/>
-          <a:ln>
-            <a:solidFill>
-              <a:schemeClr val="tx1"/>
-            </a:solidFill>
-          </a:ln>
-        </p:spPr>
-        <p:style>
-          <a:lnRef idx="2">
-            <a:schemeClr val="accent1">
-              <a:shade val="15000"/>
-            </a:schemeClr>
-          </a:lnRef>
-          <a:fillRef idx="1">
-            <a:schemeClr val="accent1"/>
-          </a:fillRef>
-          <a:effectRef idx="0">
-            <a:schemeClr val="accent1"/>
-          </a:effectRef>
-          <a:fontRef idx="minor">
-            <a:schemeClr val="lt1"/>
-          </a:fontRef>
-        </p:style>
-        <p:txBody>
-          <a:bodyPr rtlCol="0" anchor="ctr"/>
-          <a:lstStyle/>
-          <a:p>
-            <a:pPr algn="ctr"/>
-            <a:endParaRPr kumimoji="1" lang="ja-JP" altLang="en-US"/>
-          </a:p>
-        </p:txBody>
-      </p:sp>
-      <p:sp>
-        <p:nvSpPr>
-          <p:cNvPr id="16" name="テキスト ボックス 15">
-            <a:extLst>
-              <a:ext uri="{FF2B5EF4-FFF2-40B4-BE49-F238E27FC236}">
-                <a16:creationId xmlns:a16="http://schemas.microsoft.com/office/drawing/2014/main" id="{77BDD7DA-C4D9-2D0F-6DD9-F3D7FE639965}"/>
-              </a:ext>
-            </a:extLst>
-          </p:cNvPr>
-          <p:cNvSpPr txBox="1"/>
-          <p:nvPr/>
-        </p:nvSpPr>
-        <p:spPr>
-          <a:xfrm>
-            <a:off x="1012290" y="3315349"/>
-            <a:ext cx="5295039" cy="461665"/>
-          </a:xfrm>
-          <a:prstGeom prst="rect">
-            <a:avLst/>
-          </a:prstGeom>
-          <a:noFill/>
-        </p:spPr>
-        <p:txBody>
-          <a:bodyPr wrap="none" rtlCol="0">
-            <a:spAutoFit/>
-          </a:bodyPr>
-          <a:lstStyle/>
-          <a:p>
-            <a:pPr algn="l"/>
-            <a:r>
-              <a:rPr kumimoji="1" lang="ja-JP" altLang="en-US" sz="2400" dirty="0">
-                <a:latin typeface="メイリオ" panose="020B0604030504040204" pitchFamily="50" charset="-128"/>
-                <a:ea typeface="メイリオ" panose="020B0604030504040204" pitchFamily="50" charset="-128"/>
-              </a:rPr>
-              <a:t>➡ </a:t>
-            </a:r>
-            <a:r>
-              <a:rPr kumimoji="1" lang="en-US" altLang="ja-JP" sz="2400" dirty="0" err="1">
-                <a:latin typeface="メイリオ" panose="020B0604030504040204" pitchFamily="50" charset="-128"/>
-                <a:ea typeface="メイリオ" panose="020B0604030504040204" pitchFamily="50" charset="-128"/>
-              </a:rPr>
-              <a:t>BoW</a:t>
-            </a:r>
-            <a:r>
-              <a:rPr kumimoji="1" lang="ja-JP" altLang="en-US" sz="2400" dirty="0">
-                <a:latin typeface="メイリオ" panose="020B0604030504040204" pitchFamily="50" charset="-128"/>
-                <a:ea typeface="メイリオ" panose="020B0604030504040204" pitchFamily="50" charset="-128"/>
-              </a:rPr>
-              <a:t>は冗長な次元数になっている</a:t>
-            </a:r>
-          </a:p>
-        </p:txBody>
-      </p:sp>
-    </p:spTree>
-    <p:extLst>
-      <p:ext uri="{BB962C8B-B14F-4D97-AF65-F5344CB8AC3E}">
-        <p14:creationId xmlns:p14="http://schemas.microsoft.com/office/powerpoint/2010/main" val="3546901380"/>
       </p:ext>
     </p:extLst>
   </p:cSld>
@@ -15127,6 +17763,932 @@
           <p:cNvPr id="2" name="テキスト ボックス 1">
             <a:extLst>
               <a:ext uri="{FF2B5EF4-FFF2-40B4-BE49-F238E27FC236}">
+                <a16:creationId xmlns:a16="http://schemas.microsoft.com/office/drawing/2014/main" id="{249ABFF1-0240-20F9-57C0-41EC41CB0FD2}"/>
+              </a:ext>
+            </a:extLst>
+          </p:cNvPr>
+          <p:cNvSpPr txBox="1"/>
+          <p:nvPr/>
+        </p:nvSpPr>
+        <p:spPr>
+          <a:xfrm>
+            <a:off x="337032" y="537129"/>
+            <a:ext cx="3166251" cy="584775"/>
+          </a:xfrm>
+          <a:prstGeom prst="rect">
+            <a:avLst/>
+          </a:prstGeom>
+          <a:noFill/>
+        </p:spPr>
+        <p:txBody>
+          <a:bodyPr wrap="none" rtlCol="0">
+            <a:spAutoFit/>
+          </a:bodyPr>
+          <a:lstStyle/>
+          <a:p>
+            <a:pPr algn="l"/>
+            <a:r>
+              <a:rPr kumimoji="1" lang="en-US" altLang="ja-JP" sz="3200" dirty="0" err="1">
+                <a:latin typeface="メイリオ" panose="020B0604030504040204" pitchFamily="50" charset="-128"/>
+                <a:ea typeface="メイリオ" panose="020B0604030504040204" pitchFamily="50" charset="-128"/>
+              </a:rPr>
+              <a:t>BoW</a:t>
+            </a:r>
+            <a:r>
+              <a:rPr kumimoji="1" lang="ja-JP" altLang="en-US" sz="3200" dirty="0">
+                <a:latin typeface="メイリオ" panose="020B0604030504040204" pitchFamily="50" charset="-128"/>
+                <a:ea typeface="メイリオ" panose="020B0604030504040204" pitchFamily="50" charset="-128"/>
+              </a:rPr>
+              <a:t>を比較する</a:t>
+            </a:r>
+          </a:p>
+        </p:txBody>
+      </p:sp>
+      <p:sp>
+        <p:nvSpPr>
+          <p:cNvPr id="3" name="テキスト ボックス 2">
+            <a:extLst>
+              <a:ext uri="{FF2B5EF4-FFF2-40B4-BE49-F238E27FC236}">
+                <a16:creationId xmlns:a16="http://schemas.microsoft.com/office/drawing/2014/main" id="{32B25E52-B1EE-0D28-9969-B1D8A85597C4}"/>
+              </a:ext>
+            </a:extLst>
+          </p:cNvPr>
+          <p:cNvSpPr txBox="1"/>
+          <p:nvPr/>
+        </p:nvSpPr>
+        <p:spPr>
+          <a:xfrm>
+            <a:off x="337032" y="1121904"/>
+            <a:ext cx="11296168" cy="830997"/>
+          </a:xfrm>
+          <a:prstGeom prst="rect">
+            <a:avLst/>
+          </a:prstGeom>
+          <a:noFill/>
+        </p:spPr>
+        <p:txBody>
+          <a:bodyPr wrap="square" rtlCol="0">
+            <a:spAutoFit/>
+          </a:bodyPr>
+          <a:lstStyle/>
+          <a:p>
+            <a:pPr algn="l"/>
+            <a:r>
+              <a:rPr kumimoji="1" lang="ja-JP" altLang="en-US" sz="2400" dirty="0">
+                <a:latin typeface="メイリオ" panose="020B0604030504040204" pitchFamily="50" charset="-128"/>
+                <a:ea typeface="メイリオ" panose="020B0604030504040204" pitchFamily="50" charset="-128"/>
+              </a:rPr>
+              <a:t>素手で書いた</a:t>
+            </a:r>
+            <a:r>
+              <a:rPr kumimoji="1" lang="en-US" altLang="ja-JP" sz="2400" dirty="0" err="1">
+                <a:latin typeface="メイリオ" panose="020B0604030504040204" pitchFamily="50" charset="-128"/>
+                <a:ea typeface="メイリオ" panose="020B0604030504040204" pitchFamily="50" charset="-128"/>
+              </a:rPr>
+              <a:t>BoW</a:t>
+            </a:r>
+            <a:r>
+              <a:rPr kumimoji="1" lang="ja-JP" altLang="en-US" sz="2400" dirty="0">
+                <a:latin typeface="メイリオ" panose="020B0604030504040204" pitchFamily="50" charset="-128"/>
+                <a:ea typeface="メイリオ" panose="020B0604030504040204" pitchFamily="50" charset="-128"/>
+              </a:rPr>
+              <a:t>プログラムの出力</a:t>
+            </a:r>
+            <a:r>
+              <a:rPr kumimoji="1" lang="en-US" altLang="ja-JP" sz="2400" dirty="0">
+                <a:latin typeface="メイリオ" panose="020B0604030504040204" pitchFamily="50" charset="-128"/>
+                <a:ea typeface="メイリオ" panose="020B0604030504040204" pitchFamily="50" charset="-128"/>
+              </a:rPr>
+              <a:t>(tsukurepo_bow.csv</a:t>
+            </a:r>
+            <a:r>
+              <a:rPr kumimoji="1" lang="ja-JP" altLang="en-US" sz="2400" dirty="0">
+                <a:latin typeface="メイリオ" panose="020B0604030504040204" pitchFamily="50" charset="-128"/>
+                <a:ea typeface="メイリオ" panose="020B0604030504040204" pitchFamily="50" charset="-128"/>
+              </a:rPr>
+              <a:t>と、</a:t>
+            </a:r>
+            <a:r>
+              <a:rPr kumimoji="1" lang="en-US" altLang="ja-JP" sz="2400" dirty="0" err="1">
+                <a:latin typeface="メイリオ" panose="020B0604030504040204" pitchFamily="50" charset="-128"/>
+                <a:ea typeface="メイリオ" panose="020B0604030504040204" pitchFamily="50" charset="-128"/>
+              </a:rPr>
+              <a:t>countVectorizer</a:t>
+            </a:r>
+            <a:r>
+              <a:rPr kumimoji="1" lang="ja-JP" altLang="en-US" sz="2400" dirty="0">
+                <a:latin typeface="メイリオ" panose="020B0604030504040204" pitchFamily="50" charset="-128"/>
+                <a:ea typeface="メイリオ" panose="020B0604030504040204" pitchFamily="50" charset="-128"/>
+              </a:rPr>
+              <a:t>による</a:t>
+            </a:r>
+            <a:r>
+              <a:rPr kumimoji="1" lang="en-US" altLang="ja-JP" sz="2400" dirty="0" err="1">
+                <a:latin typeface="メイリオ" panose="020B0604030504040204" pitchFamily="50" charset="-128"/>
+                <a:ea typeface="メイリオ" panose="020B0604030504040204" pitchFamily="50" charset="-128"/>
+              </a:rPr>
+              <a:t>BoW</a:t>
+            </a:r>
+            <a:r>
+              <a:rPr kumimoji="1" lang="ja-JP" altLang="en-US" sz="2400" dirty="0">
+                <a:latin typeface="メイリオ" panose="020B0604030504040204" pitchFamily="50" charset="-128"/>
+                <a:ea typeface="メイリオ" panose="020B0604030504040204" pitchFamily="50" charset="-128"/>
+              </a:rPr>
+              <a:t>プログラムの出力</a:t>
+            </a:r>
+            <a:r>
+              <a:rPr kumimoji="1" lang="en-US" altLang="ja-JP" sz="2400" dirty="0">
+                <a:latin typeface="メイリオ" panose="020B0604030504040204" pitchFamily="50" charset="-128"/>
+                <a:ea typeface="メイリオ" panose="020B0604030504040204" pitchFamily="50" charset="-128"/>
+              </a:rPr>
+              <a:t>(tsukurepo_bow_vectorizer.csv)</a:t>
+            </a:r>
+            <a:r>
+              <a:rPr kumimoji="1" lang="ja-JP" altLang="en-US" sz="2400" dirty="0">
+                <a:latin typeface="メイリオ" panose="020B0604030504040204" pitchFamily="50" charset="-128"/>
+                <a:ea typeface="メイリオ" panose="020B0604030504040204" pitchFamily="50" charset="-128"/>
+              </a:rPr>
+              <a:t>を比較する</a:t>
+            </a:r>
+          </a:p>
+        </p:txBody>
+      </p:sp>
+      <p:sp>
+        <p:nvSpPr>
+          <p:cNvPr id="9" name="テキスト ボックス 8">
+            <a:extLst>
+              <a:ext uri="{FF2B5EF4-FFF2-40B4-BE49-F238E27FC236}">
+                <a16:creationId xmlns:a16="http://schemas.microsoft.com/office/drawing/2014/main" id="{661EAE12-C60F-5B29-E22F-21D51C33C5F0}"/>
+              </a:ext>
+            </a:extLst>
+          </p:cNvPr>
+          <p:cNvSpPr txBox="1"/>
+          <p:nvPr/>
+        </p:nvSpPr>
+        <p:spPr>
+          <a:xfrm>
+            <a:off x="914400" y="2367280"/>
+            <a:ext cx="10718800" cy="2677656"/>
+          </a:xfrm>
+          <a:prstGeom prst="rect">
+            <a:avLst/>
+          </a:prstGeom>
+          <a:noFill/>
+        </p:spPr>
+        <p:txBody>
+          <a:bodyPr wrap="square" rtlCol="0">
+            <a:spAutoFit/>
+          </a:bodyPr>
+          <a:lstStyle/>
+          <a:p>
+            <a:pPr marL="457200" indent="-457200" algn="l">
+              <a:buFont typeface="+mj-lt"/>
+              <a:buAutoNum type="arabicPeriod"/>
+            </a:pPr>
+            <a:r>
+              <a:rPr kumimoji="1" lang="en-US" altLang="ja-JP" sz="2400" dirty="0" err="1">
+                <a:latin typeface="メイリオ" panose="020B0604030504040204" pitchFamily="50" charset="-128"/>
+                <a:ea typeface="メイリオ" panose="020B0604030504040204" pitchFamily="50" charset="-128"/>
+              </a:rPr>
+              <a:t>BoW</a:t>
+            </a:r>
+            <a:r>
+              <a:rPr kumimoji="1" lang="ja-JP" altLang="en-US" sz="2400" dirty="0">
+                <a:latin typeface="メイリオ" panose="020B0604030504040204" pitchFamily="50" charset="-128"/>
+                <a:ea typeface="メイリオ" panose="020B0604030504040204" pitchFamily="50" charset="-128"/>
+              </a:rPr>
+              <a:t>の辞書（見出し）は同一になっている</a:t>
+            </a:r>
+            <a:endParaRPr kumimoji="1" lang="en-US" altLang="ja-JP" sz="2400" dirty="0">
+              <a:latin typeface="メイリオ" panose="020B0604030504040204" pitchFamily="50" charset="-128"/>
+              <a:ea typeface="メイリオ" panose="020B0604030504040204" pitchFamily="50" charset="-128"/>
+            </a:endParaRPr>
+          </a:p>
+          <a:p>
+            <a:pPr algn="l"/>
+            <a:r>
+              <a:rPr kumimoji="1" lang="ja-JP" altLang="en-US" sz="2400" dirty="0">
+                <a:latin typeface="メイリオ" panose="020B0604030504040204" pitchFamily="50" charset="-128"/>
+                <a:ea typeface="メイリオ" panose="020B0604030504040204" pitchFamily="50" charset="-128"/>
+              </a:rPr>
+              <a:t>　</a:t>
+            </a:r>
+            <a:r>
+              <a:rPr kumimoji="1" lang="ja-JP" altLang="en-US" dirty="0">
+                <a:latin typeface="メイリオ" panose="020B0604030504040204" pitchFamily="50" charset="-128"/>
+                <a:ea typeface="メイリオ" panose="020B0604030504040204" pitchFamily="50" charset="-128"/>
+              </a:rPr>
+              <a:t>（</a:t>
+            </a:r>
+            <a:r>
+              <a:rPr kumimoji="1" lang="en-US" altLang="ja-JP" dirty="0" err="1">
+                <a:latin typeface="メイリオ" panose="020B0604030504040204" pitchFamily="50" charset="-128"/>
+                <a:ea typeface="メイリオ" panose="020B0604030504040204" pitchFamily="50" charset="-128"/>
+              </a:rPr>
+              <a:t>countVectorizer</a:t>
+            </a:r>
+            <a:r>
+              <a:rPr kumimoji="1" lang="ja-JP" altLang="en-US" dirty="0">
+                <a:latin typeface="メイリオ" panose="020B0604030504040204" pitchFamily="50" charset="-128"/>
+                <a:ea typeface="メイリオ" panose="020B0604030504040204" pitchFamily="50" charset="-128"/>
+              </a:rPr>
+              <a:t>では英文字を自動的に小文字に揃えるので、実際には</a:t>
+            </a:r>
+            <a:r>
+              <a:rPr kumimoji="1" lang="en-US" altLang="ja-JP" dirty="0">
+                <a:latin typeface="メイリオ" panose="020B0604030504040204" pitchFamily="50" charset="-128"/>
+                <a:ea typeface="メイリオ" panose="020B0604030504040204" pitchFamily="50" charset="-128"/>
+              </a:rPr>
+              <a:t>1</a:t>
+            </a:r>
+            <a:r>
+              <a:rPr kumimoji="1" lang="ja-JP" altLang="en-US" dirty="0">
+                <a:latin typeface="メイリオ" panose="020B0604030504040204" pitchFamily="50" charset="-128"/>
+                <a:ea typeface="メイリオ" panose="020B0604030504040204" pitchFamily="50" charset="-128"/>
+              </a:rPr>
+              <a:t>語だけ</a:t>
+            </a:r>
+            <a:r>
+              <a:rPr kumimoji="1" lang="en-US" altLang="ja-JP" dirty="0" err="1">
+                <a:latin typeface="メイリオ" panose="020B0604030504040204" pitchFamily="50" charset="-128"/>
+                <a:ea typeface="メイリオ" panose="020B0604030504040204" pitchFamily="50" charset="-128"/>
+              </a:rPr>
+              <a:t>countVectorizor</a:t>
+            </a:r>
+            <a:r>
+              <a:rPr kumimoji="1" lang="en-US" altLang="ja-JP" dirty="0">
+                <a:latin typeface="メイリオ" panose="020B0604030504040204" pitchFamily="50" charset="-128"/>
+                <a:ea typeface="メイリオ" panose="020B0604030504040204" pitchFamily="50" charset="-128"/>
+              </a:rPr>
+              <a:t> </a:t>
+            </a:r>
+          </a:p>
+          <a:p>
+            <a:pPr algn="l"/>
+            <a:r>
+              <a:rPr kumimoji="1" lang="en-US" altLang="ja-JP" dirty="0">
+                <a:latin typeface="メイリオ" panose="020B0604030504040204" pitchFamily="50" charset="-128"/>
+                <a:ea typeface="メイリオ" panose="020B0604030504040204" pitchFamily="50" charset="-128"/>
+              </a:rPr>
+              <a:t>        </a:t>
+            </a:r>
+            <a:r>
+              <a:rPr kumimoji="1" lang="ja-JP" altLang="en-US" dirty="0">
+                <a:latin typeface="メイリオ" panose="020B0604030504040204" pitchFamily="50" charset="-128"/>
+                <a:ea typeface="メイリオ" panose="020B0604030504040204" pitchFamily="50" charset="-128"/>
+              </a:rPr>
+              <a:t>によるプログラムの結果のほうが少ない）</a:t>
+            </a:r>
+            <a:endParaRPr kumimoji="1" lang="en-US" altLang="ja-JP" dirty="0">
+              <a:latin typeface="メイリオ" panose="020B0604030504040204" pitchFamily="50" charset="-128"/>
+              <a:ea typeface="メイリオ" panose="020B0604030504040204" pitchFamily="50" charset="-128"/>
+            </a:endParaRPr>
+          </a:p>
+          <a:p>
+            <a:pPr algn="l"/>
+            <a:endParaRPr kumimoji="1" lang="en-US" altLang="ja-JP" sz="2400" dirty="0">
+              <a:latin typeface="メイリオ" panose="020B0604030504040204" pitchFamily="50" charset="-128"/>
+              <a:ea typeface="メイリオ" panose="020B0604030504040204" pitchFamily="50" charset="-128"/>
+            </a:endParaRPr>
+          </a:p>
+          <a:p>
+            <a:pPr algn="l"/>
+            <a:r>
+              <a:rPr kumimoji="1" lang="en-US" altLang="ja-JP" sz="2400" dirty="0">
+                <a:latin typeface="メイリオ" panose="020B0604030504040204" pitchFamily="50" charset="-128"/>
+                <a:ea typeface="メイリオ" panose="020B0604030504040204" pitchFamily="50" charset="-128"/>
+              </a:rPr>
+              <a:t>2. </a:t>
+            </a:r>
+            <a:r>
+              <a:rPr kumimoji="1" lang="en-US" altLang="ja-JP" sz="2400" dirty="0" err="1">
+                <a:latin typeface="メイリオ" panose="020B0604030504040204" pitchFamily="50" charset="-128"/>
+                <a:ea typeface="メイリオ" panose="020B0604030504040204" pitchFamily="50" charset="-128"/>
+              </a:rPr>
+              <a:t>BoW</a:t>
+            </a:r>
+            <a:r>
+              <a:rPr kumimoji="1" lang="ja-JP" altLang="en-US" sz="2400" dirty="0">
+                <a:latin typeface="メイリオ" panose="020B0604030504040204" pitchFamily="50" charset="-128"/>
+                <a:ea typeface="メイリオ" panose="020B0604030504040204" pitchFamily="50" charset="-128"/>
+              </a:rPr>
+              <a:t>辞書の並び順が違う</a:t>
+            </a:r>
+          </a:p>
+          <a:p>
+            <a:pPr algn="l"/>
+            <a:r>
+              <a:rPr kumimoji="1" lang="ja-JP" altLang="en-US" sz="2400" dirty="0">
+                <a:latin typeface="メイリオ" panose="020B0604030504040204" pitchFamily="50" charset="-128"/>
+                <a:ea typeface="メイリオ" panose="020B0604030504040204" pitchFamily="50" charset="-128"/>
+              </a:rPr>
+              <a:t>    文書での出現順⇔かなカナ漢字の順番</a:t>
+            </a:r>
+            <a:endParaRPr kumimoji="1" lang="en-US" altLang="ja-JP" sz="2400" dirty="0">
+              <a:latin typeface="メイリオ" panose="020B0604030504040204" pitchFamily="50" charset="-128"/>
+              <a:ea typeface="メイリオ" panose="020B0604030504040204" pitchFamily="50" charset="-128"/>
+            </a:endParaRPr>
+          </a:p>
+          <a:p>
+            <a:pPr algn="l"/>
+            <a:endParaRPr kumimoji="1" lang="ja-JP" altLang="en-US" sz="2400" dirty="0">
+              <a:latin typeface="メイリオ" panose="020B0604030504040204" pitchFamily="50" charset="-128"/>
+              <a:ea typeface="メイリオ" panose="020B0604030504040204" pitchFamily="50" charset="-128"/>
+            </a:endParaRPr>
+          </a:p>
+        </p:txBody>
+      </p:sp>
+      <p:sp>
+        <p:nvSpPr>
+          <p:cNvPr id="10" name="テキスト ボックス 9">
+            <a:extLst>
+              <a:ext uri="{FF2B5EF4-FFF2-40B4-BE49-F238E27FC236}">
+                <a16:creationId xmlns:a16="http://schemas.microsoft.com/office/drawing/2014/main" id="{D642A93A-477B-7EB9-0D47-BEE7B7930AFF}"/>
+              </a:ext>
+            </a:extLst>
+          </p:cNvPr>
+          <p:cNvSpPr txBox="1"/>
+          <p:nvPr/>
+        </p:nvSpPr>
+        <p:spPr>
+          <a:xfrm>
+            <a:off x="528320" y="5766576"/>
+            <a:ext cx="6481903" cy="461665"/>
+          </a:xfrm>
+          <a:prstGeom prst="rect">
+            <a:avLst/>
+          </a:prstGeom>
+          <a:noFill/>
+        </p:spPr>
+        <p:txBody>
+          <a:bodyPr wrap="none" rtlCol="0">
+            <a:spAutoFit/>
+          </a:bodyPr>
+          <a:lstStyle/>
+          <a:p>
+            <a:pPr algn="l"/>
+            <a:r>
+              <a:rPr kumimoji="1" lang="ja-JP" altLang="en-US" sz="2400" dirty="0">
+                <a:latin typeface="メイリオ" panose="020B0604030504040204" pitchFamily="50" charset="-128"/>
+                <a:ea typeface="メイリオ" panose="020B0604030504040204" pitchFamily="50" charset="-128"/>
+              </a:rPr>
+              <a:t>独り言：正規表現は</a:t>
+            </a:r>
+            <a:r>
+              <a:rPr kumimoji="1" lang="en-US" altLang="ja-JP" sz="2400" dirty="0">
+                <a:latin typeface="メイリオ" panose="020B0604030504040204" pitchFamily="50" charset="-128"/>
+                <a:ea typeface="メイリオ" panose="020B0604030504040204" pitchFamily="50" charset="-128"/>
+              </a:rPr>
+              <a:t>tokenizer</a:t>
+            </a:r>
+            <a:r>
+              <a:rPr kumimoji="1" lang="ja-JP" altLang="en-US" sz="2400" dirty="0">
+                <a:latin typeface="メイリオ" panose="020B0604030504040204" pitchFamily="50" charset="-128"/>
+                <a:ea typeface="メイリオ" panose="020B0604030504040204" pitchFamily="50" charset="-128"/>
+              </a:rPr>
+              <a:t>の外で処理する</a:t>
+            </a:r>
+          </a:p>
+        </p:txBody>
+      </p:sp>
+    </p:spTree>
+    <p:extLst>
+      <p:ext uri="{BB962C8B-B14F-4D97-AF65-F5344CB8AC3E}">
+        <p14:creationId xmlns:p14="http://schemas.microsoft.com/office/powerpoint/2010/main" val="3560223628"/>
+      </p:ext>
+    </p:extLst>
+  </p:cSld>
+  <p:clrMapOvr>
+    <a:masterClrMapping/>
+  </p:clrMapOvr>
+</p:sld>
+</file>
+
+<file path=ppt/slides/slide21.xml><?xml version="1.0" encoding="utf-8"?>
+<p:sld xmlns:a="http://schemas.openxmlformats.org/drawingml/2006/main" xmlns:r="http://schemas.openxmlformats.org/officeDocument/2006/relationships" xmlns:p="http://schemas.openxmlformats.org/presentationml/2006/main">
+  <p:cSld>
+    <p:spTree>
+      <p:nvGrpSpPr>
+        <p:cNvPr id="1" name=""/>
+        <p:cNvGrpSpPr/>
+        <p:nvPr/>
+      </p:nvGrpSpPr>
+      <p:grpSpPr>
+        <a:xfrm>
+          <a:off x="0" y="0"/>
+          <a:ext cx="0" cy="0"/>
+          <a:chOff x="0" y="0"/>
+          <a:chExt cx="0" cy="0"/>
+        </a:xfrm>
+      </p:grpSpPr>
+      <p:sp>
+        <p:nvSpPr>
+          <p:cNvPr id="2" name="テキスト ボックス 1">
+            <a:extLst>
+              <a:ext uri="{FF2B5EF4-FFF2-40B4-BE49-F238E27FC236}">
+                <a16:creationId xmlns:a16="http://schemas.microsoft.com/office/drawing/2014/main" id="{678965CE-B85C-5BF3-5E93-DBE909420780}"/>
+              </a:ext>
+            </a:extLst>
+          </p:cNvPr>
+          <p:cNvSpPr txBox="1"/>
+          <p:nvPr/>
+        </p:nvSpPr>
+        <p:spPr>
+          <a:xfrm>
+            <a:off x="558800" y="331196"/>
+            <a:ext cx="3986989" cy="584775"/>
+          </a:xfrm>
+          <a:prstGeom prst="rect">
+            <a:avLst/>
+          </a:prstGeom>
+          <a:noFill/>
+        </p:spPr>
+        <p:txBody>
+          <a:bodyPr wrap="none" rtlCol="0">
+            <a:spAutoFit/>
+          </a:bodyPr>
+          <a:lstStyle/>
+          <a:p>
+            <a:pPr algn="l"/>
+            <a:r>
+              <a:rPr kumimoji="1" lang="en-US" altLang="ja-JP" sz="3200" dirty="0" err="1">
+                <a:latin typeface="メイリオ" panose="020B0604030504040204" pitchFamily="50" charset="-128"/>
+                <a:ea typeface="メイリオ" panose="020B0604030504040204" pitchFamily="50" charset="-128"/>
+              </a:rPr>
+              <a:t>BoW</a:t>
+            </a:r>
+            <a:r>
+              <a:rPr kumimoji="1" lang="ja-JP" altLang="en-US" sz="3200" dirty="0">
+                <a:latin typeface="メイリオ" panose="020B0604030504040204" pitchFamily="50" charset="-128"/>
+                <a:ea typeface="メイリオ" panose="020B0604030504040204" pitchFamily="50" charset="-128"/>
+              </a:rPr>
+              <a:t>の次元数を見る</a:t>
+            </a:r>
+          </a:p>
+        </p:txBody>
+      </p:sp>
+      <p:sp>
+        <p:nvSpPr>
+          <p:cNvPr id="4" name="テキスト ボックス 3">
+            <a:extLst>
+              <a:ext uri="{FF2B5EF4-FFF2-40B4-BE49-F238E27FC236}">
+                <a16:creationId xmlns:a16="http://schemas.microsoft.com/office/drawing/2014/main" id="{AD73600F-D8DA-66A1-1D62-7548432F20D0}"/>
+              </a:ext>
+            </a:extLst>
+          </p:cNvPr>
+          <p:cNvSpPr txBox="1"/>
+          <p:nvPr/>
+        </p:nvSpPr>
+        <p:spPr>
+          <a:xfrm>
+            <a:off x="558800" y="1046137"/>
+            <a:ext cx="11497058" cy="2308324"/>
+          </a:xfrm>
+          <a:prstGeom prst="rect">
+            <a:avLst/>
+          </a:prstGeom>
+          <a:noFill/>
+        </p:spPr>
+        <p:txBody>
+          <a:bodyPr wrap="none" rtlCol="0">
+            <a:spAutoFit/>
+          </a:bodyPr>
+          <a:lstStyle/>
+          <a:p>
+            <a:pPr algn="l"/>
+            <a:r>
+              <a:rPr kumimoji="1" lang="en-US" altLang="ja-JP" sz="2400" dirty="0">
+                <a:latin typeface="メイリオ" panose="020B0604030504040204" pitchFamily="50" charset="-128"/>
+                <a:ea typeface="メイリオ" panose="020B0604030504040204" pitchFamily="50" charset="-128"/>
+              </a:rPr>
+              <a:t>1. </a:t>
+            </a:r>
+            <a:r>
+              <a:rPr kumimoji="1" lang="ja-JP" altLang="en-US" sz="2400" dirty="0">
+                <a:latin typeface="メイリオ" panose="020B0604030504040204" pitchFamily="50" charset="-128"/>
+                <a:ea typeface="メイリオ" panose="020B0604030504040204" pitchFamily="50" charset="-128"/>
+              </a:rPr>
+              <a:t>データ数</a:t>
+            </a:r>
+            <a:r>
+              <a:rPr kumimoji="1" lang="en-US" altLang="ja-JP" sz="2400" dirty="0">
+                <a:latin typeface="メイリオ" panose="020B0604030504040204" pitchFamily="50" charset="-128"/>
+                <a:ea typeface="メイリオ" panose="020B0604030504040204" pitchFamily="50" charset="-128"/>
+              </a:rPr>
+              <a:t>55</a:t>
+            </a:r>
+            <a:r>
+              <a:rPr kumimoji="1" lang="ja-JP" altLang="en-US" sz="2400" dirty="0">
+                <a:latin typeface="メイリオ" panose="020B0604030504040204" pitchFamily="50" charset="-128"/>
+                <a:ea typeface="メイリオ" panose="020B0604030504040204" pitchFamily="50" charset="-128"/>
+              </a:rPr>
+              <a:t>件に対して</a:t>
+            </a:r>
+            <a:r>
+              <a:rPr kumimoji="1" lang="en-US" altLang="ja-JP" sz="2400" dirty="0">
+                <a:latin typeface="メイリオ" panose="020B0604030504040204" pitchFamily="50" charset="-128"/>
+                <a:ea typeface="メイリオ" panose="020B0604030504040204" pitchFamily="50" charset="-128"/>
+              </a:rPr>
+              <a:t>290</a:t>
+            </a:r>
+            <a:r>
+              <a:rPr kumimoji="1" lang="ja-JP" altLang="en-US" sz="2400" dirty="0">
+                <a:latin typeface="メイリオ" panose="020B0604030504040204" pitchFamily="50" charset="-128"/>
+                <a:ea typeface="メイリオ" panose="020B0604030504040204" pitchFamily="50" charset="-128"/>
+              </a:rPr>
+              <a:t>次元！</a:t>
+            </a:r>
+            <a:endParaRPr kumimoji="1" lang="en-US" altLang="ja-JP" sz="2400" dirty="0">
+              <a:latin typeface="メイリオ" panose="020B0604030504040204" pitchFamily="50" charset="-128"/>
+              <a:ea typeface="メイリオ" panose="020B0604030504040204" pitchFamily="50" charset="-128"/>
+            </a:endParaRPr>
+          </a:p>
+          <a:p>
+            <a:pPr algn="l"/>
+            <a:r>
+              <a:rPr kumimoji="1" lang="en-US" altLang="ja-JP" sz="2400" dirty="0">
+                <a:latin typeface="メイリオ" panose="020B0604030504040204" pitchFamily="50" charset="-128"/>
+                <a:ea typeface="メイリオ" panose="020B0604030504040204" pitchFamily="50" charset="-128"/>
+              </a:rPr>
+              <a:t>2. csv</a:t>
+            </a:r>
+            <a:r>
+              <a:rPr kumimoji="1" lang="ja-JP" altLang="en-US" sz="2400" dirty="0">
+                <a:latin typeface="メイリオ" panose="020B0604030504040204" pitchFamily="50" charset="-128"/>
+                <a:ea typeface="メイリオ" panose="020B0604030504040204" pitchFamily="50" charset="-128"/>
+              </a:rPr>
+              <a:t>の行合計を見る</a:t>
+            </a:r>
+            <a:endParaRPr kumimoji="1" lang="en-US" altLang="ja-JP" sz="2400" dirty="0">
+              <a:latin typeface="メイリオ" panose="020B0604030504040204" pitchFamily="50" charset="-128"/>
+              <a:ea typeface="メイリオ" panose="020B0604030504040204" pitchFamily="50" charset="-128"/>
+            </a:endParaRPr>
+          </a:p>
+          <a:p>
+            <a:pPr algn="l"/>
+            <a:r>
+              <a:rPr kumimoji="1" lang="ja-JP" altLang="en-US" sz="2400" dirty="0">
+                <a:latin typeface="メイリオ" panose="020B0604030504040204" pitchFamily="50" charset="-128"/>
+                <a:ea typeface="メイリオ" panose="020B0604030504040204" pitchFamily="50" charset="-128"/>
+              </a:rPr>
+              <a:t>　　頻度１の単語が多い　  　　：低頻度語彙</a:t>
+            </a:r>
+            <a:endParaRPr kumimoji="1" lang="en-US" altLang="ja-JP" sz="2400" dirty="0">
+              <a:latin typeface="メイリオ" panose="020B0604030504040204" pitchFamily="50" charset="-128"/>
+              <a:ea typeface="メイリオ" panose="020B0604030504040204" pitchFamily="50" charset="-128"/>
+            </a:endParaRPr>
+          </a:p>
+          <a:p>
+            <a:pPr algn="l"/>
+            <a:r>
+              <a:rPr kumimoji="1" lang="ja-JP" altLang="en-US" sz="2400" dirty="0">
+                <a:latin typeface="メイリオ" panose="020B0604030504040204" pitchFamily="50" charset="-128"/>
+                <a:ea typeface="メイリオ" panose="020B0604030504040204" pitchFamily="50" charset="-128"/>
+              </a:rPr>
+              <a:t>　　</a:t>
+            </a:r>
+            <a:r>
+              <a:rPr kumimoji="1" lang="en-US" altLang="ja-JP" sz="2400" dirty="0">
+                <a:latin typeface="メイリオ" panose="020B0604030504040204" pitchFamily="50" charset="-128"/>
+                <a:ea typeface="メイリオ" panose="020B0604030504040204" pitchFamily="50" charset="-128"/>
+              </a:rPr>
+              <a:t>’</a:t>
+            </a:r>
+            <a:r>
+              <a:rPr kumimoji="1" lang="ja-JP" altLang="en-US" sz="2400" dirty="0">
+                <a:latin typeface="メイリオ" panose="020B0604030504040204" pitchFamily="50" charset="-128"/>
+                <a:ea typeface="メイリオ" panose="020B0604030504040204" pitchFamily="50" charset="-128"/>
+              </a:rPr>
+              <a:t>レシピ</a:t>
+            </a:r>
+            <a:r>
+              <a:rPr kumimoji="1" lang="en-US" altLang="ja-JP" sz="2400" dirty="0">
+                <a:latin typeface="メイリオ" panose="020B0604030504040204" pitchFamily="50" charset="-128"/>
+                <a:ea typeface="メイリオ" panose="020B0604030504040204" pitchFamily="50" charset="-128"/>
+              </a:rPr>
+              <a:t>’</a:t>
+            </a:r>
+            <a:r>
+              <a:rPr kumimoji="1" lang="ja-JP" altLang="en-US" sz="2400" dirty="0">
+                <a:latin typeface="メイリオ" panose="020B0604030504040204" pitchFamily="50" charset="-128"/>
+                <a:ea typeface="メイリオ" panose="020B0604030504040204" pitchFamily="50" charset="-128"/>
+              </a:rPr>
+              <a:t>はありふれた単語　：汎用語彙</a:t>
+            </a:r>
+            <a:endParaRPr kumimoji="1" lang="en-US" altLang="ja-JP" sz="2400" dirty="0">
+              <a:latin typeface="メイリオ" panose="020B0604030504040204" pitchFamily="50" charset="-128"/>
+              <a:ea typeface="メイリオ" panose="020B0604030504040204" pitchFamily="50" charset="-128"/>
+            </a:endParaRPr>
+          </a:p>
+          <a:p>
+            <a:pPr algn="l"/>
+            <a:r>
+              <a:rPr kumimoji="1" lang="ja-JP" altLang="en-US" sz="2400" dirty="0">
+                <a:latin typeface="メイリオ" panose="020B0604030504040204" pitchFamily="50" charset="-128"/>
+                <a:ea typeface="メイリオ" panose="020B0604030504040204" pitchFamily="50" charset="-128"/>
+              </a:rPr>
+              <a:t>　　汎用語彙の例：</a:t>
+            </a:r>
+            <a:r>
+              <a:rPr kumimoji="1" lang="en-US" altLang="ja-JP" sz="2400" dirty="0">
+                <a:latin typeface="メイリオ" panose="020B0604030504040204" pitchFamily="50" charset="-128"/>
+                <a:ea typeface="メイリオ" panose="020B0604030504040204" pitchFamily="50" charset="-128"/>
+              </a:rPr>
+              <a:t>’</a:t>
+            </a:r>
+            <a:r>
+              <a:rPr kumimoji="1" lang="ja-JP" altLang="en-US" sz="2400" dirty="0">
+                <a:latin typeface="メイリオ" panose="020B0604030504040204" pitchFamily="50" charset="-128"/>
+                <a:ea typeface="メイリオ" panose="020B0604030504040204" pitchFamily="50" charset="-128"/>
+              </a:rPr>
+              <a:t>ここ</a:t>
+            </a:r>
+            <a:r>
+              <a:rPr kumimoji="1" lang="en-US" altLang="ja-JP" sz="2400" dirty="0">
+                <a:latin typeface="メイリオ" panose="020B0604030504040204" pitchFamily="50" charset="-128"/>
+                <a:ea typeface="メイリオ" panose="020B0604030504040204" pitchFamily="50" charset="-128"/>
+              </a:rPr>
+              <a:t>’ ‘</a:t>
+            </a:r>
+            <a:r>
+              <a:rPr kumimoji="1" lang="ja-JP" altLang="en-US" sz="2400" dirty="0">
+                <a:latin typeface="メイリオ" panose="020B0604030504040204" pitchFamily="50" charset="-128"/>
+                <a:ea typeface="メイリオ" panose="020B0604030504040204" pitchFamily="50" charset="-128"/>
+              </a:rPr>
+              <a:t>それ</a:t>
+            </a:r>
+            <a:r>
+              <a:rPr kumimoji="1" lang="en-US" altLang="ja-JP" sz="2400" dirty="0">
+                <a:latin typeface="メイリオ" panose="020B0604030504040204" pitchFamily="50" charset="-128"/>
+                <a:ea typeface="メイリオ" panose="020B0604030504040204" pitchFamily="50" charset="-128"/>
+              </a:rPr>
+              <a:t>’ ‘</a:t>
+            </a:r>
+            <a:r>
+              <a:rPr kumimoji="1" lang="ja-JP" altLang="en-US" sz="2400" dirty="0">
+                <a:latin typeface="メイリオ" panose="020B0604030504040204" pitchFamily="50" charset="-128"/>
+                <a:ea typeface="メイリオ" panose="020B0604030504040204" pitchFamily="50" charset="-128"/>
+              </a:rPr>
+              <a:t>私</a:t>
+            </a:r>
+            <a:r>
+              <a:rPr kumimoji="1" lang="en-US" altLang="ja-JP" sz="2400" dirty="0">
+                <a:latin typeface="メイリオ" panose="020B0604030504040204" pitchFamily="50" charset="-128"/>
+                <a:ea typeface="メイリオ" panose="020B0604030504040204" pitchFamily="50" charset="-128"/>
+              </a:rPr>
+              <a:t>’ etc.</a:t>
+            </a:r>
+          </a:p>
+          <a:p>
+            <a:pPr algn="l"/>
+            <a:r>
+              <a:rPr kumimoji="1" lang="en-US" altLang="ja-JP" sz="2400" dirty="0">
+                <a:latin typeface="メイリオ" panose="020B0604030504040204" pitchFamily="50" charset="-128"/>
+                <a:ea typeface="メイリオ" panose="020B0604030504040204" pitchFamily="50" charset="-128"/>
+              </a:rPr>
+              <a:t>3. </a:t>
+            </a:r>
+            <a:r>
+              <a:rPr kumimoji="1" lang="ja-JP" altLang="en-US" sz="2400" dirty="0">
+                <a:latin typeface="メイリオ" panose="020B0604030504040204" pitchFamily="50" charset="-128"/>
+                <a:ea typeface="メイリオ" panose="020B0604030504040204" pitchFamily="50" charset="-128"/>
+              </a:rPr>
+              <a:t>低頻度語彙、汎用語彙とも、シュークリーム</a:t>
+            </a:r>
+            <a:r>
+              <a:rPr kumimoji="1" lang="en-US" altLang="ja-JP" sz="2400" dirty="0">
+                <a:latin typeface="メイリオ" panose="020B0604030504040204" pitchFamily="50" charset="-128"/>
+                <a:ea typeface="メイリオ" panose="020B0604030504040204" pitchFamily="50" charset="-128"/>
+              </a:rPr>
+              <a:t>/</a:t>
+            </a:r>
+            <a:r>
+              <a:rPr kumimoji="1" lang="ja-JP" altLang="en-US" sz="2400" dirty="0">
+                <a:latin typeface="メイリオ" panose="020B0604030504040204" pitchFamily="50" charset="-128"/>
+                <a:ea typeface="メイリオ" panose="020B0604030504040204" pitchFamily="50" charset="-128"/>
+              </a:rPr>
+              <a:t>プリンらしさを特徴づけていない</a:t>
+            </a:r>
+            <a:endParaRPr kumimoji="1" lang="en-US" altLang="ja-JP" sz="2400" dirty="0">
+              <a:latin typeface="メイリオ" panose="020B0604030504040204" pitchFamily="50" charset="-128"/>
+              <a:ea typeface="メイリオ" panose="020B0604030504040204" pitchFamily="50" charset="-128"/>
+            </a:endParaRPr>
+          </a:p>
+        </p:txBody>
+      </p:sp>
+      <p:sp>
+        <p:nvSpPr>
+          <p:cNvPr id="5" name="テキスト ボックス 4">
+            <a:extLst>
+              <a:ext uri="{FF2B5EF4-FFF2-40B4-BE49-F238E27FC236}">
+                <a16:creationId xmlns:a16="http://schemas.microsoft.com/office/drawing/2014/main" id="{4832F767-39AB-A808-7E2E-69E0F610B45A}"/>
+              </a:ext>
+            </a:extLst>
+          </p:cNvPr>
+          <p:cNvSpPr txBox="1"/>
+          <p:nvPr/>
+        </p:nvSpPr>
+        <p:spPr>
+          <a:xfrm>
+            <a:off x="4785910" y="623584"/>
+            <a:ext cx="4707507" cy="461665"/>
+          </a:xfrm>
+          <a:prstGeom prst="rect">
+            <a:avLst/>
+          </a:prstGeom>
+          <a:noFill/>
+        </p:spPr>
+        <p:txBody>
+          <a:bodyPr wrap="none" rtlCol="0">
+            <a:spAutoFit/>
+          </a:bodyPr>
+          <a:lstStyle/>
+          <a:p>
+            <a:pPr algn="l"/>
+            <a:r>
+              <a:rPr kumimoji="1" lang="en-US" altLang="ja-JP" sz="2400" dirty="0">
+                <a:latin typeface="メイリオ" panose="020B0604030504040204" pitchFamily="50" charset="-128"/>
+                <a:ea typeface="メイリオ" panose="020B0604030504040204" pitchFamily="50" charset="-128"/>
+              </a:rPr>
+              <a:t>tsukurepo_bow_vectorizer.csv</a:t>
+            </a:r>
+            <a:endParaRPr kumimoji="1" lang="ja-JP" altLang="en-US" sz="2400" dirty="0">
+              <a:latin typeface="メイリオ" panose="020B0604030504040204" pitchFamily="50" charset="-128"/>
+              <a:ea typeface="メイリオ" panose="020B0604030504040204" pitchFamily="50" charset="-128"/>
+            </a:endParaRPr>
+          </a:p>
+        </p:txBody>
+      </p:sp>
+      <p:pic>
+        <p:nvPicPr>
+          <p:cNvPr id="14" name="図 13">
+            <a:extLst>
+              <a:ext uri="{FF2B5EF4-FFF2-40B4-BE49-F238E27FC236}">
+                <a16:creationId xmlns:a16="http://schemas.microsoft.com/office/drawing/2014/main" id="{1E3EDBED-45FC-4D6A-2E22-843409D60B2C}"/>
+              </a:ext>
+            </a:extLst>
+          </p:cNvPr>
+          <p:cNvPicPr>
+            <a:picLocks noChangeAspect="1"/>
+          </p:cNvPicPr>
+          <p:nvPr/>
+        </p:nvPicPr>
+        <p:blipFill>
+          <a:blip r:embed="rId2"/>
+          <a:stretch>
+            <a:fillRect/>
+          </a:stretch>
+        </p:blipFill>
+        <p:spPr>
+          <a:xfrm>
+            <a:off x="1383894" y="3893071"/>
+            <a:ext cx="5066566" cy="2636520"/>
+          </a:xfrm>
+          <a:prstGeom prst="rect">
+            <a:avLst/>
+          </a:prstGeom>
+        </p:spPr>
+      </p:pic>
+      <p:sp>
+        <p:nvSpPr>
+          <p:cNvPr id="15" name="正方形/長方形 14">
+            <a:extLst>
+              <a:ext uri="{FF2B5EF4-FFF2-40B4-BE49-F238E27FC236}">
+                <a16:creationId xmlns:a16="http://schemas.microsoft.com/office/drawing/2014/main" id="{1E514011-455A-D264-9A8A-05994CF6DB3E}"/>
+              </a:ext>
+            </a:extLst>
+          </p:cNvPr>
+          <p:cNvSpPr/>
+          <p:nvPr/>
+        </p:nvSpPr>
+        <p:spPr>
+          <a:xfrm>
+            <a:off x="1383894" y="3893071"/>
+            <a:ext cx="5067706" cy="2632076"/>
+          </a:xfrm>
+          <a:prstGeom prst="rect">
+            <a:avLst/>
+          </a:prstGeom>
+          <a:noFill/>
+          <a:ln>
+            <a:solidFill>
+              <a:schemeClr val="tx1"/>
+            </a:solidFill>
+          </a:ln>
+        </p:spPr>
+        <p:style>
+          <a:lnRef idx="2">
+            <a:schemeClr val="accent1">
+              <a:shade val="15000"/>
+            </a:schemeClr>
+          </a:lnRef>
+          <a:fillRef idx="1">
+            <a:schemeClr val="accent1"/>
+          </a:fillRef>
+          <a:effectRef idx="0">
+            <a:schemeClr val="accent1"/>
+          </a:effectRef>
+          <a:fontRef idx="minor">
+            <a:schemeClr val="lt1"/>
+          </a:fontRef>
+        </p:style>
+        <p:txBody>
+          <a:bodyPr rtlCol="0" anchor="ctr"/>
+          <a:lstStyle/>
+          <a:p>
+            <a:pPr algn="ctr"/>
+            <a:endParaRPr kumimoji="1" lang="ja-JP" altLang="en-US"/>
+          </a:p>
+        </p:txBody>
+      </p:sp>
+      <p:sp>
+        <p:nvSpPr>
+          <p:cNvPr id="16" name="テキスト ボックス 15">
+            <a:extLst>
+              <a:ext uri="{FF2B5EF4-FFF2-40B4-BE49-F238E27FC236}">
+                <a16:creationId xmlns:a16="http://schemas.microsoft.com/office/drawing/2014/main" id="{77BDD7DA-C4D9-2D0F-6DD9-F3D7FE639965}"/>
+              </a:ext>
+            </a:extLst>
+          </p:cNvPr>
+          <p:cNvSpPr txBox="1"/>
+          <p:nvPr/>
+        </p:nvSpPr>
+        <p:spPr>
+          <a:xfrm>
+            <a:off x="1012290" y="3315349"/>
+            <a:ext cx="5295039" cy="461665"/>
+          </a:xfrm>
+          <a:prstGeom prst="rect">
+            <a:avLst/>
+          </a:prstGeom>
+          <a:noFill/>
+        </p:spPr>
+        <p:txBody>
+          <a:bodyPr wrap="none" rtlCol="0">
+            <a:spAutoFit/>
+          </a:bodyPr>
+          <a:lstStyle/>
+          <a:p>
+            <a:pPr algn="l"/>
+            <a:r>
+              <a:rPr kumimoji="1" lang="ja-JP" altLang="en-US" sz="2400" dirty="0">
+                <a:latin typeface="メイリオ" panose="020B0604030504040204" pitchFamily="50" charset="-128"/>
+                <a:ea typeface="メイリオ" panose="020B0604030504040204" pitchFamily="50" charset="-128"/>
+              </a:rPr>
+              <a:t>➡ </a:t>
+            </a:r>
+            <a:r>
+              <a:rPr kumimoji="1" lang="en-US" altLang="ja-JP" sz="2400" dirty="0" err="1">
+                <a:latin typeface="メイリオ" panose="020B0604030504040204" pitchFamily="50" charset="-128"/>
+                <a:ea typeface="メイリオ" panose="020B0604030504040204" pitchFamily="50" charset="-128"/>
+              </a:rPr>
+              <a:t>BoW</a:t>
+            </a:r>
+            <a:r>
+              <a:rPr kumimoji="1" lang="ja-JP" altLang="en-US" sz="2400" dirty="0">
+                <a:latin typeface="メイリオ" panose="020B0604030504040204" pitchFamily="50" charset="-128"/>
+                <a:ea typeface="メイリオ" panose="020B0604030504040204" pitchFamily="50" charset="-128"/>
+              </a:rPr>
+              <a:t>は冗長な次元数になっている</a:t>
+            </a:r>
+          </a:p>
+        </p:txBody>
+      </p:sp>
+    </p:spTree>
+    <p:extLst>
+      <p:ext uri="{BB962C8B-B14F-4D97-AF65-F5344CB8AC3E}">
+        <p14:creationId xmlns:p14="http://schemas.microsoft.com/office/powerpoint/2010/main" val="3546901380"/>
+      </p:ext>
+    </p:extLst>
+  </p:cSld>
+  <p:clrMapOvr>
+    <a:masterClrMapping/>
+  </p:clrMapOvr>
+</p:sld>
+</file>
+
+<file path=ppt/slides/slide22.xml><?xml version="1.0" encoding="utf-8"?>
+<p:sld xmlns:a="http://schemas.openxmlformats.org/drawingml/2006/main" xmlns:r="http://schemas.openxmlformats.org/officeDocument/2006/relationships" xmlns:p="http://schemas.openxmlformats.org/presentationml/2006/main">
+  <p:cSld>
+    <p:spTree>
+      <p:nvGrpSpPr>
+        <p:cNvPr id="1" name=""/>
+        <p:cNvGrpSpPr/>
+        <p:nvPr/>
+      </p:nvGrpSpPr>
+      <p:grpSpPr>
+        <a:xfrm>
+          <a:off x="0" y="0"/>
+          <a:ext cx="0" cy="0"/>
+          <a:chOff x="0" y="0"/>
+          <a:chExt cx="0" cy="0"/>
+        </a:xfrm>
+      </p:grpSpPr>
+      <p:sp>
+        <p:nvSpPr>
+          <p:cNvPr id="2" name="テキスト ボックス 1">
+            <a:extLst>
+              <a:ext uri="{FF2B5EF4-FFF2-40B4-BE49-F238E27FC236}">
                 <a16:creationId xmlns:a16="http://schemas.microsoft.com/office/drawing/2014/main" id="{F0E9B116-F0A0-DA64-1B8F-561B4360CFCF}"/>
               </a:ext>
             </a:extLst>
@@ -15538,7 +19100,7 @@
         <p:spPr>
           <a:xfrm>
             <a:off x="722193" y="4933633"/>
-            <a:ext cx="11469807" cy="1938992"/>
+            <a:ext cx="9432390" cy="1631216"/>
           </a:xfrm>
           <a:prstGeom prst="rect">
             <a:avLst/>
@@ -15553,34 +19115,34 @@
           <a:p>
             <a:pPr algn="l"/>
             <a:r>
-              <a:rPr kumimoji="1" lang="ja-JP" altLang="en-US" sz="2400" dirty="0">
+              <a:rPr kumimoji="1" lang="ja-JP" altLang="en-US" sz="2000" dirty="0">
                 <a:latin typeface="メイリオ" panose="020B0604030504040204" pitchFamily="50" charset="-128"/>
                 <a:ea typeface="メイリオ" panose="020B0604030504040204" pitchFamily="50" charset="-128"/>
               </a:rPr>
               <a:t>以下のように頻度は大きいが、偏って出現する単語は</a:t>
             </a:r>
             <a:r>
-              <a:rPr kumimoji="1" lang="en-US" altLang="ja-JP" sz="2400" dirty="0" err="1">
+              <a:rPr kumimoji="1" lang="en-US" altLang="ja-JP" sz="2000" dirty="0" err="1">
                 <a:latin typeface="メイリオ" panose="020B0604030504040204" pitchFamily="50" charset="-128"/>
                 <a:ea typeface="メイリオ" panose="020B0604030504040204" pitchFamily="50" charset="-128"/>
               </a:rPr>
               <a:t>max_df</a:t>
             </a:r>
             <a:r>
-              <a:rPr kumimoji="1" lang="en-US" altLang="ja-JP" sz="2400" dirty="0">
+              <a:rPr kumimoji="1" lang="en-US" altLang="ja-JP" sz="2000" dirty="0">
                 <a:latin typeface="メイリオ" panose="020B0604030504040204" pitchFamily="50" charset="-128"/>
                 <a:ea typeface="メイリオ" panose="020B0604030504040204" pitchFamily="50" charset="-128"/>
               </a:rPr>
               <a:t>=0.8</a:t>
             </a:r>
             <a:r>
-              <a:rPr kumimoji="1" lang="ja-JP" altLang="en-US" sz="2400" dirty="0">
+              <a:rPr kumimoji="1" lang="ja-JP" altLang="en-US" sz="2000" dirty="0">
                 <a:latin typeface="メイリオ" panose="020B0604030504040204" pitchFamily="50" charset="-128"/>
                 <a:ea typeface="メイリオ" panose="020B0604030504040204" pitchFamily="50" charset="-128"/>
               </a:rPr>
               <a:t>としたときに</a:t>
             </a:r>
-            <a:endParaRPr kumimoji="1" lang="en-US" altLang="ja-JP" sz="2400" dirty="0">
+            <a:endParaRPr kumimoji="1" lang="en-US" altLang="ja-JP" sz="2000" dirty="0">
               <a:latin typeface="メイリオ" panose="020B0604030504040204" pitchFamily="50" charset="-128"/>
               <a:ea typeface="メイリオ" panose="020B0604030504040204" pitchFamily="50" charset="-128"/>
             </a:endParaRPr>
@@ -15588,20 +19150,20 @@
           <a:p>
             <a:pPr algn="l"/>
             <a:r>
-              <a:rPr kumimoji="1" lang="ja-JP" altLang="en-US" sz="2400" dirty="0">
+              <a:rPr kumimoji="1" lang="ja-JP" altLang="en-US" sz="2000" dirty="0">
                 <a:latin typeface="メイリオ" panose="020B0604030504040204" pitchFamily="50" charset="-128"/>
                 <a:ea typeface="メイリオ" panose="020B0604030504040204" pitchFamily="50" charset="-128"/>
               </a:rPr>
               <a:t>フィルタされるか？</a:t>
             </a:r>
-            <a:endParaRPr kumimoji="1" lang="en-US" altLang="ja-JP" sz="2400" dirty="0">
+            <a:endParaRPr kumimoji="1" lang="en-US" altLang="ja-JP" sz="2000" dirty="0">
               <a:latin typeface="メイリオ" panose="020B0604030504040204" pitchFamily="50" charset="-128"/>
               <a:ea typeface="メイリオ" panose="020B0604030504040204" pitchFamily="50" charset="-128"/>
             </a:endParaRPr>
           </a:p>
           <a:p>
             <a:pPr algn="l"/>
-            <a:endParaRPr kumimoji="1" lang="en-US" altLang="ja-JP" sz="2400" dirty="0">
+            <a:endParaRPr kumimoji="1" lang="en-US" altLang="ja-JP" sz="2000" dirty="0">
               <a:latin typeface="メイリオ" panose="020B0604030504040204" pitchFamily="50" charset="-128"/>
               <a:ea typeface="メイリオ" panose="020B0604030504040204" pitchFamily="50" charset="-128"/>
             </a:endParaRPr>
@@ -15609,28 +19171,28 @@
           <a:p>
             <a:pPr algn="l"/>
             <a:r>
-              <a:rPr kumimoji="1" lang="ja-JP" altLang="en-US" sz="2400" dirty="0">
+              <a:rPr kumimoji="1" lang="ja-JP" altLang="en-US" sz="2000" dirty="0">
                 <a:latin typeface="メイリオ" panose="020B0604030504040204" pitchFamily="50" charset="-128"/>
                 <a:ea typeface="メイリオ" panose="020B0604030504040204" pitchFamily="50" charset="-128"/>
               </a:rPr>
               <a:t>　　シュークリーム口コミ数 </a:t>
             </a:r>
             <a:r>
-              <a:rPr kumimoji="1" lang="en-US" altLang="ja-JP" sz="2400" dirty="0">
+              <a:rPr kumimoji="1" lang="en-US" altLang="ja-JP" sz="2000" dirty="0">
                 <a:latin typeface="メイリオ" panose="020B0604030504040204" pitchFamily="50" charset="-128"/>
                 <a:ea typeface="メイリオ" panose="020B0604030504040204" pitchFamily="50" charset="-128"/>
               </a:rPr>
               <a:t>25</a:t>
             </a:r>
             <a:r>
-              <a:rPr kumimoji="1" lang="ja-JP" altLang="en-US" sz="2400" dirty="0">
+              <a:rPr kumimoji="1" lang="ja-JP" altLang="en-US" sz="2000" dirty="0">
                 <a:latin typeface="メイリオ" panose="020B0604030504040204" pitchFamily="50" charset="-128"/>
                 <a:ea typeface="メイリオ" panose="020B0604030504040204" pitchFamily="50" charset="-128"/>
               </a:rPr>
               <a:t>　プリン口コミ数 </a:t>
             </a:r>
             <a:r>
-              <a:rPr kumimoji="1" lang="en-US" altLang="ja-JP" sz="2400" dirty="0">
+              <a:rPr kumimoji="1" lang="en-US" altLang="ja-JP" sz="2000" dirty="0">
                 <a:latin typeface="メイリオ" panose="020B0604030504040204" pitchFamily="50" charset="-128"/>
                 <a:ea typeface="メイリオ" panose="020B0604030504040204" pitchFamily="50" charset="-128"/>
               </a:rPr>
@@ -15640,35 +19202,35 @@
           <a:p>
             <a:pPr algn="l"/>
             <a:r>
-              <a:rPr kumimoji="1" lang="ja-JP" altLang="en-US" sz="2400" dirty="0">
+              <a:rPr kumimoji="1" lang="ja-JP" altLang="en-US" sz="2000" dirty="0">
                 <a:latin typeface="メイリオ" panose="020B0604030504040204" pitchFamily="50" charset="-128"/>
                 <a:ea typeface="メイリオ" panose="020B0604030504040204" pitchFamily="50" charset="-128"/>
               </a:rPr>
               <a:t>　　</a:t>
             </a:r>
             <a:r>
-              <a:rPr kumimoji="1" lang="en-US" altLang="ja-JP" sz="2400" dirty="0">
+              <a:rPr kumimoji="1" lang="en-US" altLang="ja-JP" sz="2000" dirty="0">
                 <a:latin typeface="メイリオ" panose="020B0604030504040204" pitchFamily="50" charset="-128"/>
                 <a:ea typeface="メイリオ" panose="020B0604030504040204" pitchFamily="50" charset="-128"/>
               </a:rPr>
               <a:t>  ‘</a:t>
             </a:r>
             <a:r>
-              <a:rPr kumimoji="1" lang="ja-JP" altLang="en-US" sz="2400" dirty="0">
+              <a:rPr kumimoji="1" lang="ja-JP" altLang="en-US" sz="2000" dirty="0">
                 <a:latin typeface="メイリオ" panose="020B0604030504040204" pitchFamily="50" charset="-128"/>
                 <a:ea typeface="メイリオ" panose="020B0604030504040204" pitchFamily="50" charset="-128"/>
               </a:rPr>
               <a:t>カスタード</a:t>
             </a:r>
             <a:r>
-              <a:rPr kumimoji="1" lang="en-US" altLang="ja-JP" sz="2400" dirty="0">
+              <a:rPr kumimoji="1" lang="en-US" altLang="ja-JP" sz="2000" dirty="0">
                 <a:latin typeface="メイリオ" panose="020B0604030504040204" pitchFamily="50" charset="-128"/>
                 <a:ea typeface="メイリオ" panose="020B0604030504040204" pitchFamily="50" charset="-128"/>
               </a:rPr>
               <a:t>’50</a:t>
             </a:r>
             <a:r>
-              <a:rPr kumimoji="1" lang="ja-JP" altLang="en-US" sz="2400" dirty="0">
+              <a:rPr kumimoji="1" lang="ja-JP" altLang="en-US" sz="2000" dirty="0">
                 <a:latin typeface="メイリオ" panose="020B0604030504040204" pitchFamily="50" charset="-128"/>
                 <a:ea typeface="メイリオ" panose="020B0604030504040204" pitchFamily="50" charset="-128"/>
               </a:rPr>
@@ -15741,7 +19303,7 @@
 </p:sld>
 </file>
 
-<file path=ppt/slides/slide21.xml><?xml version="1.0" encoding="utf-8"?>
+<file path=ppt/slides/slide23.xml><?xml version="1.0" encoding="utf-8"?>
 <p:sld xmlns:a="http://schemas.openxmlformats.org/drawingml/2006/main" xmlns:r="http://schemas.openxmlformats.org/officeDocument/2006/relationships" xmlns:p="http://schemas.openxmlformats.org/presentationml/2006/main">
   <p:cSld>
     <p:spTree>
@@ -16388,7 +19950,7 @@
 </p:sld>
 </file>
 
-<file path=ppt/slides/slide22.xml><?xml version="1.0" encoding="utf-8"?>
+<file path=ppt/slides/slide24.xml><?xml version="1.0" encoding="utf-8"?>
 <p:sld xmlns:a="http://schemas.openxmlformats.org/drawingml/2006/main" xmlns:r="http://schemas.openxmlformats.org/officeDocument/2006/relationships" xmlns:p="http://schemas.openxmlformats.org/presentationml/2006/main">
   <p:cSld>
     <p:spTree>
@@ -16585,7 +20147,7 @@
 </p:sld>
 </file>
 
-<file path=ppt/slides/slide23.xml><?xml version="1.0" encoding="utf-8"?>
+<file path=ppt/slides/slide25.xml><?xml version="1.0" encoding="utf-8"?>
 <p:sld xmlns:a="http://schemas.openxmlformats.org/drawingml/2006/main" xmlns:r="http://schemas.openxmlformats.org/officeDocument/2006/relationships" xmlns:p="http://schemas.openxmlformats.org/presentationml/2006/main">
   <p:cSld>
     <p:spTree>
@@ -17137,7 +20699,7 @@
 </p:sld>
 </file>
 
-<file path=ppt/slides/slide24.xml><?xml version="1.0" encoding="utf-8"?>
+<file path=ppt/slides/slide26.xml><?xml version="1.0" encoding="utf-8"?>
 <p:sld xmlns:a="http://schemas.openxmlformats.org/drawingml/2006/main" xmlns:r="http://schemas.openxmlformats.org/officeDocument/2006/relationships" xmlns:p="http://schemas.openxmlformats.org/presentationml/2006/main">
   <p:cSld>
     <p:spTree>
@@ -18251,7 +21813,412 @@
 </p:sld>
 </file>
 
-<file path=ppt/slides/slide25.xml><?xml version="1.0" encoding="utf-8"?>
+<file path=ppt/slides/slide27.xml><?xml version="1.0" encoding="utf-8"?>
+<p:sld xmlns:a="http://schemas.openxmlformats.org/drawingml/2006/main" xmlns:r="http://schemas.openxmlformats.org/officeDocument/2006/relationships" xmlns:p="http://schemas.openxmlformats.org/presentationml/2006/main">
+  <p:cSld>
+    <p:spTree>
+      <p:nvGrpSpPr>
+        <p:cNvPr id="1" name=""/>
+        <p:cNvGrpSpPr/>
+        <p:nvPr/>
+      </p:nvGrpSpPr>
+      <p:grpSpPr>
+        <a:xfrm>
+          <a:off x="0" y="0"/>
+          <a:ext cx="0" cy="0"/>
+          <a:chOff x="0" y="0"/>
+          <a:chExt cx="0" cy="0"/>
+        </a:xfrm>
+      </p:grpSpPr>
+      <p:sp>
+        <p:nvSpPr>
+          <p:cNvPr id="2" name="テキスト ボックス 1">
+            <a:extLst>
+              <a:ext uri="{FF2B5EF4-FFF2-40B4-BE49-F238E27FC236}">
+                <a16:creationId xmlns:a16="http://schemas.microsoft.com/office/drawing/2014/main" id="{535CD0DA-FC1E-F960-B222-E0C8E858704D}"/>
+              </a:ext>
+            </a:extLst>
+          </p:cNvPr>
+          <p:cNvSpPr txBox="1"/>
+          <p:nvPr/>
+        </p:nvSpPr>
+        <p:spPr>
+          <a:xfrm>
+            <a:off x="650631" y="685800"/>
+            <a:ext cx="4801314" cy="461665"/>
+          </a:xfrm>
+          <a:prstGeom prst="rect">
+            <a:avLst/>
+          </a:prstGeom>
+          <a:noFill/>
+        </p:spPr>
+        <p:txBody>
+          <a:bodyPr wrap="none" rtlCol="0">
+            <a:spAutoFit/>
+          </a:bodyPr>
+          <a:lstStyle/>
+          <a:p>
+            <a:pPr algn="l"/>
+            <a:r>
+              <a:rPr kumimoji="1" lang="ja-JP" altLang="en-US" sz="2400" dirty="0">
+                <a:latin typeface="メイリオ" panose="020B0604030504040204" pitchFamily="50" charset="-128"/>
+                <a:ea typeface="メイリオ" panose="020B0604030504040204" pitchFamily="50" charset="-128"/>
+              </a:rPr>
+              <a:t>文書の確率と形態素の確率の違い</a:t>
+            </a:r>
+          </a:p>
+        </p:txBody>
+      </p:sp>
+      <p:sp>
+        <p:nvSpPr>
+          <p:cNvPr id="3" name="テキスト ボックス 2">
+            <a:extLst>
+              <a:ext uri="{FF2B5EF4-FFF2-40B4-BE49-F238E27FC236}">
+                <a16:creationId xmlns:a16="http://schemas.microsoft.com/office/drawing/2014/main" id="{B03D84AE-8009-E27F-FCF0-BCAB46C7C40B}"/>
+              </a:ext>
+            </a:extLst>
+          </p:cNvPr>
+          <p:cNvSpPr txBox="1"/>
+          <p:nvPr/>
+        </p:nvSpPr>
+        <p:spPr>
+          <a:xfrm>
+            <a:off x="729762" y="1960685"/>
+            <a:ext cx="6647974" cy="461665"/>
+          </a:xfrm>
+          <a:prstGeom prst="rect">
+            <a:avLst/>
+          </a:prstGeom>
+          <a:noFill/>
+        </p:spPr>
+        <p:txBody>
+          <a:bodyPr wrap="none" rtlCol="0">
+            <a:spAutoFit/>
+          </a:bodyPr>
+          <a:lstStyle/>
+          <a:p>
+            <a:pPr algn="l"/>
+            <a:r>
+              <a:rPr kumimoji="1" lang="ja-JP" altLang="en-US" sz="2400" dirty="0">
+                <a:latin typeface="メイリオ" panose="020B0604030504040204" pitchFamily="50" charset="-128"/>
+                <a:ea typeface="メイリオ" panose="020B0604030504040204" pitchFamily="50" charset="-128"/>
+              </a:rPr>
+              <a:t>文書の確率では、単語どうしは独立と仮定する</a:t>
+            </a:r>
+          </a:p>
+        </p:txBody>
+      </p:sp>
+      <p:sp>
+        <p:nvSpPr>
+          <p:cNvPr id="4" name="テキスト ボックス 3">
+            <a:extLst>
+              <a:ext uri="{FF2B5EF4-FFF2-40B4-BE49-F238E27FC236}">
+                <a16:creationId xmlns:a16="http://schemas.microsoft.com/office/drawing/2014/main" id="{9BBDF7DD-28FC-A501-4FDA-816FE70F29EB}"/>
+              </a:ext>
+            </a:extLst>
+          </p:cNvPr>
+          <p:cNvSpPr txBox="1"/>
+          <p:nvPr/>
+        </p:nvSpPr>
+        <p:spPr>
+          <a:xfrm>
+            <a:off x="764931" y="3235569"/>
+            <a:ext cx="11572399" cy="830997"/>
+          </a:xfrm>
+          <a:prstGeom prst="rect">
+            <a:avLst/>
+          </a:prstGeom>
+          <a:noFill/>
+        </p:spPr>
+        <p:txBody>
+          <a:bodyPr wrap="none" rtlCol="0">
+            <a:spAutoFit/>
+          </a:bodyPr>
+          <a:lstStyle/>
+          <a:p>
+            <a:pPr algn="l"/>
+            <a:r>
+              <a:rPr kumimoji="1" lang="ja-JP" altLang="en-US" sz="2400" dirty="0">
+                <a:latin typeface="メイリオ" panose="020B0604030504040204" pitchFamily="50" charset="-128"/>
+                <a:ea typeface="メイリオ" panose="020B0604030504040204" pitchFamily="50" charset="-128"/>
+              </a:rPr>
+              <a:t>次に出現する単語を正確に予測するには条件付確率が必要</a:t>
+            </a:r>
+            <a:endParaRPr kumimoji="1" lang="en-US" altLang="ja-JP" sz="2400" dirty="0">
+              <a:latin typeface="メイリオ" panose="020B0604030504040204" pitchFamily="50" charset="-128"/>
+              <a:ea typeface="メイリオ" panose="020B0604030504040204" pitchFamily="50" charset="-128"/>
+            </a:endParaRPr>
+          </a:p>
+          <a:p>
+            <a:pPr algn="l"/>
+            <a:r>
+              <a:rPr kumimoji="1" lang="ja-JP" altLang="en-US" sz="2400" dirty="0">
+                <a:latin typeface="メイリオ" panose="020B0604030504040204" pitchFamily="50" charset="-128"/>
+                <a:ea typeface="メイリオ" panose="020B0604030504040204" pitchFamily="50" charset="-128"/>
+              </a:rPr>
+              <a:t>文書が何を表現しているか特徴を捉える程度なら、条件付じゃなくてよい（独立）</a:t>
+            </a:r>
+          </a:p>
+        </p:txBody>
+      </p:sp>
+      <p:sp>
+        <p:nvSpPr>
+          <p:cNvPr id="5" name="テキスト ボックス 4">
+            <a:extLst>
+              <a:ext uri="{FF2B5EF4-FFF2-40B4-BE49-F238E27FC236}">
+                <a16:creationId xmlns:a16="http://schemas.microsoft.com/office/drawing/2014/main" id="{25F74475-F814-2F4D-7B71-A3E9ED794705}"/>
+              </a:ext>
+            </a:extLst>
+          </p:cNvPr>
+          <p:cNvSpPr txBox="1"/>
+          <p:nvPr/>
+        </p:nvSpPr>
+        <p:spPr>
+          <a:xfrm>
+            <a:off x="931985" y="211015"/>
+            <a:ext cx="8268610" cy="461665"/>
+          </a:xfrm>
+          <a:prstGeom prst="rect">
+            <a:avLst/>
+          </a:prstGeom>
+          <a:noFill/>
+        </p:spPr>
+        <p:txBody>
+          <a:bodyPr wrap="none" rtlCol="0">
+            <a:spAutoFit/>
+          </a:bodyPr>
+          <a:lstStyle/>
+          <a:p>
+            <a:pPr algn="l"/>
+            <a:r>
+              <a:rPr kumimoji="1" lang="ja-JP" altLang="en-US" sz="2400" dirty="0">
+                <a:latin typeface="メイリオ" panose="020B0604030504040204" pitchFamily="50" charset="-128"/>
+                <a:ea typeface="メイリオ" panose="020B0604030504040204" pitchFamily="50" charset="-128"/>
+              </a:rPr>
+              <a:t>ところで</a:t>
+            </a:r>
+            <a:r>
+              <a:rPr kumimoji="1" lang="en-US" altLang="ja-JP" sz="2400" dirty="0" err="1">
+                <a:latin typeface="メイリオ" panose="020B0604030504040204" pitchFamily="50" charset="-128"/>
+                <a:ea typeface="メイリオ" panose="020B0604030504040204" pitchFamily="50" charset="-128"/>
+              </a:rPr>
+              <a:t>BoW</a:t>
+            </a:r>
+            <a:r>
+              <a:rPr kumimoji="1" lang="ja-JP" altLang="en-US" sz="2400" dirty="0">
+                <a:latin typeface="メイリオ" panose="020B0604030504040204" pitchFamily="50" charset="-128"/>
+                <a:ea typeface="メイリオ" panose="020B0604030504040204" pitchFamily="50" charset="-128"/>
+              </a:rPr>
+              <a:t>はどうして単語の順番を考えなくてよいのか</a:t>
+            </a:r>
+          </a:p>
+        </p:txBody>
+      </p:sp>
+      <p:sp>
+        <p:nvSpPr>
+          <p:cNvPr id="6" name="テキスト ボックス 5">
+            <a:extLst>
+              <a:ext uri="{FF2B5EF4-FFF2-40B4-BE49-F238E27FC236}">
+                <a16:creationId xmlns:a16="http://schemas.microsoft.com/office/drawing/2014/main" id="{6604EEEB-DE90-F630-601B-102E9D6D1B62}"/>
+              </a:ext>
+            </a:extLst>
+          </p:cNvPr>
+          <p:cNvSpPr txBox="1"/>
+          <p:nvPr/>
+        </p:nvSpPr>
+        <p:spPr>
+          <a:xfrm>
+            <a:off x="914400" y="4686300"/>
+            <a:ext cx="4883068" cy="1200329"/>
+          </a:xfrm>
+          <a:prstGeom prst="rect">
+            <a:avLst/>
+          </a:prstGeom>
+          <a:noFill/>
+        </p:spPr>
+        <p:txBody>
+          <a:bodyPr wrap="none" rtlCol="0">
+            <a:spAutoFit/>
+          </a:bodyPr>
+          <a:lstStyle/>
+          <a:p>
+            <a:pPr algn="l"/>
+            <a:r>
+              <a:rPr kumimoji="1" lang="en-US" altLang="ja-JP" sz="2400" dirty="0">
+                <a:latin typeface="メイリオ" panose="020B0604030504040204" pitchFamily="50" charset="-128"/>
+                <a:ea typeface="メイリオ" panose="020B0604030504040204" pitchFamily="50" charset="-128"/>
+              </a:rPr>
+              <a:t>ChatGPT</a:t>
+            </a:r>
+            <a:r>
+              <a:rPr kumimoji="1" lang="ja-JP" altLang="en-US" sz="2400" dirty="0">
+                <a:latin typeface="メイリオ" panose="020B0604030504040204" pitchFamily="50" charset="-128"/>
+                <a:ea typeface="メイリオ" panose="020B0604030504040204" pitchFamily="50" charset="-128"/>
+              </a:rPr>
+              <a:t>は単語の確率を計算する</a:t>
+            </a:r>
+            <a:endParaRPr kumimoji="1" lang="en-US" altLang="ja-JP" sz="2400" dirty="0">
+              <a:latin typeface="メイリオ" panose="020B0604030504040204" pitchFamily="50" charset="-128"/>
+              <a:ea typeface="メイリオ" panose="020B0604030504040204" pitchFamily="50" charset="-128"/>
+            </a:endParaRPr>
+          </a:p>
+          <a:p>
+            <a:pPr algn="l"/>
+            <a:endParaRPr kumimoji="1" lang="en-US" altLang="ja-JP" sz="2400" dirty="0">
+              <a:latin typeface="メイリオ" panose="020B0604030504040204" pitchFamily="50" charset="-128"/>
+              <a:ea typeface="メイリオ" panose="020B0604030504040204" pitchFamily="50" charset="-128"/>
+            </a:endParaRPr>
+          </a:p>
+          <a:p>
+            <a:pPr algn="l"/>
+            <a:r>
+              <a:rPr kumimoji="1" lang="en-US" altLang="ja-JP" sz="2400" dirty="0" err="1">
+                <a:latin typeface="メイリオ" panose="020B0604030504040204" pitchFamily="50" charset="-128"/>
+                <a:ea typeface="メイリオ" panose="020B0604030504040204" pitchFamily="50" charset="-128"/>
+              </a:rPr>
+              <a:t>BoW</a:t>
+            </a:r>
+            <a:r>
+              <a:rPr kumimoji="1" lang="ja-JP" altLang="en-US" sz="2400" dirty="0">
+                <a:latin typeface="メイリオ" panose="020B0604030504040204" pitchFamily="50" charset="-128"/>
+                <a:ea typeface="メイリオ" panose="020B0604030504040204" pitchFamily="50" charset="-128"/>
+              </a:rPr>
+              <a:t>は文書特徴を確率でとらえる</a:t>
+            </a:r>
+          </a:p>
+        </p:txBody>
+      </p:sp>
+      <p:sp>
+        <p:nvSpPr>
+          <p:cNvPr id="7" name="テキスト ボックス 6">
+            <a:extLst>
+              <a:ext uri="{FF2B5EF4-FFF2-40B4-BE49-F238E27FC236}">
+                <a16:creationId xmlns:a16="http://schemas.microsoft.com/office/drawing/2014/main" id="{B2EAE16B-F3C3-1AC8-3981-8BCC302E73A9}"/>
+              </a:ext>
+            </a:extLst>
+          </p:cNvPr>
+          <p:cNvSpPr txBox="1"/>
+          <p:nvPr/>
+        </p:nvSpPr>
+        <p:spPr>
+          <a:xfrm>
+            <a:off x="6831623" y="5143500"/>
+            <a:ext cx="2646878" cy="461665"/>
+          </a:xfrm>
+          <a:prstGeom prst="rect">
+            <a:avLst/>
+          </a:prstGeom>
+          <a:noFill/>
+        </p:spPr>
+        <p:txBody>
+          <a:bodyPr wrap="none" rtlCol="0">
+            <a:spAutoFit/>
+          </a:bodyPr>
+          <a:lstStyle/>
+          <a:p>
+            <a:pPr algn="l"/>
+            <a:r>
+              <a:rPr kumimoji="1" lang="ja-JP" altLang="en-US" sz="2400" dirty="0">
+                <a:latin typeface="メイリオ" panose="020B0604030504040204" pitchFamily="50" charset="-128"/>
+                <a:ea typeface="メイリオ" panose="020B0604030504040204" pitchFamily="50" charset="-128"/>
+              </a:rPr>
+              <a:t>今日の天気は晴れ</a:t>
+            </a:r>
+          </a:p>
+        </p:txBody>
+      </p:sp>
+      <p:sp>
+        <p:nvSpPr>
+          <p:cNvPr id="8" name="テキスト ボックス 7">
+            <a:extLst>
+              <a:ext uri="{FF2B5EF4-FFF2-40B4-BE49-F238E27FC236}">
+                <a16:creationId xmlns:a16="http://schemas.microsoft.com/office/drawing/2014/main" id="{40DB50C3-E3A8-26B7-28D7-37FECE16F371}"/>
+              </a:ext>
+            </a:extLst>
+          </p:cNvPr>
+          <p:cNvSpPr txBox="1"/>
+          <p:nvPr/>
+        </p:nvSpPr>
+        <p:spPr>
+          <a:xfrm>
+            <a:off x="6945923" y="6137031"/>
+            <a:ext cx="2646878" cy="461665"/>
+          </a:xfrm>
+          <a:prstGeom prst="rect">
+            <a:avLst/>
+          </a:prstGeom>
+          <a:noFill/>
+        </p:spPr>
+        <p:txBody>
+          <a:bodyPr wrap="none" rtlCol="0">
+            <a:spAutoFit/>
+          </a:bodyPr>
+          <a:lstStyle/>
+          <a:p>
+            <a:pPr algn="l"/>
+            <a:r>
+              <a:rPr kumimoji="1" lang="ja-JP" altLang="en-US" sz="2400" dirty="0">
+                <a:latin typeface="メイリオ" panose="020B0604030504040204" pitchFamily="50" charset="-128"/>
+                <a:ea typeface="メイリオ" panose="020B0604030504040204" pitchFamily="50" charset="-128"/>
+              </a:rPr>
+              <a:t>晴れ　天気　今日</a:t>
+            </a:r>
+          </a:p>
+        </p:txBody>
+      </p:sp>
+      <p:sp>
+        <p:nvSpPr>
+          <p:cNvPr id="9" name="テキスト ボックス 8">
+            <a:extLst>
+              <a:ext uri="{FF2B5EF4-FFF2-40B4-BE49-F238E27FC236}">
+                <a16:creationId xmlns:a16="http://schemas.microsoft.com/office/drawing/2014/main" id="{84DEC314-1A2C-0363-B928-92136DBBF712}"/>
+              </a:ext>
+            </a:extLst>
+          </p:cNvPr>
+          <p:cNvSpPr txBox="1"/>
+          <p:nvPr/>
+        </p:nvSpPr>
+        <p:spPr>
+          <a:xfrm>
+            <a:off x="9952892" y="5539154"/>
+            <a:ext cx="1723549" cy="461665"/>
+          </a:xfrm>
+          <a:prstGeom prst="rect">
+            <a:avLst/>
+          </a:prstGeom>
+          <a:noFill/>
+        </p:spPr>
+        <p:txBody>
+          <a:bodyPr wrap="none" rtlCol="0">
+            <a:spAutoFit/>
+          </a:bodyPr>
+          <a:lstStyle/>
+          <a:p>
+            <a:pPr algn="l"/>
+            <a:r>
+              <a:rPr kumimoji="1" lang="ja-JP" altLang="en-US" sz="2400" dirty="0">
+                <a:latin typeface="メイリオ" panose="020B0604030504040204" pitchFamily="50" charset="-128"/>
+                <a:ea typeface="メイリオ" panose="020B0604030504040204" pitchFamily="50" charset="-128"/>
+              </a:rPr>
+              <a:t>同じ確率！</a:t>
+            </a:r>
+          </a:p>
+        </p:txBody>
+      </p:sp>
+    </p:spTree>
+    <p:extLst>
+      <p:ext uri="{BB962C8B-B14F-4D97-AF65-F5344CB8AC3E}">
+        <p14:creationId xmlns:p14="http://schemas.microsoft.com/office/powerpoint/2010/main" val="4141185052"/>
+      </p:ext>
+    </p:extLst>
+  </p:cSld>
+  <p:clrMapOvr>
+    <a:masterClrMapping/>
+  </p:clrMapOvr>
+</p:sld>
+</file>
+
+<file path=ppt/slides/slide28.xml><?xml version="1.0" encoding="utf-8"?>
 <p:sld xmlns:a="http://schemas.openxmlformats.org/drawingml/2006/main" xmlns:r="http://schemas.openxmlformats.org/officeDocument/2006/relationships" xmlns:p="http://schemas.openxmlformats.org/presentationml/2006/main">
   <p:cSld>
     <p:spTree>
@@ -18527,7 +22494,7 @@
 </p:sld>
 </file>
 
-<file path=ppt/slides/slide26.xml><?xml version="1.0" encoding="utf-8"?>
+<file path=ppt/slides/slide29.xml><?xml version="1.0" encoding="utf-8"?>
 <p:sld xmlns:a="http://schemas.openxmlformats.org/drawingml/2006/main" xmlns:r="http://schemas.openxmlformats.org/officeDocument/2006/relationships" xmlns:p="http://schemas.openxmlformats.org/presentationml/2006/main">
   <p:cSld>
     <p:spTree>
@@ -18755,83 +22722,6 @@
       </p:sp>
       <p:sp>
         <p:nvSpPr>
-          <p:cNvPr id="5" name="テキスト ボックス 4">
-            <a:extLst>
-              <a:ext uri="{FF2B5EF4-FFF2-40B4-BE49-F238E27FC236}">
-                <a16:creationId xmlns:a16="http://schemas.microsoft.com/office/drawing/2014/main" id="{29DE272F-31AE-DD36-2AEF-1DEBF2EDF417}"/>
-              </a:ext>
-            </a:extLst>
-          </p:cNvPr>
-          <p:cNvSpPr txBox="1"/>
-          <p:nvPr/>
-        </p:nvSpPr>
-        <p:spPr>
-          <a:xfrm>
-            <a:off x="557048" y="3264492"/>
-            <a:ext cx="10481331" cy="830997"/>
-          </a:xfrm>
-          <a:prstGeom prst="rect">
-            <a:avLst/>
-          </a:prstGeom>
-          <a:noFill/>
-        </p:spPr>
-        <p:txBody>
-          <a:bodyPr wrap="none" rtlCol="0">
-            <a:spAutoFit/>
-          </a:bodyPr>
-          <a:lstStyle/>
-          <a:p>
-            <a:pPr algn="l"/>
-            <a:r>
-              <a:rPr kumimoji="1" lang="ja-JP" altLang="en-US" sz="2400" b="1" dirty="0">
-                <a:latin typeface="メイリオ" panose="020B0604030504040204" pitchFamily="50" charset="-128"/>
-                <a:ea typeface="メイリオ" panose="020B0604030504040204" pitchFamily="50" charset="-128"/>
-              </a:rPr>
-              <a:t>クチコミ１つ１つをベクトル表現することと等しい</a:t>
-            </a:r>
-            <a:endParaRPr kumimoji="1" lang="en-US" altLang="ja-JP" sz="2400" b="1" dirty="0">
-              <a:latin typeface="メイリオ" panose="020B0604030504040204" pitchFamily="50" charset="-128"/>
-              <a:ea typeface="メイリオ" panose="020B0604030504040204" pitchFamily="50" charset="-128"/>
-            </a:endParaRPr>
-          </a:p>
-          <a:p>
-            <a:r>
-              <a:rPr kumimoji="1" lang="ja-JP" altLang="en-US" sz="2400" dirty="0">
-                <a:latin typeface="メイリオ" panose="020B0604030504040204" pitchFamily="50" charset="-128"/>
-                <a:ea typeface="メイリオ" panose="020B0604030504040204" pitchFamily="50" charset="-128"/>
-              </a:rPr>
-              <a:t>　－</a:t>
-            </a:r>
-            <a:r>
-              <a:rPr kumimoji="1" lang="en-US" altLang="ja-JP" sz="2400" dirty="0">
-                <a:latin typeface="メイリオ" panose="020B0604030504040204" pitchFamily="50" charset="-128"/>
-                <a:ea typeface="メイリオ" panose="020B0604030504040204" pitchFamily="50" charset="-128"/>
-              </a:rPr>
-              <a:t>bow_barChart.py</a:t>
-            </a:r>
-            <a:r>
-              <a:rPr kumimoji="1" lang="ja-JP" altLang="en-US" sz="2400" dirty="0">
-                <a:latin typeface="メイリオ" panose="020B0604030504040204" pitchFamily="50" charset="-128"/>
-                <a:ea typeface="メイリオ" panose="020B0604030504040204" pitchFamily="50" charset="-128"/>
-              </a:rPr>
-              <a:t>を実行して以下のファイルの中身を見て</a:t>
-            </a:r>
-            <a:r>
-              <a:rPr kumimoji="1" lang="ja-JP" altLang="en-US" sz="2400">
-                <a:latin typeface="メイリオ" panose="020B0604030504040204" pitchFamily="50" charset="-128"/>
-                <a:ea typeface="メイリオ" panose="020B0604030504040204" pitchFamily="50" charset="-128"/>
-              </a:rPr>
-              <a:t>ください。</a:t>
-            </a:r>
-            <a:endParaRPr kumimoji="1" lang="ja-JP" altLang="en-US" sz="2400" b="1" dirty="0">
-              <a:latin typeface="メイリオ" panose="020B0604030504040204" pitchFamily="50" charset="-128"/>
-              <a:ea typeface="メイリオ" panose="020B0604030504040204" pitchFamily="50" charset="-128"/>
-            </a:endParaRPr>
-          </a:p>
-        </p:txBody>
-      </p:sp>
-      <p:sp>
-        <p:nvSpPr>
           <p:cNvPr id="6" name="矢印: 下 5">
             <a:extLst>
               <a:ext uri="{FF2B5EF4-FFF2-40B4-BE49-F238E27FC236}">
@@ -18873,305 +22763,6 @@
           <a:p>
             <a:pPr algn="ctr"/>
             <a:endParaRPr kumimoji="1" lang="ja-JP" altLang="en-US"/>
-          </a:p>
-        </p:txBody>
-      </p:sp>
-      <p:sp>
-        <p:nvSpPr>
-          <p:cNvPr id="7" name="テキスト ボックス 6">
-            <a:extLst>
-              <a:ext uri="{FF2B5EF4-FFF2-40B4-BE49-F238E27FC236}">
-                <a16:creationId xmlns:a16="http://schemas.microsoft.com/office/drawing/2014/main" id="{8B393A1C-1095-7079-2936-551CB703CDCC}"/>
-              </a:ext>
-            </a:extLst>
-          </p:cNvPr>
-          <p:cNvSpPr txBox="1"/>
-          <p:nvPr/>
-        </p:nvSpPr>
-        <p:spPr>
-          <a:xfrm>
-            <a:off x="1261241" y="4993093"/>
-            <a:ext cx="9728945" cy="830997"/>
-          </a:xfrm>
-          <a:prstGeom prst="rect">
-            <a:avLst/>
-          </a:prstGeom>
-          <a:noFill/>
-        </p:spPr>
-        <p:txBody>
-          <a:bodyPr wrap="none" rtlCol="0">
-            <a:spAutoFit/>
-          </a:bodyPr>
-          <a:lstStyle/>
-          <a:p>
-            <a:pPr marL="342900" indent="-342900" algn="l">
-              <a:buFont typeface="Wingdings" panose="05000000000000000000" pitchFamily="2" charset="2"/>
-              <a:buChar char="l"/>
-            </a:pPr>
-            <a:r>
-              <a:rPr kumimoji="1" lang="ja-JP" altLang="en-US" sz="2400" dirty="0">
-                <a:latin typeface="メイリオ" panose="020B0604030504040204" pitchFamily="50" charset="-128"/>
-                <a:ea typeface="メイリオ" panose="020B0604030504040204" pitchFamily="50" charset="-128"/>
-              </a:rPr>
-              <a:t>クチコミ毎に単語のベクトルができている</a:t>
-            </a:r>
-            <a:endParaRPr kumimoji="1" lang="en-US" altLang="ja-JP" sz="2400" dirty="0">
-              <a:latin typeface="メイリオ" panose="020B0604030504040204" pitchFamily="50" charset="-128"/>
-              <a:ea typeface="メイリオ" panose="020B0604030504040204" pitchFamily="50" charset="-128"/>
-            </a:endParaRPr>
-          </a:p>
-          <a:p>
-            <a:pPr marL="342900" indent="-342900" algn="l">
-              <a:buFont typeface="Wingdings" panose="05000000000000000000" pitchFamily="2" charset="2"/>
-              <a:buChar char="l"/>
-            </a:pPr>
-            <a:r>
-              <a:rPr kumimoji="1" lang="ja-JP" altLang="en-US" sz="2400" dirty="0">
-                <a:latin typeface="メイリオ" panose="020B0604030504040204" pitchFamily="50" charset="-128"/>
-                <a:ea typeface="メイリオ" panose="020B0604030504040204" pitchFamily="50" charset="-128"/>
-              </a:rPr>
-              <a:t>列の見出しは、口コミに</a:t>
-            </a:r>
-            <a:r>
-              <a:rPr kumimoji="1" lang="en-US" altLang="ja-JP" sz="2400" dirty="0">
-                <a:latin typeface="メイリオ" panose="020B0604030504040204" pitchFamily="50" charset="-128"/>
-                <a:ea typeface="メイリオ" panose="020B0604030504040204" pitchFamily="50" charset="-128"/>
-              </a:rPr>
-              <a:t>1</a:t>
-            </a:r>
-            <a:r>
-              <a:rPr kumimoji="1" lang="ja-JP" altLang="en-US" sz="2400" dirty="0">
-                <a:latin typeface="メイリオ" panose="020B0604030504040204" pitchFamily="50" charset="-128"/>
-                <a:ea typeface="メイリオ" panose="020B0604030504040204" pitchFamily="50" charset="-128"/>
-              </a:rPr>
-              <a:t>回以上出現した単語（</a:t>
-            </a:r>
-            <a:r>
-              <a:rPr kumimoji="1" lang="en-US" altLang="ja-JP" sz="2400" dirty="0" err="1">
-                <a:latin typeface="メイリオ" panose="020B0604030504040204" pitchFamily="50" charset="-128"/>
-                <a:ea typeface="メイリオ" panose="020B0604030504040204" pitchFamily="50" charset="-128"/>
-              </a:rPr>
-              <a:t>BoW</a:t>
-            </a:r>
-            <a:r>
-              <a:rPr kumimoji="1" lang="ja-JP" altLang="en-US" sz="2400" b="1" dirty="0">
-                <a:latin typeface="メイリオ" panose="020B0604030504040204" pitchFamily="50" charset="-128"/>
-                <a:ea typeface="メイリオ" panose="020B0604030504040204" pitchFamily="50" charset="-128"/>
-              </a:rPr>
-              <a:t>辞書</a:t>
-            </a:r>
-            <a:r>
-              <a:rPr kumimoji="1" lang="ja-JP" altLang="en-US" sz="2400" dirty="0">
-                <a:latin typeface="メイリオ" panose="020B0604030504040204" pitchFamily="50" charset="-128"/>
-                <a:ea typeface="メイリオ" panose="020B0604030504040204" pitchFamily="50" charset="-128"/>
-              </a:rPr>
-              <a:t>と呼ぶ）</a:t>
-            </a:r>
-          </a:p>
-        </p:txBody>
-      </p:sp>
-      <p:sp>
-        <p:nvSpPr>
-          <p:cNvPr id="8" name="テキスト ボックス 7">
-            <a:extLst>
-              <a:ext uri="{FF2B5EF4-FFF2-40B4-BE49-F238E27FC236}">
-                <a16:creationId xmlns:a16="http://schemas.microsoft.com/office/drawing/2014/main" id="{F51B4C79-ABAC-3199-8CE7-033BAF00A483}"/>
-              </a:ext>
-            </a:extLst>
-          </p:cNvPr>
-          <p:cNvSpPr txBox="1"/>
-          <p:nvPr/>
-        </p:nvSpPr>
-        <p:spPr>
-          <a:xfrm>
-            <a:off x="1513926" y="5824090"/>
-            <a:ext cx="2689775" cy="461665"/>
-          </a:xfrm>
-          <a:prstGeom prst="rect">
-            <a:avLst/>
-          </a:prstGeom>
-          <a:noFill/>
-        </p:spPr>
-        <p:txBody>
-          <a:bodyPr wrap="none" rtlCol="0">
-            <a:spAutoFit/>
-          </a:bodyPr>
-          <a:lstStyle/>
-          <a:p>
-            <a:pPr algn="l"/>
-            <a:r>
-              <a:rPr kumimoji="1" lang="en-US" altLang="ja-JP" sz="2400" dirty="0">
-                <a:latin typeface="メイリオ" panose="020B0604030504040204" pitchFamily="50" charset="-128"/>
-                <a:ea typeface="メイリオ" panose="020B0604030504040204" pitchFamily="50" charset="-128"/>
-              </a:rPr>
-              <a:t>tabelog_bow.csv</a:t>
-            </a:r>
-            <a:endParaRPr kumimoji="1" lang="ja-JP" altLang="en-US" sz="2400" dirty="0">
-              <a:latin typeface="メイリオ" panose="020B0604030504040204" pitchFamily="50" charset="-128"/>
-              <a:ea typeface="メイリオ" panose="020B0604030504040204" pitchFamily="50" charset="-128"/>
-            </a:endParaRPr>
-          </a:p>
-        </p:txBody>
-      </p:sp>
-      <p:sp>
-        <p:nvSpPr>
-          <p:cNvPr id="10" name="テキスト ボックス 9">
-            <a:extLst>
-              <a:ext uri="{FF2B5EF4-FFF2-40B4-BE49-F238E27FC236}">
-                <a16:creationId xmlns:a16="http://schemas.microsoft.com/office/drawing/2014/main" id="{4DDC75E6-8F2A-B591-964F-B2C98DC590E0}"/>
-              </a:ext>
-            </a:extLst>
-          </p:cNvPr>
-          <p:cNvSpPr txBox="1"/>
-          <p:nvPr/>
-        </p:nvSpPr>
-        <p:spPr>
-          <a:xfrm>
-            <a:off x="964435" y="4162096"/>
-            <a:ext cx="11086689" cy="830997"/>
-          </a:xfrm>
-          <a:prstGeom prst="rect">
-            <a:avLst/>
-          </a:prstGeom>
-          <a:noFill/>
-        </p:spPr>
-        <p:txBody>
-          <a:bodyPr wrap="none" rtlCol="0">
-            <a:spAutoFit/>
-          </a:bodyPr>
-          <a:lstStyle/>
-          <a:p>
-            <a:pPr algn="l"/>
-            <a:r>
-              <a:rPr kumimoji="1" lang="en-US" altLang="ja-JP" sz="2400" b="1" dirty="0">
-                <a:latin typeface="メイリオ" panose="020B0604030504040204" pitchFamily="50" charset="-128"/>
-                <a:ea typeface="メイリオ" panose="020B0604030504040204" pitchFamily="50" charset="-128"/>
-              </a:rPr>
-              <a:t>Bag of words(</a:t>
-            </a:r>
-            <a:r>
-              <a:rPr kumimoji="1" lang="en-US" altLang="ja-JP" sz="2400" b="1" dirty="0" err="1">
-                <a:latin typeface="メイリオ" panose="020B0604030504040204" pitchFamily="50" charset="-128"/>
-                <a:ea typeface="メイリオ" panose="020B0604030504040204" pitchFamily="50" charset="-128"/>
-              </a:rPr>
-              <a:t>BoW</a:t>
-            </a:r>
-            <a:r>
-              <a:rPr kumimoji="1" lang="en-US" altLang="ja-JP" sz="2400" b="1" dirty="0">
-                <a:latin typeface="メイリオ" panose="020B0604030504040204" pitchFamily="50" charset="-128"/>
-                <a:ea typeface="メイリオ" panose="020B0604030504040204" pitchFamily="50" charset="-128"/>
-              </a:rPr>
-              <a:t>) </a:t>
-            </a:r>
-            <a:r>
-              <a:rPr kumimoji="1" lang="ja-JP" altLang="en-US" sz="2400" b="1" dirty="0">
-                <a:latin typeface="メイリオ" panose="020B0604030504040204" pitchFamily="50" charset="-128"/>
-                <a:ea typeface="メイリオ" panose="020B0604030504040204" pitchFamily="50" charset="-128"/>
-              </a:rPr>
-              <a:t>と呼ばれる自然言語</a:t>
-            </a:r>
-            <a:r>
-              <a:rPr kumimoji="1" lang="en-US" altLang="ja-JP" sz="2400" b="1" dirty="0">
-                <a:latin typeface="メイリオ" panose="020B0604030504040204" pitchFamily="50" charset="-128"/>
-                <a:ea typeface="メイリオ" panose="020B0604030504040204" pitchFamily="50" charset="-128"/>
-              </a:rPr>
-              <a:t>AI</a:t>
-            </a:r>
-            <a:r>
-              <a:rPr kumimoji="1" lang="ja-JP" altLang="en-US" sz="2400" b="1" dirty="0">
-                <a:latin typeface="メイリオ" panose="020B0604030504040204" pitchFamily="50" charset="-128"/>
-                <a:ea typeface="メイリオ" panose="020B0604030504040204" pitchFamily="50" charset="-128"/>
-              </a:rPr>
-              <a:t>のデータセット形式</a:t>
-            </a:r>
-            <a:endParaRPr kumimoji="1" lang="en-US" altLang="ja-JP" sz="2400" b="1" dirty="0">
-              <a:latin typeface="メイリオ" panose="020B0604030504040204" pitchFamily="50" charset="-128"/>
-              <a:ea typeface="メイリオ" panose="020B0604030504040204" pitchFamily="50" charset="-128"/>
-            </a:endParaRPr>
-          </a:p>
-          <a:p>
-            <a:pPr algn="l"/>
-            <a:r>
-              <a:rPr kumimoji="1" lang="ja-JP" altLang="en-US" sz="2400" dirty="0">
-                <a:latin typeface="メイリオ" panose="020B0604030504040204" pitchFamily="50" charset="-128"/>
-                <a:ea typeface="メイリオ" panose="020B0604030504040204" pitchFamily="50" charset="-128"/>
-              </a:rPr>
-              <a:t>（</a:t>
-            </a:r>
-            <a:r>
-              <a:rPr kumimoji="1" lang="en-US" altLang="ja-JP" sz="2400" dirty="0">
-                <a:latin typeface="メイリオ" panose="020B0604030504040204" pitchFamily="50" charset="-128"/>
-                <a:ea typeface="メイリオ" panose="020B0604030504040204" pitchFamily="50" charset="-128"/>
-              </a:rPr>
-              <a:t>Deep Learning </a:t>
-            </a:r>
-            <a:r>
-              <a:rPr kumimoji="1" lang="ja-JP" altLang="en-US" sz="2400" dirty="0">
-                <a:latin typeface="メイリオ" panose="020B0604030504040204" pitchFamily="50" charset="-128"/>
-                <a:ea typeface="メイリオ" panose="020B0604030504040204" pitchFamily="50" charset="-128"/>
-              </a:rPr>
-              <a:t>を含むあらゆる機械学習のほとんどがこの入力形式をとる）</a:t>
-            </a:r>
-          </a:p>
-        </p:txBody>
-      </p:sp>
-      <p:sp>
-        <p:nvSpPr>
-          <p:cNvPr id="12" name="テキスト ボックス 11">
-            <a:extLst>
-              <a:ext uri="{FF2B5EF4-FFF2-40B4-BE49-F238E27FC236}">
-                <a16:creationId xmlns:a16="http://schemas.microsoft.com/office/drawing/2014/main" id="{DDB34042-6CD4-4209-EE31-25B3D21AF856}"/>
-              </a:ext>
-            </a:extLst>
-          </p:cNvPr>
-          <p:cNvSpPr txBox="1"/>
-          <p:nvPr/>
-        </p:nvSpPr>
-        <p:spPr>
-          <a:xfrm>
-            <a:off x="964435" y="6317855"/>
-            <a:ext cx="10868681" cy="461665"/>
-          </a:xfrm>
-          <a:prstGeom prst="rect">
-            <a:avLst/>
-          </a:prstGeom>
-          <a:noFill/>
-        </p:spPr>
-        <p:txBody>
-          <a:bodyPr wrap="none" rtlCol="0">
-            <a:spAutoFit/>
-          </a:bodyPr>
-          <a:lstStyle/>
-          <a:p>
-            <a:pPr algn="l"/>
-            <a:r>
-              <a:rPr kumimoji="1" lang="en-US" altLang="ja-JP" sz="2400" dirty="0" err="1">
-                <a:latin typeface="メイリオ" panose="020B0604030504040204" pitchFamily="50" charset="-128"/>
-                <a:ea typeface="メイリオ" panose="020B0604030504040204" pitchFamily="50" charset="-128"/>
-              </a:rPr>
-              <a:t>BoW</a:t>
-            </a:r>
-            <a:r>
-              <a:rPr kumimoji="1" lang="ja-JP" altLang="en-US" sz="2400" dirty="0">
-                <a:latin typeface="メイリオ" panose="020B0604030504040204" pitchFamily="50" charset="-128"/>
-                <a:ea typeface="メイリオ" panose="020B0604030504040204" pitchFamily="50" charset="-128"/>
-              </a:rPr>
-              <a:t>をうどん</a:t>
-            </a:r>
-            <a:r>
-              <a:rPr kumimoji="1" lang="en-US" altLang="ja-JP" sz="2400" dirty="0">
-                <a:latin typeface="メイリオ" panose="020B0604030504040204" pitchFamily="50" charset="-128"/>
-                <a:ea typeface="メイリオ" panose="020B0604030504040204" pitchFamily="50" charset="-128"/>
-              </a:rPr>
-              <a:t>/</a:t>
-            </a:r>
-            <a:r>
-              <a:rPr kumimoji="1" lang="ja-JP" altLang="en-US" sz="2400" dirty="0">
-                <a:latin typeface="メイリオ" panose="020B0604030504040204" pitchFamily="50" charset="-128"/>
-                <a:ea typeface="メイリオ" panose="020B0604030504040204" pitchFamily="50" charset="-128"/>
-              </a:rPr>
-              <a:t>ラーメン毎に集計すると比較しやすい棒グラフになる（次頁）</a:t>
-            </a:r>
           </a:p>
         </p:txBody>
       </p:sp>
@@ -19363,7 +22954,7 @@
         <p:spPr>
           <a:xfrm>
             <a:off x="294289" y="235074"/>
-            <a:ext cx="3576620" cy="584775"/>
+            <a:ext cx="11993604" cy="584775"/>
           </a:xfrm>
           <a:prstGeom prst="rect">
             <a:avLst/>
@@ -19378,19 +22969,44 @@
           <a:p>
             <a:pPr algn="l"/>
             <a:r>
-              <a:rPr kumimoji="1" lang="en-US" altLang="ja-JP" sz="3200" dirty="0" err="1">
-                <a:latin typeface="メイリオ" panose="020B0604030504040204" pitchFamily="50" charset="-128"/>
-                <a:ea typeface="メイリオ" panose="020B0604030504040204" pitchFamily="50" charset="-128"/>
-              </a:rPr>
-              <a:t>BoW</a:t>
-            </a:r>
-            <a:r>
               <a:rPr kumimoji="1" lang="ja-JP" altLang="en-US" sz="3200" dirty="0">
                 <a:latin typeface="メイリオ" panose="020B0604030504040204" pitchFamily="50" charset="-128"/>
                 <a:ea typeface="メイリオ" panose="020B0604030504040204" pitchFamily="50" charset="-128"/>
               </a:rPr>
-              <a:t>のデータ形式</a:t>
-            </a:r>
+              <a:t>棒グラフの元データは見出し付き表形式</a:t>
+            </a:r>
+            <a:r>
+              <a:rPr kumimoji="1" lang="en-US" altLang="ja-JP" sz="3200" dirty="0">
+                <a:latin typeface="メイリオ" panose="020B0604030504040204" pitchFamily="50" charset="-128"/>
+                <a:ea typeface="メイリオ" panose="020B0604030504040204" pitchFamily="50" charset="-128"/>
+              </a:rPr>
+              <a:t>(</a:t>
+            </a:r>
+            <a:r>
+              <a:rPr kumimoji="1" lang="en-US" altLang="ja-JP" sz="3200" b="1" dirty="0">
+                <a:latin typeface="メイリオ" panose="020B0604030504040204" pitchFamily="50" charset="-128"/>
+                <a:ea typeface="メイリオ" panose="020B0604030504040204" pitchFamily="50" charset="-128"/>
+              </a:rPr>
+              <a:t>Bag of </a:t>
+            </a:r>
+            <a:r>
+              <a:rPr kumimoji="1" lang="en-US" altLang="ja-JP" sz="3200" b="1" dirty="0" err="1">
+                <a:latin typeface="メイリオ" panose="020B0604030504040204" pitchFamily="50" charset="-128"/>
+                <a:ea typeface="メイリオ" panose="020B0604030504040204" pitchFamily="50" charset="-128"/>
+              </a:rPr>
+              <a:t>Words:BoW</a:t>
+            </a:r>
+            <a:r>
+              <a:rPr kumimoji="1" lang="en-US" altLang="ja-JP" sz="3200" dirty="0">
+                <a:latin typeface="メイリオ" panose="020B0604030504040204" pitchFamily="50" charset="-128"/>
+                <a:ea typeface="メイリオ" panose="020B0604030504040204" pitchFamily="50" charset="-128"/>
+              </a:rPr>
+              <a:t>)</a:t>
+            </a:r>
+            <a:endParaRPr kumimoji="1" lang="ja-JP" altLang="en-US" sz="3200" dirty="0">
+              <a:latin typeface="メイリオ" panose="020B0604030504040204" pitchFamily="50" charset="-128"/>
+              <a:ea typeface="メイリオ" panose="020B0604030504040204" pitchFamily="50" charset="-128"/>
+            </a:endParaRPr>
           </a:p>
         </p:txBody>
       </p:sp>
@@ -19548,18 +23164,11 @@
               <a:buAutoNum type="arabicPeriod"/>
             </a:pPr>
             <a:r>
-              <a:rPr kumimoji="1" lang="en-US" altLang="ja-JP" sz="2400" dirty="0" err="1">
-                <a:latin typeface="メイリオ" panose="020B0604030504040204" pitchFamily="50" charset="-128"/>
-                <a:ea typeface="メイリオ" panose="020B0604030504040204" pitchFamily="50" charset="-128"/>
-              </a:rPr>
-              <a:t>BoW</a:t>
-            </a:r>
-            <a:r>
               <a:rPr kumimoji="1" lang="ja-JP" altLang="en-US" sz="2400" dirty="0">
                 <a:latin typeface="メイリオ" panose="020B0604030504040204" pitchFamily="50" charset="-128"/>
                 <a:ea typeface="メイリオ" panose="020B0604030504040204" pitchFamily="50" charset="-128"/>
               </a:rPr>
-              <a:t>の辞書　　要素数（語彙見出しの数）</a:t>
+              <a:t>語彙見出しの数</a:t>
             </a:r>
             <a:r>
               <a:rPr kumimoji="1" lang="en-US" altLang="ja-JP" sz="2400" dirty="0">
@@ -19780,58 +23389,6 @@
       </p:sp>
       <p:sp>
         <p:nvSpPr>
-          <p:cNvPr id="7" name="四角形: 角を丸くする 6">
-            <a:extLst>
-              <a:ext uri="{FF2B5EF4-FFF2-40B4-BE49-F238E27FC236}">
-                <a16:creationId xmlns:a16="http://schemas.microsoft.com/office/drawing/2014/main" id="{EC560CF3-CA8E-7698-69E8-2BF2B712E2D3}"/>
-              </a:ext>
-            </a:extLst>
-          </p:cNvPr>
-          <p:cNvSpPr/>
-          <p:nvPr/>
-        </p:nvSpPr>
-        <p:spPr>
-          <a:xfrm>
-            <a:off x="2422404" y="1863052"/>
-            <a:ext cx="534156" cy="355936"/>
-          </a:xfrm>
-          <a:prstGeom prst="roundRect">
-            <a:avLst/>
-          </a:prstGeom>
-          <a:noFill/>
-          <a:ln w="28575">
-            <a:solidFill>
-              <a:srgbClr val="FFC000"/>
-            </a:solidFill>
-          </a:ln>
-        </p:spPr>
-        <p:style>
-          <a:lnRef idx="2">
-            <a:schemeClr val="accent1">
-              <a:shade val="15000"/>
-            </a:schemeClr>
-          </a:lnRef>
-          <a:fillRef idx="1">
-            <a:schemeClr val="accent1"/>
-          </a:fillRef>
-          <a:effectRef idx="0">
-            <a:schemeClr val="accent1"/>
-          </a:effectRef>
-          <a:fontRef idx="minor">
-            <a:schemeClr val="lt1"/>
-          </a:fontRef>
-        </p:style>
-        <p:txBody>
-          <a:bodyPr rtlCol="0" anchor="ctr"/>
-          <a:lstStyle/>
-          <a:p>
-            <a:pPr algn="ctr"/>
-            <a:endParaRPr kumimoji="1" lang="ja-JP" altLang="en-US"/>
-          </a:p>
-        </p:txBody>
-      </p:sp>
-      <p:sp>
-        <p:nvSpPr>
           <p:cNvPr id="16" name="テキスト ボックス 15">
             <a:extLst>
               <a:ext uri="{FF2B5EF4-FFF2-40B4-BE49-F238E27FC236}">
@@ -19905,10 +23462,10 @@
       </p:grpSpPr>
       <p:sp>
         <p:nvSpPr>
-          <p:cNvPr id="2" name="テキスト ボックス 1">
+          <p:cNvPr id="5" name="テキスト ボックス 4">
             <a:extLst>
               <a:ext uri="{FF2B5EF4-FFF2-40B4-BE49-F238E27FC236}">
-                <a16:creationId xmlns:a16="http://schemas.microsoft.com/office/drawing/2014/main" id="{47B71DCA-A8A2-4831-B691-D8F1608ED5CD}"/>
+                <a16:creationId xmlns:a16="http://schemas.microsoft.com/office/drawing/2014/main" id="{29DE272F-31AE-DD36-2AEF-1DEBF2EDF417}"/>
               </a:ext>
             </a:extLst>
           </p:cNvPr>
@@ -19917,8 +23474,8 @@
         </p:nvSpPr>
         <p:spPr>
           <a:xfrm>
-            <a:off x="722167" y="399495"/>
-            <a:ext cx="4388958" cy="584775"/>
+            <a:off x="650631" y="1033910"/>
+            <a:ext cx="10481331" cy="461665"/>
           </a:xfrm>
           <a:prstGeom prst="rect">
             <a:avLst/>
@@ -19931,37 +23488,40 @@
           </a:bodyPr>
           <a:lstStyle/>
           <a:p>
-            <a:pPr algn="l"/>
-            <a:r>
-              <a:rPr kumimoji="1" lang="en-US" altLang="ja-JP" sz="3200" dirty="0">
-                <a:latin typeface="メイリオ" panose="020B0604030504040204" pitchFamily="50" charset="-128"/>
-                <a:ea typeface="メイリオ" panose="020B0604030504040204" pitchFamily="50" charset="-128"/>
-              </a:rPr>
-              <a:t>Bag of Words(</a:t>
-            </a:r>
-            <a:r>
-              <a:rPr kumimoji="1" lang="en-US" altLang="ja-JP" sz="3200" dirty="0" err="1">
-                <a:latin typeface="メイリオ" panose="020B0604030504040204" pitchFamily="50" charset="-128"/>
-                <a:ea typeface="メイリオ" panose="020B0604030504040204" pitchFamily="50" charset="-128"/>
-              </a:rPr>
-              <a:t>BoW</a:t>
-            </a:r>
-            <a:r>
-              <a:rPr kumimoji="1" lang="ja-JP" altLang="en-US" sz="3200" dirty="0">
-                <a:latin typeface="メイリオ" panose="020B0604030504040204" pitchFamily="50" charset="-128"/>
-                <a:ea typeface="メイリオ" panose="020B0604030504040204" pitchFamily="50" charset="-128"/>
-              </a:rPr>
-              <a:t>）</a:t>
-            </a:r>
-          </a:p>
-        </p:txBody>
-      </p:sp>
-      <p:sp>
-        <p:nvSpPr>
-          <p:cNvPr id="3" name="テキスト ボックス 2">
+            <a:r>
+              <a:rPr kumimoji="1" lang="ja-JP" altLang="en-US" sz="2400" dirty="0">
+                <a:latin typeface="メイリオ" panose="020B0604030504040204" pitchFamily="50" charset="-128"/>
+                <a:ea typeface="メイリオ" panose="020B0604030504040204" pitchFamily="50" charset="-128"/>
+              </a:rPr>
+              <a:t>　－</a:t>
+            </a:r>
+            <a:r>
+              <a:rPr kumimoji="1" lang="en-US" altLang="ja-JP" sz="2400" dirty="0">
+                <a:latin typeface="メイリオ" panose="020B0604030504040204" pitchFamily="50" charset="-128"/>
+                <a:ea typeface="メイリオ" panose="020B0604030504040204" pitchFamily="50" charset="-128"/>
+              </a:rPr>
+              <a:t>bow_barChart.py</a:t>
+            </a:r>
+            <a:r>
+              <a:rPr kumimoji="1" lang="ja-JP" altLang="en-US" sz="2400" dirty="0">
+                <a:latin typeface="メイリオ" panose="020B0604030504040204" pitchFamily="50" charset="-128"/>
+                <a:ea typeface="メイリオ" panose="020B0604030504040204" pitchFamily="50" charset="-128"/>
+              </a:rPr>
+              <a:t>を実行して以下のファイルの中身を見てください。</a:t>
+            </a:r>
+            <a:endParaRPr kumimoji="1" lang="ja-JP" altLang="en-US" sz="2400" b="1" dirty="0">
+              <a:latin typeface="メイリオ" panose="020B0604030504040204" pitchFamily="50" charset="-128"/>
+              <a:ea typeface="メイリオ" panose="020B0604030504040204" pitchFamily="50" charset="-128"/>
+            </a:endParaRPr>
+          </a:p>
+        </p:txBody>
+      </p:sp>
+      <p:sp>
+        <p:nvSpPr>
+          <p:cNvPr id="7" name="テキスト ボックス 6">
             <a:extLst>
               <a:ext uri="{FF2B5EF4-FFF2-40B4-BE49-F238E27FC236}">
-                <a16:creationId xmlns:a16="http://schemas.microsoft.com/office/drawing/2014/main" id="{F4829234-8EAB-DC91-5512-854D1F6CE0ED}"/>
+                <a16:creationId xmlns:a16="http://schemas.microsoft.com/office/drawing/2014/main" id="{8B393A1C-1095-7079-2936-551CB703CDCC}"/>
               </a:ext>
             </a:extLst>
           </p:cNvPr>
@@ -19970,8 +23530,8 @@
         </p:nvSpPr>
         <p:spPr>
           <a:xfrm>
-            <a:off x="722167" y="1228094"/>
-            <a:ext cx="10177061" cy="1569660"/>
+            <a:off x="964435" y="3564917"/>
+            <a:ext cx="9728945" cy="830997"/>
           </a:xfrm>
           <a:prstGeom prst="rect">
             <a:avLst/>
@@ -19979,35 +23539,21 @@
           <a:noFill/>
         </p:spPr>
         <p:txBody>
-          <a:bodyPr wrap="square" rtlCol="0">
+          <a:bodyPr wrap="none" rtlCol="0">
             <a:spAutoFit/>
           </a:bodyPr>
           <a:lstStyle/>
           <a:p>
-            <a:pPr marL="457200" indent="-457200" algn="l">
-              <a:buFont typeface="+mj-lt"/>
-              <a:buAutoNum type="arabicPeriod"/>
+            <a:pPr marL="342900" indent="-342900" algn="l">
+              <a:buFont typeface="Wingdings" panose="05000000000000000000" pitchFamily="2" charset="2"/>
+              <a:buChar char="l"/>
             </a:pPr>
             <a:r>
               <a:rPr kumimoji="1" lang="ja-JP" altLang="en-US" sz="2400" dirty="0">
                 <a:latin typeface="メイリオ" panose="020B0604030504040204" pitchFamily="50" charset="-128"/>
                 <a:ea typeface="メイリオ" panose="020B0604030504040204" pitchFamily="50" charset="-128"/>
               </a:rPr>
-              <a:t>機械学習的に言うと特徴量そのもの（教師ありの場合は、うどん</a:t>
-            </a:r>
-            <a:r>
-              <a:rPr kumimoji="1" lang="en-US" altLang="ja-JP" sz="2400" dirty="0">
-                <a:latin typeface="メイリオ" panose="020B0604030504040204" pitchFamily="50" charset="-128"/>
-                <a:ea typeface="メイリオ" panose="020B0604030504040204" pitchFamily="50" charset="-128"/>
-              </a:rPr>
-              <a:t>/</a:t>
-            </a:r>
-            <a:r>
-              <a:rPr kumimoji="1" lang="ja-JP" altLang="en-US" sz="2400" dirty="0">
-                <a:latin typeface="メイリオ" panose="020B0604030504040204" pitchFamily="50" charset="-128"/>
-                <a:ea typeface="メイリオ" panose="020B0604030504040204" pitchFamily="50" charset="-128"/>
-              </a:rPr>
-              <a:t>ラーメンが教師ラベル）</a:t>
+              <a:t>クチコミ毎に単語のベクトルができている</a:t>
             </a:r>
             <a:endParaRPr kumimoji="1" lang="en-US" altLang="ja-JP" sz="2400" dirty="0">
               <a:latin typeface="メイリオ" panose="020B0604030504040204" pitchFamily="50" charset="-128"/>
@@ -20015,33 +23561,30 @@
             </a:endParaRPr>
           </a:p>
           <a:p>
-            <a:pPr marL="457200" indent="-457200" algn="l">
-              <a:buFont typeface="+mj-lt"/>
-              <a:buAutoNum type="arabicPeriod"/>
+            <a:pPr marL="342900" indent="-342900" algn="l">
+              <a:buFont typeface="Wingdings" panose="05000000000000000000" pitchFamily="2" charset="2"/>
+              <a:buChar char="l"/>
             </a:pPr>
             <a:r>
               <a:rPr kumimoji="1" lang="ja-JP" altLang="en-US" sz="2400" dirty="0">
                 <a:latin typeface="メイリオ" panose="020B0604030504040204" pitchFamily="50" charset="-128"/>
                 <a:ea typeface="メイリオ" panose="020B0604030504040204" pitchFamily="50" charset="-128"/>
               </a:rPr>
-              <a:t>統計学的に言うと説明変数</a:t>
-            </a:r>
-            <a:endParaRPr kumimoji="1" lang="en-US" altLang="ja-JP" sz="2400" dirty="0">
-              <a:latin typeface="メイリオ" panose="020B0604030504040204" pitchFamily="50" charset="-128"/>
-              <a:ea typeface="メイリオ" panose="020B0604030504040204" pitchFamily="50" charset="-128"/>
-            </a:endParaRPr>
-          </a:p>
-          <a:p>
-            <a:pPr marL="457200" indent="-457200" algn="l">
-              <a:buFont typeface="+mj-lt"/>
-              <a:buAutoNum type="arabicPeriod"/>
-            </a:pPr>
+              <a:t>列の見出しは、口コミに</a:t>
+            </a:r>
+            <a:r>
+              <a:rPr kumimoji="1" lang="en-US" altLang="ja-JP" sz="2400" dirty="0">
+                <a:latin typeface="メイリオ" panose="020B0604030504040204" pitchFamily="50" charset="-128"/>
+                <a:ea typeface="メイリオ" panose="020B0604030504040204" pitchFamily="50" charset="-128"/>
+              </a:rPr>
+              <a:t>1</a:t>
+            </a:r>
             <a:r>
               <a:rPr kumimoji="1" lang="ja-JP" altLang="en-US" sz="2400" dirty="0">
                 <a:latin typeface="メイリオ" panose="020B0604030504040204" pitchFamily="50" charset="-128"/>
                 <a:ea typeface="メイリオ" panose="020B0604030504040204" pitchFamily="50" charset="-128"/>
               </a:rPr>
-              <a:t>この講義は以降、すべて</a:t>
+              <a:t>回以上出現した単語（</a:t>
             </a:r>
             <a:r>
               <a:rPr kumimoji="1" lang="en-US" altLang="ja-JP" sz="2400" dirty="0" err="1">
@@ -20051,21 +23594,28 @@
               <a:t>BoW</a:t>
             </a:r>
             <a:r>
+              <a:rPr kumimoji="1" lang="ja-JP" altLang="en-US" sz="2400" b="1" dirty="0">
+                <a:latin typeface="メイリオ" panose="020B0604030504040204" pitchFamily="50" charset="-128"/>
+                <a:ea typeface="メイリオ" panose="020B0604030504040204" pitchFamily="50" charset="-128"/>
+              </a:rPr>
+              <a:t>辞書</a:t>
+            </a:r>
+            <a:r>
               <a:rPr kumimoji="1" lang="ja-JP" altLang="en-US" sz="2400" dirty="0">
                 <a:latin typeface="メイリオ" panose="020B0604030504040204" pitchFamily="50" charset="-128"/>
                 <a:ea typeface="メイリオ" panose="020B0604030504040204" pitchFamily="50" charset="-128"/>
               </a:rPr>
-              <a:t>を前提にすすめます</a:t>
-            </a:r>
-          </a:p>
-        </p:txBody>
-      </p:sp>
-      <p:sp>
-        <p:nvSpPr>
-          <p:cNvPr id="7" name="テキスト ボックス 6">
+              <a:t>と呼ぶ）</a:t>
+            </a:r>
+          </a:p>
+        </p:txBody>
+      </p:sp>
+      <p:sp>
+        <p:nvSpPr>
+          <p:cNvPr id="8" name="テキスト ボックス 7">
             <a:extLst>
               <a:ext uri="{FF2B5EF4-FFF2-40B4-BE49-F238E27FC236}">
-                <a16:creationId xmlns:a16="http://schemas.microsoft.com/office/drawing/2014/main" id="{2569DFA6-3AE3-1E42-95A7-158F497023B1}"/>
+                <a16:creationId xmlns:a16="http://schemas.microsoft.com/office/drawing/2014/main" id="{F51B4C79-ABAC-3199-8CE7-033BAF00A483}"/>
               </a:ext>
             </a:extLst>
           </p:cNvPr>
@@ -20074,8 +23624,8 @@
         </p:nvSpPr>
         <p:spPr>
           <a:xfrm>
-            <a:off x="767255" y="3092246"/>
-            <a:ext cx="10657490" cy="830997"/>
+            <a:off x="7369603" y="3518750"/>
+            <a:ext cx="2689775" cy="461665"/>
           </a:xfrm>
           <a:prstGeom prst="rect">
             <a:avLst/>
@@ -20083,7 +23633,7 @@
           <a:noFill/>
         </p:spPr>
         <p:txBody>
-          <a:bodyPr wrap="square" rtlCol="0">
+          <a:bodyPr wrap="none" rtlCol="0">
             <a:spAutoFit/>
           </a:bodyPr>
           <a:lstStyle/>
@@ -20094,42 +23644,159 @@
                 <a:latin typeface="メイリオ" panose="020B0604030504040204" pitchFamily="50" charset="-128"/>
                 <a:ea typeface="メイリオ" panose="020B0604030504040204" pitchFamily="50" charset="-128"/>
               </a:rPr>
-              <a:t>Web</a:t>
-            </a:r>
+              <a:t>tabelog_bow.csv</a:t>
+            </a:r>
+            <a:endParaRPr kumimoji="1" lang="ja-JP" altLang="en-US" sz="2400" dirty="0">
+              <a:latin typeface="メイリオ" panose="020B0604030504040204" pitchFamily="50" charset="-128"/>
+              <a:ea typeface="メイリオ" panose="020B0604030504040204" pitchFamily="50" charset="-128"/>
+            </a:endParaRPr>
+          </a:p>
+        </p:txBody>
+      </p:sp>
+      <p:sp>
+        <p:nvSpPr>
+          <p:cNvPr id="10" name="テキスト ボックス 9">
+            <a:extLst>
+              <a:ext uri="{FF2B5EF4-FFF2-40B4-BE49-F238E27FC236}">
+                <a16:creationId xmlns:a16="http://schemas.microsoft.com/office/drawing/2014/main" id="{4DDC75E6-8F2A-B591-964F-B2C98DC590E0}"/>
+              </a:ext>
+            </a:extLst>
+          </p:cNvPr>
+          <p:cNvSpPr txBox="1"/>
+          <p:nvPr/>
+        </p:nvSpPr>
+        <p:spPr>
+          <a:xfrm>
+            <a:off x="695195" y="2473973"/>
+            <a:ext cx="11086689" cy="830997"/>
+          </a:xfrm>
+          <a:prstGeom prst="rect">
+            <a:avLst/>
+          </a:prstGeom>
+          <a:noFill/>
+        </p:spPr>
+        <p:txBody>
+          <a:bodyPr wrap="none" rtlCol="0">
+            <a:spAutoFit/>
+          </a:bodyPr>
+          <a:lstStyle/>
+          <a:p>
+            <a:pPr algn="l"/>
+            <a:r>
+              <a:rPr kumimoji="1" lang="en-US" altLang="ja-JP" sz="2400" b="1" dirty="0">
+                <a:latin typeface="メイリオ" panose="020B0604030504040204" pitchFamily="50" charset="-128"/>
+                <a:ea typeface="メイリオ" panose="020B0604030504040204" pitchFamily="50" charset="-128"/>
+              </a:rPr>
+              <a:t>Bag of words(</a:t>
+            </a:r>
+            <a:r>
+              <a:rPr kumimoji="1" lang="en-US" altLang="ja-JP" sz="2400" b="1" dirty="0" err="1">
+                <a:latin typeface="メイリオ" panose="020B0604030504040204" pitchFamily="50" charset="-128"/>
+                <a:ea typeface="メイリオ" panose="020B0604030504040204" pitchFamily="50" charset="-128"/>
+              </a:rPr>
+              <a:t>BoW</a:t>
+            </a:r>
+            <a:r>
+              <a:rPr kumimoji="1" lang="en-US" altLang="ja-JP" sz="2400" b="1" dirty="0">
+                <a:latin typeface="メイリオ" panose="020B0604030504040204" pitchFamily="50" charset="-128"/>
+                <a:ea typeface="メイリオ" panose="020B0604030504040204" pitchFamily="50" charset="-128"/>
+              </a:rPr>
+              <a:t>) </a:t>
+            </a:r>
+            <a:r>
+              <a:rPr kumimoji="1" lang="ja-JP" altLang="en-US" sz="2400" b="1" dirty="0">
+                <a:latin typeface="メイリオ" panose="020B0604030504040204" pitchFamily="50" charset="-128"/>
+                <a:ea typeface="メイリオ" panose="020B0604030504040204" pitchFamily="50" charset="-128"/>
+              </a:rPr>
+              <a:t>と呼ばれる自然言語</a:t>
+            </a:r>
+            <a:r>
+              <a:rPr kumimoji="1" lang="en-US" altLang="ja-JP" sz="2400" b="1" dirty="0">
+                <a:latin typeface="メイリオ" panose="020B0604030504040204" pitchFamily="50" charset="-128"/>
+                <a:ea typeface="メイリオ" panose="020B0604030504040204" pitchFamily="50" charset="-128"/>
+              </a:rPr>
+              <a:t>AI</a:t>
+            </a:r>
+            <a:r>
+              <a:rPr kumimoji="1" lang="ja-JP" altLang="en-US" sz="2400" b="1" dirty="0">
+                <a:latin typeface="メイリオ" panose="020B0604030504040204" pitchFamily="50" charset="-128"/>
+                <a:ea typeface="メイリオ" panose="020B0604030504040204" pitchFamily="50" charset="-128"/>
+              </a:rPr>
+              <a:t>のデータセット形式</a:t>
+            </a:r>
+            <a:endParaRPr kumimoji="1" lang="en-US" altLang="ja-JP" sz="2400" b="1" dirty="0">
+              <a:latin typeface="メイリオ" panose="020B0604030504040204" pitchFamily="50" charset="-128"/>
+              <a:ea typeface="メイリオ" panose="020B0604030504040204" pitchFamily="50" charset="-128"/>
+            </a:endParaRPr>
+          </a:p>
+          <a:p>
+            <a:pPr algn="l"/>
             <a:r>
               <a:rPr kumimoji="1" lang="ja-JP" altLang="en-US" sz="2400" dirty="0">
                 <a:latin typeface="メイリオ" panose="020B0604030504040204" pitchFamily="50" charset="-128"/>
                 <a:ea typeface="メイリオ" panose="020B0604030504040204" pitchFamily="50" charset="-128"/>
               </a:rPr>
-              <a:t>ニュース記事，</a:t>
+              <a:t>（</a:t>
             </a:r>
             <a:r>
               <a:rPr kumimoji="1" lang="en-US" altLang="ja-JP" sz="2400" dirty="0">
                 <a:latin typeface="メイリオ" panose="020B0604030504040204" pitchFamily="50" charset="-128"/>
                 <a:ea typeface="メイリオ" panose="020B0604030504040204" pitchFamily="50" charset="-128"/>
               </a:rPr>
-              <a:t>SNS</a:t>
+              <a:t>Deep Learning </a:t>
             </a:r>
             <a:r>
               <a:rPr kumimoji="1" lang="ja-JP" altLang="en-US" sz="2400" dirty="0">
                 <a:latin typeface="メイリオ" panose="020B0604030504040204" pitchFamily="50" charset="-128"/>
                 <a:ea typeface="メイリオ" panose="020B0604030504040204" pitchFamily="50" charset="-128"/>
               </a:rPr>
-              <a:t>口コミ，書籍の文章　あらゆるテキストデータは</a:t>
-            </a:r>
-            <a:r>
-              <a:rPr kumimoji="1" lang="en-US" altLang="ja-JP" sz="2400" dirty="0" err="1">
+              <a:t>を含むあらゆる機械学習のほとんどがこの入力形式をとる）</a:t>
+            </a:r>
+          </a:p>
+        </p:txBody>
+      </p:sp>
+      <p:sp>
+        <p:nvSpPr>
+          <p:cNvPr id="2" name="テキスト ボックス 1">
+            <a:extLst>
+              <a:ext uri="{FF2B5EF4-FFF2-40B4-BE49-F238E27FC236}">
+                <a16:creationId xmlns:a16="http://schemas.microsoft.com/office/drawing/2014/main" id="{CDDE92F5-E325-E887-C1AC-D264D8488814}"/>
+              </a:ext>
+            </a:extLst>
+          </p:cNvPr>
+          <p:cNvSpPr txBox="1"/>
+          <p:nvPr/>
+        </p:nvSpPr>
+        <p:spPr>
+          <a:xfrm>
+            <a:off x="650631" y="334108"/>
+            <a:ext cx="4397358" cy="584775"/>
+          </a:xfrm>
+          <a:prstGeom prst="rect">
+            <a:avLst/>
+          </a:prstGeom>
+          <a:noFill/>
+        </p:spPr>
+        <p:txBody>
+          <a:bodyPr wrap="none" rtlCol="0">
+            <a:spAutoFit/>
+          </a:bodyPr>
+          <a:lstStyle/>
+          <a:p>
+            <a:pPr algn="l"/>
+            <a:r>
+              <a:rPr kumimoji="1" lang="en-US" altLang="ja-JP" sz="3200" dirty="0" err="1">
                 <a:latin typeface="メイリオ" panose="020B0604030504040204" pitchFamily="50" charset="-128"/>
                 <a:ea typeface="メイリオ" panose="020B0604030504040204" pitchFamily="50" charset="-128"/>
               </a:rPr>
               <a:t>BoW</a:t>
             </a:r>
             <a:r>
-              <a:rPr kumimoji="1" lang="ja-JP" altLang="en-US" sz="2400" dirty="0">
-                <a:latin typeface="メイリオ" panose="020B0604030504040204" pitchFamily="50" charset="-128"/>
-                <a:ea typeface="メイリオ" panose="020B0604030504040204" pitchFamily="50" charset="-128"/>
-              </a:rPr>
-              <a:t>に変換してから機械学習で解析する</a:t>
+              <a:rPr kumimoji="1" lang="ja-JP" altLang="en-US" sz="3200" dirty="0">
+                <a:latin typeface="メイリオ" panose="020B0604030504040204" pitchFamily="50" charset="-128"/>
+                <a:ea typeface="メイリオ" panose="020B0604030504040204" pitchFamily="50" charset="-128"/>
+              </a:rPr>
+              <a:t>によるデータ表現</a:t>
             </a:r>
           </a:p>
         </p:txBody>
@@ -20137,7 +23804,7 @@
     </p:spTree>
     <p:extLst>
       <p:ext uri="{BB962C8B-B14F-4D97-AF65-F5344CB8AC3E}">
-        <p14:creationId xmlns:p14="http://schemas.microsoft.com/office/powerpoint/2010/main" val="381456847"/>
+        <p14:creationId xmlns:p14="http://schemas.microsoft.com/office/powerpoint/2010/main" val="3184773307"/>
       </p:ext>
     </p:extLst>
   </p:cSld>
@@ -20169,7 +23836,7 @@
           <p:cNvPr id="2" name="テキスト ボックス 1">
             <a:extLst>
               <a:ext uri="{FF2B5EF4-FFF2-40B4-BE49-F238E27FC236}">
-                <a16:creationId xmlns:a16="http://schemas.microsoft.com/office/drawing/2014/main" id="{2325BA82-A73D-9B67-6E42-469FCEA5B8CD}"/>
+                <a16:creationId xmlns:a16="http://schemas.microsoft.com/office/drawing/2014/main" id="{47B71DCA-A8A2-4831-B691-D8F1608ED5CD}"/>
               </a:ext>
             </a:extLst>
           </p:cNvPr>
@@ -20178,8 +23845,8 @@
         </p:nvSpPr>
         <p:spPr>
           <a:xfrm>
-            <a:off x="525517" y="578069"/>
-            <a:ext cx="6038833" cy="584775"/>
+            <a:off x="722167" y="399495"/>
+            <a:ext cx="4388958" cy="584775"/>
           </a:xfrm>
           <a:prstGeom prst="rect">
             <a:avLst/>
@@ -20194,25 +23861,25 @@
           <a:p>
             <a:pPr algn="l"/>
             <a:r>
+              <a:rPr kumimoji="1" lang="en-US" altLang="ja-JP" sz="3200" dirty="0">
+                <a:latin typeface="メイリオ" panose="020B0604030504040204" pitchFamily="50" charset="-128"/>
+                <a:ea typeface="メイリオ" panose="020B0604030504040204" pitchFamily="50" charset="-128"/>
+              </a:rPr>
+              <a:t>Bag of Words(</a:t>
+            </a:r>
+            <a:r>
+              <a:rPr kumimoji="1" lang="en-US" altLang="ja-JP" sz="3200" dirty="0" err="1">
+                <a:latin typeface="メイリオ" panose="020B0604030504040204" pitchFamily="50" charset="-128"/>
+                <a:ea typeface="メイリオ" panose="020B0604030504040204" pitchFamily="50" charset="-128"/>
+              </a:rPr>
+              <a:t>BoW</a:t>
+            </a:r>
+            <a:r>
               <a:rPr kumimoji="1" lang="ja-JP" altLang="en-US" sz="3200" dirty="0">
                 <a:latin typeface="メイリオ" panose="020B0604030504040204" pitchFamily="50" charset="-128"/>
                 <a:ea typeface="メイリオ" panose="020B0604030504040204" pitchFamily="50" charset="-128"/>
               </a:rPr>
-              <a:t>演習：</a:t>
-            </a:r>
-            <a:r>
-              <a:rPr kumimoji="1" lang="en-US" altLang="ja-JP" sz="3200" dirty="0" err="1">
-                <a:latin typeface="メイリオ" panose="020B0604030504040204" pitchFamily="50" charset="-128"/>
-                <a:ea typeface="メイリオ" panose="020B0604030504040204" pitchFamily="50" charset="-128"/>
-              </a:rPr>
-              <a:t>BoW</a:t>
-            </a:r>
-            <a:r>
-              <a:rPr kumimoji="1" lang="ja-JP" altLang="en-US" sz="3200" dirty="0">
-                <a:latin typeface="メイリオ" panose="020B0604030504040204" pitchFamily="50" charset="-128"/>
-                <a:ea typeface="メイリオ" panose="020B0604030504040204" pitchFamily="50" charset="-128"/>
-              </a:rPr>
-              <a:t>を手で作成してみる</a:t>
+              <a:t>）</a:t>
             </a:r>
           </a:p>
         </p:txBody>
@@ -20222,7 +23889,7 @@
           <p:cNvPr id="3" name="テキスト ボックス 2">
             <a:extLst>
               <a:ext uri="{FF2B5EF4-FFF2-40B4-BE49-F238E27FC236}">
-                <a16:creationId xmlns:a16="http://schemas.microsoft.com/office/drawing/2014/main" id="{79600242-F11A-0D3E-2E93-EEA64CE68BC5}"/>
+                <a16:creationId xmlns:a16="http://schemas.microsoft.com/office/drawing/2014/main" id="{F4829234-8EAB-DC91-5512-854D1F6CE0ED}"/>
               </a:ext>
             </a:extLst>
           </p:cNvPr>
@@ -20231,8 +23898,8 @@
         </p:nvSpPr>
         <p:spPr>
           <a:xfrm>
-            <a:off x="525517" y="1271751"/>
-            <a:ext cx="4575291" cy="461665"/>
+            <a:off x="722167" y="1228094"/>
+            <a:ext cx="10177061" cy="1569660"/>
           </a:xfrm>
           <a:prstGeom prst="rect">
             <a:avLst/>
@@ -20240,12 +23907,70 @@
           <a:noFill/>
         </p:spPr>
         <p:txBody>
-          <a:bodyPr wrap="none" rtlCol="0">
+          <a:bodyPr wrap="square" rtlCol="0">
             <a:spAutoFit/>
           </a:bodyPr>
           <a:lstStyle/>
           <a:p>
-            <a:pPr algn="l"/>
+            <a:pPr marL="457200" indent="-457200" algn="l">
+              <a:buFont typeface="+mj-lt"/>
+              <a:buAutoNum type="arabicPeriod"/>
+            </a:pPr>
+            <a:r>
+              <a:rPr kumimoji="1" lang="ja-JP" altLang="en-US" sz="2400" dirty="0">
+                <a:latin typeface="メイリオ" panose="020B0604030504040204" pitchFamily="50" charset="-128"/>
+                <a:ea typeface="メイリオ" panose="020B0604030504040204" pitchFamily="50" charset="-128"/>
+              </a:rPr>
+              <a:t>機械学習的に言うと特徴量そのもの（教師ありの場合は、うどん</a:t>
+            </a:r>
+            <a:r>
+              <a:rPr kumimoji="1" lang="en-US" altLang="ja-JP" sz="2400" dirty="0">
+                <a:latin typeface="メイリオ" panose="020B0604030504040204" pitchFamily="50" charset="-128"/>
+                <a:ea typeface="メイリオ" panose="020B0604030504040204" pitchFamily="50" charset="-128"/>
+              </a:rPr>
+              <a:t>/</a:t>
+            </a:r>
+            <a:r>
+              <a:rPr kumimoji="1" lang="ja-JP" altLang="en-US" sz="2400" dirty="0">
+                <a:latin typeface="メイリオ" panose="020B0604030504040204" pitchFamily="50" charset="-128"/>
+                <a:ea typeface="メイリオ" panose="020B0604030504040204" pitchFamily="50" charset="-128"/>
+              </a:rPr>
+              <a:t>ラーメンが教師ラベル）</a:t>
+            </a:r>
+            <a:endParaRPr kumimoji="1" lang="en-US" altLang="ja-JP" sz="2400" dirty="0">
+              <a:latin typeface="メイリオ" panose="020B0604030504040204" pitchFamily="50" charset="-128"/>
+              <a:ea typeface="メイリオ" panose="020B0604030504040204" pitchFamily="50" charset="-128"/>
+            </a:endParaRPr>
+          </a:p>
+          <a:p>
+            <a:pPr marL="457200" indent="-457200" algn="l">
+              <a:buFont typeface="+mj-lt"/>
+              <a:buAutoNum type="arabicPeriod"/>
+            </a:pPr>
+            <a:r>
+              <a:rPr kumimoji="1" lang="ja-JP" altLang="en-US" sz="2400" dirty="0">
+                <a:latin typeface="メイリオ" panose="020B0604030504040204" pitchFamily="50" charset="-128"/>
+                <a:ea typeface="メイリオ" panose="020B0604030504040204" pitchFamily="50" charset="-128"/>
+              </a:rPr>
+              <a:t>統計学的に言うと説明変数</a:t>
+            </a:r>
+            <a:endParaRPr kumimoji="1" lang="en-US" altLang="ja-JP" sz="2400" dirty="0">
+              <a:latin typeface="メイリオ" panose="020B0604030504040204" pitchFamily="50" charset="-128"/>
+              <a:ea typeface="メイリオ" panose="020B0604030504040204" pitchFamily="50" charset="-128"/>
+            </a:endParaRPr>
+          </a:p>
+          <a:p>
+            <a:pPr marL="457200" indent="-457200" algn="l">
+              <a:buFont typeface="+mj-lt"/>
+              <a:buAutoNum type="arabicPeriod"/>
+            </a:pPr>
+            <a:r>
+              <a:rPr kumimoji="1" lang="ja-JP" altLang="en-US" sz="2400" dirty="0">
+                <a:latin typeface="メイリオ" panose="020B0604030504040204" pitchFamily="50" charset="-128"/>
+                <a:ea typeface="メイリオ" panose="020B0604030504040204" pitchFamily="50" charset="-128"/>
+              </a:rPr>
+              <a:t>この講義は以降、すべて</a:t>
+            </a:r>
             <a:r>
               <a:rPr kumimoji="1" lang="en-US" altLang="ja-JP" sz="2400" dirty="0" err="1">
                 <a:latin typeface="メイリオ" panose="020B0604030504040204" pitchFamily="50" charset="-128"/>
@@ -20258,17 +23983,17 @@
                 <a:latin typeface="メイリオ" panose="020B0604030504040204" pitchFamily="50" charset="-128"/>
                 <a:ea typeface="メイリオ" panose="020B0604030504040204" pitchFamily="50" charset="-128"/>
               </a:rPr>
-              <a:t>を作成する手順を理解する</a:t>
-            </a:r>
-          </a:p>
-        </p:txBody>
-      </p:sp>
-      <p:sp>
-        <p:nvSpPr>
-          <p:cNvPr id="4" name="テキスト ボックス 3">
+              <a:t>を前提にすすめます</a:t>
+            </a:r>
+          </a:p>
+        </p:txBody>
+      </p:sp>
+      <p:sp>
+        <p:nvSpPr>
+          <p:cNvPr id="7" name="テキスト ボックス 6">
             <a:extLst>
               <a:ext uri="{FF2B5EF4-FFF2-40B4-BE49-F238E27FC236}">
-                <a16:creationId xmlns:a16="http://schemas.microsoft.com/office/drawing/2014/main" id="{62339313-9BFB-BE08-E4D0-BC22A3DD44E4}"/>
+                <a16:creationId xmlns:a16="http://schemas.microsoft.com/office/drawing/2014/main" id="{2569DFA6-3AE3-1E42-95A7-158F497023B1}"/>
               </a:ext>
             </a:extLst>
           </p:cNvPr>
@@ -20277,8 +24002,8 @@
         </p:nvSpPr>
         <p:spPr>
           <a:xfrm>
-            <a:off x="630620" y="1842323"/>
-            <a:ext cx="11477297" cy="2308324"/>
+            <a:off x="767255" y="3092246"/>
+            <a:ext cx="10657490" cy="830997"/>
           </a:xfrm>
           <a:prstGeom prst="rect">
             <a:avLst/>
@@ -20291,158 +24016,56 @@
           </a:bodyPr>
           <a:lstStyle/>
           <a:p>
-            <a:pPr marL="457200" indent="-457200" algn="l">
-              <a:buFont typeface="+mj-lt"/>
-              <a:buAutoNum type="arabicPeriod"/>
-            </a:pPr>
+            <a:pPr algn="l"/>
             <a:r>
               <a:rPr kumimoji="1" lang="en-US" altLang="ja-JP" sz="2400" dirty="0">
                 <a:latin typeface="メイリオ" panose="020B0604030504040204" pitchFamily="50" charset="-128"/>
                 <a:ea typeface="メイリオ" panose="020B0604030504040204" pitchFamily="50" charset="-128"/>
               </a:rPr>
-              <a:t>Bag_of_words.csv</a:t>
+              <a:t>Web</a:t>
             </a:r>
             <a:r>
               <a:rPr kumimoji="1" lang="ja-JP" altLang="en-US" sz="2400" dirty="0">
                 <a:latin typeface="メイリオ" panose="020B0604030504040204" pitchFamily="50" charset="-128"/>
                 <a:ea typeface="メイリオ" panose="020B0604030504040204" pitchFamily="50" charset="-128"/>
               </a:rPr>
-              <a:t>には、レシピ毎の材料リストが入っている（</a:t>
+              <a:t>ニュース記事，</a:t>
             </a:r>
             <a:r>
               <a:rPr kumimoji="1" lang="en-US" altLang="ja-JP" sz="2400" dirty="0">
                 <a:latin typeface="メイリオ" panose="020B0604030504040204" pitchFamily="50" charset="-128"/>
                 <a:ea typeface="メイリオ" panose="020B0604030504040204" pitchFamily="50" charset="-128"/>
               </a:rPr>
-              <a:t>1</a:t>
+              <a:t>SNS</a:t>
             </a:r>
             <a:r>
               <a:rPr kumimoji="1" lang="ja-JP" altLang="en-US" sz="2400" dirty="0">
                 <a:latin typeface="メイリオ" panose="020B0604030504040204" pitchFamily="50" charset="-128"/>
                 <a:ea typeface="メイリオ" panose="020B0604030504040204" pitchFamily="50" charset="-128"/>
               </a:rPr>
-              <a:t>行</a:t>
-            </a:r>
-            <a:r>
-              <a:rPr kumimoji="1" lang="en-US" altLang="ja-JP" sz="2400" dirty="0">
-                <a:latin typeface="メイリオ" panose="020B0604030504040204" pitchFamily="50" charset="-128"/>
-                <a:ea typeface="メイリオ" panose="020B0604030504040204" pitchFamily="50" charset="-128"/>
-              </a:rPr>
-              <a:t>1</a:t>
+              <a:t>口コミ，書籍の文章　あらゆるビッグデータは</a:t>
+            </a:r>
+            <a:r>
+              <a:rPr kumimoji="1" lang="en-US" altLang="ja-JP" sz="2400" dirty="0" err="1">
+                <a:latin typeface="メイリオ" panose="020B0604030504040204" pitchFamily="50" charset="-128"/>
+                <a:ea typeface="メイリオ" panose="020B0604030504040204" pitchFamily="50" charset="-128"/>
+              </a:rPr>
+              <a:t>BoW</a:t>
             </a:r>
             <a:r>
               <a:rPr kumimoji="1" lang="ja-JP" altLang="en-US" sz="2400" dirty="0">
                 <a:latin typeface="メイリオ" panose="020B0604030504040204" pitchFamily="50" charset="-128"/>
                 <a:ea typeface="メイリオ" panose="020B0604030504040204" pitchFamily="50" charset="-128"/>
               </a:rPr>
-              <a:t>レシピ）</a:t>
-            </a:r>
-            <a:endParaRPr kumimoji="1" lang="en-US" altLang="ja-JP" sz="2400" dirty="0">
-              <a:latin typeface="メイリオ" panose="020B0604030504040204" pitchFamily="50" charset="-128"/>
-              <a:ea typeface="メイリオ" panose="020B0604030504040204" pitchFamily="50" charset="-128"/>
-            </a:endParaRPr>
-          </a:p>
-          <a:p>
-            <a:pPr marL="457200" indent="-457200" algn="l">
-              <a:buFont typeface="+mj-lt"/>
-              <a:buAutoNum type="arabicPeriod"/>
-            </a:pPr>
-            <a:r>
-              <a:rPr kumimoji="1" lang="en-US" altLang="ja-JP" sz="2400" dirty="0">
-                <a:latin typeface="メイリオ" panose="020B0604030504040204" pitchFamily="50" charset="-128"/>
-                <a:ea typeface="メイリオ" panose="020B0604030504040204" pitchFamily="50" charset="-128"/>
-              </a:rPr>
-              <a:t>1</a:t>
-            </a:r>
-            <a:r>
-              <a:rPr kumimoji="1" lang="ja-JP" altLang="en-US" sz="2400" dirty="0">
-                <a:latin typeface="メイリオ" panose="020B0604030504040204" pitchFamily="50" charset="-128"/>
-                <a:ea typeface="メイリオ" panose="020B0604030504040204" pitchFamily="50" charset="-128"/>
-              </a:rPr>
-              <a:t>行が</a:t>
-            </a:r>
-            <a:r>
-              <a:rPr kumimoji="1" lang="en-US" altLang="ja-JP" sz="2400" dirty="0">
-                <a:latin typeface="メイリオ" panose="020B0604030504040204" pitchFamily="50" charset="-128"/>
-                <a:ea typeface="メイリオ" panose="020B0604030504040204" pitchFamily="50" charset="-128"/>
-              </a:rPr>
-              <a:t>1</a:t>
-            </a:r>
-            <a:r>
-              <a:rPr kumimoji="1" lang="ja-JP" altLang="en-US" sz="2400" dirty="0">
-                <a:latin typeface="メイリオ" panose="020B0604030504040204" pitchFamily="50" charset="-128"/>
-                <a:ea typeface="メイリオ" panose="020B0604030504040204" pitchFamily="50" charset="-128"/>
-              </a:rPr>
-              <a:t>レシピ。材料名は形態素解析済の単語列と考える</a:t>
-            </a:r>
-            <a:endParaRPr kumimoji="1" lang="en-US" altLang="ja-JP" sz="2400" dirty="0">
-              <a:latin typeface="メイリオ" panose="020B0604030504040204" pitchFamily="50" charset="-128"/>
-              <a:ea typeface="メイリオ" panose="020B0604030504040204" pitchFamily="50" charset="-128"/>
-            </a:endParaRPr>
-          </a:p>
-          <a:p>
-            <a:pPr marL="457200" indent="-457200" algn="l">
-              <a:buFont typeface="+mj-lt"/>
-              <a:buAutoNum type="arabicPeriod"/>
-            </a:pPr>
-            <a:r>
-              <a:rPr kumimoji="1" lang="ja-JP" altLang="en-US" sz="2400" dirty="0">
-                <a:latin typeface="メイリオ" panose="020B0604030504040204" pitchFamily="50" charset="-128"/>
-                <a:ea typeface="メイリオ" panose="020B0604030504040204" pitchFamily="50" charset="-128"/>
-              </a:rPr>
-              <a:t>これらを</a:t>
-            </a:r>
-            <a:r>
-              <a:rPr kumimoji="1" lang="en-US" altLang="ja-JP" sz="2400" dirty="0">
-                <a:latin typeface="メイリオ" panose="020B0604030504040204" pitchFamily="50" charset="-128"/>
-                <a:ea typeface="メイリオ" panose="020B0604030504040204" pitchFamily="50" charset="-128"/>
-              </a:rPr>
-              <a:t>Bag of Words </a:t>
-            </a:r>
-            <a:r>
-              <a:rPr kumimoji="1" lang="ja-JP" altLang="en-US" sz="2400" dirty="0">
-                <a:latin typeface="メイリオ" panose="020B0604030504040204" pitchFamily="50" charset="-128"/>
-                <a:ea typeface="メイリオ" panose="020B0604030504040204" pitchFamily="50" charset="-128"/>
-              </a:rPr>
-              <a:t>に書け（エクセルで書くこと）</a:t>
-            </a:r>
-          </a:p>
-          <a:p>
-            <a:pPr marL="457200" indent="-457200" algn="l">
-              <a:buFont typeface="+mj-lt"/>
-              <a:buAutoNum type="arabicPeriod"/>
-            </a:pPr>
-            <a:endParaRPr kumimoji="1" lang="en-US" altLang="ja-JP" sz="2400" dirty="0">
-              <a:latin typeface="メイリオ" panose="020B0604030504040204" pitchFamily="50" charset="-128"/>
-              <a:ea typeface="メイリオ" panose="020B0604030504040204" pitchFamily="50" charset="-128"/>
-            </a:endParaRPr>
-          </a:p>
-          <a:p>
-            <a:pPr algn="l"/>
-            <a:r>
-              <a:rPr kumimoji="1" lang="ja-JP" altLang="en-US" sz="2400" dirty="0">
-                <a:latin typeface="メイリオ" panose="020B0604030504040204" pitchFamily="50" charset="-128"/>
-                <a:ea typeface="メイリオ" panose="020B0604030504040204" pitchFamily="50" charset="-128"/>
-              </a:rPr>
-              <a:t>次元数はいくつになるか？</a:t>
-            </a:r>
-          </a:p>
-          <a:p>
-            <a:pPr marL="457200" indent="-457200" algn="l">
-              <a:buFont typeface="+mj-lt"/>
-              <a:buAutoNum type="arabicPeriod"/>
-            </a:pPr>
-            <a:endParaRPr kumimoji="1" lang="ja-JP" altLang="en-US" sz="2400" dirty="0">
-              <a:latin typeface="メイリオ" panose="020B0604030504040204" pitchFamily="50" charset="-128"/>
-              <a:ea typeface="メイリオ" panose="020B0604030504040204" pitchFamily="50" charset="-128"/>
-            </a:endParaRPr>
+              <a:t>に変換してから機械学習で解析する</a:t>
+            </a:r>
           </a:p>
         </p:txBody>
       </p:sp>
     </p:spTree>
     <p:extLst>
       <p:ext uri="{BB962C8B-B14F-4D97-AF65-F5344CB8AC3E}">
-        <p14:creationId xmlns:p14="http://schemas.microsoft.com/office/powerpoint/2010/main" val="3163859690"/>
+        <p14:creationId xmlns:p14="http://schemas.microsoft.com/office/powerpoint/2010/main" val="381456847"/>
       </p:ext>
     </p:extLst>
   </p:cSld>
@@ -20474,7 +24097,7 @@
           <p:cNvPr id="2" name="テキスト ボックス 1">
             <a:extLst>
               <a:ext uri="{FF2B5EF4-FFF2-40B4-BE49-F238E27FC236}">
-                <a16:creationId xmlns:a16="http://schemas.microsoft.com/office/drawing/2014/main" id="{D8CE0D7E-4B54-576A-CCDF-79B1299A9FCF}"/>
+                <a16:creationId xmlns:a16="http://schemas.microsoft.com/office/drawing/2014/main" id="{2325BA82-A73D-9B67-6E42-469FCEA5B8CD}"/>
               </a:ext>
             </a:extLst>
           </p:cNvPr>
@@ -20483,8 +24106,8 @@
         </p:nvSpPr>
         <p:spPr>
           <a:xfrm>
-            <a:off x="641131" y="546538"/>
-            <a:ext cx="6340197" cy="584775"/>
+            <a:off x="525517" y="578069"/>
+            <a:ext cx="6038833" cy="584775"/>
           </a:xfrm>
           <a:prstGeom prst="rect">
             <a:avLst/>
@@ -20503,7 +24126,21 @@
                 <a:latin typeface="メイリオ" panose="020B0604030504040204" pitchFamily="50" charset="-128"/>
                 <a:ea typeface="メイリオ" panose="020B0604030504040204" pitchFamily="50" charset="-128"/>
               </a:rPr>
-              <a:t>手作業の手順をプログラムにする</a:t>
+              <a:t>演習：</a:t>
+            </a:r>
+            <a:r>
+              <a:rPr kumimoji="1" lang="en-US" altLang="ja-JP" sz="3200" dirty="0" err="1">
+                <a:latin typeface="メイリオ" panose="020B0604030504040204" pitchFamily="50" charset="-128"/>
+                <a:ea typeface="メイリオ" panose="020B0604030504040204" pitchFamily="50" charset="-128"/>
+              </a:rPr>
+              <a:t>BoW</a:t>
+            </a:r>
+            <a:r>
+              <a:rPr kumimoji="1" lang="ja-JP" altLang="en-US" sz="3200" dirty="0">
+                <a:latin typeface="メイリオ" panose="020B0604030504040204" pitchFamily="50" charset="-128"/>
+                <a:ea typeface="メイリオ" panose="020B0604030504040204" pitchFamily="50" charset="-128"/>
+              </a:rPr>
+              <a:t>を手で作成してみる</a:t>
             </a:r>
           </a:p>
         </p:txBody>
@@ -20513,7 +24150,7 @@
           <p:cNvPr id="3" name="テキスト ボックス 2">
             <a:extLst>
               <a:ext uri="{FF2B5EF4-FFF2-40B4-BE49-F238E27FC236}">
-                <a16:creationId xmlns:a16="http://schemas.microsoft.com/office/drawing/2014/main" id="{74CBB5A9-8F38-03ED-87BB-C12D354D70A2}"/>
+                <a16:creationId xmlns:a16="http://schemas.microsoft.com/office/drawing/2014/main" id="{79600242-F11A-0D3E-2E93-EEA64CE68BC5}"/>
               </a:ext>
             </a:extLst>
           </p:cNvPr>
@@ -20522,8 +24159,8 @@
         </p:nvSpPr>
         <p:spPr>
           <a:xfrm>
-            <a:off x="641131" y="1103585"/>
-            <a:ext cx="4493538" cy="461665"/>
+            <a:off x="525517" y="1271751"/>
+            <a:ext cx="4575291" cy="461665"/>
           </a:xfrm>
           <a:prstGeom prst="rect">
             <a:avLst/>
@@ -20538,49 +24175,28 @@
           <a:p>
             <a:pPr algn="l"/>
             <a:r>
+              <a:rPr kumimoji="1" lang="en-US" altLang="ja-JP" sz="2400" dirty="0" err="1">
+                <a:latin typeface="メイリオ" panose="020B0604030504040204" pitchFamily="50" charset="-128"/>
+                <a:ea typeface="メイリオ" panose="020B0604030504040204" pitchFamily="50" charset="-128"/>
+              </a:rPr>
+              <a:t>BoW</a:t>
+            </a:r>
+            <a:r>
               <a:rPr kumimoji="1" lang="ja-JP" altLang="en-US" sz="2400" dirty="0">
                 <a:latin typeface="メイリオ" panose="020B0604030504040204" pitchFamily="50" charset="-128"/>
                 <a:ea typeface="メイリオ" panose="020B0604030504040204" pitchFamily="50" charset="-128"/>
               </a:rPr>
-              <a:t>以下のような手順でやったはず</a:t>
-            </a:r>
-          </a:p>
-        </p:txBody>
-      </p:sp>
-      <p:graphicFrame>
-        <p:nvGraphicFramePr>
-          <p:cNvPr id="5" name="図表 4">
+              <a:t>を作成する手順を理解する</a:t>
+            </a:r>
+          </a:p>
+        </p:txBody>
+      </p:sp>
+      <p:sp>
+        <p:nvSpPr>
+          <p:cNvPr id="4" name="テキスト ボックス 3">
             <a:extLst>
               <a:ext uri="{FF2B5EF4-FFF2-40B4-BE49-F238E27FC236}">
-                <a16:creationId xmlns:a16="http://schemas.microsoft.com/office/drawing/2014/main" id="{E9D1FE29-7286-F1B5-D2F9-3BC7DD185985}"/>
-              </a:ext>
-            </a:extLst>
-          </p:cNvPr>
-          <p:cNvGraphicFramePr/>
-          <p:nvPr>
-            <p:extLst>
-              <p:ext uri="{D42A27DB-BD31-4B8C-83A1-F6EECF244321}">
-                <p14:modId xmlns:p14="http://schemas.microsoft.com/office/powerpoint/2010/main" val="3141384647"/>
-              </p:ext>
-            </p:extLst>
-          </p:nvPr>
-        </p:nvGraphicFramePr>
-        <p:xfrm>
-          <a:off x="346841" y="2122297"/>
-          <a:ext cx="4493538" cy="2984938"/>
-        </p:xfrm>
-        <a:graphic>
-          <a:graphicData uri="http://schemas.openxmlformats.org/drawingml/2006/diagram">
-            <dgm:relIds xmlns:dgm="http://schemas.openxmlformats.org/drawingml/2006/diagram" xmlns:r="http://schemas.openxmlformats.org/officeDocument/2006/relationships" r:dm="rId2" r:lo="rId3" r:qs="rId4" r:cs="rId5"/>
-          </a:graphicData>
-        </a:graphic>
-      </p:graphicFrame>
-      <p:sp>
-        <p:nvSpPr>
-          <p:cNvPr id="6" name="テキスト ボックス 5">
-            <a:extLst>
-              <a:ext uri="{FF2B5EF4-FFF2-40B4-BE49-F238E27FC236}">
-                <a16:creationId xmlns:a16="http://schemas.microsoft.com/office/drawing/2014/main" id="{01523BA2-5BCC-4980-B42C-4CFB75E46D14}"/>
+                <a16:creationId xmlns:a16="http://schemas.microsoft.com/office/drawing/2014/main" id="{62339313-9BFB-BE08-E4D0-BC22A3DD44E4}"/>
               </a:ext>
             </a:extLst>
           </p:cNvPr>
@@ -20589,8 +24205,8 @@
         </p:nvSpPr>
         <p:spPr>
           <a:xfrm>
-            <a:off x="4162097" y="2556234"/>
-            <a:ext cx="7263527" cy="461665"/>
+            <a:off x="630620" y="1842323"/>
+            <a:ext cx="11477297" cy="2308324"/>
           </a:xfrm>
           <a:prstGeom prst="rect">
             <a:avLst/>
@@ -20598,132 +24214,163 @@
           <a:noFill/>
         </p:spPr>
         <p:txBody>
-          <a:bodyPr wrap="none" rtlCol="0">
-            <a:spAutoFit/>
-          </a:bodyPr>
-          <a:lstStyle/>
-          <a:p>
-            <a:pPr algn="l"/>
-            <a:r>
-              <a:rPr kumimoji="1" lang="ja-JP" altLang="en-US" sz="2400" dirty="0">
-                <a:latin typeface="メイリオ" panose="020B0604030504040204" pitchFamily="50" charset="-128"/>
-                <a:ea typeface="メイリオ" panose="020B0604030504040204" pitchFamily="50" charset="-128"/>
-              </a:rPr>
-              <a:t>全単語を見て、重複しないように列見出しに並べる</a:t>
-            </a:r>
-          </a:p>
-        </p:txBody>
-      </p:sp>
-      <p:sp>
-        <p:nvSpPr>
-          <p:cNvPr id="7" name="テキスト ボックス 6">
-            <a:extLst>
-              <a:ext uri="{FF2B5EF4-FFF2-40B4-BE49-F238E27FC236}">
-                <a16:creationId xmlns:a16="http://schemas.microsoft.com/office/drawing/2014/main" id="{5DCE9408-8BCD-CAAE-B81C-0A95F57B77EA}"/>
-              </a:ext>
-            </a:extLst>
-          </p:cNvPr>
-          <p:cNvSpPr txBox="1"/>
-          <p:nvPr/>
-        </p:nvSpPr>
-        <p:spPr>
-          <a:xfrm>
-            <a:off x="4162098" y="4309241"/>
-            <a:ext cx="7378262" cy="830997"/>
-          </a:xfrm>
-          <a:prstGeom prst="rect">
-            <a:avLst/>
-          </a:prstGeom>
-          <a:noFill/>
-        </p:spPr>
-        <p:txBody>
           <a:bodyPr wrap="square" rtlCol="0">
             <a:spAutoFit/>
           </a:bodyPr>
           <a:lstStyle/>
           <a:p>
+            <a:pPr marL="457200" indent="-457200" algn="l">
+              <a:buFont typeface="+mj-lt"/>
+              <a:buAutoNum type="arabicPeriod"/>
+            </a:pPr>
+            <a:r>
+              <a:rPr kumimoji="1" lang="en-US" altLang="ja-JP" sz="2400" dirty="0">
+                <a:latin typeface="メイリオ" panose="020B0604030504040204" pitchFamily="50" charset="-128"/>
+                <a:ea typeface="メイリオ" panose="020B0604030504040204" pitchFamily="50" charset="-128"/>
+              </a:rPr>
+              <a:t>Bag_of_words.csv</a:t>
+            </a:r>
+            <a:r>
+              <a:rPr kumimoji="1" lang="ja-JP" altLang="en-US" sz="2400" dirty="0">
+                <a:latin typeface="メイリオ" panose="020B0604030504040204" pitchFamily="50" charset="-128"/>
+                <a:ea typeface="メイリオ" panose="020B0604030504040204" pitchFamily="50" charset="-128"/>
+              </a:rPr>
+              <a:t>には、レシピ毎の材料リストが入っている（</a:t>
+            </a:r>
+            <a:r>
+              <a:rPr kumimoji="1" lang="en-US" altLang="ja-JP" sz="2400" dirty="0">
+                <a:latin typeface="メイリオ" panose="020B0604030504040204" pitchFamily="50" charset="-128"/>
+                <a:ea typeface="メイリオ" panose="020B0604030504040204" pitchFamily="50" charset="-128"/>
+              </a:rPr>
+              <a:t>1</a:t>
+            </a:r>
+            <a:r>
+              <a:rPr kumimoji="1" lang="ja-JP" altLang="en-US" sz="2400" dirty="0">
+                <a:latin typeface="メイリオ" panose="020B0604030504040204" pitchFamily="50" charset="-128"/>
+                <a:ea typeface="メイリオ" panose="020B0604030504040204" pitchFamily="50" charset="-128"/>
+              </a:rPr>
+              <a:t>行</a:t>
+            </a:r>
+            <a:r>
+              <a:rPr kumimoji="1" lang="en-US" altLang="ja-JP" sz="2400" dirty="0">
+                <a:latin typeface="メイリオ" panose="020B0604030504040204" pitchFamily="50" charset="-128"/>
+                <a:ea typeface="メイリオ" panose="020B0604030504040204" pitchFamily="50" charset="-128"/>
+              </a:rPr>
+              <a:t>1</a:t>
+            </a:r>
+            <a:r>
+              <a:rPr kumimoji="1" lang="ja-JP" altLang="en-US" sz="2400" dirty="0">
+                <a:latin typeface="メイリオ" panose="020B0604030504040204" pitchFamily="50" charset="-128"/>
+                <a:ea typeface="メイリオ" panose="020B0604030504040204" pitchFamily="50" charset="-128"/>
+              </a:rPr>
+              <a:t>レシピ）</a:t>
+            </a:r>
+            <a:endParaRPr kumimoji="1" lang="en-US" altLang="ja-JP" sz="2400" dirty="0">
+              <a:latin typeface="メイリオ" panose="020B0604030504040204" pitchFamily="50" charset="-128"/>
+              <a:ea typeface="メイリオ" panose="020B0604030504040204" pitchFamily="50" charset="-128"/>
+            </a:endParaRPr>
+          </a:p>
+          <a:p>
+            <a:pPr marL="457200" indent="-457200" algn="l">
+              <a:buFont typeface="+mj-lt"/>
+              <a:buAutoNum type="arabicPeriod"/>
+            </a:pPr>
+            <a:r>
+              <a:rPr kumimoji="1" lang="en-US" altLang="ja-JP" sz="2400" dirty="0">
+                <a:latin typeface="メイリオ" panose="020B0604030504040204" pitchFamily="50" charset="-128"/>
+                <a:ea typeface="メイリオ" panose="020B0604030504040204" pitchFamily="50" charset="-128"/>
+              </a:rPr>
+              <a:t>1</a:t>
+            </a:r>
+            <a:r>
+              <a:rPr kumimoji="1" lang="ja-JP" altLang="en-US" sz="2400" dirty="0">
+                <a:latin typeface="メイリオ" panose="020B0604030504040204" pitchFamily="50" charset="-128"/>
+                <a:ea typeface="メイリオ" panose="020B0604030504040204" pitchFamily="50" charset="-128"/>
+              </a:rPr>
+              <a:t>行が</a:t>
+            </a:r>
+            <a:r>
+              <a:rPr kumimoji="1" lang="en-US" altLang="ja-JP" sz="2400" dirty="0">
+                <a:latin typeface="メイリオ" panose="020B0604030504040204" pitchFamily="50" charset="-128"/>
+                <a:ea typeface="メイリオ" panose="020B0604030504040204" pitchFamily="50" charset="-128"/>
+              </a:rPr>
+              <a:t>1</a:t>
+            </a:r>
+            <a:r>
+              <a:rPr kumimoji="1" lang="ja-JP" altLang="en-US" sz="2400" dirty="0">
+                <a:latin typeface="メイリオ" panose="020B0604030504040204" pitchFamily="50" charset="-128"/>
+                <a:ea typeface="メイリオ" panose="020B0604030504040204" pitchFamily="50" charset="-128"/>
+              </a:rPr>
+              <a:t>レシピ。材料名は形態素解析済の単語列と考える</a:t>
+            </a:r>
+            <a:endParaRPr kumimoji="1" lang="en-US" altLang="ja-JP" sz="2400" dirty="0">
+              <a:latin typeface="メイリオ" panose="020B0604030504040204" pitchFamily="50" charset="-128"/>
+              <a:ea typeface="メイリオ" panose="020B0604030504040204" pitchFamily="50" charset="-128"/>
+            </a:endParaRPr>
+          </a:p>
+          <a:p>
+            <a:pPr marL="457200" indent="-457200" algn="l">
+              <a:buFont typeface="+mj-lt"/>
+              <a:buAutoNum type="arabicPeriod"/>
+            </a:pPr>
+            <a:r>
+              <a:rPr kumimoji="1" lang="ja-JP" altLang="en-US" sz="2400" dirty="0">
+                <a:latin typeface="メイリオ" panose="020B0604030504040204" pitchFamily="50" charset="-128"/>
+                <a:ea typeface="メイリオ" panose="020B0604030504040204" pitchFamily="50" charset="-128"/>
+              </a:rPr>
+              <a:t>これらを</a:t>
+            </a:r>
+            <a:r>
+              <a:rPr kumimoji="1" lang="en-US" altLang="ja-JP" sz="2400" dirty="0">
+                <a:latin typeface="メイリオ" panose="020B0604030504040204" pitchFamily="50" charset="-128"/>
+                <a:ea typeface="メイリオ" panose="020B0604030504040204" pitchFamily="50" charset="-128"/>
+              </a:rPr>
+              <a:t>Bag of Words </a:t>
+            </a:r>
+            <a:r>
+              <a:rPr kumimoji="1" lang="ja-JP" altLang="en-US" sz="2400" dirty="0">
+                <a:latin typeface="メイリオ" panose="020B0604030504040204" pitchFamily="50" charset="-128"/>
+                <a:ea typeface="メイリオ" panose="020B0604030504040204" pitchFamily="50" charset="-128"/>
+              </a:rPr>
+              <a:t>に書け（エクセルで書くこと）</a:t>
+            </a:r>
+          </a:p>
+          <a:p>
+            <a:pPr marL="457200" indent="-457200" algn="l">
+              <a:buFont typeface="+mj-lt"/>
+              <a:buAutoNum type="arabicPeriod"/>
+            </a:pPr>
+            <a:endParaRPr kumimoji="1" lang="en-US" altLang="ja-JP" sz="2400" dirty="0">
+              <a:latin typeface="メイリオ" panose="020B0604030504040204" pitchFamily="50" charset="-128"/>
+              <a:ea typeface="メイリオ" panose="020B0604030504040204" pitchFamily="50" charset="-128"/>
+            </a:endParaRPr>
+          </a:p>
+          <a:p>
             <a:pPr algn="l"/>
             <a:r>
               <a:rPr kumimoji="1" lang="ja-JP" altLang="en-US" sz="2400" dirty="0">
                 <a:latin typeface="メイリオ" panose="020B0604030504040204" pitchFamily="50" charset="-128"/>
                 <a:ea typeface="メイリオ" panose="020B0604030504040204" pitchFamily="50" charset="-128"/>
               </a:rPr>
-              <a:t>データ毎に出現した単語で列見出しを参照して該当列に頻度をカウント。該当なければ０</a:t>
-            </a:r>
-          </a:p>
-        </p:txBody>
-      </p:sp>
-      <p:sp>
-        <p:nvSpPr>
-          <p:cNvPr id="9" name="テキスト ボックス 8">
-            <a:extLst>
-              <a:ext uri="{FF2B5EF4-FFF2-40B4-BE49-F238E27FC236}">
-                <a16:creationId xmlns:a16="http://schemas.microsoft.com/office/drawing/2014/main" id="{67652B1F-B3FB-E788-BB9B-0D3A3C6F0080}"/>
-              </a:ext>
-            </a:extLst>
-          </p:cNvPr>
-          <p:cNvSpPr txBox="1"/>
-          <p:nvPr/>
-        </p:nvSpPr>
-        <p:spPr>
-          <a:xfrm>
-            <a:off x="830317" y="5654566"/>
-            <a:ext cx="10710043" cy="830997"/>
-          </a:xfrm>
-          <a:prstGeom prst="rect">
-            <a:avLst/>
-          </a:prstGeom>
-          <a:noFill/>
-        </p:spPr>
-        <p:txBody>
-          <a:bodyPr wrap="square" rtlCol="0">
-            <a:spAutoFit/>
-          </a:bodyPr>
-          <a:lstStyle/>
-          <a:p>
-            <a:pPr algn="l"/>
-            <a:r>
-              <a:rPr kumimoji="1" lang="ja-JP" altLang="en-US" sz="2400" dirty="0">
-                <a:latin typeface="メイリオ" panose="020B0604030504040204" pitchFamily="50" charset="-128"/>
-                <a:ea typeface="メイリオ" panose="020B0604030504040204" pitchFamily="50" charset="-128"/>
-              </a:rPr>
-              <a:t>次頁以降に手作業で</a:t>
-            </a:r>
-            <a:r>
-              <a:rPr kumimoji="1" lang="en-US" altLang="ja-JP" sz="2400" dirty="0" err="1">
-                <a:latin typeface="メイリオ" panose="020B0604030504040204" pitchFamily="50" charset="-128"/>
-                <a:ea typeface="メイリオ" panose="020B0604030504040204" pitchFamily="50" charset="-128"/>
-              </a:rPr>
-              <a:t>BoW</a:t>
-            </a:r>
-            <a:r>
-              <a:rPr kumimoji="1" lang="ja-JP" altLang="en-US" sz="2400" dirty="0">
-                <a:latin typeface="メイリオ" panose="020B0604030504040204" pitchFamily="50" charset="-128"/>
-                <a:ea typeface="メイリオ" panose="020B0604030504040204" pitchFamily="50" charset="-128"/>
-              </a:rPr>
-              <a:t>にしたレシピデータをプログラムで</a:t>
-            </a:r>
-            <a:r>
-              <a:rPr kumimoji="1" lang="en-US" altLang="ja-JP" sz="2400" dirty="0" err="1">
-                <a:latin typeface="メイリオ" panose="020B0604030504040204" pitchFamily="50" charset="-128"/>
-                <a:ea typeface="メイリオ" panose="020B0604030504040204" pitchFamily="50" charset="-128"/>
-              </a:rPr>
-              <a:t>BoW</a:t>
-            </a:r>
-            <a:r>
-              <a:rPr kumimoji="1" lang="ja-JP" altLang="en-US" sz="2400" dirty="0">
-                <a:latin typeface="メイリオ" panose="020B0604030504040204" pitchFamily="50" charset="-128"/>
-                <a:ea typeface="メイリオ" panose="020B0604030504040204" pitchFamily="50" charset="-128"/>
-              </a:rPr>
-              <a:t>にする方法を解説する</a:t>
-            </a:r>
+              <a:t>次元数はいくつになるか？</a:t>
+            </a:r>
+          </a:p>
+          <a:p>
+            <a:pPr marL="457200" indent="-457200" algn="l">
+              <a:buFont typeface="+mj-lt"/>
+              <a:buAutoNum type="arabicPeriod"/>
+            </a:pPr>
+            <a:endParaRPr kumimoji="1" lang="ja-JP" altLang="en-US" sz="2400" dirty="0">
+              <a:latin typeface="メイリオ" panose="020B0604030504040204" pitchFamily="50" charset="-128"/>
+              <a:ea typeface="メイリオ" panose="020B0604030504040204" pitchFamily="50" charset="-128"/>
+            </a:endParaRPr>
           </a:p>
         </p:txBody>
       </p:sp>
     </p:spTree>
     <p:extLst>
       <p:ext uri="{BB962C8B-B14F-4D97-AF65-F5344CB8AC3E}">
-        <p14:creationId xmlns:p14="http://schemas.microsoft.com/office/powerpoint/2010/main" val="1345818318"/>
+        <p14:creationId xmlns:p14="http://schemas.microsoft.com/office/powerpoint/2010/main" val="3163859690"/>
       </p:ext>
     </p:extLst>
   </p:cSld>
@@ -20755,7 +24402,7 @@
           <p:cNvPr id="2" name="テキスト ボックス 1">
             <a:extLst>
               <a:ext uri="{FF2B5EF4-FFF2-40B4-BE49-F238E27FC236}">
-                <a16:creationId xmlns:a16="http://schemas.microsoft.com/office/drawing/2014/main" id="{16FFAD6F-464B-A0E3-74C7-D02DDCEFA408}"/>
+                <a16:creationId xmlns:a16="http://schemas.microsoft.com/office/drawing/2014/main" id="{F0991BF5-1E36-16A9-3D30-B491F6E4DABE}"/>
               </a:ext>
             </a:extLst>
           </p:cNvPr>
@@ -20764,8 +24411,8 @@
         </p:nvSpPr>
         <p:spPr>
           <a:xfrm>
-            <a:off x="419063" y="219816"/>
-            <a:ext cx="7518405" cy="584775"/>
+            <a:off x="488005" y="280073"/>
+            <a:ext cx="10629833" cy="584775"/>
           </a:xfrm>
           <a:prstGeom prst="rect">
             <a:avLst/>
@@ -20780,239 +24427,63 @@
           <a:p>
             <a:pPr algn="l"/>
             <a:r>
-              <a:rPr kumimoji="1" lang="en-US" altLang="ja-JP" sz="3200" dirty="0" err="1">
-                <a:latin typeface="メイリオ" panose="020B0604030504040204" pitchFamily="50" charset="-128"/>
-                <a:ea typeface="メイリオ" panose="020B0604030504040204" pitchFamily="50" charset="-128"/>
-              </a:rPr>
-              <a:t>BoW</a:t>
-            </a:r>
-            <a:r>
               <a:rPr kumimoji="1" lang="ja-JP" altLang="en-US" sz="3200" dirty="0">
                 <a:latin typeface="メイリオ" panose="020B0604030504040204" pitchFamily="50" charset="-128"/>
                 <a:ea typeface="メイリオ" panose="020B0604030504040204" pitchFamily="50" charset="-128"/>
               </a:rPr>
-              <a:t>コーディング１</a:t>
+              <a:t>もし、演習の文書データが</a:t>
             </a:r>
             <a:r>
               <a:rPr kumimoji="1" lang="en-US" altLang="ja-JP" sz="3200" dirty="0">
                 <a:latin typeface="メイリオ" panose="020B0604030504040204" pitchFamily="50" charset="-128"/>
                 <a:ea typeface="メイリオ" panose="020B0604030504040204" pitchFamily="50" charset="-128"/>
               </a:rPr>
-              <a:t> </a:t>
+              <a:t>10,000</a:t>
             </a:r>
             <a:r>
               <a:rPr kumimoji="1" lang="ja-JP" altLang="en-US" sz="3200" dirty="0">
                 <a:latin typeface="メイリオ" panose="020B0604030504040204" pitchFamily="50" charset="-128"/>
                 <a:ea typeface="メイリオ" panose="020B0604030504040204" pitchFamily="50" charset="-128"/>
               </a:rPr>
-              <a:t>：</a:t>
-            </a:r>
-            <a:r>
-              <a:rPr kumimoji="1" lang="en-US" altLang="ja-JP" sz="3200" dirty="0" err="1">
-                <a:latin typeface="メイリオ" panose="020B0604030504040204" pitchFamily="50" charset="-128"/>
-                <a:ea typeface="メイリオ" panose="020B0604030504040204" pitchFamily="50" charset="-128"/>
-              </a:rPr>
-              <a:t>BoW</a:t>
-            </a:r>
-            <a:r>
-              <a:rPr kumimoji="1" lang="ja-JP" altLang="en-US" sz="3200" dirty="0">
-                <a:latin typeface="メイリオ" panose="020B0604030504040204" pitchFamily="50" charset="-128"/>
-                <a:ea typeface="メイリオ" panose="020B0604030504040204" pitchFamily="50" charset="-128"/>
-              </a:rPr>
-              <a:t>辞書の作成</a:t>
+              <a:t>件の文書だったら。。</a:t>
             </a:r>
           </a:p>
         </p:txBody>
       </p:sp>
       <p:graphicFrame>
         <p:nvGraphicFramePr>
-          <p:cNvPr id="3" name="表 2">
+          <p:cNvPr id="4" name="図表 3">
             <a:extLst>
               <a:ext uri="{FF2B5EF4-FFF2-40B4-BE49-F238E27FC236}">
-                <a16:creationId xmlns:a16="http://schemas.microsoft.com/office/drawing/2014/main" id="{AC96A476-96EC-890D-47E2-8E76C701271F}"/>
+                <a16:creationId xmlns:a16="http://schemas.microsoft.com/office/drawing/2014/main" id="{7748F8E3-BCF1-C341-9826-489B0AB6AF7F}"/>
               </a:ext>
             </a:extLst>
           </p:cNvPr>
-          <p:cNvGraphicFramePr>
-            <a:graphicFrameLocks noGrp="1"/>
-          </p:cNvGraphicFramePr>
+          <p:cNvGraphicFramePr/>
           <p:nvPr>
             <p:extLst>
               <p:ext uri="{D42A27DB-BD31-4B8C-83A1-F6EECF244321}">
-                <p14:modId xmlns:p14="http://schemas.microsoft.com/office/powerpoint/2010/main" val="1021653392"/>
+                <p14:modId xmlns:p14="http://schemas.microsoft.com/office/powerpoint/2010/main" val="1679433375"/>
               </p:ext>
             </p:extLst>
           </p:nvPr>
         </p:nvGraphicFramePr>
         <p:xfrm>
-          <a:off x="2138518" y="3044960"/>
-          <a:ext cx="8559936" cy="914400"/>
+          <a:off x="60287" y="931986"/>
+          <a:ext cx="5416868" cy="5811714"/>
         </p:xfrm>
         <a:graphic>
-          <a:graphicData uri="http://schemas.openxmlformats.org/drawingml/2006/table">
-            <a:tbl>
-              <a:tblPr firstRow="1" bandRow="1">
-                <a:tableStyleId>{5940675A-B579-460E-94D1-54222C63F5DA}</a:tableStyleId>
-              </a:tblPr>
-              <a:tblGrid>
-                <a:gridCol w="1222848">
-                  <a:extLst>
-                    <a:ext uri="{9D8B030D-6E8A-4147-A177-3AD203B41FA5}">
-                      <a16:colId xmlns:a16="http://schemas.microsoft.com/office/drawing/2014/main" val="1281661057"/>
-                    </a:ext>
-                  </a:extLst>
-                </a:gridCol>
-                <a:gridCol w="1222848">
-                  <a:extLst>
-                    <a:ext uri="{9D8B030D-6E8A-4147-A177-3AD203B41FA5}">
-                      <a16:colId xmlns:a16="http://schemas.microsoft.com/office/drawing/2014/main" val="3202091198"/>
-                    </a:ext>
-                  </a:extLst>
-                </a:gridCol>
-                <a:gridCol w="1222848">
-                  <a:extLst>
-                    <a:ext uri="{9D8B030D-6E8A-4147-A177-3AD203B41FA5}">
-                      <a16:colId xmlns:a16="http://schemas.microsoft.com/office/drawing/2014/main" val="1730088140"/>
-                    </a:ext>
-                  </a:extLst>
-                </a:gridCol>
-                <a:gridCol w="1222848">
-                  <a:extLst>
-                    <a:ext uri="{9D8B030D-6E8A-4147-A177-3AD203B41FA5}">
-                      <a16:colId xmlns:a16="http://schemas.microsoft.com/office/drawing/2014/main" val="1267679389"/>
-                    </a:ext>
-                  </a:extLst>
-                </a:gridCol>
-                <a:gridCol w="1222848">
-                  <a:extLst>
-                    <a:ext uri="{9D8B030D-6E8A-4147-A177-3AD203B41FA5}">
-                      <a16:colId xmlns:a16="http://schemas.microsoft.com/office/drawing/2014/main" val="752363984"/>
-                    </a:ext>
-                  </a:extLst>
-                </a:gridCol>
-                <a:gridCol w="1222848">
-                  <a:extLst>
-                    <a:ext uri="{9D8B030D-6E8A-4147-A177-3AD203B41FA5}">
-                      <a16:colId xmlns:a16="http://schemas.microsoft.com/office/drawing/2014/main" val="626058433"/>
-                    </a:ext>
-                  </a:extLst>
-                </a:gridCol>
-                <a:gridCol w="1222848">
-                  <a:extLst>
-                    <a:ext uri="{9D8B030D-6E8A-4147-A177-3AD203B41FA5}">
-                      <a16:colId xmlns:a16="http://schemas.microsoft.com/office/drawing/2014/main" val="72748011"/>
-                    </a:ext>
-                  </a:extLst>
-                </a:gridCol>
-              </a:tblGrid>
-              <a:tr h="370840">
-                <a:tc>
-                  <a:txBody>
-                    <a:bodyPr/>
-                    <a:lstStyle/>
-                    <a:p>
-                      <a:r>
-                        <a:rPr kumimoji="1" lang="ja-JP" altLang="en-US" sz="1800" dirty="0"/>
-                        <a:t>ホットケーキミックス</a:t>
-                      </a:r>
-                    </a:p>
-                  </a:txBody>
-                  <a:tcPr/>
-                </a:tc>
-                <a:tc>
-                  <a:txBody>
-                    <a:bodyPr/>
-                    <a:lstStyle/>
-                    <a:p>
-                      <a:r>
-                        <a:rPr kumimoji="1" lang="ja-JP" altLang="en-US" sz="1800" dirty="0"/>
-                        <a:t>卵</a:t>
-                      </a:r>
-                    </a:p>
-                  </a:txBody>
-                  <a:tcPr/>
-                </a:tc>
-                <a:tc>
-                  <a:txBody>
-                    <a:bodyPr/>
-                    <a:lstStyle/>
-                    <a:p>
-                      <a:r>
-                        <a:rPr kumimoji="1" lang="ja-JP" altLang="en-US" sz="1800" dirty="0"/>
-                        <a:t>牛乳</a:t>
-                      </a:r>
-                    </a:p>
-                  </a:txBody>
-                  <a:tcPr/>
-                </a:tc>
-                <a:tc>
-                  <a:txBody>
-                    <a:bodyPr/>
-                    <a:lstStyle/>
-                    <a:p>
-                      <a:r>
-                        <a:rPr kumimoji="1" lang="ja-JP" altLang="en-US" sz="1800" dirty="0"/>
-                        <a:t>バター</a:t>
-                      </a:r>
-                    </a:p>
-                  </a:txBody>
-                  <a:tcPr/>
-                </a:tc>
-                <a:tc>
-                  <a:txBody>
-                    <a:bodyPr/>
-                    <a:lstStyle/>
-                    <a:p>
-                      <a:r>
-                        <a:rPr kumimoji="1" lang="ja-JP" altLang="en-US" sz="1800" dirty="0"/>
-                        <a:t>豆乳</a:t>
-                      </a:r>
-                    </a:p>
-                  </a:txBody>
-                  <a:tcPr/>
-                </a:tc>
-                <a:tc>
-                  <a:txBody>
-                    <a:bodyPr/>
-                    <a:lstStyle/>
-                    <a:p>
-                      <a:r>
-                        <a:rPr kumimoji="1" lang="ja-JP" altLang="en-US" sz="1800" dirty="0"/>
-                        <a:t>米粉</a:t>
-                      </a:r>
-                    </a:p>
-                  </a:txBody>
-                  <a:tcPr/>
-                </a:tc>
-                <a:tc>
-                  <a:txBody>
-                    <a:bodyPr/>
-                    <a:lstStyle/>
-                    <a:p>
-                      <a:r>
-                        <a:rPr kumimoji="1" lang="ja-JP" altLang="en-US" sz="1800" dirty="0"/>
-                        <a:t>砂糖</a:t>
-                      </a:r>
-                    </a:p>
-                  </a:txBody>
-                  <a:tcPr/>
-                </a:tc>
-                <a:extLst>
-                  <a:ext uri="{0D108BD9-81ED-4DB2-BD59-A6C34878D82A}">
-                    <a16:rowId xmlns:a16="http://schemas.microsoft.com/office/drawing/2014/main" val="1044926211"/>
-                  </a:ext>
-                </a:extLst>
-              </a:tr>
-            </a:tbl>
+          <a:graphicData uri="http://schemas.openxmlformats.org/drawingml/2006/diagram">
+            <dgm:relIds xmlns:dgm="http://schemas.openxmlformats.org/drawingml/2006/diagram" xmlns:r="http://schemas.openxmlformats.org/officeDocument/2006/relationships" r:dm="rId2" r:lo="rId3" r:qs="rId4" r:cs="rId5"/>
           </a:graphicData>
         </a:graphic>
       </p:graphicFrame>
       <p:sp>
         <p:nvSpPr>
-          <p:cNvPr id="4" name="テキスト ボックス 3">
+          <p:cNvPr id="5" name="テキスト ボックス 4">
             <a:extLst>
               <a:ext uri="{FF2B5EF4-FFF2-40B4-BE49-F238E27FC236}">
-                <a16:creationId xmlns:a16="http://schemas.microsoft.com/office/drawing/2014/main" id="{77D16F3A-AC5C-48CB-6A82-09F5985FA831}"/>
+                <a16:creationId xmlns:a16="http://schemas.microsoft.com/office/drawing/2014/main" id="{E9E40242-88BD-D7DB-E037-A4A957F95660}"/>
               </a:ext>
             </a:extLst>
           </p:cNvPr>
@@ -21021,8 +24492,8 @@
         </p:nvSpPr>
         <p:spPr>
           <a:xfrm>
-            <a:off x="2593084" y="3990080"/>
-            <a:ext cx="479618" cy="461665"/>
+            <a:off x="6321669" y="3915727"/>
+            <a:ext cx="4185761" cy="461665"/>
           </a:xfrm>
           <a:prstGeom prst="rect">
             <a:avLst/>
@@ -21037,25 +24508,54 @@
           <a:p>
             <a:pPr algn="l"/>
             <a:r>
-              <a:rPr kumimoji="1" lang="en-US" altLang="ja-JP" sz="2400" dirty="0">
-                <a:latin typeface="メイリオ" panose="020B0604030504040204" pitchFamily="50" charset="-128"/>
-                <a:ea typeface="メイリオ" panose="020B0604030504040204" pitchFamily="50" charset="-128"/>
-              </a:rPr>
-              <a:t>0 </a:t>
-            </a:r>
-            <a:endParaRPr kumimoji="1" lang="ja-JP" altLang="en-US" sz="2400" dirty="0">
-              <a:latin typeface="メイリオ" panose="020B0604030504040204" pitchFamily="50" charset="-128"/>
-              <a:ea typeface="メイリオ" panose="020B0604030504040204" pitchFamily="50" charset="-128"/>
-            </a:endParaRPr>
-          </a:p>
-        </p:txBody>
-      </p:sp>
-      <p:sp>
-        <p:nvSpPr>
-          <p:cNvPr id="5" name="テキスト ボックス 4">
+              <a:rPr kumimoji="1" lang="ja-JP" altLang="en-US" sz="2400" dirty="0">
+                <a:solidFill>
+                  <a:srgbClr val="FF0000"/>
+                </a:solidFill>
+                <a:latin typeface="メイリオ" panose="020B0604030504040204" pitchFamily="50" charset="-128"/>
+                <a:ea typeface="メイリオ" panose="020B0604030504040204" pitchFamily="50" charset="-128"/>
+              </a:rPr>
+              <a:t>とても手作業では作れない！</a:t>
+            </a:r>
+          </a:p>
+        </p:txBody>
+      </p:sp>
+      <p:pic>
+        <p:nvPicPr>
+          <p:cNvPr id="7" name="図 6">
             <a:extLst>
               <a:ext uri="{FF2B5EF4-FFF2-40B4-BE49-F238E27FC236}">
-                <a16:creationId xmlns:a16="http://schemas.microsoft.com/office/drawing/2014/main" id="{FB5A6F0A-BA00-6789-93BF-D70B20398D8A}"/>
+                <a16:creationId xmlns:a16="http://schemas.microsoft.com/office/drawing/2014/main" id="{72271204-1C58-9370-610A-D8FD758C5237}"/>
+              </a:ext>
+            </a:extLst>
+          </p:cNvPr>
+          <p:cNvPicPr>
+            <a:picLocks noChangeAspect="1"/>
+          </p:cNvPicPr>
+          <p:nvPr/>
+        </p:nvPicPr>
+        <p:blipFill>
+          <a:blip r:embed="rId7"/>
+          <a:stretch>
+            <a:fillRect/>
+          </a:stretch>
+        </p:blipFill>
+        <p:spPr>
+          <a:xfrm>
+            <a:off x="4551753" y="1381643"/>
+            <a:ext cx="5416869" cy="2359744"/>
+          </a:xfrm>
+          <a:prstGeom prst="rect">
+            <a:avLst/>
+          </a:prstGeom>
+        </p:spPr>
+      </p:pic>
+      <p:sp>
+        <p:nvSpPr>
+          <p:cNvPr id="8" name="テキスト ボックス 7">
+            <a:extLst>
+              <a:ext uri="{FF2B5EF4-FFF2-40B4-BE49-F238E27FC236}">
+                <a16:creationId xmlns:a16="http://schemas.microsoft.com/office/drawing/2014/main" id="{CB83CA10-D663-1FB8-02A9-E7A25BE14615}"/>
               </a:ext>
             </a:extLst>
           </p:cNvPr>
@@ -21064,8 +24564,8 @@
         </p:nvSpPr>
         <p:spPr>
           <a:xfrm>
-            <a:off x="9824443" y="3987253"/>
-            <a:ext cx="479618" cy="461665"/>
+            <a:off x="4495512" y="919978"/>
+            <a:ext cx="3400290" cy="461665"/>
           </a:xfrm>
           <a:prstGeom prst="rect">
             <a:avLst/>
@@ -21080,383 +24580,109 @@
           <a:p>
             <a:pPr algn="l"/>
             <a:r>
+              <a:rPr kumimoji="1" lang="ja-JP" altLang="en-US" sz="2400" dirty="0">
+                <a:latin typeface="メイリオ" panose="020B0604030504040204" pitchFamily="50" charset="-128"/>
+                <a:ea typeface="メイリオ" panose="020B0604030504040204" pitchFamily="50" charset="-128"/>
+              </a:rPr>
+              <a:t>例：</a:t>
+            </a:r>
+            <a:r>
               <a:rPr kumimoji="1" lang="en-US" altLang="ja-JP" sz="2400" dirty="0">
                 <a:latin typeface="メイリオ" panose="020B0604030504040204" pitchFamily="50" charset="-128"/>
                 <a:ea typeface="メイリオ" panose="020B0604030504040204" pitchFamily="50" charset="-128"/>
               </a:rPr>
-              <a:t>6 </a:t>
-            </a:r>
-            <a:endParaRPr kumimoji="1" lang="ja-JP" altLang="en-US" sz="2400" dirty="0">
-              <a:latin typeface="メイリオ" panose="020B0604030504040204" pitchFamily="50" charset="-128"/>
-              <a:ea typeface="メイリオ" panose="020B0604030504040204" pitchFamily="50" charset="-128"/>
-            </a:endParaRPr>
-          </a:p>
-        </p:txBody>
-      </p:sp>
-      <p:sp>
-        <p:nvSpPr>
-          <p:cNvPr id="6" name="テキスト ボックス 5">
+              <a:t>10,000</a:t>
+            </a:r>
+            <a:r>
+              <a:rPr kumimoji="1" lang="ja-JP" altLang="en-US" sz="2400" dirty="0">
+                <a:latin typeface="メイリオ" panose="020B0604030504040204" pitchFamily="50" charset="-128"/>
+                <a:ea typeface="メイリオ" panose="020B0604030504040204" pitchFamily="50" charset="-128"/>
+              </a:rPr>
+              <a:t>件の口コミ</a:t>
+            </a:r>
+          </a:p>
+        </p:txBody>
+      </p:sp>
+      <p:pic>
+        <p:nvPicPr>
+          <p:cNvPr id="10" name="図 9">
             <a:extLst>
               <a:ext uri="{FF2B5EF4-FFF2-40B4-BE49-F238E27FC236}">
-                <a16:creationId xmlns:a16="http://schemas.microsoft.com/office/drawing/2014/main" id="{58115421-9FF3-9CFE-8A1D-07548F87F215}"/>
+                <a16:creationId xmlns:a16="http://schemas.microsoft.com/office/drawing/2014/main" id="{30F35B12-D452-90BF-45B9-E405E35A6C8F}"/>
               </a:ext>
             </a:extLst>
           </p:cNvPr>
-          <p:cNvSpPr txBox="1"/>
+          <p:cNvPicPr>
+            <a:picLocks noChangeAspect="1"/>
+          </p:cNvPicPr>
           <p:nvPr/>
-        </p:nvSpPr>
+        </p:nvPicPr>
+        <p:blipFill>
+          <a:blip r:embed="rId8"/>
+          <a:stretch>
+            <a:fillRect/>
+          </a:stretch>
+        </p:blipFill>
         <p:spPr>
           <a:xfrm>
-            <a:off x="8675583" y="3998940"/>
-            <a:ext cx="479618" cy="461665"/>
+            <a:off x="4495512" y="4457381"/>
+            <a:ext cx="5668166" cy="2286319"/>
           </a:xfrm>
           <a:prstGeom prst="rect">
             <a:avLst/>
           </a:prstGeom>
-          <a:noFill/>
         </p:spPr>
-        <p:txBody>
-          <a:bodyPr wrap="none" rtlCol="0">
-            <a:spAutoFit/>
-          </a:bodyPr>
-          <a:lstStyle/>
-          <a:p>
-            <a:pPr algn="l"/>
-            <a:r>
-              <a:rPr kumimoji="1" lang="en-US" altLang="ja-JP" sz="2400" dirty="0">
-                <a:latin typeface="メイリオ" panose="020B0604030504040204" pitchFamily="50" charset="-128"/>
-                <a:ea typeface="メイリオ" panose="020B0604030504040204" pitchFamily="50" charset="-128"/>
-              </a:rPr>
-              <a:t>5 </a:t>
-            </a:r>
-            <a:endParaRPr kumimoji="1" lang="ja-JP" altLang="en-US" sz="2400" dirty="0">
-              <a:latin typeface="メイリオ" panose="020B0604030504040204" pitchFamily="50" charset="-128"/>
-              <a:ea typeface="メイリオ" panose="020B0604030504040204" pitchFamily="50" charset="-128"/>
-            </a:endParaRPr>
-          </a:p>
-        </p:txBody>
-      </p:sp>
-      <p:sp>
-        <p:nvSpPr>
-          <p:cNvPr id="7" name="テキスト ボックス 6">
+      </p:pic>
+      <p:sp>
+        <p:nvSpPr>
+          <p:cNvPr id="11" name="矢印: 下 10">
             <a:extLst>
               <a:ext uri="{FF2B5EF4-FFF2-40B4-BE49-F238E27FC236}">
-                <a16:creationId xmlns:a16="http://schemas.microsoft.com/office/drawing/2014/main" id="{7DD744E9-D678-8367-8A20-4C6539B6A2AF}"/>
+                <a16:creationId xmlns:a16="http://schemas.microsoft.com/office/drawing/2014/main" id="{1A24BCC7-9895-87E5-4D03-59569B96632F}"/>
               </a:ext>
             </a:extLst>
           </p:cNvPr>
-          <p:cNvSpPr txBox="1"/>
+          <p:cNvSpPr/>
           <p:nvPr/>
         </p:nvSpPr>
         <p:spPr>
           <a:xfrm>
-            <a:off x="7441136" y="3998940"/>
-            <a:ext cx="479618" cy="461665"/>
+            <a:off x="4844562" y="3915727"/>
+            <a:ext cx="1336430" cy="461665"/>
           </a:xfrm>
-          <a:prstGeom prst="rect">
+          <a:prstGeom prst="downArrow">
             <a:avLst/>
           </a:prstGeom>
-          <a:noFill/>
         </p:spPr>
-        <p:txBody>
-          <a:bodyPr wrap="none" rtlCol="0">
-            <a:spAutoFit/>
-          </a:bodyPr>
+        <p:style>
+          <a:lnRef idx="2">
+            <a:schemeClr val="accent1">
+              <a:shade val="15000"/>
+            </a:schemeClr>
+          </a:lnRef>
+          <a:fillRef idx="1">
+            <a:schemeClr val="accent1"/>
+          </a:fillRef>
+          <a:effectRef idx="0">
+            <a:schemeClr val="accent1"/>
+          </a:effectRef>
+          <a:fontRef idx="minor">
+            <a:schemeClr val="lt1"/>
+          </a:fontRef>
+        </p:style>
+        <p:txBody>
+          <a:bodyPr rtlCol="0" anchor="ctr"/>
           <a:lstStyle/>
           <a:p>
-            <a:pPr algn="l"/>
-            <a:r>
-              <a:rPr kumimoji="1" lang="en-US" altLang="ja-JP" sz="2400" dirty="0">
-                <a:latin typeface="メイリオ" panose="020B0604030504040204" pitchFamily="50" charset="-128"/>
-                <a:ea typeface="メイリオ" panose="020B0604030504040204" pitchFamily="50" charset="-128"/>
-              </a:rPr>
-              <a:t>4 </a:t>
-            </a:r>
-            <a:endParaRPr kumimoji="1" lang="ja-JP" altLang="en-US" sz="2400" dirty="0">
-              <a:latin typeface="メイリオ" panose="020B0604030504040204" pitchFamily="50" charset="-128"/>
-              <a:ea typeface="メイリオ" panose="020B0604030504040204" pitchFamily="50" charset="-128"/>
-            </a:endParaRPr>
-          </a:p>
-        </p:txBody>
-      </p:sp>
-      <p:sp>
-        <p:nvSpPr>
-          <p:cNvPr id="8" name="テキスト ボックス 7">
-            <a:extLst>
-              <a:ext uri="{FF2B5EF4-FFF2-40B4-BE49-F238E27FC236}">
-                <a16:creationId xmlns:a16="http://schemas.microsoft.com/office/drawing/2014/main" id="{70934CD2-8C85-CDF0-DFDB-E55D22AB0B3B}"/>
-              </a:ext>
-            </a:extLst>
-          </p:cNvPr>
-          <p:cNvSpPr txBox="1"/>
-          <p:nvPr/>
-        </p:nvSpPr>
-        <p:spPr>
-          <a:xfrm>
-            <a:off x="6203180" y="3996098"/>
-            <a:ext cx="479618" cy="461665"/>
-          </a:xfrm>
-          <a:prstGeom prst="rect">
-            <a:avLst/>
-          </a:prstGeom>
-          <a:noFill/>
-        </p:spPr>
-        <p:txBody>
-          <a:bodyPr wrap="none" rtlCol="0">
-            <a:spAutoFit/>
-          </a:bodyPr>
-          <a:lstStyle/>
-          <a:p>
-            <a:pPr algn="l"/>
-            <a:r>
-              <a:rPr kumimoji="1" lang="en-US" altLang="ja-JP" sz="2400" dirty="0">
-                <a:latin typeface="メイリオ" panose="020B0604030504040204" pitchFamily="50" charset="-128"/>
-                <a:ea typeface="メイリオ" panose="020B0604030504040204" pitchFamily="50" charset="-128"/>
-              </a:rPr>
-              <a:t>3 </a:t>
-            </a:r>
-            <a:endParaRPr kumimoji="1" lang="ja-JP" altLang="en-US" sz="2400" dirty="0">
-              <a:latin typeface="メイリオ" panose="020B0604030504040204" pitchFamily="50" charset="-128"/>
-              <a:ea typeface="メイリオ" panose="020B0604030504040204" pitchFamily="50" charset="-128"/>
-            </a:endParaRPr>
-          </a:p>
-        </p:txBody>
-      </p:sp>
-      <p:sp>
-        <p:nvSpPr>
-          <p:cNvPr id="9" name="テキスト ボックス 8">
-            <a:extLst>
-              <a:ext uri="{FF2B5EF4-FFF2-40B4-BE49-F238E27FC236}">
-                <a16:creationId xmlns:a16="http://schemas.microsoft.com/office/drawing/2014/main" id="{7539DD59-5585-FED6-68ED-E7F0816F46B4}"/>
-              </a:ext>
-            </a:extLst>
-          </p:cNvPr>
-          <p:cNvSpPr txBox="1"/>
-          <p:nvPr/>
-        </p:nvSpPr>
-        <p:spPr>
-          <a:xfrm>
-            <a:off x="4965224" y="3990079"/>
-            <a:ext cx="479618" cy="461665"/>
-          </a:xfrm>
-          <a:prstGeom prst="rect">
-            <a:avLst/>
-          </a:prstGeom>
-          <a:noFill/>
-        </p:spPr>
-        <p:txBody>
-          <a:bodyPr wrap="none" rtlCol="0">
-            <a:spAutoFit/>
-          </a:bodyPr>
-          <a:lstStyle/>
-          <a:p>
-            <a:pPr algn="l"/>
-            <a:r>
-              <a:rPr kumimoji="1" lang="en-US" altLang="ja-JP" sz="2400" dirty="0">
-                <a:latin typeface="メイリオ" panose="020B0604030504040204" pitchFamily="50" charset="-128"/>
-                <a:ea typeface="メイリオ" panose="020B0604030504040204" pitchFamily="50" charset="-128"/>
-              </a:rPr>
-              <a:t>2 </a:t>
-            </a:r>
-            <a:endParaRPr kumimoji="1" lang="ja-JP" altLang="en-US" sz="2400" dirty="0">
-              <a:latin typeface="メイリオ" panose="020B0604030504040204" pitchFamily="50" charset="-128"/>
-              <a:ea typeface="メイリオ" panose="020B0604030504040204" pitchFamily="50" charset="-128"/>
-            </a:endParaRPr>
-          </a:p>
-        </p:txBody>
-      </p:sp>
-      <p:sp>
-        <p:nvSpPr>
-          <p:cNvPr id="10" name="テキスト ボックス 9">
-            <a:extLst>
-              <a:ext uri="{FF2B5EF4-FFF2-40B4-BE49-F238E27FC236}">
-                <a16:creationId xmlns:a16="http://schemas.microsoft.com/office/drawing/2014/main" id="{3848EF01-A523-EA17-9932-56779553FAA2}"/>
-              </a:ext>
-            </a:extLst>
-          </p:cNvPr>
-          <p:cNvSpPr txBox="1"/>
-          <p:nvPr/>
-        </p:nvSpPr>
-        <p:spPr>
-          <a:xfrm>
-            <a:off x="3679669" y="3990080"/>
-            <a:ext cx="479618" cy="461665"/>
-          </a:xfrm>
-          <a:prstGeom prst="rect">
-            <a:avLst/>
-          </a:prstGeom>
-          <a:noFill/>
-        </p:spPr>
-        <p:txBody>
-          <a:bodyPr wrap="none" rtlCol="0">
-            <a:spAutoFit/>
-          </a:bodyPr>
-          <a:lstStyle/>
-          <a:p>
-            <a:pPr algn="l"/>
-            <a:r>
-              <a:rPr kumimoji="1" lang="en-US" altLang="ja-JP" sz="2400" dirty="0">
-                <a:latin typeface="メイリオ" panose="020B0604030504040204" pitchFamily="50" charset="-128"/>
-                <a:ea typeface="メイリオ" panose="020B0604030504040204" pitchFamily="50" charset="-128"/>
-              </a:rPr>
-              <a:t>1 </a:t>
-            </a:r>
-            <a:endParaRPr kumimoji="1" lang="ja-JP" altLang="en-US" sz="2400" dirty="0">
-              <a:latin typeface="メイリオ" panose="020B0604030504040204" pitchFamily="50" charset="-128"/>
-              <a:ea typeface="メイリオ" panose="020B0604030504040204" pitchFamily="50" charset="-128"/>
-            </a:endParaRPr>
-          </a:p>
-        </p:txBody>
-      </p:sp>
-      <p:sp>
-        <p:nvSpPr>
-          <p:cNvPr id="13" name="テキスト ボックス 12">
-            <a:extLst>
-              <a:ext uri="{FF2B5EF4-FFF2-40B4-BE49-F238E27FC236}">
-                <a16:creationId xmlns:a16="http://schemas.microsoft.com/office/drawing/2014/main" id="{28BC73F1-AED8-3575-8ADB-120AE6D04916}"/>
-              </a:ext>
-            </a:extLst>
-          </p:cNvPr>
-          <p:cNvSpPr txBox="1"/>
-          <p:nvPr/>
-        </p:nvSpPr>
-        <p:spPr>
-          <a:xfrm>
-            <a:off x="620110" y="1229710"/>
-            <a:ext cx="10187404" cy="1200329"/>
-          </a:xfrm>
-          <a:prstGeom prst="rect">
-            <a:avLst/>
-          </a:prstGeom>
-          <a:noFill/>
-        </p:spPr>
-        <p:txBody>
-          <a:bodyPr wrap="none" rtlCol="0">
-            <a:spAutoFit/>
-          </a:bodyPr>
-          <a:lstStyle/>
-          <a:p>
-            <a:pPr marL="457200" indent="-457200" algn="l">
-              <a:buFont typeface="+mj-lt"/>
-              <a:buAutoNum type="arabicPeriod"/>
-            </a:pPr>
-            <a:r>
-              <a:rPr kumimoji="1" lang="ja-JP" altLang="en-US" sz="2400" dirty="0">
-                <a:latin typeface="メイリオ" panose="020B0604030504040204" pitchFamily="50" charset="-128"/>
-                <a:ea typeface="メイリオ" panose="020B0604030504040204" pitchFamily="50" charset="-128"/>
-              </a:rPr>
-              <a:t>データ（レシピ）の全単語を重複がないように取り出す。</a:t>
-            </a:r>
-            <a:endParaRPr kumimoji="1" lang="en-US" altLang="ja-JP" sz="2400" dirty="0">
-              <a:latin typeface="メイリオ" panose="020B0604030504040204" pitchFamily="50" charset="-128"/>
-              <a:ea typeface="メイリオ" panose="020B0604030504040204" pitchFamily="50" charset="-128"/>
-            </a:endParaRPr>
-          </a:p>
-          <a:p>
-            <a:pPr marL="457200" indent="-457200" algn="l">
-              <a:buFont typeface="+mj-lt"/>
-              <a:buAutoNum type="arabicPeriod"/>
-            </a:pPr>
-            <a:r>
-              <a:rPr kumimoji="1" lang="ja-JP" altLang="en-US" sz="2400" dirty="0">
-                <a:latin typeface="メイリオ" panose="020B0604030504040204" pitchFamily="50" charset="-128"/>
-                <a:ea typeface="メイリオ" panose="020B0604030504040204" pitchFamily="50" charset="-128"/>
-              </a:rPr>
-              <a:t>取り出した単語に</a:t>
-            </a:r>
-            <a:r>
-              <a:rPr kumimoji="1" lang="en-US" altLang="ja-JP" sz="2400" dirty="0">
-                <a:latin typeface="メイリオ" panose="020B0604030504040204" pitchFamily="50" charset="-128"/>
-                <a:ea typeface="メイリオ" panose="020B0604030504040204" pitchFamily="50" charset="-128"/>
-              </a:rPr>
-              <a:t>id(</a:t>
-            </a:r>
-            <a:r>
-              <a:rPr kumimoji="1" lang="ja-JP" altLang="en-US" sz="2400" dirty="0">
-                <a:latin typeface="メイリオ" panose="020B0604030504040204" pitchFamily="50" charset="-128"/>
-                <a:ea typeface="メイリオ" panose="020B0604030504040204" pitchFamily="50" charset="-128"/>
-              </a:rPr>
-              <a:t>シーケンス番号）をつける→</a:t>
-            </a:r>
-            <a:r>
-              <a:rPr kumimoji="1" lang="ja-JP" altLang="en-US" sz="2400" dirty="0">
-                <a:solidFill>
-                  <a:srgbClr val="FF0000"/>
-                </a:solidFill>
-                <a:latin typeface="メイリオ" panose="020B0604030504040204" pitchFamily="50" charset="-128"/>
-                <a:ea typeface="メイリオ" panose="020B0604030504040204" pitchFamily="50" charset="-128"/>
-              </a:rPr>
-              <a:t>インデックス</a:t>
-            </a:r>
-            <a:endParaRPr kumimoji="1" lang="en-US" altLang="ja-JP" sz="2400" dirty="0">
-              <a:solidFill>
-                <a:srgbClr val="FF0000"/>
-              </a:solidFill>
-              <a:latin typeface="メイリオ" panose="020B0604030504040204" pitchFamily="50" charset="-128"/>
-              <a:ea typeface="メイリオ" panose="020B0604030504040204" pitchFamily="50" charset="-128"/>
-            </a:endParaRPr>
-          </a:p>
-          <a:p>
-            <a:pPr marL="457200" indent="-457200" algn="l">
-              <a:buFont typeface="+mj-lt"/>
-              <a:buAutoNum type="arabicPeriod"/>
-            </a:pPr>
-            <a:r>
-              <a:rPr kumimoji="1" lang="ja-JP" altLang="en-US" sz="2400" dirty="0">
-                <a:solidFill>
-                  <a:srgbClr val="FF0000"/>
-                </a:solidFill>
-                <a:latin typeface="メイリオ" panose="020B0604030504040204" pitchFamily="50" charset="-128"/>
-                <a:ea typeface="メイリオ" panose="020B0604030504040204" pitchFamily="50" charset="-128"/>
-              </a:rPr>
-              <a:t>インデックスは各データに出現する単語の列番号を参照するのに重要</a:t>
-            </a:r>
-          </a:p>
-        </p:txBody>
-      </p:sp>
-      <p:sp>
-        <p:nvSpPr>
-          <p:cNvPr id="14" name="テキスト ボックス 13">
-            <a:extLst>
-              <a:ext uri="{FF2B5EF4-FFF2-40B4-BE49-F238E27FC236}">
-                <a16:creationId xmlns:a16="http://schemas.microsoft.com/office/drawing/2014/main" id="{12489DCC-B67D-D6AE-7003-AD0E36128A38}"/>
-              </a:ext>
-            </a:extLst>
-          </p:cNvPr>
-          <p:cNvSpPr txBox="1"/>
-          <p:nvPr/>
-        </p:nvSpPr>
-        <p:spPr>
-          <a:xfrm>
-            <a:off x="475781" y="3974022"/>
-            <a:ext cx="2031325" cy="461665"/>
-          </a:xfrm>
-          <a:prstGeom prst="rect">
-            <a:avLst/>
-          </a:prstGeom>
-          <a:noFill/>
-        </p:spPr>
-        <p:txBody>
-          <a:bodyPr wrap="none" rtlCol="0">
-            <a:spAutoFit/>
-          </a:bodyPr>
-          <a:lstStyle/>
-          <a:p>
-            <a:pPr algn="l"/>
-            <a:r>
-              <a:rPr kumimoji="1" lang="ja-JP" altLang="en-US" sz="2400" dirty="0">
-                <a:latin typeface="メイリオ" panose="020B0604030504040204" pitchFamily="50" charset="-128"/>
-                <a:ea typeface="メイリオ" panose="020B0604030504040204" pitchFamily="50" charset="-128"/>
-              </a:rPr>
-              <a:t>インデックス</a:t>
-            </a:r>
+            <a:pPr algn="ctr"/>
+            <a:endParaRPr kumimoji="1" lang="ja-JP" altLang="en-US"/>
           </a:p>
         </p:txBody>
       </p:sp>
     </p:spTree>
     <p:extLst>
       <p:ext uri="{BB962C8B-B14F-4D97-AF65-F5344CB8AC3E}">
-        <p14:creationId xmlns:p14="http://schemas.microsoft.com/office/powerpoint/2010/main" val="192098611"/>
+        <p14:creationId xmlns:p14="http://schemas.microsoft.com/office/powerpoint/2010/main" val="3758096881"/>
       </p:ext>
     </p:extLst>
   </p:cSld>

--- a/textmining3 BOW.pptx
+++ b/textmining3 BOW.pptx
@@ -5141,7 +5141,7 @@
           <a:p>
             <a:fld id="{0135936D-836F-419C-9F68-DEDA5DD6EA2C}" type="datetimeFigureOut">
               <a:rPr kumimoji="1" lang="ja-JP" altLang="en-US" smtClean="0"/>
-              <a:t>2025/5/8</a:t>
+              <a:t>2025/5/15</a:t>
             </a:fld>
             <a:endParaRPr kumimoji="1" lang="ja-JP" altLang="en-US"/>
           </a:p>
@@ -5589,6 +5589,90 @@
           <a:p>
             <a:fld id="{F88306EB-F4D8-4CD3-A9EA-E1E8C435DBF8}" type="slidenum">
               <a:rPr kumimoji="1" lang="ja-JP" altLang="en-US" smtClean="0"/>
+              <a:t>16</a:t>
+            </a:fld>
+            <a:endParaRPr kumimoji="1" lang="ja-JP" altLang="en-US"/>
+          </a:p>
+        </p:txBody>
+      </p:sp>
+    </p:spTree>
+    <p:extLst>
+      <p:ext uri="{BB962C8B-B14F-4D97-AF65-F5344CB8AC3E}">
+        <p14:creationId xmlns:p14="http://schemas.microsoft.com/office/powerpoint/2010/main" val="2146703641"/>
+      </p:ext>
+    </p:extLst>
+  </p:cSld>
+  <p:clrMapOvr>
+    <a:masterClrMapping/>
+  </p:clrMapOvr>
+</p:notes>
+</file>
+
+<file path=ppt/notesSlides/notesSlide3.xml><?xml version="1.0" encoding="utf-8"?>
+<p:notes xmlns:a="http://schemas.openxmlformats.org/drawingml/2006/main" xmlns:r="http://schemas.openxmlformats.org/officeDocument/2006/relationships" xmlns:p="http://schemas.openxmlformats.org/presentationml/2006/main">
+  <p:cSld>
+    <p:spTree>
+      <p:nvGrpSpPr>
+        <p:cNvPr id="1" name=""/>
+        <p:cNvGrpSpPr/>
+        <p:nvPr/>
+      </p:nvGrpSpPr>
+      <p:grpSpPr>
+        <a:xfrm>
+          <a:off x="0" y="0"/>
+          <a:ext cx="0" cy="0"/>
+          <a:chOff x="0" y="0"/>
+          <a:chExt cx="0" cy="0"/>
+        </a:xfrm>
+      </p:grpSpPr>
+      <p:sp>
+        <p:nvSpPr>
+          <p:cNvPr id="2" name="スライド イメージ プレースホルダー 1"/>
+          <p:cNvSpPr>
+            <a:spLocks noGrp="1" noRot="1" noChangeAspect="1"/>
+          </p:cNvSpPr>
+          <p:nvPr>
+            <p:ph type="sldImg"/>
+          </p:nvPr>
+        </p:nvSpPr>
+        <p:spPr/>
+      </p:sp>
+      <p:sp>
+        <p:nvSpPr>
+          <p:cNvPr id="3" name="ノート プレースホルダー 2"/>
+          <p:cNvSpPr>
+            <a:spLocks noGrp="1"/>
+          </p:cNvSpPr>
+          <p:nvPr>
+            <p:ph type="body" idx="1"/>
+          </p:nvPr>
+        </p:nvSpPr>
+        <p:spPr/>
+        <p:txBody>
+          <a:bodyPr/>
+          <a:lstStyle/>
+          <a:p>
+            <a:endParaRPr kumimoji="1" lang="ja-JP" altLang="en-US" dirty="0"/>
+          </a:p>
+        </p:txBody>
+      </p:sp>
+      <p:sp>
+        <p:nvSpPr>
+          <p:cNvPr id="4" name="スライド番号プレースホルダー 3"/>
+          <p:cNvSpPr>
+            <a:spLocks noGrp="1"/>
+          </p:cNvSpPr>
+          <p:nvPr>
+            <p:ph type="sldNum" sz="quarter" idx="5"/>
+          </p:nvPr>
+        </p:nvSpPr>
+        <p:spPr/>
+        <p:txBody>
+          <a:bodyPr/>
+          <a:lstStyle/>
+          <a:p>
+            <a:fld id="{F88306EB-F4D8-4CD3-A9EA-E1E8C435DBF8}" type="slidenum">
+              <a:rPr kumimoji="1" lang="ja-JP" altLang="en-US" smtClean="0"/>
               <a:t>22</a:t>
             </a:fld>
             <a:endParaRPr kumimoji="1" lang="ja-JP" altLang="en-US"/>
@@ -5608,7 +5692,7 @@
 </p:notes>
 </file>
 
-<file path=ppt/notesSlides/notesSlide3.xml><?xml version="1.0" encoding="utf-8"?>
+<file path=ppt/notesSlides/notesSlide4.xml><?xml version="1.0" encoding="utf-8"?>
 <p:notes xmlns:a="http://schemas.openxmlformats.org/drawingml/2006/main" xmlns:r="http://schemas.openxmlformats.org/officeDocument/2006/relationships" xmlns:p="http://schemas.openxmlformats.org/presentationml/2006/main">
   <p:cSld>
     <p:spTree>
@@ -5823,7 +5907,7 @@
           <a:p>
             <a:fld id="{2ABC02D7-CBD1-4D33-B166-78A898DF0F76}" type="datetimeFigureOut">
               <a:rPr kumimoji="1" lang="ja-JP" altLang="en-US" smtClean="0"/>
-              <a:t>2025/5/8</a:t>
+              <a:t>2025/5/15</a:t>
             </a:fld>
             <a:endParaRPr kumimoji="1" lang="ja-JP" altLang="en-US"/>
           </a:p>
@@ -6025,7 +6109,7 @@
           <a:p>
             <a:fld id="{2ABC02D7-CBD1-4D33-B166-78A898DF0F76}" type="datetimeFigureOut">
               <a:rPr kumimoji="1" lang="ja-JP" altLang="en-US" smtClean="0"/>
-              <a:t>2025/5/8</a:t>
+              <a:t>2025/5/15</a:t>
             </a:fld>
             <a:endParaRPr kumimoji="1" lang="ja-JP" altLang="en-US"/>
           </a:p>
@@ -6237,7 +6321,7 @@
           <a:p>
             <a:fld id="{2ABC02D7-CBD1-4D33-B166-78A898DF0F76}" type="datetimeFigureOut">
               <a:rPr kumimoji="1" lang="ja-JP" altLang="en-US" smtClean="0"/>
-              <a:t>2025/5/8</a:t>
+              <a:t>2025/5/15</a:t>
             </a:fld>
             <a:endParaRPr kumimoji="1" lang="ja-JP" altLang="en-US"/>
           </a:p>
@@ -6439,7 +6523,7 @@
           <a:p>
             <a:fld id="{2ABC02D7-CBD1-4D33-B166-78A898DF0F76}" type="datetimeFigureOut">
               <a:rPr kumimoji="1" lang="ja-JP" altLang="en-US" smtClean="0"/>
-              <a:t>2025/5/8</a:t>
+              <a:t>2025/5/15</a:t>
             </a:fld>
             <a:endParaRPr kumimoji="1" lang="ja-JP" altLang="en-US"/>
           </a:p>
@@ -6685,7 +6769,7 @@
           <a:p>
             <a:fld id="{2ABC02D7-CBD1-4D33-B166-78A898DF0F76}" type="datetimeFigureOut">
               <a:rPr kumimoji="1" lang="ja-JP" altLang="en-US" smtClean="0"/>
-              <a:t>2025/5/8</a:t>
+              <a:t>2025/5/15</a:t>
             </a:fld>
             <a:endParaRPr kumimoji="1" lang="ja-JP" altLang="en-US"/>
           </a:p>
@@ -6981,7 +7065,7 @@
           <a:p>
             <a:fld id="{2ABC02D7-CBD1-4D33-B166-78A898DF0F76}" type="datetimeFigureOut">
               <a:rPr kumimoji="1" lang="ja-JP" altLang="en-US" smtClean="0"/>
-              <a:t>2025/5/8</a:t>
+              <a:t>2025/5/15</a:t>
             </a:fld>
             <a:endParaRPr kumimoji="1" lang="ja-JP" altLang="en-US"/>
           </a:p>
@@ -7412,7 +7496,7 @@
           <a:p>
             <a:fld id="{2ABC02D7-CBD1-4D33-B166-78A898DF0F76}" type="datetimeFigureOut">
               <a:rPr kumimoji="1" lang="ja-JP" altLang="en-US" smtClean="0"/>
-              <a:t>2025/5/8</a:t>
+              <a:t>2025/5/15</a:t>
             </a:fld>
             <a:endParaRPr kumimoji="1" lang="ja-JP" altLang="en-US"/>
           </a:p>
@@ -7530,7 +7614,7 @@
           <a:p>
             <a:fld id="{2ABC02D7-CBD1-4D33-B166-78A898DF0F76}" type="datetimeFigureOut">
               <a:rPr kumimoji="1" lang="ja-JP" altLang="en-US" smtClean="0"/>
-              <a:t>2025/5/8</a:t>
+              <a:t>2025/5/15</a:t>
             </a:fld>
             <a:endParaRPr kumimoji="1" lang="ja-JP" altLang="en-US"/>
           </a:p>
@@ -7625,7 +7709,7 @@
           <a:p>
             <a:fld id="{2ABC02D7-CBD1-4D33-B166-78A898DF0F76}" type="datetimeFigureOut">
               <a:rPr kumimoji="1" lang="ja-JP" altLang="en-US" smtClean="0"/>
-              <a:t>2025/5/8</a:t>
+              <a:t>2025/5/15</a:t>
             </a:fld>
             <a:endParaRPr kumimoji="1" lang="ja-JP" altLang="en-US"/>
           </a:p>
@@ -7934,7 +8018,7 @@
           <a:p>
             <a:fld id="{2ABC02D7-CBD1-4D33-B166-78A898DF0F76}" type="datetimeFigureOut">
               <a:rPr kumimoji="1" lang="ja-JP" altLang="en-US" smtClean="0"/>
-              <a:t>2025/5/8</a:t>
+              <a:t>2025/5/15</a:t>
             </a:fld>
             <a:endParaRPr kumimoji="1" lang="ja-JP" altLang="en-US"/>
           </a:p>
@@ -8191,7 +8275,7 @@
           <a:p>
             <a:fld id="{2ABC02D7-CBD1-4D33-B166-78A898DF0F76}" type="datetimeFigureOut">
               <a:rPr kumimoji="1" lang="ja-JP" altLang="en-US" smtClean="0"/>
-              <a:t>2025/5/8</a:t>
+              <a:t>2025/5/15</a:t>
             </a:fld>
             <a:endParaRPr kumimoji="1" lang="ja-JP" altLang="en-US"/>
           </a:p>
@@ -8436,7 +8520,7 @@
           <a:p>
             <a:fld id="{2ABC02D7-CBD1-4D33-B166-78A898DF0F76}" type="datetimeFigureOut">
               <a:rPr kumimoji="1" lang="ja-JP" altLang="en-US" smtClean="0"/>
-              <a:t>2025/5/8</a:t>
+              <a:t>2025/5/15</a:t>
             </a:fld>
             <a:endParaRPr kumimoji="1" lang="ja-JP" altLang="en-US"/>
           </a:p>
@@ -13541,7 +13625,7 @@
           <p:nvPr/>
         </p:nvPicPr>
         <p:blipFill>
-          <a:blip r:embed="rId2"/>
+          <a:blip r:embed="rId3"/>
           <a:stretch>
             <a:fillRect/>
           </a:stretch>
@@ -14543,7 +14627,7 @@
         </p:nvCxnSpPr>
         <p:spPr>
           <a:xfrm flipH="1">
-            <a:off x="7613364" y="4621162"/>
+            <a:off x="7619806" y="4603763"/>
             <a:ext cx="1592826" cy="698090"/>
           </a:xfrm>
           <a:prstGeom prst="straightConnector1">
@@ -14582,7 +14666,7 @@
         </p:nvSpPr>
         <p:spPr>
           <a:xfrm>
-            <a:off x="8409777" y="4714430"/>
+            <a:off x="8416219" y="4697031"/>
             <a:ext cx="492443" cy="461665"/>
           </a:xfrm>
           <a:prstGeom prst="rect">
@@ -14626,7 +14710,7 @@
         </p:nvSpPr>
         <p:spPr>
           <a:xfrm rot="20210776">
-            <a:off x="7399414" y="5343657"/>
+            <a:off x="10849722" y="5940757"/>
             <a:ext cx="800219" cy="461665"/>
           </a:xfrm>
           <a:prstGeom prst="rect">
@@ -14704,7 +14788,7 @@
         </p:nvSpPr>
         <p:spPr>
           <a:xfrm rot="1253015">
-            <a:off x="10345903" y="5262673"/>
+            <a:off x="6907288" y="5318068"/>
             <a:ext cx="1107996" cy="461665"/>
           </a:xfrm>
           <a:prstGeom prst="rect">
@@ -14743,7 +14827,7 @@
         </p:nvSpPr>
         <p:spPr>
           <a:xfrm>
-            <a:off x="7646092" y="4618688"/>
+            <a:off x="7652534" y="4601289"/>
             <a:ext cx="492443" cy="461665"/>
           </a:xfrm>
           <a:prstGeom prst="rect">
@@ -14787,7 +14871,7 @@
         </p:nvSpPr>
         <p:spPr>
           <a:xfrm>
-            <a:off x="9816509" y="3443056"/>
+            <a:off x="9848278" y="4068528"/>
             <a:ext cx="492443" cy="461665"/>
           </a:xfrm>
           <a:prstGeom prst="rect">
@@ -14829,7 +14913,7 @@
         </p:nvSpPr>
         <p:spPr>
           <a:xfrm>
-            <a:off x="10184499" y="3081403"/>
+            <a:off x="10392027" y="4189411"/>
             <a:ext cx="492443" cy="461665"/>
           </a:xfrm>
           <a:prstGeom prst="rect">
@@ -14871,7 +14955,7 @@
         </p:nvSpPr>
         <p:spPr>
           <a:xfrm rot="648211">
-            <a:off x="7340878" y="4355690"/>
+            <a:off x="7347320" y="4338291"/>
             <a:ext cx="1865308" cy="963562"/>
           </a:xfrm>
           <a:prstGeom prst="ellipse">
@@ -14922,9 +15006,9 @@
           <p:nvPr/>
         </p:nvSpPr>
         <p:spPr>
-          <a:xfrm rot="19836867">
-            <a:off x="9322594" y="3066012"/>
-            <a:ext cx="1865308" cy="963562"/>
+          <a:xfrm rot="18681798">
+            <a:off x="9882453" y="3603500"/>
+            <a:ext cx="972045" cy="1616697"/>
           </a:xfrm>
           <a:prstGeom prst="ellipse">
             <a:avLst/>
@@ -14970,13 +15054,15 @@
               </a:ext>
             </a:extLst>
           </p:cNvPr>
-          <p:cNvCxnSpPr/>
+          <p:cNvCxnSpPr>
+            <a:cxnSpLocks/>
+          </p:cNvCxnSpPr>
           <p:nvPr/>
         </p:nvCxnSpPr>
         <p:spPr>
           <a:xfrm>
             <a:off x="7799523" y="3081403"/>
-            <a:ext cx="2753686" cy="1998950"/>
+            <a:ext cx="2416744" cy="2386729"/>
           </a:xfrm>
           <a:prstGeom prst="line">
             <a:avLst/>
@@ -15016,7 +15102,7 @@
         </p:nvSpPr>
         <p:spPr>
           <a:xfrm>
-            <a:off x="6832713" y="3904721"/>
+            <a:off x="6839155" y="3887322"/>
             <a:ext cx="2031325" cy="461665"/>
           </a:xfrm>
           <a:prstGeom prst="rect">
@@ -15054,8 +15140,8 @@
           <p:nvPr/>
         </p:nvSpPr>
         <p:spPr>
-          <a:xfrm>
-            <a:off x="10479418" y="2645049"/>
+          <a:xfrm rot="1333554">
+            <a:off x="9929412" y="3426845"/>
             <a:ext cx="1723549" cy="461665"/>
           </a:xfrm>
           <a:prstGeom prst="rect">
